--- a/毕业答辩ppt.pptx
+++ b/毕业答辩ppt.pptx
@@ -5,10 +5,10 @@
     <p:sldMasterId id="2147483656" r:id="rId1"/>
   </p:sldMasterIdLst>
   <p:notesMasterIdLst>
-    <p:notesMasterId r:id="rId27"/>
+    <p:notesMasterId r:id="rId32"/>
   </p:notesMasterIdLst>
   <p:handoutMasterIdLst>
-    <p:handoutMasterId r:id="rId28"/>
+    <p:handoutMasterId r:id="rId33"/>
   </p:handoutMasterIdLst>
   <p:sldIdLst>
     <p:sldId id="256" r:id="rId2"/>
@@ -29,13 +29,18 @@
     <p:sldId id="421" r:id="rId17"/>
     <p:sldId id="420" r:id="rId18"/>
     <p:sldId id="412" r:id="rId19"/>
-    <p:sldId id="415" r:id="rId20"/>
-    <p:sldId id="374" r:id="rId21"/>
-    <p:sldId id="417" r:id="rId22"/>
-    <p:sldId id="395" r:id="rId23"/>
-    <p:sldId id="401" r:id="rId24"/>
-    <p:sldId id="376" r:id="rId25"/>
-    <p:sldId id="377" r:id="rId26"/>
+    <p:sldId id="428" r:id="rId20"/>
+    <p:sldId id="425" r:id="rId21"/>
+    <p:sldId id="415" r:id="rId22"/>
+    <p:sldId id="423" r:id="rId23"/>
+    <p:sldId id="424" r:id="rId24"/>
+    <p:sldId id="430" r:id="rId25"/>
+    <p:sldId id="431" r:id="rId26"/>
+    <p:sldId id="417" r:id="rId27"/>
+    <p:sldId id="395" r:id="rId28"/>
+    <p:sldId id="401" r:id="rId29"/>
+    <p:sldId id="376" r:id="rId30"/>
+    <p:sldId id="377" r:id="rId31"/>
   </p:sldIdLst>
   <p:sldSz cx="9144000" cy="6858000" type="screen4x3"/>
   <p:notesSz cx="6797675" cy="9874250"/>
@@ -385,11 +390,11 @@
         </c:dLbls>
         <c:marker val="1"/>
         <c:smooth val="0"/>
-        <c:axId val="-1228070576"/>
-        <c:axId val="-1228079280"/>
+        <c:axId val="-1026726784"/>
+        <c:axId val="-1026716448"/>
       </c:lineChart>
       <c:catAx>
-        <c:axId val="-1228070576"/>
+        <c:axId val="-1026726784"/>
         <c:scaling>
           <c:orientation val="minMax"/>
         </c:scaling>
@@ -501,7 +506,7 @@
             <a:endParaRPr lang="zh-CN"/>
           </a:p>
         </c:txPr>
-        <c:crossAx val="-1228079280"/>
+        <c:crossAx val="-1026716448"/>
         <c:crosses val="autoZero"/>
         <c:auto val="1"/>
         <c:lblAlgn val="ctr"/>
@@ -509,7 +514,7 @@
         <c:noMultiLvlLbl val="0"/>
       </c:catAx>
       <c:valAx>
-        <c:axId val="-1228079280"/>
+        <c:axId val="-1026716448"/>
         <c:scaling>
           <c:orientation val="minMax"/>
           <c:min val="0.5"/>
@@ -620,7 +625,7 @@
             <a:endParaRPr lang="zh-CN"/>
           </a:p>
         </c:txPr>
-        <c:crossAx val="-1228070576"/>
+        <c:crossAx val="-1026726784"/>
         <c:crosses val="autoZero"/>
         <c:crossBetween val="between"/>
       </c:valAx>
@@ -6973,7 +6978,14 @@
               <a:latin typeface="楷体" panose="02010609060101010101" pitchFamily="49" charset="-122"/>
               <a:ea typeface="楷体" panose="02010609060101010101" pitchFamily="49" charset="-122"/>
             </a:rPr>
-            <a:t>研究背景与目的</a:t>
+            <a:t>研究背景</a:t>
+          </a:r>
+          <a:r>
+            <a:rPr lang="zh-CN" altLang="en-US" dirty="0" smtClean="0">
+              <a:latin typeface="楷体" panose="02010609060101010101" pitchFamily="49" charset="-122"/>
+              <a:ea typeface="楷体" panose="02010609060101010101" pitchFamily="49" charset="-122"/>
+            </a:rPr>
+            <a:t>与问题描述</a:t>
           </a:r>
           <a:endParaRPr lang="zh-CN" dirty="0">
             <a:latin typeface="楷体" panose="02010609060101010101" pitchFamily="49" charset="-122"/>
@@ -7565,14 +7577,7 @@
               <a:latin typeface="楷体" panose="02010609060101010101" pitchFamily="49" charset="-122"/>
               <a:ea typeface="楷体" panose="02010609060101010101" pitchFamily="49" charset="-122"/>
             </a:rPr>
-            <a:t>句子的分布</a:t>
-          </a:r>
-          <a:r>
-            <a:rPr lang="zh-CN" altLang="en-US" dirty="0" smtClean="0">
-              <a:latin typeface="楷体" panose="02010609060101010101" pitchFamily="49" charset="-122"/>
-              <a:ea typeface="楷体" panose="02010609060101010101" pitchFamily="49" charset="-122"/>
-            </a:rPr>
-            <a:t>式表示</a:t>
+            <a:t>句子的分布式表示</a:t>
           </a:r>
           <a:endParaRPr lang="zh-CN" dirty="0">
             <a:latin typeface="楷体" panose="02010609060101010101" pitchFamily="49" charset="-122"/>
@@ -8044,14 +8049,7 @@
               <a:latin typeface="楷体" panose="02010609060101010101" pitchFamily="49" charset="-122"/>
               <a:ea typeface="楷体" panose="02010609060101010101" pitchFamily="49" charset="-122"/>
             </a:rPr>
-            <a:t>子</a:t>
-          </a:r>
-          <a:r>
-            <a:rPr lang="zh-CN" altLang="en-US" smtClean="0">
-              <a:latin typeface="楷体" panose="02010609060101010101" pitchFamily="49" charset="-122"/>
-              <a:ea typeface="楷体" panose="02010609060101010101" pitchFamily="49" charset="-122"/>
-            </a:rPr>
-            <a:t>的分布式表</a:t>
+            <a:t>子的分布式表</a:t>
           </a:r>
           <a:r>
             <a:rPr lang="zh-CN" altLang="en-US" dirty="0" smtClean="0">
@@ -9844,7 +9842,14 @@
               <a:latin typeface="楷体" panose="02010609060101010101" pitchFamily="49" charset="-122"/>
               <a:ea typeface="楷体" panose="02010609060101010101" pitchFamily="49" charset="-122"/>
             </a:rPr>
-            <a:t>研究背景与目的</a:t>
+            <a:t>研究背景</a:t>
+          </a:r>
+          <a:r>
+            <a:rPr lang="zh-CN" altLang="en-US" sz="2800" kern="1200" dirty="0" smtClean="0">
+              <a:latin typeface="楷体" panose="02010609060101010101" pitchFamily="49" charset="-122"/>
+              <a:ea typeface="楷体" panose="02010609060101010101" pitchFamily="49" charset="-122"/>
+            </a:rPr>
+            <a:t>与问题描述</a:t>
           </a:r>
           <a:endParaRPr lang="zh-CN" sz="2800" kern="1200" dirty="0">
             <a:latin typeface="楷体" panose="02010609060101010101" pitchFamily="49" charset="-122"/>
@@ -10479,14 +10484,7 @@
               <a:latin typeface="楷体" panose="02010609060101010101" pitchFamily="49" charset="-122"/>
               <a:ea typeface="楷体" panose="02010609060101010101" pitchFamily="49" charset="-122"/>
             </a:rPr>
-            <a:t>句子的分布</a:t>
-          </a:r>
-          <a:r>
-            <a:rPr lang="zh-CN" altLang="en-US" sz="2800" kern="1200" dirty="0" smtClean="0">
-              <a:latin typeface="楷体" panose="02010609060101010101" pitchFamily="49" charset="-122"/>
-              <a:ea typeface="楷体" panose="02010609060101010101" pitchFamily="49" charset="-122"/>
-            </a:rPr>
-            <a:t>式表示</a:t>
+            <a:t>句子的分布式表示</a:t>
           </a:r>
           <a:endParaRPr lang="zh-CN" sz="2800" kern="1200" dirty="0">
             <a:latin typeface="楷体" panose="02010609060101010101" pitchFamily="49" charset="-122"/>
@@ -10953,14 +10951,7 @@
               <a:latin typeface="楷体" panose="02010609060101010101" pitchFamily="49" charset="-122"/>
               <a:ea typeface="楷体" panose="02010609060101010101" pitchFamily="49" charset="-122"/>
             </a:rPr>
-            <a:t>子</a:t>
-          </a:r>
-          <a:r>
-            <a:rPr lang="zh-CN" altLang="en-US" sz="2800" kern="1200" smtClean="0">
-              <a:latin typeface="楷体" panose="02010609060101010101" pitchFamily="49" charset="-122"/>
-              <a:ea typeface="楷体" panose="02010609060101010101" pitchFamily="49" charset="-122"/>
-            </a:rPr>
-            <a:t>的分布式表</a:t>
+            <a:t>子的分布式表</a:t>
           </a:r>
           <a:r>
             <a:rPr lang="zh-CN" altLang="en-US" sz="2800" kern="1200" dirty="0" smtClean="0">
@@ -18899,7 +18890,7 @@
           <a:p>
             <a:fld id="{1D7806B0-77EB-4E40-B0A3-8F69800ED8CC}" type="datetimeFigureOut">
               <a:rPr lang="zh-CN" altLang="en-US" smtClean="0"/>
-              <a:t>2017/5/14</a:t>
+              <a:t>2017/5/15</a:t>
             </a:fld>
             <a:endParaRPr lang="zh-CN" altLang="en-US"/>
           </a:p>
@@ -20264,102 +20255,10 @@
           <a:lstStyle/>
           <a:p>
             <a:r>
-              <a:rPr lang="en-US" altLang="zh-CN" sz="1200" kern="1200" dirty="0" smtClean="0">
-                <a:solidFill>
-                  <a:schemeClr val="tx1"/>
-                </a:solidFill>
-                <a:effectLst/>
-                <a:latin typeface="Arial" charset="0"/>
-                <a:ea typeface="宋体" pitchFamily="2" charset="-122"/>
-                <a:cs typeface="+mn-cs"/>
-              </a:rPr>
-              <a:t>LETOR 3.0</a:t>
+              <a:rPr lang="zh-CN" altLang="en-US" dirty="0" smtClean="0"/>
+              <a:t>互联网上每天都会更新产生大量的新闻信息，这其中包含一些企业相关的新闻报导，例如企业之间收购、合作、竞争案例等。这些存在于网页中的新闻文本包含了企业实体之间的各种关系，这种关系信息可以作为一种舆情信息对于企业战略制定、投资方向决策等具有重要参考价值。</a:t>
             </a:r>
-            <a:r>
-              <a:rPr lang="zh-CN" altLang="zh-CN" sz="1200" kern="1200" dirty="0" smtClean="0">
-                <a:solidFill>
-                  <a:schemeClr val="tx1"/>
-                </a:solidFill>
-                <a:effectLst/>
-                <a:latin typeface="Arial" charset="0"/>
-                <a:ea typeface="宋体" pitchFamily="2" charset="-122"/>
-                <a:cs typeface="+mn-cs"/>
-              </a:rPr>
-              <a:t>数据集是</a:t>
-            </a:r>
-            <a:r>
-              <a:rPr lang="en-US" altLang="zh-CN" sz="1200" kern="1200" dirty="0" smtClean="0">
-                <a:solidFill>
-                  <a:schemeClr val="tx1"/>
-                </a:solidFill>
-                <a:effectLst/>
-                <a:latin typeface="Arial" charset="0"/>
-                <a:ea typeface="宋体" pitchFamily="2" charset="-122"/>
-                <a:cs typeface="+mn-cs"/>
-              </a:rPr>
-              <a:t>MSRA</a:t>
-            </a:r>
-            <a:r>
-              <a:rPr lang="zh-CN" altLang="zh-CN" sz="1200" kern="1200" dirty="0" smtClean="0">
-                <a:solidFill>
-                  <a:schemeClr val="tx1"/>
-                </a:solidFill>
-                <a:effectLst/>
-                <a:latin typeface="Arial" charset="0"/>
-                <a:ea typeface="宋体" pitchFamily="2" charset="-122"/>
-                <a:cs typeface="+mn-cs"/>
-              </a:rPr>
-              <a:t>于</a:t>
-            </a:r>
-            <a:r>
-              <a:rPr lang="en-US" altLang="zh-CN" sz="1200" kern="1200" dirty="0" smtClean="0">
-                <a:solidFill>
-                  <a:schemeClr val="tx1"/>
-                </a:solidFill>
-                <a:effectLst/>
-                <a:latin typeface="Arial" charset="0"/>
-                <a:ea typeface="宋体" pitchFamily="2" charset="-122"/>
-                <a:cs typeface="+mn-cs"/>
-              </a:rPr>
-              <a:t>2008</a:t>
-            </a:r>
-            <a:r>
-              <a:rPr lang="zh-CN" altLang="zh-CN" sz="1200" kern="1200" dirty="0" smtClean="0">
-                <a:solidFill>
-                  <a:schemeClr val="tx1"/>
-                </a:solidFill>
-                <a:effectLst/>
-                <a:latin typeface="Arial" charset="0"/>
-                <a:ea typeface="宋体" pitchFamily="2" charset="-122"/>
-                <a:cs typeface="+mn-cs"/>
-              </a:rPr>
-              <a:t>年</a:t>
-            </a:r>
-            <a:r>
-              <a:rPr lang="en-US" altLang="zh-CN" sz="1200" kern="1200" dirty="0" smtClean="0">
-                <a:solidFill>
-                  <a:schemeClr val="tx1"/>
-                </a:solidFill>
-                <a:effectLst/>
-                <a:latin typeface="Arial" charset="0"/>
-                <a:ea typeface="宋体" pitchFamily="2" charset="-122"/>
-                <a:cs typeface="+mn-cs"/>
-              </a:rPr>
-              <a:t>12</a:t>
-            </a:r>
-            <a:r>
-              <a:rPr lang="zh-CN" altLang="zh-CN" sz="1200" kern="1200" dirty="0" smtClean="0">
-                <a:solidFill>
-                  <a:schemeClr val="tx1"/>
-                </a:solidFill>
-                <a:effectLst/>
-                <a:latin typeface="Arial" charset="0"/>
-                <a:ea typeface="宋体" pitchFamily="2" charset="-122"/>
-                <a:cs typeface="+mn-cs"/>
-              </a:rPr>
-              <a:t>月发布的</a:t>
-            </a:r>
-            <a:endParaRPr lang="zh-CN" altLang="en-US" dirty="0" smtClean="0"/>
+            <a:endParaRPr lang="zh-CN" altLang="en-US" dirty="0"/>
           </a:p>
         </p:txBody>
       </p:sp>
@@ -20381,7 +20280,7 @@
             <a:fld id="{725AB2D3-0A13-4B70-943B-8D91FF02C85D}" type="slidenum">
               <a:rPr lang="en-US" altLang="zh-CN" smtClean="0"/>
               <a:pPr/>
-              <a:t>20</a:t>
+              <a:t>19</a:t>
             </a:fld>
             <a:endParaRPr lang="en-US" altLang="zh-CN"/>
           </a:p>
@@ -20390,7 +20289,7 @@
     </p:spTree>
     <p:extLst>
       <p:ext uri="{BB962C8B-B14F-4D97-AF65-F5344CB8AC3E}">
-        <p14:creationId xmlns:p14="http://schemas.microsoft.com/office/powerpoint/2010/main" val="452098253"/>
+        <p14:creationId xmlns:p14="http://schemas.microsoft.com/office/powerpoint/2010/main" val="4228210614"/>
       </p:ext>
     </p:extLst>
   </p:cSld>
@@ -20429,58 +20328,25 @@
         </p:nvSpPr>
         <p:spPr/>
       </p:sp>
-      <mc:AlternateContent xmlns:mc="http://schemas.openxmlformats.org/markup-compatibility/2006" xmlns:a14="http://schemas.microsoft.com/office/drawing/2010/main">
-        <mc:Choice Requires="a14">
-          <p:sp>
-            <p:nvSpPr>
-              <p:cNvPr id="3" name="备注占位符 2"/>
-              <p:cNvSpPr>
-                <a:spLocks noGrp="1"/>
-              </p:cNvSpPr>
-              <p:nvPr>
-                <p:ph type="body" idx="1"/>
-              </p:nvPr>
-            </p:nvSpPr>
-            <p:spPr/>
-            <p:txBody>
-              <a:bodyPr/>
-              <a:lstStyle/>
-              <a:p>
-                <a:endParaRPr lang="zh-CN" altLang="en-US" dirty="0"/>
-              </a:p>
-            </p:txBody>
-          </p:sp>
-        </mc:Choice>
-        <mc:Fallback xmlns="">
-          <p:sp>
-            <p:nvSpPr>
-              <p:cNvPr id="3" name="备注占位符 2"/>
-              <p:cNvSpPr>
-                <a:spLocks noGrp="1"/>
-              </p:cNvSpPr>
-              <p:nvPr>
-                <p:ph type="body" idx="1"/>
-              </p:nvPr>
-            </p:nvSpPr>
-            <p:spPr/>
-            <p:txBody>
-              <a:bodyPr/>
-              <a:lstStyle/>
-              <a:p>
-                <a:r>
-                  <a:rPr lang="zh-CN" altLang="en-US" dirty="0" smtClean="0"/>
-                  <a:t>来看一下本次报告的提纲，分别是：</a:t>
-                </a:r>
-                <a:r>
-                  <a:rPr lang="en-US" altLang="zh-CN" dirty="0" smtClean="0"/>
-                  <a:t>1,2,3,4,5,6</a:t>
-                </a:r>
-                <a:endParaRPr lang="zh-CN" altLang="en-US" dirty="0"/>
-              </a:p>
-            </p:txBody>
-          </p:sp>
-        </mc:Fallback>
-      </mc:AlternateContent>
+      <p:sp>
+        <p:nvSpPr>
+          <p:cNvPr id="3" name="备注占位符 2"/>
+          <p:cNvSpPr>
+            <a:spLocks noGrp="1"/>
+          </p:cNvSpPr>
+          <p:nvPr>
+            <p:ph type="body" idx="1"/>
+          </p:nvPr>
+        </p:nvSpPr>
+        <p:spPr/>
+        <p:txBody>
+          <a:bodyPr/>
+          <a:lstStyle/>
+          <a:p>
+            <a:endParaRPr lang="zh-CN" altLang="en-US" dirty="0" smtClean="0"/>
+          </a:p>
+        </p:txBody>
+      </p:sp>
       <p:sp>
         <p:nvSpPr>
           <p:cNvPr id="4" name="灯片编号占位符 3"/>
@@ -20496,15 +20362,10 @@
           <a:bodyPr/>
           <a:lstStyle/>
           <a:p>
-            <a:pPr>
-              <a:defRPr/>
-            </a:pPr>
-            <a:fld id="{CE97544E-26AA-4FDB-B9EA-96855DDCFD2A}" type="slidenum">
+            <a:fld id="{725AB2D3-0A13-4B70-943B-8D91FF02C85D}" type="slidenum">
               <a:rPr lang="en-US" altLang="zh-CN" smtClean="0"/>
-              <a:pPr>
-                <a:defRPr/>
-              </a:pPr>
-              <a:t>21</a:t>
+              <a:pPr/>
+              <a:t>20</a:t>
             </a:fld>
             <a:endParaRPr lang="en-US" altLang="zh-CN"/>
           </a:p>
@@ -20513,7 +20374,7 @@
     </p:spTree>
     <p:extLst>
       <p:ext uri="{BB962C8B-B14F-4D97-AF65-F5344CB8AC3E}">
-        <p14:creationId xmlns:p14="http://schemas.microsoft.com/office/powerpoint/2010/main" val="2825813097"/>
+        <p14:creationId xmlns:p14="http://schemas.microsoft.com/office/powerpoint/2010/main" val="775840075"/>
       </p:ext>
     </p:extLst>
   </p:cSld>
@@ -20589,7 +20450,7 @@
             <a:fld id="{725AB2D3-0A13-4B70-943B-8D91FF02C85D}" type="slidenum">
               <a:rPr lang="en-US" altLang="zh-CN" smtClean="0"/>
               <a:pPr/>
-              <a:t>22</a:t>
+              <a:t>24</a:t>
             </a:fld>
             <a:endParaRPr lang="en-US" altLang="zh-CN"/>
           </a:p>
@@ -20598,7 +20459,7 @@
     </p:spTree>
     <p:extLst>
       <p:ext uri="{BB962C8B-B14F-4D97-AF65-F5344CB8AC3E}">
-        <p14:creationId xmlns:p14="http://schemas.microsoft.com/office/powerpoint/2010/main" val="722874425"/>
+        <p14:creationId xmlns:p14="http://schemas.microsoft.com/office/powerpoint/2010/main" val="1034081855"/>
       </p:ext>
     </p:extLst>
   </p:cSld>
@@ -20652,26 +20513,6 @@
           <a:bodyPr/>
           <a:lstStyle/>
           <a:p>
-            <a:r>
-              <a:rPr lang="zh-CN" altLang="en-US" dirty="0" smtClean="0">
-                <a:latin typeface="楷体" panose="02010609060101010101" pitchFamily="49" charset="-122"/>
-                <a:ea typeface="楷体" panose="02010609060101010101" pitchFamily="49" charset="-122"/>
-              </a:rPr>
-              <a:t>可以尝试使用迁移学习的方法，在已有领域经过标注了的训练语料库的基础上，实现其他领域的实体关系抽取任务。</a:t>
-            </a:r>
-            <a:endParaRPr lang="en-US" altLang="zh-CN" dirty="0" smtClean="0">
-              <a:latin typeface="楷体" panose="02010609060101010101" pitchFamily="49" charset="-122"/>
-              <a:ea typeface="楷体" panose="02010609060101010101" pitchFamily="49" charset="-122"/>
-            </a:endParaRPr>
-          </a:p>
-          <a:p>
-            <a:r>
-              <a:rPr lang="zh-CN" altLang="en-US" dirty="0" smtClean="0">
-                <a:latin typeface="楷体" panose="02010609060101010101" pitchFamily="49" charset="-122"/>
-                <a:ea typeface="楷体" panose="02010609060101010101" pitchFamily="49" charset="-122"/>
-              </a:rPr>
-              <a:t>在完成句子级的关系抽取之后，通过引入实体的上下文以及等价关系，进行一些实体关系的推理，从而实现文档级的关系抽取任务。</a:t>
-            </a:r>
             <a:endParaRPr lang="zh-CN" altLang="en-US" dirty="0" smtClean="0"/>
           </a:p>
         </p:txBody>
@@ -20694,7 +20535,7 @@
             <a:fld id="{725AB2D3-0A13-4B70-943B-8D91FF02C85D}" type="slidenum">
               <a:rPr lang="en-US" altLang="zh-CN" smtClean="0"/>
               <a:pPr/>
-              <a:t>23</a:t>
+              <a:t>25</a:t>
             </a:fld>
             <a:endParaRPr lang="en-US" altLang="zh-CN"/>
           </a:p>
@@ -20703,7 +20544,7 @@
     </p:spTree>
     <p:extLst>
       <p:ext uri="{BB962C8B-B14F-4D97-AF65-F5344CB8AC3E}">
-        <p14:creationId xmlns:p14="http://schemas.microsoft.com/office/powerpoint/2010/main" val="2750793446"/>
+        <p14:creationId xmlns:p14="http://schemas.microsoft.com/office/powerpoint/2010/main" val="648450020"/>
       </p:ext>
     </p:extLst>
   </p:cSld>
@@ -20865,6 +20706,319 @@
         </p:nvSpPr>
         <p:spPr/>
       </p:sp>
+      <mc:AlternateContent xmlns:mc="http://schemas.openxmlformats.org/markup-compatibility/2006" xmlns:a14="http://schemas.microsoft.com/office/drawing/2010/main">
+        <mc:Choice Requires="a14">
+          <p:sp>
+            <p:nvSpPr>
+              <p:cNvPr id="3" name="备注占位符 2"/>
+              <p:cNvSpPr>
+                <a:spLocks noGrp="1"/>
+              </p:cNvSpPr>
+              <p:nvPr>
+                <p:ph type="body" idx="1"/>
+              </p:nvPr>
+            </p:nvSpPr>
+            <p:spPr/>
+            <p:txBody>
+              <a:bodyPr/>
+              <a:lstStyle/>
+              <a:p>
+                <a:endParaRPr lang="zh-CN" altLang="en-US" dirty="0"/>
+              </a:p>
+            </p:txBody>
+          </p:sp>
+        </mc:Choice>
+        <mc:Fallback xmlns="">
+          <p:sp>
+            <p:nvSpPr>
+              <p:cNvPr id="3" name="备注占位符 2"/>
+              <p:cNvSpPr>
+                <a:spLocks noGrp="1"/>
+              </p:cNvSpPr>
+              <p:nvPr>
+                <p:ph type="body" idx="1"/>
+              </p:nvPr>
+            </p:nvSpPr>
+            <p:spPr/>
+            <p:txBody>
+              <a:bodyPr/>
+              <a:lstStyle/>
+              <a:p>
+                <a:r>
+                  <a:rPr lang="zh-CN" altLang="en-US" dirty="0" smtClean="0"/>
+                  <a:t>来看一下本次报告的提纲，分别是：</a:t>
+                </a:r>
+                <a:r>
+                  <a:rPr lang="en-US" altLang="zh-CN" dirty="0" smtClean="0"/>
+                  <a:t>1,2,3,4,5,6</a:t>
+                </a:r>
+                <a:endParaRPr lang="zh-CN" altLang="en-US" dirty="0"/>
+              </a:p>
+            </p:txBody>
+          </p:sp>
+        </mc:Fallback>
+      </mc:AlternateContent>
+      <p:sp>
+        <p:nvSpPr>
+          <p:cNvPr id="4" name="灯片编号占位符 3"/>
+          <p:cNvSpPr>
+            <a:spLocks noGrp="1"/>
+          </p:cNvSpPr>
+          <p:nvPr>
+            <p:ph type="sldNum" sz="quarter" idx="10"/>
+          </p:nvPr>
+        </p:nvSpPr>
+        <p:spPr/>
+        <p:txBody>
+          <a:bodyPr/>
+          <a:lstStyle/>
+          <a:p>
+            <a:pPr>
+              <a:defRPr/>
+            </a:pPr>
+            <a:fld id="{CE97544E-26AA-4FDB-B9EA-96855DDCFD2A}" type="slidenum">
+              <a:rPr lang="en-US" altLang="zh-CN" smtClean="0"/>
+              <a:pPr>
+                <a:defRPr/>
+              </a:pPr>
+              <a:t>26</a:t>
+            </a:fld>
+            <a:endParaRPr lang="en-US" altLang="zh-CN"/>
+          </a:p>
+        </p:txBody>
+      </p:sp>
+    </p:spTree>
+    <p:extLst>
+      <p:ext uri="{BB962C8B-B14F-4D97-AF65-F5344CB8AC3E}">
+        <p14:creationId xmlns:p14="http://schemas.microsoft.com/office/powerpoint/2010/main" val="2825813097"/>
+      </p:ext>
+    </p:extLst>
+  </p:cSld>
+  <p:clrMapOvr>
+    <a:masterClrMapping/>
+  </p:clrMapOvr>
+</p:notes>
+</file>
+
+<file path=ppt/notesSlides/notesSlide21.xml><?xml version="1.0" encoding="utf-8"?>
+<p:notes xmlns:a="http://schemas.openxmlformats.org/drawingml/2006/main" xmlns:r="http://schemas.openxmlformats.org/officeDocument/2006/relationships" xmlns:p="http://schemas.openxmlformats.org/presentationml/2006/main">
+  <p:cSld>
+    <p:spTree>
+      <p:nvGrpSpPr>
+        <p:cNvPr id="1" name=""/>
+        <p:cNvGrpSpPr/>
+        <p:nvPr/>
+      </p:nvGrpSpPr>
+      <p:grpSpPr>
+        <a:xfrm>
+          <a:off x="0" y="0"/>
+          <a:ext cx="0" cy="0"/>
+          <a:chOff x="0" y="0"/>
+          <a:chExt cx="0" cy="0"/>
+        </a:xfrm>
+      </p:grpSpPr>
+      <p:sp>
+        <p:nvSpPr>
+          <p:cNvPr id="2" name="幻灯片图像占位符 1"/>
+          <p:cNvSpPr>
+            <a:spLocks noGrp="1" noRot="1" noChangeAspect="1"/>
+          </p:cNvSpPr>
+          <p:nvPr>
+            <p:ph type="sldImg"/>
+          </p:nvPr>
+        </p:nvSpPr>
+        <p:spPr/>
+      </p:sp>
+      <p:sp>
+        <p:nvSpPr>
+          <p:cNvPr id="3" name="备注占位符 2"/>
+          <p:cNvSpPr>
+            <a:spLocks noGrp="1"/>
+          </p:cNvSpPr>
+          <p:nvPr>
+            <p:ph type="body" idx="1"/>
+          </p:nvPr>
+        </p:nvSpPr>
+        <p:spPr/>
+        <p:txBody>
+          <a:bodyPr/>
+          <a:lstStyle/>
+          <a:p>
+            <a:endParaRPr lang="zh-CN" altLang="en-US" dirty="0" smtClean="0"/>
+          </a:p>
+        </p:txBody>
+      </p:sp>
+      <p:sp>
+        <p:nvSpPr>
+          <p:cNvPr id="4" name="灯片编号占位符 3"/>
+          <p:cNvSpPr>
+            <a:spLocks noGrp="1"/>
+          </p:cNvSpPr>
+          <p:nvPr>
+            <p:ph type="sldNum" sz="quarter" idx="10"/>
+          </p:nvPr>
+        </p:nvSpPr>
+        <p:spPr/>
+        <p:txBody>
+          <a:bodyPr/>
+          <a:lstStyle/>
+          <a:p>
+            <a:fld id="{725AB2D3-0A13-4B70-943B-8D91FF02C85D}" type="slidenum">
+              <a:rPr lang="en-US" altLang="zh-CN" smtClean="0"/>
+              <a:pPr/>
+              <a:t>27</a:t>
+            </a:fld>
+            <a:endParaRPr lang="en-US" altLang="zh-CN"/>
+          </a:p>
+        </p:txBody>
+      </p:sp>
+    </p:spTree>
+    <p:extLst>
+      <p:ext uri="{BB962C8B-B14F-4D97-AF65-F5344CB8AC3E}">
+        <p14:creationId xmlns:p14="http://schemas.microsoft.com/office/powerpoint/2010/main" val="722874425"/>
+      </p:ext>
+    </p:extLst>
+  </p:cSld>
+  <p:clrMapOvr>
+    <a:masterClrMapping/>
+  </p:clrMapOvr>
+</p:notes>
+</file>
+
+<file path=ppt/notesSlides/notesSlide22.xml><?xml version="1.0" encoding="utf-8"?>
+<p:notes xmlns:a="http://schemas.openxmlformats.org/drawingml/2006/main" xmlns:r="http://schemas.openxmlformats.org/officeDocument/2006/relationships" xmlns:p="http://schemas.openxmlformats.org/presentationml/2006/main">
+  <p:cSld>
+    <p:spTree>
+      <p:nvGrpSpPr>
+        <p:cNvPr id="1" name=""/>
+        <p:cNvGrpSpPr/>
+        <p:nvPr/>
+      </p:nvGrpSpPr>
+      <p:grpSpPr>
+        <a:xfrm>
+          <a:off x="0" y="0"/>
+          <a:ext cx="0" cy="0"/>
+          <a:chOff x="0" y="0"/>
+          <a:chExt cx="0" cy="0"/>
+        </a:xfrm>
+      </p:grpSpPr>
+      <p:sp>
+        <p:nvSpPr>
+          <p:cNvPr id="2" name="幻灯片图像占位符 1"/>
+          <p:cNvSpPr>
+            <a:spLocks noGrp="1" noRot="1" noChangeAspect="1"/>
+          </p:cNvSpPr>
+          <p:nvPr>
+            <p:ph type="sldImg"/>
+          </p:nvPr>
+        </p:nvSpPr>
+        <p:spPr/>
+      </p:sp>
+      <p:sp>
+        <p:nvSpPr>
+          <p:cNvPr id="3" name="备注占位符 2"/>
+          <p:cNvSpPr>
+            <a:spLocks noGrp="1"/>
+          </p:cNvSpPr>
+          <p:nvPr>
+            <p:ph type="body" idx="1"/>
+          </p:nvPr>
+        </p:nvSpPr>
+        <p:spPr/>
+        <p:txBody>
+          <a:bodyPr/>
+          <a:lstStyle/>
+          <a:p>
+            <a:r>
+              <a:rPr lang="zh-CN" altLang="en-US" dirty="0" smtClean="0">
+                <a:latin typeface="楷体" panose="02010609060101010101" pitchFamily="49" charset="-122"/>
+                <a:ea typeface="楷体" panose="02010609060101010101" pitchFamily="49" charset="-122"/>
+              </a:rPr>
+              <a:t>可以尝试使用迁移学习的方法，在已有领域经过标注了的训练语料库的基础上，实现其他领域的实体关系抽取任务。</a:t>
+            </a:r>
+            <a:endParaRPr lang="en-US" altLang="zh-CN" dirty="0" smtClean="0">
+              <a:latin typeface="楷体" panose="02010609060101010101" pitchFamily="49" charset="-122"/>
+              <a:ea typeface="楷体" panose="02010609060101010101" pitchFamily="49" charset="-122"/>
+            </a:endParaRPr>
+          </a:p>
+          <a:p>
+            <a:r>
+              <a:rPr lang="zh-CN" altLang="en-US" dirty="0" smtClean="0">
+                <a:latin typeface="楷体" panose="02010609060101010101" pitchFamily="49" charset="-122"/>
+                <a:ea typeface="楷体" panose="02010609060101010101" pitchFamily="49" charset="-122"/>
+              </a:rPr>
+              <a:t>在完成句子级的关系抽取之后，通过引入实体的上下文以及等价关系，进行一些实体关系的推理，从而实现文档级的关系抽取任务。</a:t>
+            </a:r>
+            <a:endParaRPr lang="zh-CN" altLang="en-US" dirty="0" smtClean="0"/>
+          </a:p>
+        </p:txBody>
+      </p:sp>
+      <p:sp>
+        <p:nvSpPr>
+          <p:cNvPr id="4" name="灯片编号占位符 3"/>
+          <p:cNvSpPr>
+            <a:spLocks noGrp="1"/>
+          </p:cNvSpPr>
+          <p:nvPr>
+            <p:ph type="sldNum" sz="quarter" idx="10"/>
+          </p:nvPr>
+        </p:nvSpPr>
+        <p:spPr/>
+        <p:txBody>
+          <a:bodyPr/>
+          <a:lstStyle/>
+          <a:p>
+            <a:fld id="{725AB2D3-0A13-4B70-943B-8D91FF02C85D}" type="slidenum">
+              <a:rPr lang="en-US" altLang="zh-CN" smtClean="0"/>
+              <a:pPr/>
+              <a:t>28</a:t>
+            </a:fld>
+            <a:endParaRPr lang="en-US" altLang="zh-CN"/>
+          </a:p>
+        </p:txBody>
+      </p:sp>
+    </p:spTree>
+    <p:extLst>
+      <p:ext uri="{BB962C8B-B14F-4D97-AF65-F5344CB8AC3E}">
+        <p14:creationId xmlns:p14="http://schemas.microsoft.com/office/powerpoint/2010/main" val="2750793446"/>
+      </p:ext>
+    </p:extLst>
+  </p:cSld>
+  <p:clrMapOvr>
+    <a:masterClrMapping/>
+  </p:clrMapOvr>
+</p:notes>
+</file>
+
+<file path=ppt/notesSlides/notesSlide23.xml><?xml version="1.0" encoding="utf-8"?>
+<p:notes xmlns:a="http://schemas.openxmlformats.org/drawingml/2006/main" xmlns:r="http://schemas.openxmlformats.org/officeDocument/2006/relationships" xmlns:p="http://schemas.openxmlformats.org/presentationml/2006/main">
+  <p:cSld>
+    <p:spTree>
+      <p:nvGrpSpPr>
+        <p:cNvPr id="1" name=""/>
+        <p:cNvGrpSpPr/>
+        <p:nvPr/>
+      </p:nvGrpSpPr>
+      <p:grpSpPr>
+        <a:xfrm>
+          <a:off x="0" y="0"/>
+          <a:ext cx="0" cy="0"/>
+          <a:chOff x="0" y="0"/>
+          <a:chExt cx="0" cy="0"/>
+        </a:xfrm>
+      </p:grpSpPr>
+      <p:sp>
+        <p:nvSpPr>
+          <p:cNvPr id="2" name="幻灯片图像占位符 1"/>
+          <p:cNvSpPr>
+            <a:spLocks noGrp="1" noRot="1" noChangeAspect="1"/>
+          </p:cNvSpPr>
+          <p:nvPr>
+            <p:ph type="sldImg"/>
+          </p:nvPr>
+        </p:nvSpPr>
+        <p:spPr/>
+      </p:sp>
       <p:sp>
         <p:nvSpPr>
           <p:cNvPr id="3" name="备注占位符 2"/>
@@ -20906,7 +21060,7 @@
             <a:fld id="{725AB2D3-0A13-4B70-943B-8D91FF02C85D}" type="slidenum">
               <a:rPr lang="en-US" altLang="zh-CN" smtClean="0"/>
               <a:pPr/>
-              <a:t>24</a:t>
+              <a:t>29</a:t>
             </a:fld>
             <a:endParaRPr lang="en-US" altLang="zh-CN"/>
           </a:p>
@@ -21390,6 +21544,10 @@
           <a:bodyPr/>
           <a:lstStyle/>
           <a:p>
+            <a:r>
+              <a:rPr lang="zh-CN" altLang="en-US" dirty="0" smtClean="0"/>
+              <a:t>这类方法将关系抽取任务看作一个分类问题，首先需要人工标注大规模训练语料库，然后在已标注好的语料库基础上进行特征抽取和选择，通过利用不同的机器学习算法训练学习分类模型，用于抽取新的实体对。</a:t>
+            </a:r>
             <a:endParaRPr lang="zh-CN" altLang="en-US" dirty="0" smtClean="0"/>
           </a:p>
         </p:txBody>
@@ -21476,21 +21634,49 @@
           <a:lstStyle/>
           <a:p>
             <a:r>
-              <a:rPr lang="en-US" altLang="zh-CN" dirty="0" smtClean="0"/>
-              <a:t>LDA (</a:t>
-            </a:r>
-            <a:r>
-              <a:rPr lang="en-US" altLang="zh-CN" dirty="0" err="1" smtClean="0"/>
-              <a:t>LatentDirichletAllocation</a:t>
+              <a:rPr lang="zh-CN" altLang="en-US" dirty="0" smtClean="0"/>
+              <a:t>构造初始关系种子集，然后利用</a:t>
             </a:r>
             <a:r>
               <a:rPr lang="en-US" altLang="zh-CN" dirty="0" smtClean="0"/>
-              <a:t>)</a:t>
+              <a:t>Web</a:t>
             </a:r>
             <a:r>
               <a:rPr lang="zh-CN" altLang="en-US" dirty="0" smtClean="0"/>
-              <a:t>是一种文档主题生成模型 ，也称为一个三层贝叶斯概率模型 ，包含词、主题和文档三层结构 </a:t>
+              <a:t>或者大规模语料库信息挖掘对应的关系描述模式，并通过模式匹配抽取新的关系实例，迭代地生成关系描述模式。</a:t>
             </a:r>
+            <a:endParaRPr lang="en-US" altLang="zh-CN" dirty="0" smtClean="0"/>
+          </a:p>
+          <a:p>
+            <a:r>
+              <a:rPr lang="zh-CN" altLang="en-US" dirty="0" smtClean="0"/>
+              <a:t>这类方法不需要人工标注语料库，所需要的只有构造初始关系种子集，然后利用</a:t>
+            </a:r>
+            <a:r>
+              <a:rPr lang="en-US" altLang="zh-CN" dirty="0" smtClean="0"/>
+              <a:t>Web</a:t>
+            </a:r>
+            <a:r>
+              <a:rPr lang="zh-CN" altLang="en-US" dirty="0" smtClean="0"/>
+              <a:t>或者大规模语料库信息的高度冗余性，充分挖掘对应的关系描述模式，并通过模式匹配抽取新的关系实例，准确、高效地完成关系抽取任务。但是，这种方法也存在几个关键问题，如：初始关系种子集的产生和选择方式、</a:t>
+            </a:r>
+            <a:r>
+              <a:rPr lang="en-US" altLang="zh-CN" dirty="0" smtClean="0"/>
+              <a:t>Pattern</a:t>
+            </a:r>
+            <a:r>
+              <a:rPr lang="zh-CN" altLang="en-US" dirty="0" smtClean="0"/>
+              <a:t>的组成方式、</a:t>
+            </a:r>
+            <a:r>
+              <a:rPr lang="en-US" altLang="zh-CN" dirty="0" smtClean="0"/>
+              <a:t>Pattern</a:t>
+            </a:r>
+            <a:r>
+              <a:rPr lang="zh-CN" altLang="en-US" dirty="0" smtClean="0"/>
+              <a:t>的质量评估、迭代过程的速度、高准确率低召回率等问题。</a:t>
+            </a:r>
+            <a:endParaRPr lang="zh-CN" altLang="en-US" dirty="0" smtClean="0"/>
           </a:p>
         </p:txBody>
       </p:sp>
@@ -21731,7 +21917,7 @@
           <a:p>
             <a:fld id="{B2700A00-49B1-4B97-A309-CEE14B941A95}" type="datetime1">
               <a:rPr lang="zh-CN" altLang="en-US" smtClean="0"/>
-              <a:t>2017/5/14</a:t>
+              <a:t>2017/5/15</a:t>
             </a:fld>
             <a:endParaRPr lang="en-US" altLang="zh-CN"/>
           </a:p>
@@ -22295,7 +22481,7 @@
           <a:p>
             <a:fld id="{1D07A59F-E5BA-4CF6-875B-68AD4C1B1033}" type="datetime1">
               <a:rPr lang="zh-CN" altLang="en-US" smtClean="0"/>
-              <a:t>2017/5/14</a:t>
+              <a:t>2017/5/15</a:t>
             </a:fld>
             <a:endParaRPr lang="en-US" altLang="zh-CN"/>
           </a:p>
@@ -22497,7 +22683,7 @@
           <a:p>
             <a:fld id="{AEDBC556-48CB-46C5-9076-DD99F4CCCFE9}" type="datetime1">
               <a:rPr lang="zh-CN" altLang="en-US" smtClean="0"/>
-              <a:t>2017/5/14</a:t>
+              <a:t>2017/5/15</a:t>
             </a:fld>
             <a:endParaRPr lang="en-US" altLang="zh-CN"/>
           </a:p>
@@ -22727,7 +22913,7 @@
           <a:p>
             <a:fld id="{8B0F75CF-0553-4104-831D-ECC51C6B5C3F}" type="datetime1">
               <a:rPr lang="zh-CN" altLang="en-US" smtClean="0"/>
-              <a:t>2017/5/14</a:t>
+              <a:t>2017/5/15</a:t>
             </a:fld>
             <a:endParaRPr lang="en-US" altLang="zh-CN"/>
           </a:p>
@@ -22948,7 +23134,7 @@
           <a:p>
             <a:fld id="{E02B2A02-9790-491B-80DE-D13F6E09D968}" type="datetime1">
               <a:rPr lang="zh-CN" altLang="en-US" smtClean="0"/>
-              <a:t>2017/5/14</a:t>
+              <a:t>2017/5/15</a:t>
             </a:fld>
             <a:endParaRPr lang="en-US" altLang="zh-CN"/>
           </a:p>
@@ -23258,7 +23444,7 @@
           <a:p>
             <a:fld id="{E64A1B9B-FB02-4C27-8DD7-C7A817C628E5}" type="datetime1">
               <a:rPr lang="zh-CN" altLang="en-US" smtClean="0"/>
-              <a:t>2017/5/14</a:t>
+              <a:t>2017/5/15</a:t>
             </a:fld>
             <a:endParaRPr lang="en-US" altLang="zh-CN"/>
           </a:p>
@@ -23707,7 +23893,7 @@
           <a:p>
             <a:fld id="{03C1D96D-4C26-4777-A01F-AA16AE99F650}" type="datetime1">
               <a:rPr lang="zh-CN" altLang="en-US" smtClean="0"/>
-              <a:t>2017/5/14</a:t>
+              <a:t>2017/5/15</a:t>
             </a:fld>
             <a:endParaRPr lang="en-US" altLang="zh-CN"/>
           </a:p>
@@ -23847,7 +24033,7 @@
           <a:p>
             <a:fld id="{4D22983C-44B3-4D83-89F4-BA545FD3A4DB}" type="datetime1">
               <a:rPr lang="zh-CN" altLang="en-US" smtClean="0"/>
-              <a:t>2017/5/14</a:t>
+              <a:t>2017/5/15</a:t>
             </a:fld>
             <a:endParaRPr lang="en-US" altLang="zh-CN"/>
           </a:p>
@@ -23964,7 +24150,7 @@
           <a:p>
             <a:fld id="{E268485D-88A6-4B3B-8923-8EB4A2C475CA}" type="datetime1">
               <a:rPr lang="zh-CN" altLang="en-US" smtClean="0"/>
-              <a:t>2017/5/14</a:t>
+              <a:t>2017/5/15</a:t>
             </a:fld>
             <a:endParaRPr lang="en-US" altLang="zh-CN"/>
           </a:p>
@@ -24263,7 +24449,7 @@
           <a:p>
             <a:fld id="{43884110-CBAE-4254-8557-2196D05E1CB8}" type="datetime1">
               <a:rPr lang="zh-CN" altLang="en-US" smtClean="0"/>
-              <a:t>2017/5/14</a:t>
+              <a:t>2017/5/15</a:t>
             </a:fld>
             <a:endParaRPr lang="en-US" altLang="zh-CN"/>
           </a:p>
@@ -24538,7 +24724,7 @@
           <a:p>
             <a:fld id="{6DB45B66-5B30-45BB-B8DC-A62BBF45E871}" type="datetime1">
               <a:rPr lang="zh-CN" altLang="en-US" smtClean="0"/>
-              <a:t>2017/5/14</a:t>
+              <a:t>2017/5/15</a:t>
             </a:fld>
             <a:endParaRPr lang="en-US" altLang="zh-CN"/>
           </a:p>
@@ -25029,7 +25215,7 @@
           <a:p>
             <a:fld id="{6A8DB19B-8F4E-4EA4-9E8A-C89388D3EABD}" type="datetime1">
               <a:rPr lang="zh-CN" altLang="en-US" smtClean="0"/>
-              <a:t>2017/5/14</a:t>
+              <a:t>2017/5/15</a:t>
             </a:fld>
             <a:endParaRPr lang="en-US" altLang="zh-CN"/>
           </a:p>
@@ -25752,7 +25938,7 @@
           <a:p>
             <a:fld id="{FDD0CEB0-4483-465D-A7CD-F894C9477FA5}" type="datetime1">
               <a:rPr lang="zh-CN" altLang="en-US" smtClean="0"/>
-              <a:t>2017/5/14</a:t>
+              <a:t>2017/5/15</a:t>
             </a:fld>
             <a:endParaRPr lang="en-US" altLang="zh-CN" dirty="0" smtClean="0"/>
           </a:p>
@@ -26311,7 +26497,7 @@
           <a:p>
             <a:fld id="{8B0F75CF-0553-4104-831D-ECC51C6B5C3F}" type="datetime1">
               <a:rPr lang="zh-CN" altLang="en-US" smtClean="0"/>
-              <a:t>2017/5/14</a:t>
+              <a:t>2017/5/15</a:t>
             </a:fld>
             <a:endParaRPr lang="en-US" altLang="zh-CN"/>
           </a:p>
@@ -26438,7 +26624,7 @@
                 <a:ea typeface="黑体" panose="02010609060101010101" pitchFamily="49" charset="-122"/>
                 <a:cs typeface="Times New Roman" panose="02020603050405020304" pitchFamily="18" charset="0"/>
               </a:rPr>
-              <a:t>的句子分类算法</a:t>
+              <a:t>的方法</a:t>
             </a:r>
             <a:endParaRPr lang="en-US" altLang="zh-CN" sz="1800" dirty="0" smtClean="0">
               <a:latin typeface="楷体" panose="02010609060101010101" pitchFamily="49" charset="-122"/>
@@ -26508,7 +26694,7 @@
           <a:p>
             <a:fld id="{ECB25AA1-DAB0-4597-8B8E-0BCD3DF7FBD0}" type="datetime1">
               <a:rPr lang="zh-CN" altLang="en-US" smtClean="0"/>
-              <a:t>2017/5/14</a:t>
+              <a:t>2017/5/15</a:t>
             </a:fld>
             <a:endParaRPr lang="en-US" altLang="zh-CN" dirty="0"/>
           </a:p>
@@ -26573,8 +26759,8 @@
           </a:p>
         </p:txBody>
       </p:sp>
-      <mc:AlternateContent xmlns:mc="http://schemas.openxmlformats.org/markup-compatibility/2006">
-        <mc:Choice xmlns:a14="http://schemas.microsoft.com/office/drawing/2010/main" Requires="a14">
+      <mc:AlternateContent xmlns:mc="http://schemas.openxmlformats.org/markup-compatibility/2006" xmlns:a14="http://schemas.microsoft.com/office/drawing/2010/main">
+        <mc:Choice Requires="a14">
           <p:sp>
             <p:nvSpPr>
               <p:cNvPr id="7" name="内容占位符 2"/>
@@ -26959,7 +27145,7 @@
             </p:txBody>
           </p:sp>
         </mc:Choice>
-        <mc:Fallback>
+        <mc:Fallback xmlns="">
           <p:sp>
             <p:nvSpPr>
               <p:cNvPr id="7" name="内容占位符 2"/>
@@ -27086,15 +27272,7 @@
                 <a:ea typeface="楷体" panose="02010609060101010101" pitchFamily="49" charset="-122"/>
                 <a:cs typeface="Times New Roman" panose="02020603050405020304" pitchFamily="18" charset="0"/>
               </a:rPr>
-              <a:t>结</a:t>
-            </a:r>
-            <a:r>
-              <a:rPr lang="zh-CN" altLang="en-US" sz="1800" dirty="0">
-                <a:latin typeface="楷体" panose="02010609060101010101" pitchFamily="49" charset="-122"/>
-                <a:ea typeface="楷体" panose="02010609060101010101" pitchFamily="49" charset="-122"/>
-                <a:cs typeface="Times New Roman" panose="02020603050405020304" pitchFamily="18" charset="0"/>
-              </a:rPr>
-              <a:t>合词向量与位置嵌入用于捕获词的语义和位置信息</a:t>
+              <a:t>结合词向量与位置嵌入用于捕获词的语义和位置信息</a:t>
             </a:r>
             <a:r>
               <a:rPr lang="zh-CN" altLang="en-US" sz="1800" dirty="0" smtClean="0">
@@ -27281,7 +27459,7 @@
           <a:p>
             <a:fld id="{ECB25AA1-DAB0-4597-8B8E-0BCD3DF7FBD0}" type="datetime1">
               <a:rPr lang="zh-CN" altLang="en-US" smtClean="0"/>
-              <a:t>2017/5/14</a:t>
+              <a:t>2017/5/15</a:t>
             </a:fld>
             <a:endParaRPr lang="en-US" altLang="zh-CN" dirty="0"/>
           </a:p>
@@ -27358,7 +27536,28 @@
                 <a:latin typeface="黑体" pitchFamily="49" charset="-122"/>
                 <a:ea typeface="黑体" pitchFamily="49" charset="-122"/>
               </a:rPr>
-              <a:t>的句子分类算法</a:t>
+              <a:t>的句</a:t>
+            </a:r>
+            <a:r>
+              <a:rPr lang="zh-CN" altLang="en-US" sz="2800" b="0" dirty="0" smtClean="0">
+                <a:latin typeface="黑体" pitchFamily="49" charset="-122"/>
+                <a:ea typeface="黑体" pitchFamily="49" charset="-122"/>
+              </a:rPr>
+              <a:t>子</a:t>
+            </a:r>
+            <a:r>
+              <a:rPr lang="zh-CN" altLang="en-US" sz="2800" b="0" dirty="0">
+                <a:latin typeface="黑体" pitchFamily="49" charset="-122"/>
+                <a:ea typeface="黑体" pitchFamily="49" charset="-122"/>
+              </a:rPr>
+              <a:t>分布</a:t>
+            </a:r>
+            <a:r>
+              <a:rPr lang="zh-CN" altLang="en-US" sz="2800" b="0" dirty="0" smtClean="0">
+                <a:latin typeface="黑体" pitchFamily="49" charset="-122"/>
+                <a:ea typeface="黑体" pitchFamily="49" charset="-122"/>
+              </a:rPr>
+              <a:t>式表示方法</a:t>
             </a:r>
             <a:endParaRPr lang="zh-CN" altLang="en-US" sz="2800" b="0" dirty="0">
               <a:latin typeface="黑体" pitchFamily="49" charset="-122"/>
@@ -27429,7 +27628,7 @@
           <a:p>
             <a:fld id="{8B0F75CF-0553-4104-831D-ECC51C6B5C3F}" type="datetime1">
               <a:rPr lang="zh-CN" altLang="en-US" smtClean="0"/>
-              <a:t>2017/5/14</a:t>
+              <a:t>2017/5/15</a:t>
             </a:fld>
             <a:endParaRPr lang="en-US" altLang="zh-CN"/>
           </a:p>
@@ -27459,9 +27658,249 @@
           </a:p>
         </p:txBody>
       </p:sp>
+      <p:pic>
+        <p:nvPicPr>
+          <p:cNvPr id="7" name="图片 6"/>
+          <p:cNvPicPr/>
+          <p:nvPr/>
+        </p:nvPicPr>
+        <p:blipFill>
+          <a:blip r:embed="rId2" cstate="print">
+            <a:extLst>
+              <a:ext uri="{28A0092B-C50C-407E-A947-70E740481C1C}">
+                <a14:useLocalDpi xmlns:a14="http://schemas.microsoft.com/office/drawing/2010/main" val="0"/>
+              </a:ext>
+            </a:extLst>
+          </a:blip>
+          <a:stretch>
+            <a:fillRect/>
+          </a:stretch>
+        </p:blipFill>
+        <p:spPr>
+          <a:xfrm>
+            <a:off x="611188" y="2060848"/>
+            <a:ext cx="7847012" cy="3384376"/>
+          </a:xfrm>
+          <a:prstGeom prst="rect">
+            <a:avLst/>
+          </a:prstGeom>
+        </p:spPr>
+      </p:pic>
+      <mc:AlternateContent xmlns:mc="http://schemas.openxmlformats.org/markup-compatibility/2006" xmlns:a14="http://schemas.microsoft.com/office/drawing/2010/main">
+        <mc:Choice Requires="a14">
+          <p:sp>
+            <p:nvSpPr>
+              <p:cNvPr id="8" name="文本框 7"/>
+              <p:cNvSpPr txBox="1"/>
+              <p:nvPr/>
+            </p:nvSpPr>
+            <p:spPr>
+              <a:xfrm>
+                <a:off x="2409905" y="1715650"/>
+                <a:ext cx="216024" cy="338554"/>
+              </a:xfrm>
+              <a:prstGeom prst="rect">
+                <a:avLst/>
+              </a:prstGeom>
+              <a:noFill/>
+            </p:spPr>
+            <p:txBody>
+              <a:bodyPr wrap="square" rtlCol="0">
+                <a:spAutoFit/>
+              </a:bodyPr>
+              <a:lstStyle/>
+              <a:p>
+                <a:pPr/>
+                <a14:m>
+                  <m:oMathPara xmlns:m="http://schemas.openxmlformats.org/officeDocument/2006/math">
+                    <m:oMathParaPr>
+                      <m:jc m:val="centerGroup"/>
+                    </m:oMathParaPr>
+                    <m:oMath xmlns:m="http://schemas.openxmlformats.org/officeDocument/2006/math">
+                      <m:sSub>
+                        <m:sSubPr>
+                          <m:ctrlPr>
+                            <a:rPr lang="en-US" altLang="zh-CN" sz="1600" i="1" smtClean="0">
+                              <a:latin typeface="Cambria Math" panose="02040503050406030204" pitchFamily="18" charset="0"/>
+                            </a:rPr>
+                          </m:ctrlPr>
+                        </m:sSubPr>
+                        <m:e>
+                          <m:r>
+                            <m:rPr>
+                              <m:sty m:val="p"/>
+                            </m:rPr>
+                            <a:rPr lang="en-US" altLang="zh-CN" sz="1600" i="1">
+                              <a:latin typeface="Cambria Math" panose="02040503050406030204" pitchFamily="18" charset="0"/>
+                            </a:rPr>
+                            <m:t>d</m:t>
+                          </m:r>
+                        </m:e>
+                        <m:sub>
+                          <m:r>
+                            <a:rPr lang="en-US" altLang="zh-CN" sz="1600" i="1">
+                              <a:latin typeface="Cambria Math" panose="02040503050406030204" pitchFamily="18" charset="0"/>
+                            </a:rPr>
+                            <m:t>1</m:t>
+                          </m:r>
+                        </m:sub>
+                      </m:sSub>
+                    </m:oMath>
+                  </m:oMathPara>
+                </a14:m>
+                <a:endParaRPr lang="zh-CN" altLang="en-US" sz="1600" dirty="0"/>
+              </a:p>
+            </p:txBody>
+          </p:sp>
+        </mc:Choice>
+        <mc:Fallback xmlns="">
+          <p:sp>
+            <p:nvSpPr>
+              <p:cNvPr id="8" name="文本框 7"/>
+              <p:cNvSpPr txBox="1">
+                <a:spLocks noRot="1" noChangeAspect="1" noMove="1" noResize="1" noEditPoints="1" noAdjustHandles="1" noChangeArrowheads="1" noChangeShapeType="1" noTextEdit="1"/>
+              </p:cNvSpPr>
+              <p:nvPr/>
+            </p:nvSpPr>
+            <p:spPr>
+              <a:xfrm>
+                <a:off x="2409905" y="1715650"/>
+                <a:ext cx="216024" cy="338554"/>
+              </a:xfrm>
+              <a:prstGeom prst="rect">
+                <a:avLst/>
+              </a:prstGeom>
+              <a:blipFill rotWithShape="0">
+                <a:blip r:embed="rId3"/>
+                <a:stretch>
+                  <a:fillRect l="-41667"/>
+                </a:stretch>
+              </a:blipFill>
+            </p:spPr>
+            <p:txBody>
+              <a:bodyPr/>
+              <a:lstStyle/>
+              <a:p>
+                <a:r>
+                  <a:rPr lang="zh-CN" altLang="en-US">
+                    <a:noFill/>
+                  </a:rPr>
+                  <a:t> </a:t>
+                </a:r>
+              </a:p>
+            </p:txBody>
+          </p:sp>
+        </mc:Fallback>
+      </mc:AlternateContent>
+      <mc:AlternateContent xmlns:mc="http://schemas.openxmlformats.org/markup-compatibility/2006" xmlns:a14="http://schemas.microsoft.com/office/drawing/2010/main">
+        <mc:Choice Requires="a14">
+          <p:sp>
+            <p:nvSpPr>
+              <p:cNvPr id="9" name="文本框 8"/>
+              <p:cNvSpPr txBox="1"/>
+              <p:nvPr/>
+            </p:nvSpPr>
+            <p:spPr>
+              <a:xfrm>
+                <a:off x="2625929" y="1722294"/>
+                <a:ext cx="216024" cy="338554"/>
+              </a:xfrm>
+              <a:prstGeom prst="rect">
+                <a:avLst/>
+              </a:prstGeom>
+              <a:noFill/>
+            </p:spPr>
+            <p:txBody>
+              <a:bodyPr wrap="square" rtlCol="0">
+                <a:spAutoFit/>
+              </a:bodyPr>
+              <a:lstStyle/>
+              <a:p>
+                <a:pPr/>
+                <a14:m>
+                  <m:oMathPara xmlns:m="http://schemas.openxmlformats.org/officeDocument/2006/math">
+                    <m:oMathParaPr>
+                      <m:jc m:val="centerGroup"/>
+                    </m:oMathParaPr>
+                    <m:oMath xmlns:m="http://schemas.openxmlformats.org/officeDocument/2006/math">
+                      <m:sSub>
+                        <m:sSubPr>
+                          <m:ctrlPr>
+                            <a:rPr lang="en-US" altLang="zh-CN" sz="1600" i="1" smtClean="0">
+                              <a:latin typeface="Cambria Math" panose="02040503050406030204" pitchFamily="18" charset="0"/>
+                            </a:rPr>
+                          </m:ctrlPr>
+                        </m:sSubPr>
+                        <m:e>
+                          <m:r>
+                            <m:rPr>
+                              <m:sty m:val="p"/>
+                            </m:rPr>
+                            <a:rPr lang="en-US" altLang="zh-CN" sz="1600" i="1">
+                              <a:latin typeface="Cambria Math" panose="02040503050406030204" pitchFamily="18" charset="0"/>
+                            </a:rPr>
+                            <m:t>d</m:t>
+                          </m:r>
+                        </m:e>
+                        <m:sub>
+                          <m:r>
+                            <a:rPr lang="en-US" altLang="zh-CN" sz="1600" i="1">
+                              <a:latin typeface="Cambria Math" panose="02040503050406030204" pitchFamily="18" charset="0"/>
+                            </a:rPr>
+                            <m:t>2</m:t>
+                          </m:r>
+                        </m:sub>
+                      </m:sSub>
+                    </m:oMath>
+                  </m:oMathPara>
+                </a14:m>
+                <a:endParaRPr lang="zh-CN" altLang="en-US" sz="1600" dirty="0"/>
+              </a:p>
+            </p:txBody>
+          </p:sp>
+        </mc:Choice>
+        <mc:Fallback xmlns="">
+          <p:sp>
+            <p:nvSpPr>
+              <p:cNvPr id="9" name="文本框 8"/>
+              <p:cNvSpPr txBox="1">
+                <a:spLocks noRot="1" noChangeAspect="1" noMove="1" noResize="1" noEditPoints="1" noAdjustHandles="1" noChangeArrowheads="1" noChangeShapeType="1" noTextEdit="1"/>
+              </p:cNvSpPr>
+              <p:nvPr/>
+            </p:nvSpPr>
+            <p:spPr>
+              <a:xfrm>
+                <a:off x="2625929" y="1722294"/>
+                <a:ext cx="216024" cy="338554"/>
+              </a:xfrm>
+              <a:prstGeom prst="rect">
+                <a:avLst/>
+              </a:prstGeom>
+              <a:blipFill rotWithShape="0">
+                <a:blip r:embed="rId4"/>
+                <a:stretch>
+                  <a:fillRect l="-45714" r="-2857"/>
+                </a:stretch>
+              </a:blipFill>
+            </p:spPr>
+            <p:txBody>
+              <a:bodyPr/>
+              <a:lstStyle/>
+              <a:p>
+                <a:r>
+                  <a:rPr lang="zh-CN" altLang="en-US">
+                    <a:noFill/>
+                  </a:rPr>
+                  <a:t> </a:t>
+                </a:r>
+              </a:p>
+            </p:txBody>
+          </p:sp>
+        </mc:Fallback>
+      </mc:AlternateContent>
       <p:sp>
         <p:nvSpPr>
-          <p:cNvPr id="6" name="标题 1"/>
+          <p:cNvPr id="10" name="标题 1"/>
           <p:cNvSpPr>
             <a:spLocks noGrp="1"/>
           </p:cNvSpPr>
@@ -27506,7 +27945,28 @@
                 <a:latin typeface="黑体" pitchFamily="49" charset="-122"/>
                 <a:ea typeface="黑体" pitchFamily="49" charset="-122"/>
               </a:rPr>
-              <a:t>的句子分类算法</a:t>
+              <a:t>的句</a:t>
+            </a:r>
+            <a:r>
+              <a:rPr lang="zh-CN" altLang="en-US" sz="2800" b="0" dirty="0" smtClean="0">
+                <a:latin typeface="黑体" pitchFamily="49" charset="-122"/>
+                <a:ea typeface="黑体" pitchFamily="49" charset="-122"/>
+              </a:rPr>
+              <a:t>子</a:t>
+            </a:r>
+            <a:r>
+              <a:rPr lang="zh-CN" altLang="en-US" sz="2800" b="0" dirty="0">
+                <a:latin typeface="黑体" pitchFamily="49" charset="-122"/>
+                <a:ea typeface="黑体" pitchFamily="49" charset="-122"/>
+              </a:rPr>
+              <a:t>分布</a:t>
+            </a:r>
+            <a:r>
+              <a:rPr lang="zh-CN" altLang="en-US" sz="2800" b="0" dirty="0" smtClean="0">
+                <a:latin typeface="黑体" pitchFamily="49" charset="-122"/>
+                <a:ea typeface="黑体" pitchFamily="49" charset="-122"/>
+              </a:rPr>
+              <a:t>式表示方法</a:t>
             </a:r>
             <a:endParaRPr lang="zh-CN" altLang="en-US" sz="2800" b="0" dirty="0">
               <a:latin typeface="黑体" pitchFamily="49" charset="-122"/>
@@ -27515,244 +27975,6 @@
           </a:p>
         </p:txBody>
       </p:sp>
-      <p:pic>
-        <p:nvPicPr>
-          <p:cNvPr id="7" name="图片 6"/>
-          <p:cNvPicPr/>
-          <p:nvPr/>
-        </p:nvPicPr>
-        <p:blipFill>
-          <a:blip r:embed="rId2" cstate="print">
-            <a:extLst>
-              <a:ext uri="{28A0092B-C50C-407E-A947-70E740481C1C}">
-                <a14:useLocalDpi xmlns:a14="http://schemas.microsoft.com/office/drawing/2010/main" val="0"/>
-              </a:ext>
-            </a:extLst>
-          </a:blip>
-          <a:stretch>
-            <a:fillRect/>
-          </a:stretch>
-        </p:blipFill>
-        <p:spPr>
-          <a:xfrm>
-            <a:off x="611188" y="2060848"/>
-            <a:ext cx="7847012" cy="3384376"/>
-          </a:xfrm>
-          <a:prstGeom prst="rect">
-            <a:avLst/>
-          </a:prstGeom>
-        </p:spPr>
-      </p:pic>
-      <mc:AlternateContent xmlns:mc="http://schemas.openxmlformats.org/markup-compatibility/2006">
-        <mc:Choice xmlns:a14="http://schemas.microsoft.com/office/drawing/2010/main" Requires="a14">
-          <p:sp>
-            <p:nvSpPr>
-              <p:cNvPr id="8" name="文本框 7"/>
-              <p:cNvSpPr txBox="1"/>
-              <p:nvPr/>
-            </p:nvSpPr>
-            <p:spPr>
-              <a:xfrm>
-                <a:off x="2409905" y="1715650"/>
-                <a:ext cx="216024" cy="338554"/>
-              </a:xfrm>
-              <a:prstGeom prst="rect">
-                <a:avLst/>
-              </a:prstGeom>
-              <a:noFill/>
-            </p:spPr>
-            <p:txBody>
-              <a:bodyPr wrap="square" rtlCol="0">
-                <a:spAutoFit/>
-              </a:bodyPr>
-              <a:lstStyle/>
-              <a:p>
-                <a14:m>
-                  <m:oMathPara xmlns:m="http://schemas.openxmlformats.org/officeDocument/2006/math">
-                    <m:oMathParaPr>
-                      <m:jc m:val="centerGroup"/>
-                    </m:oMathParaPr>
-                    <m:oMath xmlns:m="http://schemas.openxmlformats.org/officeDocument/2006/math">
-                      <m:sSub>
-                        <m:sSubPr>
-                          <m:ctrlPr>
-                            <a:rPr lang="en-US" altLang="zh-CN" sz="1600" i="1" smtClean="0">
-                              <a:latin typeface="Cambria Math" panose="02040503050406030204" pitchFamily="18" charset="0"/>
-                            </a:rPr>
-                          </m:ctrlPr>
-                        </m:sSubPr>
-                        <m:e>
-                          <m:r>
-                            <m:rPr>
-                              <m:sty m:val="p"/>
-                            </m:rPr>
-                            <a:rPr lang="en-US" altLang="zh-CN" sz="1600" i="1">
-                              <a:latin typeface="Cambria Math" panose="02040503050406030204" pitchFamily="18" charset="0"/>
-                            </a:rPr>
-                            <m:t>d</m:t>
-                          </m:r>
-                        </m:e>
-                        <m:sub>
-                          <m:r>
-                            <a:rPr lang="en-US" altLang="zh-CN" sz="1600" i="1">
-                              <a:latin typeface="Cambria Math" panose="02040503050406030204" pitchFamily="18" charset="0"/>
-                            </a:rPr>
-                            <m:t>1</m:t>
-                          </m:r>
-                        </m:sub>
-                      </m:sSub>
-                    </m:oMath>
-                  </m:oMathPara>
-                </a14:m>
-                <a:endParaRPr lang="zh-CN" altLang="en-US" sz="1600" dirty="0"/>
-              </a:p>
-            </p:txBody>
-          </p:sp>
-        </mc:Choice>
-        <mc:Fallback>
-          <p:sp>
-            <p:nvSpPr>
-              <p:cNvPr id="8" name="文本框 7"/>
-              <p:cNvSpPr txBox="1">
-                <a:spLocks noRot="1" noChangeAspect="1" noMove="1" noResize="1" noEditPoints="1" noAdjustHandles="1" noChangeArrowheads="1" noChangeShapeType="1" noTextEdit="1"/>
-              </p:cNvSpPr>
-              <p:nvPr/>
-            </p:nvSpPr>
-            <p:spPr>
-              <a:xfrm>
-                <a:off x="2409905" y="1715650"/>
-                <a:ext cx="216024" cy="338554"/>
-              </a:xfrm>
-              <a:prstGeom prst="rect">
-                <a:avLst/>
-              </a:prstGeom>
-              <a:blipFill rotWithShape="0">
-                <a:blip r:embed="rId3"/>
-                <a:stretch>
-                  <a:fillRect l="-41667"/>
-                </a:stretch>
-              </a:blipFill>
-            </p:spPr>
-            <p:txBody>
-              <a:bodyPr/>
-              <a:lstStyle/>
-              <a:p>
-                <a:r>
-                  <a:rPr lang="zh-CN" altLang="en-US">
-                    <a:noFill/>
-                  </a:rPr>
-                  <a:t> </a:t>
-                </a:r>
-              </a:p>
-            </p:txBody>
-          </p:sp>
-        </mc:Fallback>
-      </mc:AlternateContent>
-      <mc:AlternateContent xmlns:mc="http://schemas.openxmlformats.org/markup-compatibility/2006">
-        <mc:Choice xmlns:a14="http://schemas.microsoft.com/office/drawing/2010/main" Requires="a14">
-          <p:sp>
-            <p:nvSpPr>
-              <p:cNvPr id="9" name="文本框 8"/>
-              <p:cNvSpPr txBox="1"/>
-              <p:nvPr/>
-            </p:nvSpPr>
-            <p:spPr>
-              <a:xfrm>
-                <a:off x="2625929" y="1722294"/>
-                <a:ext cx="216024" cy="338554"/>
-              </a:xfrm>
-              <a:prstGeom prst="rect">
-                <a:avLst/>
-              </a:prstGeom>
-              <a:noFill/>
-            </p:spPr>
-            <p:txBody>
-              <a:bodyPr wrap="square" rtlCol="0">
-                <a:spAutoFit/>
-              </a:bodyPr>
-              <a:lstStyle/>
-              <a:p>
-                <a14:m>
-                  <m:oMathPara xmlns:m="http://schemas.openxmlformats.org/officeDocument/2006/math">
-                    <m:oMathParaPr>
-                      <m:jc m:val="centerGroup"/>
-                    </m:oMathParaPr>
-                    <m:oMath xmlns:m="http://schemas.openxmlformats.org/officeDocument/2006/math">
-                      <m:sSub>
-                        <m:sSubPr>
-                          <m:ctrlPr>
-                            <a:rPr lang="en-US" altLang="zh-CN" sz="1600" i="1" smtClean="0">
-                              <a:latin typeface="Cambria Math" panose="02040503050406030204" pitchFamily="18" charset="0"/>
-                            </a:rPr>
-                          </m:ctrlPr>
-                        </m:sSubPr>
-                        <m:e>
-                          <m:r>
-                            <m:rPr>
-                              <m:sty m:val="p"/>
-                            </m:rPr>
-                            <a:rPr lang="en-US" altLang="zh-CN" sz="1600" i="1">
-                              <a:latin typeface="Cambria Math" panose="02040503050406030204" pitchFamily="18" charset="0"/>
-                            </a:rPr>
-                            <m:t>d</m:t>
-                          </m:r>
-                        </m:e>
-                        <m:sub>
-                          <m:r>
-                            <a:rPr lang="en-US" altLang="zh-CN" sz="1600" i="1">
-                              <a:latin typeface="Cambria Math" panose="02040503050406030204" pitchFamily="18" charset="0"/>
-                            </a:rPr>
-                            <m:t>2</m:t>
-                          </m:r>
-                        </m:sub>
-                      </m:sSub>
-                    </m:oMath>
-                  </m:oMathPara>
-                </a14:m>
-                <a:endParaRPr lang="zh-CN" altLang="en-US" sz="1600" dirty="0"/>
-              </a:p>
-            </p:txBody>
-          </p:sp>
-        </mc:Choice>
-        <mc:Fallback>
-          <p:sp>
-            <p:nvSpPr>
-              <p:cNvPr id="9" name="文本框 8"/>
-              <p:cNvSpPr txBox="1">
-                <a:spLocks noRot="1" noChangeAspect="1" noMove="1" noResize="1" noEditPoints="1" noAdjustHandles="1" noChangeArrowheads="1" noChangeShapeType="1" noTextEdit="1"/>
-              </p:cNvSpPr>
-              <p:nvPr/>
-            </p:nvSpPr>
-            <p:spPr>
-              <a:xfrm>
-                <a:off x="2625929" y="1722294"/>
-                <a:ext cx="216024" cy="338554"/>
-              </a:xfrm>
-              <a:prstGeom prst="rect">
-                <a:avLst/>
-              </a:prstGeom>
-              <a:blipFill rotWithShape="0">
-                <a:blip r:embed="rId4"/>
-                <a:stretch>
-                  <a:fillRect l="-45714" r="-2857"/>
-                </a:stretch>
-              </a:blipFill>
-            </p:spPr>
-            <p:txBody>
-              <a:bodyPr/>
-              <a:lstStyle/>
-              <a:p>
-                <a:r>
-                  <a:rPr lang="zh-CN" altLang="en-US">
-                    <a:noFill/>
-                  </a:rPr>
-                  <a:t> </a:t>
-                </a:r>
-              </a:p>
-            </p:txBody>
-          </p:sp>
-        </mc:Fallback>
-      </mc:AlternateContent>
     </p:spTree>
     <p:extLst>
       <p:ext uri="{BB962C8B-B14F-4D97-AF65-F5344CB8AC3E}">
@@ -27929,7 +28151,7 @@
           <a:p>
             <a:fld id="{ECB25AA1-DAB0-4597-8B8E-0BCD3DF7FBD0}" type="datetime1">
               <a:rPr lang="zh-CN" altLang="en-US" smtClean="0"/>
-              <a:t>2017/5/14</a:t>
+              <a:t>2017/5/15</a:t>
             </a:fld>
             <a:endParaRPr lang="en-US" altLang="zh-CN" dirty="0"/>
           </a:p>
@@ -28895,7 +29117,7 @@
           <a:p>
             <a:fld id="{ECB25AA1-DAB0-4597-8B8E-0BCD3DF7FBD0}" type="datetime1">
               <a:rPr lang="zh-CN" altLang="en-US" smtClean="0"/>
-              <a:t>2017/5/14</a:t>
+              <a:t>2017/5/15</a:t>
             </a:fld>
             <a:endParaRPr lang="en-US" altLang="zh-CN" dirty="0"/>
           </a:p>
@@ -29771,7 +29993,7 @@
         <p:spPr>
           <a:xfrm>
             <a:off x="360906" y="1772816"/>
-            <a:ext cx="4571134" cy="2783243"/>
+            <a:ext cx="4643142" cy="2783243"/>
           </a:xfrm>
         </p:spPr>
         <p:txBody>
@@ -29869,7 +30091,42 @@
                 <a:ea typeface="楷体" panose="02010609060101010101" pitchFamily="49" charset="-122"/>
                 <a:cs typeface="Times New Roman" panose="02020603050405020304" pitchFamily="18" charset="0"/>
               </a:rPr>
-              <a:t>训练词向量</a:t>
+              <a:t>训练词向</a:t>
+            </a:r>
+            <a:r>
+              <a:rPr lang="zh-CN" altLang="en-US" sz="1800" dirty="0" smtClean="0">
+                <a:latin typeface="Times New Roman" panose="02020603050405020304" pitchFamily="18" charset="0"/>
+                <a:ea typeface="楷体" panose="02010609060101010101" pitchFamily="49" charset="-122"/>
+                <a:cs typeface="Times New Roman" panose="02020603050405020304" pitchFamily="18" charset="0"/>
+              </a:rPr>
+              <a:t>量</a:t>
+            </a:r>
+            <a:endParaRPr lang="en-US" altLang="zh-CN" sz="1800" dirty="0" smtClean="0">
+              <a:latin typeface="Times New Roman" panose="02020603050405020304" pitchFamily="18" charset="0"/>
+              <a:ea typeface="楷体" panose="02010609060101010101" pitchFamily="49" charset="-122"/>
+              <a:cs typeface="Times New Roman" panose="02020603050405020304" pitchFamily="18" charset="0"/>
+            </a:endParaRPr>
+          </a:p>
+          <a:p>
+            <a:pPr marL="784225" lvl="1" indent="-342900">
+              <a:buFont typeface="Wingdings" panose="05000000000000000000" pitchFamily="2" charset="2"/>
+              <a:buChar char="p"/>
+            </a:pPr>
+            <a:r>
+              <a:rPr lang="zh-CN" altLang="en-US" sz="1800" dirty="0">
+                <a:latin typeface="Times New Roman" panose="02020603050405020304" pitchFamily="18" charset="0"/>
+                <a:ea typeface="楷体" panose="02010609060101010101" pitchFamily="49" charset="-122"/>
+                <a:cs typeface="Times New Roman" panose="02020603050405020304" pitchFamily="18" charset="0"/>
+              </a:rPr>
+              <a:t>使</a:t>
+            </a:r>
+            <a:r>
+              <a:rPr lang="zh-CN" altLang="en-US" sz="1800" dirty="0" smtClean="0">
+                <a:latin typeface="Times New Roman" panose="02020603050405020304" pitchFamily="18" charset="0"/>
+                <a:ea typeface="楷体" panose="02010609060101010101" pitchFamily="49" charset="-122"/>
+                <a:cs typeface="Times New Roman" panose="02020603050405020304" pitchFamily="18" charset="0"/>
+              </a:rPr>
+              <a:t>用贝叶斯分类器进行十折交叉验证</a:t>
             </a:r>
             <a:endParaRPr lang="en-US" altLang="zh-CN" sz="1800" dirty="0" smtClean="0">
               <a:latin typeface="Times New Roman" panose="02020603050405020304" pitchFamily="18" charset="0"/>
@@ -29890,6 +30147,467 @@
           </a:p>
         </p:txBody>
       </p:sp>
+      <mc:AlternateContent xmlns:mc="http://schemas.openxmlformats.org/markup-compatibility/2006">
+        <mc:Choice xmlns:a14="http://schemas.microsoft.com/office/drawing/2010/main" Requires="a14">
+          <p:sp>
+            <p:nvSpPr>
+              <p:cNvPr id="9" name="内容占位符 2"/>
+              <p:cNvSpPr txBox="1">
+                <a:spLocks/>
+              </p:cNvSpPr>
+              <p:nvPr/>
+            </p:nvSpPr>
+            <p:spPr bwMode="auto">
+              <a:xfrm>
+                <a:off x="364391" y="3798347"/>
+                <a:ext cx="4574005" cy="1152599"/>
+              </a:xfrm>
+              <a:prstGeom prst="rect">
+                <a:avLst/>
+              </a:prstGeom>
+              <a:noFill/>
+              <a:ln>
+                <a:noFill/>
+              </a:ln>
+              <a:effectLst/>
+              <a:extLst>
+                <a:ext uri="{909E8E84-426E-40DD-AFC4-6F175D3DCCD1}">
+                  <a14:hiddenFill>
+                    <a:solidFill>
+                      <a:schemeClr val="accent1"/>
+                    </a:solidFill>
+                  </a14:hiddenFill>
+                </a:ext>
+                <a:ext uri="{91240B29-F687-4F45-9708-019B960494DF}">
+                  <a14:hiddenLine w="9525">
+                    <a:solidFill>
+                      <a:schemeClr val="tx1"/>
+                    </a:solidFill>
+                    <a:miter lim="800000"/>
+                    <a:headEnd/>
+                    <a:tailEnd/>
+                  </a14:hiddenLine>
+                </a:ext>
+                <a:ext uri="{AF507438-7753-43E0-B8FC-AC1667EBCBE1}">
+                  <a14:hiddenEffects>
+                    <a:effectLst>
+                      <a:outerShdw dist="35921" dir="2700000" algn="ctr" rotWithShape="0">
+                        <a:schemeClr val="bg2"/>
+                      </a:outerShdw>
+                    </a:effectLst>
+                  </a14:hiddenEffects>
+                </a:ext>
+              </a:extLst>
+            </p:spPr>
+            <p:txBody>
+              <a:bodyPr vert="horz" wrap="square" lIns="91440" tIns="45720" rIns="91440" bIns="45720" numCol="1" anchor="t" anchorCtr="0" compatLnSpc="1">
+                <a:prstTxWarp prst="textNoShape">
+                  <a:avLst/>
+                </a:prstTxWarp>
+              </a:bodyPr>
+              <a:lstStyle>
+                <a:lvl1pPr marL="447675" indent="-447675" algn="l" rtl="0" fontAlgn="base">
+                  <a:spcBef>
+                    <a:spcPct val="20000"/>
+                  </a:spcBef>
+                  <a:spcAft>
+                    <a:spcPct val="0"/>
+                  </a:spcAft>
+                  <a:buClr>
+                    <a:schemeClr val="accent1"/>
+                  </a:buClr>
+                  <a:buSzPct val="70000"/>
+                  <a:buFont typeface="Wingdings" pitchFamily="2" charset="2"/>
+                  <a:buChar char="n"/>
+                  <a:defRPr sz="2800">
+                    <a:solidFill>
+                      <a:schemeClr val="tx1"/>
+                    </a:solidFill>
+                    <a:latin typeface="微软雅黑" pitchFamily="34" charset="-122"/>
+                    <a:ea typeface="微软雅黑" pitchFamily="34" charset="-122"/>
+                    <a:cs typeface="+mn-cs"/>
+                  </a:defRPr>
+                </a:lvl1pPr>
+                <a:lvl2pPr marL="889000" indent="-439738" algn="l" rtl="0" fontAlgn="base">
+                  <a:spcBef>
+                    <a:spcPct val="20000"/>
+                  </a:spcBef>
+                  <a:spcAft>
+                    <a:spcPct val="0"/>
+                  </a:spcAft>
+                  <a:buClr>
+                    <a:schemeClr val="hlink"/>
+                  </a:buClr>
+                  <a:buSzPct val="65000"/>
+                  <a:buFont typeface="Wingdings" pitchFamily="2" charset="2"/>
+                  <a:buChar char="¡"/>
+                  <a:defRPr sz="2400">
+                    <a:solidFill>
+                      <a:schemeClr val="tx1"/>
+                    </a:solidFill>
+                    <a:latin typeface="微软雅黑" pitchFamily="34" charset="-122"/>
+                    <a:ea typeface="微软雅黑" pitchFamily="34" charset="-122"/>
+                  </a:defRPr>
+                </a:lvl2pPr>
+                <a:lvl3pPr marL="1293813" indent="-403225" algn="l" rtl="0" fontAlgn="base">
+                  <a:spcBef>
+                    <a:spcPct val="20000"/>
+                  </a:spcBef>
+                  <a:spcAft>
+                    <a:spcPct val="0"/>
+                  </a:spcAft>
+                  <a:buClr>
+                    <a:schemeClr val="accent1"/>
+                  </a:buClr>
+                  <a:buSzPct val="70000"/>
+                  <a:buFont typeface="Wingdings" pitchFamily="2" charset="2"/>
+                  <a:buChar char="n"/>
+                  <a:defRPr sz="2000">
+                    <a:solidFill>
+                      <a:schemeClr val="tx1"/>
+                    </a:solidFill>
+                    <a:latin typeface="微软雅黑" pitchFamily="34" charset="-122"/>
+                    <a:ea typeface="微软雅黑" pitchFamily="34" charset="-122"/>
+                  </a:defRPr>
+                </a:lvl3pPr>
+                <a:lvl4pPr marL="1681163" indent="-385763" algn="l" rtl="0" fontAlgn="base">
+                  <a:spcBef>
+                    <a:spcPct val="20000"/>
+                  </a:spcBef>
+                  <a:spcAft>
+                    <a:spcPct val="0"/>
+                  </a:spcAft>
+                  <a:buClr>
+                    <a:schemeClr val="hlink"/>
+                  </a:buClr>
+                  <a:buSzPct val="75000"/>
+                  <a:buFont typeface="Wingdings" pitchFamily="2" charset="2"/>
+                  <a:buChar char="¡"/>
+                  <a:defRPr>
+                    <a:solidFill>
+                      <a:schemeClr val="tx1"/>
+                    </a:solidFill>
+                    <a:latin typeface="微软雅黑" pitchFamily="34" charset="-122"/>
+                    <a:ea typeface="微软雅黑" pitchFamily="34" charset="-122"/>
+                  </a:defRPr>
+                </a:lvl4pPr>
+                <a:lvl5pPr marL="2070100" indent="-387350" algn="l" rtl="0" fontAlgn="base">
+                  <a:spcBef>
+                    <a:spcPct val="20000"/>
+                  </a:spcBef>
+                  <a:spcAft>
+                    <a:spcPct val="0"/>
+                  </a:spcAft>
+                  <a:buClr>
+                    <a:schemeClr val="accent1"/>
+                  </a:buClr>
+                  <a:buSzPct val="70000"/>
+                  <a:buFont typeface="Wingdings" pitchFamily="2" charset="2"/>
+                  <a:buChar char="n"/>
+                  <a:defRPr sz="1600">
+                    <a:solidFill>
+                      <a:schemeClr val="tx1"/>
+                    </a:solidFill>
+                    <a:latin typeface="微软雅黑" pitchFamily="34" charset="-122"/>
+                    <a:ea typeface="微软雅黑" pitchFamily="34" charset="-122"/>
+                  </a:defRPr>
+                </a:lvl5pPr>
+                <a:lvl6pPr marL="2527300" indent="-387350" algn="l" rtl="0" fontAlgn="base">
+                  <a:spcBef>
+                    <a:spcPct val="20000"/>
+                  </a:spcBef>
+                  <a:spcAft>
+                    <a:spcPct val="0"/>
+                  </a:spcAft>
+                  <a:buClr>
+                    <a:schemeClr val="accent1"/>
+                  </a:buClr>
+                  <a:buSzPct val="70000"/>
+                  <a:buFont typeface="Wingdings" pitchFamily="2" charset="2"/>
+                  <a:buChar char="n"/>
+                  <a:defRPr sz="1600">
+                    <a:solidFill>
+                      <a:schemeClr val="tx1"/>
+                    </a:solidFill>
+                    <a:latin typeface="+mn-lt"/>
+                    <a:ea typeface="+mn-ea"/>
+                  </a:defRPr>
+                </a:lvl6pPr>
+                <a:lvl7pPr marL="2984500" indent="-387350" algn="l" rtl="0" fontAlgn="base">
+                  <a:spcBef>
+                    <a:spcPct val="20000"/>
+                  </a:spcBef>
+                  <a:spcAft>
+                    <a:spcPct val="0"/>
+                  </a:spcAft>
+                  <a:buClr>
+                    <a:schemeClr val="accent1"/>
+                  </a:buClr>
+                  <a:buSzPct val="70000"/>
+                  <a:buFont typeface="Wingdings" pitchFamily="2" charset="2"/>
+                  <a:buChar char="n"/>
+                  <a:defRPr sz="1600">
+                    <a:solidFill>
+                      <a:schemeClr val="tx1"/>
+                    </a:solidFill>
+                    <a:latin typeface="+mn-lt"/>
+                    <a:ea typeface="+mn-ea"/>
+                  </a:defRPr>
+                </a:lvl7pPr>
+                <a:lvl8pPr marL="3441700" indent="-387350" algn="l" rtl="0" fontAlgn="base">
+                  <a:spcBef>
+                    <a:spcPct val="20000"/>
+                  </a:spcBef>
+                  <a:spcAft>
+                    <a:spcPct val="0"/>
+                  </a:spcAft>
+                  <a:buClr>
+                    <a:schemeClr val="accent1"/>
+                  </a:buClr>
+                  <a:buSzPct val="70000"/>
+                  <a:buFont typeface="Wingdings" pitchFamily="2" charset="2"/>
+                  <a:buChar char="n"/>
+                  <a:defRPr sz="1600">
+                    <a:solidFill>
+                      <a:schemeClr val="tx1"/>
+                    </a:solidFill>
+                    <a:latin typeface="+mn-lt"/>
+                    <a:ea typeface="+mn-ea"/>
+                  </a:defRPr>
+                </a:lvl8pPr>
+                <a:lvl9pPr marL="3898900" indent="-387350" algn="l" rtl="0" fontAlgn="base">
+                  <a:spcBef>
+                    <a:spcPct val="20000"/>
+                  </a:spcBef>
+                  <a:spcAft>
+                    <a:spcPct val="0"/>
+                  </a:spcAft>
+                  <a:buClr>
+                    <a:schemeClr val="accent1"/>
+                  </a:buClr>
+                  <a:buSzPct val="70000"/>
+                  <a:buFont typeface="Wingdings" pitchFamily="2" charset="2"/>
+                  <a:buChar char="n"/>
+                  <a:defRPr sz="1600">
+                    <a:solidFill>
+                      <a:schemeClr val="tx1"/>
+                    </a:solidFill>
+                    <a:latin typeface="+mn-lt"/>
+                    <a:ea typeface="+mn-ea"/>
+                  </a:defRPr>
+                </a:lvl9pPr>
+              </a:lstStyle>
+              <a:p>
+                <a:r>
+                  <a:rPr lang="zh-CN" altLang="en-US" sz="2400" kern="0" dirty="0" smtClean="0"/>
+                  <a:t>评估标准</a:t>
+                </a:r>
+                <a:endParaRPr lang="en-US" altLang="zh-CN" sz="1600" kern="0" dirty="0">
+                  <a:latin typeface="Times New Roman" panose="02020603050405020304" pitchFamily="18" charset="0"/>
+                  <a:ea typeface="宋体" panose="02010600030101010101" pitchFamily="2" charset="-122"/>
+                </a:endParaRPr>
+              </a:p>
+              <a:p>
+                <a:pPr marL="0" indent="0">
+                  <a:buNone/>
+                </a:pPr>
+                <a:endParaRPr lang="en-US" altLang="zh-CN" sz="1800" b="0" i="1" kern="0" dirty="0" smtClean="0">
+                  <a:latin typeface="Cambria Math" panose="02040503050406030204" pitchFamily="18" charset="0"/>
+                  <a:ea typeface="楷体" panose="02010609060101010101" pitchFamily="49" charset="-122"/>
+                </a:endParaRPr>
+              </a:p>
+              <a:p>
+                <a:pPr marL="0" indent="0">
+                  <a:buNone/>
+                </a:pPr>
+                <a14:m>
+                  <m:oMathPara xmlns:m="http://schemas.openxmlformats.org/officeDocument/2006/math">
+                    <m:oMathParaPr>
+                      <m:jc m:val="centerGroup"/>
+                    </m:oMathParaPr>
+                    <m:oMath xmlns:m="http://schemas.openxmlformats.org/officeDocument/2006/math">
+                      <m:r>
+                        <a:rPr lang="en-US" altLang="zh-CN" sz="1800" b="0" i="1" kern="0" smtClean="0">
+                          <a:latin typeface="Cambria Math" panose="02040503050406030204" pitchFamily="18" charset="0"/>
+                          <a:ea typeface="楷体" panose="02010609060101010101" pitchFamily="49" charset="-122"/>
+                        </a:rPr>
+                        <m:t>𝐹</m:t>
+                      </m:r>
+                      <m:r>
+                        <a:rPr lang="en-US" altLang="zh-CN" sz="1800" b="0" i="1" kern="0" smtClean="0">
+                          <a:latin typeface="Cambria Math" panose="02040503050406030204" pitchFamily="18" charset="0"/>
+                          <a:ea typeface="楷体" panose="02010609060101010101" pitchFamily="49" charset="-122"/>
+                        </a:rPr>
+                        <m:t>_</m:t>
+                      </m:r>
+                      <m:r>
+                        <a:rPr lang="en-US" altLang="zh-CN" sz="1800" b="0" i="1" kern="0" smtClean="0">
+                          <a:latin typeface="Cambria Math" panose="02040503050406030204" pitchFamily="18" charset="0"/>
+                          <a:ea typeface="楷体" panose="02010609060101010101" pitchFamily="49" charset="-122"/>
+                        </a:rPr>
+                        <m:t>𝑚𝑒𝑎𝑠𝑢𝑟𝑒</m:t>
+                      </m:r>
+                      <m:r>
+                        <a:rPr lang="en-US" altLang="zh-CN" sz="1800" b="0" i="1" kern="0" smtClean="0">
+                          <a:latin typeface="Cambria Math" panose="02040503050406030204" pitchFamily="18" charset="0"/>
+                          <a:ea typeface="楷体" panose="02010609060101010101" pitchFamily="49" charset="-122"/>
+                        </a:rPr>
+                        <m:t>=</m:t>
+                      </m:r>
+                      <m:f>
+                        <m:fPr>
+                          <m:ctrlPr>
+                            <a:rPr lang="en-US" altLang="zh-CN" sz="1800" b="0" i="1" kern="0" smtClean="0">
+                              <a:latin typeface="Cambria Math" panose="02040503050406030204" pitchFamily="18" charset="0"/>
+                              <a:ea typeface="楷体" panose="02010609060101010101" pitchFamily="49" charset="-122"/>
+                            </a:rPr>
+                          </m:ctrlPr>
+                        </m:fPr>
+                        <m:num>
+                          <m:r>
+                            <a:rPr lang="en-US" altLang="zh-CN" sz="1800" b="0" i="1" kern="0" smtClean="0">
+                              <a:latin typeface="Cambria Math" panose="02040503050406030204" pitchFamily="18" charset="0"/>
+                              <a:ea typeface="楷体" panose="02010609060101010101" pitchFamily="49" charset="-122"/>
+                            </a:rPr>
+                            <m:t>2∗</m:t>
+                          </m:r>
+                          <m:r>
+                            <a:rPr lang="en-US" altLang="zh-CN" sz="1800" b="0" i="1" kern="0" smtClean="0">
+                              <a:latin typeface="Cambria Math" panose="02040503050406030204" pitchFamily="18" charset="0"/>
+                              <a:ea typeface="楷体" panose="02010609060101010101" pitchFamily="49" charset="-122"/>
+                            </a:rPr>
+                            <m:t>𝑃𝑟𝑒𝑠𝑖𝑠𝑖𝑜𝑛</m:t>
+                          </m:r>
+                          <m:r>
+                            <a:rPr lang="en-US" altLang="zh-CN" sz="1800" b="0" i="1" kern="0" smtClean="0">
+                              <a:latin typeface="Cambria Math" panose="02040503050406030204" pitchFamily="18" charset="0"/>
+                              <a:ea typeface="楷体" panose="02010609060101010101" pitchFamily="49" charset="-122"/>
+                            </a:rPr>
+                            <m:t>∗</m:t>
+                          </m:r>
+                          <m:r>
+                            <a:rPr lang="en-US" altLang="zh-CN" sz="1800" b="0" i="1" kern="0" smtClean="0">
+                              <a:latin typeface="Cambria Math" panose="02040503050406030204" pitchFamily="18" charset="0"/>
+                              <a:ea typeface="楷体" panose="02010609060101010101" pitchFamily="49" charset="-122"/>
+                            </a:rPr>
+                            <m:t>𝑅𝑒𝑐𝑎𝑙𝑙</m:t>
+                          </m:r>
+                        </m:num>
+                        <m:den>
+                          <m:r>
+                            <a:rPr lang="en-US" altLang="zh-CN" sz="1800" b="0" i="1" kern="0" smtClean="0">
+                              <a:latin typeface="Cambria Math" panose="02040503050406030204" pitchFamily="18" charset="0"/>
+                              <a:ea typeface="楷体" panose="02010609060101010101" pitchFamily="49" charset="-122"/>
+                            </a:rPr>
+                            <m:t>𝑃𝑟𝑒𝑐𝑖𝑠𝑖𝑜𝑛</m:t>
+                          </m:r>
+                          <m:r>
+                            <a:rPr lang="en-US" altLang="zh-CN" sz="1800" b="0" i="1" kern="0" smtClean="0">
+                              <a:latin typeface="Cambria Math" panose="02040503050406030204" pitchFamily="18" charset="0"/>
+                              <a:ea typeface="楷体" panose="02010609060101010101" pitchFamily="49" charset="-122"/>
+                            </a:rPr>
+                            <m:t>+</m:t>
+                          </m:r>
+                          <m:r>
+                            <a:rPr lang="en-US" altLang="zh-CN" sz="1800" b="0" i="1" kern="0" smtClean="0">
+                              <a:latin typeface="Cambria Math" panose="02040503050406030204" pitchFamily="18" charset="0"/>
+                              <a:ea typeface="楷体" panose="02010609060101010101" pitchFamily="49" charset="-122"/>
+                            </a:rPr>
+                            <m:t>𝑅𝑒𝑐𝑎𝑙𝑙</m:t>
+                          </m:r>
+                        </m:den>
+                      </m:f>
+                    </m:oMath>
+                  </m:oMathPara>
+                </a14:m>
+                <a:endParaRPr lang="en-US" altLang="zh-CN" sz="1800" b="0" kern="0" dirty="0" smtClean="0">
+                  <a:latin typeface="楷体" panose="02010609060101010101" pitchFamily="49" charset="-122"/>
+                  <a:ea typeface="楷体" panose="02010609060101010101" pitchFamily="49" charset="-122"/>
+                </a:endParaRPr>
+              </a:p>
+              <a:p>
+                <a:pPr marL="441325" lvl="1" indent="0">
+                  <a:buNone/>
+                </a:pPr>
+                <a:endParaRPr lang="en-US" altLang="zh-CN" sz="1800" kern="0" dirty="0" smtClean="0">
+                  <a:latin typeface="楷体" panose="02010609060101010101" pitchFamily="49" charset="-122"/>
+                  <a:ea typeface="楷体" panose="02010609060101010101" pitchFamily="49" charset="-122"/>
+                </a:endParaRPr>
+              </a:p>
+            </p:txBody>
+          </p:sp>
+        </mc:Choice>
+        <mc:Fallback>
+          <p:sp>
+            <p:nvSpPr>
+              <p:cNvPr id="9" name="内容占位符 2"/>
+              <p:cNvSpPr txBox="1">
+                <a:spLocks noRot="1" noChangeAspect="1" noMove="1" noResize="1" noEditPoints="1" noAdjustHandles="1" noChangeArrowheads="1" noChangeShapeType="1" noTextEdit="1"/>
+              </p:cNvSpPr>
+              <p:nvPr/>
+            </p:nvSpPr>
+            <p:spPr bwMode="auto">
+              <a:xfrm>
+                <a:off x="364391" y="3798347"/>
+                <a:ext cx="4574005" cy="1152599"/>
+              </a:xfrm>
+              <a:prstGeom prst="rect">
+                <a:avLst/>
+              </a:prstGeom>
+              <a:blipFill rotWithShape="0">
+                <a:blip r:embed="rId3"/>
+                <a:stretch>
+                  <a:fillRect l="-667" t="-4233" b="-10053"/>
+                </a:stretch>
+              </a:blipFill>
+              <a:ln>
+                <a:noFill/>
+              </a:ln>
+              <a:effectLst/>
+              <a:extLst>
+                <a:ext uri="{909E8E84-426E-40DD-AFC4-6F175D3DCCD1}">
+                  <a14:hiddenFill xmlns:a14="http://schemas.microsoft.com/office/drawing/2010/main">
+                    <a:solidFill>
+                      <a:schemeClr val="accent1"/>
+                    </a:solidFill>
+                  </a14:hiddenFill>
+                </a:ext>
+                <a:ext uri="{91240B29-F687-4F45-9708-019B960494DF}">
+                  <a14:hiddenLine xmlns:a14="http://schemas.microsoft.com/office/drawing/2010/main" w="9525">
+                    <a:solidFill>
+                      <a:schemeClr val="tx1"/>
+                    </a:solidFill>
+                    <a:miter lim="800000"/>
+                    <a:headEnd/>
+                    <a:tailEnd/>
+                  </a14:hiddenLine>
+                </a:ext>
+                <a:ext uri="{AF507438-7753-43E0-B8FC-AC1667EBCBE1}">
+                  <a14:hiddenEffects xmlns:a14="http://schemas.microsoft.com/office/drawing/2010/main">
+                    <a:effectLst>
+                      <a:outerShdw dist="35921" dir="2700000" algn="ctr" rotWithShape="0">
+                        <a:schemeClr val="bg2"/>
+                      </a:outerShdw>
+                    </a:effectLst>
+                  </a14:hiddenEffects>
+                </a:ext>
+              </a:extLst>
+            </p:spPr>
+            <p:txBody>
+              <a:bodyPr/>
+              <a:lstStyle/>
+              <a:p>
+                <a:r>
+                  <a:rPr lang="zh-CN" altLang="en-US">
+                    <a:noFill/>
+                  </a:rPr>
+                  <a:t> </a:t>
+                </a:r>
+              </a:p>
+            </p:txBody>
+          </p:sp>
+        </mc:Fallback>
+      </mc:AlternateContent>
     </p:spTree>
     <p:extLst>
       <p:ext uri="{BB962C8B-B14F-4D97-AF65-F5344CB8AC3E}">
@@ -29952,7 +30670,7 @@
           <a:p>
             <a:fld id="{ECB25AA1-DAB0-4597-8B8E-0BCD3DF7FBD0}" type="datetime1">
               <a:rPr lang="zh-CN" altLang="en-US" smtClean="0"/>
-              <a:t>2017/5/14</a:t>
+              <a:t>2017/5/15</a:t>
             </a:fld>
             <a:endParaRPr lang="en-US" altLang="zh-CN" dirty="0"/>
           </a:p>
@@ -30461,7 +31179,7 @@
           <a:p>
             <a:fld id="{8B0F75CF-0553-4104-831D-ECC51C6B5C3F}" type="datetime1">
               <a:rPr lang="zh-CN" altLang="en-US" smtClean="0"/>
-              <a:t>2017/5/14</a:t>
+              <a:t>2017/5/15</a:t>
             </a:fld>
             <a:endParaRPr lang="en-US" altLang="zh-CN"/>
           </a:p>
@@ -30491,9 +31209,37 @@
           </a:p>
         </p:txBody>
       </p:sp>
+      <p:pic>
+        <p:nvPicPr>
+          <p:cNvPr id="6" name="图片 5"/>
+          <p:cNvPicPr/>
+          <p:nvPr/>
+        </p:nvPicPr>
+        <p:blipFill>
+          <a:blip r:embed="rId3">
+            <a:extLst>
+              <a:ext uri="{28A0092B-C50C-407E-A947-70E740481C1C}">
+                <a14:useLocalDpi xmlns:a14="http://schemas.microsoft.com/office/drawing/2010/main" val="0"/>
+              </a:ext>
+            </a:extLst>
+          </a:blip>
+          <a:stretch>
+            <a:fillRect/>
+          </a:stretch>
+        </p:blipFill>
+        <p:spPr>
+          <a:xfrm>
+            <a:off x="888757" y="1805559"/>
+            <a:ext cx="7102718" cy="3600400"/>
+          </a:xfrm>
+          <a:prstGeom prst="rect">
+            <a:avLst/>
+          </a:prstGeom>
+        </p:spPr>
+      </p:pic>
       <p:sp>
         <p:nvSpPr>
-          <p:cNvPr id="6" name="标题 1"/>
+          <p:cNvPr id="9" name="标题 1"/>
           <p:cNvSpPr>
             <a:spLocks noGrp="1"/>
           </p:cNvSpPr>
@@ -30513,11 +31259,18 @@
           <a:p>
             <a:pPr algn="l"/>
             <a:r>
+              <a:rPr lang="zh-CN" altLang="en-US" sz="2800" b="0" dirty="0">
+                <a:latin typeface="黑体" pitchFamily="49" charset="-122"/>
+                <a:ea typeface="黑体" pitchFamily="49" charset="-122"/>
+              </a:rPr>
+              <a:t>问</a:t>
+            </a:r>
+            <a:r>
               <a:rPr lang="zh-CN" altLang="en-US" sz="2800" b="0" dirty="0" smtClean="0">
                 <a:latin typeface="黑体" pitchFamily="49" charset="-122"/>
                 <a:ea typeface="黑体" pitchFamily="49" charset="-122"/>
               </a:rPr>
-              <a:t>语料库构建</a:t>
+              <a:t>题描述</a:t>
             </a:r>
             <a:endParaRPr lang="zh-CN" altLang="en-US" sz="2800" b="0" dirty="0">
               <a:latin typeface="黑体" pitchFamily="49" charset="-122"/>
@@ -30529,7 +31282,7 @@
     </p:spTree>
     <p:extLst>
       <p:ext uri="{BB962C8B-B14F-4D97-AF65-F5344CB8AC3E}">
-        <p14:creationId xmlns:p14="http://schemas.microsoft.com/office/powerpoint/2010/main" val="4282287435"/>
+        <p14:creationId xmlns:p14="http://schemas.microsoft.com/office/powerpoint/2010/main" val="3012578148"/>
       </p:ext>
     </p:extLst>
   </p:cSld>
@@ -30662,53 +31415,6 @@
       </p:grpSpPr>
       <p:sp>
         <p:nvSpPr>
-          <p:cNvPr id="3" name="内容占位符 2"/>
-          <p:cNvSpPr>
-            <a:spLocks noGrp="1"/>
-          </p:cNvSpPr>
-          <p:nvPr>
-            <p:ph idx="1"/>
-          </p:nvPr>
-        </p:nvSpPr>
-        <p:spPr>
-          <a:xfrm>
-            <a:off x="468313" y="1484313"/>
-            <a:ext cx="8142287" cy="504527"/>
-          </a:xfrm>
-        </p:spPr>
-        <p:txBody>
-          <a:bodyPr/>
-          <a:lstStyle/>
-          <a:p>
-            <a:r>
-              <a:rPr lang="en-US" altLang="zh-CN" sz="2400" dirty="0" smtClean="0"/>
-              <a:t>LETOR 3.0</a:t>
-            </a:r>
-            <a:r>
-              <a:rPr lang="zh-CN" altLang="en-US" sz="2400" dirty="0" smtClean="0"/>
-              <a:t>数据集</a:t>
-            </a:r>
-            <a:endParaRPr lang="en-US" altLang="zh-CN" sz="2400" dirty="0"/>
-          </a:p>
-          <a:p>
-            <a:pPr marL="449262" lvl="1" indent="0">
-              <a:buNone/>
-            </a:pPr>
-            <a:endParaRPr lang="zh-CN" altLang="en-US" sz="1600" dirty="0" smtClean="0">
-              <a:latin typeface="Times New Roman" panose="02020603050405020304" pitchFamily="18" charset="0"/>
-              <a:ea typeface="宋体" panose="02010600030101010101" pitchFamily="2" charset="-122"/>
-            </a:endParaRPr>
-          </a:p>
-          <a:p>
-            <a:pPr marL="0" indent="0">
-              <a:buNone/>
-            </a:pPr>
-            <a:endParaRPr lang="en-US" altLang="zh-CN" dirty="0" smtClean="0"/>
-          </a:p>
-        </p:txBody>
-      </p:sp>
-      <p:sp>
-        <p:nvSpPr>
           <p:cNvPr id="4" name="日期占位符 3"/>
           <p:cNvSpPr>
             <a:spLocks noGrp="1"/>
@@ -30724,7 +31430,7 @@
           <a:p>
             <a:fld id="{ECB25AA1-DAB0-4597-8B8E-0BCD3DF7FBD0}" type="datetime1">
               <a:rPr lang="zh-CN" altLang="en-US" smtClean="0"/>
-              <a:t>2017/5/14</a:t>
+              <a:t>2017/5/15</a:t>
             </a:fld>
             <a:endParaRPr lang="en-US" altLang="zh-CN" dirty="0"/>
           </a:p>
@@ -30776,18 +31482,804 @@
           <a:p>
             <a:pPr algn="l"/>
             <a:r>
-              <a:rPr lang="zh-CN" altLang="en-US" sz="2800" b="0" dirty="0">
+              <a:rPr lang="zh-CN" altLang="en-US" sz="2800" b="0" dirty="0" smtClean="0">
                 <a:latin typeface="黑体" pitchFamily="49" charset="-122"/>
                 <a:ea typeface="黑体" pitchFamily="49" charset="-122"/>
               </a:rPr>
-              <a:t>实</a:t>
+              <a:t>实现步骤</a:t>
             </a:r>
+            <a:endParaRPr lang="zh-CN" altLang="en-US" sz="2800" b="0" dirty="0">
+              <a:latin typeface="黑体" pitchFamily="49" charset="-122"/>
+              <a:ea typeface="黑体" pitchFamily="49" charset="-122"/>
+            </a:endParaRPr>
+          </a:p>
+        </p:txBody>
+      </p:sp>
+      <p:sp>
+        <p:nvSpPr>
+          <p:cNvPr id="6" name="Rectangle 2"/>
+          <p:cNvSpPr>
+            <a:spLocks noChangeArrowheads="1"/>
+          </p:cNvSpPr>
+          <p:nvPr/>
+        </p:nvSpPr>
+        <p:spPr bwMode="auto">
+          <a:xfrm>
+            <a:off x="2627784" y="1245610"/>
+            <a:ext cx="6944333" cy="45719"/>
+          </a:xfrm>
+          <a:prstGeom prst="rect">
+            <a:avLst/>
+          </a:prstGeom>
+          <a:noFill/>
+          <a:ln>
+            <a:noFill/>
+          </a:ln>
+          <a:effectLst/>
+          <a:extLst>
+            <a:ext uri="{909E8E84-426E-40DD-AFC4-6F175D3DCCD1}">
+              <a14:hiddenFill xmlns:a14="http://schemas.microsoft.com/office/drawing/2010/main">
+                <a:solidFill>
+                  <a:schemeClr val="accent1"/>
+                </a:solidFill>
+              </a14:hiddenFill>
+            </a:ext>
+            <a:ext uri="{91240B29-F687-4F45-9708-019B960494DF}">
+              <a14:hiddenLine xmlns:a14="http://schemas.microsoft.com/office/drawing/2010/main" w="9525">
+                <a:solidFill>
+                  <a:schemeClr val="tx1"/>
+                </a:solidFill>
+                <a:miter lim="800000"/>
+                <a:headEnd/>
+                <a:tailEnd/>
+              </a14:hiddenLine>
+            </a:ext>
+            <a:ext uri="{AF507438-7753-43E0-B8FC-AC1667EBCBE1}">
+              <a14:hiddenEffects xmlns:a14="http://schemas.microsoft.com/office/drawing/2010/main">
+                <a:effectLst>
+                  <a:outerShdw dist="35921" dir="2700000" algn="ctr" rotWithShape="0">
+                    <a:schemeClr val="bg2"/>
+                  </a:outerShdw>
+                </a:effectLst>
+              </a14:hiddenEffects>
+            </a:ext>
+          </a:extLst>
+        </p:spPr>
+        <p:txBody>
+          <a:bodyPr vert="horz" wrap="square" lIns="91440" tIns="45720" rIns="91440" bIns="45720" numCol="1" anchor="ctr" anchorCtr="0" compatLnSpc="1">
+            <a:prstTxWarp prst="textNoShape">
+              <a:avLst/>
+            </a:prstTxWarp>
+            <a:spAutoFit/>
+          </a:bodyPr>
+          <a:lstStyle/>
+          <a:p>
+            <a:endParaRPr lang="zh-CN" altLang="en-US"/>
+          </a:p>
+        </p:txBody>
+      </p:sp>
+      <p:graphicFrame>
+        <p:nvGraphicFramePr>
+          <p:cNvPr id="11" name="对象 10"/>
+          <p:cNvGraphicFramePr>
+            <a:graphicFrameLocks noChangeAspect="1"/>
+          </p:cNvGraphicFramePr>
+          <p:nvPr>
+            <p:extLst>
+              <p:ext uri="{D42A27DB-BD31-4B8C-83A1-F6EECF244321}">
+                <p14:modId xmlns:p14="http://schemas.microsoft.com/office/powerpoint/2010/main" val="3717147017"/>
+              </p:ext>
+            </p:extLst>
+          </p:nvPr>
+        </p:nvGraphicFramePr>
+        <p:xfrm>
+          <a:off x="4644008" y="1245610"/>
+          <a:ext cx="3248108" cy="4849915"/>
+        </p:xfrm>
+        <a:graphic>
+          <a:graphicData uri="http://schemas.openxmlformats.org/presentationml/2006/ole">
+            <mc:AlternateContent xmlns:mc="http://schemas.openxmlformats.org/markup-compatibility/2006">
+              <mc:Choice xmlns:v="urn:schemas-microsoft-com:vml" Requires="v">
+                <p:oleObj spid="_x0000_s4151" name="Visio" r:id="rId4" imgW="4174659" imgH="6226721" progId="Visio.Drawing.11">
+                  <p:embed/>
+                </p:oleObj>
+              </mc:Choice>
+              <mc:Fallback>
+                <p:oleObj name="Visio" r:id="rId4" imgW="4174659" imgH="6226721" progId="Visio.Drawing.11">
+                  <p:embed/>
+                  <p:pic>
+                    <p:nvPicPr>
+                      <p:cNvPr id="0" name=""/>
+                      <p:cNvPicPr>
+                        <a:picLocks noChangeAspect="1" noChangeArrowheads="1"/>
+                      </p:cNvPicPr>
+                      <p:nvPr/>
+                    </p:nvPicPr>
+                    <p:blipFill>
+                      <a:blip r:embed="rId5">
+                        <a:extLst>
+                          <a:ext uri="{28A0092B-C50C-407E-A947-70E740481C1C}">
+                            <a14:useLocalDpi xmlns:a14="http://schemas.microsoft.com/office/drawing/2010/main" val="0"/>
+                          </a:ext>
+                        </a:extLst>
+                      </a:blip>
+                      <a:srcRect/>
+                      <a:stretch>
+                        <a:fillRect/>
+                      </a:stretch>
+                    </p:blipFill>
+                    <p:spPr bwMode="auto">
+                      <a:xfrm>
+                        <a:off x="4644008" y="1245610"/>
+                        <a:ext cx="3248108" cy="4849915"/>
+                      </a:xfrm>
+                      <a:prstGeom prst="rect">
+                        <a:avLst/>
+                      </a:prstGeom>
+                      <a:noFill/>
+                    </p:spPr>
+                  </p:pic>
+                </p:oleObj>
+              </mc:Fallback>
+            </mc:AlternateContent>
+          </a:graphicData>
+        </a:graphic>
+      </p:graphicFrame>
+      <p:sp>
+        <p:nvSpPr>
+          <p:cNvPr id="8" name="内容占位符 2"/>
+          <p:cNvSpPr>
+            <a:spLocks noGrp="1"/>
+          </p:cNvSpPr>
+          <p:nvPr>
+            <p:ph idx="1"/>
+          </p:nvPr>
+        </p:nvSpPr>
+        <p:spPr>
+          <a:xfrm>
+            <a:off x="325854" y="1929459"/>
+            <a:ext cx="4030121" cy="3096815"/>
+          </a:xfrm>
+        </p:spPr>
+        <p:txBody>
+          <a:bodyPr/>
+          <a:lstStyle/>
+          <a:p>
+            <a:pPr marL="0" indent="0">
+              <a:buNone/>
+            </a:pPr>
+            <a:endParaRPr lang="en-US" altLang="zh-CN" sz="1200" dirty="0" smtClean="0"/>
+          </a:p>
+          <a:p>
+            <a:pPr>
+              <a:lnSpc>
+                <a:spcPct val="150000"/>
+              </a:lnSpc>
+            </a:pPr>
+            <a:r>
+              <a:rPr lang="zh-CN" altLang="en-US" sz="2000" dirty="0" smtClean="0">
+                <a:latin typeface="楷体" panose="02010609060101010101" pitchFamily="49" charset="-122"/>
+                <a:ea typeface="楷体" panose="02010609060101010101" pitchFamily="49" charset="-122"/>
+              </a:rPr>
+              <a:t>语料库</a:t>
+            </a:r>
+            <a:r>
+              <a:rPr lang="zh-CN" altLang="en-US" sz="2000" dirty="0">
+                <a:latin typeface="楷体" panose="02010609060101010101" pitchFamily="49" charset="-122"/>
+                <a:ea typeface="楷体" panose="02010609060101010101" pitchFamily="49" charset="-122"/>
+              </a:rPr>
+              <a:t>构建</a:t>
+            </a:r>
+            <a:endParaRPr lang="en-US" altLang="zh-CN" sz="2000" dirty="0" smtClean="0">
+              <a:latin typeface="楷体" panose="02010609060101010101" pitchFamily="49" charset="-122"/>
+              <a:ea typeface="楷体" panose="02010609060101010101" pitchFamily="49" charset="-122"/>
+            </a:endParaRPr>
+          </a:p>
+          <a:p>
+            <a:pPr>
+              <a:lnSpc>
+                <a:spcPct val="150000"/>
+              </a:lnSpc>
+            </a:pPr>
+            <a:r>
+              <a:rPr lang="zh-CN" altLang="en-US" sz="2000" dirty="0" smtClean="0">
+                <a:latin typeface="楷体" panose="02010609060101010101" pitchFamily="49" charset="-122"/>
+                <a:ea typeface="楷体" panose="02010609060101010101" pitchFamily="49" charset="-122"/>
+              </a:rPr>
+              <a:t>分类模型训练</a:t>
+            </a:r>
+            <a:endParaRPr lang="en-US" altLang="zh-CN" sz="2000" dirty="0" smtClean="0">
+              <a:latin typeface="楷体" panose="02010609060101010101" pitchFamily="49" charset="-122"/>
+              <a:ea typeface="楷体" panose="02010609060101010101" pitchFamily="49" charset="-122"/>
+            </a:endParaRPr>
+          </a:p>
+          <a:p>
+            <a:pPr>
+              <a:lnSpc>
+                <a:spcPct val="150000"/>
+              </a:lnSpc>
+            </a:pPr>
+            <a:r>
+              <a:rPr lang="zh-CN" altLang="en-US" sz="2000" dirty="0">
+                <a:latin typeface="楷体" panose="02010609060101010101" pitchFamily="49" charset="-122"/>
+                <a:ea typeface="楷体" panose="02010609060101010101" pitchFamily="49" charset="-122"/>
+              </a:rPr>
+              <a:t>新闻网</a:t>
+            </a:r>
+            <a:r>
+              <a:rPr lang="zh-CN" altLang="en-US" sz="2000" dirty="0" smtClean="0">
+                <a:latin typeface="楷体" panose="02010609060101010101" pitchFamily="49" charset="-122"/>
+                <a:ea typeface="楷体" panose="02010609060101010101" pitchFamily="49" charset="-122"/>
+              </a:rPr>
+              <a:t>页中企业实体关系抽取</a:t>
+            </a:r>
+            <a:endParaRPr lang="en-US" altLang="zh-CN" sz="2000" dirty="0" smtClean="0">
+              <a:latin typeface="楷体" panose="02010609060101010101" pitchFamily="49" charset="-122"/>
+              <a:ea typeface="楷体" panose="02010609060101010101" pitchFamily="49" charset="-122"/>
+            </a:endParaRPr>
+          </a:p>
+          <a:p>
+            <a:pPr>
+              <a:lnSpc>
+                <a:spcPct val="150000"/>
+              </a:lnSpc>
+            </a:pPr>
+            <a:endParaRPr lang="en-US" altLang="zh-CN" sz="2000" dirty="0">
+              <a:latin typeface="楷体" panose="02010609060101010101" pitchFamily="49" charset="-122"/>
+              <a:ea typeface="楷体" panose="02010609060101010101" pitchFamily="49" charset="-122"/>
+            </a:endParaRPr>
+          </a:p>
+          <a:p>
+            <a:pPr>
+              <a:lnSpc>
+                <a:spcPct val="150000"/>
+              </a:lnSpc>
+            </a:pPr>
+            <a:endParaRPr lang="en-US" altLang="zh-CN" sz="2000" dirty="0" smtClean="0">
+              <a:latin typeface="楷体" panose="02010609060101010101" pitchFamily="49" charset="-122"/>
+              <a:ea typeface="楷体" panose="02010609060101010101" pitchFamily="49" charset="-122"/>
+            </a:endParaRPr>
+          </a:p>
+        </p:txBody>
+      </p:sp>
+    </p:spTree>
+    <p:extLst>
+      <p:ext uri="{BB962C8B-B14F-4D97-AF65-F5344CB8AC3E}">
+        <p14:creationId xmlns:p14="http://schemas.microsoft.com/office/powerpoint/2010/main" val="412099005"/>
+      </p:ext>
+    </p:extLst>
+  </p:cSld>
+  <p:clrMapOvr>
+    <a:masterClrMapping/>
+  </p:clrMapOvr>
+  <mc:AlternateContent xmlns:mc="http://schemas.openxmlformats.org/markup-compatibility/2006" xmlns:p14="http://schemas.microsoft.com/office/powerpoint/2010/main">
+    <mc:Choice Requires="p14">
+      <p:transition spd="slow" p14:dur="2000"/>
+    </mc:Choice>
+    <mc:Fallback xmlns="">
+      <p:transition spd="slow"/>
+    </mc:Fallback>
+  </mc:AlternateContent>
+  <p:timing>
+    <p:tnLst>
+      <p:par>
+        <p:cTn id="1" dur="indefinite" restart="never" nodeType="tmRoot"/>
+      </p:par>
+    </p:tnLst>
+  </p:timing>
+</p:sld>
+</file>
+
+<file path=ppt/slides/slide21.xml><?xml version="1.0" encoding="utf-8"?>
+<p:sld xmlns:a="http://schemas.openxmlformats.org/drawingml/2006/main" xmlns:r="http://schemas.openxmlformats.org/officeDocument/2006/relationships" xmlns:p="http://schemas.openxmlformats.org/presentationml/2006/main">
+  <p:cSld>
+    <p:spTree>
+      <p:nvGrpSpPr>
+        <p:cNvPr id="1" name=""/>
+        <p:cNvGrpSpPr/>
+        <p:nvPr/>
+      </p:nvGrpSpPr>
+      <p:grpSpPr>
+        <a:xfrm>
+          <a:off x="0" y="0"/>
+          <a:ext cx="0" cy="0"/>
+          <a:chOff x="0" y="0"/>
+          <a:chExt cx="0" cy="0"/>
+        </a:xfrm>
+      </p:grpSpPr>
+      <p:sp>
+        <p:nvSpPr>
+          <p:cNvPr id="4" name="日期占位符 3"/>
+          <p:cNvSpPr>
+            <a:spLocks noGrp="1"/>
+          </p:cNvSpPr>
+          <p:nvPr>
+            <p:ph type="dt" sz="half" idx="10"/>
+          </p:nvPr>
+        </p:nvSpPr>
+        <p:spPr/>
+        <p:txBody>
+          <a:bodyPr/>
+          <a:lstStyle/>
+          <a:p>
+            <a:fld id="{8B0F75CF-0553-4104-831D-ECC51C6B5C3F}" type="datetime1">
+              <a:rPr lang="zh-CN" altLang="en-US" smtClean="0"/>
+              <a:t>2017/5/15</a:t>
+            </a:fld>
+            <a:endParaRPr lang="en-US" altLang="zh-CN"/>
+          </a:p>
+        </p:txBody>
+      </p:sp>
+      <p:sp>
+        <p:nvSpPr>
+          <p:cNvPr id="5" name="灯片编号占位符 4"/>
+          <p:cNvSpPr>
+            <a:spLocks noGrp="1"/>
+          </p:cNvSpPr>
+          <p:nvPr>
+            <p:ph type="sldNum" sz="quarter" idx="12"/>
+          </p:nvPr>
+        </p:nvSpPr>
+        <p:spPr/>
+        <p:txBody>
+          <a:bodyPr/>
+          <a:lstStyle/>
+          <a:p>
+            <a:fld id="{E9453B7F-F822-4520-92F2-0E2B7563B497}" type="slidenum">
+              <a:rPr lang="en-US" altLang="zh-CN" smtClean="0"/>
+              <a:pPr/>
+              <a:t>21</a:t>
+            </a:fld>
+            <a:endParaRPr lang="en-US" altLang="zh-CN"/>
+          </a:p>
+        </p:txBody>
+      </p:sp>
+      <p:sp>
+        <p:nvSpPr>
+          <p:cNvPr id="6" name="标题 1"/>
+          <p:cNvSpPr>
+            <a:spLocks noGrp="1"/>
+          </p:cNvSpPr>
+          <p:nvPr>
+            <p:ph type="title"/>
+          </p:nvPr>
+        </p:nvSpPr>
+        <p:spPr>
+          <a:xfrm>
+            <a:off x="1042988" y="404813"/>
+            <a:ext cx="5616575" cy="576262"/>
+          </a:xfrm>
+        </p:spPr>
+        <p:txBody>
+          <a:bodyPr/>
+          <a:lstStyle/>
+          <a:p>
+            <a:pPr algn="l"/>
             <a:r>
               <a:rPr lang="zh-CN" altLang="en-US" sz="2800" b="0" dirty="0" smtClean="0">
                 <a:latin typeface="黑体" pitchFamily="49" charset="-122"/>
                 <a:ea typeface="黑体" pitchFamily="49" charset="-122"/>
               </a:rPr>
-              <a:t>验设置</a:t>
+              <a:t>语料库构建</a:t>
+            </a:r>
+            <a:endParaRPr lang="zh-CN" altLang="en-US" sz="2800" b="0" dirty="0">
+              <a:latin typeface="黑体" pitchFamily="49" charset="-122"/>
+              <a:ea typeface="黑体" pitchFamily="49" charset="-122"/>
+            </a:endParaRPr>
+          </a:p>
+        </p:txBody>
+      </p:sp>
+      <p:sp>
+        <p:nvSpPr>
+          <p:cNvPr id="7" name="内容占位符 2"/>
+          <p:cNvSpPr>
+            <a:spLocks noGrp="1"/>
+          </p:cNvSpPr>
+          <p:nvPr>
+            <p:ph idx="1"/>
+          </p:nvPr>
+        </p:nvSpPr>
+        <p:spPr>
+          <a:xfrm>
+            <a:off x="468313" y="1484313"/>
+            <a:ext cx="8142287" cy="4392612"/>
+          </a:xfrm>
+        </p:spPr>
+        <p:txBody>
+          <a:bodyPr/>
+          <a:lstStyle/>
+          <a:p>
+            <a:r>
+              <a:rPr lang="zh-CN" altLang="en-US" sz="2400" dirty="0" smtClean="0">
+                <a:latin typeface="黑体" panose="02010609060101010101" pitchFamily="49" charset="-122"/>
+                <a:ea typeface="黑体" panose="02010609060101010101" pitchFamily="49" charset="-122"/>
+              </a:rPr>
+              <a:t>思想</a:t>
+            </a:r>
+            <a:endParaRPr lang="en-US" altLang="zh-CN" sz="2400" dirty="0" smtClean="0">
+              <a:latin typeface="黑体" panose="02010609060101010101" pitchFamily="49" charset="-122"/>
+              <a:ea typeface="黑体" panose="02010609060101010101" pitchFamily="49" charset="-122"/>
+            </a:endParaRPr>
+          </a:p>
+          <a:p>
+            <a:pPr lvl="1">
+              <a:lnSpc>
+                <a:spcPct val="150000"/>
+              </a:lnSpc>
+              <a:spcBef>
+                <a:spcPts val="0"/>
+              </a:spcBef>
+              <a:buFont typeface="Wingdings" panose="05000000000000000000" pitchFamily="2" charset="2"/>
+              <a:buChar char="p"/>
+            </a:pPr>
+            <a:r>
+              <a:rPr lang="zh-CN" altLang="en-US" sz="1800" dirty="0" smtClean="0">
+                <a:latin typeface="楷体" panose="02010609060101010101" pitchFamily="49" charset="-122"/>
+                <a:ea typeface="楷体" panose="02010609060101010101" pitchFamily="49" charset="-122"/>
+                <a:cs typeface="Times New Roman" panose="02020603050405020304" pitchFamily="18" charset="0"/>
+              </a:rPr>
+              <a:t>基于</a:t>
+            </a:r>
+            <a:r>
+              <a:rPr lang="en-US" altLang="zh-CN" sz="1800" dirty="0" smtClean="0">
+                <a:latin typeface="楷体" panose="02010609060101010101" pitchFamily="49" charset="-122"/>
+                <a:ea typeface="楷体" panose="02010609060101010101" pitchFamily="49" charset="-122"/>
+                <a:cs typeface="Times New Roman" panose="02020603050405020304" pitchFamily="18" charset="0"/>
+              </a:rPr>
+              <a:t>Bootstrapping</a:t>
+            </a:r>
+            <a:r>
+              <a:rPr lang="zh-CN" altLang="en-US" sz="1800" dirty="0" smtClean="0">
+                <a:latin typeface="楷体" panose="02010609060101010101" pitchFamily="49" charset="-122"/>
+                <a:ea typeface="楷体" panose="02010609060101010101" pitchFamily="49" charset="-122"/>
+                <a:cs typeface="Times New Roman" panose="02020603050405020304" pitchFamily="18" charset="0"/>
+              </a:rPr>
+              <a:t>的思想，从初始种子集开始，借助新闻搜索引擎迭代产生关系语料。</a:t>
+            </a:r>
+            <a:endParaRPr lang="en-US" altLang="zh-CN" sz="1800" dirty="0">
+              <a:latin typeface="楷体" panose="02010609060101010101" pitchFamily="49" charset="-122"/>
+              <a:ea typeface="楷体" panose="02010609060101010101" pitchFamily="49" charset="-122"/>
+              <a:cs typeface="Times New Roman" panose="02020603050405020304" pitchFamily="18" charset="0"/>
+            </a:endParaRPr>
+          </a:p>
+          <a:p>
+            <a:r>
+              <a:rPr lang="zh-CN" altLang="en-US" sz="2400" dirty="0" smtClean="0">
+                <a:latin typeface="黑体" panose="02010609060101010101" pitchFamily="49" charset="-122"/>
+                <a:ea typeface="黑体" panose="02010609060101010101" pitchFamily="49" charset="-122"/>
+              </a:rPr>
+              <a:t>步骤</a:t>
+            </a:r>
+            <a:endParaRPr lang="en-US" altLang="zh-CN" sz="1800" b="1" dirty="0">
+              <a:latin typeface="楷体" panose="02010609060101010101" pitchFamily="49" charset="-122"/>
+              <a:ea typeface="楷体" panose="02010609060101010101" pitchFamily="49" charset="-122"/>
+              <a:cs typeface="Times New Roman" panose="02020603050405020304" pitchFamily="18" charset="0"/>
+            </a:endParaRPr>
+          </a:p>
+          <a:p>
+            <a:pPr lvl="1">
+              <a:lnSpc>
+                <a:spcPct val="150000"/>
+              </a:lnSpc>
+              <a:spcBef>
+                <a:spcPts val="0"/>
+              </a:spcBef>
+              <a:buFont typeface="Wingdings" panose="05000000000000000000" pitchFamily="2" charset="2"/>
+              <a:buChar char="p"/>
+            </a:pPr>
+            <a:r>
+              <a:rPr lang="zh-CN" altLang="en-US" sz="1800" dirty="0">
+                <a:latin typeface="楷体" panose="02010609060101010101" pitchFamily="49" charset="-122"/>
+                <a:ea typeface="楷体" panose="02010609060101010101" pitchFamily="49" charset="-122"/>
+                <a:cs typeface="Times New Roman" panose="02020603050405020304" pitchFamily="18" charset="0"/>
+              </a:rPr>
+              <a:t>定</a:t>
+            </a:r>
+            <a:r>
+              <a:rPr lang="zh-CN" altLang="en-US" sz="1800" dirty="0" smtClean="0">
+                <a:latin typeface="楷体" panose="02010609060101010101" pitchFamily="49" charset="-122"/>
+                <a:ea typeface="楷体" panose="02010609060101010101" pitchFamily="49" charset="-122"/>
+                <a:cs typeface="Times New Roman" panose="02020603050405020304" pitchFamily="18" charset="0"/>
+              </a:rPr>
+              <a:t>义关系类型</a:t>
+            </a:r>
+            <a:r>
+              <a:rPr lang="en-US" altLang="zh-CN" sz="1800" dirty="0" smtClean="0">
+                <a:latin typeface="楷体" panose="02010609060101010101" pitchFamily="49" charset="-122"/>
+                <a:ea typeface="楷体" panose="02010609060101010101" pitchFamily="49" charset="-122"/>
+                <a:cs typeface="Times New Roman" panose="02020603050405020304" pitchFamily="18" charset="0"/>
+              </a:rPr>
+              <a:t>(</a:t>
+            </a:r>
+            <a:r>
+              <a:rPr lang="zh-CN" altLang="en-US" sz="1800" dirty="0" smtClean="0">
+                <a:latin typeface="楷体" panose="02010609060101010101" pitchFamily="49" charset="-122"/>
+                <a:ea typeface="楷体" panose="02010609060101010101" pitchFamily="49" charset="-122"/>
+                <a:cs typeface="Times New Roman" panose="02020603050405020304" pitchFamily="18" charset="0"/>
+              </a:rPr>
+              <a:t>投资、竞争、合作、收</a:t>
+            </a:r>
+            <a:r>
+              <a:rPr lang="zh-CN" altLang="en-US" sz="1800" dirty="0" smtClean="0">
+                <a:latin typeface="楷体" panose="02010609060101010101" pitchFamily="49" charset="-122"/>
+                <a:ea typeface="楷体" panose="02010609060101010101" pitchFamily="49" charset="-122"/>
+                <a:cs typeface="Times New Roman" panose="02020603050405020304" pitchFamily="18" charset="0"/>
+              </a:rPr>
+              <a:t>购、董事长</a:t>
+            </a:r>
+            <a:r>
+              <a:rPr lang="en-US" altLang="zh-CN" sz="1800" dirty="0" smtClean="0">
+                <a:latin typeface="楷体" panose="02010609060101010101" pitchFamily="49" charset="-122"/>
+                <a:ea typeface="楷体" panose="02010609060101010101" pitchFamily="49" charset="-122"/>
+                <a:cs typeface="Times New Roman" panose="02020603050405020304" pitchFamily="18" charset="0"/>
+              </a:rPr>
+              <a:t>)</a:t>
+            </a:r>
+            <a:endParaRPr lang="en-US" altLang="zh-CN" sz="1800" dirty="0" smtClean="0">
+              <a:latin typeface="楷体" panose="02010609060101010101" pitchFamily="49" charset="-122"/>
+              <a:ea typeface="楷体" panose="02010609060101010101" pitchFamily="49" charset="-122"/>
+              <a:cs typeface="Times New Roman" panose="02020603050405020304" pitchFamily="18" charset="0"/>
+            </a:endParaRPr>
+          </a:p>
+          <a:p>
+            <a:pPr lvl="1">
+              <a:lnSpc>
+                <a:spcPct val="150000"/>
+              </a:lnSpc>
+              <a:spcBef>
+                <a:spcPts val="0"/>
+              </a:spcBef>
+              <a:buFont typeface="Wingdings" panose="05000000000000000000" pitchFamily="2" charset="2"/>
+              <a:buChar char="p"/>
+            </a:pPr>
+            <a:r>
+              <a:rPr lang="zh-CN" altLang="en-US" sz="1800" dirty="0">
+                <a:latin typeface="楷体" panose="02010609060101010101" pitchFamily="49" charset="-122"/>
+                <a:ea typeface="楷体" panose="02010609060101010101" pitchFamily="49" charset="-122"/>
+                <a:cs typeface="Times New Roman" panose="02020603050405020304" pitchFamily="18" charset="0"/>
+              </a:rPr>
+              <a:t>构</a:t>
+            </a:r>
+            <a:r>
+              <a:rPr lang="zh-CN" altLang="en-US" sz="1800" dirty="0" smtClean="0">
+                <a:latin typeface="楷体" panose="02010609060101010101" pitchFamily="49" charset="-122"/>
+                <a:ea typeface="楷体" panose="02010609060101010101" pitchFamily="49" charset="-122"/>
+                <a:cs typeface="Times New Roman" panose="02020603050405020304" pitchFamily="18" charset="0"/>
+              </a:rPr>
+              <a:t>建初始种子关系对</a:t>
+            </a:r>
+            <a:r>
+              <a:rPr lang="en-US" altLang="zh-CN" sz="1800" dirty="0">
+                <a:latin typeface="楷体" panose="02010609060101010101" pitchFamily="49" charset="-122"/>
+                <a:ea typeface="楷体" panose="02010609060101010101" pitchFamily="49" charset="-122"/>
+                <a:cs typeface="Times New Roman" panose="02020603050405020304" pitchFamily="18" charset="0"/>
+              </a:rPr>
+              <a:t>(</a:t>
+            </a:r>
+            <a:r>
+              <a:rPr lang="en-US" altLang="zh-CN" sz="1800" dirty="0" smtClean="0">
+                <a:latin typeface="楷体" panose="02010609060101010101" pitchFamily="49" charset="-122"/>
+                <a:ea typeface="楷体" panose="02010609060101010101" pitchFamily="49" charset="-122"/>
+                <a:cs typeface="Times New Roman" panose="02020603050405020304" pitchFamily="18" charset="0"/>
+              </a:rPr>
+              <a:t>entity,relation</a:t>
+            </a:r>
+            <a:r>
+              <a:rPr lang="en-US" altLang="zh-CN" sz="1800" dirty="0">
+                <a:latin typeface="楷体" panose="02010609060101010101" pitchFamily="49" charset="-122"/>
+                <a:ea typeface="楷体" panose="02010609060101010101" pitchFamily="49" charset="-122"/>
+                <a:cs typeface="Times New Roman" panose="02020603050405020304" pitchFamily="18" charset="0"/>
+              </a:rPr>
+              <a:t>)</a:t>
+            </a:r>
+            <a:endParaRPr lang="en-US" altLang="zh-CN" sz="1800" dirty="0" smtClean="0">
+              <a:latin typeface="楷体" panose="02010609060101010101" pitchFamily="49" charset="-122"/>
+              <a:ea typeface="楷体" panose="02010609060101010101" pitchFamily="49" charset="-122"/>
+              <a:cs typeface="Times New Roman" panose="02020603050405020304" pitchFamily="18" charset="0"/>
+            </a:endParaRPr>
+          </a:p>
+          <a:p>
+            <a:pPr lvl="1">
+              <a:lnSpc>
+                <a:spcPct val="150000"/>
+              </a:lnSpc>
+              <a:spcBef>
+                <a:spcPts val="0"/>
+              </a:spcBef>
+              <a:buFont typeface="Wingdings" panose="05000000000000000000" pitchFamily="2" charset="2"/>
+              <a:buChar char="p"/>
+            </a:pPr>
+            <a:r>
+              <a:rPr lang="zh-CN" altLang="en-US" sz="1800" dirty="0" smtClean="0">
+                <a:latin typeface="楷体" panose="02010609060101010101" pitchFamily="49" charset="-122"/>
+                <a:ea typeface="楷体" panose="02010609060101010101" pitchFamily="49" charset="-122"/>
+                <a:cs typeface="Times New Roman" panose="02020603050405020304" pitchFamily="18" charset="0"/>
+              </a:rPr>
+              <a:t>将关系对作为关键词送入新闻搜索引擎</a:t>
+            </a:r>
+            <a:endParaRPr lang="en-US" altLang="zh-CN" sz="1800" dirty="0" smtClean="0">
+              <a:latin typeface="楷体" panose="02010609060101010101" pitchFamily="49" charset="-122"/>
+              <a:ea typeface="楷体" panose="02010609060101010101" pitchFamily="49" charset="-122"/>
+              <a:cs typeface="Times New Roman" panose="02020603050405020304" pitchFamily="18" charset="0"/>
+            </a:endParaRPr>
+          </a:p>
+          <a:p>
+            <a:pPr lvl="1">
+              <a:lnSpc>
+                <a:spcPct val="150000"/>
+              </a:lnSpc>
+              <a:spcBef>
+                <a:spcPts val="0"/>
+              </a:spcBef>
+              <a:buFont typeface="Wingdings" panose="05000000000000000000" pitchFamily="2" charset="2"/>
+              <a:buChar char="p"/>
+            </a:pPr>
+            <a:r>
+              <a:rPr lang="zh-CN" altLang="en-US" sz="1800" dirty="0" smtClean="0">
+                <a:latin typeface="楷体" panose="02010609060101010101" pitchFamily="49" charset="-122"/>
+                <a:ea typeface="楷体" panose="02010609060101010101" pitchFamily="49" charset="-122"/>
+                <a:cs typeface="Times New Roman" panose="02020603050405020304" pitchFamily="18" charset="0"/>
+              </a:rPr>
+              <a:t>标注实体并构建新的种子实体对</a:t>
+            </a:r>
+            <a:endParaRPr lang="en-US" altLang="zh-CN" sz="1800" dirty="0" smtClean="0">
+              <a:latin typeface="楷体" panose="02010609060101010101" pitchFamily="49" charset="-122"/>
+              <a:ea typeface="楷体" panose="02010609060101010101" pitchFamily="49" charset="-122"/>
+              <a:cs typeface="Times New Roman" panose="02020603050405020304" pitchFamily="18" charset="0"/>
+            </a:endParaRPr>
+          </a:p>
+          <a:p>
+            <a:pPr lvl="1">
+              <a:lnSpc>
+                <a:spcPct val="150000"/>
+              </a:lnSpc>
+              <a:spcBef>
+                <a:spcPts val="0"/>
+              </a:spcBef>
+              <a:buFont typeface="Wingdings" panose="05000000000000000000" pitchFamily="2" charset="2"/>
+              <a:buChar char="p"/>
+            </a:pPr>
+            <a:r>
+              <a:rPr lang="zh-CN" altLang="en-US" sz="1800" dirty="0">
+                <a:latin typeface="楷体" panose="02010609060101010101" pitchFamily="49" charset="-122"/>
+                <a:ea typeface="楷体" panose="02010609060101010101" pitchFamily="49" charset="-122"/>
+                <a:cs typeface="Times New Roman" panose="02020603050405020304" pitchFamily="18" charset="0"/>
+              </a:rPr>
+              <a:t>迭</a:t>
+            </a:r>
+            <a:r>
+              <a:rPr lang="zh-CN" altLang="en-US" sz="1800" dirty="0" smtClean="0">
+                <a:latin typeface="楷体" panose="02010609060101010101" pitchFamily="49" charset="-122"/>
+                <a:ea typeface="楷体" panose="02010609060101010101" pitchFamily="49" charset="-122"/>
+                <a:cs typeface="Times New Roman" panose="02020603050405020304" pitchFamily="18" charset="0"/>
+              </a:rPr>
+              <a:t>代产生新的关系语料</a:t>
+            </a:r>
+            <a:endParaRPr lang="en-US" altLang="zh-CN" sz="1800" dirty="0">
+              <a:latin typeface="楷体" panose="02010609060101010101" pitchFamily="49" charset="-122"/>
+              <a:ea typeface="楷体" panose="02010609060101010101" pitchFamily="49" charset="-122"/>
+              <a:cs typeface="Times New Roman" panose="02020603050405020304" pitchFamily="18" charset="0"/>
+            </a:endParaRPr>
+          </a:p>
+          <a:p>
+            <a:endParaRPr lang="en-US" altLang="zh-CN" sz="2400" dirty="0" smtClean="0">
+              <a:latin typeface="黑体" panose="02010609060101010101" pitchFamily="49" charset="-122"/>
+              <a:ea typeface="黑体" panose="02010609060101010101" pitchFamily="49" charset="-122"/>
+            </a:endParaRPr>
+          </a:p>
+        </p:txBody>
+      </p:sp>
+    </p:spTree>
+    <p:extLst>
+      <p:ext uri="{BB962C8B-B14F-4D97-AF65-F5344CB8AC3E}">
+        <p14:creationId xmlns:p14="http://schemas.microsoft.com/office/powerpoint/2010/main" val="4282287435"/>
+      </p:ext>
+    </p:extLst>
+  </p:cSld>
+  <p:clrMapOvr>
+    <a:masterClrMapping/>
+  </p:clrMapOvr>
+  <p:timing>
+    <p:tnLst>
+      <p:par>
+        <p:cTn id="1" dur="indefinite" restart="never" nodeType="tmRoot"/>
+      </p:par>
+    </p:tnLst>
+  </p:timing>
+</p:sld>
+</file>
+
+<file path=ppt/slides/slide22.xml><?xml version="1.0" encoding="utf-8"?>
+<p:sld xmlns:a="http://schemas.openxmlformats.org/drawingml/2006/main" xmlns:r="http://schemas.openxmlformats.org/officeDocument/2006/relationships" xmlns:p="http://schemas.openxmlformats.org/presentationml/2006/main">
+  <p:cSld>
+    <p:spTree>
+      <p:nvGrpSpPr>
+        <p:cNvPr id="1" name=""/>
+        <p:cNvGrpSpPr/>
+        <p:nvPr/>
+      </p:nvGrpSpPr>
+      <p:grpSpPr>
+        <a:xfrm>
+          <a:off x="0" y="0"/>
+          <a:ext cx="0" cy="0"/>
+          <a:chOff x="0" y="0"/>
+          <a:chExt cx="0" cy="0"/>
+        </a:xfrm>
+      </p:grpSpPr>
+      <p:sp>
+        <p:nvSpPr>
+          <p:cNvPr id="4" name="日期占位符 3"/>
+          <p:cNvSpPr>
+            <a:spLocks noGrp="1"/>
+          </p:cNvSpPr>
+          <p:nvPr>
+            <p:ph type="dt" sz="half" idx="10"/>
+          </p:nvPr>
+        </p:nvSpPr>
+        <p:spPr/>
+        <p:txBody>
+          <a:bodyPr/>
+          <a:lstStyle/>
+          <a:p>
+            <a:fld id="{8B0F75CF-0553-4104-831D-ECC51C6B5C3F}" type="datetime1">
+              <a:rPr lang="zh-CN" altLang="en-US" smtClean="0"/>
+              <a:t>2017/5/15</a:t>
+            </a:fld>
+            <a:endParaRPr lang="en-US" altLang="zh-CN"/>
+          </a:p>
+        </p:txBody>
+      </p:sp>
+      <p:sp>
+        <p:nvSpPr>
+          <p:cNvPr id="5" name="灯片编号占位符 4"/>
+          <p:cNvSpPr>
+            <a:spLocks noGrp="1"/>
+          </p:cNvSpPr>
+          <p:nvPr>
+            <p:ph type="sldNum" sz="quarter" idx="12"/>
+          </p:nvPr>
+        </p:nvSpPr>
+        <p:spPr/>
+        <p:txBody>
+          <a:bodyPr/>
+          <a:lstStyle/>
+          <a:p>
+            <a:fld id="{E9453B7F-F822-4520-92F2-0E2B7563B497}" type="slidenum">
+              <a:rPr lang="en-US" altLang="zh-CN" smtClean="0"/>
+              <a:pPr/>
+              <a:t>22</a:t>
+            </a:fld>
+            <a:endParaRPr lang="en-US" altLang="zh-CN"/>
+          </a:p>
+        </p:txBody>
+      </p:sp>
+      <p:sp>
+        <p:nvSpPr>
+          <p:cNvPr id="6" name="标题 1"/>
+          <p:cNvSpPr>
+            <a:spLocks noGrp="1"/>
+          </p:cNvSpPr>
+          <p:nvPr>
+            <p:ph type="title"/>
+          </p:nvPr>
+        </p:nvSpPr>
+        <p:spPr>
+          <a:xfrm>
+            <a:off x="1042988" y="404813"/>
+            <a:ext cx="5616575" cy="576262"/>
+          </a:xfrm>
+        </p:spPr>
+        <p:txBody>
+          <a:bodyPr/>
+          <a:lstStyle/>
+          <a:p>
+            <a:pPr algn="l"/>
+            <a:r>
+              <a:rPr lang="zh-CN" altLang="en-US" sz="2800" b="0" dirty="0" smtClean="0">
+                <a:latin typeface="黑体" pitchFamily="49" charset="-122"/>
+                <a:ea typeface="黑体" pitchFamily="49" charset="-122"/>
+              </a:rPr>
+              <a:t>语料库构建</a:t>
             </a:r>
             <a:endParaRPr lang="zh-CN" altLang="en-US" sz="2800" b="0" dirty="0">
               <a:latin typeface="黑体" pitchFamily="49" charset="-122"/>
@@ -30798,659 +32290,439 @@
       </p:sp>
       <p:graphicFrame>
         <p:nvGraphicFramePr>
-          <p:cNvPr id="8" name="表格 7"/>
+          <p:cNvPr id="11" name="表格 10"/>
           <p:cNvGraphicFramePr>
             <a:graphicFrameLocks noGrp="1"/>
           </p:cNvGraphicFramePr>
           <p:nvPr>
             <p:extLst>
               <p:ext uri="{D42A27DB-BD31-4B8C-83A1-F6EECF244321}">
-                <p14:modId xmlns:p14="http://schemas.microsoft.com/office/powerpoint/2010/main" val="3204344072"/>
+                <p14:modId xmlns:p14="http://schemas.microsoft.com/office/powerpoint/2010/main" val="2895056705"/>
               </p:ext>
             </p:extLst>
           </p:nvPr>
         </p:nvGraphicFramePr>
         <p:xfrm>
-          <a:off x="644724" y="2132856"/>
-          <a:ext cx="7633221" cy="1267225"/>
+          <a:off x="784389" y="2124871"/>
+          <a:ext cx="7109688" cy="3801170"/>
         </p:xfrm>
         <a:graphic>
           <a:graphicData uri="http://schemas.openxmlformats.org/drawingml/2006/table">
             <a:tbl>
-              <a:tblPr firstRow="1" bandRow="1">
+              <a:tblPr firstRow="1" firstCol="1" bandRow="1">
                 <a:tableStyleId>{5C22544A-7EE6-4342-B048-85BDC9FD1C3A}</a:tableStyleId>
               </a:tblPr>
               <a:tblGrid>
-                <a:gridCol w="1999800">
-                  <a:extLst>
-                    <a:ext uri="{9D8B030D-6E8A-4147-A177-3AD203B41FA5}">
-                      <a16:colId xmlns="" xmlns:a16="http://schemas.microsoft.com/office/drawing/2014/main" val="2099612941"/>
-                    </a:ext>
-                  </a:extLst>
-                </a:gridCol>
-                <a:gridCol w="1171913">
-                  <a:extLst>
-                    <a:ext uri="{9D8B030D-6E8A-4147-A177-3AD203B41FA5}">
-                      <a16:colId xmlns="" xmlns:a16="http://schemas.microsoft.com/office/drawing/2014/main" val="1690132883"/>
-                    </a:ext>
-                  </a:extLst>
-                </a:gridCol>
-                <a:gridCol w="1114707">
-                  <a:extLst>
-                    <a:ext uri="{9D8B030D-6E8A-4147-A177-3AD203B41FA5}">
-                      <a16:colId xmlns="" xmlns:a16="http://schemas.microsoft.com/office/drawing/2014/main" val="3733423886"/>
-                    </a:ext>
-                  </a:extLst>
-                </a:gridCol>
-                <a:gridCol w="1200455">
-                  <a:extLst>
-                    <a:ext uri="{9D8B030D-6E8A-4147-A177-3AD203B41FA5}">
-                      <a16:colId xmlns="" xmlns:a16="http://schemas.microsoft.com/office/drawing/2014/main" val="2660749369"/>
-                    </a:ext>
-                  </a:extLst>
-                </a:gridCol>
-                <a:gridCol w="2146346">
-                  <a:extLst>
-                    <a:ext uri="{9D8B030D-6E8A-4147-A177-3AD203B41FA5}">
-                      <a16:colId xmlns="" xmlns:a16="http://schemas.microsoft.com/office/drawing/2014/main" val="745290138"/>
-                    </a:ext>
-                  </a:extLst>
-                </a:gridCol>
+                <a:gridCol w="2329948"/>
+                <a:gridCol w="4779740"/>
               </a:tblGrid>
-              <a:tr h="334585">
+              <a:tr h="361833">
                 <a:tc>
                   <a:txBody>
                     <a:bodyPr/>
                     <a:lstStyle/>
                     <a:p>
-                      <a:pPr algn="ctr"/>
+                      <a:pPr indent="127000" algn="l">
+                        <a:lnSpc>
+                          <a:spcPct val="150000"/>
+                        </a:lnSpc>
+                        <a:spcBef>
+                          <a:spcPts val="600"/>
+                        </a:spcBef>
+                        <a:spcAft>
+                          <a:spcPts val="600"/>
+                        </a:spcAft>
+                      </a:pPr>
                       <a:r>
-                        <a:rPr lang="zh-CN" altLang="en-US" sz="1400" dirty="0" smtClean="0">
-                          <a:latin typeface="Times New Roman" panose="02020603050405020304" pitchFamily="18" charset="0"/>
-                          <a:ea typeface="楷体" panose="02010609060101010101" pitchFamily="49" charset="-122"/>
-                          <a:cs typeface="Times New Roman" panose="02020603050405020304" pitchFamily="18" charset="0"/>
+                        <a:rPr lang="zh-CN" sz="1400" kern="100" dirty="0">
+                          <a:effectLst/>
                         </a:rPr>
-                        <a:t>数据集名称</a:t>
+                        <a:t>关系类型</a:t>
                       </a:r>
-                      <a:endParaRPr lang="zh-CN" altLang="en-US" sz="1400" dirty="0">
+                      <a:endParaRPr lang="zh-CN" sz="1400" kern="100" dirty="0">
+                        <a:effectLst/>
                         <a:latin typeface="Times New Roman" panose="02020603050405020304" pitchFamily="18" charset="0"/>
-                        <a:ea typeface="楷体" panose="02010609060101010101" pitchFamily="49" charset="-122"/>
-                        <a:cs typeface="Times New Roman" panose="02020603050405020304" pitchFamily="18" charset="0"/>
+                        <a:ea typeface="宋体" panose="02010600030101010101" pitchFamily="2" charset="-122"/>
                       </a:endParaRPr>
                     </a:p>
                   </a:txBody>
-                  <a:tcPr anchor="ctr"/>
+                  <a:tcPr marL="68580" marR="68580" marT="0" marB="0"/>
                 </a:tc>
                 <a:tc>
                   <a:txBody>
                     <a:bodyPr/>
                     <a:lstStyle/>
                     <a:p>
-                      <a:pPr algn="ctr"/>
+                      <a:pPr indent="127000" algn="ctr">
+                        <a:lnSpc>
+                          <a:spcPct val="150000"/>
+                        </a:lnSpc>
+                        <a:spcBef>
+                          <a:spcPts val="600"/>
+                        </a:spcBef>
+                        <a:spcAft>
+                          <a:spcPts val="600"/>
+                        </a:spcAft>
+                      </a:pPr>
                       <a:r>
-                        <a:rPr lang="zh-CN" altLang="en-US" sz="1400" dirty="0" smtClean="0">
-                          <a:latin typeface="Times New Roman" panose="02020603050405020304" pitchFamily="18" charset="0"/>
-                          <a:ea typeface="楷体" panose="02010609060101010101" pitchFamily="49" charset="-122"/>
-                          <a:cs typeface="Times New Roman" panose="02020603050405020304" pitchFamily="18" charset="0"/>
+                        <a:rPr lang="zh-CN" sz="1400" kern="100">
+                          <a:effectLst/>
                         </a:rPr>
-                        <a:t>文档数（万）</a:t>
+                        <a:t>关键词列表</a:t>
                       </a:r>
-                      <a:endParaRPr lang="zh-CN" altLang="en-US" sz="1400" dirty="0">
+                      <a:endParaRPr lang="zh-CN" sz="1400" kern="100">
+                        <a:effectLst/>
                         <a:latin typeface="Times New Roman" panose="02020603050405020304" pitchFamily="18" charset="0"/>
-                        <a:ea typeface="楷体" panose="02010609060101010101" pitchFamily="49" charset="-122"/>
-                        <a:cs typeface="Times New Roman" panose="02020603050405020304" pitchFamily="18" charset="0"/>
+                        <a:ea typeface="宋体" panose="02010600030101010101" pitchFamily="2" charset="-122"/>
                       </a:endParaRPr>
                     </a:p>
                   </a:txBody>
-                  <a:tcPr anchor="ctr"/>
+                  <a:tcPr marL="68580" marR="68580" marT="0" marB="0"/>
+                </a:tc>
+              </a:tr>
+              <a:tr h="1039683">
+                <a:tc>
+                  <a:txBody>
+                    <a:bodyPr/>
+                    <a:lstStyle/>
+                    <a:p>
+                      <a:pPr indent="127000" algn="just">
+                        <a:lnSpc>
+                          <a:spcPct val="150000"/>
+                        </a:lnSpc>
+                        <a:spcBef>
+                          <a:spcPts val="600"/>
+                        </a:spcBef>
+                        <a:spcAft>
+                          <a:spcPts val="600"/>
+                        </a:spcAft>
+                      </a:pPr>
+                      <a:r>
+                        <a:rPr lang="zh-CN" sz="1400" kern="100" dirty="0">
+                          <a:effectLst/>
+                        </a:rPr>
+                        <a:t>合作</a:t>
+                      </a:r>
+                      <a:r>
+                        <a:rPr lang="en-US" sz="1400" kern="100" dirty="0">
+                          <a:effectLst/>
+                        </a:rPr>
+                        <a:t>(cooperate)</a:t>
+                      </a:r>
+                      <a:endParaRPr lang="zh-CN" sz="1400" kern="100" dirty="0">
+                        <a:effectLst/>
+                        <a:latin typeface="Times New Roman" panose="02020603050405020304" pitchFamily="18" charset="0"/>
+                        <a:ea typeface="宋体" panose="02010600030101010101" pitchFamily="2" charset="-122"/>
+                      </a:endParaRPr>
+                    </a:p>
+                  </a:txBody>
+                  <a:tcPr marL="68580" marR="68580" marT="0" marB="0"/>
                 </a:tc>
                 <a:tc>
                   <a:txBody>
                     <a:bodyPr/>
                     <a:lstStyle/>
                     <a:p>
-                      <a:pPr algn="ctr"/>
+                      <a:pPr indent="127000" algn="just">
+                        <a:lnSpc>
+                          <a:spcPct val="150000"/>
+                        </a:lnSpc>
+                        <a:spcBef>
+                          <a:spcPts val="600"/>
+                        </a:spcBef>
+                        <a:spcAft>
+                          <a:spcPts val="600"/>
+                        </a:spcAft>
+                      </a:pPr>
                       <a:r>
-                        <a:rPr lang="zh-CN" altLang="en-US" sz="1400" dirty="0" smtClean="0">
-                          <a:latin typeface="Times New Roman" panose="02020603050405020304" pitchFamily="18" charset="0"/>
-                          <a:ea typeface="楷体" panose="02010609060101010101" pitchFamily="49" charset="-122"/>
-                          <a:cs typeface="Times New Roman" panose="02020603050405020304" pitchFamily="18" charset="0"/>
+                        <a:rPr lang="zh-CN" sz="1400" kern="100" dirty="0">
+                          <a:effectLst/>
                         </a:rPr>
-                        <a:t>查询数</a:t>
+                        <a:t>合营 联合 中外合资 合资 协力 协同 协作 通力合作 合办 联手 联袂 携手 携手并肩 一并 一起 一同 分享 共享 共同 </a:t>
                       </a:r>
-                      <a:endParaRPr lang="zh-CN" altLang="en-US" sz="1400" dirty="0">
+                      <a:endParaRPr lang="zh-CN" sz="1400" kern="100" dirty="0">
+                        <a:effectLst/>
                         <a:latin typeface="Times New Roman" panose="02020603050405020304" pitchFamily="18" charset="0"/>
-                        <a:ea typeface="楷体" panose="02010609060101010101" pitchFamily="49" charset="-122"/>
-                        <a:cs typeface="Times New Roman" panose="02020603050405020304" pitchFamily="18" charset="0"/>
+                        <a:ea typeface="宋体" panose="02010600030101010101" pitchFamily="2" charset="-122"/>
                       </a:endParaRPr>
                     </a:p>
                   </a:txBody>
-                  <a:tcPr anchor="ctr"/>
+                  <a:tcPr marL="68580" marR="68580" marT="0" marB="0"/>
+                </a:tc>
+              </a:tr>
+              <a:tr h="717802">
+                <a:tc>
+                  <a:txBody>
+                    <a:bodyPr/>
+                    <a:lstStyle/>
+                    <a:p>
+                      <a:pPr indent="127000" algn="just">
+                        <a:lnSpc>
+                          <a:spcPct val="150000"/>
+                        </a:lnSpc>
+                        <a:spcBef>
+                          <a:spcPts val="600"/>
+                        </a:spcBef>
+                        <a:spcAft>
+                          <a:spcPts val="600"/>
+                        </a:spcAft>
+                      </a:pPr>
+                      <a:r>
+                        <a:rPr lang="zh-CN" sz="1400" kern="100">
+                          <a:effectLst/>
+                        </a:rPr>
+                        <a:t>收购</a:t>
+                      </a:r>
+                      <a:r>
+                        <a:rPr lang="en-US" sz="1400" kern="100">
+                          <a:effectLst/>
+                        </a:rPr>
+                        <a:t>(acquisition)</a:t>
+                      </a:r>
+                      <a:endParaRPr lang="zh-CN" sz="1400" kern="100">
+                        <a:effectLst/>
+                        <a:latin typeface="Times New Roman" panose="02020603050405020304" pitchFamily="18" charset="0"/>
+                        <a:ea typeface="宋体" panose="02010600030101010101" pitchFamily="2" charset="-122"/>
+                      </a:endParaRPr>
+                    </a:p>
+                  </a:txBody>
+                  <a:tcPr marL="68580" marR="68580" marT="0" marB="0"/>
                 </a:tc>
                 <a:tc>
                   <a:txBody>
                     <a:bodyPr/>
                     <a:lstStyle/>
                     <a:p>
-                      <a:pPr algn="ctr"/>
+                      <a:pPr indent="127000" algn="just">
+                        <a:lnSpc>
+                          <a:spcPct val="150000"/>
+                        </a:lnSpc>
+                        <a:spcBef>
+                          <a:spcPts val="600"/>
+                        </a:spcBef>
+                        <a:spcAft>
+                          <a:spcPts val="600"/>
+                        </a:spcAft>
+                      </a:pPr>
                       <a:r>
-                        <a:rPr lang="zh-CN" altLang="en-US" sz="1400" dirty="0" smtClean="0">
-                          <a:latin typeface="Times New Roman" panose="02020603050405020304" pitchFamily="18" charset="0"/>
-                          <a:ea typeface="楷体" panose="02010609060101010101" pitchFamily="49" charset="-122"/>
-                          <a:cs typeface="Times New Roman" panose="02020603050405020304" pitchFamily="18" charset="0"/>
+                        <a:rPr lang="zh-CN" sz="1400" kern="100" dirty="0">
+                          <a:effectLst/>
                         </a:rPr>
-                        <a:t>特性数</a:t>
+                        <a:t>收购 并购 竞购 竞买 承购 购进 买进 买入 议购 函购 函售 卖 卖给 抛售 售卖 转售 贷款 营收</a:t>
                       </a:r>
-                      <a:endParaRPr lang="zh-CN" altLang="en-US" sz="1400" dirty="0">
+                      <a:endParaRPr lang="zh-CN" sz="1400" kern="100" dirty="0">
+                        <a:effectLst/>
                         <a:latin typeface="Times New Roman" panose="02020603050405020304" pitchFamily="18" charset="0"/>
-                        <a:ea typeface="楷体" panose="02010609060101010101" pitchFamily="49" charset="-122"/>
-                        <a:cs typeface="Times New Roman" panose="02020603050405020304" pitchFamily="18" charset="0"/>
+                        <a:ea typeface="宋体" panose="02010600030101010101" pitchFamily="2" charset="-122"/>
                       </a:endParaRPr>
                     </a:p>
                   </a:txBody>
-                  <a:tcPr anchor="ctr"/>
+                  <a:tcPr marL="68580" marR="68580" marT="0" marB="0"/>
+                </a:tc>
+              </a:tr>
+              <a:tr h="574577">
+                <a:tc>
+                  <a:txBody>
+                    <a:bodyPr/>
+                    <a:lstStyle/>
+                    <a:p>
+                      <a:pPr indent="127000" algn="just">
+                        <a:lnSpc>
+                          <a:spcPct val="150000"/>
+                        </a:lnSpc>
+                        <a:spcBef>
+                          <a:spcPts val="600"/>
+                        </a:spcBef>
+                        <a:spcAft>
+                          <a:spcPts val="600"/>
+                        </a:spcAft>
+                      </a:pPr>
+                      <a:r>
+                        <a:rPr lang="zh-CN" sz="1400" kern="100" dirty="0">
+                          <a:effectLst/>
+                        </a:rPr>
+                        <a:t>投资</a:t>
+                      </a:r>
+                      <a:r>
+                        <a:rPr lang="en-US" sz="1400" kern="100" dirty="0">
+                          <a:effectLst/>
+                        </a:rPr>
+                        <a:t>(invest)</a:t>
+                      </a:r>
+                      <a:endParaRPr lang="zh-CN" sz="1400" kern="100" dirty="0">
+                        <a:effectLst/>
+                        <a:latin typeface="Times New Roman" panose="02020603050405020304" pitchFamily="18" charset="0"/>
+                        <a:ea typeface="宋体" panose="02010600030101010101" pitchFamily="2" charset="-122"/>
+                      </a:endParaRPr>
+                    </a:p>
+                  </a:txBody>
+                  <a:tcPr marL="68580" marR="68580" marT="0" marB="0"/>
                 </a:tc>
                 <a:tc>
                   <a:txBody>
                     <a:bodyPr/>
                     <a:lstStyle/>
                     <a:p>
-                      <a:pPr algn="ctr"/>
+                      <a:pPr indent="127000" algn="just">
+                        <a:lnSpc>
+                          <a:spcPct val="150000"/>
+                        </a:lnSpc>
+                        <a:spcBef>
+                          <a:spcPts val="600"/>
+                        </a:spcBef>
+                        <a:spcAft>
+                          <a:spcPts val="600"/>
+                        </a:spcAft>
+                      </a:pPr>
                       <a:r>
-                        <a:rPr lang="zh-CN" altLang="en-US" sz="1400" dirty="0" smtClean="0">
-                          <a:latin typeface="Times New Roman" panose="02020603050405020304" pitchFamily="18" charset="0"/>
-                          <a:ea typeface="楷体" panose="02010609060101010101" pitchFamily="49" charset="-122"/>
-                          <a:cs typeface="Times New Roman" panose="02020603050405020304" pitchFamily="18" charset="0"/>
+                        <a:rPr lang="zh-CN" sz="1400" kern="100" dirty="0">
+                          <a:effectLst/>
                         </a:rPr>
-                        <a:t>来源</a:t>
+                        <a:t>融资 投资 斥资 注资 投资额 竞得 投资者 入股</a:t>
                       </a:r>
-                      <a:endParaRPr lang="zh-CN" altLang="en-US" sz="1400" dirty="0">
+                      <a:endParaRPr lang="zh-CN" sz="1400" kern="100" dirty="0">
+                        <a:effectLst/>
                         <a:latin typeface="Times New Roman" panose="02020603050405020304" pitchFamily="18" charset="0"/>
-                        <a:ea typeface="楷体" panose="02010609060101010101" pitchFamily="49" charset="-122"/>
-                        <a:cs typeface="Times New Roman" panose="02020603050405020304" pitchFamily="18" charset="0"/>
+                        <a:ea typeface="宋体" panose="02010600030101010101" pitchFamily="2" charset="-122"/>
                       </a:endParaRPr>
                     </a:p>
                   </a:txBody>
-                  <a:tcPr anchor="ctr"/>
+                  <a:tcPr marL="68580" marR="68580" marT="0" marB="0"/>
                 </a:tc>
-                <a:extLst>
-                  <a:ext uri="{0D108BD9-81ED-4DB2-BD59-A6C34878D82A}">
-                    <a16:rowId xmlns="" xmlns:a16="http://schemas.microsoft.com/office/drawing/2014/main" val="300575247"/>
-                  </a:ext>
-                </a:extLst>
               </a:tr>
-              <a:tr h="323040">
+              <a:tr h="574577">
                 <a:tc>
                   <a:txBody>
                     <a:bodyPr/>
                     <a:lstStyle/>
                     <a:p>
-                      <a:pPr algn="ctr"/>
+                      <a:pPr indent="127000" algn="just">
+                        <a:lnSpc>
+                          <a:spcPct val="150000"/>
+                        </a:lnSpc>
+                        <a:spcBef>
+                          <a:spcPts val="600"/>
+                        </a:spcBef>
+                        <a:spcAft>
+                          <a:spcPts val="600"/>
+                        </a:spcAft>
+                      </a:pPr>
                       <a:r>
-                        <a:rPr lang="en-US" altLang="zh-CN" sz="1400" dirty="0" smtClean="0">
-                          <a:latin typeface="Times New Roman" panose="02020603050405020304" pitchFamily="18" charset="0"/>
-                          <a:ea typeface="楷体" panose="02010609060101010101" pitchFamily="49" charset="-122"/>
-                          <a:cs typeface="Times New Roman" panose="02020603050405020304" pitchFamily="18" charset="0"/>
+                        <a:rPr lang="zh-CN" sz="1400" kern="100">
+                          <a:effectLst/>
                         </a:rPr>
-                        <a:t>OHSUMED</a:t>
+                        <a:t>竞争</a:t>
                       </a:r>
-                      <a:endParaRPr lang="zh-CN" altLang="en-US" sz="1400" dirty="0">
+                      <a:r>
+                        <a:rPr lang="en-US" sz="1400" kern="100">
+                          <a:effectLst/>
+                        </a:rPr>
+                        <a:t>(compete)</a:t>
+                      </a:r>
+                      <a:endParaRPr lang="zh-CN" sz="1400" kern="100">
+                        <a:effectLst/>
                         <a:latin typeface="Times New Roman" panose="02020603050405020304" pitchFamily="18" charset="0"/>
-                        <a:ea typeface="楷体" panose="02010609060101010101" pitchFamily="49" charset="-122"/>
-                        <a:cs typeface="Times New Roman" panose="02020603050405020304" pitchFamily="18" charset="0"/>
+                        <a:ea typeface="宋体" panose="02010600030101010101" pitchFamily="2" charset="-122"/>
                       </a:endParaRPr>
                     </a:p>
                   </a:txBody>
-                  <a:tcPr anchor="ctr"/>
+                  <a:tcPr marL="68580" marR="68580" marT="0" marB="0"/>
                 </a:tc>
                 <a:tc>
                   <a:txBody>
                     <a:bodyPr/>
                     <a:lstStyle/>
                     <a:p>
-                      <a:pPr algn="ctr"/>
+                      <a:pPr indent="127000" algn="just">
+                        <a:lnSpc>
+                          <a:spcPct val="150000"/>
+                        </a:lnSpc>
+                        <a:spcBef>
+                          <a:spcPts val="600"/>
+                        </a:spcBef>
+                        <a:spcAft>
+                          <a:spcPts val="600"/>
+                        </a:spcAft>
+                      </a:pPr>
                       <a:r>
-                        <a:rPr lang="en-US" altLang="zh-CN" sz="1400" dirty="0" smtClean="0">
-                          <a:latin typeface="Times New Roman" panose="02020603050405020304" pitchFamily="18" charset="0"/>
-                          <a:ea typeface="楷体" panose="02010609060101010101" pitchFamily="49" charset="-122"/>
-                          <a:cs typeface="Times New Roman" panose="02020603050405020304" pitchFamily="18" charset="0"/>
+                        <a:rPr lang="zh-CN" sz="1400" kern="100" dirty="0">
+                          <a:effectLst/>
                         </a:rPr>
-                        <a:t>3.48</a:t>
+                        <a:t>竞争者 竞争 垄断 角逐 逐鹿 竞赛 比赛</a:t>
                       </a:r>
-                      <a:endParaRPr lang="zh-CN" altLang="en-US" sz="1400" dirty="0">
+                      <a:endParaRPr lang="zh-CN" sz="1400" kern="100" dirty="0">
+                        <a:effectLst/>
                         <a:latin typeface="Times New Roman" panose="02020603050405020304" pitchFamily="18" charset="0"/>
-                        <a:ea typeface="楷体" panose="02010609060101010101" pitchFamily="49" charset="-122"/>
-                        <a:cs typeface="Times New Roman" panose="02020603050405020304" pitchFamily="18" charset="0"/>
+                        <a:ea typeface="宋体" panose="02010600030101010101" pitchFamily="2" charset="-122"/>
                       </a:endParaRPr>
                     </a:p>
                   </a:txBody>
-                  <a:tcPr anchor="ctr"/>
+                  <a:tcPr marL="68580" marR="68580" marT="0" marB="0"/>
+                </a:tc>
+              </a:tr>
+              <a:tr h="532698">
+                <a:tc>
+                  <a:txBody>
+                    <a:bodyPr/>
+                    <a:lstStyle/>
+                    <a:p>
+                      <a:pPr indent="127000" algn="just">
+                        <a:lnSpc>
+                          <a:spcPct val="150000"/>
+                        </a:lnSpc>
+                        <a:spcBef>
+                          <a:spcPts val="600"/>
+                        </a:spcBef>
+                        <a:spcAft>
+                          <a:spcPts val="600"/>
+                        </a:spcAft>
+                      </a:pPr>
+                      <a:r>
+                        <a:rPr lang="zh-CN" sz="1400" kern="100">
+                          <a:effectLst/>
+                        </a:rPr>
+                        <a:t>董事长</a:t>
+                      </a:r>
+                      <a:endParaRPr lang="zh-CN" sz="1400" kern="100">
+                        <a:effectLst/>
+                        <a:latin typeface="Times New Roman" panose="02020603050405020304" pitchFamily="18" charset="0"/>
+                        <a:ea typeface="宋体" panose="02010600030101010101" pitchFamily="2" charset="-122"/>
+                      </a:endParaRPr>
+                    </a:p>
+                  </a:txBody>
+                  <a:tcPr marL="68580" marR="68580" marT="0" marB="0"/>
                 </a:tc>
                 <a:tc>
                   <a:txBody>
                     <a:bodyPr/>
                     <a:lstStyle/>
                     <a:p>
-                      <a:pPr algn="ctr"/>
+                      <a:pPr indent="127000" algn="just">
+                        <a:lnSpc>
+                          <a:spcPct val="150000"/>
+                        </a:lnSpc>
+                        <a:spcBef>
+                          <a:spcPts val="600"/>
+                        </a:spcBef>
+                        <a:spcAft>
+                          <a:spcPts val="600"/>
+                        </a:spcAft>
+                      </a:pPr>
                       <a:r>
-                        <a:rPr lang="en-US" altLang="zh-CN" sz="1400" dirty="0" smtClean="0">
-                          <a:latin typeface="Times New Roman" panose="02020603050405020304" pitchFamily="18" charset="0"/>
-                          <a:ea typeface="楷体" panose="02010609060101010101" pitchFamily="49" charset="-122"/>
-                          <a:cs typeface="Times New Roman" panose="02020603050405020304" pitchFamily="18" charset="0"/>
+                        <a:rPr lang="zh-CN" sz="1400" kern="100" dirty="0">
+                          <a:effectLst/>
                         </a:rPr>
-                        <a:t>106</a:t>
+                        <a:t>董事 董事长 常务董事 董事局 执行主席</a:t>
                       </a:r>
-                      <a:endParaRPr lang="zh-CN" altLang="en-US" sz="1400" dirty="0">
+                      <a:endParaRPr lang="zh-CN" sz="1400" kern="100" dirty="0">
+                        <a:effectLst/>
                         <a:latin typeface="Times New Roman" panose="02020603050405020304" pitchFamily="18" charset="0"/>
-                        <a:ea typeface="楷体" panose="02010609060101010101" pitchFamily="49" charset="-122"/>
-                        <a:cs typeface="Times New Roman" panose="02020603050405020304" pitchFamily="18" charset="0"/>
+                        <a:ea typeface="宋体" panose="02010600030101010101" pitchFamily="2" charset="-122"/>
                       </a:endParaRPr>
                     </a:p>
                   </a:txBody>
-                  <a:tcPr anchor="ctr"/>
+                  <a:tcPr marL="68580" marR="68580" marT="0" marB="0"/>
                 </a:tc>
-                <a:tc>
-                  <a:txBody>
-                    <a:bodyPr/>
-                    <a:lstStyle/>
-                    <a:p>
-                      <a:pPr algn="ctr"/>
-                      <a:r>
-                        <a:rPr lang="en-US" altLang="zh-CN" sz="1400" dirty="0" smtClean="0">
-                          <a:latin typeface="Times New Roman" panose="02020603050405020304" pitchFamily="18" charset="0"/>
-                          <a:ea typeface="楷体" panose="02010609060101010101" pitchFamily="49" charset="-122"/>
-                          <a:cs typeface="Times New Roman" panose="02020603050405020304" pitchFamily="18" charset="0"/>
-                        </a:rPr>
-                        <a:t>45</a:t>
-                      </a:r>
-                      <a:endParaRPr lang="zh-CN" altLang="en-US" sz="1400" dirty="0">
-                        <a:latin typeface="Times New Roman" panose="02020603050405020304" pitchFamily="18" charset="0"/>
-                        <a:ea typeface="楷体" panose="02010609060101010101" pitchFamily="49" charset="-122"/>
-                        <a:cs typeface="Times New Roman" panose="02020603050405020304" pitchFamily="18" charset="0"/>
-                      </a:endParaRPr>
-                    </a:p>
-                  </a:txBody>
-                  <a:tcPr anchor="ctr"/>
-                </a:tc>
-                <a:tc>
-                  <a:txBody>
-                    <a:bodyPr/>
-                    <a:lstStyle/>
-                    <a:p>
-                      <a:r>
-                        <a:rPr lang="zh-CN" altLang="zh-CN" sz="1400" kern="1200" dirty="0" smtClean="0">
-                          <a:solidFill>
-                            <a:schemeClr val="dk1"/>
-                          </a:solidFill>
-                          <a:effectLst/>
-                          <a:latin typeface="Times New Roman" panose="02020603050405020304" pitchFamily="18" charset="0"/>
-                          <a:ea typeface="楷体" panose="02010609060101010101" pitchFamily="49" charset="-122"/>
-                          <a:cs typeface="Times New Roman" panose="02020603050405020304" pitchFamily="18" charset="0"/>
-                        </a:rPr>
-                        <a:t>医药类杂志的标题和摘要</a:t>
-                      </a:r>
-                      <a:endParaRPr lang="zh-CN" altLang="en-US" sz="1400" dirty="0">
-                        <a:latin typeface="Times New Roman" panose="02020603050405020304" pitchFamily="18" charset="0"/>
-                        <a:ea typeface="楷体" panose="02010609060101010101" pitchFamily="49" charset="-122"/>
-                        <a:cs typeface="Times New Roman" panose="02020603050405020304" pitchFamily="18" charset="0"/>
-                      </a:endParaRPr>
-                    </a:p>
-                  </a:txBody>
-                  <a:tcPr anchor="ctr"/>
-                </a:tc>
-                <a:extLst>
-                  <a:ext uri="{0D108BD9-81ED-4DB2-BD59-A6C34878D82A}">
-                    <a16:rowId xmlns="" xmlns:a16="http://schemas.microsoft.com/office/drawing/2014/main" val="3262222257"/>
-                  </a:ext>
-                </a:extLst>
-              </a:tr>
-              <a:tr h="283255">
-                <a:tc>
-                  <a:txBody>
-                    <a:bodyPr/>
-                    <a:lstStyle/>
-                    <a:p>
-                      <a:pPr algn="ctr"/>
-                      <a:r>
-                        <a:rPr lang="en-US" altLang="zh-CN" sz="1400" dirty="0" smtClean="0">
-                          <a:latin typeface="Times New Roman" panose="02020603050405020304" pitchFamily="18" charset="0"/>
-                          <a:ea typeface="楷体" panose="02010609060101010101" pitchFamily="49" charset="-122"/>
-                          <a:cs typeface="Times New Roman" panose="02020603050405020304" pitchFamily="18" charset="0"/>
-                        </a:rPr>
-                        <a:t>TD2003</a:t>
-                      </a:r>
-                      <a:endParaRPr lang="zh-CN" altLang="en-US" sz="1400" dirty="0">
-                        <a:latin typeface="Times New Roman" panose="02020603050405020304" pitchFamily="18" charset="0"/>
-                        <a:ea typeface="楷体" panose="02010609060101010101" pitchFamily="49" charset="-122"/>
-                        <a:cs typeface="Times New Roman" panose="02020603050405020304" pitchFamily="18" charset="0"/>
-                      </a:endParaRPr>
-                    </a:p>
-                  </a:txBody>
-                  <a:tcPr anchor="ctr"/>
-                </a:tc>
-                <a:tc>
-                  <a:txBody>
-                    <a:bodyPr/>
-                    <a:lstStyle/>
-                    <a:p>
-                      <a:pPr algn="ctr"/>
-                      <a:r>
-                        <a:rPr lang="en-US" altLang="zh-CN" sz="1400" dirty="0" smtClean="0">
-                          <a:latin typeface="Times New Roman" panose="02020603050405020304" pitchFamily="18" charset="0"/>
-                          <a:ea typeface="楷体" panose="02010609060101010101" pitchFamily="49" charset="-122"/>
-                          <a:cs typeface="Times New Roman" panose="02020603050405020304" pitchFamily="18" charset="0"/>
-                        </a:rPr>
-                        <a:t>4.95</a:t>
-                      </a:r>
-                      <a:endParaRPr lang="zh-CN" altLang="en-US" sz="1400" dirty="0">
-                        <a:latin typeface="Times New Roman" panose="02020603050405020304" pitchFamily="18" charset="0"/>
-                        <a:ea typeface="楷体" panose="02010609060101010101" pitchFamily="49" charset="-122"/>
-                        <a:cs typeface="Times New Roman" panose="02020603050405020304" pitchFamily="18" charset="0"/>
-                      </a:endParaRPr>
-                    </a:p>
-                  </a:txBody>
-                  <a:tcPr anchor="ctr"/>
-                </a:tc>
-                <a:tc>
-                  <a:txBody>
-                    <a:bodyPr/>
-                    <a:lstStyle/>
-                    <a:p>
-                      <a:pPr algn="ctr"/>
-                      <a:r>
-                        <a:rPr lang="en-US" altLang="zh-CN" sz="1400" dirty="0" smtClean="0">
-                          <a:latin typeface="Times New Roman" panose="02020603050405020304" pitchFamily="18" charset="0"/>
-                          <a:ea typeface="楷体" panose="02010609060101010101" pitchFamily="49" charset="-122"/>
-                          <a:cs typeface="Times New Roman" panose="02020603050405020304" pitchFamily="18" charset="0"/>
-                        </a:rPr>
-                        <a:t>50</a:t>
-                      </a:r>
-                      <a:endParaRPr lang="zh-CN" altLang="en-US" sz="1400" dirty="0">
-                        <a:latin typeface="Times New Roman" panose="02020603050405020304" pitchFamily="18" charset="0"/>
-                        <a:ea typeface="楷体" panose="02010609060101010101" pitchFamily="49" charset="-122"/>
-                        <a:cs typeface="Times New Roman" panose="02020603050405020304" pitchFamily="18" charset="0"/>
-                      </a:endParaRPr>
-                    </a:p>
-                  </a:txBody>
-                  <a:tcPr anchor="ctr"/>
-                </a:tc>
-                <a:tc>
-                  <a:txBody>
-                    <a:bodyPr/>
-                    <a:lstStyle/>
-                    <a:p>
-                      <a:pPr algn="ctr"/>
-                      <a:r>
-                        <a:rPr lang="en-US" altLang="zh-CN" sz="1400" dirty="0" smtClean="0">
-                          <a:latin typeface="Times New Roman" panose="02020603050405020304" pitchFamily="18" charset="0"/>
-                          <a:ea typeface="楷体" panose="02010609060101010101" pitchFamily="49" charset="-122"/>
-                          <a:cs typeface="Times New Roman" panose="02020603050405020304" pitchFamily="18" charset="0"/>
-                        </a:rPr>
-                        <a:t>64</a:t>
-                      </a:r>
-                      <a:endParaRPr lang="zh-CN" altLang="en-US" sz="1400" dirty="0">
-                        <a:latin typeface="Times New Roman" panose="02020603050405020304" pitchFamily="18" charset="0"/>
-                        <a:ea typeface="楷体" panose="02010609060101010101" pitchFamily="49" charset="-122"/>
-                        <a:cs typeface="Times New Roman" panose="02020603050405020304" pitchFamily="18" charset="0"/>
-                      </a:endParaRPr>
-                    </a:p>
-                  </a:txBody>
-                  <a:tcPr anchor="ctr"/>
-                </a:tc>
-                <a:tc>
-                  <a:txBody>
-                    <a:bodyPr/>
-                    <a:lstStyle/>
-                    <a:p>
-                      <a:pPr algn="ctr"/>
-                      <a:r>
-                        <a:rPr lang="en-US" altLang="zh-CN" sz="1400" kern="1200" dirty="0" smtClean="0">
-                          <a:solidFill>
-                            <a:schemeClr val="dk1"/>
-                          </a:solidFill>
-                          <a:effectLst/>
-                          <a:latin typeface="Times New Roman" panose="02020603050405020304" pitchFamily="18" charset="0"/>
-                          <a:ea typeface="楷体" panose="02010609060101010101" pitchFamily="49" charset="-122"/>
-                          <a:cs typeface="Times New Roman" panose="02020603050405020304" pitchFamily="18" charset="0"/>
-                        </a:rPr>
-                        <a:t>.</a:t>
-                      </a:r>
-                      <a:r>
-                        <a:rPr lang="en-US" altLang="zh-CN" sz="1400" kern="1200" dirty="0" err="1" smtClean="0">
-                          <a:solidFill>
-                            <a:schemeClr val="dk1"/>
-                          </a:solidFill>
-                          <a:effectLst/>
-                          <a:latin typeface="Times New Roman" panose="02020603050405020304" pitchFamily="18" charset="0"/>
-                          <a:ea typeface="楷体" panose="02010609060101010101" pitchFamily="49" charset="-122"/>
-                          <a:cs typeface="Times New Roman" panose="02020603050405020304" pitchFamily="18" charset="0"/>
-                        </a:rPr>
-                        <a:t>gov</a:t>
-                      </a:r>
-                      <a:r>
-                        <a:rPr lang="zh-CN" altLang="zh-CN" sz="1400" kern="1200" dirty="0" smtClean="0">
-                          <a:solidFill>
-                            <a:schemeClr val="dk1"/>
-                          </a:solidFill>
-                          <a:effectLst/>
-                          <a:latin typeface="Times New Roman" panose="02020603050405020304" pitchFamily="18" charset="0"/>
-                          <a:ea typeface="楷体" panose="02010609060101010101" pitchFamily="49" charset="-122"/>
-                          <a:cs typeface="Times New Roman" panose="02020603050405020304" pitchFamily="18" charset="0"/>
-                        </a:rPr>
-                        <a:t>域名下的</a:t>
-                      </a:r>
-                      <a:r>
-                        <a:rPr lang="en-US" altLang="zh-CN" sz="1400" kern="1200" dirty="0" smtClean="0">
-                          <a:solidFill>
-                            <a:schemeClr val="dk1"/>
-                          </a:solidFill>
-                          <a:effectLst/>
-                          <a:latin typeface="Times New Roman" panose="02020603050405020304" pitchFamily="18" charset="0"/>
-                          <a:ea typeface="楷体" panose="02010609060101010101" pitchFamily="49" charset="-122"/>
-                          <a:cs typeface="Times New Roman" panose="02020603050405020304" pitchFamily="18" charset="0"/>
-                        </a:rPr>
-                        <a:t>html</a:t>
-                      </a:r>
-                      <a:r>
-                        <a:rPr lang="zh-CN" altLang="zh-CN" sz="1400" kern="1200" dirty="0" smtClean="0">
-                          <a:solidFill>
-                            <a:schemeClr val="dk1"/>
-                          </a:solidFill>
-                          <a:effectLst/>
-                          <a:latin typeface="Times New Roman" panose="02020603050405020304" pitchFamily="18" charset="0"/>
-                          <a:ea typeface="楷体" panose="02010609060101010101" pitchFamily="49" charset="-122"/>
-                          <a:cs typeface="Times New Roman" panose="02020603050405020304" pitchFamily="18" charset="0"/>
-                        </a:rPr>
-                        <a:t>页面</a:t>
-                      </a:r>
-                      <a:endParaRPr lang="zh-CN" altLang="en-US" sz="1400" dirty="0">
-                        <a:latin typeface="Times New Roman" panose="02020603050405020304" pitchFamily="18" charset="0"/>
-                        <a:ea typeface="楷体" panose="02010609060101010101" pitchFamily="49" charset="-122"/>
-                        <a:cs typeface="Times New Roman" panose="02020603050405020304" pitchFamily="18" charset="0"/>
-                      </a:endParaRPr>
-                    </a:p>
-                  </a:txBody>
-                  <a:tcPr anchor="ctr"/>
-                </a:tc>
-                <a:extLst>
-                  <a:ext uri="{0D108BD9-81ED-4DB2-BD59-A6C34878D82A}">
-                    <a16:rowId xmlns="" xmlns:a16="http://schemas.microsoft.com/office/drawing/2014/main" val="1051404574"/>
-                  </a:ext>
-                </a:extLst>
-              </a:tr>
-              <a:tr h="283255">
-                <a:tc>
-                  <a:txBody>
-                    <a:bodyPr/>
-                    <a:lstStyle/>
-                    <a:p>
-                      <a:pPr algn="ctr"/>
-                      <a:r>
-                        <a:rPr lang="en-US" altLang="zh-CN" sz="1400" dirty="0" smtClean="0">
-                          <a:latin typeface="Times New Roman" panose="02020603050405020304" pitchFamily="18" charset="0"/>
-                          <a:ea typeface="楷体" panose="02010609060101010101" pitchFamily="49" charset="-122"/>
-                          <a:cs typeface="Times New Roman" panose="02020603050405020304" pitchFamily="18" charset="0"/>
-                        </a:rPr>
-                        <a:t>TD2004</a:t>
-                      </a:r>
-                      <a:endParaRPr lang="zh-CN" altLang="en-US" sz="1400" dirty="0">
-                        <a:latin typeface="Times New Roman" panose="02020603050405020304" pitchFamily="18" charset="0"/>
-                        <a:ea typeface="楷体" panose="02010609060101010101" pitchFamily="49" charset="-122"/>
-                        <a:cs typeface="Times New Roman" panose="02020603050405020304" pitchFamily="18" charset="0"/>
-                      </a:endParaRPr>
-                    </a:p>
-                  </a:txBody>
-                  <a:tcPr anchor="ctr"/>
-                </a:tc>
-                <a:tc>
-                  <a:txBody>
-                    <a:bodyPr/>
-                    <a:lstStyle/>
-                    <a:p>
-                      <a:pPr algn="ctr"/>
-                      <a:r>
-                        <a:rPr lang="en-US" altLang="zh-CN" sz="1400" dirty="0" smtClean="0">
-                          <a:latin typeface="Times New Roman" panose="02020603050405020304" pitchFamily="18" charset="0"/>
-                          <a:ea typeface="楷体" panose="02010609060101010101" pitchFamily="49" charset="-122"/>
-                          <a:cs typeface="Times New Roman" panose="02020603050405020304" pitchFamily="18" charset="0"/>
-                        </a:rPr>
-                        <a:t>7.46</a:t>
-                      </a:r>
-                      <a:endParaRPr lang="zh-CN" altLang="en-US" sz="1400" dirty="0">
-                        <a:latin typeface="Times New Roman" panose="02020603050405020304" pitchFamily="18" charset="0"/>
-                        <a:ea typeface="楷体" panose="02010609060101010101" pitchFamily="49" charset="-122"/>
-                        <a:cs typeface="Times New Roman" panose="02020603050405020304" pitchFamily="18" charset="0"/>
-                      </a:endParaRPr>
-                    </a:p>
-                  </a:txBody>
-                  <a:tcPr anchor="ctr"/>
-                </a:tc>
-                <a:tc>
-                  <a:txBody>
-                    <a:bodyPr/>
-                    <a:lstStyle/>
-                    <a:p>
-                      <a:pPr algn="ctr"/>
-                      <a:r>
-                        <a:rPr lang="en-US" altLang="zh-CN" sz="1400" dirty="0" smtClean="0">
-                          <a:latin typeface="Times New Roman" panose="02020603050405020304" pitchFamily="18" charset="0"/>
-                          <a:ea typeface="楷体" panose="02010609060101010101" pitchFamily="49" charset="-122"/>
-                          <a:cs typeface="Times New Roman" panose="02020603050405020304" pitchFamily="18" charset="0"/>
-                        </a:rPr>
-                        <a:t>70</a:t>
-                      </a:r>
-                      <a:endParaRPr lang="zh-CN" altLang="en-US" sz="1400" dirty="0">
-                        <a:latin typeface="Times New Roman" panose="02020603050405020304" pitchFamily="18" charset="0"/>
-                        <a:ea typeface="楷体" panose="02010609060101010101" pitchFamily="49" charset="-122"/>
-                        <a:cs typeface="Times New Roman" panose="02020603050405020304" pitchFamily="18" charset="0"/>
-                      </a:endParaRPr>
-                    </a:p>
-                  </a:txBody>
-                  <a:tcPr anchor="ctr"/>
-                </a:tc>
-                <a:tc>
-                  <a:txBody>
-                    <a:bodyPr/>
-                    <a:lstStyle/>
-                    <a:p>
-                      <a:pPr algn="ctr"/>
-                      <a:r>
-                        <a:rPr lang="en-US" altLang="zh-CN" sz="1400" dirty="0" smtClean="0">
-                          <a:latin typeface="Times New Roman" panose="02020603050405020304" pitchFamily="18" charset="0"/>
-                          <a:ea typeface="楷体" panose="02010609060101010101" pitchFamily="49" charset="-122"/>
-                          <a:cs typeface="Times New Roman" panose="02020603050405020304" pitchFamily="18" charset="0"/>
-                        </a:rPr>
-                        <a:t>64</a:t>
-                      </a:r>
-                      <a:endParaRPr lang="zh-CN" altLang="en-US" sz="1400" dirty="0">
-                        <a:latin typeface="Times New Roman" panose="02020603050405020304" pitchFamily="18" charset="0"/>
-                        <a:ea typeface="楷体" panose="02010609060101010101" pitchFamily="49" charset="-122"/>
-                        <a:cs typeface="Times New Roman" panose="02020603050405020304" pitchFamily="18" charset="0"/>
-                      </a:endParaRPr>
-                    </a:p>
-                  </a:txBody>
-                  <a:tcPr anchor="ctr"/>
-                </a:tc>
-                <a:tc>
-                  <a:txBody>
-                    <a:bodyPr/>
-                    <a:lstStyle/>
-                    <a:p>
-                      <a:pPr algn="ctr"/>
-                      <a:r>
-                        <a:rPr lang="en-US" altLang="zh-CN" sz="1400" kern="1200" dirty="0" smtClean="0">
-                          <a:solidFill>
-                            <a:schemeClr val="dk1"/>
-                          </a:solidFill>
-                          <a:effectLst/>
-                          <a:latin typeface="Times New Roman" panose="02020603050405020304" pitchFamily="18" charset="0"/>
-                          <a:ea typeface="楷体" panose="02010609060101010101" pitchFamily="49" charset="-122"/>
-                          <a:cs typeface="Times New Roman" panose="02020603050405020304" pitchFamily="18" charset="0"/>
-                        </a:rPr>
-                        <a:t>.</a:t>
-                      </a:r>
-                      <a:r>
-                        <a:rPr lang="en-US" altLang="zh-CN" sz="1400" kern="1200" dirty="0" err="1" smtClean="0">
-                          <a:solidFill>
-                            <a:schemeClr val="dk1"/>
-                          </a:solidFill>
-                          <a:effectLst/>
-                          <a:latin typeface="Times New Roman" panose="02020603050405020304" pitchFamily="18" charset="0"/>
-                          <a:ea typeface="楷体" panose="02010609060101010101" pitchFamily="49" charset="-122"/>
-                          <a:cs typeface="Times New Roman" panose="02020603050405020304" pitchFamily="18" charset="0"/>
-                        </a:rPr>
-                        <a:t>gov</a:t>
-                      </a:r>
-                      <a:r>
-                        <a:rPr lang="zh-CN" altLang="zh-CN" sz="1400" kern="1200" dirty="0" smtClean="0">
-                          <a:solidFill>
-                            <a:schemeClr val="dk1"/>
-                          </a:solidFill>
-                          <a:effectLst/>
-                          <a:latin typeface="Times New Roman" panose="02020603050405020304" pitchFamily="18" charset="0"/>
-                          <a:ea typeface="楷体" panose="02010609060101010101" pitchFamily="49" charset="-122"/>
-                          <a:cs typeface="Times New Roman" panose="02020603050405020304" pitchFamily="18" charset="0"/>
-                        </a:rPr>
-                        <a:t>域名下的</a:t>
-                      </a:r>
-                      <a:r>
-                        <a:rPr lang="en-US" altLang="zh-CN" sz="1400" kern="1200" dirty="0" smtClean="0">
-                          <a:solidFill>
-                            <a:schemeClr val="dk1"/>
-                          </a:solidFill>
-                          <a:effectLst/>
-                          <a:latin typeface="Times New Roman" panose="02020603050405020304" pitchFamily="18" charset="0"/>
-                          <a:ea typeface="楷体" panose="02010609060101010101" pitchFamily="49" charset="-122"/>
-                          <a:cs typeface="Times New Roman" panose="02020603050405020304" pitchFamily="18" charset="0"/>
-                        </a:rPr>
-                        <a:t>html</a:t>
-                      </a:r>
-                      <a:r>
-                        <a:rPr lang="zh-CN" altLang="zh-CN" sz="1400" kern="1200" dirty="0" smtClean="0">
-                          <a:solidFill>
-                            <a:schemeClr val="dk1"/>
-                          </a:solidFill>
-                          <a:effectLst/>
-                          <a:latin typeface="Times New Roman" panose="02020603050405020304" pitchFamily="18" charset="0"/>
-                          <a:ea typeface="楷体" panose="02010609060101010101" pitchFamily="49" charset="-122"/>
-                          <a:cs typeface="Times New Roman" panose="02020603050405020304" pitchFamily="18" charset="0"/>
-                        </a:rPr>
-                        <a:t>页面</a:t>
-                      </a:r>
-                      <a:endParaRPr lang="zh-CN" altLang="en-US" sz="1400" dirty="0">
-                        <a:latin typeface="Times New Roman" panose="02020603050405020304" pitchFamily="18" charset="0"/>
-                        <a:ea typeface="楷体" panose="02010609060101010101" pitchFamily="49" charset="-122"/>
-                        <a:cs typeface="Times New Roman" panose="02020603050405020304" pitchFamily="18" charset="0"/>
-                      </a:endParaRPr>
-                    </a:p>
-                  </a:txBody>
-                  <a:tcPr anchor="ctr"/>
-                </a:tc>
-                <a:extLst>
-                  <a:ext uri="{0D108BD9-81ED-4DB2-BD59-A6C34878D82A}">
-                    <a16:rowId xmlns="" xmlns:a16="http://schemas.microsoft.com/office/drawing/2014/main" val="3175154765"/>
-                  </a:ext>
-                </a:extLst>
               </a:tr>
             </a:tbl>
           </a:graphicData>
@@ -31458,7 +32730,7 @@
       </p:graphicFrame>
       <p:sp>
         <p:nvSpPr>
-          <p:cNvPr id="9" name="内容占位符 2"/>
+          <p:cNvPr id="12" name="内容占位符 2"/>
           <p:cNvSpPr txBox="1">
             <a:spLocks/>
           </p:cNvSpPr>
@@ -31466,8 +32738,8 @@
         </p:nvSpPr>
         <p:spPr bwMode="auto">
           <a:xfrm>
-            <a:off x="468313" y="3573016"/>
-            <a:ext cx="8142287" cy="1872208"/>
+            <a:off x="225704" y="1379440"/>
+            <a:ext cx="4113529" cy="386559"/>
           </a:xfrm>
           <a:prstGeom prst="rect">
             <a:avLst/>
@@ -31706,12 +32978,1235 @@
           </a:lstStyle>
           <a:p>
             <a:r>
-              <a:rPr lang="zh-CN" altLang="en-US" sz="2400" kern="0" dirty="0"/>
+              <a:rPr lang="zh-CN" altLang="en-US" sz="2400" kern="0" dirty="0">
+                <a:latin typeface="Times New Roman" panose="02020603050405020304" pitchFamily="18" charset="0"/>
+                <a:ea typeface="黑体" panose="02010609060101010101" pitchFamily="49" charset="-122"/>
+                <a:cs typeface="Times New Roman" panose="02020603050405020304" pitchFamily="18" charset="0"/>
+              </a:rPr>
+              <a:t>关键</a:t>
+            </a:r>
+            <a:r>
+              <a:rPr lang="zh-CN" altLang="en-US" sz="2400" kern="0" dirty="0" smtClean="0">
+                <a:latin typeface="Times New Roman" panose="02020603050405020304" pitchFamily="18" charset="0"/>
+                <a:ea typeface="黑体" panose="02010609060101010101" pitchFamily="49" charset="-122"/>
+                <a:cs typeface="Times New Roman" panose="02020603050405020304" pitchFamily="18" charset="0"/>
+              </a:rPr>
+              <a:t>词列表</a:t>
+            </a:r>
+            <a:endParaRPr lang="zh-CN" altLang="en-US" sz="2400" kern="0" dirty="0" smtClean="0">
+              <a:latin typeface="Times New Roman" panose="02020603050405020304" pitchFamily="18" charset="0"/>
+              <a:ea typeface="黑体" panose="02010609060101010101" pitchFamily="49" charset="-122"/>
+              <a:cs typeface="Times New Roman" panose="02020603050405020304" pitchFamily="18" charset="0"/>
+            </a:endParaRPr>
+          </a:p>
+        </p:txBody>
+      </p:sp>
+    </p:spTree>
+    <p:extLst>
+      <p:ext uri="{BB962C8B-B14F-4D97-AF65-F5344CB8AC3E}">
+        <p14:creationId xmlns:p14="http://schemas.microsoft.com/office/powerpoint/2010/main" val="3685201772"/>
+      </p:ext>
+    </p:extLst>
+  </p:cSld>
+  <p:clrMapOvr>
+    <a:masterClrMapping/>
+  </p:clrMapOvr>
+  <p:timing>
+    <p:tnLst>
+      <p:par>
+        <p:cTn id="1" dur="indefinite" restart="never" nodeType="tmRoot"/>
+      </p:par>
+    </p:tnLst>
+  </p:timing>
+</p:sld>
+</file>
+
+<file path=ppt/slides/slide23.xml><?xml version="1.0" encoding="utf-8"?>
+<p:sld xmlns:a="http://schemas.openxmlformats.org/drawingml/2006/main" xmlns:r="http://schemas.openxmlformats.org/officeDocument/2006/relationships" xmlns:p="http://schemas.openxmlformats.org/presentationml/2006/main">
+  <p:cSld>
+    <p:spTree>
+      <p:nvGrpSpPr>
+        <p:cNvPr id="1" name=""/>
+        <p:cNvGrpSpPr/>
+        <p:nvPr/>
+      </p:nvGrpSpPr>
+      <p:grpSpPr>
+        <a:xfrm>
+          <a:off x="0" y="0"/>
+          <a:ext cx="0" cy="0"/>
+          <a:chOff x="0" y="0"/>
+          <a:chExt cx="0" cy="0"/>
+        </a:xfrm>
+      </p:grpSpPr>
+      <p:sp>
+        <p:nvSpPr>
+          <p:cNvPr id="4" name="日期占位符 3"/>
+          <p:cNvSpPr>
+            <a:spLocks noGrp="1"/>
+          </p:cNvSpPr>
+          <p:nvPr>
+            <p:ph type="dt" sz="half" idx="10"/>
+          </p:nvPr>
+        </p:nvSpPr>
+        <p:spPr/>
+        <p:txBody>
+          <a:bodyPr/>
+          <a:lstStyle/>
+          <a:p>
+            <a:fld id="{8B0F75CF-0553-4104-831D-ECC51C6B5C3F}" type="datetime1">
+              <a:rPr lang="zh-CN" altLang="en-US" smtClean="0"/>
+              <a:t>2017/5/15</a:t>
+            </a:fld>
+            <a:endParaRPr lang="en-US" altLang="zh-CN"/>
+          </a:p>
+        </p:txBody>
+      </p:sp>
+      <p:sp>
+        <p:nvSpPr>
+          <p:cNvPr id="5" name="灯片编号占位符 4"/>
+          <p:cNvSpPr>
+            <a:spLocks noGrp="1"/>
+          </p:cNvSpPr>
+          <p:nvPr>
+            <p:ph type="sldNum" sz="quarter" idx="12"/>
+          </p:nvPr>
+        </p:nvSpPr>
+        <p:spPr/>
+        <p:txBody>
+          <a:bodyPr/>
+          <a:lstStyle/>
+          <a:p>
+            <a:fld id="{E9453B7F-F822-4520-92F2-0E2B7563B497}" type="slidenum">
+              <a:rPr lang="en-US" altLang="zh-CN" smtClean="0"/>
+              <a:pPr/>
+              <a:t>23</a:t>
+            </a:fld>
+            <a:endParaRPr lang="en-US" altLang="zh-CN"/>
+          </a:p>
+        </p:txBody>
+      </p:sp>
+      <p:sp>
+        <p:nvSpPr>
+          <p:cNvPr id="6" name="标题 1"/>
+          <p:cNvSpPr>
+            <a:spLocks noGrp="1"/>
+          </p:cNvSpPr>
+          <p:nvPr>
+            <p:ph type="title"/>
+          </p:nvPr>
+        </p:nvSpPr>
+        <p:spPr>
+          <a:xfrm>
+            <a:off x="1042988" y="404813"/>
+            <a:ext cx="5616575" cy="576262"/>
+          </a:xfrm>
+        </p:spPr>
+        <p:txBody>
+          <a:bodyPr/>
+          <a:lstStyle/>
+          <a:p>
+            <a:pPr algn="l"/>
+            <a:r>
+              <a:rPr lang="zh-CN" altLang="en-US" sz="2800" b="0" dirty="0" smtClean="0">
+                <a:latin typeface="黑体" pitchFamily="49" charset="-122"/>
+                <a:ea typeface="黑体" pitchFamily="49" charset="-122"/>
+              </a:rPr>
+              <a:t>语料库构建</a:t>
+            </a:r>
+            <a:endParaRPr lang="zh-CN" altLang="en-US" sz="2800" b="0" dirty="0">
+              <a:latin typeface="黑体" pitchFamily="49" charset="-122"/>
+              <a:ea typeface="黑体" pitchFamily="49" charset="-122"/>
+            </a:endParaRPr>
+          </a:p>
+        </p:txBody>
+      </p:sp>
+      <p:graphicFrame>
+        <p:nvGraphicFramePr>
+          <p:cNvPr id="3" name="表格 2"/>
+          <p:cNvGraphicFramePr>
+            <a:graphicFrameLocks noGrp="1"/>
+          </p:cNvGraphicFramePr>
+          <p:nvPr>
+            <p:extLst>
+              <p:ext uri="{D42A27DB-BD31-4B8C-83A1-F6EECF244321}">
+                <p14:modId xmlns:p14="http://schemas.microsoft.com/office/powerpoint/2010/main" val="523362317"/>
+              </p:ext>
+            </p:extLst>
+          </p:nvPr>
+        </p:nvGraphicFramePr>
+        <p:xfrm>
+          <a:off x="2627784" y="2060848"/>
+          <a:ext cx="3600400" cy="2721685"/>
+        </p:xfrm>
+        <a:graphic>
+          <a:graphicData uri="http://schemas.openxmlformats.org/drawingml/2006/table">
+            <a:tbl>
+              <a:tblPr firstRow="1" firstCol="1" bandRow="1">
+                <a:tableStyleId>{5C22544A-7EE6-4342-B048-85BDC9FD1C3A}</a:tableStyleId>
+              </a:tblPr>
+              <a:tblGrid>
+                <a:gridCol w="1914192"/>
+                <a:gridCol w="1686208"/>
+              </a:tblGrid>
+              <a:tr h="298232">
+                <a:tc>
+                  <a:txBody>
+                    <a:bodyPr/>
+                    <a:lstStyle/>
+                    <a:p>
+                      <a:pPr indent="127000" algn="just">
+                        <a:lnSpc>
+                          <a:spcPct val="150000"/>
+                        </a:lnSpc>
+                        <a:spcBef>
+                          <a:spcPts val="600"/>
+                        </a:spcBef>
+                        <a:spcAft>
+                          <a:spcPts val="600"/>
+                        </a:spcAft>
+                      </a:pPr>
+                      <a:r>
+                        <a:rPr lang="zh-CN" sz="1400" kern="100" dirty="0">
+                          <a:effectLst/>
+                        </a:rPr>
+                        <a:t>关系类型</a:t>
+                      </a:r>
+                      <a:endParaRPr lang="zh-CN" sz="1400" kern="100" dirty="0">
+                        <a:effectLst/>
+                        <a:latin typeface="Times New Roman" panose="02020603050405020304" pitchFamily="18" charset="0"/>
+                        <a:ea typeface="宋体" panose="02010600030101010101" pitchFamily="2" charset="-122"/>
+                      </a:endParaRPr>
+                    </a:p>
+                  </a:txBody>
+                  <a:tcPr marL="68580" marR="68580" marT="0" marB="0"/>
+                </a:tc>
+                <a:tc>
+                  <a:txBody>
+                    <a:bodyPr/>
+                    <a:lstStyle/>
+                    <a:p>
+                      <a:pPr indent="127000" algn="just">
+                        <a:lnSpc>
+                          <a:spcPct val="150000"/>
+                        </a:lnSpc>
+                        <a:spcBef>
+                          <a:spcPts val="600"/>
+                        </a:spcBef>
+                        <a:spcAft>
+                          <a:spcPts val="600"/>
+                        </a:spcAft>
+                      </a:pPr>
+                      <a:r>
+                        <a:rPr lang="zh-CN" sz="1400" kern="100">
+                          <a:effectLst/>
+                        </a:rPr>
+                        <a:t>频率</a:t>
+                      </a:r>
+                      <a:endParaRPr lang="zh-CN" sz="1400" kern="100">
+                        <a:effectLst/>
+                        <a:latin typeface="Times New Roman" panose="02020603050405020304" pitchFamily="18" charset="0"/>
+                        <a:ea typeface="宋体" panose="02010600030101010101" pitchFamily="2" charset="-122"/>
+                      </a:endParaRPr>
+                    </a:p>
+                  </a:txBody>
+                  <a:tcPr marL="68580" marR="68580" marT="0" marB="0"/>
+                </a:tc>
+              </a:tr>
+              <a:tr h="349840">
+                <a:tc>
+                  <a:txBody>
+                    <a:bodyPr/>
+                    <a:lstStyle/>
+                    <a:p>
+                      <a:pPr indent="127000" algn="just">
+                        <a:lnSpc>
+                          <a:spcPct val="150000"/>
+                        </a:lnSpc>
+                        <a:spcBef>
+                          <a:spcPts val="600"/>
+                        </a:spcBef>
+                        <a:spcAft>
+                          <a:spcPts val="600"/>
+                        </a:spcAft>
+                      </a:pPr>
+                      <a:r>
+                        <a:rPr lang="zh-CN" sz="1400" kern="100">
+                          <a:effectLst/>
+                        </a:rPr>
+                        <a:t>投资</a:t>
+                      </a:r>
+                      <a:r>
+                        <a:rPr lang="en-US" sz="1400" kern="100">
+                          <a:effectLst/>
+                        </a:rPr>
+                        <a:t>(invest)</a:t>
+                      </a:r>
+                      <a:endParaRPr lang="zh-CN" sz="1400" kern="100">
+                        <a:effectLst/>
+                        <a:latin typeface="Times New Roman" panose="02020603050405020304" pitchFamily="18" charset="0"/>
+                        <a:ea typeface="宋体" panose="02010600030101010101" pitchFamily="2" charset="-122"/>
+                      </a:endParaRPr>
+                    </a:p>
+                  </a:txBody>
+                  <a:tcPr marL="68580" marR="68580" marT="0" marB="0"/>
+                </a:tc>
+                <a:tc>
+                  <a:txBody>
+                    <a:bodyPr/>
+                    <a:lstStyle/>
+                    <a:p>
+                      <a:pPr indent="127000" algn="just">
+                        <a:lnSpc>
+                          <a:spcPct val="150000"/>
+                        </a:lnSpc>
+                        <a:spcBef>
+                          <a:spcPts val="600"/>
+                        </a:spcBef>
+                        <a:spcAft>
+                          <a:spcPts val="600"/>
+                        </a:spcAft>
+                      </a:pPr>
+                      <a:r>
+                        <a:rPr lang="en-US" sz="1400" kern="100">
+                          <a:effectLst/>
+                        </a:rPr>
+                        <a:t>276(17.2%)</a:t>
+                      </a:r>
+                      <a:endParaRPr lang="zh-CN" sz="1400" kern="100">
+                        <a:effectLst/>
+                        <a:latin typeface="Times New Roman" panose="02020603050405020304" pitchFamily="18" charset="0"/>
+                        <a:ea typeface="宋体" panose="02010600030101010101" pitchFamily="2" charset="-122"/>
+                      </a:endParaRPr>
+                    </a:p>
+                  </a:txBody>
+                  <a:tcPr marL="68580" marR="68580" marT="0" marB="0"/>
+                </a:tc>
+              </a:tr>
+              <a:tr h="339640">
+                <a:tc>
+                  <a:txBody>
+                    <a:bodyPr/>
+                    <a:lstStyle/>
+                    <a:p>
+                      <a:pPr indent="127000" algn="just">
+                        <a:lnSpc>
+                          <a:spcPct val="150000"/>
+                        </a:lnSpc>
+                        <a:spcBef>
+                          <a:spcPts val="600"/>
+                        </a:spcBef>
+                        <a:spcAft>
+                          <a:spcPts val="600"/>
+                        </a:spcAft>
+                      </a:pPr>
+                      <a:r>
+                        <a:rPr lang="zh-CN" sz="1400" kern="100">
+                          <a:effectLst/>
+                        </a:rPr>
+                        <a:t>收购</a:t>
+                      </a:r>
+                      <a:r>
+                        <a:rPr lang="en-US" sz="1400" kern="100">
+                          <a:effectLst/>
+                        </a:rPr>
+                        <a:t>(acquisition)</a:t>
+                      </a:r>
+                      <a:endParaRPr lang="zh-CN" sz="1400" kern="100">
+                        <a:effectLst/>
+                        <a:latin typeface="Times New Roman" panose="02020603050405020304" pitchFamily="18" charset="0"/>
+                        <a:ea typeface="宋体" panose="02010600030101010101" pitchFamily="2" charset="-122"/>
+                      </a:endParaRPr>
+                    </a:p>
+                  </a:txBody>
+                  <a:tcPr marL="68580" marR="68580" marT="0" marB="0"/>
+                </a:tc>
+                <a:tc>
+                  <a:txBody>
+                    <a:bodyPr/>
+                    <a:lstStyle/>
+                    <a:p>
+                      <a:pPr indent="127000" algn="just">
+                        <a:lnSpc>
+                          <a:spcPct val="150000"/>
+                        </a:lnSpc>
+                        <a:spcBef>
+                          <a:spcPts val="600"/>
+                        </a:spcBef>
+                        <a:spcAft>
+                          <a:spcPts val="600"/>
+                        </a:spcAft>
+                      </a:pPr>
+                      <a:r>
+                        <a:rPr lang="en-US" sz="1400" kern="100">
+                          <a:effectLst/>
+                        </a:rPr>
+                        <a:t>291(18.1%)</a:t>
+                      </a:r>
+                      <a:endParaRPr lang="zh-CN" sz="1400" kern="100">
+                        <a:effectLst/>
+                        <a:latin typeface="Times New Roman" panose="02020603050405020304" pitchFamily="18" charset="0"/>
+                        <a:ea typeface="宋体" panose="02010600030101010101" pitchFamily="2" charset="-122"/>
+                      </a:endParaRPr>
+                    </a:p>
+                  </a:txBody>
+                  <a:tcPr marL="68580" marR="68580" marT="0" marB="0"/>
+                </a:tc>
+              </a:tr>
+              <a:tr h="360040">
+                <a:tc>
+                  <a:txBody>
+                    <a:bodyPr/>
+                    <a:lstStyle/>
+                    <a:p>
+                      <a:pPr indent="127000" algn="just">
+                        <a:lnSpc>
+                          <a:spcPct val="150000"/>
+                        </a:lnSpc>
+                        <a:spcBef>
+                          <a:spcPts val="600"/>
+                        </a:spcBef>
+                        <a:spcAft>
+                          <a:spcPts val="600"/>
+                        </a:spcAft>
+                      </a:pPr>
+                      <a:r>
+                        <a:rPr lang="zh-CN" sz="1400" kern="100">
+                          <a:effectLst/>
+                        </a:rPr>
+                        <a:t>合作</a:t>
+                      </a:r>
+                      <a:r>
+                        <a:rPr lang="en-US" sz="1400" kern="100">
+                          <a:effectLst/>
+                        </a:rPr>
+                        <a:t>(cooperate)</a:t>
+                      </a:r>
+                      <a:endParaRPr lang="zh-CN" sz="1400" kern="100">
+                        <a:effectLst/>
+                        <a:latin typeface="Times New Roman" panose="02020603050405020304" pitchFamily="18" charset="0"/>
+                        <a:ea typeface="宋体" panose="02010600030101010101" pitchFamily="2" charset="-122"/>
+                      </a:endParaRPr>
+                    </a:p>
+                  </a:txBody>
+                  <a:tcPr marL="68580" marR="68580" marT="0" marB="0"/>
+                </a:tc>
+                <a:tc>
+                  <a:txBody>
+                    <a:bodyPr/>
+                    <a:lstStyle/>
+                    <a:p>
+                      <a:pPr indent="127000" algn="just">
+                        <a:lnSpc>
+                          <a:spcPct val="150000"/>
+                        </a:lnSpc>
+                        <a:spcBef>
+                          <a:spcPts val="600"/>
+                        </a:spcBef>
+                        <a:spcAft>
+                          <a:spcPts val="600"/>
+                        </a:spcAft>
+                      </a:pPr>
+                      <a:r>
+                        <a:rPr lang="en-US" sz="1400" kern="100">
+                          <a:effectLst/>
+                        </a:rPr>
+                        <a:t>290(18.0%)</a:t>
+                      </a:r>
+                      <a:endParaRPr lang="zh-CN" sz="1400" kern="100">
+                        <a:effectLst/>
+                        <a:latin typeface="Times New Roman" panose="02020603050405020304" pitchFamily="18" charset="0"/>
+                        <a:ea typeface="宋体" panose="02010600030101010101" pitchFamily="2" charset="-122"/>
+                      </a:endParaRPr>
+                    </a:p>
+                  </a:txBody>
+                  <a:tcPr marL="68580" marR="68580" marT="0" marB="0"/>
+                </a:tc>
+              </a:tr>
+              <a:tr h="298232">
+                <a:tc>
+                  <a:txBody>
+                    <a:bodyPr/>
+                    <a:lstStyle/>
+                    <a:p>
+                      <a:pPr indent="127000" algn="just">
+                        <a:lnSpc>
+                          <a:spcPct val="150000"/>
+                        </a:lnSpc>
+                        <a:spcBef>
+                          <a:spcPts val="600"/>
+                        </a:spcBef>
+                        <a:spcAft>
+                          <a:spcPts val="600"/>
+                        </a:spcAft>
+                      </a:pPr>
+                      <a:r>
+                        <a:rPr lang="zh-CN" sz="1400" kern="100">
+                          <a:effectLst/>
+                        </a:rPr>
+                        <a:t>竞争</a:t>
+                      </a:r>
+                      <a:r>
+                        <a:rPr lang="en-US" sz="1400" kern="100">
+                          <a:effectLst/>
+                        </a:rPr>
+                        <a:t>(compete)</a:t>
+                      </a:r>
+                      <a:endParaRPr lang="zh-CN" sz="1400" kern="100">
+                        <a:effectLst/>
+                        <a:latin typeface="Times New Roman" panose="02020603050405020304" pitchFamily="18" charset="0"/>
+                        <a:ea typeface="宋体" panose="02010600030101010101" pitchFamily="2" charset="-122"/>
+                      </a:endParaRPr>
+                    </a:p>
+                  </a:txBody>
+                  <a:tcPr marL="68580" marR="68580" marT="0" marB="0"/>
+                </a:tc>
+                <a:tc>
+                  <a:txBody>
+                    <a:bodyPr/>
+                    <a:lstStyle/>
+                    <a:p>
+                      <a:pPr indent="127000" algn="just">
+                        <a:lnSpc>
+                          <a:spcPct val="150000"/>
+                        </a:lnSpc>
+                        <a:spcBef>
+                          <a:spcPts val="600"/>
+                        </a:spcBef>
+                        <a:spcAft>
+                          <a:spcPts val="600"/>
+                        </a:spcAft>
+                      </a:pPr>
+                      <a:r>
+                        <a:rPr lang="en-US" sz="1400" kern="100">
+                          <a:effectLst/>
+                        </a:rPr>
+                        <a:t>256(15.9%)</a:t>
+                      </a:r>
+                      <a:endParaRPr lang="zh-CN" sz="1400" kern="100">
+                        <a:effectLst/>
+                        <a:latin typeface="Times New Roman" panose="02020603050405020304" pitchFamily="18" charset="0"/>
+                        <a:ea typeface="宋体" panose="02010600030101010101" pitchFamily="2" charset="-122"/>
+                      </a:endParaRPr>
+                    </a:p>
+                  </a:txBody>
+                  <a:tcPr marL="68580" marR="68580" marT="0" marB="0"/>
+                </a:tc>
+              </a:tr>
+              <a:tr h="380956">
+                <a:tc>
+                  <a:txBody>
+                    <a:bodyPr/>
+                    <a:lstStyle/>
+                    <a:p>
+                      <a:pPr indent="127000" algn="just">
+                        <a:lnSpc>
+                          <a:spcPct val="150000"/>
+                        </a:lnSpc>
+                        <a:spcBef>
+                          <a:spcPts val="600"/>
+                        </a:spcBef>
+                        <a:spcAft>
+                          <a:spcPts val="600"/>
+                        </a:spcAft>
+                      </a:pPr>
+                      <a:r>
+                        <a:rPr lang="zh-CN" sz="1400" kern="100">
+                          <a:effectLst/>
+                        </a:rPr>
+                        <a:t>董事长</a:t>
+                      </a:r>
+                      <a:r>
+                        <a:rPr lang="en-US" sz="1400" kern="100">
+                          <a:effectLst/>
+                        </a:rPr>
+                        <a:t>(chairman)</a:t>
+                      </a:r>
+                      <a:endParaRPr lang="zh-CN" sz="1400" kern="100">
+                        <a:effectLst/>
+                        <a:latin typeface="Times New Roman" panose="02020603050405020304" pitchFamily="18" charset="0"/>
+                        <a:ea typeface="宋体" panose="02010600030101010101" pitchFamily="2" charset="-122"/>
+                      </a:endParaRPr>
+                    </a:p>
+                  </a:txBody>
+                  <a:tcPr marL="68580" marR="68580" marT="0" marB="0"/>
+                </a:tc>
+                <a:tc>
+                  <a:txBody>
+                    <a:bodyPr/>
+                    <a:lstStyle/>
+                    <a:p>
+                      <a:pPr indent="127000" algn="just">
+                        <a:lnSpc>
+                          <a:spcPct val="150000"/>
+                        </a:lnSpc>
+                        <a:spcBef>
+                          <a:spcPts val="600"/>
+                        </a:spcBef>
+                        <a:spcAft>
+                          <a:spcPts val="600"/>
+                        </a:spcAft>
+                      </a:pPr>
+                      <a:r>
+                        <a:rPr lang="en-US" sz="1400" kern="100" dirty="0">
+                          <a:effectLst/>
+                        </a:rPr>
+                        <a:t>293(18.2%)</a:t>
+                      </a:r>
+                      <a:endParaRPr lang="zh-CN" sz="1400" kern="100" dirty="0">
+                        <a:effectLst/>
+                        <a:latin typeface="Times New Roman" panose="02020603050405020304" pitchFamily="18" charset="0"/>
+                        <a:ea typeface="宋体" panose="02010600030101010101" pitchFamily="2" charset="-122"/>
+                      </a:endParaRPr>
+                    </a:p>
+                  </a:txBody>
+                  <a:tcPr marL="68580" marR="68580" marT="0" marB="0"/>
+                </a:tc>
+              </a:tr>
+              <a:tr h="298232">
+                <a:tc>
+                  <a:txBody>
+                    <a:bodyPr/>
+                    <a:lstStyle/>
+                    <a:p>
+                      <a:pPr indent="127000" algn="just">
+                        <a:lnSpc>
+                          <a:spcPct val="150000"/>
+                        </a:lnSpc>
+                        <a:spcBef>
+                          <a:spcPts val="600"/>
+                        </a:spcBef>
+                        <a:spcAft>
+                          <a:spcPts val="600"/>
+                        </a:spcAft>
+                      </a:pPr>
+                      <a:r>
+                        <a:rPr lang="en-US" sz="1400" kern="100">
+                          <a:effectLst/>
+                        </a:rPr>
+                        <a:t>NA</a:t>
+                      </a:r>
+                      <a:endParaRPr lang="zh-CN" sz="1400" kern="100">
+                        <a:effectLst/>
+                        <a:latin typeface="Times New Roman" panose="02020603050405020304" pitchFamily="18" charset="0"/>
+                        <a:ea typeface="宋体" panose="02010600030101010101" pitchFamily="2" charset="-122"/>
+                      </a:endParaRPr>
+                    </a:p>
+                  </a:txBody>
+                  <a:tcPr marL="68580" marR="68580" marT="0" marB="0"/>
+                </a:tc>
+                <a:tc>
+                  <a:txBody>
+                    <a:bodyPr/>
+                    <a:lstStyle/>
+                    <a:p>
+                      <a:pPr indent="127000" algn="just">
+                        <a:lnSpc>
+                          <a:spcPct val="150000"/>
+                        </a:lnSpc>
+                        <a:spcBef>
+                          <a:spcPts val="600"/>
+                        </a:spcBef>
+                        <a:spcAft>
+                          <a:spcPts val="600"/>
+                        </a:spcAft>
+                      </a:pPr>
+                      <a:r>
+                        <a:rPr lang="en-US" sz="1400" kern="100" dirty="0">
+                          <a:effectLst/>
+                        </a:rPr>
+                        <a:t>201(12.5%)</a:t>
+                      </a:r>
+                      <a:endParaRPr lang="zh-CN" sz="1400" kern="100" dirty="0">
+                        <a:effectLst/>
+                        <a:latin typeface="Times New Roman" panose="02020603050405020304" pitchFamily="18" charset="0"/>
+                        <a:ea typeface="宋体" panose="02010600030101010101" pitchFamily="2" charset="-122"/>
+                      </a:endParaRPr>
+                    </a:p>
+                  </a:txBody>
+                  <a:tcPr marL="68580" marR="68580" marT="0" marB="0"/>
+                </a:tc>
+              </a:tr>
+              <a:tr h="396513">
+                <a:tc>
+                  <a:txBody>
+                    <a:bodyPr/>
+                    <a:lstStyle/>
+                    <a:p>
+                      <a:pPr indent="127000" algn="just">
+                        <a:lnSpc>
+                          <a:spcPct val="150000"/>
+                        </a:lnSpc>
+                        <a:spcBef>
+                          <a:spcPts val="600"/>
+                        </a:spcBef>
+                        <a:spcAft>
+                          <a:spcPts val="600"/>
+                        </a:spcAft>
+                      </a:pPr>
+                      <a:r>
+                        <a:rPr lang="en-US" sz="1400" kern="100">
+                          <a:effectLst/>
+                        </a:rPr>
+                        <a:t>Total</a:t>
+                      </a:r>
+                      <a:endParaRPr lang="zh-CN" sz="1400" kern="100">
+                        <a:effectLst/>
+                        <a:latin typeface="Times New Roman" panose="02020603050405020304" pitchFamily="18" charset="0"/>
+                        <a:ea typeface="宋体" panose="02010600030101010101" pitchFamily="2" charset="-122"/>
+                      </a:endParaRPr>
+                    </a:p>
+                  </a:txBody>
+                  <a:tcPr marL="68580" marR="68580" marT="0" marB="0"/>
+                </a:tc>
+                <a:tc>
+                  <a:txBody>
+                    <a:bodyPr/>
+                    <a:lstStyle/>
+                    <a:p>
+                      <a:pPr indent="127000" algn="just">
+                        <a:lnSpc>
+                          <a:spcPct val="150000"/>
+                        </a:lnSpc>
+                        <a:spcBef>
+                          <a:spcPts val="600"/>
+                        </a:spcBef>
+                        <a:spcAft>
+                          <a:spcPts val="600"/>
+                        </a:spcAft>
+                      </a:pPr>
+                      <a:r>
+                        <a:rPr lang="en-US" sz="1400" kern="100" dirty="0">
+                          <a:effectLst/>
+                        </a:rPr>
+                        <a:t>1607(100%)</a:t>
+                      </a:r>
+                      <a:endParaRPr lang="zh-CN" sz="1400" kern="100" dirty="0">
+                        <a:effectLst/>
+                        <a:latin typeface="Times New Roman" panose="02020603050405020304" pitchFamily="18" charset="0"/>
+                        <a:ea typeface="宋体" panose="02010600030101010101" pitchFamily="2" charset="-122"/>
+                      </a:endParaRPr>
+                    </a:p>
+                  </a:txBody>
+                  <a:tcPr marL="68580" marR="68580" marT="0" marB="0"/>
+                </a:tc>
+              </a:tr>
+            </a:tbl>
+          </a:graphicData>
+        </a:graphic>
+      </p:graphicFrame>
+    </p:spTree>
+    <p:extLst>
+      <p:ext uri="{BB962C8B-B14F-4D97-AF65-F5344CB8AC3E}">
+        <p14:creationId xmlns:p14="http://schemas.microsoft.com/office/powerpoint/2010/main" val="3876613061"/>
+      </p:ext>
+    </p:extLst>
+  </p:cSld>
+  <p:clrMapOvr>
+    <a:masterClrMapping/>
+  </p:clrMapOvr>
+  <p:timing>
+    <p:tnLst>
+      <p:par>
+        <p:cTn id="1" dur="indefinite" restart="never" nodeType="tmRoot"/>
+      </p:par>
+    </p:tnLst>
+  </p:timing>
+</p:sld>
+</file>
+
+<file path=ppt/slides/slide24.xml><?xml version="1.0" encoding="utf-8"?>
+<p:sld xmlns:a="http://schemas.openxmlformats.org/drawingml/2006/main" xmlns:r="http://schemas.openxmlformats.org/officeDocument/2006/relationships" xmlns:p="http://schemas.openxmlformats.org/presentationml/2006/main">
+  <p:cSld>
+    <p:spTree>
+      <p:nvGrpSpPr>
+        <p:cNvPr id="1" name=""/>
+        <p:cNvGrpSpPr/>
+        <p:nvPr/>
+      </p:nvGrpSpPr>
+      <p:grpSpPr>
+        <a:xfrm>
+          <a:off x="0" y="0"/>
+          <a:ext cx="0" cy="0"/>
+          <a:chOff x="0" y="0"/>
+          <a:chExt cx="0" cy="0"/>
+        </a:xfrm>
+      </p:grpSpPr>
+      <p:sp>
+        <p:nvSpPr>
+          <p:cNvPr id="3" name="内容占位符 2"/>
+          <p:cNvSpPr>
+            <a:spLocks noGrp="1"/>
+          </p:cNvSpPr>
+          <p:nvPr>
+            <p:ph idx="1"/>
+          </p:nvPr>
+        </p:nvSpPr>
+        <p:spPr>
+          <a:xfrm>
+            <a:off x="468310" y="1311370"/>
+            <a:ext cx="8142287" cy="1114855"/>
+          </a:xfrm>
+        </p:spPr>
+        <p:txBody>
+          <a:bodyPr/>
+          <a:lstStyle/>
+          <a:p>
+            <a:r>
+              <a:rPr lang="zh-CN" altLang="en-US" sz="2400" dirty="0"/>
+              <a:t>数据集</a:t>
+            </a:r>
+            <a:endParaRPr lang="zh-CN" altLang="en-US" sz="1600" dirty="0" smtClean="0">
+              <a:latin typeface="Times New Roman" panose="02020603050405020304" pitchFamily="18" charset="0"/>
+              <a:ea typeface="宋体" panose="02010600030101010101" pitchFamily="2" charset="-122"/>
+            </a:endParaRPr>
+          </a:p>
+          <a:p>
+            <a:pPr marL="784225" lvl="1" indent="-342900">
+              <a:buFont typeface="Wingdings" panose="05000000000000000000" pitchFamily="2" charset="2"/>
+              <a:buChar char="p"/>
+            </a:pPr>
+            <a:r>
+              <a:rPr lang="zh-CN" altLang="en-US" sz="1800" dirty="0">
+                <a:latin typeface="Times New Roman" panose="02020603050405020304" pitchFamily="18" charset="0"/>
+                <a:ea typeface="楷体" panose="02010609060101010101" pitchFamily="49" charset="-122"/>
+                <a:cs typeface="Times New Roman" panose="02020603050405020304" pitchFamily="18" charset="0"/>
+              </a:rPr>
+              <a:t>训练</a:t>
+            </a:r>
+            <a:r>
+              <a:rPr lang="zh-CN" altLang="en-US" sz="1800" dirty="0" smtClean="0">
+                <a:latin typeface="Times New Roman" panose="02020603050405020304" pitchFamily="18" charset="0"/>
+                <a:ea typeface="楷体" panose="02010609060101010101" pitchFamily="49" charset="-122"/>
+                <a:cs typeface="Times New Roman" panose="02020603050405020304" pitchFamily="18" charset="0"/>
+              </a:rPr>
+              <a:t>集为上文获得的</a:t>
+            </a:r>
+            <a:r>
+              <a:rPr lang="en-US" altLang="zh-CN" sz="1800" dirty="0" smtClean="0">
+                <a:latin typeface="Times New Roman" panose="02020603050405020304" pitchFamily="18" charset="0"/>
+                <a:ea typeface="楷体" panose="02010609060101010101" pitchFamily="49" charset="-122"/>
+                <a:cs typeface="Times New Roman" panose="02020603050405020304" pitchFamily="18" charset="0"/>
+              </a:rPr>
+              <a:t>1607</a:t>
+            </a:r>
+            <a:r>
+              <a:rPr lang="zh-CN" altLang="en-US" sz="1800" dirty="0" smtClean="0">
+                <a:latin typeface="Times New Roman" panose="02020603050405020304" pitchFamily="18" charset="0"/>
+                <a:ea typeface="楷体" panose="02010609060101010101" pitchFamily="49" charset="-122"/>
+                <a:cs typeface="Times New Roman" panose="02020603050405020304" pitchFamily="18" charset="0"/>
+              </a:rPr>
+              <a:t>条关系语料库</a:t>
+            </a:r>
+            <a:endParaRPr lang="en-US" altLang="zh-CN" sz="1800" dirty="0" smtClean="0">
+              <a:latin typeface="Times New Roman" panose="02020603050405020304" pitchFamily="18" charset="0"/>
+              <a:ea typeface="楷体" panose="02010609060101010101" pitchFamily="49" charset="-122"/>
+              <a:cs typeface="Times New Roman" panose="02020603050405020304" pitchFamily="18" charset="0"/>
+            </a:endParaRPr>
+          </a:p>
+          <a:p>
+            <a:pPr marL="784225" lvl="1" indent="-342900">
+              <a:buFont typeface="Wingdings" panose="05000000000000000000" pitchFamily="2" charset="2"/>
+              <a:buChar char="p"/>
+            </a:pPr>
+            <a:r>
+              <a:rPr lang="zh-CN" altLang="en-US" sz="1800" dirty="0">
+                <a:latin typeface="Times New Roman" panose="02020603050405020304" pitchFamily="18" charset="0"/>
+                <a:ea typeface="楷体" panose="02010609060101010101" pitchFamily="49" charset="-122"/>
+                <a:cs typeface="Times New Roman" panose="02020603050405020304" pitchFamily="18" charset="0"/>
+              </a:rPr>
+              <a:t>测</a:t>
+            </a:r>
+            <a:r>
+              <a:rPr lang="zh-CN" altLang="en-US" sz="1800" dirty="0" smtClean="0">
+                <a:latin typeface="Times New Roman" panose="02020603050405020304" pitchFamily="18" charset="0"/>
+                <a:ea typeface="楷体" panose="02010609060101010101" pitchFamily="49" charset="-122"/>
+                <a:cs typeface="Times New Roman" panose="02020603050405020304" pitchFamily="18" charset="0"/>
+              </a:rPr>
+              <a:t>试集来自网易科技新闻频道</a:t>
+            </a:r>
+            <a:r>
+              <a:rPr lang="en-US" altLang="zh-CN" sz="1800" dirty="0" smtClean="0">
+                <a:latin typeface="Times New Roman" panose="02020603050405020304" pitchFamily="18" charset="0"/>
+                <a:ea typeface="楷体" panose="02010609060101010101" pitchFamily="49" charset="-122"/>
+                <a:cs typeface="Times New Roman" panose="02020603050405020304" pitchFamily="18" charset="0"/>
+              </a:rPr>
+              <a:t>100</a:t>
+            </a:r>
+            <a:r>
+              <a:rPr lang="zh-CN" altLang="en-US" sz="1800" dirty="0" smtClean="0">
+                <a:latin typeface="Times New Roman" panose="02020603050405020304" pitchFamily="18" charset="0"/>
+                <a:ea typeface="楷体" panose="02010609060101010101" pitchFamily="49" charset="-122"/>
+                <a:cs typeface="Times New Roman" panose="02020603050405020304" pitchFamily="18" charset="0"/>
+              </a:rPr>
+              <a:t>篇新闻</a:t>
+            </a:r>
+            <a:endParaRPr lang="en-US" altLang="zh-CN" sz="1800" dirty="0" smtClean="0">
+              <a:latin typeface="Times New Roman" panose="02020603050405020304" pitchFamily="18" charset="0"/>
+              <a:ea typeface="楷体" panose="02010609060101010101" pitchFamily="49" charset="-122"/>
+              <a:cs typeface="Times New Roman" panose="02020603050405020304" pitchFamily="18" charset="0"/>
+            </a:endParaRPr>
+          </a:p>
+          <a:p>
+            <a:pPr marL="784225" lvl="1" indent="-342900">
+              <a:buFont typeface="Wingdings" panose="05000000000000000000" pitchFamily="2" charset="2"/>
+              <a:buChar char="p"/>
+            </a:pPr>
+            <a:endParaRPr lang="en-US" altLang="zh-CN" sz="1800" dirty="0" smtClean="0">
+              <a:latin typeface="楷体" panose="02010609060101010101" pitchFamily="49" charset="-122"/>
+              <a:ea typeface="楷体" panose="02010609060101010101" pitchFamily="49" charset="-122"/>
+            </a:endParaRPr>
+          </a:p>
+        </p:txBody>
+      </p:sp>
+      <p:sp>
+        <p:nvSpPr>
+          <p:cNvPr id="4" name="日期占位符 3"/>
+          <p:cNvSpPr>
+            <a:spLocks noGrp="1"/>
+          </p:cNvSpPr>
+          <p:nvPr>
+            <p:ph type="dt" sz="half" idx="10"/>
+          </p:nvPr>
+        </p:nvSpPr>
+        <p:spPr/>
+        <p:txBody>
+          <a:bodyPr/>
+          <a:lstStyle/>
+          <a:p>
+            <a:fld id="{ECB25AA1-DAB0-4597-8B8E-0BCD3DF7FBD0}" type="datetime1">
+              <a:rPr lang="zh-CN" altLang="en-US" smtClean="0"/>
+              <a:t>2017/5/15</a:t>
+            </a:fld>
+            <a:endParaRPr lang="en-US" altLang="zh-CN" dirty="0"/>
+          </a:p>
+        </p:txBody>
+      </p:sp>
+      <p:sp>
+        <p:nvSpPr>
+          <p:cNvPr id="5" name="灯片编号占位符 4"/>
+          <p:cNvSpPr>
+            <a:spLocks noGrp="1"/>
+          </p:cNvSpPr>
+          <p:nvPr>
+            <p:ph type="sldNum" sz="quarter" idx="12"/>
+          </p:nvPr>
+        </p:nvSpPr>
+        <p:spPr/>
+        <p:txBody>
+          <a:bodyPr/>
+          <a:lstStyle/>
+          <a:p>
+            <a:fld id="{E9453B7F-F822-4520-92F2-0E2B7563B497}" type="slidenum">
+              <a:rPr lang="en-US" altLang="zh-CN" smtClean="0"/>
+              <a:pPr/>
+              <a:t>24</a:t>
+            </a:fld>
+            <a:endParaRPr lang="en-US" altLang="zh-CN"/>
+          </a:p>
+        </p:txBody>
+      </p:sp>
+      <p:sp>
+        <p:nvSpPr>
+          <p:cNvPr id="7" name="标题 1"/>
+          <p:cNvSpPr>
+            <a:spLocks noGrp="1"/>
+          </p:cNvSpPr>
+          <p:nvPr>
+            <p:ph type="title"/>
+          </p:nvPr>
+        </p:nvSpPr>
+        <p:spPr>
+          <a:xfrm>
+            <a:off x="1042988" y="404813"/>
+            <a:ext cx="5616575" cy="576262"/>
+          </a:xfrm>
+        </p:spPr>
+        <p:txBody>
+          <a:bodyPr/>
+          <a:lstStyle/>
+          <a:p>
+            <a:pPr algn="l"/>
+            <a:r>
+              <a:rPr lang="zh-CN" altLang="en-US" sz="2800" b="0" dirty="0">
+                <a:latin typeface="黑体" pitchFamily="49" charset="-122"/>
+                <a:ea typeface="黑体" pitchFamily="49" charset="-122"/>
+              </a:rPr>
+              <a:t>实</a:t>
+            </a:r>
+            <a:r>
+              <a:rPr lang="zh-CN" altLang="en-US" sz="2800" b="0" dirty="0" smtClean="0">
+                <a:latin typeface="黑体" pitchFamily="49" charset="-122"/>
+                <a:ea typeface="黑体" pitchFamily="49" charset="-122"/>
+              </a:rPr>
+              <a:t>验</a:t>
+            </a:r>
+            <a:endParaRPr lang="zh-CN" altLang="en-US" sz="2800" b="0" dirty="0">
+              <a:latin typeface="黑体" pitchFamily="49" charset="-122"/>
+              <a:ea typeface="黑体" pitchFamily="49" charset="-122"/>
+            </a:endParaRPr>
+          </a:p>
+        </p:txBody>
+      </p:sp>
+      <p:sp>
+        <p:nvSpPr>
+          <p:cNvPr id="9" name="内容占位符 2"/>
+          <p:cNvSpPr txBox="1">
+            <a:spLocks/>
+          </p:cNvSpPr>
+          <p:nvPr/>
+        </p:nvSpPr>
+        <p:spPr bwMode="auto">
+          <a:xfrm>
+            <a:off x="468310" y="2568874"/>
+            <a:ext cx="8142287" cy="2183805"/>
+          </a:xfrm>
+          <a:prstGeom prst="rect">
+            <a:avLst/>
+          </a:prstGeom>
+          <a:noFill/>
+          <a:ln>
+            <a:noFill/>
+          </a:ln>
+          <a:effectLst/>
+          <a:extLst>
+            <a:ext uri="{909E8E84-426E-40DD-AFC4-6F175D3DCCD1}">
+              <a14:hiddenFill xmlns:a14="http://schemas.microsoft.com/office/drawing/2010/main">
+                <a:solidFill>
+                  <a:schemeClr val="accent1"/>
+                </a:solidFill>
+              </a14:hiddenFill>
+            </a:ext>
+            <a:ext uri="{91240B29-F687-4F45-9708-019B960494DF}">
+              <a14:hiddenLine xmlns:a14="http://schemas.microsoft.com/office/drawing/2010/main" w="9525">
+                <a:solidFill>
+                  <a:schemeClr val="tx1"/>
+                </a:solidFill>
+                <a:miter lim="800000"/>
+                <a:headEnd/>
+                <a:tailEnd/>
+              </a14:hiddenLine>
+            </a:ext>
+            <a:ext uri="{AF507438-7753-43E0-B8FC-AC1667EBCBE1}">
+              <a14:hiddenEffects xmlns:a14="http://schemas.microsoft.com/office/drawing/2010/main">
+                <a:effectLst>
+                  <a:outerShdw dist="35921" dir="2700000" algn="ctr" rotWithShape="0">
+                    <a:schemeClr val="bg2"/>
+                  </a:outerShdw>
+                </a:effectLst>
+              </a14:hiddenEffects>
+            </a:ext>
+          </a:extLst>
+        </p:spPr>
+        <p:txBody>
+          <a:bodyPr vert="horz" wrap="square" lIns="91440" tIns="45720" rIns="91440" bIns="45720" numCol="1" anchor="t" anchorCtr="0" compatLnSpc="1">
+            <a:prstTxWarp prst="textNoShape">
+              <a:avLst/>
+            </a:prstTxWarp>
+          </a:bodyPr>
+          <a:lstStyle>
+            <a:lvl1pPr marL="447675" indent="-447675" algn="l" rtl="0" fontAlgn="base">
+              <a:spcBef>
+                <a:spcPct val="20000"/>
+              </a:spcBef>
+              <a:spcAft>
+                <a:spcPct val="0"/>
+              </a:spcAft>
+              <a:buClr>
+                <a:schemeClr val="accent1"/>
+              </a:buClr>
+              <a:buSzPct val="70000"/>
+              <a:buFont typeface="Wingdings" pitchFamily="2" charset="2"/>
+              <a:buChar char="n"/>
+              <a:defRPr sz="2800">
+                <a:solidFill>
+                  <a:schemeClr val="tx1"/>
+                </a:solidFill>
+                <a:latin typeface="微软雅黑" pitchFamily="34" charset="-122"/>
+                <a:ea typeface="微软雅黑" pitchFamily="34" charset="-122"/>
+                <a:cs typeface="+mn-cs"/>
+              </a:defRPr>
+            </a:lvl1pPr>
+            <a:lvl2pPr marL="889000" indent="-439738" algn="l" rtl="0" fontAlgn="base">
+              <a:spcBef>
+                <a:spcPct val="20000"/>
+              </a:spcBef>
+              <a:spcAft>
+                <a:spcPct val="0"/>
+              </a:spcAft>
+              <a:buClr>
+                <a:schemeClr val="hlink"/>
+              </a:buClr>
+              <a:buSzPct val="65000"/>
+              <a:buFont typeface="Wingdings" pitchFamily="2" charset="2"/>
+              <a:buChar char="¡"/>
+              <a:defRPr sz="2400">
+                <a:solidFill>
+                  <a:schemeClr val="tx1"/>
+                </a:solidFill>
+                <a:latin typeface="微软雅黑" pitchFamily="34" charset="-122"/>
+                <a:ea typeface="微软雅黑" pitchFamily="34" charset="-122"/>
+              </a:defRPr>
+            </a:lvl2pPr>
+            <a:lvl3pPr marL="1293813" indent="-403225" algn="l" rtl="0" fontAlgn="base">
+              <a:spcBef>
+                <a:spcPct val="20000"/>
+              </a:spcBef>
+              <a:spcAft>
+                <a:spcPct val="0"/>
+              </a:spcAft>
+              <a:buClr>
+                <a:schemeClr val="accent1"/>
+              </a:buClr>
+              <a:buSzPct val="70000"/>
+              <a:buFont typeface="Wingdings" pitchFamily="2" charset="2"/>
+              <a:buChar char="n"/>
+              <a:defRPr sz="2000">
+                <a:solidFill>
+                  <a:schemeClr val="tx1"/>
+                </a:solidFill>
+                <a:latin typeface="微软雅黑" pitchFamily="34" charset="-122"/>
+                <a:ea typeface="微软雅黑" pitchFamily="34" charset="-122"/>
+              </a:defRPr>
+            </a:lvl3pPr>
+            <a:lvl4pPr marL="1681163" indent="-385763" algn="l" rtl="0" fontAlgn="base">
+              <a:spcBef>
+                <a:spcPct val="20000"/>
+              </a:spcBef>
+              <a:spcAft>
+                <a:spcPct val="0"/>
+              </a:spcAft>
+              <a:buClr>
+                <a:schemeClr val="hlink"/>
+              </a:buClr>
+              <a:buSzPct val="75000"/>
+              <a:buFont typeface="Wingdings" pitchFamily="2" charset="2"/>
+              <a:buChar char="¡"/>
+              <a:defRPr>
+                <a:solidFill>
+                  <a:schemeClr val="tx1"/>
+                </a:solidFill>
+                <a:latin typeface="微软雅黑" pitchFamily="34" charset="-122"/>
+                <a:ea typeface="微软雅黑" pitchFamily="34" charset="-122"/>
+              </a:defRPr>
+            </a:lvl4pPr>
+            <a:lvl5pPr marL="2070100" indent="-387350" algn="l" rtl="0" fontAlgn="base">
+              <a:spcBef>
+                <a:spcPct val="20000"/>
+              </a:spcBef>
+              <a:spcAft>
+                <a:spcPct val="0"/>
+              </a:spcAft>
+              <a:buClr>
+                <a:schemeClr val="accent1"/>
+              </a:buClr>
+              <a:buSzPct val="70000"/>
+              <a:buFont typeface="Wingdings" pitchFamily="2" charset="2"/>
+              <a:buChar char="n"/>
+              <a:defRPr sz="1600">
+                <a:solidFill>
+                  <a:schemeClr val="tx1"/>
+                </a:solidFill>
+                <a:latin typeface="微软雅黑" pitchFamily="34" charset="-122"/>
+                <a:ea typeface="微软雅黑" pitchFamily="34" charset="-122"/>
+              </a:defRPr>
+            </a:lvl5pPr>
+            <a:lvl6pPr marL="2527300" indent="-387350" algn="l" rtl="0" fontAlgn="base">
+              <a:spcBef>
+                <a:spcPct val="20000"/>
+              </a:spcBef>
+              <a:spcAft>
+                <a:spcPct val="0"/>
+              </a:spcAft>
+              <a:buClr>
+                <a:schemeClr val="accent1"/>
+              </a:buClr>
+              <a:buSzPct val="70000"/>
+              <a:buFont typeface="Wingdings" pitchFamily="2" charset="2"/>
+              <a:buChar char="n"/>
+              <a:defRPr sz="1600">
+                <a:solidFill>
+                  <a:schemeClr val="tx1"/>
+                </a:solidFill>
+                <a:latin typeface="+mn-lt"/>
+                <a:ea typeface="+mn-ea"/>
+              </a:defRPr>
+            </a:lvl6pPr>
+            <a:lvl7pPr marL="2984500" indent="-387350" algn="l" rtl="0" fontAlgn="base">
+              <a:spcBef>
+                <a:spcPct val="20000"/>
+              </a:spcBef>
+              <a:spcAft>
+                <a:spcPct val="0"/>
+              </a:spcAft>
+              <a:buClr>
+                <a:schemeClr val="accent1"/>
+              </a:buClr>
+              <a:buSzPct val="70000"/>
+              <a:buFont typeface="Wingdings" pitchFamily="2" charset="2"/>
+              <a:buChar char="n"/>
+              <a:defRPr sz="1600">
+                <a:solidFill>
+                  <a:schemeClr val="tx1"/>
+                </a:solidFill>
+                <a:latin typeface="+mn-lt"/>
+                <a:ea typeface="+mn-ea"/>
+              </a:defRPr>
+            </a:lvl7pPr>
+            <a:lvl8pPr marL="3441700" indent="-387350" algn="l" rtl="0" fontAlgn="base">
+              <a:spcBef>
+                <a:spcPct val="20000"/>
+              </a:spcBef>
+              <a:spcAft>
+                <a:spcPct val="0"/>
+              </a:spcAft>
+              <a:buClr>
+                <a:schemeClr val="accent1"/>
+              </a:buClr>
+              <a:buSzPct val="70000"/>
+              <a:buFont typeface="Wingdings" pitchFamily="2" charset="2"/>
+              <a:buChar char="n"/>
+              <a:defRPr sz="1600">
+                <a:solidFill>
+                  <a:schemeClr val="tx1"/>
+                </a:solidFill>
+                <a:latin typeface="+mn-lt"/>
+                <a:ea typeface="+mn-ea"/>
+              </a:defRPr>
+            </a:lvl8pPr>
+            <a:lvl9pPr marL="3898900" indent="-387350" algn="l" rtl="0" fontAlgn="base">
+              <a:spcBef>
+                <a:spcPct val="20000"/>
+              </a:spcBef>
+              <a:spcAft>
+                <a:spcPct val="0"/>
+              </a:spcAft>
+              <a:buClr>
+                <a:schemeClr val="accent1"/>
+              </a:buClr>
+              <a:buSzPct val="70000"/>
+              <a:buFont typeface="Wingdings" pitchFamily="2" charset="2"/>
+              <a:buChar char="n"/>
+              <a:defRPr sz="1600">
+                <a:solidFill>
+                  <a:schemeClr val="tx1"/>
+                </a:solidFill>
+                <a:latin typeface="+mn-lt"/>
+                <a:ea typeface="+mn-ea"/>
+              </a:defRPr>
+            </a:lvl9pPr>
+          </a:lstStyle>
+          <a:p>
+            <a:r>
+              <a:rPr lang="zh-CN" altLang="en-US" sz="2400" kern="0" dirty="0" smtClean="0"/>
               <a:t>实</a:t>
             </a:r>
             <a:r>
               <a:rPr lang="zh-CN" altLang="en-US" sz="2400" kern="0" dirty="0" smtClean="0"/>
-              <a:t>验方法</a:t>
+              <a:t>验</a:t>
+            </a:r>
+            <a:r>
+              <a:rPr lang="zh-CN" altLang="en-US" sz="2400" kern="0" dirty="0"/>
+              <a:t>步骤</a:t>
             </a:r>
             <a:endParaRPr lang="en-US" altLang="zh-CN" sz="2400" kern="0" dirty="0"/>
           </a:p>
@@ -31723,46 +34218,6 @@
               <a:buFont typeface="Wingdings" panose="05000000000000000000" pitchFamily="2" charset="2"/>
               <a:buChar char="p"/>
             </a:pPr>
-            <a:r>
-              <a:rPr lang="zh-CN" altLang="en-US" sz="1800" kern="0" dirty="0" smtClean="0">
-                <a:latin typeface="Times New Roman" panose="02020603050405020304" pitchFamily="18" charset="0"/>
-                <a:ea typeface="楷体" panose="02010609060101010101" pitchFamily="49" charset="-122"/>
-                <a:cs typeface="Times New Roman" panose="02020603050405020304" pitchFamily="18" charset="0"/>
-              </a:rPr>
-              <a:t>按</a:t>
-            </a:r>
-            <a:r>
-              <a:rPr lang="en-US" altLang="zh-CN" sz="1800" kern="0" dirty="0" smtClean="0">
-                <a:latin typeface="Times New Roman" panose="02020603050405020304" pitchFamily="18" charset="0"/>
-                <a:ea typeface="楷体" panose="02010609060101010101" pitchFamily="49" charset="-122"/>
-                <a:cs typeface="Times New Roman" panose="02020603050405020304" pitchFamily="18" charset="0"/>
-              </a:rPr>
-              <a:t>3:1:1</a:t>
-            </a:r>
-            <a:r>
-              <a:rPr lang="zh-CN" altLang="en-US" sz="1800" kern="0" dirty="0" smtClean="0">
-                <a:latin typeface="Times New Roman" panose="02020603050405020304" pitchFamily="18" charset="0"/>
-                <a:ea typeface="楷体" panose="02010609060101010101" pitchFamily="49" charset="-122"/>
-                <a:cs typeface="Times New Roman" panose="02020603050405020304" pitchFamily="18" charset="0"/>
-              </a:rPr>
-              <a:t>的比例将数据划分为训练集、测试集、验证集，</a:t>
-            </a:r>
-            <a:r>
-              <a:rPr lang="en-US" altLang="zh-CN" sz="1800" kern="0" dirty="0" smtClean="0">
-                <a:latin typeface="Times New Roman" panose="02020603050405020304" pitchFamily="18" charset="0"/>
-                <a:ea typeface="楷体" panose="02010609060101010101" pitchFamily="49" charset="-122"/>
-                <a:cs typeface="Times New Roman" panose="02020603050405020304" pitchFamily="18" charset="0"/>
-              </a:rPr>
-              <a:t>5</a:t>
-            </a:r>
-            <a:r>
-              <a:rPr lang="zh-CN" altLang="en-US" sz="1800" kern="0" dirty="0" smtClean="0">
-                <a:latin typeface="Times New Roman" panose="02020603050405020304" pitchFamily="18" charset="0"/>
-                <a:ea typeface="楷体" panose="02010609060101010101" pitchFamily="49" charset="-122"/>
-                <a:cs typeface="Times New Roman" panose="02020603050405020304" pitchFamily="18" charset="0"/>
-              </a:rPr>
-              <a:t>折交叉验证；</a:t>
-            </a:r>
             <a:endParaRPr lang="en-US" altLang="zh-CN" sz="1800" kern="0" dirty="0" smtClean="0">
               <a:latin typeface="Times New Roman" panose="02020603050405020304" pitchFamily="18" charset="0"/>
               <a:ea typeface="楷体" panose="02010609060101010101" pitchFamily="49" charset="-122"/>
@@ -31777,115 +34232,457 @@
               <a:buFont typeface="Wingdings" panose="05000000000000000000" pitchFamily="2" charset="2"/>
               <a:buChar char="p"/>
             </a:pPr>
-            <a:r>
-              <a:rPr lang="zh-CN" altLang="en-US" sz="1800" kern="0" dirty="0">
-                <a:latin typeface="Times New Roman" panose="02020603050405020304" pitchFamily="18" charset="0"/>
-                <a:ea typeface="楷体" panose="02010609060101010101" pitchFamily="49" charset="-122"/>
-                <a:cs typeface="Times New Roman" panose="02020603050405020304" pitchFamily="18" charset="0"/>
-              </a:rPr>
-              <a:t>分别</a:t>
-            </a:r>
-            <a:r>
-              <a:rPr lang="zh-CN" altLang="en-US" sz="1800" kern="0" dirty="0" smtClean="0">
-                <a:latin typeface="Times New Roman" panose="02020603050405020304" pitchFamily="18" charset="0"/>
-                <a:ea typeface="楷体" panose="02010609060101010101" pitchFamily="49" charset="-122"/>
-                <a:cs typeface="Times New Roman" panose="02020603050405020304" pitchFamily="18" charset="0"/>
-              </a:rPr>
-              <a:t>计算模型的</a:t>
-            </a:r>
-            <a:r>
-              <a:rPr lang="en-US" altLang="zh-CN" sz="1800" kern="0" dirty="0" err="1" smtClean="0">
-                <a:latin typeface="Times New Roman" panose="02020603050405020304" pitchFamily="18" charset="0"/>
-                <a:ea typeface="楷体" panose="02010609060101010101" pitchFamily="49" charset="-122"/>
-                <a:cs typeface="Times New Roman" panose="02020603050405020304" pitchFamily="18" charset="0"/>
-              </a:rPr>
-              <a:t>P@k</a:t>
-            </a:r>
-            <a:r>
-              <a:rPr lang="zh-CN" altLang="en-US" sz="1800" kern="0" dirty="0" smtClean="0">
-                <a:latin typeface="Times New Roman" panose="02020603050405020304" pitchFamily="18" charset="0"/>
-                <a:ea typeface="楷体" panose="02010609060101010101" pitchFamily="49" charset="-122"/>
-                <a:cs typeface="Times New Roman" panose="02020603050405020304" pitchFamily="18" charset="0"/>
-              </a:rPr>
-              <a:t>、</a:t>
-            </a:r>
-            <a:r>
-              <a:rPr lang="en-US" altLang="zh-CN" sz="1800" kern="0" dirty="0" smtClean="0">
-                <a:latin typeface="Times New Roman" panose="02020603050405020304" pitchFamily="18" charset="0"/>
-                <a:ea typeface="楷体" panose="02010609060101010101" pitchFamily="49" charset="-122"/>
-                <a:cs typeface="Times New Roman" panose="02020603050405020304" pitchFamily="18" charset="0"/>
-              </a:rPr>
-              <a:t>MAP</a:t>
-            </a:r>
-            <a:r>
-              <a:rPr lang="zh-CN" altLang="en-US" sz="1800" kern="0" dirty="0" smtClean="0">
-                <a:latin typeface="Times New Roman" panose="02020603050405020304" pitchFamily="18" charset="0"/>
-                <a:ea typeface="楷体" panose="02010609060101010101" pitchFamily="49" charset="-122"/>
-                <a:cs typeface="Times New Roman" panose="02020603050405020304" pitchFamily="18" charset="0"/>
-              </a:rPr>
-              <a:t>、</a:t>
-            </a:r>
-            <a:r>
-              <a:rPr lang="en-US" altLang="zh-CN" sz="1800" kern="0" dirty="0" smtClean="0">
-                <a:latin typeface="Times New Roman" panose="02020603050405020304" pitchFamily="18" charset="0"/>
-                <a:ea typeface="楷体" panose="02010609060101010101" pitchFamily="49" charset="-122"/>
-                <a:cs typeface="Times New Roman" panose="02020603050405020304" pitchFamily="18" charset="0"/>
-              </a:rPr>
-              <a:t>NDCG</a:t>
-            </a:r>
-            <a:r>
-              <a:rPr lang="zh-CN" altLang="en-US" sz="1800" kern="0" dirty="0" smtClean="0">
-                <a:latin typeface="Times New Roman" panose="02020603050405020304" pitchFamily="18" charset="0"/>
-                <a:ea typeface="楷体" panose="02010609060101010101" pitchFamily="49" charset="-122"/>
-                <a:cs typeface="Times New Roman" panose="02020603050405020304" pitchFamily="18" charset="0"/>
-              </a:rPr>
-              <a:t>指标进行对比；</a:t>
-            </a:r>
-            <a:endParaRPr lang="en-US" altLang="zh-CN" sz="1800" kern="0" dirty="0" smtClean="0">
+            <a:endParaRPr lang="zh-CN" altLang="en-US" sz="1800" kern="0" dirty="0" smtClean="0">
               <a:latin typeface="Times New Roman" panose="02020603050405020304" pitchFamily="18" charset="0"/>
               <a:ea typeface="楷体" panose="02010609060101010101" pitchFamily="49" charset="-122"/>
               <a:cs typeface="Times New Roman" panose="02020603050405020304" pitchFamily="18" charset="0"/>
             </a:endParaRPr>
           </a:p>
-          <a:p>
-            <a:pPr lvl="1">
-              <a:lnSpc>
-                <a:spcPct val="150000"/>
-              </a:lnSpc>
-              <a:buFont typeface="Wingdings" panose="05000000000000000000" pitchFamily="2" charset="2"/>
-              <a:buChar char="p"/>
-            </a:pPr>
-            <a:r>
-              <a:rPr lang="zh-CN" altLang="en-US" sz="1800" kern="0" dirty="0" smtClean="0">
-                <a:latin typeface="Times New Roman" panose="02020603050405020304" pitchFamily="18" charset="0"/>
-                <a:ea typeface="楷体" panose="02010609060101010101" pitchFamily="49" charset="-122"/>
-                <a:cs typeface="Times New Roman" panose="02020603050405020304" pitchFamily="18" charset="0"/>
-              </a:rPr>
-              <a:t>与其他</a:t>
-            </a:r>
-            <a:r>
-              <a:rPr lang="en-US" altLang="zh-CN" sz="1800" kern="0" dirty="0" err="1" smtClean="0">
-                <a:latin typeface="Times New Roman" panose="02020603050405020304" pitchFamily="18" charset="0"/>
-                <a:ea typeface="楷体" panose="02010609060101010101" pitchFamily="49" charset="-122"/>
-                <a:cs typeface="Times New Roman" panose="02020603050405020304" pitchFamily="18" charset="0"/>
-              </a:rPr>
-              <a:t>Listwise</a:t>
-            </a:r>
-            <a:r>
-              <a:rPr lang="zh-CN" altLang="en-US" sz="1800" kern="0" dirty="0" smtClean="0">
-                <a:latin typeface="Times New Roman" panose="02020603050405020304" pitchFamily="18" charset="0"/>
-                <a:ea typeface="楷体" panose="02010609060101010101" pitchFamily="49" charset="-122"/>
-                <a:cs typeface="Times New Roman" panose="02020603050405020304" pitchFamily="18" charset="0"/>
-              </a:rPr>
-              <a:t>算法进行性能对比。</a:t>
-            </a:r>
-          </a:p>
         </p:txBody>
       </p:sp>
+      <mc:AlternateContent xmlns:mc="http://schemas.openxmlformats.org/markup-compatibility/2006">
+        <mc:Choice xmlns:a14="http://schemas.microsoft.com/office/drawing/2010/main" Requires="a14">
+          <p:sp>
+            <p:nvSpPr>
+              <p:cNvPr id="10" name="内容占位符 2"/>
+              <p:cNvSpPr txBox="1">
+                <a:spLocks/>
+              </p:cNvSpPr>
+              <p:nvPr/>
+            </p:nvSpPr>
+            <p:spPr bwMode="auto">
+              <a:xfrm>
+                <a:off x="468310" y="4653136"/>
+                <a:ext cx="8142287" cy="1152599"/>
+              </a:xfrm>
+              <a:prstGeom prst="rect">
+                <a:avLst/>
+              </a:prstGeom>
+              <a:noFill/>
+              <a:ln>
+                <a:noFill/>
+              </a:ln>
+              <a:effectLst/>
+              <a:extLst>
+                <a:ext uri="{909E8E84-426E-40DD-AFC4-6F175D3DCCD1}">
+                  <a14:hiddenFill>
+                    <a:solidFill>
+                      <a:schemeClr val="accent1"/>
+                    </a:solidFill>
+                  </a14:hiddenFill>
+                </a:ext>
+                <a:ext uri="{91240B29-F687-4F45-9708-019B960494DF}">
+                  <a14:hiddenLine w="9525">
+                    <a:solidFill>
+                      <a:schemeClr val="tx1"/>
+                    </a:solidFill>
+                    <a:miter lim="800000"/>
+                    <a:headEnd/>
+                    <a:tailEnd/>
+                  </a14:hiddenLine>
+                </a:ext>
+                <a:ext uri="{AF507438-7753-43E0-B8FC-AC1667EBCBE1}">
+                  <a14:hiddenEffects>
+                    <a:effectLst>
+                      <a:outerShdw dist="35921" dir="2700000" algn="ctr" rotWithShape="0">
+                        <a:schemeClr val="bg2"/>
+                      </a:outerShdw>
+                    </a:effectLst>
+                  </a14:hiddenEffects>
+                </a:ext>
+              </a:extLst>
+            </p:spPr>
+            <p:txBody>
+              <a:bodyPr vert="horz" wrap="square" lIns="91440" tIns="45720" rIns="91440" bIns="45720" numCol="1" anchor="t" anchorCtr="0" compatLnSpc="1">
+                <a:prstTxWarp prst="textNoShape">
+                  <a:avLst/>
+                </a:prstTxWarp>
+              </a:bodyPr>
+              <a:lstStyle>
+                <a:lvl1pPr marL="447675" indent="-447675" algn="l" rtl="0" fontAlgn="base">
+                  <a:spcBef>
+                    <a:spcPct val="20000"/>
+                  </a:spcBef>
+                  <a:spcAft>
+                    <a:spcPct val="0"/>
+                  </a:spcAft>
+                  <a:buClr>
+                    <a:schemeClr val="accent1"/>
+                  </a:buClr>
+                  <a:buSzPct val="70000"/>
+                  <a:buFont typeface="Wingdings" pitchFamily="2" charset="2"/>
+                  <a:buChar char="n"/>
+                  <a:defRPr sz="2800">
+                    <a:solidFill>
+                      <a:schemeClr val="tx1"/>
+                    </a:solidFill>
+                    <a:latin typeface="微软雅黑" pitchFamily="34" charset="-122"/>
+                    <a:ea typeface="微软雅黑" pitchFamily="34" charset="-122"/>
+                    <a:cs typeface="+mn-cs"/>
+                  </a:defRPr>
+                </a:lvl1pPr>
+                <a:lvl2pPr marL="889000" indent="-439738" algn="l" rtl="0" fontAlgn="base">
+                  <a:spcBef>
+                    <a:spcPct val="20000"/>
+                  </a:spcBef>
+                  <a:spcAft>
+                    <a:spcPct val="0"/>
+                  </a:spcAft>
+                  <a:buClr>
+                    <a:schemeClr val="hlink"/>
+                  </a:buClr>
+                  <a:buSzPct val="65000"/>
+                  <a:buFont typeface="Wingdings" pitchFamily="2" charset="2"/>
+                  <a:buChar char="¡"/>
+                  <a:defRPr sz="2400">
+                    <a:solidFill>
+                      <a:schemeClr val="tx1"/>
+                    </a:solidFill>
+                    <a:latin typeface="微软雅黑" pitchFamily="34" charset="-122"/>
+                    <a:ea typeface="微软雅黑" pitchFamily="34" charset="-122"/>
+                  </a:defRPr>
+                </a:lvl2pPr>
+                <a:lvl3pPr marL="1293813" indent="-403225" algn="l" rtl="0" fontAlgn="base">
+                  <a:spcBef>
+                    <a:spcPct val="20000"/>
+                  </a:spcBef>
+                  <a:spcAft>
+                    <a:spcPct val="0"/>
+                  </a:spcAft>
+                  <a:buClr>
+                    <a:schemeClr val="accent1"/>
+                  </a:buClr>
+                  <a:buSzPct val="70000"/>
+                  <a:buFont typeface="Wingdings" pitchFamily="2" charset="2"/>
+                  <a:buChar char="n"/>
+                  <a:defRPr sz="2000">
+                    <a:solidFill>
+                      <a:schemeClr val="tx1"/>
+                    </a:solidFill>
+                    <a:latin typeface="微软雅黑" pitchFamily="34" charset="-122"/>
+                    <a:ea typeface="微软雅黑" pitchFamily="34" charset="-122"/>
+                  </a:defRPr>
+                </a:lvl3pPr>
+                <a:lvl4pPr marL="1681163" indent="-385763" algn="l" rtl="0" fontAlgn="base">
+                  <a:spcBef>
+                    <a:spcPct val="20000"/>
+                  </a:spcBef>
+                  <a:spcAft>
+                    <a:spcPct val="0"/>
+                  </a:spcAft>
+                  <a:buClr>
+                    <a:schemeClr val="hlink"/>
+                  </a:buClr>
+                  <a:buSzPct val="75000"/>
+                  <a:buFont typeface="Wingdings" pitchFamily="2" charset="2"/>
+                  <a:buChar char="¡"/>
+                  <a:defRPr>
+                    <a:solidFill>
+                      <a:schemeClr val="tx1"/>
+                    </a:solidFill>
+                    <a:latin typeface="微软雅黑" pitchFamily="34" charset="-122"/>
+                    <a:ea typeface="微软雅黑" pitchFamily="34" charset="-122"/>
+                  </a:defRPr>
+                </a:lvl4pPr>
+                <a:lvl5pPr marL="2070100" indent="-387350" algn="l" rtl="0" fontAlgn="base">
+                  <a:spcBef>
+                    <a:spcPct val="20000"/>
+                  </a:spcBef>
+                  <a:spcAft>
+                    <a:spcPct val="0"/>
+                  </a:spcAft>
+                  <a:buClr>
+                    <a:schemeClr val="accent1"/>
+                  </a:buClr>
+                  <a:buSzPct val="70000"/>
+                  <a:buFont typeface="Wingdings" pitchFamily="2" charset="2"/>
+                  <a:buChar char="n"/>
+                  <a:defRPr sz="1600">
+                    <a:solidFill>
+                      <a:schemeClr val="tx1"/>
+                    </a:solidFill>
+                    <a:latin typeface="微软雅黑" pitchFamily="34" charset="-122"/>
+                    <a:ea typeface="微软雅黑" pitchFamily="34" charset="-122"/>
+                  </a:defRPr>
+                </a:lvl5pPr>
+                <a:lvl6pPr marL="2527300" indent="-387350" algn="l" rtl="0" fontAlgn="base">
+                  <a:spcBef>
+                    <a:spcPct val="20000"/>
+                  </a:spcBef>
+                  <a:spcAft>
+                    <a:spcPct val="0"/>
+                  </a:spcAft>
+                  <a:buClr>
+                    <a:schemeClr val="accent1"/>
+                  </a:buClr>
+                  <a:buSzPct val="70000"/>
+                  <a:buFont typeface="Wingdings" pitchFamily="2" charset="2"/>
+                  <a:buChar char="n"/>
+                  <a:defRPr sz="1600">
+                    <a:solidFill>
+                      <a:schemeClr val="tx1"/>
+                    </a:solidFill>
+                    <a:latin typeface="+mn-lt"/>
+                    <a:ea typeface="+mn-ea"/>
+                  </a:defRPr>
+                </a:lvl6pPr>
+                <a:lvl7pPr marL="2984500" indent="-387350" algn="l" rtl="0" fontAlgn="base">
+                  <a:spcBef>
+                    <a:spcPct val="20000"/>
+                  </a:spcBef>
+                  <a:spcAft>
+                    <a:spcPct val="0"/>
+                  </a:spcAft>
+                  <a:buClr>
+                    <a:schemeClr val="accent1"/>
+                  </a:buClr>
+                  <a:buSzPct val="70000"/>
+                  <a:buFont typeface="Wingdings" pitchFamily="2" charset="2"/>
+                  <a:buChar char="n"/>
+                  <a:defRPr sz="1600">
+                    <a:solidFill>
+                      <a:schemeClr val="tx1"/>
+                    </a:solidFill>
+                    <a:latin typeface="+mn-lt"/>
+                    <a:ea typeface="+mn-ea"/>
+                  </a:defRPr>
+                </a:lvl7pPr>
+                <a:lvl8pPr marL="3441700" indent="-387350" algn="l" rtl="0" fontAlgn="base">
+                  <a:spcBef>
+                    <a:spcPct val="20000"/>
+                  </a:spcBef>
+                  <a:spcAft>
+                    <a:spcPct val="0"/>
+                  </a:spcAft>
+                  <a:buClr>
+                    <a:schemeClr val="accent1"/>
+                  </a:buClr>
+                  <a:buSzPct val="70000"/>
+                  <a:buFont typeface="Wingdings" pitchFamily="2" charset="2"/>
+                  <a:buChar char="n"/>
+                  <a:defRPr sz="1600">
+                    <a:solidFill>
+                      <a:schemeClr val="tx1"/>
+                    </a:solidFill>
+                    <a:latin typeface="+mn-lt"/>
+                    <a:ea typeface="+mn-ea"/>
+                  </a:defRPr>
+                </a:lvl8pPr>
+                <a:lvl9pPr marL="3898900" indent="-387350" algn="l" rtl="0" fontAlgn="base">
+                  <a:spcBef>
+                    <a:spcPct val="20000"/>
+                  </a:spcBef>
+                  <a:spcAft>
+                    <a:spcPct val="0"/>
+                  </a:spcAft>
+                  <a:buClr>
+                    <a:schemeClr val="accent1"/>
+                  </a:buClr>
+                  <a:buSzPct val="70000"/>
+                  <a:buFont typeface="Wingdings" pitchFamily="2" charset="2"/>
+                  <a:buChar char="n"/>
+                  <a:defRPr sz="1600">
+                    <a:solidFill>
+                      <a:schemeClr val="tx1"/>
+                    </a:solidFill>
+                    <a:latin typeface="+mn-lt"/>
+                    <a:ea typeface="+mn-ea"/>
+                  </a:defRPr>
+                </a:lvl9pPr>
+              </a:lstStyle>
+              <a:p>
+                <a:r>
+                  <a:rPr lang="zh-CN" altLang="en-US" sz="2400" kern="0" dirty="0" smtClean="0"/>
+                  <a:t>评估标准</a:t>
+                </a:r>
+                <a:endParaRPr lang="en-US" altLang="zh-CN" sz="2400" kern="0" dirty="0" smtClean="0"/>
+              </a:p>
+              <a:p>
+                <a:pPr marL="784225" lvl="1" indent="-342900">
+                  <a:buFont typeface="Wingdings" panose="05000000000000000000" pitchFamily="2" charset="2"/>
+                  <a:buChar char="p"/>
+                </a:pPr>
+                <a:r>
+                  <a:rPr lang="zh-CN" altLang="en-US" sz="1800" dirty="0" smtClean="0">
+                    <a:latin typeface="Times New Roman" panose="02020603050405020304" pitchFamily="18" charset="0"/>
+                    <a:ea typeface="楷体" panose="02010609060101010101" pitchFamily="49" charset="-122"/>
+                    <a:cs typeface="Times New Roman" panose="02020603050405020304" pitchFamily="18" charset="0"/>
+                  </a:rPr>
+                  <a:t>准确率</a:t>
+                </a:r>
+                <a:r>
+                  <a:rPr lang="en-US" altLang="zh-CN" sz="1800" dirty="0" smtClean="0">
+                    <a:latin typeface="Times New Roman" panose="02020603050405020304" pitchFamily="18" charset="0"/>
+                    <a:ea typeface="楷体" panose="02010609060101010101" pitchFamily="49" charset="-122"/>
+                    <a:cs typeface="Times New Roman" panose="02020603050405020304" pitchFamily="18" charset="0"/>
+                  </a:rPr>
+                  <a:t>(</a:t>
+                </a:r>
+                <a14:m>
+                  <m:oMath xmlns:m="http://schemas.openxmlformats.org/officeDocument/2006/math">
+                    <m:r>
+                      <a:rPr lang="en-US" altLang="zh-CN" sz="1800" i="1" kern="0">
+                        <a:latin typeface="Cambria Math" panose="02040503050406030204" pitchFamily="18" charset="0"/>
+                        <a:ea typeface="楷体" panose="02010609060101010101" pitchFamily="49" charset="-122"/>
+                      </a:rPr>
+                      <m:t>𝑃𝑟𝑒𝑠𝑖𝑠𝑖𝑜𝑛</m:t>
+                    </m:r>
+                    <m:r>
+                      <a:rPr lang="en-US" altLang="zh-CN" sz="1800" b="0" i="1" kern="0" smtClean="0">
+                        <a:latin typeface="Cambria Math" panose="02040503050406030204" pitchFamily="18" charset="0"/>
+                        <a:ea typeface="楷体" panose="02010609060101010101" pitchFamily="49" charset="-122"/>
+                      </a:rPr>
+                      <m:t>)</m:t>
+                    </m:r>
+                  </m:oMath>
+                </a14:m>
+                <a:endParaRPr lang="en-US" altLang="zh-CN" sz="1800" dirty="0" smtClean="0">
+                  <a:latin typeface="Times New Roman" panose="02020603050405020304" pitchFamily="18" charset="0"/>
+                  <a:ea typeface="楷体" panose="02010609060101010101" pitchFamily="49" charset="-122"/>
+                  <a:cs typeface="Times New Roman" panose="02020603050405020304" pitchFamily="18" charset="0"/>
+                </a:endParaRPr>
+              </a:p>
+              <a:p>
+                <a:pPr marL="784225" lvl="1" indent="-342900">
+                  <a:buFont typeface="Wingdings" panose="05000000000000000000" pitchFamily="2" charset="2"/>
+                  <a:buChar char="p"/>
+                </a:pPr>
+                <a:r>
+                  <a:rPr lang="zh-CN" altLang="en-US" sz="1800" dirty="0" smtClean="0">
+                    <a:latin typeface="Times New Roman" panose="02020603050405020304" pitchFamily="18" charset="0"/>
+                    <a:ea typeface="楷体" panose="02010609060101010101" pitchFamily="49" charset="-122"/>
+                    <a:cs typeface="Times New Roman" panose="02020603050405020304" pitchFamily="18" charset="0"/>
+                  </a:rPr>
+                  <a:t>召回率</a:t>
+                </a:r>
+                <a:r>
+                  <a:rPr lang="en-US" altLang="zh-CN" sz="1800" dirty="0" smtClean="0">
+                    <a:latin typeface="Times New Roman" panose="02020603050405020304" pitchFamily="18" charset="0"/>
+                    <a:ea typeface="楷体" panose="02010609060101010101" pitchFamily="49" charset="-122"/>
+                    <a:cs typeface="Times New Roman" panose="02020603050405020304" pitchFamily="18" charset="0"/>
+                  </a:rPr>
+                  <a:t>(</a:t>
+                </a:r>
+                <a14:m>
+                  <m:oMath xmlns:m="http://schemas.openxmlformats.org/officeDocument/2006/math">
+                    <m:r>
+                      <a:rPr lang="en-US" altLang="zh-CN" sz="1800" i="1" kern="0">
+                        <a:latin typeface="Cambria Math" panose="02040503050406030204" pitchFamily="18" charset="0"/>
+                        <a:ea typeface="楷体" panose="02010609060101010101" pitchFamily="49" charset="-122"/>
+                      </a:rPr>
+                      <m:t>𝑅𝑒𝑐𝑎𝑙𝑙</m:t>
+                    </m:r>
+                  </m:oMath>
+                </a14:m>
+                <a:r>
+                  <a:rPr lang="en-US" altLang="zh-CN" sz="1800" dirty="0" smtClean="0">
+                    <a:latin typeface="Times New Roman" panose="02020603050405020304" pitchFamily="18" charset="0"/>
+                    <a:ea typeface="楷体" panose="02010609060101010101" pitchFamily="49" charset="-122"/>
+                    <a:cs typeface="Times New Roman" panose="02020603050405020304" pitchFamily="18" charset="0"/>
+                  </a:rPr>
+                  <a:t>)</a:t>
+                </a:r>
+                <a:endParaRPr lang="zh-CN" altLang="en-US" sz="1600" kern="0" dirty="0" smtClean="0">
+                  <a:latin typeface="Times New Roman" panose="02020603050405020304" pitchFamily="18" charset="0"/>
+                  <a:ea typeface="宋体" panose="02010600030101010101" pitchFamily="2" charset="-122"/>
+                </a:endParaRPr>
+              </a:p>
+              <a:p>
+                <a:pPr marL="441325" lvl="1" indent="0">
+                  <a:buNone/>
+                </a:pPr>
+                <a:endParaRPr lang="en-US" altLang="zh-CN" sz="1800" b="0" kern="0" dirty="0" smtClean="0">
+                  <a:latin typeface="楷体" panose="02010609060101010101" pitchFamily="49" charset="-122"/>
+                  <a:ea typeface="楷体" panose="02010609060101010101" pitchFamily="49" charset="-122"/>
+                </a:endParaRPr>
+              </a:p>
+              <a:p>
+                <a:pPr marL="441325" lvl="1" indent="0">
+                  <a:buNone/>
+                </a:pPr>
+                <a:endParaRPr lang="en-US" altLang="zh-CN" sz="1800" kern="0" dirty="0" smtClean="0">
+                  <a:latin typeface="楷体" panose="02010609060101010101" pitchFamily="49" charset="-122"/>
+                  <a:ea typeface="楷体" panose="02010609060101010101" pitchFamily="49" charset="-122"/>
+                </a:endParaRPr>
+              </a:p>
+            </p:txBody>
+          </p:sp>
+        </mc:Choice>
+        <mc:Fallback>
+          <p:sp>
+            <p:nvSpPr>
+              <p:cNvPr id="10" name="内容占位符 2"/>
+              <p:cNvSpPr txBox="1">
+                <a:spLocks noRot="1" noChangeAspect="1" noMove="1" noResize="1" noEditPoints="1" noAdjustHandles="1" noChangeArrowheads="1" noChangeShapeType="1" noTextEdit="1"/>
+              </p:cNvSpPr>
+              <p:nvPr/>
+            </p:nvSpPr>
+            <p:spPr bwMode="auto">
+              <a:xfrm>
+                <a:off x="468310" y="4653136"/>
+                <a:ext cx="8142287" cy="1152599"/>
+              </a:xfrm>
+              <a:prstGeom prst="rect">
+                <a:avLst/>
+              </a:prstGeom>
+              <a:blipFill rotWithShape="0">
+                <a:blip r:embed="rId3"/>
+                <a:stretch>
+                  <a:fillRect l="-375" t="-4233" b="-5820"/>
+                </a:stretch>
+              </a:blipFill>
+              <a:ln>
+                <a:noFill/>
+              </a:ln>
+              <a:effectLst/>
+              <a:extLst>
+                <a:ext uri="{909E8E84-426E-40DD-AFC4-6F175D3DCCD1}">
+                  <a14:hiddenFill xmlns:a14="http://schemas.microsoft.com/office/drawing/2010/main">
+                    <a:solidFill>
+                      <a:schemeClr val="accent1"/>
+                    </a:solidFill>
+                  </a14:hiddenFill>
+                </a:ext>
+                <a:ext uri="{91240B29-F687-4F45-9708-019B960494DF}">
+                  <a14:hiddenLine xmlns:a14="http://schemas.microsoft.com/office/drawing/2010/main" w="9525">
+                    <a:solidFill>
+                      <a:schemeClr val="tx1"/>
+                    </a:solidFill>
+                    <a:miter lim="800000"/>
+                    <a:headEnd/>
+                    <a:tailEnd/>
+                  </a14:hiddenLine>
+                </a:ext>
+                <a:ext uri="{AF507438-7753-43E0-B8FC-AC1667EBCBE1}">
+                  <a14:hiddenEffects xmlns:a14="http://schemas.microsoft.com/office/drawing/2010/main">
+                    <a:effectLst>
+                      <a:outerShdw dist="35921" dir="2700000" algn="ctr" rotWithShape="0">
+                        <a:schemeClr val="bg2"/>
+                      </a:outerShdw>
+                    </a:effectLst>
+                  </a14:hiddenEffects>
+                </a:ext>
+              </a:extLst>
+            </p:spPr>
+            <p:txBody>
+              <a:bodyPr/>
+              <a:lstStyle/>
+              <a:p>
+                <a:r>
+                  <a:rPr lang="zh-CN" altLang="en-US">
+                    <a:noFill/>
+                  </a:rPr>
+                  <a:t> </a:t>
+                </a:r>
+              </a:p>
+            </p:txBody>
+          </p:sp>
+        </mc:Fallback>
+      </mc:AlternateContent>
     </p:spTree>
     <p:extLst>
       <p:ext uri="{BB962C8B-B14F-4D97-AF65-F5344CB8AC3E}">
-        <p14:creationId xmlns:p14="http://schemas.microsoft.com/office/powerpoint/2010/main" val="628749999"/>
+        <p14:creationId xmlns:p14="http://schemas.microsoft.com/office/powerpoint/2010/main" val="1885999127"/>
       </p:ext>
     </p:extLst>
   </p:cSld>
@@ -31910,7 +34707,190 @@
 </p:sld>
 </file>
 
-<file path=ppt/slides/slide21.xml><?xml version="1.0" encoding="utf-8"?>
+<file path=ppt/slides/slide25.xml><?xml version="1.0" encoding="utf-8"?>
+<p:sld xmlns:a="http://schemas.openxmlformats.org/drawingml/2006/main" xmlns:r="http://schemas.openxmlformats.org/officeDocument/2006/relationships" xmlns:p="http://schemas.openxmlformats.org/presentationml/2006/main">
+  <p:cSld>
+    <p:spTree>
+      <p:nvGrpSpPr>
+        <p:cNvPr id="1" name=""/>
+        <p:cNvGrpSpPr/>
+        <p:nvPr/>
+      </p:nvGrpSpPr>
+      <p:grpSpPr>
+        <a:xfrm>
+          <a:off x="0" y="0"/>
+          <a:ext cx="0" cy="0"/>
+          <a:chOff x="0" y="0"/>
+          <a:chExt cx="0" cy="0"/>
+        </a:xfrm>
+      </p:grpSpPr>
+      <p:sp>
+        <p:nvSpPr>
+          <p:cNvPr id="3" name="内容占位符 2"/>
+          <p:cNvSpPr>
+            <a:spLocks noGrp="1"/>
+          </p:cNvSpPr>
+          <p:nvPr>
+            <p:ph idx="1"/>
+          </p:nvPr>
+        </p:nvSpPr>
+        <p:spPr>
+          <a:xfrm>
+            <a:off x="468310" y="1311370"/>
+            <a:ext cx="8142287" cy="1114855"/>
+          </a:xfrm>
+        </p:spPr>
+        <p:txBody>
+          <a:bodyPr/>
+          <a:lstStyle/>
+          <a:p>
+            <a:r>
+              <a:rPr lang="zh-CN" altLang="en-US" sz="2400" dirty="0"/>
+              <a:t>实</a:t>
+            </a:r>
+            <a:r>
+              <a:rPr lang="zh-CN" altLang="en-US" sz="2400" dirty="0" smtClean="0"/>
+              <a:t>验</a:t>
+            </a:r>
+            <a:r>
+              <a:rPr lang="zh-CN" altLang="en-US" sz="2400" dirty="0"/>
+              <a:t>结果</a:t>
+            </a:r>
+            <a:endParaRPr lang="zh-CN" altLang="en-US" sz="1600" dirty="0" smtClean="0">
+              <a:latin typeface="Times New Roman" panose="02020603050405020304" pitchFamily="18" charset="0"/>
+              <a:ea typeface="宋体" panose="02010600030101010101" pitchFamily="2" charset="-122"/>
+            </a:endParaRPr>
+          </a:p>
+          <a:p>
+            <a:pPr marL="784225" lvl="1" indent="-342900">
+              <a:buFont typeface="Wingdings" panose="05000000000000000000" pitchFamily="2" charset="2"/>
+              <a:buChar char="p"/>
+            </a:pPr>
+            <a:endParaRPr lang="en-US" altLang="zh-CN" sz="1800" dirty="0" smtClean="0">
+              <a:latin typeface="楷体" panose="02010609060101010101" pitchFamily="49" charset="-122"/>
+              <a:ea typeface="楷体" panose="02010609060101010101" pitchFamily="49" charset="-122"/>
+            </a:endParaRPr>
+          </a:p>
+        </p:txBody>
+      </p:sp>
+      <p:sp>
+        <p:nvSpPr>
+          <p:cNvPr id="4" name="日期占位符 3"/>
+          <p:cNvSpPr>
+            <a:spLocks noGrp="1"/>
+          </p:cNvSpPr>
+          <p:nvPr>
+            <p:ph type="dt" sz="half" idx="10"/>
+          </p:nvPr>
+        </p:nvSpPr>
+        <p:spPr/>
+        <p:txBody>
+          <a:bodyPr/>
+          <a:lstStyle/>
+          <a:p>
+            <a:fld id="{ECB25AA1-DAB0-4597-8B8E-0BCD3DF7FBD0}" type="datetime1">
+              <a:rPr lang="zh-CN" altLang="en-US" smtClean="0"/>
+              <a:t>2017/5/15</a:t>
+            </a:fld>
+            <a:endParaRPr lang="en-US" altLang="zh-CN" dirty="0"/>
+          </a:p>
+        </p:txBody>
+      </p:sp>
+      <p:sp>
+        <p:nvSpPr>
+          <p:cNvPr id="5" name="灯片编号占位符 4"/>
+          <p:cNvSpPr>
+            <a:spLocks noGrp="1"/>
+          </p:cNvSpPr>
+          <p:nvPr>
+            <p:ph type="sldNum" sz="quarter" idx="12"/>
+          </p:nvPr>
+        </p:nvSpPr>
+        <p:spPr/>
+        <p:txBody>
+          <a:bodyPr/>
+          <a:lstStyle/>
+          <a:p>
+            <a:fld id="{E9453B7F-F822-4520-92F2-0E2B7563B497}" type="slidenum">
+              <a:rPr lang="en-US" altLang="zh-CN" smtClean="0"/>
+              <a:pPr/>
+              <a:t>25</a:t>
+            </a:fld>
+            <a:endParaRPr lang="en-US" altLang="zh-CN"/>
+          </a:p>
+        </p:txBody>
+      </p:sp>
+      <p:sp>
+        <p:nvSpPr>
+          <p:cNvPr id="7" name="标题 1"/>
+          <p:cNvSpPr>
+            <a:spLocks noGrp="1"/>
+          </p:cNvSpPr>
+          <p:nvPr>
+            <p:ph type="title"/>
+          </p:nvPr>
+        </p:nvSpPr>
+        <p:spPr>
+          <a:xfrm>
+            <a:off x="1042988" y="404813"/>
+            <a:ext cx="5616575" cy="576262"/>
+          </a:xfrm>
+        </p:spPr>
+        <p:txBody>
+          <a:bodyPr/>
+          <a:lstStyle/>
+          <a:p>
+            <a:pPr algn="l"/>
+            <a:r>
+              <a:rPr lang="zh-CN" altLang="en-US" sz="2800" b="0" dirty="0">
+                <a:latin typeface="黑体" pitchFamily="49" charset="-122"/>
+                <a:ea typeface="黑体" pitchFamily="49" charset="-122"/>
+              </a:rPr>
+              <a:t>实</a:t>
+            </a:r>
+            <a:r>
+              <a:rPr lang="zh-CN" altLang="en-US" sz="2800" b="0" dirty="0" smtClean="0">
+                <a:latin typeface="黑体" pitchFamily="49" charset="-122"/>
+                <a:ea typeface="黑体" pitchFamily="49" charset="-122"/>
+              </a:rPr>
+              <a:t>验</a:t>
+            </a:r>
+            <a:endParaRPr lang="zh-CN" altLang="en-US" sz="2800" b="0" dirty="0">
+              <a:latin typeface="黑体" pitchFamily="49" charset="-122"/>
+              <a:ea typeface="黑体" pitchFamily="49" charset="-122"/>
+            </a:endParaRPr>
+          </a:p>
+        </p:txBody>
+      </p:sp>
+    </p:spTree>
+    <p:extLst>
+      <p:ext uri="{BB962C8B-B14F-4D97-AF65-F5344CB8AC3E}">
+        <p14:creationId xmlns:p14="http://schemas.microsoft.com/office/powerpoint/2010/main" val="3352089109"/>
+      </p:ext>
+    </p:extLst>
+  </p:cSld>
+  <p:clrMapOvr>
+    <a:masterClrMapping/>
+  </p:clrMapOvr>
+  <mc:AlternateContent xmlns:mc="http://schemas.openxmlformats.org/markup-compatibility/2006" xmlns:p14="http://schemas.microsoft.com/office/powerpoint/2010/main">
+    <mc:Choice Requires="p14">
+      <p:transition spd="slow" p14:dur="2000"/>
+    </mc:Choice>
+    <mc:Fallback xmlns="">
+      <p:transition spd="slow"/>
+    </mc:Fallback>
+  </mc:AlternateContent>
+  <p:timing>
+    <p:tnLst>
+      <p:par>
+        <p:cTn id="1" dur="indefinite" restart="never" nodeType="tmRoot"/>
+      </p:par>
+    </p:tnLst>
+  </p:timing>
+</p:sld>
+</file>
+
+<file path=ppt/slides/slide26.xml><?xml version="1.0" encoding="utf-8"?>
 <p:sld xmlns:a="http://schemas.openxmlformats.org/drawingml/2006/main" xmlns:r="http://schemas.openxmlformats.org/officeDocument/2006/relationships" xmlns:p="http://schemas.openxmlformats.org/presentationml/2006/main">
   <p:cSld>
     <p:spTree>
@@ -31999,7 +34979,7 @@
 </p:sld>
 </file>
 
-<file path=ppt/slides/slide22.xml><?xml version="1.0" encoding="utf-8"?>
+<file path=ppt/slides/slide27.xml><?xml version="1.0" encoding="utf-8"?>
 <p:sld xmlns:a="http://schemas.openxmlformats.org/drawingml/2006/main" xmlns:r="http://schemas.openxmlformats.org/officeDocument/2006/relationships" xmlns:p="http://schemas.openxmlformats.org/presentationml/2006/main">
   <p:cSld>
     <p:spTree>
@@ -32186,7 +35166,15 @@
                 <a:ea typeface="楷体" panose="02010609060101010101" pitchFamily="49" charset="-122"/>
                 <a:cs typeface="Times New Roman" panose="02020603050405020304" pitchFamily="18" charset="0"/>
               </a:rPr>
-              <a:t>作基础上，结合网页正文提取、命名实体识别等关键技术，实现了面向互联网新闻文本的企业关系的抽取</a:t>
+              <a:t>作基础上，结合网页正文提取、命名实体识别等关键技术，实现了面向互联网新闻文本的企业关系的抽</a:t>
+            </a:r>
+            <a:r>
+              <a:rPr lang="zh-CN" altLang="en-US" sz="1800" dirty="0" smtClean="0">
+                <a:latin typeface="Times New Roman" panose="02020603050405020304" pitchFamily="18" charset="0"/>
+                <a:ea typeface="楷体" panose="02010609060101010101" pitchFamily="49" charset="-122"/>
+                <a:cs typeface="Times New Roman" panose="02020603050405020304" pitchFamily="18" charset="0"/>
+              </a:rPr>
+              <a:t>取。</a:t>
             </a:r>
             <a:endParaRPr lang="en-US" altLang="zh-CN" sz="1800" dirty="0" smtClean="0">
               <a:latin typeface="Times New Roman" panose="02020603050405020304" pitchFamily="18" charset="0"/>
@@ -32213,7 +35201,7 @@
           <a:p>
             <a:fld id="{ECB25AA1-DAB0-4597-8B8E-0BCD3DF7FBD0}" type="datetime1">
               <a:rPr lang="zh-CN" altLang="en-US" smtClean="0"/>
-              <a:t>2017/5/14</a:t>
+              <a:t>2017/5/15</a:t>
             </a:fld>
             <a:endParaRPr lang="en-US" altLang="zh-CN" dirty="0"/>
           </a:p>
@@ -32237,7 +35225,7 @@
             <a:fld id="{E9453B7F-F822-4520-92F2-0E2B7563B497}" type="slidenum">
               <a:rPr lang="en-US" altLang="zh-CN" smtClean="0"/>
               <a:pPr/>
-              <a:t>22</a:t>
+              <a:t>27</a:t>
             </a:fld>
             <a:endParaRPr lang="en-US" altLang="zh-CN"/>
           </a:p>
@@ -32306,7 +35294,7 @@
 </p:sld>
 </file>
 
-<file path=ppt/slides/slide23.xml><?xml version="1.0" encoding="utf-8"?>
+<file path=ppt/slides/slide28.xml><?xml version="1.0" encoding="utf-8"?>
 <p:sld xmlns:a="http://schemas.openxmlformats.org/drawingml/2006/main" xmlns:r="http://schemas.openxmlformats.org/officeDocument/2006/relationships" xmlns:p="http://schemas.openxmlformats.org/presentationml/2006/main">
   <p:cSld>
     <p:spTree>
@@ -32430,7 +35418,7 @@
           <a:p>
             <a:fld id="{ECB25AA1-DAB0-4597-8B8E-0BCD3DF7FBD0}" type="datetime1">
               <a:rPr lang="zh-CN" altLang="en-US" smtClean="0"/>
-              <a:t>2017/5/14</a:t>
+              <a:t>2017/5/15</a:t>
             </a:fld>
             <a:endParaRPr lang="en-US" altLang="zh-CN" dirty="0"/>
           </a:p>
@@ -32454,7 +35442,7 @@
             <a:fld id="{E9453B7F-F822-4520-92F2-0E2B7563B497}" type="slidenum">
               <a:rPr lang="en-US" altLang="zh-CN" smtClean="0"/>
               <a:pPr/>
-              <a:t>23</a:t>
+              <a:t>28</a:t>
             </a:fld>
             <a:endParaRPr lang="en-US" altLang="zh-CN"/>
           </a:p>
@@ -32523,7 +35511,7 @@
 </p:sld>
 </file>
 
-<file path=ppt/slides/slide24.xml><?xml version="1.0" encoding="utf-8"?>
+<file path=ppt/slides/slide29.xml><?xml version="1.0" encoding="utf-8"?>
 <p:sld xmlns:a="http://schemas.openxmlformats.org/drawingml/2006/main" xmlns:r="http://schemas.openxmlformats.org/officeDocument/2006/relationships" xmlns:p="http://schemas.openxmlformats.org/presentationml/2006/main">
   <p:cSld>
     <p:spTree>
@@ -32621,14 +35609,7 @@
                 <a:latin typeface="楷体" panose="02010609060101010101" pitchFamily="49" charset="-122"/>
                 <a:ea typeface="楷体" panose="02010609060101010101" pitchFamily="49" charset="-122"/>
               </a:rPr>
-              <a:t>    </a:t>
-            </a:r>
-            <a:r>
-              <a:rPr lang="en-US" altLang="zh-CN" sz="1600" dirty="0" smtClean="0">
-                <a:latin typeface="楷体" panose="02010609060101010101" pitchFamily="49" charset="-122"/>
-                <a:ea typeface="楷体" panose="02010609060101010101" pitchFamily="49" charset="-122"/>
-              </a:rPr>
-              <a:t>[1</a:t>
+              <a:t>    [1</a:t>
             </a:r>
             <a:r>
               <a:rPr lang="en-US" altLang="zh-CN" sz="1600" dirty="0">
@@ -32905,7 +35886,104 @@
 </p:sld>
 </file>
 
-<file path=ppt/slides/slide25.xml><?xml version="1.0" encoding="utf-8"?>
+<file path=ppt/slides/slide3.xml><?xml version="1.0" encoding="utf-8"?>
+<p:sld xmlns:a="http://schemas.openxmlformats.org/drawingml/2006/main" xmlns:r="http://schemas.openxmlformats.org/officeDocument/2006/relationships" xmlns:p="http://schemas.openxmlformats.org/presentationml/2006/main">
+  <p:cSld>
+    <p:spTree>
+      <p:nvGrpSpPr>
+        <p:cNvPr id="1" name=""/>
+        <p:cNvGrpSpPr/>
+        <p:nvPr/>
+      </p:nvGrpSpPr>
+      <p:grpSpPr>
+        <a:xfrm>
+          <a:off x="0" y="0"/>
+          <a:ext cx="0" cy="0"/>
+          <a:chOff x="0" y="0"/>
+          <a:chExt cx="0" cy="0"/>
+        </a:xfrm>
+      </p:grpSpPr>
+      <p:sp>
+        <p:nvSpPr>
+          <p:cNvPr id="2" name="标题 1"/>
+          <p:cNvSpPr>
+            <a:spLocks noGrp="1"/>
+          </p:cNvSpPr>
+          <p:nvPr>
+            <p:ph type="title"/>
+          </p:nvPr>
+        </p:nvSpPr>
+        <p:spPr/>
+        <p:txBody>
+          <a:bodyPr/>
+          <a:lstStyle/>
+          <a:p>
+            <a:pPr algn="l"/>
+            <a:r>
+              <a:rPr lang="zh-CN" altLang="en-US" b="0" dirty="0" smtClean="0">
+                <a:latin typeface="黑体" pitchFamily="49" charset="-122"/>
+                <a:ea typeface="黑体" pitchFamily="49" charset="-122"/>
+              </a:rPr>
+              <a:t>报告提纲</a:t>
+            </a:r>
+            <a:endParaRPr lang="zh-CN" altLang="en-US" b="0" dirty="0">
+              <a:latin typeface="黑体" pitchFamily="49" charset="-122"/>
+              <a:ea typeface="黑体" pitchFamily="49" charset="-122"/>
+            </a:endParaRPr>
+          </a:p>
+        </p:txBody>
+      </p:sp>
+      <p:graphicFrame>
+        <p:nvGraphicFramePr>
+          <p:cNvPr id="4" name="图示 3"/>
+          <p:cNvGraphicFramePr/>
+          <p:nvPr>
+            <p:extLst>
+              <p:ext uri="{D42A27DB-BD31-4B8C-83A1-F6EECF244321}">
+                <p14:modId xmlns:p14="http://schemas.microsoft.com/office/powerpoint/2010/main" val="4242732698"/>
+              </p:ext>
+            </p:extLst>
+          </p:nvPr>
+        </p:nvGraphicFramePr>
+        <p:xfrm>
+          <a:off x="611560" y="1556792"/>
+          <a:ext cx="7488832" cy="3888432"/>
+        </p:xfrm>
+        <a:graphic>
+          <a:graphicData uri="http://schemas.openxmlformats.org/drawingml/2006/diagram">
+            <dgm:relIds xmlns:dgm="http://schemas.openxmlformats.org/drawingml/2006/diagram" xmlns:r="http://schemas.openxmlformats.org/officeDocument/2006/relationships" r:dm="rId3" r:lo="rId4" r:qs="rId5" r:cs="rId6"/>
+          </a:graphicData>
+        </a:graphic>
+      </p:graphicFrame>
+    </p:spTree>
+    <p:extLst>
+      <p:ext uri="{BB962C8B-B14F-4D97-AF65-F5344CB8AC3E}">
+        <p14:creationId xmlns:p14="http://schemas.microsoft.com/office/powerpoint/2010/main" val="53093502"/>
+      </p:ext>
+    </p:extLst>
+  </p:cSld>
+  <p:clrMapOvr>
+    <a:masterClrMapping/>
+  </p:clrMapOvr>
+  <mc:AlternateContent xmlns:mc="http://schemas.openxmlformats.org/markup-compatibility/2006" xmlns:p14="http://schemas.microsoft.com/office/powerpoint/2010/main">
+    <mc:Choice Requires="p14">
+      <p:transition spd="slow" p14:dur="2000"/>
+    </mc:Choice>
+    <mc:Fallback xmlns="">
+      <p:transition spd="slow"/>
+    </mc:Fallback>
+  </mc:AlternateContent>
+  <p:timing>
+    <p:tnLst>
+      <p:par>
+        <p:cTn id="1" dur="indefinite" restart="never" nodeType="tmRoot"/>
+      </p:par>
+    </p:tnLst>
+  </p:timing>
+</p:sld>
+</file>
+
+<file path=ppt/slides/slide30.xml><?xml version="1.0" encoding="utf-8"?>
 <p:sld xmlns:a="http://schemas.openxmlformats.org/drawingml/2006/main" xmlns:r="http://schemas.openxmlformats.org/officeDocument/2006/relationships" xmlns:p="http://schemas.openxmlformats.org/presentationml/2006/main">
   <p:cSld>
     <p:spTree>
@@ -33003,103 +36081,6 @@
 </p:sld>
 </file>
 
-<file path=ppt/slides/slide3.xml><?xml version="1.0" encoding="utf-8"?>
-<p:sld xmlns:a="http://schemas.openxmlformats.org/drawingml/2006/main" xmlns:r="http://schemas.openxmlformats.org/officeDocument/2006/relationships" xmlns:p="http://schemas.openxmlformats.org/presentationml/2006/main">
-  <p:cSld>
-    <p:spTree>
-      <p:nvGrpSpPr>
-        <p:cNvPr id="1" name=""/>
-        <p:cNvGrpSpPr/>
-        <p:nvPr/>
-      </p:nvGrpSpPr>
-      <p:grpSpPr>
-        <a:xfrm>
-          <a:off x="0" y="0"/>
-          <a:ext cx="0" cy="0"/>
-          <a:chOff x="0" y="0"/>
-          <a:chExt cx="0" cy="0"/>
-        </a:xfrm>
-      </p:grpSpPr>
-      <p:sp>
-        <p:nvSpPr>
-          <p:cNvPr id="2" name="标题 1"/>
-          <p:cNvSpPr>
-            <a:spLocks noGrp="1"/>
-          </p:cNvSpPr>
-          <p:nvPr>
-            <p:ph type="title"/>
-          </p:nvPr>
-        </p:nvSpPr>
-        <p:spPr/>
-        <p:txBody>
-          <a:bodyPr/>
-          <a:lstStyle/>
-          <a:p>
-            <a:pPr algn="l"/>
-            <a:r>
-              <a:rPr lang="zh-CN" altLang="en-US" b="0" dirty="0" smtClean="0">
-                <a:latin typeface="黑体" pitchFamily="49" charset="-122"/>
-                <a:ea typeface="黑体" pitchFamily="49" charset="-122"/>
-              </a:rPr>
-              <a:t>报告提纲</a:t>
-            </a:r>
-            <a:endParaRPr lang="zh-CN" altLang="en-US" b="0" dirty="0">
-              <a:latin typeface="黑体" pitchFamily="49" charset="-122"/>
-              <a:ea typeface="黑体" pitchFamily="49" charset="-122"/>
-            </a:endParaRPr>
-          </a:p>
-        </p:txBody>
-      </p:sp>
-      <p:graphicFrame>
-        <p:nvGraphicFramePr>
-          <p:cNvPr id="4" name="图示 3"/>
-          <p:cNvGraphicFramePr/>
-          <p:nvPr>
-            <p:extLst>
-              <p:ext uri="{D42A27DB-BD31-4B8C-83A1-F6EECF244321}">
-                <p14:modId xmlns:p14="http://schemas.microsoft.com/office/powerpoint/2010/main" val="4242732698"/>
-              </p:ext>
-            </p:extLst>
-          </p:nvPr>
-        </p:nvGraphicFramePr>
-        <p:xfrm>
-          <a:off x="611560" y="1556792"/>
-          <a:ext cx="7488832" cy="3888432"/>
-        </p:xfrm>
-        <a:graphic>
-          <a:graphicData uri="http://schemas.openxmlformats.org/drawingml/2006/diagram">
-            <dgm:relIds xmlns:dgm="http://schemas.openxmlformats.org/drawingml/2006/diagram" xmlns:r="http://schemas.openxmlformats.org/officeDocument/2006/relationships" r:dm="rId3" r:lo="rId4" r:qs="rId5" r:cs="rId6"/>
-          </a:graphicData>
-        </a:graphic>
-      </p:graphicFrame>
-    </p:spTree>
-    <p:extLst>
-      <p:ext uri="{BB962C8B-B14F-4D97-AF65-F5344CB8AC3E}">
-        <p14:creationId xmlns:p14="http://schemas.microsoft.com/office/powerpoint/2010/main" val="53093502"/>
-      </p:ext>
-    </p:extLst>
-  </p:cSld>
-  <p:clrMapOvr>
-    <a:masterClrMapping/>
-  </p:clrMapOvr>
-  <mc:AlternateContent xmlns:mc="http://schemas.openxmlformats.org/markup-compatibility/2006" xmlns:p14="http://schemas.microsoft.com/office/powerpoint/2010/main">
-    <mc:Choice Requires="p14">
-      <p:transition spd="slow" p14:dur="2000"/>
-    </mc:Choice>
-    <mc:Fallback xmlns="">
-      <p:transition spd="slow"/>
-    </mc:Fallback>
-  </mc:AlternateContent>
-  <p:timing>
-    <p:tnLst>
-      <p:par>
-        <p:cTn id="1" dur="indefinite" restart="never" nodeType="tmRoot"/>
-      </p:par>
-    </p:tnLst>
-  </p:timing>
-</p:sld>
-</file>
-
 <file path=ppt/slides/slide4.xml><?xml version="1.0" encoding="utf-8"?>
 <p:sld xmlns:a="http://schemas.openxmlformats.org/drawingml/2006/main" xmlns:r="http://schemas.openxmlformats.org/officeDocument/2006/relationships" xmlns:p="http://schemas.openxmlformats.org/presentationml/2006/main">
   <p:cSld>
@@ -33170,14 +36151,7 @@
                 <a:latin typeface="楷体" panose="02010609060101010101" pitchFamily="49" charset="-122"/>
                 <a:ea typeface="楷体" panose="02010609060101010101" pitchFamily="49" charset="-122"/>
               </a:rPr>
-              <a:t>信</a:t>
-            </a:r>
-            <a:r>
-              <a:rPr lang="zh-CN" altLang="en-US" sz="2000" dirty="0" smtClean="0">
-                <a:latin typeface="楷体" panose="02010609060101010101" pitchFamily="49" charset="-122"/>
-                <a:ea typeface="楷体" panose="02010609060101010101" pitchFamily="49" charset="-122"/>
-              </a:rPr>
-              <a:t>息</a:t>
+              <a:t>信息</a:t>
             </a:r>
             <a:r>
               <a:rPr lang="zh-CN" altLang="en-US" sz="2000" dirty="0">
@@ -33191,14 +36165,7 @@
                 <a:latin typeface="楷体" panose="02010609060101010101" pitchFamily="49" charset="-122"/>
                 <a:ea typeface="楷体" panose="02010609060101010101" pitchFamily="49" charset="-122"/>
               </a:rPr>
-              <a:t>增</a:t>
-            </a:r>
-            <a:r>
-              <a:rPr lang="zh-CN" altLang="en-US" sz="2000" dirty="0" smtClean="0">
-                <a:latin typeface="楷体" panose="02010609060101010101" pitchFamily="49" charset="-122"/>
-                <a:ea typeface="楷体" panose="02010609060101010101" pitchFamily="49" charset="-122"/>
-              </a:rPr>
-              <a:t>长</a:t>
+              <a:t>增长</a:t>
             </a:r>
             <a:endParaRPr lang="en-US" altLang="zh-CN" sz="2000" dirty="0" smtClean="0">
               <a:latin typeface="楷体" panose="02010609060101010101" pitchFamily="49" charset="-122"/>
@@ -33314,7 +36281,7 @@
           <a:p>
             <a:fld id="{ECB25AA1-DAB0-4597-8B8E-0BCD3DF7FBD0}" type="datetime1">
               <a:rPr lang="zh-CN" altLang="en-US" smtClean="0"/>
-              <a:t>2017/5/14</a:t>
+              <a:t>2017/5/15</a:t>
             </a:fld>
             <a:endParaRPr lang="en-US" altLang="zh-CN" dirty="0"/>
           </a:p>
@@ -33478,7 +36445,7 @@
           <a:p>
             <a:fld id="{8B0F75CF-0553-4104-831D-ECC51C6B5C3F}" type="datetime1">
               <a:rPr lang="zh-CN" altLang="en-US" smtClean="0"/>
-              <a:t>2017/5/14</a:t>
+              <a:t>2017/5/15</a:t>
             </a:fld>
             <a:endParaRPr lang="en-US" altLang="zh-CN"/>
           </a:p>
@@ -33918,7 +36885,7 @@
           <p:nvPr>
             <p:extLst>
               <p:ext uri="{D42A27DB-BD31-4B8C-83A1-F6EECF244321}">
-                <p14:modId xmlns:p14="http://schemas.microsoft.com/office/powerpoint/2010/main" val="3668400253"/>
+                <p14:modId xmlns:p14="http://schemas.microsoft.com/office/powerpoint/2010/main" val="2144403780"/>
               </p:ext>
             </p:extLst>
           </p:nvPr>
@@ -33990,9 +36957,105 @@
                 <a:latin typeface="黑体" panose="02010609060101010101" pitchFamily="49" charset="-122"/>
                 <a:ea typeface="黑体" panose="02010609060101010101" pitchFamily="49" charset="-122"/>
               </a:rPr>
-              <a:t>基于监督学习的方法</a:t>
+              <a:t>基于监督学习的方</a:t>
+            </a:r>
+            <a:r>
+              <a:rPr lang="zh-CN" altLang="en-US" sz="2400" dirty="0" smtClean="0">
+                <a:latin typeface="黑体" panose="02010609060101010101" pitchFamily="49" charset="-122"/>
+                <a:ea typeface="黑体" panose="02010609060101010101" pitchFamily="49" charset="-122"/>
+              </a:rPr>
+              <a:t>法</a:t>
             </a:r>
             <a:endParaRPr lang="en-US" altLang="zh-CN" sz="2400" dirty="0" smtClean="0">
+              <a:latin typeface="黑体" panose="02010609060101010101" pitchFamily="49" charset="-122"/>
+              <a:ea typeface="黑体" panose="02010609060101010101" pitchFamily="49" charset="-122"/>
+            </a:endParaRPr>
+          </a:p>
+          <a:p>
+            <a:pPr lvl="1">
+              <a:lnSpc>
+                <a:spcPct val="150000"/>
+              </a:lnSpc>
+              <a:spcBef>
+                <a:spcPts val="0"/>
+              </a:spcBef>
+              <a:buFont typeface="Wingdings" panose="05000000000000000000" pitchFamily="2" charset="2"/>
+              <a:buChar char="p"/>
+            </a:pPr>
+            <a:r>
+              <a:rPr lang="zh-CN" altLang="en-US" sz="1800" dirty="0">
+                <a:latin typeface="楷体" panose="02010609060101010101" pitchFamily="49" charset="-122"/>
+                <a:ea typeface="楷体" panose="02010609060101010101" pitchFamily="49" charset="-122"/>
+                <a:cs typeface="Times New Roman" panose="02020603050405020304" pitchFamily="18" charset="0"/>
+              </a:rPr>
+              <a:t>基于特征向量的学习方法（</a:t>
+            </a:r>
+            <a:r>
+              <a:rPr lang="en-US" altLang="zh-CN" sz="1800" dirty="0">
+                <a:latin typeface="楷体" panose="02010609060101010101" pitchFamily="49" charset="-122"/>
+                <a:ea typeface="楷体" panose="02010609060101010101" pitchFamily="49" charset="-122"/>
+                <a:cs typeface="Times New Roman" panose="02020603050405020304" pitchFamily="18" charset="0"/>
+              </a:rPr>
+              <a:t>feature-based</a:t>
+            </a:r>
+            <a:r>
+              <a:rPr lang="zh-CN" altLang="en-US" sz="1800" dirty="0">
+                <a:latin typeface="楷体" panose="02010609060101010101" pitchFamily="49" charset="-122"/>
+                <a:ea typeface="楷体" panose="02010609060101010101" pitchFamily="49" charset="-122"/>
+                <a:cs typeface="Times New Roman" panose="02020603050405020304" pitchFamily="18" charset="0"/>
+              </a:rPr>
+              <a:t>）</a:t>
+            </a:r>
+            <a:endParaRPr lang="en-US" altLang="zh-CN" sz="1800" dirty="0">
+              <a:latin typeface="楷体" panose="02010609060101010101" pitchFamily="49" charset="-122"/>
+              <a:ea typeface="楷体" panose="02010609060101010101" pitchFamily="49" charset="-122"/>
+              <a:cs typeface="Times New Roman" panose="02020603050405020304" pitchFamily="18" charset="0"/>
+            </a:endParaRPr>
+          </a:p>
+          <a:p>
+            <a:pPr lvl="1">
+              <a:lnSpc>
+                <a:spcPct val="150000"/>
+              </a:lnSpc>
+              <a:spcBef>
+                <a:spcPts val="0"/>
+              </a:spcBef>
+              <a:buFont typeface="Wingdings" panose="05000000000000000000" pitchFamily="2" charset="2"/>
+              <a:buChar char="p"/>
+            </a:pPr>
+            <a:r>
+              <a:rPr lang="zh-CN" altLang="en-US" sz="1800" dirty="0" smtClean="0">
+                <a:latin typeface="楷体" panose="02010609060101010101" pitchFamily="49" charset="-122"/>
+                <a:ea typeface="楷体" panose="02010609060101010101" pitchFamily="49" charset="-122"/>
+                <a:cs typeface="Times New Roman" panose="02020603050405020304" pitchFamily="18" charset="0"/>
+              </a:rPr>
+              <a:t>基</a:t>
+            </a:r>
+            <a:r>
+              <a:rPr lang="zh-CN" altLang="en-US" sz="1800" dirty="0">
+                <a:latin typeface="楷体" panose="02010609060101010101" pitchFamily="49" charset="-122"/>
+                <a:ea typeface="楷体" panose="02010609060101010101" pitchFamily="49" charset="-122"/>
+                <a:cs typeface="Times New Roman" panose="02020603050405020304" pitchFamily="18" charset="0"/>
+              </a:rPr>
+              <a:t>于核函数的学习方法（</a:t>
+            </a:r>
+            <a:r>
+              <a:rPr lang="en-US" altLang="zh-CN" sz="1800" dirty="0">
+                <a:latin typeface="楷体" panose="02010609060101010101" pitchFamily="49" charset="-122"/>
+                <a:ea typeface="楷体" panose="02010609060101010101" pitchFamily="49" charset="-122"/>
+                <a:cs typeface="Times New Roman" panose="02020603050405020304" pitchFamily="18" charset="0"/>
+              </a:rPr>
+              <a:t>kernel-based</a:t>
+            </a:r>
+            <a:r>
+              <a:rPr lang="zh-CN" altLang="en-US" sz="1800" dirty="0">
+                <a:latin typeface="楷体" panose="02010609060101010101" pitchFamily="49" charset="-122"/>
+                <a:ea typeface="楷体" panose="02010609060101010101" pitchFamily="49" charset="-122"/>
+                <a:cs typeface="Times New Roman" panose="02020603050405020304" pitchFamily="18" charset="0"/>
+              </a:rPr>
+              <a:t>）</a:t>
+            </a:r>
+            <a:endParaRPr lang="en-US" altLang="zh-CN" sz="2400" b="1" dirty="0" smtClean="0">
               <a:latin typeface="黑体" panose="02010609060101010101" pitchFamily="49" charset="-122"/>
               <a:ea typeface="黑体" panose="02010609060101010101" pitchFamily="49" charset="-122"/>
             </a:endParaRPr>
@@ -34052,7 +37115,7 @@
           <a:p>
             <a:fld id="{ECB25AA1-DAB0-4597-8B8E-0BCD3DF7FBD0}" type="datetime1">
               <a:rPr lang="zh-CN" altLang="en-US" smtClean="0"/>
-              <a:t>2017/5/14</a:t>
+              <a:t>2017/5/15</a:t>
             </a:fld>
             <a:endParaRPr lang="en-US" altLang="zh-CN" dirty="0"/>
           </a:p>
@@ -34117,6 +37180,60 @@
           </a:p>
         </p:txBody>
       </p:sp>
+      <p:pic>
+        <p:nvPicPr>
+          <p:cNvPr id="10" name="图片 1"/>
+          <p:cNvPicPr>
+            <a:picLocks noChangeAspect="1"/>
+          </p:cNvPicPr>
+          <p:nvPr/>
+        </p:nvPicPr>
+        <p:blipFill>
+          <a:blip r:embed="rId3">
+            <a:extLst>
+              <a:ext uri="{28A0092B-C50C-407E-A947-70E740481C1C}">
+                <a14:useLocalDpi xmlns:a14="http://schemas.microsoft.com/office/drawing/2010/main" val="0"/>
+              </a:ext>
+            </a:extLst>
+          </a:blip>
+          <a:srcRect/>
+          <a:stretch>
+            <a:fillRect/>
+          </a:stretch>
+        </p:blipFill>
+        <p:spPr bwMode="auto">
+          <a:xfrm>
+            <a:off x="845814" y="3212976"/>
+            <a:ext cx="7387283" cy="1804689"/>
+          </a:xfrm>
+          <a:prstGeom prst="rect">
+            <a:avLst/>
+          </a:prstGeom>
+          <a:noFill/>
+          <a:ln>
+            <a:noFill/>
+          </a:ln>
+          <a:extLst>
+            <a:ext uri="{909E8E84-426E-40DD-AFC4-6F175D3DCCD1}">
+              <a14:hiddenFill xmlns:a14="http://schemas.microsoft.com/office/drawing/2010/main">
+                <a:solidFill>
+                  <a:srgbClr val="FFFFFF"/>
+                </a:solidFill>
+              </a14:hiddenFill>
+            </a:ext>
+            <a:ext uri="{91240B29-F687-4F45-9708-019B960494DF}">
+              <a14:hiddenLine xmlns:a14="http://schemas.microsoft.com/office/drawing/2010/main" w="9525">
+                <a:solidFill>
+                  <a:srgbClr val="000000"/>
+                </a:solidFill>
+                <a:miter lim="800000"/>
+                <a:headEnd/>
+                <a:tailEnd/>
+              </a14:hiddenLine>
+            </a:ext>
+          </a:extLst>
+        </p:spPr>
+      </p:pic>
     </p:spTree>
     <p:extLst>
       <p:ext uri="{BB962C8B-B14F-4D97-AF65-F5344CB8AC3E}">
@@ -34190,6 +37307,89 @@
             </a:endParaRPr>
           </a:p>
           <a:p>
+            <a:pPr lvl="1">
+              <a:lnSpc>
+                <a:spcPct val="150000"/>
+              </a:lnSpc>
+              <a:spcBef>
+                <a:spcPts val="0"/>
+              </a:spcBef>
+              <a:buFont typeface="Wingdings" panose="05000000000000000000" pitchFamily="2" charset="2"/>
+              <a:buChar char="p"/>
+            </a:pPr>
+            <a:r>
+              <a:rPr lang="en-US" altLang="zh-CN" sz="1800" dirty="0" smtClean="0">
+                <a:latin typeface="楷体" panose="02010609060101010101" pitchFamily="49" charset="-122"/>
+                <a:ea typeface="楷体" panose="02010609060101010101" pitchFamily="49" charset="-122"/>
+                <a:cs typeface="Times New Roman" panose="02020603050405020304" pitchFamily="18" charset="0"/>
+              </a:rPr>
+              <a:t>DIPRE</a:t>
+            </a:r>
+            <a:endParaRPr lang="en-US" altLang="zh-CN" sz="1800" dirty="0">
+              <a:latin typeface="楷体" panose="02010609060101010101" pitchFamily="49" charset="-122"/>
+              <a:ea typeface="楷体" panose="02010609060101010101" pitchFamily="49" charset="-122"/>
+              <a:cs typeface="Times New Roman" panose="02020603050405020304" pitchFamily="18" charset="0"/>
+            </a:endParaRPr>
+          </a:p>
+          <a:p>
+            <a:pPr lvl="1">
+              <a:lnSpc>
+                <a:spcPct val="150000"/>
+              </a:lnSpc>
+              <a:spcBef>
+                <a:spcPts val="0"/>
+              </a:spcBef>
+              <a:buFont typeface="Wingdings" panose="05000000000000000000" pitchFamily="2" charset="2"/>
+              <a:buChar char="p"/>
+            </a:pPr>
+            <a:r>
+              <a:rPr lang="en-US" altLang="zh-CN" sz="1800" dirty="0" smtClean="0">
+                <a:latin typeface="楷体" panose="02010609060101010101" pitchFamily="49" charset="-122"/>
+                <a:ea typeface="楷体" panose="02010609060101010101" pitchFamily="49" charset="-122"/>
+                <a:cs typeface="Times New Roman" panose="02020603050405020304" pitchFamily="18" charset="0"/>
+              </a:rPr>
+              <a:t>Snowball</a:t>
+            </a:r>
+          </a:p>
+          <a:p>
+            <a:pPr lvl="1">
+              <a:lnSpc>
+                <a:spcPct val="150000"/>
+              </a:lnSpc>
+              <a:spcBef>
+                <a:spcPts val="0"/>
+              </a:spcBef>
+              <a:buFont typeface="Wingdings" panose="05000000000000000000" pitchFamily="2" charset="2"/>
+              <a:buChar char="p"/>
+            </a:pPr>
+            <a:r>
+              <a:rPr lang="en-US" altLang="zh-CN" sz="1800" dirty="0" smtClean="0">
+                <a:latin typeface="楷体" panose="02010609060101010101" pitchFamily="49" charset="-122"/>
+                <a:ea typeface="楷体" panose="02010609060101010101" pitchFamily="49" charset="-122"/>
+                <a:cs typeface="Times New Roman" panose="02020603050405020304" pitchFamily="18" charset="0"/>
+              </a:rPr>
+              <a:t>KnowItAll</a:t>
+            </a:r>
+          </a:p>
+          <a:p>
+            <a:pPr lvl="1">
+              <a:lnSpc>
+                <a:spcPct val="150000"/>
+              </a:lnSpc>
+              <a:spcBef>
+                <a:spcPts val="0"/>
+              </a:spcBef>
+              <a:buFont typeface="Wingdings" panose="05000000000000000000" pitchFamily="2" charset="2"/>
+              <a:buChar char="p"/>
+            </a:pPr>
+            <a:r>
+              <a:rPr lang="en-US" altLang="zh-CN" sz="1800" dirty="0" smtClean="0">
+                <a:latin typeface="楷体" panose="02010609060101010101" pitchFamily="49" charset="-122"/>
+                <a:ea typeface="楷体" panose="02010609060101010101" pitchFamily="49" charset="-122"/>
+                <a:cs typeface="Times New Roman" panose="02020603050405020304" pitchFamily="18" charset="0"/>
+              </a:rPr>
+              <a:t>TextRunner</a:t>
+            </a:r>
             <a:endParaRPr lang="en-US" altLang="zh-CN" sz="2400" dirty="0" smtClean="0">
               <a:latin typeface="黑体" panose="02010609060101010101" pitchFamily="49" charset="-122"/>
               <a:ea typeface="黑体" panose="02010609060101010101" pitchFamily="49" charset="-122"/>
@@ -34244,7 +37444,7 @@
           <a:p>
             <a:fld id="{ECB25AA1-DAB0-4597-8B8E-0BCD3DF7FBD0}" type="datetime1">
               <a:rPr lang="zh-CN" altLang="en-US" smtClean="0"/>
-              <a:t>2017/5/14</a:t>
+              <a:t>2017/5/15</a:t>
             </a:fld>
             <a:endParaRPr lang="en-US" altLang="zh-CN" dirty="0"/>
           </a:p>
@@ -34309,6 +37509,60 @@
           </a:p>
         </p:txBody>
       </p:sp>
+      <p:pic>
+        <p:nvPicPr>
+          <p:cNvPr id="8" name="图片 2"/>
+          <p:cNvPicPr>
+            <a:picLocks noChangeAspect="1"/>
+          </p:cNvPicPr>
+          <p:nvPr/>
+        </p:nvPicPr>
+        <p:blipFill>
+          <a:blip r:embed="rId3">
+            <a:extLst>
+              <a:ext uri="{28A0092B-C50C-407E-A947-70E740481C1C}">
+                <a14:useLocalDpi xmlns:a14="http://schemas.microsoft.com/office/drawing/2010/main" val="0"/>
+              </a:ext>
+            </a:extLst>
+          </a:blip>
+          <a:srcRect/>
+          <a:stretch>
+            <a:fillRect/>
+          </a:stretch>
+        </p:blipFill>
+        <p:spPr bwMode="auto">
+          <a:xfrm>
+            <a:off x="1055941" y="3861048"/>
+            <a:ext cx="6602263" cy="1869075"/>
+          </a:xfrm>
+          <a:prstGeom prst="rect">
+            <a:avLst/>
+          </a:prstGeom>
+          <a:noFill/>
+          <a:ln>
+            <a:noFill/>
+          </a:ln>
+          <a:extLst>
+            <a:ext uri="{909E8E84-426E-40DD-AFC4-6F175D3DCCD1}">
+              <a14:hiddenFill xmlns:a14="http://schemas.microsoft.com/office/drawing/2010/main">
+                <a:solidFill>
+                  <a:srgbClr val="FFFFFF"/>
+                </a:solidFill>
+              </a14:hiddenFill>
+            </a:ext>
+            <a:ext uri="{91240B29-F687-4F45-9708-019B960494DF}">
+              <a14:hiddenLine xmlns:a14="http://schemas.microsoft.com/office/drawing/2010/main" w="9525">
+                <a:solidFill>
+                  <a:srgbClr val="000000"/>
+                </a:solidFill>
+                <a:miter lim="800000"/>
+                <a:headEnd/>
+                <a:tailEnd/>
+              </a14:hiddenLine>
+            </a:ext>
+          </a:extLst>
+        </p:spPr>
+      </p:pic>
     </p:spTree>
     <p:extLst>
       <p:ext uri="{BB962C8B-B14F-4D97-AF65-F5344CB8AC3E}">

--- a/毕业答辩ppt.pptx
+++ b/毕业答辩ppt.pptx
@@ -390,11 +390,11 @@
         </c:dLbls>
         <c:marker val="1"/>
         <c:smooth val="0"/>
-        <c:axId val="-1026726784"/>
-        <c:axId val="-1026716448"/>
+        <c:axId val="-923887344"/>
+        <c:axId val="-923882448"/>
       </c:lineChart>
       <c:catAx>
-        <c:axId val="-1026726784"/>
+        <c:axId val="-923887344"/>
         <c:scaling>
           <c:orientation val="minMax"/>
         </c:scaling>
@@ -506,7 +506,7 @@
             <a:endParaRPr lang="zh-CN"/>
           </a:p>
         </c:txPr>
-        <c:crossAx val="-1026716448"/>
+        <c:crossAx val="-923882448"/>
         <c:crosses val="autoZero"/>
         <c:auto val="1"/>
         <c:lblAlgn val="ctr"/>
@@ -514,7 +514,7 @@
         <c:noMultiLvlLbl val="0"/>
       </c:catAx>
       <c:valAx>
-        <c:axId val="-1026716448"/>
+        <c:axId val="-923882448"/>
         <c:scaling>
           <c:orientation val="minMax"/>
           <c:min val="0.5"/>
@@ -625,7 +625,7 @@
             <a:endParaRPr lang="zh-CN"/>
           </a:p>
         </c:txPr>
-        <c:crossAx val="-1026726784"/>
+        <c:crossAx val="-923887344"/>
         <c:crosses val="autoZero"/>
         <c:crossBetween val="between"/>
       </c:valAx>
@@ -6978,14 +6978,7 @@
               <a:latin typeface="楷体" panose="02010609060101010101" pitchFamily="49" charset="-122"/>
               <a:ea typeface="楷体" panose="02010609060101010101" pitchFamily="49" charset="-122"/>
             </a:rPr>
-            <a:t>研究背景</a:t>
-          </a:r>
-          <a:r>
-            <a:rPr lang="zh-CN" altLang="en-US" dirty="0" smtClean="0">
-              <a:latin typeface="楷体" panose="02010609060101010101" pitchFamily="49" charset="-122"/>
-              <a:ea typeface="楷体" panose="02010609060101010101" pitchFamily="49" charset="-122"/>
-            </a:rPr>
-            <a:t>与问题描述</a:t>
+            <a:t>研究背景与问题描述</a:t>
           </a:r>
           <a:endParaRPr lang="zh-CN" dirty="0">
             <a:latin typeface="楷体" panose="02010609060101010101" pitchFamily="49" charset="-122"/>
@@ -9842,14 +9835,7 @@
               <a:latin typeface="楷体" panose="02010609060101010101" pitchFamily="49" charset="-122"/>
               <a:ea typeface="楷体" panose="02010609060101010101" pitchFamily="49" charset="-122"/>
             </a:rPr>
-            <a:t>研究背景</a:t>
-          </a:r>
-          <a:r>
-            <a:rPr lang="zh-CN" altLang="en-US" sz="2800" kern="1200" dirty="0" smtClean="0">
-              <a:latin typeface="楷体" panose="02010609060101010101" pitchFamily="49" charset="-122"/>
-              <a:ea typeface="楷体" panose="02010609060101010101" pitchFamily="49" charset="-122"/>
-            </a:rPr>
-            <a:t>与问题描述</a:t>
+            <a:t>研究背景与问题描述</a:t>
           </a:r>
           <a:endParaRPr lang="zh-CN" sz="2800" kern="1200" dirty="0">
             <a:latin typeface="楷体" panose="02010609060101010101" pitchFamily="49" charset="-122"/>
@@ -18890,7 +18876,7 @@
           <a:p>
             <a:fld id="{1D7806B0-77EB-4E40-B0A3-8F69800ED8CC}" type="datetimeFigureOut">
               <a:rPr lang="zh-CN" altLang="en-US" smtClean="0"/>
-              <a:t>2017/5/15</a:t>
+              <a:t>2017/5/16</a:t>
             </a:fld>
             <a:endParaRPr lang="zh-CN" altLang="en-US"/>
           </a:p>
@@ -21548,7 +21534,6 @@
               <a:rPr lang="zh-CN" altLang="en-US" dirty="0" smtClean="0"/>
               <a:t>这类方法将关系抽取任务看作一个分类问题，首先需要人工标注大规模训练语料库，然后在已标注好的语料库基础上进行特征抽取和选择，通过利用不同的机器学习算法训练学习分类模型，用于抽取新的实体对。</a:t>
             </a:r>
-            <a:endParaRPr lang="zh-CN" altLang="en-US" dirty="0" smtClean="0"/>
           </a:p>
         </p:txBody>
       </p:sp>
@@ -21676,7 +21661,6 @@
               <a:rPr lang="zh-CN" altLang="en-US" dirty="0" smtClean="0"/>
               <a:t>的质量评估、迭代过程的速度、高准确率低召回率等问题。</a:t>
             </a:r>
-            <a:endParaRPr lang="zh-CN" altLang="en-US" dirty="0" smtClean="0"/>
           </a:p>
         </p:txBody>
       </p:sp>
@@ -21917,7 +21901,7 @@
           <a:p>
             <a:fld id="{B2700A00-49B1-4B97-A309-CEE14B941A95}" type="datetime1">
               <a:rPr lang="zh-CN" altLang="en-US" smtClean="0"/>
-              <a:t>2017/5/15</a:t>
+              <a:t>2017/5/16</a:t>
             </a:fld>
             <a:endParaRPr lang="en-US" altLang="zh-CN"/>
           </a:p>
@@ -22481,7 +22465,7 @@
           <a:p>
             <a:fld id="{1D07A59F-E5BA-4CF6-875B-68AD4C1B1033}" type="datetime1">
               <a:rPr lang="zh-CN" altLang="en-US" smtClean="0"/>
-              <a:t>2017/5/15</a:t>
+              <a:t>2017/5/16</a:t>
             </a:fld>
             <a:endParaRPr lang="en-US" altLang="zh-CN"/>
           </a:p>
@@ -22683,7 +22667,7 @@
           <a:p>
             <a:fld id="{AEDBC556-48CB-46C5-9076-DD99F4CCCFE9}" type="datetime1">
               <a:rPr lang="zh-CN" altLang="en-US" smtClean="0"/>
-              <a:t>2017/5/15</a:t>
+              <a:t>2017/5/16</a:t>
             </a:fld>
             <a:endParaRPr lang="en-US" altLang="zh-CN"/>
           </a:p>
@@ -22913,7 +22897,7 @@
           <a:p>
             <a:fld id="{8B0F75CF-0553-4104-831D-ECC51C6B5C3F}" type="datetime1">
               <a:rPr lang="zh-CN" altLang="en-US" smtClean="0"/>
-              <a:t>2017/5/15</a:t>
+              <a:t>2017/5/16</a:t>
             </a:fld>
             <a:endParaRPr lang="en-US" altLang="zh-CN"/>
           </a:p>
@@ -23134,7 +23118,7 @@
           <a:p>
             <a:fld id="{E02B2A02-9790-491B-80DE-D13F6E09D968}" type="datetime1">
               <a:rPr lang="zh-CN" altLang="en-US" smtClean="0"/>
-              <a:t>2017/5/15</a:t>
+              <a:t>2017/5/16</a:t>
             </a:fld>
             <a:endParaRPr lang="en-US" altLang="zh-CN"/>
           </a:p>
@@ -23444,7 +23428,7 @@
           <a:p>
             <a:fld id="{E64A1B9B-FB02-4C27-8DD7-C7A817C628E5}" type="datetime1">
               <a:rPr lang="zh-CN" altLang="en-US" smtClean="0"/>
-              <a:t>2017/5/15</a:t>
+              <a:t>2017/5/16</a:t>
             </a:fld>
             <a:endParaRPr lang="en-US" altLang="zh-CN"/>
           </a:p>
@@ -23893,7 +23877,7 @@
           <a:p>
             <a:fld id="{03C1D96D-4C26-4777-A01F-AA16AE99F650}" type="datetime1">
               <a:rPr lang="zh-CN" altLang="en-US" smtClean="0"/>
-              <a:t>2017/5/15</a:t>
+              <a:t>2017/5/16</a:t>
             </a:fld>
             <a:endParaRPr lang="en-US" altLang="zh-CN"/>
           </a:p>
@@ -24033,7 +24017,7 @@
           <a:p>
             <a:fld id="{4D22983C-44B3-4D83-89F4-BA545FD3A4DB}" type="datetime1">
               <a:rPr lang="zh-CN" altLang="en-US" smtClean="0"/>
-              <a:t>2017/5/15</a:t>
+              <a:t>2017/5/16</a:t>
             </a:fld>
             <a:endParaRPr lang="en-US" altLang="zh-CN"/>
           </a:p>
@@ -24150,7 +24134,7 @@
           <a:p>
             <a:fld id="{E268485D-88A6-4B3B-8923-8EB4A2C475CA}" type="datetime1">
               <a:rPr lang="zh-CN" altLang="en-US" smtClean="0"/>
-              <a:t>2017/5/15</a:t>
+              <a:t>2017/5/16</a:t>
             </a:fld>
             <a:endParaRPr lang="en-US" altLang="zh-CN"/>
           </a:p>
@@ -24449,7 +24433,7 @@
           <a:p>
             <a:fld id="{43884110-CBAE-4254-8557-2196D05E1CB8}" type="datetime1">
               <a:rPr lang="zh-CN" altLang="en-US" smtClean="0"/>
-              <a:t>2017/5/15</a:t>
+              <a:t>2017/5/16</a:t>
             </a:fld>
             <a:endParaRPr lang="en-US" altLang="zh-CN"/>
           </a:p>
@@ -24724,7 +24708,7 @@
           <a:p>
             <a:fld id="{6DB45B66-5B30-45BB-B8DC-A62BBF45E871}" type="datetime1">
               <a:rPr lang="zh-CN" altLang="en-US" smtClean="0"/>
-              <a:t>2017/5/15</a:t>
+              <a:t>2017/5/16</a:t>
             </a:fld>
             <a:endParaRPr lang="en-US" altLang="zh-CN"/>
           </a:p>
@@ -25215,7 +25199,7 @@
           <a:p>
             <a:fld id="{6A8DB19B-8F4E-4EA4-9E8A-C89388D3EABD}" type="datetime1">
               <a:rPr lang="zh-CN" altLang="en-US" smtClean="0"/>
-              <a:t>2017/5/15</a:t>
+              <a:t>2017/5/16</a:t>
             </a:fld>
             <a:endParaRPr lang="en-US" altLang="zh-CN"/>
           </a:p>
@@ -25938,7 +25922,7 @@
           <a:p>
             <a:fld id="{FDD0CEB0-4483-465D-A7CD-F894C9477FA5}" type="datetime1">
               <a:rPr lang="zh-CN" altLang="en-US" smtClean="0"/>
-              <a:t>2017/5/15</a:t>
+              <a:t>2017/5/16</a:t>
             </a:fld>
             <a:endParaRPr lang="en-US" altLang="zh-CN" dirty="0" smtClean="0"/>
           </a:p>
@@ -26497,7 +26481,7 @@
           <a:p>
             <a:fld id="{8B0F75CF-0553-4104-831D-ECC51C6B5C3F}" type="datetime1">
               <a:rPr lang="zh-CN" altLang="en-US" smtClean="0"/>
-              <a:t>2017/5/15</a:t>
+              <a:t>2017/5/16</a:t>
             </a:fld>
             <a:endParaRPr lang="en-US" altLang="zh-CN"/>
           </a:p>
@@ -26694,7 +26678,7 @@
           <a:p>
             <a:fld id="{ECB25AA1-DAB0-4597-8B8E-0BCD3DF7FBD0}" type="datetime1">
               <a:rPr lang="zh-CN" altLang="en-US" smtClean="0"/>
-              <a:t>2017/5/15</a:t>
+              <a:t>2017/5/16</a:t>
             </a:fld>
             <a:endParaRPr lang="en-US" altLang="zh-CN" dirty="0"/>
           </a:p>
@@ -27459,7 +27443,7 @@
           <a:p>
             <a:fld id="{ECB25AA1-DAB0-4597-8B8E-0BCD3DF7FBD0}" type="datetime1">
               <a:rPr lang="zh-CN" altLang="en-US" smtClean="0"/>
-              <a:t>2017/5/15</a:t>
+              <a:t>2017/5/16</a:t>
             </a:fld>
             <a:endParaRPr lang="en-US" altLang="zh-CN" dirty="0"/>
           </a:p>
@@ -27536,14 +27520,7 @@
                 <a:latin typeface="黑体" pitchFamily="49" charset="-122"/>
                 <a:ea typeface="黑体" pitchFamily="49" charset="-122"/>
               </a:rPr>
-              <a:t>的句</a:t>
-            </a:r>
-            <a:r>
-              <a:rPr lang="zh-CN" altLang="en-US" sz="2800" b="0" dirty="0" smtClean="0">
-                <a:latin typeface="黑体" pitchFamily="49" charset="-122"/>
-                <a:ea typeface="黑体" pitchFamily="49" charset="-122"/>
-              </a:rPr>
-              <a:t>子</a:t>
+              <a:t>的句子</a:t>
             </a:r>
             <a:r>
               <a:rPr lang="zh-CN" altLang="en-US" sz="2800" b="0" dirty="0">
@@ -27628,7 +27605,7 @@
           <a:p>
             <a:fld id="{8B0F75CF-0553-4104-831D-ECC51C6B5C3F}" type="datetime1">
               <a:rPr lang="zh-CN" altLang="en-US" smtClean="0"/>
-              <a:t>2017/5/15</a:t>
+              <a:t>2017/5/16</a:t>
             </a:fld>
             <a:endParaRPr lang="en-US" altLang="zh-CN"/>
           </a:p>
@@ -27945,14 +27922,7 @@
                 <a:latin typeface="黑体" pitchFamily="49" charset="-122"/>
                 <a:ea typeface="黑体" pitchFamily="49" charset="-122"/>
               </a:rPr>
-              <a:t>的句</a:t>
-            </a:r>
-            <a:r>
-              <a:rPr lang="zh-CN" altLang="en-US" sz="2800" b="0" dirty="0" smtClean="0">
-                <a:latin typeface="黑体" pitchFamily="49" charset="-122"/>
-                <a:ea typeface="黑体" pitchFamily="49" charset="-122"/>
-              </a:rPr>
-              <a:t>子</a:t>
+              <a:t>的句子</a:t>
             </a:r>
             <a:r>
               <a:rPr lang="zh-CN" altLang="en-US" sz="2800" b="0" dirty="0">
@@ -28151,7 +28121,7 @@
           <a:p>
             <a:fld id="{ECB25AA1-DAB0-4597-8B8E-0BCD3DF7FBD0}" type="datetime1">
               <a:rPr lang="zh-CN" altLang="en-US" smtClean="0"/>
-              <a:t>2017/5/15</a:t>
+              <a:t>2017/5/16</a:t>
             </a:fld>
             <a:endParaRPr lang="en-US" altLang="zh-CN" dirty="0"/>
           </a:p>
@@ -29117,7 +29087,7 @@
           <a:p>
             <a:fld id="{ECB25AA1-DAB0-4597-8B8E-0BCD3DF7FBD0}" type="datetime1">
               <a:rPr lang="zh-CN" altLang="en-US" smtClean="0"/>
-              <a:t>2017/5/15</a:t>
+              <a:t>2017/5/16</a:t>
             </a:fld>
             <a:endParaRPr lang="en-US" altLang="zh-CN" dirty="0"/>
           </a:p>
@@ -30091,15 +30061,7 @@
                 <a:ea typeface="楷体" panose="02010609060101010101" pitchFamily="49" charset="-122"/>
                 <a:cs typeface="Times New Roman" panose="02020603050405020304" pitchFamily="18" charset="0"/>
               </a:rPr>
-              <a:t>训练词向</a:t>
-            </a:r>
-            <a:r>
-              <a:rPr lang="zh-CN" altLang="en-US" sz="1800" dirty="0" smtClean="0">
-                <a:latin typeface="Times New Roman" panose="02020603050405020304" pitchFamily="18" charset="0"/>
-                <a:ea typeface="楷体" panose="02010609060101010101" pitchFamily="49" charset="-122"/>
-                <a:cs typeface="Times New Roman" panose="02020603050405020304" pitchFamily="18" charset="0"/>
-              </a:rPr>
-              <a:t>量</a:t>
+              <a:t>训练词向量</a:t>
             </a:r>
             <a:endParaRPr lang="en-US" altLang="zh-CN" sz="1800" dirty="0" smtClean="0">
               <a:latin typeface="Times New Roman" panose="02020603050405020304" pitchFamily="18" charset="0"/>
@@ -30147,8 +30109,8 @@
           </a:p>
         </p:txBody>
       </p:sp>
-      <mc:AlternateContent xmlns:mc="http://schemas.openxmlformats.org/markup-compatibility/2006">
-        <mc:Choice xmlns:a14="http://schemas.microsoft.com/office/drawing/2010/main" Requires="a14">
+      <mc:AlternateContent xmlns:mc="http://schemas.openxmlformats.org/markup-compatibility/2006" xmlns:a14="http://schemas.microsoft.com/office/drawing/2010/main">
+        <mc:Choice Requires="a14">
           <p:sp>
             <p:nvSpPr>
               <p:cNvPr id="9" name="内容占位符 2"/>
@@ -30537,7 +30499,7 @@
             </p:txBody>
           </p:sp>
         </mc:Choice>
-        <mc:Fallback>
+        <mc:Fallback xmlns="">
           <p:sp>
             <p:nvSpPr>
               <p:cNvPr id="9" name="内容占位符 2"/>
@@ -30670,7 +30632,7 @@
           <a:p>
             <a:fld id="{ECB25AA1-DAB0-4597-8B8E-0BCD3DF7FBD0}" type="datetime1">
               <a:rPr lang="zh-CN" altLang="en-US" smtClean="0"/>
-              <a:t>2017/5/15</a:t>
+              <a:t>2017/5/16</a:t>
             </a:fld>
             <a:endParaRPr lang="en-US" altLang="zh-CN" dirty="0"/>
           </a:p>
@@ -31179,7 +31141,7 @@
           <a:p>
             <a:fld id="{8B0F75CF-0553-4104-831D-ECC51C6B5C3F}" type="datetime1">
               <a:rPr lang="zh-CN" altLang="en-US" smtClean="0"/>
-              <a:t>2017/5/15</a:t>
+              <a:t>2017/5/16</a:t>
             </a:fld>
             <a:endParaRPr lang="en-US" altLang="zh-CN"/>
           </a:p>
@@ -31430,7 +31392,7 @@
           <a:p>
             <a:fld id="{ECB25AA1-DAB0-4597-8B8E-0BCD3DF7FBD0}" type="datetime1">
               <a:rPr lang="zh-CN" altLang="en-US" smtClean="0"/>
-              <a:t>2017/5/15</a:t>
+              <a:t>2017/5/16</a:t>
             </a:fld>
             <a:endParaRPr lang="en-US" altLang="zh-CN" dirty="0"/>
           </a:p>
@@ -31580,7 +31542,7 @@
           <a:graphicData uri="http://schemas.openxmlformats.org/presentationml/2006/ole">
             <mc:AlternateContent xmlns:mc="http://schemas.openxmlformats.org/markup-compatibility/2006">
               <mc:Choice xmlns:v="urn:schemas-microsoft-com:vml" Requires="v">
-                <p:oleObj spid="_x0000_s4151" name="Visio" r:id="rId4" imgW="4174659" imgH="6226721" progId="Visio.Drawing.11">
+                <p:oleObj spid="_x0000_s4153" name="Visio" r:id="rId4" imgW="4174659" imgH="6226721" progId="Visio.Drawing.11">
                   <p:embed/>
                 </p:oleObj>
               </mc:Choice>
@@ -31804,7 +31766,7 @@
           <a:p>
             <a:fld id="{8B0F75CF-0553-4104-831D-ECC51C6B5C3F}" type="datetime1">
               <a:rPr lang="zh-CN" altLang="en-US" smtClean="0"/>
-              <a:t>2017/5/15</a:t>
+              <a:t>2017/5/16</a:t>
             </a:fld>
             <a:endParaRPr lang="en-US" altLang="zh-CN"/>
           </a:p>
@@ -31997,15 +31959,7 @@
                 <a:ea typeface="楷体" panose="02010609060101010101" pitchFamily="49" charset="-122"/>
                 <a:cs typeface="Times New Roman" panose="02020603050405020304" pitchFamily="18" charset="0"/>
               </a:rPr>
-              <a:t>投资、竞争、合作、收</a:t>
-            </a:r>
-            <a:r>
-              <a:rPr lang="zh-CN" altLang="en-US" sz="1800" dirty="0" smtClean="0">
-                <a:latin typeface="楷体" panose="02010609060101010101" pitchFamily="49" charset="-122"/>
-                <a:ea typeface="楷体" panose="02010609060101010101" pitchFamily="49" charset="-122"/>
-                <a:cs typeface="Times New Roman" panose="02020603050405020304" pitchFamily="18" charset="0"/>
-              </a:rPr>
-              <a:t>购、董事长</a:t>
+              <a:t>投资、竞争、合作、收购、董事长</a:t>
             </a:r>
             <a:r>
               <a:rPr lang="en-US" altLang="zh-CN" sz="1800" dirty="0" smtClean="0">
@@ -32015,11 +31969,6 @@
               </a:rPr>
               <a:t>)</a:t>
             </a:r>
-            <a:endParaRPr lang="en-US" altLang="zh-CN" sz="1800" dirty="0" smtClean="0">
-              <a:latin typeface="楷体" panose="02010609060101010101" pitchFamily="49" charset="-122"/>
-              <a:ea typeface="楷体" panose="02010609060101010101" pitchFamily="49" charset="-122"/>
-              <a:cs typeface="Times New Roman" panose="02020603050405020304" pitchFamily="18" charset="0"/>
-            </a:endParaRPr>
           </a:p>
           <a:p>
             <a:pPr lvl="1">
@@ -32223,7 +32172,7 @@
           <a:p>
             <a:fld id="{8B0F75CF-0553-4104-831D-ECC51C6B5C3F}" type="datetime1">
               <a:rPr lang="zh-CN" altLang="en-US" smtClean="0"/>
-              <a:t>2017/5/15</a:t>
+              <a:t>2017/5/16</a:t>
             </a:fld>
             <a:endParaRPr lang="en-US" altLang="zh-CN"/>
           </a:p>
@@ -32993,11 +32942,6 @@
               </a:rPr>
               <a:t>词列表</a:t>
             </a:r>
-            <a:endParaRPr lang="zh-CN" altLang="en-US" sz="2400" kern="0" dirty="0" smtClean="0">
-              <a:latin typeface="Times New Roman" panose="02020603050405020304" pitchFamily="18" charset="0"/>
-              <a:ea typeface="黑体" panose="02010609060101010101" pitchFamily="49" charset="-122"/>
-              <a:cs typeface="Times New Roman" panose="02020603050405020304" pitchFamily="18" charset="0"/>
-            </a:endParaRPr>
           </a:p>
         </p:txBody>
       </p:sp>
@@ -33055,7 +32999,7 @@
           <a:p>
             <a:fld id="{8B0F75CF-0553-4104-831D-ECC51C6B5C3F}" type="datetime1">
               <a:rPr lang="zh-CN" altLang="en-US" smtClean="0"/>
-              <a:t>2017/5/15</a:t>
+              <a:t>2017/5/16</a:t>
             </a:fld>
             <a:endParaRPr lang="en-US" altLang="zh-CN"/>
           </a:p>
@@ -33136,7 +33080,7 @@
         </p:nvGraphicFramePr>
         <p:xfrm>
           <a:off x="2627784" y="2060848"/>
-          <a:ext cx="3600400" cy="2721685"/>
+          <a:ext cx="3600400" cy="2787109"/>
         </p:xfrm>
         <a:graphic>
           <a:graphicData uri="http://schemas.openxmlformats.org/drawingml/2006/table">
@@ -33875,7 +33819,7 @@
           <a:p>
             <a:fld id="{ECB25AA1-DAB0-4597-8B8E-0BCD3DF7FBD0}" type="datetime1">
               <a:rPr lang="zh-CN" altLang="en-US" smtClean="0"/>
-              <a:t>2017/5/15</a:t>
+              <a:t>2017/5/16</a:t>
             </a:fld>
             <a:endParaRPr lang="en-US" altLang="zh-CN" dirty="0"/>
           </a:p>
@@ -34198,11 +34142,7 @@
           <a:p>
             <a:r>
               <a:rPr lang="zh-CN" altLang="en-US" sz="2400" kern="0" dirty="0" smtClean="0"/>
-              <a:t>实</a:t>
-            </a:r>
-            <a:r>
-              <a:rPr lang="zh-CN" altLang="en-US" sz="2400" kern="0" dirty="0" smtClean="0"/>
-              <a:t>验</a:t>
+              <a:t>实验</a:t>
             </a:r>
             <a:r>
               <a:rPr lang="zh-CN" altLang="en-US" sz="2400" kern="0" dirty="0"/>
@@ -34240,8 +34180,8 @@
           </a:p>
         </p:txBody>
       </p:sp>
-      <mc:AlternateContent xmlns:mc="http://schemas.openxmlformats.org/markup-compatibility/2006">
-        <mc:Choice xmlns:a14="http://schemas.microsoft.com/office/drawing/2010/main" Requires="a14">
+      <mc:AlternateContent xmlns:mc="http://schemas.openxmlformats.org/markup-compatibility/2006" xmlns:a14="http://schemas.microsoft.com/office/drawing/2010/main">
+        <mc:Choice Requires="a14">
           <p:sp>
             <p:nvSpPr>
               <p:cNvPr id="10" name="内容占位符 2"/>
@@ -34608,7 +34548,7 @@
             </p:txBody>
           </p:sp>
         </mc:Choice>
-        <mc:Fallback>
+        <mc:Fallback xmlns="">
           <p:sp>
             <p:nvSpPr>
               <p:cNvPr id="10" name="内容占位符 2"/>
@@ -34790,7 +34730,7 @@
           <a:p>
             <a:fld id="{ECB25AA1-DAB0-4597-8B8E-0BCD3DF7FBD0}" type="datetime1">
               <a:rPr lang="zh-CN" altLang="en-US" smtClean="0"/>
-              <a:t>2017/5/15</a:t>
+              <a:t>2017/5/16</a:t>
             </a:fld>
             <a:endParaRPr lang="en-US" altLang="zh-CN" dirty="0"/>
           </a:p>
@@ -35201,7 +35141,7 @@
           <a:p>
             <a:fld id="{ECB25AA1-DAB0-4597-8B8E-0BCD3DF7FBD0}" type="datetime1">
               <a:rPr lang="zh-CN" altLang="en-US" smtClean="0"/>
-              <a:t>2017/5/15</a:t>
+              <a:t>2017/5/16</a:t>
             </a:fld>
             <a:endParaRPr lang="en-US" altLang="zh-CN" dirty="0"/>
           </a:p>
@@ -35418,7 +35358,7 @@
           <a:p>
             <a:fld id="{ECB25AA1-DAB0-4597-8B8E-0BCD3DF7FBD0}" type="datetime1">
               <a:rPr lang="zh-CN" altLang="en-US" smtClean="0"/>
-              <a:t>2017/5/15</a:t>
+              <a:t>2017/5/16</a:t>
             </a:fld>
             <a:endParaRPr lang="en-US" altLang="zh-CN" dirty="0"/>
           </a:p>
@@ -35571,7 +35511,7 @@
         <p:spPr>
           <a:xfrm>
             <a:off x="251520" y="1484784"/>
-            <a:ext cx="8496944" cy="4392612"/>
+            <a:ext cx="9145016" cy="4392612"/>
           </a:xfrm>
         </p:spPr>
         <p:txBody>
@@ -36281,7 +36221,7 @@
           <a:p>
             <a:fld id="{ECB25AA1-DAB0-4597-8B8E-0BCD3DF7FBD0}" type="datetime1">
               <a:rPr lang="zh-CN" altLang="en-US" smtClean="0"/>
-              <a:t>2017/5/15</a:t>
+              <a:t>2017/5/16</a:t>
             </a:fld>
             <a:endParaRPr lang="en-US" altLang="zh-CN" dirty="0"/>
           </a:p>
@@ -36445,7 +36385,7 @@
           <a:p>
             <a:fld id="{8B0F75CF-0553-4104-831D-ECC51C6B5C3F}" type="datetime1">
               <a:rPr lang="zh-CN" altLang="en-US" smtClean="0"/>
-              <a:t>2017/5/15</a:t>
+              <a:t>2017/5/16</a:t>
             </a:fld>
             <a:endParaRPr lang="en-US" altLang="zh-CN"/>
           </a:p>
@@ -36957,14 +36897,7 @@
                 <a:latin typeface="黑体" panose="02010609060101010101" pitchFamily="49" charset="-122"/>
                 <a:ea typeface="黑体" panose="02010609060101010101" pitchFamily="49" charset="-122"/>
               </a:rPr>
-              <a:t>基于监督学习的方</a:t>
-            </a:r>
-            <a:r>
-              <a:rPr lang="zh-CN" altLang="en-US" sz="2400" dirty="0" smtClean="0">
-                <a:latin typeface="黑体" panose="02010609060101010101" pitchFamily="49" charset="-122"/>
-                <a:ea typeface="黑体" panose="02010609060101010101" pitchFamily="49" charset="-122"/>
-              </a:rPr>
-              <a:t>法</a:t>
+              <a:t>基于监督学习的方法</a:t>
             </a:r>
             <a:endParaRPr lang="en-US" altLang="zh-CN" sz="2400" dirty="0" smtClean="0">
               <a:latin typeface="黑体" panose="02010609060101010101" pitchFamily="49" charset="-122"/>
@@ -37115,7 +37048,7 @@
           <a:p>
             <a:fld id="{ECB25AA1-DAB0-4597-8B8E-0BCD3DF7FBD0}" type="datetime1">
               <a:rPr lang="zh-CN" altLang="en-US" smtClean="0"/>
-              <a:t>2017/5/15</a:t>
+              <a:t>2017/5/16</a:t>
             </a:fld>
             <a:endParaRPr lang="en-US" altLang="zh-CN" dirty="0"/>
           </a:p>
@@ -37444,7 +37377,7 @@
           <a:p>
             <a:fld id="{ECB25AA1-DAB0-4597-8B8E-0BCD3DF7FBD0}" type="datetime1">
               <a:rPr lang="zh-CN" altLang="en-US" smtClean="0"/>
-              <a:t>2017/5/15</a:t>
+              <a:t>2017/5/16</a:t>
             </a:fld>
             <a:endParaRPr lang="en-US" altLang="zh-CN" dirty="0"/>
           </a:p>

--- a/毕业答辩ppt.pptx
+++ b/毕业答辩ppt.pptx
@@ -203,7 +203,7 @@
 </file>
 
 <file path=ppt/charts/chart1.xml><?xml version="1.0" encoding="utf-8"?>
-<c:chartSpace xmlns:c="http://schemas.openxmlformats.org/drawingml/2006/chart" xmlns:a="http://schemas.openxmlformats.org/drawingml/2006/main" xmlns:r="http://schemas.openxmlformats.org/officeDocument/2006/relationships">
+<c:chartSpace xmlns:c="http://schemas.openxmlformats.org/drawingml/2006/chart" xmlns:a="http://schemas.openxmlformats.org/drawingml/2006/main" xmlns:r="http://schemas.openxmlformats.org/officeDocument/2006/relationships" xmlns:c16r2="http://schemas.microsoft.com/office/drawing/2015/06/chart">
   <c:date1904 val="0"/>
   <c:lang val="zh-CN"/>
   <c:roundedCorners val="0"/>
@@ -300,7 +300,7 @@
             </c:numRef>
           </c:val>
           <c:smooth val="0"/>
-          <c:extLst xmlns:c16r2="http://schemas.microsoft.com/office/drawing/2015/06/chart">
+          <c:extLst>
             <c:ext xmlns:c16="http://schemas.microsoft.com/office/drawing/2014/chart" uri="{C3380CC4-5D6E-409C-BE32-E72D297353CC}">
               <c16:uniqueId val="{00000000-6073-400F-A4B4-019C3DE43BEA}"/>
             </c:ext>
@@ -374,7 +374,7 @@
             </c:numRef>
           </c:val>
           <c:smooth val="0"/>
-          <c:extLst xmlns:c16r2="http://schemas.microsoft.com/office/drawing/2015/06/chart">
+          <c:extLst>
             <c:ext xmlns:c16="http://schemas.microsoft.com/office/drawing/2014/chart" uri="{C3380CC4-5D6E-409C-BE32-E72D297353CC}">
               <c16:uniqueId val="{00000001-6073-400F-A4B4-019C3DE43BEA}"/>
             </c:ext>
@@ -696,6 +696,437 @@
 </c:chartSpace>
 </file>
 
+<file path=ppt/charts/chart2.xml><?xml version="1.0" encoding="utf-8"?>
+<c:chartSpace xmlns:c="http://schemas.openxmlformats.org/drawingml/2006/chart" xmlns:a="http://schemas.openxmlformats.org/drawingml/2006/main" xmlns:r="http://schemas.openxmlformats.org/officeDocument/2006/relationships" xmlns:c16r2="http://schemas.microsoft.com/office/drawing/2015/06/chart">
+  <c:date1904 val="0"/>
+  <c:lang val="zh-CN"/>
+  <c:roundedCorners val="0"/>
+  <mc:AlternateContent xmlns:mc="http://schemas.openxmlformats.org/markup-compatibility/2006">
+    <mc:Choice xmlns:c14="http://schemas.microsoft.com/office/drawing/2007/8/2/chart" Requires="c14">
+      <c14:style val="102"/>
+    </mc:Choice>
+    <mc:Fallback>
+      <c:style val="2"/>
+    </mc:Fallback>
+  </mc:AlternateContent>
+  <c:chart>
+    <c:autoTitleDeleted val="1"/>
+    <c:plotArea>
+      <c:layout/>
+      <c:lineChart>
+        <c:grouping val="standard"/>
+        <c:varyColors val="0"/>
+        <c:ser>
+          <c:idx val="0"/>
+          <c:order val="0"/>
+          <c:tx>
+            <c:v>词向量加权</c:v>
+          </c:tx>
+          <c:spPr>
+            <a:ln w="22225" cap="rnd">
+              <a:solidFill>
+                <a:schemeClr val="accent1"/>
+              </a:solidFill>
+              <a:round/>
+            </a:ln>
+            <a:effectLst/>
+          </c:spPr>
+          <c:marker>
+            <c:symbol val="none"/>
+          </c:marker>
+          <c:val>
+            <c:numRef>
+              <c:f>Sheet1!$A$1:$A$6</c:f>
+              <c:numCache>
+                <c:formatCode>General</c:formatCode>
+                <c:ptCount val="6"/>
+                <c:pt idx="0">
+                  <c:v>0.58899999999999997</c:v>
+                </c:pt>
+                <c:pt idx="1">
+                  <c:v>0.56200000000000006</c:v>
+                </c:pt>
+                <c:pt idx="2">
+                  <c:v>0.53800000000000003</c:v>
+                </c:pt>
+                <c:pt idx="3">
+                  <c:v>0.60099999999999998</c:v>
+                </c:pt>
+                <c:pt idx="4">
+                  <c:v>0.61099999999999999</c:v>
+                </c:pt>
+                <c:pt idx="5">
+                  <c:v>0.50700000000000001</c:v>
+                </c:pt>
+              </c:numCache>
+            </c:numRef>
+          </c:val>
+          <c:smooth val="0"/>
+          <c:extLst>
+            <c:ext xmlns:c16="http://schemas.microsoft.com/office/drawing/2014/chart" uri="{C3380CC4-5D6E-409C-BE32-E72D297353CC}">
+              <c16:uniqueId val="{00000000-3AFF-4CC5-97BF-AFED3B374B33}"/>
+            </c:ext>
+          </c:extLst>
+        </c:ser>
+        <c:ser>
+          <c:idx val="1"/>
+          <c:order val="1"/>
+          <c:tx>
+            <c:v>CNN</c:v>
+          </c:tx>
+          <c:spPr>
+            <a:ln w="22225" cap="rnd">
+              <a:solidFill>
+                <a:schemeClr val="accent2"/>
+              </a:solidFill>
+              <a:round/>
+            </a:ln>
+            <a:effectLst/>
+          </c:spPr>
+          <c:marker>
+            <c:symbol val="none"/>
+          </c:marker>
+          <c:val>
+            <c:numRef>
+              <c:f>Sheet1!$B$1:$B$6</c:f>
+              <c:numCache>
+                <c:formatCode>General</c:formatCode>
+                <c:ptCount val="6"/>
+                <c:pt idx="0">
+                  <c:v>0.61299999999999999</c:v>
+                </c:pt>
+                <c:pt idx="1">
+                  <c:v>0.65200000000000002</c:v>
+                </c:pt>
+                <c:pt idx="2">
+                  <c:v>0.58799999999999997</c:v>
+                </c:pt>
+                <c:pt idx="3">
+                  <c:v>0.58099999999999996</c:v>
+                </c:pt>
+                <c:pt idx="4">
+                  <c:v>0.70099999999999996</c:v>
+                </c:pt>
+                <c:pt idx="5">
+                  <c:v>0.55700000000000005</c:v>
+                </c:pt>
+              </c:numCache>
+            </c:numRef>
+          </c:val>
+          <c:smooth val="0"/>
+          <c:extLst>
+            <c:ext xmlns:c16="http://schemas.microsoft.com/office/drawing/2014/chart" uri="{C3380CC4-5D6E-409C-BE32-E72D297353CC}">
+              <c16:uniqueId val="{00000001-3AFF-4CC5-97BF-AFED3B374B33}"/>
+            </c:ext>
+          </c:extLst>
+        </c:ser>
+        <c:dLbls>
+          <c:showLegendKey val="0"/>
+          <c:showVal val="0"/>
+          <c:showCatName val="0"/>
+          <c:showSerName val="0"/>
+          <c:showPercent val="0"/>
+          <c:showBubbleSize val="0"/>
+        </c:dLbls>
+        <c:smooth val="0"/>
+        <c:axId val="962963503"/>
+        <c:axId val="962968495"/>
+      </c:lineChart>
+      <c:catAx>
+        <c:axId val="962963503"/>
+        <c:scaling>
+          <c:orientation val="minMax"/>
+        </c:scaling>
+        <c:delete val="0"/>
+        <c:axPos val="b"/>
+        <c:majorGridlines>
+          <c:spPr>
+            <a:ln w="9525" cap="flat" cmpd="sng" algn="ctr">
+              <a:solidFill>
+                <a:schemeClr val="tx1">
+                  <a:lumMod val="15000"/>
+                  <a:lumOff val="85000"/>
+                </a:schemeClr>
+              </a:solidFill>
+              <a:round/>
+            </a:ln>
+            <a:effectLst/>
+          </c:spPr>
+        </c:majorGridlines>
+        <c:title>
+          <c:tx>
+            <c:rich>
+              <a:bodyPr rot="0" spcFirstLastPara="1" vertOverflow="ellipsis" vert="horz" wrap="square" anchor="ctr" anchorCtr="1"/>
+              <a:lstStyle/>
+              <a:p>
+                <a:pPr>
+                  <a:defRPr sz="900" b="0" i="0" u="none" strike="noStrike" kern="1200" cap="all" baseline="0">
+                    <a:solidFill>
+                      <a:schemeClr val="tx1">
+                        <a:lumMod val="65000"/>
+                        <a:lumOff val="35000"/>
+                      </a:schemeClr>
+                    </a:solidFill>
+                    <a:latin typeface="+mn-lt"/>
+                    <a:ea typeface="+mn-ea"/>
+                    <a:cs typeface="+mn-cs"/>
+                  </a:defRPr>
+                </a:pPr>
+                <a:r>
+                  <a:rPr lang="zh-CN" altLang="en-US" sz="1000"/>
+                  <a:t>关系类别</a:t>
+                </a:r>
+              </a:p>
+            </c:rich>
+          </c:tx>
+          <c:layout/>
+          <c:overlay val="0"/>
+          <c:spPr>
+            <a:noFill/>
+            <a:ln>
+              <a:noFill/>
+            </a:ln>
+            <a:effectLst/>
+          </c:spPr>
+          <c:txPr>
+            <a:bodyPr rot="0" spcFirstLastPara="1" vertOverflow="ellipsis" vert="horz" wrap="square" anchor="ctr" anchorCtr="1"/>
+            <a:lstStyle/>
+            <a:p>
+              <a:pPr>
+                <a:defRPr sz="900" b="0" i="0" u="none" strike="noStrike" kern="1200" cap="all" baseline="0">
+                  <a:solidFill>
+                    <a:schemeClr val="tx1">
+                      <a:lumMod val="65000"/>
+                      <a:lumOff val="35000"/>
+                    </a:schemeClr>
+                  </a:solidFill>
+                  <a:latin typeface="+mn-lt"/>
+                  <a:ea typeface="+mn-ea"/>
+                  <a:cs typeface="+mn-cs"/>
+                </a:defRPr>
+              </a:pPr>
+              <a:endParaRPr lang="zh-CN"/>
+            </a:p>
+          </c:txPr>
+        </c:title>
+        <c:majorTickMark val="none"/>
+        <c:minorTickMark val="none"/>
+        <c:tickLblPos val="nextTo"/>
+        <c:spPr>
+          <a:noFill/>
+          <a:ln w="9525" cap="flat" cmpd="sng" algn="ctr">
+            <a:solidFill>
+              <a:schemeClr val="tx1">
+                <a:lumMod val="15000"/>
+                <a:lumOff val="85000"/>
+              </a:schemeClr>
+            </a:solidFill>
+            <a:round/>
+          </a:ln>
+          <a:effectLst/>
+        </c:spPr>
+        <c:txPr>
+          <a:bodyPr rot="-60000000" spcFirstLastPara="1" vertOverflow="ellipsis" vert="horz" wrap="square" anchor="ctr" anchorCtr="1"/>
+          <a:lstStyle/>
+          <a:p>
+            <a:pPr>
+              <a:defRPr sz="800" b="0" i="0" u="none" strike="noStrike" kern="1200" cap="all" spc="120" normalizeH="0" baseline="0">
+                <a:solidFill>
+                  <a:schemeClr val="tx1">
+                    <a:lumMod val="65000"/>
+                    <a:lumOff val="35000"/>
+                  </a:schemeClr>
+                </a:solidFill>
+                <a:latin typeface="+mn-lt"/>
+                <a:ea typeface="+mn-ea"/>
+                <a:cs typeface="+mn-cs"/>
+              </a:defRPr>
+            </a:pPr>
+            <a:endParaRPr lang="zh-CN"/>
+          </a:p>
+        </c:txPr>
+        <c:crossAx val="962968495"/>
+        <c:crosses val="autoZero"/>
+        <c:auto val="1"/>
+        <c:lblAlgn val="ctr"/>
+        <c:lblOffset val="100"/>
+        <c:noMultiLvlLbl val="0"/>
+      </c:catAx>
+      <c:valAx>
+        <c:axId val="962968495"/>
+        <c:scaling>
+          <c:orientation val="minMax"/>
+        </c:scaling>
+        <c:delete val="0"/>
+        <c:axPos val="l"/>
+        <c:title>
+          <c:tx>
+            <c:rich>
+              <a:bodyPr rot="-5400000" spcFirstLastPara="1" vertOverflow="ellipsis" vert="horz" wrap="square" anchor="ctr" anchorCtr="1"/>
+              <a:lstStyle/>
+              <a:p>
+                <a:pPr>
+                  <a:defRPr sz="900" b="0" i="0" u="none" strike="noStrike" kern="1200" cap="all" baseline="0">
+                    <a:solidFill>
+                      <a:schemeClr val="tx1">
+                        <a:lumMod val="65000"/>
+                        <a:lumOff val="35000"/>
+                      </a:schemeClr>
+                    </a:solidFill>
+                    <a:latin typeface="+mn-lt"/>
+                    <a:ea typeface="+mn-ea"/>
+                    <a:cs typeface="+mn-cs"/>
+                  </a:defRPr>
+                </a:pPr>
+                <a:r>
+                  <a:rPr lang="en-US" altLang="zh-CN" sz="1000"/>
+                  <a:t>F</a:t>
+                </a:r>
+                <a:r>
+                  <a:rPr lang="zh-CN" altLang="en-US" sz="1000"/>
+                  <a:t>值</a:t>
+                </a:r>
+              </a:p>
+            </c:rich>
+          </c:tx>
+          <c:layout/>
+          <c:overlay val="0"/>
+          <c:spPr>
+            <a:noFill/>
+            <a:ln>
+              <a:noFill/>
+            </a:ln>
+            <a:effectLst/>
+          </c:spPr>
+          <c:txPr>
+            <a:bodyPr rot="-5400000" spcFirstLastPara="1" vertOverflow="ellipsis" vert="horz" wrap="square" anchor="ctr" anchorCtr="1"/>
+            <a:lstStyle/>
+            <a:p>
+              <a:pPr>
+                <a:defRPr sz="900" b="0" i="0" u="none" strike="noStrike" kern="1200" cap="all" baseline="0">
+                  <a:solidFill>
+                    <a:schemeClr val="tx1">
+                      <a:lumMod val="65000"/>
+                      <a:lumOff val="35000"/>
+                    </a:schemeClr>
+                  </a:solidFill>
+                  <a:latin typeface="+mn-lt"/>
+                  <a:ea typeface="+mn-ea"/>
+                  <a:cs typeface="+mn-cs"/>
+                </a:defRPr>
+              </a:pPr>
+              <a:endParaRPr lang="zh-CN"/>
+            </a:p>
+          </c:txPr>
+        </c:title>
+        <c:numFmt formatCode="General" sourceLinked="1"/>
+        <c:majorTickMark val="none"/>
+        <c:minorTickMark val="none"/>
+        <c:tickLblPos val="nextTo"/>
+        <c:spPr>
+          <a:noFill/>
+          <a:ln w="9525" cap="flat" cmpd="sng" algn="ctr">
+            <a:solidFill>
+              <a:schemeClr val="dk1">
+                <a:lumMod val="15000"/>
+                <a:lumOff val="85000"/>
+              </a:schemeClr>
+            </a:solidFill>
+            <a:round/>
+          </a:ln>
+          <a:effectLst/>
+        </c:spPr>
+        <c:txPr>
+          <a:bodyPr rot="-60000000" spcFirstLastPara="1" vertOverflow="ellipsis" vert="horz" wrap="square" anchor="ctr" anchorCtr="1"/>
+          <a:lstStyle/>
+          <a:p>
+            <a:pPr>
+              <a:defRPr sz="900" b="0" i="0" u="none" strike="noStrike" kern="1200" baseline="0">
+                <a:solidFill>
+                  <a:schemeClr val="tx1">
+                    <a:lumMod val="65000"/>
+                    <a:lumOff val="35000"/>
+                  </a:schemeClr>
+                </a:solidFill>
+                <a:latin typeface="+mn-lt"/>
+                <a:ea typeface="+mn-ea"/>
+                <a:cs typeface="+mn-cs"/>
+              </a:defRPr>
+            </a:pPr>
+            <a:endParaRPr lang="zh-CN"/>
+          </a:p>
+        </c:txPr>
+        <c:crossAx val="962963503"/>
+        <c:crosses val="autoZero"/>
+        <c:crossBetween val="between"/>
+      </c:valAx>
+      <c:spPr>
+        <a:noFill/>
+        <a:ln>
+          <a:noFill/>
+        </a:ln>
+        <a:effectLst/>
+      </c:spPr>
+    </c:plotArea>
+    <c:legend>
+      <c:legendPos val="t"/>
+      <c:layout/>
+      <c:overlay val="0"/>
+      <c:spPr>
+        <a:noFill/>
+        <a:ln>
+          <a:noFill/>
+        </a:ln>
+        <a:effectLst/>
+      </c:spPr>
+      <c:txPr>
+        <a:bodyPr rot="0" spcFirstLastPara="1" vertOverflow="ellipsis" vert="horz" wrap="square" anchor="ctr" anchorCtr="1"/>
+        <a:lstStyle/>
+        <a:p>
+          <a:pPr>
+            <a:defRPr sz="900" b="0" i="0" u="none" strike="noStrike" kern="1200" baseline="0">
+              <a:solidFill>
+                <a:schemeClr val="tx1">
+                  <a:lumMod val="65000"/>
+                  <a:lumOff val="35000"/>
+                </a:schemeClr>
+              </a:solidFill>
+              <a:latin typeface="+mn-lt"/>
+              <a:ea typeface="+mn-ea"/>
+              <a:cs typeface="+mn-cs"/>
+            </a:defRPr>
+          </a:pPr>
+          <a:endParaRPr lang="zh-CN"/>
+        </a:p>
+      </c:txPr>
+    </c:legend>
+    <c:plotVisOnly val="1"/>
+    <c:dispBlanksAs val="gap"/>
+    <c:showDLblsOverMax val="0"/>
+  </c:chart>
+  <c:spPr>
+    <a:noFill/>
+    <a:ln>
+      <a:noFill/>
+    </a:ln>
+    <a:effectLst/>
+  </c:spPr>
+  <c:txPr>
+    <a:bodyPr/>
+    <a:lstStyle/>
+    <a:p>
+      <a:pPr>
+        <a:defRPr/>
+      </a:pPr>
+      <a:endParaRPr lang="zh-CN"/>
+    </a:p>
+  </c:txPr>
+  <c:externalData r:id="rId3">
+    <c:autoUpdate val="0"/>
+  </c:externalData>
+</c:chartSpace>
+</file>
+
 <file path=ppt/charts/colors1.xml><?xml version="1.0" encoding="utf-8"?>
 <cs:colorStyle xmlns:cs="http://schemas.microsoft.com/office/drawing/2012/chartStyle" xmlns:a="http://schemas.openxmlformats.org/drawingml/2006/main" meth="cycle" id="10">
   <a:schemeClr val="accent1"/>
@@ -736,7 +1167,568 @@
 </cs:colorStyle>
 </file>
 
+<file path=ppt/charts/colors2.xml><?xml version="1.0" encoding="utf-8"?>
+<cs:colorStyle xmlns:cs="http://schemas.microsoft.com/office/drawing/2012/chartStyle" xmlns:a="http://schemas.openxmlformats.org/drawingml/2006/main" meth="cycle" id="10">
+  <a:schemeClr val="accent1"/>
+  <a:schemeClr val="accent2"/>
+  <a:schemeClr val="accent3"/>
+  <a:schemeClr val="accent4"/>
+  <a:schemeClr val="accent5"/>
+  <a:schemeClr val="accent6"/>
+  <cs:variation/>
+  <cs:variation>
+    <a:lumMod val="60000"/>
+  </cs:variation>
+  <cs:variation>
+    <a:lumMod val="80000"/>
+    <a:lumOff val="20000"/>
+  </cs:variation>
+  <cs:variation>
+    <a:lumMod val="80000"/>
+  </cs:variation>
+  <cs:variation>
+    <a:lumMod val="60000"/>
+    <a:lumOff val="40000"/>
+  </cs:variation>
+  <cs:variation>
+    <a:lumMod val="50000"/>
+  </cs:variation>
+  <cs:variation>
+    <a:lumMod val="70000"/>
+    <a:lumOff val="30000"/>
+  </cs:variation>
+  <cs:variation>
+    <a:lumMod val="70000"/>
+  </cs:variation>
+  <cs:variation>
+    <a:lumMod val="50000"/>
+    <a:lumOff val="50000"/>
+  </cs:variation>
+</cs:colorStyle>
+</file>
+
 <file path=ppt/charts/style1.xml><?xml version="1.0" encoding="utf-8"?>
+<cs:chartStyle xmlns:cs="http://schemas.microsoft.com/office/drawing/2012/chartStyle" xmlns:a="http://schemas.openxmlformats.org/drawingml/2006/main" id="239">
+  <cs:axisTitle>
+    <cs:lnRef idx="0"/>
+    <cs:fillRef idx="0"/>
+    <cs:effectRef idx="0"/>
+    <cs:fontRef idx="minor">
+      <a:schemeClr val="tx1">
+        <a:lumMod val="65000"/>
+        <a:lumOff val="35000"/>
+      </a:schemeClr>
+    </cs:fontRef>
+    <cs:defRPr sz="900" kern="1200" cap="all"/>
+  </cs:axisTitle>
+  <cs:categoryAxis>
+    <cs:lnRef idx="0"/>
+    <cs:fillRef idx="0"/>
+    <cs:effectRef idx="0"/>
+    <cs:fontRef idx="minor">
+      <a:schemeClr val="tx1">
+        <a:lumMod val="65000"/>
+        <a:lumOff val="35000"/>
+      </a:schemeClr>
+    </cs:fontRef>
+    <cs:spPr>
+      <a:ln w="9525" cap="flat" cmpd="sng" algn="ctr">
+        <a:solidFill>
+          <a:schemeClr val="tx1">
+            <a:lumMod val="15000"/>
+            <a:lumOff val="85000"/>
+          </a:schemeClr>
+        </a:solidFill>
+        <a:round/>
+      </a:ln>
+    </cs:spPr>
+    <cs:defRPr sz="800" kern="1200" cap="all" spc="120" normalizeH="0" baseline="0"/>
+  </cs:categoryAxis>
+  <cs:chartArea mods="allowNoFillOverride allowNoLineOverride">
+    <cs:lnRef idx="0"/>
+    <cs:fillRef idx="0"/>
+    <cs:effectRef idx="0"/>
+    <cs:fontRef idx="minor">
+      <a:schemeClr val="dk1"/>
+    </cs:fontRef>
+    <cs:spPr>
+      <a:solidFill>
+        <a:schemeClr val="lt1"/>
+      </a:solidFill>
+      <a:ln w="9525" cap="flat" cmpd="sng" algn="ctr">
+        <a:solidFill>
+          <a:schemeClr val="tx1">
+            <a:lumMod val="15000"/>
+            <a:lumOff val="85000"/>
+          </a:schemeClr>
+        </a:solidFill>
+        <a:round/>
+      </a:ln>
+    </cs:spPr>
+    <cs:defRPr sz="900" kern="1200"/>
+  </cs:chartArea>
+  <cs:dataLabel>
+    <cs:lnRef idx="0"/>
+    <cs:fillRef idx="0"/>
+    <cs:effectRef idx="0"/>
+    <cs:fontRef idx="minor">
+      <a:schemeClr val="tx1">
+        <a:lumMod val="50000"/>
+        <a:lumOff val="50000"/>
+      </a:schemeClr>
+    </cs:fontRef>
+    <cs:defRPr sz="900" b="0" i="0" u="none" strike="noStrike" kern="1200" baseline="0"/>
+  </cs:dataLabel>
+  <cs:dataLabelCallout>
+    <cs:lnRef idx="0"/>
+    <cs:fillRef idx="0"/>
+    <cs:effectRef idx="0"/>
+    <cs:fontRef idx="minor">
+      <a:schemeClr val="dk1">
+        <a:lumMod val="65000"/>
+        <a:lumOff val="35000"/>
+      </a:schemeClr>
+    </cs:fontRef>
+    <cs:spPr>
+      <a:solidFill>
+        <a:schemeClr val="lt1"/>
+      </a:solidFill>
+      <a:ln>
+        <a:solidFill>
+          <a:schemeClr val="dk1">
+            <a:lumMod val="25000"/>
+            <a:lumOff val="75000"/>
+          </a:schemeClr>
+        </a:solidFill>
+      </a:ln>
+    </cs:spPr>
+    <cs:defRPr sz="900" kern="1200"/>
+    <cs:bodyPr rot="0" spcFirstLastPara="1" vertOverflow="clip" horzOverflow="clip" vert="horz" wrap="square" lIns="36576" tIns="18288" rIns="36576" bIns="18288" anchor="ctr" anchorCtr="1">
+      <a:spAutoFit/>
+    </cs:bodyPr>
+  </cs:dataLabelCallout>
+  <cs:dataPoint>
+    <cs:lnRef idx="0"/>
+    <cs:fillRef idx="0">
+      <cs:styleClr val="auto"/>
+    </cs:fillRef>
+    <cs:effectRef idx="0"/>
+    <cs:fontRef idx="minor">
+      <a:schemeClr val="dk1"/>
+    </cs:fontRef>
+    <cs:spPr>
+      <a:solidFill>
+        <a:schemeClr val="phClr"/>
+      </a:solidFill>
+    </cs:spPr>
+  </cs:dataPoint>
+  <cs:dataPoint3D>
+    <cs:lnRef idx="0"/>
+    <cs:fillRef idx="0">
+      <cs:styleClr val="auto"/>
+    </cs:fillRef>
+    <cs:effectRef idx="0"/>
+    <cs:fontRef idx="minor">
+      <a:schemeClr val="dk1"/>
+    </cs:fontRef>
+    <cs:spPr>
+      <a:solidFill>
+        <a:schemeClr val="phClr"/>
+      </a:solidFill>
+    </cs:spPr>
+  </cs:dataPoint3D>
+  <cs:dataPointLine>
+    <cs:lnRef idx="0">
+      <cs:styleClr val="auto"/>
+    </cs:lnRef>
+    <cs:fillRef idx="0"/>
+    <cs:effectRef idx="0"/>
+    <cs:fontRef idx="minor">
+      <a:schemeClr val="dk1"/>
+    </cs:fontRef>
+    <cs:spPr>
+      <a:ln w="22225" cap="rnd">
+        <a:solidFill>
+          <a:schemeClr val="phClr"/>
+        </a:solidFill>
+        <a:round/>
+      </a:ln>
+    </cs:spPr>
+  </cs:dataPointLine>
+  <cs:dataPointMarker>
+    <cs:lnRef idx="0">
+      <cs:styleClr val="auto"/>
+    </cs:lnRef>
+    <cs:fillRef idx="0">
+      <cs:styleClr val="auto"/>
+    </cs:fillRef>
+    <cs:effectRef idx="0"/>
+    <cs:fontRef idx="minor">
+      <a:schemeClr val="dk1"/>
+    </cs:fontRef>
+    <cs:spPr>
+      <a:solidFill>
+        <a:schemeClr val="phClr"/>
+      </a:solidFill>
+      <a:ln w="9525">
+        <a:solidFill>
+          <a:schemeClr val="phClr"/>
+        </a:solidFill>
+        <a:round/>
+      </a:ln>
+    </cs:spPr>
+  </cs:dataPointMarker>
+  <cs:dataPointMarkerLayout size="6"/>
+  <cs:dataPointWireframe>
+    <cs:lnRef idx="0">
+      <cs:styleClr val="auto"/>
+    </cs:lnRef>
+    <cs:fillRef idx="0"/>
+    <cs:effectRef idx="0"/>
+    <cs:fontRef idx="minor">
+      <a:schemeClr val="dk1"/>
+    </cs:fontRef>
+    <cs:spPr>
+      <a:ln w="9525" cap="rnd">
+        <a:solidFill>
+          <a:schemeClr val="phClr"/>
+        </a:solidFill>
+        <a:round/>
+      </a:ln>
+    </cs:spPr>
+  </cs:dataPointWireframe>
+  <cs:dataTable>
+    <cs:lnRef idx="0"/>
+    <cs:fillRef idx="0"/>
+    <cs:effectRef idx="0"/>
+    <cs:fontRef idx="minor">
+      <a:schemeClr val="tx1">
+        <a:lumMod val="65000"/>
+        <a:lumOff val="35000"/>
+      </a:schemeClr>
+    </cs:fontRef>
+    <cs:spPr>
+      <a:ln w="9525">
+        <a:solidFill>
+          <a:schemeClr val="tx1">
+            <a:lumMod val="15000"/>
+            <a:lumOff val="85000"/>
+          </a:schemeClr>
+        </a:solidFill>
+      </a:ln>
+    </cs:spPr>
+    <cs:defRPr sz="900" kern="1200"/>
+  </cs:dataTable>
+  <cs:downBar>
+    <cs:lnRef idx="0"/>
+    <cs:fillRef idx="0"/>
+    <cs:effectRef idx="0"/>
+    <cs:fontRef idx="minor">
+      <a:schemeClr val="dk1"/>
+    </cs:fontRef>
+    <cs:spPr>
+      <a:solidFill>
+        <a:schemeClr val="dk1">
+          <a:lumMod val="75000"/>
+          <a:lumOff val="25000"/>
+        </a:schemeClr>
+      </a:solidFill>
+      <a:ln w="9525">
+        <a:solidFill>
+          <a:schemeClr val="tx1">
+            <a:lumMod val="15000"/>
+            <a:lumOff val="85000"/>
+          </a:schemeClr>
+        </a:solidFill>
+      </a:ln>
+    </cs:spPr>
+  </cs:downBar>
+  <cs:dropLine>
+    <cs:lnRef idx="0"/>
+    <cs:fillRef idx="0"/>
+    <cs:effectRef idx="0"/>
+    <cs:fontRef idx="minor">
+      <a:schemeClr val="dk1"/>
+    </cs:fontRef>
+    <cs:spPr>
+      <a:ln w="9525">
+        <a:solidFill>
+          <a:schemeClr val="tx1">
+            <a:lumMod val="35000"/>
+            <a:lumOff val="65000"/>
+          </a:schemeClr>
+        </a:solidFill>
+      </a:ln>
+    </cs:spPr>
+  </cs:dropLine>
+  <cs:errorBar>
+    <cs:lnRef idx="0"/>
+    <cs:fillRef idx="0"/>
+    <cs:effectRef idx="0"/>
+    <cs:fontRef idx="minor">
+      <a:schemeClr val="dk1"/>
+    </cs:fontRef>
+    <cs:spPr>
+      <a:ln w="9525">
+        <a:solidFill>
+          <a:schemeClr val="tx1">
+            <a:lumMod val="65000"/>
+            <a:lumOff val="35000"/>
+          </a:schemeClr>
+        </a:solidFill>
+        <a:round/>
+      </a:ln>
+    </cs:spPr>
+  </cs:errorBar>
+  <cs:floor>
+    <cs:lnRef idx="0"/>
+    <cs:fillRef idx="0"/>
+    <cs:effectRef idx="0"/>
+    <cs:fontRef idx="minor">
+      <a:schemeClr val="dk1"/>
+    </cs:fontRef>
+  </cs:floor>
+  <cs:gridlineMajor>
+    <cs:lnRef idx="0"/>
+    <cs:fillRef idx="0"/>
+    <cs:effectRef idx="0"/>
+    <cs:fontRef idx="minor">
+      <a:schemeClr val="dk1"/>
+    </cs:fontRef>
+    <cs:spPr>
+      <a:ln w="9525" cap="flat" cmpd="sng" algn="ctr">
+        <a:solidFill>
+          <a:schemeClr val="tx1">
+            <a:lumMod val="15000"/>
+            <a:lumOff val="85000"/>
+          </a:schemeClr>
+        </a:solidFill>
+        <a:round/>
+      </a:ln>
+    </cs:spPr>
+  </cs:gridlineMajor>
+  <cs:gridlineMinor>
+    <cs:lnRef idx="0"/>
+    <cs:fillRef idx="0"/>
+    <cs:effectRef idx="0"/>
+    <cs:fontRef idx="minor">
+      <a:schemeClr val="dk1"/>
+    </cs:fontRef>
+    <cs:spPr>
+      <a:ln>
+        <a:solidFill>
+          <a:schemeClr val="tx1">
+            <a:lumMod val="5000"/>
+            <a:lumOff val="95000"/>
+          </a:schemeClr>
+        </a:solidFill>
+      </a:ln>
+    </cs:spPr>
+  </cs:gridlineMinor>
+  <cs:hiLoLine>
+    <cs:lnRef idx="0"/>
+    <cs:fillRef idx="0"/>
+    <cs:effectRef idx="0"/>
+    <cs:fontRef idx="minor">
+      <a:schemeClr val="dk1"/>
+    </cs:fontRef>
+    <cs:spPr>
+      <a:ln w="9525">
+        <a:solidFill>
+          <a:schemeClr val="tx1">
+            <a:lumMod val="50000"/>
+            <a:lumOff val="50000"/>
+          </a:schemeClr>
+        </a:solidFill>
+      </a:ln>
+    </cs:spPr>
+  </cs:hiLoLine>
+  <cs:leaderLine>
+    <cs:lnRef idx="0"/>
+    <cs:fillRef idx="0"/>
+    <cs:effectRef idx="0"/>
+    <cs:fontRef idx="minor">
+      <a:schemeClr val="dk1"/>
+    </cs:fontRef>
+    <cs:spPr>
+      <a:ln w="9525">
+        <a:solidFill>
+          <a:schemeClr val="tx1">
+            <a:lumMod val="35000"/>
+            <a:lumOff val="65000"/>
+          </a:schemeClr>
+        </a:solidFill>
+      </a:ln>
+    </cs:spPr>
+  </cs:leaderLine>
+  <cs:legend>
+    <cs:lnRef idx="0"/>
+    <cs:fillRef idx="0"/>
+    <cs:effectRef idx="0"/>
+    <cs:fontRef idx="minor">
+      <a:schemeClr val="tx1">
+        <a:lumMod val="65000"/>
+        <a:lumOff val="35000"/>
+      </a:schemeClr>
+    </cs:fontRef>
+    <cs:defRPr sz="900" kern="1200"/>
+  </cs:legend>
+  <cs:plotArea mods="allowNoFillOverride allowNoLineOverride">
+    <cs:lnRef idx="0"/>
+    <cs:fillRef idx="0"/>
+    <cs:effectRef idx="0"/>
+    <cs:fontRef idx="minor">
+      <a:schemeClr val="dk1"/>
+    </cs:fontRef>
+  </cs:plotArea>
+  <cs:plotArea3D mods="allowNoFillOverride allowNoLineOverride">
+    <cs:lnRef idx="0"/>
+    <cs:fillRef idx="0"/>
+    <cs:effectRef idx="0"/>
+    <cs:fontRef idx="minor">
+      <a:schemeClr val="dk1"/>
+    </cs:fontRef>
+  </cs:plotArea3D>
+  <cs:seriesAxis>
+    <cs:lnRef idx="0"/>
+    <cs:fillRef idx="0"/>
+    <cs:effectRef idx="0"/>
+    <cs:fontRef idx="minor">
+      <a:schemeClr val="tx1">
+        <a:lumMod val="65000"/>
+        <a:lumOff val="35000"/>
+      </a:schemeClr>
+    </cs:fontRef>
+    <cs:spPr>
+      <a:ln w="9525" cap="flat" cmpd="sng" algn="ctr">
+        <a:solidFill>
+          <a:schemeClr val="tx1">
+            <a:lumMod val="15000"/>
+            <a:lumOff val="85000"/>
+          </a:schemeClr>
+        </a:solidFill>
+        <a:round/>
+      </a:ln>
+    </cs:spPr>
+    <cs:defRPr sz="900" kern="1200"/>
+  </cs:seriesAxis>
+  <cs:seriesLine>
+    <cs:lnRef idx="0"/>
+    <cs:fillRef idx="0"/>
+    <cs:effectRef idx="0"/>
+    <cs:fontRef idx="minor">
+      <a:schemeClr val="dk1"/>
+    </cs:fontRef>
+    <cs:spPr>
+      <a:ln w="9525">
+        <a:solidFill>
+          <a:schemeClr val="tx1">
+            <a:lumMod val="35000"/>
+            <a:lumOff val="65000"/>
+          </a:schemeClr>
+        </a:solidFill>
+        <a:round/>
+      </a:ln>
+    </cs:spPr>
+  </cs:seriesLine>
+  <cs:title>
+    <cs:lnRef idx="0"/>
+    <cs:fillRef idx="0"/>
+    <cs:effectRef idx="0"/>
+    <cs:fontRef idx="minor">
+      <a:schemeClr val="tx1">
+        <a:lumMod val="65000"/>
+        <a:lumOff val="35000"/>
+      </a:schemeClr>
+    </cs:fontRef>
+    <cs:defRPr sz="1600" b="1" kern="1200" cap="all" spc="120" normalizeH="0" baseline="0"/>
+  </cs:title>
+  <cs:trendline>
+    <cs:lnRef idx="0">
+      <cs:styleClr val="auto"/>
+    </cs:lnRef>
+    <cs:fillRef idx="0"/>
+    <cs:effectRef idx="0"/>
+    <cs:fontRef idx="minor">
+      <a:schemeClr val="dk1"/>
+    </cs:fontRef>
+    <cs:spPr>
+      <a:ln w="19050" cap="rnd">
+        <a:solidFill>
+          <a:schemeClr val="phClr"/>
+        </a:solidFill>
+        <a:prstDash val="sysDash"/>
+      </a:ln>
+    </cs:spPr>
+  </cs:trendline>
+  <cs:trendlineLabel>
+    <cs:lnRef idx="0"/>
+    <cs:fillRef idx="0"/>
+    <cs:effectRef idx="0"/>
+    <cs:fontRef idx="minor">
+      <a:schemeClr val="tx1">
+        <a:lumMod val="65000"/>
+        <a:lumOff val="35000"/>
+      </a:schemeClr>
+    </cs:fontRef>
+    <cs:defRPr sz="800" kern="1200"/>
+  </cs:trendlineLabel>
+  <cs:upBar>
+    <cs:lnRef idx="0"/>
+    <cs:fillRef idx="0"/>
+    <cs:effectRef idx="0"/>
+    <cs:fontRef idx="minor">
+      <a:schemeClr val="dk1"/>
+    </cs:fontRef>
+    <cs:spPr>
+      <a:solidFill>
+        <a:schemeClr val="lt1"/>
+      </a:solidFill>
+      <a:ln w="9525">
+        <a:solidFill>
+          <a:schemeClr val="tx1">
+            <a:lumMod val="65000"/>
+            <a:lumOff val="35000"/>
+          </a:schemeClr>
+        </a:solidFill>
+      </a:ln>
+    </cs:spPr>
+  </cs:upBar>
+  <cs:valueAxis>
+    <cs:lnRef idx="0"/>
+    <cs:fillRef idx="0"/>
+    <cs:effectRef idx="0"/>
+    <cs:fontRef idx="minor">
+      <a:schemeClr val="tx1">
+        <a:lumMod val="65000"/>
+        <a:lumOff val="35000"/>
+      </a:schemeClr>
+    </cs:fontRef>
+    <cs:spPr>
+      <a:ln w="9525" cap="flat" cmpd="sng" algn="ctr">
+        <a:solidFill>
+          <a:schemeClr val="dk1">
+            <a:lumMod val="15000"/>
+            <a:lumOff val="85000"/>
+          </a:schemeClr>
+        </a:solidFill>
+        <a:round/>
+      </a:ln>
+    </cs:spPr>
+    <cs:defRPr sz="900" kern="1200"/>
+  </cs:valueAxis>
+  <cs:wall>
+    <cs:lnRef idx="0"/>
+    <cs:fillRef idx="0"/>
+    <cs:effectRef idx="0"/>
+    <cs:fontRef idx="minor">
+      <a:schemeClr val="dk1"/>
+    </cs:fontRef>
+  </cs:wall>
+</cs:chartStyle>
+</file>
+
+<file path=ppt/charts/style2.xml><?xml version="1.0" encoding="utf-8"?>
 <cs:chartStyle xmlns:cs="http://schemas.microsoft.com/office/drawing/2012/chartStyle" xmlns:a="http://schemas.openxmlformats.org/drawingml/2006/main" id="239">
   <cs:axisTitle>
     <cs:lnRef idx="0"/>
@@ -19614,6 +20606,14 @@
           <a:bodyPr/>
           <a:lstStyle/>
           <a:p>
+            <a:r>
+              <a:rPr lang="zh-CN" altLang="en-US" dirty="0" smtClean="0"/>
+              <a:t>大家上午好，我是答辩人</a:t>
+            </a:r>
+            <a:r>
+              <a:rPr lang="zh-CN" altLang="en-US" baseline="0" dirty="0" smtClean="0"/>
+              <a:t> 我的论文题目是基于卷积神经网络的实体关系抽取研究</a:t>
+            </a:r>
             <a:endParaRPr lang="zh-CN" altLang="zh-CN" dirty="0"/>
           </a:p>
         </p:txBody>
@@ -19632,6 +20632,268 @@
 </file>
 
 <file path=ppt/notesSlides/notesSlide10.xml><?xml version="1.0" encoding="utf-8"?>
+<p:notes xmlns:a="http://schemas.openxmlformats.org/drawingml/2006/main" xmlns:r="http://schemas.openxmlformats.org/officeDocument/2006/relationships" xmlns:p="http://schemas.openxmlformats.org/presentationml/2006/main">
+  <p:cSld>
+    <p:spTree>
+      <p:nvGrpSpPr>
+        <p:cNvPr id="1" name=""/>
+        <p:cNvGrpSpPr/>
+        <p:nvPr/>
+      </p:nvGrpSpPr>
+      <p:grpSpPr>
+        <a:xfrm>
+          <a:off x="0" y="0"/>
+          <a:ext cx="0" cy="0"/>
+          <a:chOff x="0" y="0"/>
+          <a:chExt cx="0" cy="0"/>
+        </a:xfrm>
+      </p:grpSpPr>
+      <p:sp>
+        <p:nvSpPr>
+          <p:cNvPr id="2" name="幻灯片图像占位符 1"/>
+          <p:cNvSpPr>
+            <a:spLocks noGrp="1" noRot="1" noChangeAspect="1"/>
+          </p:cNvSpPr>
+          <p:nvPr>
+            <p:ph type="sldImg"/>
+          </p:nvPr>
+        </p:nvSpPr>
+        <p:spPr/>
+      </p:sp>
+      <mc:AlternateContent xmlns:mc="http://schemas.openxmlformats.org/markup-compatibility/2006" xmlns:a14="http://schemas.microsoft.com/office/drawing/2010/main">
+        <mc:Choice Requires="a14">
+          <p:sp>
+            <p:nvSpPr>
+              <p:cNvPr id="3" name="备注占位符 2"/>
+              <p:cNvSpPr>
+                <a:spLocks noGrp="1"/>
+              </p:cNvSpPr>
+              <p:nvPr>
+                <p:ph type="body" idx="1"/>
+              </p:nvPr>
+            </p:nvSpPr>
+            <p:spPr/>
+            <p:txBody>
+              <a:bodyPr/>
+              <a:lstStyle/>
+              <a:p>
+                <a:r>
+                  <a:rPr lang="zh-CN" altLang="en-US" dirty="0" smtClean="0"/>
+                  <a:t>本文主要实现的是句子级的实体关系抽取，因此首先要解决句子的向量表示问题。</a:t>
+                </a:r>
+                <a:endParaRPr lang="en-US" altLang="zh-CN" dirty="0" smtClean="0"/>
+              </a:p>
+              <a:p>
+                <a:endParaRPr lang="en-US" altLang="zh-CN" dirty="0" smtClean="0"/>
+              </a:p>
+              <a:p>
+                <a:pPr marL="0" marR="0" indent="0" algn="l" defTabSz="914400" rtl="0" eaLnBrk="1" fontAlgn="base" latinLnBrk="0" hangingPunct="1">
+                  <a:lnSpc>
+                    <a:spcPct val="100000"/>
+                  </a:lnSpc>
+                  <a:spcBef>
+                    <a:spcPct val="30000"/>
+                  </a:spcBef>
+                  <a:spcAft>
+                    <a:spcPct val="0"/>
+                  </a:spcAft>
+                  <a:buClrTx/>
+                  <a:buSzTx/>
+                  <a:buFontTx/>
+                  <a:buNone/>
+                  <a:tabLst/>
+                  <a:defRPr/>
+                </a:pPr>
+                <a:r>
+                  <a:rPr lang="zh-CN" altLang="en-US" dirty="0" smtClean="0"/>
+                  <a:t>这里的分布式表示是相对于局部表示来说的，传统词袋模型就是一种局部表示方法。</a:t>
+                </a:r>
+                <a:endParaRPr lang="en-US" altLang="zh-CN" dirty="0" smtClean="0"/>
+              </a:p>
+            </p:txBody>
+          </p:sp>
+        </mc:Choice>
+        <mc:Fallback xmlns="">
+          <p:sp>
+            <p:nvSpPr>
+              <p:cNvPr id="3" name="备注占位符 2"/>
+              <p:cNvSpPr>
+                <a:spLocks noGrp="1"/>
+              </p:cNvSpPr>
+              <p:nvPr>
+                <p:ph type="body" idx="1"/>
+              </p:nvPr>
+            </p:nvSpPr>
+            <p:spPr/>
+            <p:txBody>
+              <a:bodyPr/>
+              <a:lstStyle/>
+              <a:p>
+                <a:r>
+                  <a:rPr lang="zh-CN" altLang="en-US" dirty="0" smtClean="0"/>
+                  <a:t>来看一下本次报告的提纲，分别是：</a:t>
+                </a:r>
+                <a:r>
+                  <a:rPr lang="en-US" altLang="zh-CN" dirty="0" smtClean="0"/>
+                  <a:t>1,2,3,4,5,6</a:t>
+                </a:r>
+                <a:endParaRPr lang="zh-CN" altLang="en-US" dirty="0"/>
+              </a:p>
+            </p:txBody>
+          </p:sp>
+        </mc:Fallback>
+      </mc:AlternateContent>
+      <p:sp>
+        <p:nvSpPr>
+          <p:cNvPr id="4" name="灯片编号占位符 3"/>
+          <p:cNvSpPr>
+            <a:spLocks noGrp="1"/>
+          </p:cNvSpPr>
+          <p:nvPr>
+            <p:ph type="sldNum" sz="quarter" idx="10"/>
+          </p:nvPr>
+        </p:nvSpPr>
+        <p:spPr/>
+        <p:txBody>
+          <a:bodyPr/>
+          <a:lstStyle/>
+          <a:p>
+            <a:pPr>
+              <a:defRPr/>
+            </a:pPr>
+            <a:fld id="{CE97544E-26AA-4FDB-B9EA-96855DDCFD2A}" type="slidenum">
+              <a:rPr lang="en-US" altLang="zh-CN" smtClean="0"/>
+              <a:pPr>
+                <a:defRPr/>
+              </a:pPr>
+              <a:t>10</a:t>
+            </a:fld>
+            <a:endParaRPr lang="en-US" altLang="zh-CN"/>
+          </a:p>
+        </p:txBody>
+      </p:sp>
+    </p:spTree>
+    <p:extLst>
+      <p:ext uri="{BB962C8B-B14F-4D97-AF65-F5344CB8AC3E}">
+        <p14:creationId xmlns:p14="http://schemas.microsoft.com/office/powerpoint/2010/main" val="4098551965"/>
+      </p:ext>
+    </p:extLst>
+  </p:cSld>
+  <p:clrMapOvr>
+    <a:masterClrMapping/>
+  </p:clrMapOvr>
+</p:notes>
+</file>
+
+<file path=ppt/notesSlides/notesSlide11.xml><?xml version="1.0" encoding="utf-8"?>
+<p:notes xmlns:a="http://schemas.openxmlformats.org/drawingml/2006/main" xmlns:r="http://schemas.openxmlformats.org/officeDocument/2006/relationships" xmlns:p="http://schemas.openxmlformats.org/presentationml/2006/main">
+  <p:cSld>
+    <p:spTree>
+      <p:nvGrpSpPr>
+        <p:cNvPr id="1" name=""/>
+        <p:cNvGrpSpPr/>
+        <p:nvPr/>
+      </p:nvGrpSpPr>
+      <p:grpSpPr>
+        <a:xfrm>
+          <a:off x="0" y="0"/>
+          <a:ext cx="0" cy="0"/>
+          <a:chOff x="0" y="0"/>
+          <a:chExt cx="0" cy="0"/>
+        </a:xfrm>
+      </p:grpSpPr>
+      <p:sp>
+        <p:nvSpPr>
+          <p:cNvPr id="2" name="幻灯片图像占位符 1"/>
+          <p:cNvSpPr>
+            <a:spLocks noGrp="1" noRot="1" noChangeAspect="1"/>
+          </p:cNvSpPr>
+          <p:nvPr>
+            <p:ph type="sldImg"/>
+          </p:nvPr>
+        </p:nvSpPr>
+        <p:spPr/>
+      </p:sp>
+      <p:sp>
+        <p:nvSpPr>
+          <p:cNvPr id="3" name="备注占位符 2"/>
+          <p:cNvSpPr>
+            <a:spLocks noGrp="1"/>
+          </p:cNvSpPr>
+          <p:nvPr>
+            <p:ph type="body" idx="1"/>
+          </p:nvPr>
+        </p:nvSpPr>
+        <p:spPr/>
+        <p:txBody>
+          <a:bodyPr/>
+          <a:lstStyle/>
+          <a:p>
+            <a:pPr marL="0" marR="0" indent="0" algn="l" defTabSz="914400" rtl="0" eaLnBrk="1" fontAlgn="base" latinLnBrk="0" hangingPunct="1">
+              <a:lnSpc>
+                <a:spcPct val="100000"/>
+              </a:lnSpc>
+              <a:spcBef>
+                <a:spcPct val="30000"/>
+              </a:spcBef>
+              <a:spcAft>
+                <a:spcPct val="0"/>
+              </a:spcAft>
+              <a:buClrTx/>
+              <a:buSzTx/>
+              <a:buFontTx/>
+              <a:buNone/>
+              <a:tabLst/>
+              <a:defRPr/>
+            </a:pPr>
+            <a:r>
+              <a:rPr lang="zh-CN" altLang="en-US" dirty="0" smtClean="0"/>
+              <a:t>为了解决传统词袋模型缺乏语义信息、未考虑词与词之间的顺序及位置信息等缺点，本文尝试使用了两种方法用于构建句子的分布式表示。</a:t>
+            </a:r>
+          </a:p>
+          <a:p>
+            <a:endParaRPr lang="zh-CN" altLang="en-US" dirty="0"/>
+          </a:p>
+        </p:txBody>
+      </p:sp>
+      <p:sp>
+        <p:nvSpPr>
+          <p:cNvPr id="4" name="灯片编号占位符 3"/>
+          <p:cNvSpPr>
+            <a:spLocks noGrp="1"/>
+          </p:cNvSpPr>
+          <p:nvPr>
+            <p:ph type="sldNum" sz="quarter" idx="10"/>
+          </p:nvPr>
+        </p:nvSpPr>
+        <p:spPr/>
+        <p:txBody>
+          <a:bodyPr/>
+          <a:lstStyle/>
+          <a:p>
+            <a:fld id="{725AB2D3-0A13-4B70-943B-8D91FF02C85D}" type="slidenum">
+              <a:rPr lang="en-US" altLang="zh-CN" smtClean="0"/>
+              <a:pPr/>
+              <a:t>11</a:t>
+            </a:fld>
+            <a:endParaRPr lang="en-US" altLang="zh-CN"/>
+          </a:p>
+        </p:txBody>
+      </p:sp>
+    </p:spTree>
+    <p:extLst>
+      <p:ext uri="{BB962C8B-B14F-4D97-AF65-F5344CB8AC3E}">
+        <p14:creationId xmlns:p14="http://schemas.microsoft.com/office/powerpoint/2010/main" val="3420247205"/>
+      </p:ext>
+    </p:extLst>
+  </p:cSld>
+  <p:clrMapOvr>
+    <a:masterClrMapping/>
+  </p:clrMapOvr>
+</p:notes>
+</file>
+
+<file path=ppt/notesSlides/notesSlide12.xml><?xml version="1.0" encoding="utf-8"?>
 <p:notes xmlns:a="http://schemas.openxmlformats.org/drawingml/2006/main" xmlns:r="http://schemas.openxmlformats.org/officeDocument/2006/relationships" xmlns:p="http://schemas.openxmlformats.org/presentationml/2006/main">
   <p:cSld>
     <p:spTree>
@@ -19716,7 +20978,7 @@
 </p:notes>
 </file>
 
-<file path=ppt/notesSlides/notesSlide11.xml><?xml version="1.0" encoding="utf-8"?>
+<file path=ppt/notesSlides/notesSlide13.xml><?xml version="1.0" encoding="utf-8"?>
 <p:notes xmlns:a="http://schemas.openxmlformats.org/drawingml/2006/main" xmlns:r="http://schemas.openxmlformats.org/officeDocument/2006/relationships" xmlns:p="http://schemas.openxmlformats.org/presentationml/2006/main">
   <p:cSld>
     <p:spTree>
@@ -19801,7 +21063,7 @@
 </p:notes>
 </file>
 
-<file path=ppt/notesSlides/notesSlide12.xml><?xml version="1.0" encoding="utf-8"?>
+<file path=ppt/notesSlides/notesSlide14.xml><?xml version="1.0" encoding="utf-8"?>
 <p:notes xmlns:a="http://schemas.openxmlformats.org/drawingml/2006/main" xmlns:r="http://schemas.openxmlformats.org/officeDocument/2006/relationships" xmlns:p="http://schemas.openxmlformats.org/presentationml/2006/main">
   <p:cSld>
     <p:spTree>
@@ -19845,6 +21107,167 @@
           <a:bodyPr/>
           <a:lstStyle/>
           <a:p>
+            <a:r>
+              <a:rPr lang="zh-CN" altLang="en-US" dirty="0" smtClean="0"/>
+              <a:t>整个卷积神经网络一共包含</a:t>
+            </a:r>
+            <a:r>
+              <a:rPr lang="en-US" altLang="zh-CN" dirty="0" smtClean="0"/>
+              <a:t>4</a:t>
+            </a:r>
+            <a:r>
+              <a:rPr lang="zh-CN" altLang="en-US" dirty="0" smtClean="0"/>
+              <a:t>层，分别是输入层、卷积层、池化层以及最后的输入层。</a:t>
+            </a:r>
+            <a:endParaRPr lang="en-US" altLang="zh-CN" dirty="0" smtClean="0"/>
+          </a:p>
+          <a:p>
+            <a:endParaRPr lang="en-US" altLang="zh-CN" dirty="0" smtClean="0"/>
+          </a:p>
+          <a:p>
+            <a:r>
+              <a:rPr lang="zh-CN" altLang="en-US" dirty="0" smtClean="0"/>
+              <a:t>输入层主要是由句子当中每个词对应的词向量以及与实体距离组成的向量矩阵。这里的每一行代表一个词。</a:t>
+            </a:r>
+            <a:endParaRPr lang="en-US" altLang="zh-CN" dirty="0" smtClean="0"/>
+          </a:p>
+          <a:p>
+            <a:endParaRPr lang="en-US" altLang="zh-CN" dirty="0" smtClean="0"/>
+          </a:p>
+          <a:p>
+            <a:r>
+              <a:rPr lang="zh-CN" altLang="en-US" dirty="0" smtClean="0"/>
+              <a:t>卷积层主要是通过使用不同的窗口大小的</a:t>
+            </a:r>
+            <a:r>
+              <a:rPr lang="en-US" altLang="zh-CN" dirty="0" smtClean="0"/>
+              <a:t>filter</a:t>
+            </a:r>
+            <a:r>
+              <a:rPr lang="zh-CN" altLang="en-US" dirty="0" smtClean="0"/>
+              <a:t>对输入进行卷积操作产生特征图谱。</a:t>
+            </a:r>
+            <a:endParaRPr lang="en-US" altLang="zh-CN" dirty="0" smtClean="0"/>
+          </a:p>
+          <a:p>
+            <a:endParaRPr lang="en-US" altLang="zh-CN" dirty="0" smtClean="0"/>
+          </a:p>
+          <a:p>
+            <a:r>
+              <a:rPr lang="zh-CN" altLang="en-US" dirty="0" smtClean="0"/>
+              <a:t>池化层主要是一个采样操作，即取特征图谱中最大的一个单元，也就是一般所说的</a:t>
+            </a:r>
+            <a:r>
+              <a:rPr lang="en-US" altLang="zh-CN" dirty="0" smtClean="0"/>
+              <a:t>max-pooling</a:t>
+            </a:r>
+            <a:r>
+              <a:rPr lang="zh-CN" altLang="en-US" dirty="0" smtClean="0"/>
+              <a:t>操作，</a:t>
+            </a:r>
+            <a:endParaRPr lang="en-US" altLang="zh-CN" dirty="0" smtClean="0"/>
+          </a:p>
+          <a:p>
+            <a:endParaRPr lang="en-US" altLang="zh-CN" dirty="0" smtClean="0"/>
+          </a:p>
+          <a:p>
+            <a:endParaRPr lang="zh-CN" altLang="en-US" dirty="0"/>
+          </a:p>
+        </p:txBody>
+      </p:sp>
+      <p:sp>
+        <p:nvSpPr>
+          <p:cNvPr id="4" name="灯片编号占位符 3"/>
+          <p:cNvSpPr>
+            <a:spLocks noGrp="1"/>
+          </p:cNvSpPr>
+          <p:nvPr>
+            <p:ph type="sldNum" sz="quarter" idx="10"/>
+          </p:nvPr>
+        </p:nvSpPr>
+        <p:spPr/>
+        <p:txBody>
+          <a:bodyPr/>
+          <a:lstStyle/>
+          <a:p>
+            <a:fld id="{725AB2D3-0A13-4B70-943B-8D91FF02C85D}" type="slidenum">
+              <a:rPr lang="en-US" altLang="zh-CN" smtClean="0"/>
+              <a:pPr/>
+              <a:t>14</a:t>
+            </a:fld>
+            <a:endParaRPr lang="en-US" altLang="zh-CN"/>
+          </a:p>
+        </p:txBody>
+      </p:sp>
+    </p:spTree>
+    <p:extLst>
+      <p:ext uri="{BB962C8B-B14F-4D97-AF65-F5344CB8AC3E}">
+        <p14:creationId xmlns:p14="http://schemas.microsoft.com/office/powerpoint/2010/main" val="1111506584"/>
+      </p:ext>
+    </p:extLst>
+  </p:cSld>
+  <p:clrMapOvr>
+    <a:masterClrMapping/>
+  </p:clrMapOvr>
+</p:notes>
+</file>
+
+<file path=ppt/notesSlides/notesSlide15.xml><?xml version="1.0" encoding="utf-8"?>
+<p:notes xmlns:a="http://schemas.openxmlformats.org/drawingml/2006/main" xmlns:r="http://schemas.openxmlformats.org/officeDocument/2006/relationships" xmlns:p="http://schemas.openxmlformats.org/presentationml/2006/main">
+  <p:cSld>
+    <p:spTree>
+      <p:nvGrpSpPr>
+        <p:cNvPr id="1" name=""/>
+        <p:cNvGrpSpPr/>
+        <p:nvPr/>
+      </p:nvGrpSpPr>
+      <p:grpSpPr>
+        <a:xfrm>
+          <a:off x="0" y="0"/>
+          <a:ext cx="0" cy="0"/>
+          <a:chOff x="0" y="0"/>
+          <a:chExt cx="0" cy="0"/>
+        </a:xfrm>
+      </p:grpSpPr>
+      <p:sp>
+        <p:nvSpPr>
+          <p:cNvPr id="2" name="幻灯片图像占位符 1"/>
+          <p:cNvSpPr>
+            <a:spLocks noGrp="1" noRot="1" noChangeAspect="1"/>
+          </p:cNvSpPr>
+          <p:nvPr>
+            <p:ph type="sldImg"/>
+          </p:nvPr>
+        </p:nvSpPr>
+        <p:spPr/>
+      </p:sp>
+      <p:sp>
+        <p:nvSpPr>
+          <p:cNvPr id="3" name="备注占位符 2"/>
+          <p:cNvSpPr>
+            <a:spLocks noGrp="1"/>
+          </p:cNvSpPr>
+          <p:nvPr>
+            <p:ph type="body" idx="1"/>
+          </p:nvPr>
+        </p:nvSpPr>
+        <p:spPr/>
+        <p:txBody>
+          <a:bodyPr/>
+          <a:lstStyle/>
+          <a:p>
+            <a:r>
+              <a:rPr lang="zh-CN" altLang="en-US" dirty="0" smtClean="0"/>
+              <a:t>为了验证两种方法的有效性，本文做了个对比实验，也就是在同一个标准数据集上，来比较</a:t>
+            </a:r>
+            <a:r>
+              <a:rPr lang="en-US" altLang="zh-CN" dirty="0" smtClean="0"/>
+              <a:t>2</a:t>
+            </a:r>
+            <a:r>
+              <a:rPr lang="zh-CN" altLang="en-US" dirty="0" smtClean="0"/>
+              <a:t>种方法的实际分类效果。</a:t>
+            </a:r>
             <a:endParaRPr lang="zh-CN" altLang="en-US" dirty="0" smtClean="0"/>
           </a:p>
         </p:txBody>
@@ -19886,7 +21309,7 @@
 </p:notes>
 </file>
 
-<file path=ppt/notesSlides/notesSlide13.xml><?xml version="1.0" encoding="utf-8"?>
+<file path=ppt/notesSlides/notesSlide16.xml><?xml version="1.0" encoding="utf-8"?>
 <p:notes xmlns:a="http://schemas.openxmlformats.org/drawingml/2006/main" xmlns:r="http://schemas.openxmlformats.org/officeDocument/2006/relationships" xmlns:p="http://schemas.openxmlformats.org/presentationml/2006/main">
   <p:cSld>
     <p:spTree>
@@ -19971,7 +21394,7 @@
 </p:notes>
 </file>
 
-<file path=ppt/notesSlides/notesSlide14.xml><?xml version="1.0" encoding="utf-8"?>
+<file path=ppt/notesSlides/notesSlide17.xml><?xml version="1.0" encoding="utf-8"?>
 <p:notes xmlns:a="http://schemas.openxmlformats.org/drawingml/2006/main" xmlns:r="http://schemas.openxmlformats.org/officeDocument/2006/relationships" xmlns:p="http://schemas.openxmlformats.org/presentationml/2006/main">
   <p:cSld>
     <p:spTree>
@@ -20073,7 +21496,7 @@
 </p:notes>
 </file>
 
-<file path=ppt/notesSlides/notesSlide15.xml><?xml version="1.0" encoding="utf-8"?>
+<file path=ppt/notesSlides/notesSlide18.xml><?xml version="1.0" encoding="utf-8"?>
 <p:notes xmlns:a="http://schemas.openxmlformats.org/drawingml/2006/main" xmlns:r="http://schemas.openxmlformats.org/officeDocument/2006/relationships" xmlns:p="http://schemas.openxmlformats.org/presentationml/2006/main">
   <p:cSld>
     <p:spTree>
@@ -20196,7 +21619,7 @@
 </p:notes>
 </file>
 
-<file path=ppt/notesSlides/notesSlide16.xml><?xml version="1.0" encoding="utf-8"?>
+<file path=ppt/notesSlides/notesSlide19.xml><?xml version="1.0" encoding="utf-8"?>
 <p:notes xmlns:a="http://schemas.openxmlformats.org/drawingml/2006/main" xmlns:r="http://schemas.openxmlformats.org/officeDocument/2006/relationships" xmlns:p="http://schemas.openxmlformats.org/presentationml/2006/main">
   <p:cSld>
     <p:spTree>
@@ -20285,7 +21708,150 @@
 </p:notes>
 </file>
 
-<file path=ppt/notesSlides/notesSlide17.xml><?xml version="1.0" encoding="utf-8"?>
+<file path=ppt/notesSlides/notesSlide2.xml><?xml version="1.0" encoding="utf-8"?>
+<p:notes xmlns:a="http://schemas.openxmlformats.org/drawingml/2006/main" xmlns:r="http://schemas.openxmlformats.org/officeDocument/2006/relationships" xmlns:p="http://schemas.openxmlformats.org/presentationml/2006/main">
+  <p:cSld>
+    <p:spTree>
+      <p:nvGrpSpPr>
+        <p:cNvPr id="1" name=""/>
+        <p:cNvGrpSpPr/>
+        <p:nvPr/>
+      </p:nvGrpSpPr>
+      <p:grpSpPr>
+        <a:xfrm>
+          <a:off x="0" y="0"/>
+          <a:ext cx="0" cy="0"/>
+          <a:chOff x="0" y="0"/>
+          <a:chExt cx="0" cy="0"/>
+        </a:xfrm>
+      </p:grpSpPr>
+      <p:sp>
+        <p:nvSpPr>
+          <p:cNvPr id="2" name="幻灯片图像占位符 1"/>
+          <p:cNvSpPr>
+            <a:spLocks noGrp="1" noRot="1" noChangeAspect="1"/>
+          </p:cNvSpPr>
+          <p:nvPr>
+            <p:ph type="sldImg"/>
+          </p:nvPr>
+        </p:nvSpPr>
+        <p:spPr/>
+      </p:sp>
+      <mc:AlternateContent xmlns:mc="http://schemas.openxmlformats.org/markup-compatibility/2006" xmlns:a14="http://schemas.microsoft.com/office/drawing/2010/main">
+        <mc:Choice Requires="a14">
+          <p:sp>
+            <p:nvSpPr>
+              <p:cNvPr id="3" name="备注占位符 2"/>
+              <p:cNvSpPr>
+                <a:spLocks noGrp="1"/>
+              </p:cNvSpPr>
+              <p:nvPr>
+                <p:ph type="body" idx="1"/>
+              </p:nvPr>
+            </p:nvSpPr>
+            <p:spPr/>
+            <p:txBody>
+              <a:bodyPr/>
+              <a:lstStyle/>
+              <a:p>
+                <a:r>
+                  <a:rPr lang="zh-CN" altLang="en-US" dirty="0" smtClean="0"/>
+                  <a:t>今天我的报告主要分为</a:t>
+                </a:r>
+                <a:r>
+                  <a:rPr lang="en-US" altLang="zh-CN" dirty="0" smtClean="0"/>
+                  <a:t>5</a:t>
+                </a:r>
+                <a:r>
+                  <a:rPr lang="zh-CN" altLang="en-US" dirty="0" smtClean="0"/>
+                  <a:t>个部分，第一个部分是实体关系抽取的相关研究背景及问题描述、第二个部分实体关系的相关研究主要介绍了目前比较常见的处理方法、第三个部分介绍了句子的分布式表示的方法（重点介绍了基于</a:t>
+                </a:r>
+                <a:r>
+                  <a:rPr lang="en-US" altLang="zh-CN" dirty="0" smtClean="0"/>
+                  <a:t>CNN</a:t>
+                </a:r>
+                <a:r>
+                  <a:rPr lang="zh-CN" altLang="en-US" dirty="0" smtClean="0"/>
+                  <a:t>的句子分布式表示方法）、第四个部分是面向新闻网页的企业实体关系抽取（主要是在前一部分工作的基础上结合网页正文提取以及命名实体识别的相关技术实现对互联网新闻网页中企业实体关系进行抽取）、最后一部分是总结与展望</a:t>
+                </a:r>
+                <a:endParaRPr lang="zh-CN" altLang="en-US" dirty="0"/>
+              </a:p>
+            </p:txBody>
+          </p:sp>
+        </mc:Choice>
+        <mc:Fallback xmlns="">
+          <p:sp>
+            <p:nvSpPr>
+              <p:cNvPr id="3" name="备注占位符 2"/>
+              <p:cNvSpPr>
+                <a:spLocks noGrp="1"/>
+              </p:cNvSpPr>
+              <p:nvPr>
+                <p:ph type="body" idx="1"/>
+              </p:nvPr>
+            </p:nvSpPr>
+            <p:spPr/>
+            <p:txBody>
+              <a:bodyPr/>
+              <a:lstStyle/>
+              <a:p>
+                <a:r>
+                  <a:rPr lang="zh-CN" altLang="en-US" dirty="0" smtClean="0"/>
+                  <a:t>来看一下本次报告的提纲，分别是：</a:t>
+                </a:r>
+                <a:r>
+                  <a:rPr lang="en-US" altLang="zh-CN" dirty="0" smtClean="0"/>
+                  <a:t>1,2,3,4,5,6</a:t>
+                </a:r>
+                <a:endParaRPr lang="zh-CN" altLang="en-US" dirty="0"/>
+              </a:p>
+            </p:txBody>
+          </p:sp>
+        </mc:Fallback>
+      </mc:AlternateContent>
+      <p:sp>
+        <p:nvSpPr>
+          <p:cNvPr id="4" name="灯片编号占位符 3"/>
+          <p:cNvSpPr>
+            <a:spLocks noGrp="1"/>
+          </p:cNvSpPr>
+          <p:nvPr>
+            <p:ph type="sldNum" sz="quarter" idx="10"/>
+          </p:nvPr>
+        </p:nvSpPr>
+        <p:spPr/>
+        <p:txBody>
+          <a:bodyPr/>
+          <a:lstStyle/>
+          <a:p>
+            <a:pPr>
+              <a:defRPr/>
+            </a:pPr>
+            <a:fld id="{CE97544E-26AA-4FDB-B9EA-96855DDCFD2A}" type="slidenum">
+              <a:rPr lang="en-US" altLang="zh-CN" smtClean="0"/>
+              <a:pPr>
+                <a:defRPr/>
+              </a:pPr>
+              <a:t>2</a:t>
+            </a:fld>
+            <a:endParaRPr lang="en-US" altLang="zh-CN"/>
+          </a:p>
+        </p:txBody>
+      </p:sp>
+    </p:spTree>
+    <p:extLst>
+      <p:ext uri="{BB962C8B-B14F-4D97-AF65-F5344CB8AC3E}">
+        <p14:creationId xmlns:p14="http://schemas.microsoft.com/office/powerpoint/2010/main" val="2032278963"/>
+      </p:ext>
+    </p:extLst>
+  </p:cSld>
+  <p:clrMapOvr>
+    <a:masterClrMapping/>
+  </p:clrMapOvr>
+</p:notes>
+</file>
+
+<file path=ppt/notesSlides/notesSlide20.xml><?xml version="1.0" encoding="utf-8"?>
 <p:notes xmlns:a="http://schemas.openxmlformats.org/drawingml/2006/main" xmlns:r="http://schemas.openxmlformats.org/officeDocument/2006/relationships" xmlns:p="http://schemas.openxmlformats.org/presentationml/2006/main">
   <p:cSld>
     <p:spTree>
@@ -20370,7 +21936,7 @@
 </p:notes>
 </file>
 
-<file path=ppt/notesSlides/notesSlide18.xml><?xml version="1.0" encoding="utf-8"?>
+<file path=ppt/notesSlides/notesSlide21.xml><?xml version="1.0" encoding="utf-8"?>
 <p:notes xmlns:a="http://schemas.openxmlformats.org/drawingml/2006/main" xmlns:r="http://schemas.openxmlformats.org/officeDocument/2006/relationships" xmlns:p="http://schemas.openxmlformats.org/presentationml/2006/main">
   <p:cSld>
     <p:spTree>
@@ -20455,7 +22021,7 @@
 </p:notes>
 </file>
 
-<file path=ppt/notesSlides/notesSlide19.xml><?xml version="1.0" encoding="utf-8"?>
+<file path=ppt/notesSlides/notesSlide22.xml><?xml version="1.0" encoding="utf-8"?>
 <p:notes xmlns:a="http://schemas.openxmlformats.org/drawingml/2006/main" xmlns:r="http://schemas.openxmlformats.org/officeDocument/2006/relationships" xmlns:p="http://schemas.openxmlformats.org/presentationml/2006/main">
   <p:cSld>
     <p:spTree>
@@ -20540,130 +22106,7 @@
 </p:notes>
 </file>
 
-<file path=ppt/notesSlides/notesSlide2.xml><?xml version="1.0" encoding="utf-8"?>
-<p:notes xmlns:a="http://schemas.openxmlformats.org/drawingml/2006/main" xmlns:r="http://schemas.openxmlformats.org/officeDocument/2006/relationships" xmlns:p="http://schemas.openxmlformats.org/presentationml/2006/main">
-  <p:cSld>
-    <p:spTree>
-      <p:nvGrpSpPr>
-        <p:cNvPr id="1" name=""/>
-        <p:cNvGrpSpPr/>
-        <p:nvPr/>
-      </p:nvGrpSpPr>
-      <p:grpSpPr>
-        <a:xfrm>
-          <a:off x="0" y="0"/>
-          <a:ext cx="0" cy="0"/>
-          <a:chOff x="0" y="0"/>
-          <a:chExt cx="0" cy="0"/>
-        </a:xfrm>
-      </p:grpSpPr>
-      <p:sp>
-        <p:nvSpPr>
-          <p:cNvPr id="2" name="幻灯片图像占位符 1"/>
-          <p:cNvSpPr>
-            <a:spLocks noGrp="1" noRot="1" noChangeAspect="1"/>
-          </p:cNvSpPr>
-          <p:nvPr>
-            <p:ph type="sldImg"/>
-          </p:nvPr>
-        </p:nvSpPr>
-        <p:spPr/>
-      </p:sp>
-      <mc:AlternateContent xmlns:mc="http://schemas.openxmlformats.org/markup-compatibility/2006" xmlns:a14="http://schemas.microsoft.com/office/drawing/2010/main">
-        <mc:Choice Requires="a14">
-          <p:sp>
-            <p:nvSpPr>
-              <p:cNvPr id="3" name="备注占位符 2"/>
-              <p:cNvSpPr>
-                <a:spLocks noGrp="1"/>
-              </p:cNvSpPr>
-              <p:nvPr>
-                <p:ph type="body" idx="1"/>
-              </p:nvPr>
-            </p:nvSpPr>
-            <p:spPr/>
-            <p:txBody>
-              <a:bodyPr/>
-              <a:lstStyle/>
-              <a:p>
-                <a:endParaRPr lang="zh-CN" altLang="en-US" dirty="0"/>
-              </a:p>
-            </p:txBody>
-          </p:sp>
-        </mc:Choice>
-        <mc:Fallback xmlns="">
-          <p:sp>
-            <p:nvSpPr>
-              <p:cNvPr id="3" name="备注占位符 2"/>
-              <p:cNvSpPr>
-                <a:spLocks noGrp="1"/>
-              </p:cNvSpPr>
-              <p:nvPr>
-                <p:ph type="body" idx="1"/>
-              </p:nvPr>
-            </p:nvSpPr>
-            <p:spPr/>
-            <p:txBody>
-              <a:bodyPr/>
-              <a:lstStyle/>
-              <a:p>
-                <a:r>
-                  <a:rPr lang="zh-CN" altLang="en-US" dirty="0" smtClean="0"/>
-                  <a:t>来看一下本次报告的提纲，分别是：</a:t>
-                </a:r>
-                <a:r>
-                  <a:rPr lang="en-US" altLang="zh-CN" dirty="0" smtClean="0"/>
-                  <a:t>1,2,3,4,5,6</a:t>
-                </a:r>
-                <a:endParaRPr lang="zh-CN" altLang="en-US" dirty="0"/>
-              </a:p>
-            </p:txBody>
-          </p:sp>
-        </mc:Fallback>
-      </mc:AlternateContent>
-      <p:sp>
-        <p:nvSpPr>
-          <p:cNvPr id="4" name="灯片编号占位符 3"/>
-          <p:cNvSpPr>
-            <a:spLocks noGrp="1"/>
-          </p:cNvSpPr>
-          <p:nvPr>
-            <p:ph type="sldNum" sz="quarter" idx="10"/>
-          </p:nvPr>
-        </p:nvSpPr>
-        <p:spPr/>
-        <p:txBody>
-          <a:bodyPr/>
-          <a:lstStyle/>
-          <a:p>
-            <a:pPr>
-              <a:defRPr/>
-            </a:pPr>
-            <a:fld id="{CE97544E-26AA-4FDB-B9EA-96855DDCFD2A}" type="slidenum">
-              <a:rPr lang="en-US" altLang="zh-CN" smtClean="0"/>
-              <a:pPr>
-                <a:defRPr/>
-              </a:pPr>
-              <a:t>2</a:t>
-            </a:fld>
-            <a:endParaRPr lang="en-US" altLang="zh-CN"/>
-          </a:p>
-        </p:txBody>
-      </p:sp>
-    </p:spTree>
-    <p:extLst>
-      <p:ext uri="{BB962C8B-B14F-4D97-AF65-F5344CB8AC3E}">
-        <p14:creationId xmlns:p14="http://schemas.microsoft.com/office/powerpoint/2010/main" val="2032278963"/>
-      </p:ext>
-    </p:extLst>
-  </p:cSld>
-  <p:clrMapOvr>
-    <a:masterClrMapping/>
-  </p:clrMapOvr>
-</p:notes>
-</file>
-
-<file path=ppt/notesSlides/notesSlide20.xml><?xml version="1.0" encoding="utf-8"?>
+<file path=ppt/notesSlides/notesSlide23.xml><?xml version="1.0" encoding="utf-8"?>
 <p:notes xmlns:a="http://schemas.openxmlformats.org/drawingml/2006/main" xmlns:r="http://schemas.openxmlformats.org/officeDocument/2006/relationships" xmlns:p="http://schemas.openxmlformats.org/presentationml/2006/main">
   <p:cSld>
     <p:spTree>
@@ -20786,7 +22229,7 @@
 </p:notes>
 </file>
 
-<file path=ppt/notesSlides/notesSlide21.xml><?xml version="1.0" encoding="utf-8"?>
+<file path=ppt/notesSlides/notesSlide24.xml><?xml version="1.0" encoding="utf-8"?>
 <p:notes xmlns:a="http://schemas.openxmlformats.org/drawingml/2006/main" xmlns:r="http://schemas.openxmlformats.org/officeDocument/2006/relationships" xmlns:p="http://schemas.openxmlformats.org/presentationml/2006/main">
   <p:cSld>
     <p:spTree>
@@ -20871,7 +22314,7 @@
 </p:notes>
 </file>
 
-<file path=ppt/notesSlides/notesSlide22.xml><?xml version="1.0" encoding="utf-8"?>
+<file path=ppt/notesSlides/notesSlide25.xml><?xml version="1.0" encoding="utf-8"?>
 <p:notes xmlns:a="http://schemas.openxmlformats.org/drawingml/2006/main" xmlns:r="http://schemas.openxmlformats.org/officeDocument/2006/relationships" xmlns:p="http://schemas.openxmlformats.org/presentationml/2006/main">
   <p:cSld>
     <p:spTree>
@@ -20976,7 +22419,7 @@
 </p:notes>
 </file>
 
-<file path=ppt/notesSlides/notesSlide23.xml><?xml version="1.0" encoding="utf-8"?>
+<file path=ppt/notesSlides/notesSlide26.xml><?xml version="1.0" encoding="utf-8"?>
 <p:notes xmlns:a="http://schemas.openxmlformats.org/drawingml/2006/main" xmlns:r="http://schemas.openxmlformats.org/officeDocument/2006/relationships" xmlns:p="http://schemas.openxmlformats.org/presentationml/2006/main">
   <p:cSld>
     <p:spTree>
@@ -21020,10 +22463,6 @@
           <a:bodyPr/>
           <a:lstStyle/>
           <a:p>
-            <a:r>
-              <a:rPr lang="zh-CN" altLang="en-US" sz="3200" dirty="0" smtClean="0"/>
-              <a:t>学分</a:t>
-            </a:r>
             <a:endParaRPr lang="zh-CN" altLang="en-US" sz="3200" dirty="0"/>
           </a:p>
         </p:txBody>
@@ -21056,6 +22495,91 @@
     <p:extLst>
       <p:ext uri="{BB962C8B-B14F-4D97-AF65-F5344CB8AC3E}">
         <p14:creationId xmlns:p14="http://schemas.microsoft.com/office/powerpoint/2010/main" val="1229699130"/>
+      </p:ext>
+    </p:extLst>
+  </p:cSld>
+  <p:clrMapOvr>
+    <a:masterClrMapping/>
+  </p:clrMapOvr>
+</p:notes>
+</file>
+
+<file path=ppt/notesSlides/notesSlide27.xml><?xml version="1.0" encoding="utf-8"?>
+<p:notes xmlns:a="http://schemas.openxmlformats.org/drawingml/2006/main" xmlns:r="http://schemas.openxmlformats.org/officeDocument/2006/relationships" xmlns:p="http://schemas.openxmlformats.org/presentationml/2006/main">
+  <p:cSld>
+    <p:spTree>
+      <p:nvGrpSpPr>
+        <p:cNvPr id="1" name=""/>
+        <p:cNvGrpSpPr/>
+        <p:nvPr/>
+      </p:nvGrpSpPr>
+      <p:grpSpPr>
+        <a:xfrm>
+          <a:off x="0" y="0"/>
+          <a:ext cx="0" cy="0"/>
+          <a:chOff x="0" y="0"/>
+          <a:chExt cx="0" cy="0"/>
+        </a:xfrm>
+      </p:grpSpPr>
+      <p:sp>
+        <p:nvSpPr>
+          <p:cNvPr id="2" name="幻灯片图像占位符 1"/>
+          <p:cNvSpPr>
+            <a:spLocks noGrp="1" noRot="1" noChangeAspect="1"/>
+          </p:cNvSpPr>
+          <p:nvPr>
+            <p:ph type="sldImg"/>
+          </p:nvPr>
+        </p:nvSpPr>
+        <p:spPr/>
+      </p:sp>
+      <p:sp>
+        <p:nvSpPr>
+          <p:cNvPr id="3" name="备注占位符 2"/>
+          <p:cNvSpPr>
+            <a:spLocks noGrp="1"/>
+          </p:cNvSpPr>
+          <p:nvPr>
+            <p:ph type="body" idx="1"/>
+          </p:nvPr>
+        </p:nvSpPr>
+        <p:spPr/>
+        <p:txBody>
+          <a:bodyPr/>
+          <a:lstStyle/>
+          <a:p>
+            <a:endParaRPr lang="zh-CN" altLang="en-US" dirty="0"/>
+          </a:p>
+        </p:txBody>
+      </p:sp>
+      <p:sp>
+        <p:nvSpPr>
+          <p:cNvPr id="4" name="灯片编号占位符 3"/>
+          <p:cNvSpPr>
+            <a:spLocks noGrp="1"/>
+          </p:cNvSpPr>
+          <p:nvPr>
+            <p:ph type="sldNum" sz="quarter" idx="10"/>
+          </p:nvPr>
+        </p:nvSpPr>
+        <p:spPr/>
+        <p:txBody>
+          <a:bodyPr/>
+          <a:lstStyle/>
+          <a:p>
+            <a:fld id="{725AB2D3-0A13-4B70-943B-8D91FF02C85D}" type="slidenum">
+              <a:rPr lang="en-US" altLang="zh-CN" smtClean="0"/>
+              <a:pPr/>
+              <a:t>30</a:t>
+            </a:fld>
+            <a:endParaRPr lang="en-US" altLang="zh-CN"/>
+          </a:p>
+        </p:txBody>
+      </p:sp>
+    </p:spTree>
+    <p:extLst>
+      <p:ext uri="{BB962C8B-B14F-4D97-AF65-F5344CB8AC3E}">
+        <p14:creationId xmlns:p14="http://schemas.microsoft.com/office/powerpoint/2010/main" val="3669179438"/>
       </p:ext>
     </p:extLst>
   </p:cSld>
@@ -21111,6 +22635,14 @@
               <a:bodyPr/>
               <a:lstStyle/>
               <a:p>
+                <a:r>
+                  <a:rPr lang="zh-CN" altLang="en-US" dirty="0" smtClean="0"/>
+                  <a:t>首先是研究背景</a:t>
+                </a:r>
+                <a:r>
+                  <a:rPr lang="zh-CN" altLang="en-US" smtClean="0"/>
+                  <a:t>及问题描述</a:t>
+                </a:r>
                 <a:endParaRPr lang="zh-CN" altLang="en-US" dirty="0"/>
               </a:p>
             </p:txBody>
@@ -21232,6 +22764,18 @@
           <a:bodyPr/>
           <a:lstStyle/>
           <a:p>
+            <a:r>
+              <a:rPr lang="zh-CN" altLang="en-US" dirty="0" smtClean="0"/>
+              <a:t>随着信息技术的快速发展以及移动互联网时代的到来、互联网上每天都会更新产生大量的数据，这其中包括新闻、社交、政府网站类数据。在这些数据中蕴含着许多有价值的信息，对人们的生产生活起着至关重要的作用。面对这些海量的数据，传统的做法是借助于搜索引擎获取自己感兴趣的数据，然而 </a:t>
+            </a:r>
+            <a:r>
+              <a:rPr lang="zh-CN" altLang="en-US" sz="3600" b="1" i="1" u="none" dirty="0" smtClean="0"/>
+              <a:t>搜索引擎所展示的数据 </a:t>
+            </a:r>
+            <a:r>
+              <a:rPr lang="zh-CN" altLang="en-US" dirty="0" smtClean="0"/>
+              <a:t>是一系列于检索关键字相关的网页，数据价值密度比较低，一般需要人工进一步加工才能得到最终所需要的信息。举个例子，比如我想知道李彦宏的妻子是谁，如果把这个问题送入到搜索引擎当中，所得到的是一系列与该问题相关的网页，并不是问题的答案马东敏。</a:t>
+            </a:r>
             <a:endParaRPr lang="zh-CN" altLang="en-US" dirty="0" smtClean="0"/>
           </a:p>
         </p:txBody>
@@ -21317,6 +22861,163 @@
           <a:bodyPr/>
           <a:lstStyle/>
           <a:p>
+            <a:r>
+              <a:rPr lang="zh-CN" altLang="en-US" dirty="0" smtClean="0"/>
+              <a:t>信息抽取的相关研究正是在这样一个背景下产生的，信息抽取任务主要目的是从自然语言文本中抽取出特定领域的实体、关系、事件等信息，同时抽取出实体、关系、事件的相关属性。</a:t>
+            </a:r>
+            <a:endParaRPr lang="en-US" altLang="zh-CN" dirty="0" smtClean="0"/>
+          </a:p>
+          <a:p>
+            <a:endParaRPr lang="en-US" altLang="zh-CN" dirty="0" smtClean="0"/>
+          </a:p>
+          <a:p>
+            <a:r>
+              <a:rPr lang="zh-CN" altLang="en-US" dirty="0" smtClean="0"/>
+              <a:t>换句话说，信息抽取的任务是将非结构化的文本信息转化为结构化或半结构化的信息并以元组的形式存储在数据库中。</a:t>
+            </a:r>
+            <a:endParaRPr lang="en-US" altLang="zh-CN" dirty="0" smtClean="0"/>
+          </a:p>
+          <a:p>
+            <a:endParaRPr lang="en-US" altLang="zh-CN" dirty="0" smtClean="0"/>
+          </a:p>
+          <a:p>
+            <a:r>
+              <a:rPr lang="zh-CN" altLang="en-US" dirty="0" smtClean="0"/>
+              <a:t>信息抽取具有很多方面地实际应用包括自动问答、知识库构建等。</a:t>
+            </a:r>
+            <a:endParaRPr lang="zh-CN" altLang="en-US" dirty="0"/>
+          </a:p>
+        </p:txBody>
+      </p:sp>
+      <p:sp>
+        <p:nvSpPr>
+          <p:cNvPr id="4" name="灯片编号占位符 3"/>
+          <p:cNvSpPr>
+            <a:spLocks noGrp="1"/>
+          </p:cNvSpPr>
+          <p:nvPr>
+            <p:ph type="sldNum" sz="quarter" idx="10"/>
+          </p:nvPr>
+        </p:nvSpPr>
+        <p:spPr/>
+        <p:txBody>
+          <a:bodyPr/>
+          <a:lstStyle/>
+          <a:p>
+            <a:fld id="{725AB2D3-0A13-4B70-943B-8D91FF02C85D}" type="slidenum">
+              <a:rPr lang="en-US" altLang="zh-CN" smtClean="0"/>
+              <a:pPr/>
+              <a:t>5</a:t>
+            </a:fld>
+            <a:endParaRPr lang="en-US" altLang="zh-CN"/>
+          </a:p>
+        </p:txBody>
+      </p:sp>
+    </p:spTree>
+    <p:extLst>
+      <p:ext uri="{BB962C8B-B14F-4D97-AF65-F5344CB8AC3E}">
+        <p14:creationId xmlns:p14="http://schemas.microsoft.com/office/powerpoint/2010/main" val="210845130"/>
+      </p:ext>
+    </p:extLst>
+  </p:cSld>
+  <p:clrMapOvr>
+    <a:masterClrMapping/>
+  </p:clrMapOvr>
+</p:notes>
+</file>
+
+<file path=ppt/notesSlides/notesSlide6.xml><?xml version="1.0" encoding="utf-8"?>
+<p:notes xmlns:a="http://schemas.openxmlformats.org/drawingml/2006/main" xmlns:r="http://schemas.openxmlformats.org/officeDocument/2006/relationships" xmlns:p="http://schemas.openxmlformats.org/presentationml/2006/main">
+  <p:cSld>
+    <p:spTree>
+      <p:nvGrpSpPr>
+        <p:cNvPr id="1" name=""/>
+        <p:cNvGrpSpPr/>
+        <p:nvPr/>
+      </p:nvGrpSpPr>
+      <p:grpSpPr>
+        <a:xfrm>
+          <a:off x="0" y="0"/>
+          <a:ext cx="0" cy="0"/>
+          <a:chOff x="0" y="0"/>
+          <a:chExt cx="0" cy="0"/>
+        </a:xfrm>
+      </p:grpSpPr>
+      <p:sp>
+        <p:nvSpPr>
+          <p:cNvPr id="2" name="幻灯片图像占位符 1"/>
+          <p:cNvSpPr>
+            <a:spLocks noGrp="1" noRot="1" noChangeAspect="1"/>
+          </p:cNvSpPr>
+          <p:nvPr>
+            <p:ph type="sldImg"/>
+          </p:nvPr>
+        </p:nvSpPr>
+        <p:spPr/>
+      </p:sp>
+      <p:sp>
+        <p:nvSpPr>
+          <p:cNvPr id="3" name="备注占位符 2"/>
+          <p:cNvSpPr>
+            <a:spLocks noGrp="1"/>
+          </p:cNvSpPr>
+          <p:nvPr>
+            <p:ph type="body" idx="1"/>
+          </p:nvPr>
+        </p:nvSpPr>
+        <p:spPr/>
+        <p:txBody>
+          <a:bodyPr/>
+          <a:lstStyle/>
+          <a:p>
+            <a:r>
+              <a:rPr lang="zh-CN" altLang="en-US" dirty="0" smtClean="0"/>
+              <a:t>实体关系抽取作为信息抽取的一项重要子任务，主要目的是识别非结构化文本中出现的命名实体并确定实体间的语义关系。这里的实体一般包括人命、地名、组织机构名。</a:t>
+            </a:r>
+            <a:endParaRPr lang="en-US" altLang="zh-CN" dirty="0" smtClean="0"/>
+          </a:p>
+          <a:p>
+            <a:endParaRPr lang="en-US" altLang="zh-CN" dirty="0" smtClean="0"/>
+          </a:p>
+          <a:p>
+            <a:r>
+              <a:rPr lang="zh-CN" altLang="en-US" dirty="0" smtClean="0"/>
+              <a:t>举个例子，这句话当中一共包含了</a:t>
+            </a:r>
+            <a:r>
+              <a:rPr lang="en-US" altLang="zh-CN" dirty="0" smtClean="0"/>
+              <a:t>3</a:t>
+            </a:r>
+            <a:r>
+              <a:rPr lang="zh-CN" altLang="en-US" dirty="0" smtClean="0"/>
+              <a:t>个实体，</a:t>
+            </a:r>
+            <a:r>
+              <a:rPr lang="en-US" altLang="zh-CN" dirty="0" smtClean="0"/>
+              <a:t>2</a:t>
+            </a:r>
+            <a:r>
+              <a:rPr lang="zh-CN" altLang="en-US" dirty="0" smtClean="0"/>
+              <a:t>个关系，一个是王树国作为哈的校长。。</a:t>
+            </a:r>
+            <a:endParaRPr lang="en-US" altLang="zh-CN" dirty="0" smtClean="0"/>
+          </a:p>
+          <a:p>
+            <a:endParaRPr lang="en-US" altLang="zh-CN" dirty="0" smtClean="0"/>
+          </a:p>
+          <a:p>
+            <a:r>
+              <a:rPr lang="zh-CN" altLang="zh-CN" sz="1200" kern="1200" dirty="0" smtClean="0">
+                <a:solidFill>
+                  <a:schemeClr val="tx1"/>
+                </a:solidFill>
+                <a:effectLst/>
+                <a:latin typeface="Arial" charset="0"/>
+                <a:ea typeface="宋体" pitchFamily="2" charset="-122"/>
+                <a:cs typeface="+mn-cs"/>
+              </a:rPr>
+              <a:t>因此实体关系抽取任务通常包含了两个步骤，首先是通过命名实体识别技术找出句子当中存在的实体对，然后是抽取出实体对之间存在的语义关系。</a:t>
+            </a:r>
             <a:endParaRPr lang="zh-CN" altLang="en-US" dirty="0"/>
           </a:p>
         </p:txBody>
@@ -21363,7 +23064,7 @@
 </p:notes>
 </file>
 
-<file path=ppt/notesSlides/notesSlide6.xml><?xml version="1.0" encoding="utf-8"?>
+<file path=ppt/notesSlides/notesSlide7.xml><?xml version="1.0" encoding="utf-8"?>
 <p:notes xmlns:a="http://schemas.openxmlformats.org/drawingml/2006/main" xmlns:r="http://schemas.openxmlformats.org/officeDocument/2006/relationships" xmlns:p="http://schemas.openxmlformats.org/presentationml/2006/main">
   <p:cSld>
     <p:spTree>
@@ -21409,6 +23110,10 @@
               <a:bodyPr/>
               <a:lstStyle/>
               <a:p>
+                <a:r>
+                  <a:rPr lang="zh-CN" altLang="en-US" dirty="0" smtClean="0"/>
+                  <a:t>接下来是对实体关系抽取的相关研究做一个介绍</a:t>
+                </a:r>
                 <a:endParaRPr lang="zh-CN" altLang="en-US" dirty="0"/>
               </a:p>
             </p:txBody>
@@ -21486,7 +23191,7 @@
 </p:notes>
 </file>
 
-<file path=ppt/notesSlides/notesSlide7.xml><?xml version="1.0" encoding="utf-8"?>
+<file path=ppt/notesSlides/notesSlide8.xml><?xml version="1.0" encoding="utf-8"?>
 <p:notes xmlns:a="http://schemas.openxmlformats.org/drawingml/2006/main" xmlns:r="http://schemas.openxmlformats.org/officeDocument/2006/relationships" xmlns:p="http://schemas.openxmlformats.org/presentationml/2006/main">
   <p:cSld>
     <p:spTree>
@@ -21532,8 +23237,19 @@
           <a:p>
             <a:r>
               <a:rPr lang="zh-CN" altLang="en-US" dirty="0" smtClean="0"/>
-              <a:t>这类方法将关系抽取任务看作一个分类问题，首先需要人工标注大规模训练语料库，然后在已标注好的语料库基础上进行特征抽取和选择，通过利用不同的机器学习算法训练学习分类模型，用于抽取新的实体对。</a:t>
+              <a:t>这类方法将关系抽取任务看作一个分类问题，首先需要人工标注大规模训练语料库，然后在已标注好的语料库基础上进行特征抽取和选择，通过利用不同的机器学习算法训练学习分类模型，用于抽取新的</a:t>
             </a:r>
+            <a:r>
+              <a:rPr lang="zh-CN" altLang="en-US" dirty="0" smtClean="0"/>
+              <a:t>实体关系对。</a:t>
+            </a:r>
+            <a:endParaRPr lang="en-US" altLang="zh-CN" dirty="0" smtClean="0"/>
+          </a:p>
+          <a:p>
+            <a:endParaRPr lang="en-US" altLang="zh-CN" dirty="0" smtClean="0"/>
+          </a:p>
+          <a:p>
+            <a:endParaRPr lang="zh-CN" altLang="en-US" dirty="0" smtClean="0"/>
           </a:p>
         </p:txBody>
       </p:sp>
@@ -21574,7 +23290,7 @@
 </p:notes>
 </file>
 
-<file path=ppt/notesSlides/notesSlide8.xml><?xml version="1.0" encoding="utf-8"?>
+<file path=ppt/notesSlides/notesSlide9.xml><?xml version="1.0" encoding="utf-8"?>
 <p:notes xmlns:a="http://schemas.openxmlformats.org/drawingml/2006/main" xmlns:r="http://schemas.openxmlformats.org/officeDocument/2006/relationships" xmlns:p="http://schemas.openxmlformats.org/presentationml/2006/main">
   <p:cSld>
     <p:spTree>
@@ -21628,8 +23344,15 @@
             </a:r>
             <a:r>
               <a:rPr lang="zh-CN" altLang="en-US" dirty="0" smtClean="0"/>
-              <a:t>或者大规模语料库信息挖掘对应的关系描述模式，并通过模式匹配抽取新的关系实例，迭代地生成关系描述模式。</a:t>
+              <a:t>或者大规模语料库信息挖掘对应的关系描述模式，并通过模式匹配抽取新的关系实例，迭代地生成关系描述模式</a:t>
             </a:r>
+            <a:r>
+              <a:rPr lang="zh-CN" altLang="en-US" dirty="0" smtClean="0"/>
+              <a:t>。</a:t>
+            </a:r>
+            <a:endParaRPr lang="en-US" altLang="zh-CN" dirty="0" smtClean="0"/>
+          </a:p>
+          <a:p>
             <a:endParaRPr lang="en-US" altLang="zh-CN" dirty="0" smtClean="0"/>
           </a:p>
           <a:p>
@@ -21643,15 +23366,29 @@
             </a:r>
             <a:r>
               <a:rPr lang="zh-CN" altLang="en-US" dirty="0" smtClean="0"/>
-              <a:t>或者大规模语料库信息的高度冗余性，充分挖掘对应的关系描述模式，并通过模式匹配抽取新的关系实例，准确、高效地完成关系抽取任务。但是，这种方法也存在几个关键问题，如：初始关系种子集的产生和选择方式、</a:t>
-            </a:r>
-            <a:r>
-              <a:rPr lang="en-US" altLang="zh-CN" dirty="0" smtClean="0"/>
-              <a:t>Pattern</a:t>
+              <a:t>或者大规模语料库信息的高度冗余性，充分挖掘对应的关系描述模式，并通过模式匹配抽取新的关系实例，准确、高效地完成关系抽取任务</a:t>
             </a:r>
             <a:r>
               <a:rPr lang="zh-CN" altLang="en-US" dirty="0" smtClean="0"/>
-              <a:t>的组成方式、</a:t>
+              <a:t>。</a:t>
+            </a:r>
+            <a:endParaRPr lang="en-US" altLang="zh-CN" dirty="0" smtClean="0"/>
+          </a:p>
+          <a:p>
+            <a:endParaRPr lang="en-US" altLang="zh-CN" dirty="0" smtClean="0"/>
+          </a:p>
+          <a:p>
+            <a:r>
+              <a:rPr lang="zh-CN" altLang="en-US" dirty="0" smtClean="0"/>
+              <a:t>但是</a:t>
+            </a:r>
+            <a:r>
+              <a:rPr lang="zh-CN" altLang="en-US" dirty="0" smtClean="0"/>
+              <a:t>，这种方法也存在几个关键问题，如：初始关系种子集的产生和选择方式</a:t>
+            </a:r>
+            <a:r>
+              <a:rPr lang="zh-CN" altLang="en-US" dirty="0" smtClean="0"/>
+              <a:t>、</a:t>
             </a:r>
             <a:r>
               <a:rPr lang="en-US" altLang="zh-CN" dirty="0" smtClean="0"/>
@@ -21692,129 +23429,6 @@
     <p:extLst>
       <p:ext uri="{BB962C8B-B14F-4D97-AF65-F5344CB8AC3E}">
         <p14:creationId xmlns:p14="http://schemas.microsoft.com/office/powerpoint/2010/main" val="3083471286"/>
-      </p:ext>
-    </p:extLst>
-  </p:cSld>
-  <p:clrMapOvr>
-    <a:masterClrMapping/>
-  </p:clrMapOvr>
-</p:notes>
-</file>
-
-<file path=ppt/notesSlides/notesSlide9.xml><?xml version="1.0" encoding="utf-8"?>
-<p:notes xmlns:a="http://schemas.openxmlformats.org/drawingml/2006/main" xmlns:r="http://schemas.openxmlformats.org/officeDocument/2006/relationships" xmlns:p="http://schemas.openxmlformats.org/presentationml/2006/main">
-  <p:cSld>
-    <p:spTree>
-      <p:nvGrpSpPr>
-        <p:cNvPr id="1" name=""/>
-        <p:cNvGrpSpPr/>
-        <p:nvPr/>
-      </p:nvGrpSpPr>
-      <p:grpSpPr>
-        <a:xfrm>
-          <a:off x="0" y="0"/>
-          <a:ext cx="0" cy="0"/>
-          <a:chOff x="0" y="0"/>
-          <a:chExt cx="0" cy="0"/>
-        </a:xfrm>
-      </p:grpSpPr>
-      <p:sp>
-        <p:nvSpPr>
-          <p:cNvPr id="2" name="幻灯片图像占位符 1"/>
-          <p:cNvSpPr>
-            <a:spLocks noGrp="1" noRot="1" noChangeAspect="1"/>
-          </p:cNvSpPr>
-          <p:nvPr>
-            <p:ph type="sldImg"/>
-          </p:nvPr>
-        </p:nvSpPr>
-        <p:spPr/>
-      </p:sp>
-      <mc:AlternateContent xmlns:mc="http://schemas.openxmlformats.org/markup-compatibility/2006" xmlns:a14="http://schemas.microsoft.com/office/drawing/2010/main">
-        <mc:Choice Requires="a14">
-          <p:sp>
-            <p:nvSpPr>
-              <p:cNvPr id="3" name="备注占位符 2"/>
-              <p:cNvSpPr>
-                <a:spLocks noGrp="1"/>
-              </p:cNvSpPr>
-              <p:nvPr>
-                <p:ph type="body" idx="1"/>
-              </p:nvPr>
-            </p:nvSpPr>
-            <p:spPr/>
-            <p:txBody>
-              <a:bodyPr/>
-              <a:lstStyle/>
-              <a:p>
-                <a:endParaRPr lang="zh-CN" altLang="en-US" dirty="0"/>
-              </a:p>
-            </p:txBody>
-          </p:sp>
-        </mc:Choice>
-        <mc:Fallback xmlns="">
-          <p:sp>
-            <p:nvSpPr>
-              <p:cNvPr id="3" name="备注占位符 2"/>
-              <p:cNvSpPr>
-                <a:spLocks noGrp="1"/>
-              </p:cNvSpPr>
-              <p:nvPr>
-                <p:ph type="body" idx="1"/>
-              </p:nvPr>
-            </p:nvSpPr>
-            <p:spPr/>
-            <p:txBody>
-              <a:bodyPr/>
-              <a:lstStyle/>
-              <a:p>
-                <a:r>
-                  <a:rPr lang="zh-CN" altLang="en-US" dirty="0" smtClean="0"/>
-                  <a:t>来看一下本次报告的提纲，分别是：</a:t>
-                </a:r>
-                <a:r>
-                  <a:rPr lang="en-US" altLang="zh-CN" dirty="0" smtClean="0"/>
-                  <a:t>1,2,3,4,5,6</a:t>
-                </a:r>
-                <a:endParaRPr lang="zh-CN" altLang="en-US" dirty="0"/>
-              </a:p>
-            </p:txBody>
-          </p:sp>
-        </mc:Fallback>
-      </mc:AlternateContent>
-      <p:sp>
-        <p:nvSpPr>
-          <p:cNvPr id="4" name="灯片编号占位符 3"/>
-          <p:cNvSpPr>
-            <a:spLocks noGrp="1"/>
-          </p:cNvSpPr>
-          <p:nvPr>
-            <p:ph type="sldNum" sz="quarter" idx="10"/>
-          </p:nvPr>
-        </p:nvSpPr>
-        <p:spPr/>
-        <p:txBody>
-          <a:bodyPr/>
-          <a:lstStyle/>
-          <a:p>
-            <a:pPr>
-              <a:defRPr/>
-            </a:pPr>
-            <a:fld id="{CE97544E-26AA-4FDB-B9EA-96855DDCFD2A}" type="slidenum">
-              <a:rPr lang="en-US" altLang="zh-CN" smtClean="0"/>
-              <a:pPr>
-                <a:defRPr/>
-              </a:pPr>
-              <a:t>10</a:t>
-            </a:fld>
-            <a:endParaRPr lang="en-US" altLang="zh-CN"/>
-          </a:p>
-        </p:txBody>
-      </p:sp>
-    </p:spTree>
-    <p:extLst>
-      <p:ext uri="{BB962C8B-B14F-4D97-AF65-F5344CB8AC3E}">
-        <p14:creationId xmlns:p14="http://schemas.microsoft.com/office/powerpoint/2010/main" val="4098551965"/>
       </p:ext>
     </p:extLst>
   </p:cSld>
@@ -26481,7 +28095,7 @@
           <a:p>
             <a:fld id="{8B0F75CF-0553-4104-831D-ECC51C6B5C3F}" type="datetime1">
               <a:rPr lang="zh-CN" altLang="en-US" smtClean="0"/>
-              <a:t>2017/5/16</a:t>
+              <a:t>2017/5/17</a:t>
             </a:fld>
             <a:endParaRPr lang="en-US" altLang="zh-CN"/>
           </a:p>
@@ -27642,7 +29256,7 @@
           <p:nvPr/>
         </p:nvPicPr>
         <p:blipFill>
-          <a:blip r:embed="rId2" cstate="print">
+          <a:blip r:embed="rId3" cstate="print">
             <a:extLst>
               <a:ext uri="{28A0092B-C50C-407E-A947-70E740481C1C}">
                 <a14:useLocalDpi xmlns:a14="http://schemas.microsoft.com/office/drawing/2010/main" val="0"/>
@@ -27748,7 +29362,7 @@
                 <a:avLst/>
               </a:prstGeom>
               <a:blipFill rotWithShape="0">
-                <a:blip r:embed="rId3"/>
+                <a:blip r:embed="rId4"/>
                 <a:stretch>
                   <a:fillRect l="-41667"/>
                 </a:stretch>
@@ -27854,7 +29468,7 @@
                 <a:avLst/>
               </a:prstGeom>
               <a:blipFill rotWithShape="0">
-                <a:blip r:embed="rId4"/>
+                <a:blip r:embed="rId5"/>
                 <a:stretch>
                   <a:fillRect l="-45714" r="-2857"/>
                 </a:stretch>
@@ -28211,8 +29825,20 @@
                 <a:tableStyleId>{5C22544A-7EE6-4342-B048-85BDC9FD1C3A}</a:tableStyleId>
               </a:tblPr>
               <a:tblGrid>
-                <a:gridCol w="2373162"/>
-                <a:gridCol w="2091334"/>
+                <a:gridCol w="2373162">
+                  <a:extLst>
+                    <a:ext uri="{9D8B030D-6E8A-4147-A177-3AD203B41FA5}">
+                      <a16:colId xmlns:a16="http://schemas.microsoft.com/office/drawing/2014/main" val="20000"/>
+                    </a:ext>
+                  </a:extLst>
+                </a:gridCol>
+                <a:gridCol w="2091334">
+                  <a:extLst>
+                    <a:ext uri="{9D8B030D-6E8A-4147-A177-3AD203B41FA5}">
+                      <a16:colId xmlns:a16="http://schemas.microsoft.com/office/drawing/2014/main" val="20001"/>
+                    </a:ext>
+                  </a:extLst>
+                </a:gridCol>
               </a:tblGrid>
               <a:tr h="266693">
                 <a:tc>
@@ -28277,6 +29903,11 @@
                   </a:txBody>
                   <a:tcPr marL="63627" marR="63627" marT="0" marB="0"/>
                 </a:tc>
+                <a:extLst>
+                  <a:ext uri="{0D108BD9-81ED-4DB2-BD59-A6C34878D82A}">
+                    <a16:rowId xmlns:a16="http://schemas.microsoft.com/office/drawing/2014/main" val="10000"/>
+                  </a:ext>
+                </a:extLst>
               </a:tr>
               <a:tr h="266693">
                 <a:tc>
@@ -28341,6 +29972,11 @@
                   </a:txBody>
                   <a:tcPr marL="63627" marR="63627" marT="0" marB="0"/>
                 </a:tc>
+                <a:extLst>
+                  <a:ext uri="{0D108BD9-81ED-4DB2-BD59-A6C34878D82A}">
+                    <a16:rowId xmlns:a16="http://schemas.microsoft.com/office/drawing/2014/main" val="10001"/>
+                  </a:ext>
+                </a:extLst>
               </a:tr>
               <a:tr h="306685">
                 <a:tc>
@@ -28405,6 +30041,11 @@
                   </a:txBody>
                   <a:tcPr marL="63627" marR="63627" marT="0" marB="0"/>
                 </a:tc>
+                <a:extLst>
+                  <a:ext uri="{0D108BD9-81ED-4DB2-BD59-A6C34878D82A}">
+                    <a16:rowId xmlns:a16="http://schemas.microsoft.com/office/drawing/2014/main" val="10002"/>
+                  </a:ext>
+                </a:extLst>
               </a:tr>
               <a:tr h="305481">
                 <a:tc>
@@ -28469,6 +30110,11 @@
                   </a:txBody>
                   <a:tcPr marL="63627" marR="63627" marT="0" marB="0"/>
                 </a:tc>
+                <a:extLst>
+                  <a:ext uri="{0D108BD9-81ED-4DB2-BD59-A6C34878D82A}">
+                    <a16:rowId xmlns:a16="http://schemas.microsoft.com/office/drawing/2014/main" val="10003"/>
+                  </a:ext>
+                </a:extLst>
               </a:tr>
               <a:tr h="266693">
                 <a:tc>
@@ -28533,6 +30179,11 @@
                   </a:txBody>
                   <a:tcPr marL="63627" marR="63627" marT="0" marB="0"/>
                 </a:tc>
+                <a:extLst>
+                  <a:ext uri="{0D108BD9-81ED-4DB2-BD59-A6C34878D82A}">
+                    <a16:rowId xmlns:a16="http://schemas.microsoft.com/office/drawing/2014/main" val="10004"/>
+                  </a:ext>
+                </a:extLst>
               </a:tr>
               <a:tr h="344267">
                 <a:tc>
@@ -28597,6 +30248,11 @@
                   </a:txBody>
                   <a:tcPr marL="63627" marR="63627" marT="0" marB="0"/>
                 </a:tc>
+                <a:extLst>
+                  <a:ext uri="{0D108BD9-81ED-4DB2-BD59-A6C34878D82A}">
+                    <a16:rowId xmlns:a16="http://schemas.microsoft.com/office/drawing/2014/main" val="10005"/>
+                  </a:ext>
+                </a:extLst>
               </a:tr>
               <a:tr h="378188">
                 <a:tc>
@@ -28661,6 +30317,11 @@
                   </a:txBody>
                   <a:tcPr marL="63627" marR="63627" marT="0" marB="0"/>
                 </a:tc>
+                <a:extLst>
+                  <a:ext uri="{0D108BD9-81ED-4DB2-BD59-A6C34878D82A}">
+                    <a16:rowId xmlns:a16="http://schemas.microsoft.com/office/drawing/2014/main" val="10006"/>
+                  </a:ext>
+                </a:extLst>
               </a:tr>
               <a:tr h="311915">
                 <a:tc>
@@ -28725,6 +30386,11 @@
                   </a:txBody>
                   <a:tcPr marL="63627" marR="63627" marT="0" marB="0"/>
                 </a:tc>
+                <a:extLst>
+                  <a:ext uri="{0D108BD9-81ED-4DB2-BD59-A6C34878D82A}">
+                    <a16:rowId xmlns:a16="http://schemas.microsoft.com/office/drawing/2014/main" val="10007"/>
+                  </a:ext>
+                </a:extLst>
               </a:tr>
               <a:tr h="379077">
                 <a:tc>
@@ -28789,6 +30455,11 @@
                   </a:txBody>
                   <a:tcPr marL="63627" marR="63627" marT="0" marB="0"/>
                 </a:tc>
+                <a:extLst>
+                  <a:ext uri="{0D108BD9-81ED-4DB2-BD59-A6C34878D82A}">
+                    <a16:rowId xmlns:a16="http://schemas.microsoft.com/office/drawing/2014/main" val="10008"/>
+                  </a:ext>
+                </a:extLst>
               </a:tr>
               <a:tr h="337072">
                 <a:tc>
@@ -28853,6 +30524,11 @@
                   </a:txBody>
                   <a:tcPr marL="63627" marR="63627" marT="0" marB="0"/>
                 </a:tc>
+                <a:extLst>
+                  <a:ext uri="{0D108BD9-81ED-4DB2-BD59-A6C34878D82A}">
+                    <a16:rowId xmlns:a16="http://schemas.microsoft.com/office/drawing/2014/main" val="10009"/>
+                  </a:ext>
+                </a:extLst>
               </a:tr>
               <a:tr h="266693">
                 <a:tc>
@@ -28917,6 +30593,11 @@
                   </a:txBody>
                   <a:tcPr marL="63627" marR="63627" marT="0" marB="0"/>
                 </a:tc>
+                <a:extLst>
+                  <a:ext uri="{0D108BD9-81ED-4DB2-BD59-A6C34878D82A}">
+                    <a16:rowId xmlns:a16="http://schemas.microsoft.com/office/drawing/2014/main" val="10010"/>
+                  </a:ext>
+                </a:extLst>
               </a:tr>
               <a:tr h="314957">
                 <a:tc>
@@ -28981,6 +30662,11 @@
                   </a:txBody>
                   <a:tcPr marL="63627" marR="63627" marT="0" marB="0"/>
                 </a:tc>
+                <a:extLst>
+                  <a:ext uri="{0D108BD9-81ED-4DB2-BD59-A6C34878D82A}">
+                    <a16:rowId xmlns:a16="http://schemas.microsoft.com/office/drawing/2014/main" val="10011"/>
+                  </a:ext>
+                </a:extLst>
               </a:tr>
             </a:tbl>
           </a:graphicData>
@@ -29177,8 +30863,20 @@
                 <a:tableStyleId>{5C22544A-7EE6-4342-B048-85BDC9FD1C3A}</a:tableStyleId>
               </a:tblPr>
               <a:tblGrid>
-                <a:gridCol w="1425788"/>
-                <a:gridCol w="1958588"/>
+                <a:gridCol w="1425788">
+                  <a:extLst>
+                    <a:ext uri="{9D8B030D-6E8A-4147-A177-3AD203B41FA5}">
+                      <a16:colId xmlns:a16="http://schemas.microsoft.com/office/drawing/2014/main" val="20000"/>
+                    </a:ext>
+                  </a:extLst>
+                </a:gridCol>
+                <a:gridCol w="1958588">
+                  <a:extLst>
+                    <a:ext uri="{9D8B030D-6E8A-4147-A177-3AD203B41FA5}">
+                      <a16:colId xmlns:a16="http://schemas.microsoft.com/office/drawing/2014/main" val="20001"/>
+                    </a:ext>
+                  </a:extLst>
+                </a:gridCol>
               </a:tblGrid>
               <a:tr h="314245">
                 <a:tc>
@@ -29267,6 +30965,11 @@
                   </a:txBody>
                   <a:tcPr marL="68580" marR="68580" marT="0" marB="0"/>
                 </a:tc>
+                <a:extLst>
+                  <a:ext uri="{0D108BD9-81ED-4DB2-BD59-A6C34878D82A}">
+                    <a16:rowId xmlns:a16="http://schemas.microsoft.com/office/drawing/2014/main" val="10000"/>
+                  </a:ext>
+                </a:extLst>
               </a:tr>
               <a:tr h="423701">
                 <a:tc>
@@ -29331,6 +31034,11 @@
                   </a:txBody>
                   <a:tcPr marL="68580" marR="68580" marT="0" marB="0"/>
                 </a:tc>
+                <a:extLst>
+                  <a:ext uri="{0D108BD9-81ED-4DB2-BD59-A6C34878D82A}">
+                    <a16:rowId xmlns:a16="http://schemas.microsoft.com/office/drawing/2014/main" val="10001"/>
+                  </a:ext>
+                </a:extLst>
               </a:tr>
               <a:tr h="361537">
                 <a:tc>
@@ -29395,6 +31103,11 @@
                   </a:txBody>
                   <a:tcPr marL="68580" marR="68580" marT="0" marB="0"/>
                 </a:tc>
+                <a:extLst>
+                  <a:ext uri="{0D108BD9-81ED-4DB2-BD59-A6C34878D82A}">
+                    <a16:rowId xmlns:a16="http://schemas.microsoft.com/office/drawing/2014/main" val="10002"/>
+                  </a:ext>
+                </a:extLst>
               </a:tr>
               <a:tr h="418083">
                 <a:tc>
@@ -29459,6 +31172,11 @@
                   </a:txBody>
                   <a:tcPr marL="68580" marR="68580" marT="0" marB="0"/>
                 </a:tc>
+                <a:extLst>
+                  <a:ext uri="{0D108BD9-81ED-4DB2-BD59-A6C34878D82A}">
+                    <a16:rowId xmlns:a16="http://schemas.microsoft.com/office/drawing/2014/main" val="10003"/>
+                  </a:ext>
+                </a:extLst>
               </a:tr>
               <a:tr h="418083">
                 <a:tc>
@@ -29523,6 +31241,11 @@
                   </a:txBody>
                   <a:tcPr marL="68580" marR="68580" marT="0" marB="0"/>
                 </a:tc>
+                <a:extLst>
+                  <a:ext uri="{0D108BD9-81ED-4DB2-BD59-A6C34878D82A}">
+                    <a16:rowId xmlns:a16="http://schemas.microsoft.com/office/drawing/2014/main" val="10004"/>
+                  </a:ext>
+                </a:extLst>
               </a:tr>
               <a:tr h="418083">
                 <a:tc>
@@ -29587,6 +31310,11 @@
                   </a:txBody>
                   <a:tcPr marL="68580" marR="68580" marT="0" marB="0"/>
                 </a:tc>
+                <a:extLst>
+                  <a:ext uri="{0D108BD9-81ED-4DB2-BD59-A6C34878D82A}">
+                    <a16:rowId xmlns:a16="http://schemas.microsoft.com/office/drawing/2014/main" val="10005"/>
+                  </a:ext>
+                </a:extLst>
               </a:tr>
               <a:tr h="418083">
                 <a:tc>
@@ -29651,6 +31379,11 @@
                   </a:txBody>
                   <a:tcPr marL="68580" marR="68580" marT="0" marB="0"/>
                 </a:tc>
+                <a:extLst>
+                  <a:ext uri="{0D108BD9-81ED-4DB2-BD59-A6C34878D82A}">
+                    <a16:rowId xmlns:a16="http://schemas.microsoft.com/office/drawing/2014/main" val="10006"/>
+                  </a:ext>
+                </a:extLst>
               </a:tr>
             </a:tbl>
           </a:graphicData>
@@ -29681,8 +31414,20 @@
                 <a:tableStyleId>{5C22544A-7EE6-4342-B048-85BDC9FD1C3A}</a:tableStyleId>
               </a:tblPr>
               <a:tblGrid>
-                <a:gridCol w="1390163"/>
-                <a:gridCol w="1994213"/>
+                <a:gridCol w="1390163">
+                  <a:extLst>
+                    <a:ext uri="{9D8B030D-6E8A-4147-A177-3AD203B41FA5}">
+                      <a16:colId xmlns:a16="http://schemas.microsoft.com/office/drawing/2014/main" val="20000"/>
+                    </a:ext>
+                  </a:extLst>
+                </a:gridCol>
+                <a:gridCol w="1994213">
+                  <a:extLst>
+                    <a:ext uri="{9D8B030D-6E8A-4147-A177-3AD203B41FA5}">
+                      <a16:colId xmlns:a16="http://schemas.microsoft.com/office/drawing/2014/main" val="20001"/>
+                    </a:ext>
+                  </a:extLst>
+                </a:gridCol>
               </a:tblGrid>
               <a:tr h="303320">
                 <a:tc>
@@ -29747,6 +31492,11 @@
                   </a:txBody>
                   <a:tcPr marL="68580" marR="68580" marT="0" marB="0"/>
                 </a:tc>
+                <a:extLst>
+                  <a:ext uri="{0D108BD9-81ED-4DB2-BD59-A6C34878D82A}">
+                    <a16:rowId xmlns:a16="http://schemas.microsoft.com/office/drawing/2014/main" val="10000"/>
+                  </a:ext>
+                </a:extLst>
               </a:tr>
               <a:tr h="350310">
                 <a:tc>
@@ -29811,6 +31561,11 @@
                   </a:txBody>
                   <a:tcPr marL="68580" marR="68580" marT="0" marB="0"/>
                 </a:tc>
+                <a:extLst>
+                  <a:ext uri="{0D108BD9-81ED-4DB2-BD59-A6C34878D82A}">
+                    <a16:rowId xmlns:a16="http://schemas.microsoft.com/office/drawing/2014/main" val="10001"/>
+                  </a:ext>
+                </a:extLst>
               </a:tr>
               <a:tr h="364212">
                 <a:tc>
@@ -29881,6 +31636,11 @@
                   </a:txBody>
                   <a:tcPr marL="68580" marR="68580" marT="0" marB="0"/>
                 </a:tc>
+                <a:extLst>
+                  <a:ext uri="{0D108BD9-81ED-4DB2-BD59-A6C34878D82A}">
+                    <a16:rowId xmlns:a16="http://schemas.microsoft.com/office/drawing/2014/main" val="10002"/>
+                  </a:ext>
+                </a:extLst>
               </a:tr>
               <a:tr h="350310">
                 <a:tc>
@@ -29945,6 +31705,11 @@
                   </a:txBody>
                   <a:tcPr marL="68580" marR="68580" marT="0" marB="0"/>
                 </a:tc>
+                <a:extLst>
+                  <a:ext uri="{0D108BD9-81ED-4DB2-BD59-A6C34878D82A}">
+                    <a16:rowId xmlns:a16="http://schemas.microsoft.com/office/drawing/2014/main" val="10003"/>
+                  </a:ext>
+                </a:extLst>
               </a:tr>
             </a:tbl>
           </a:graphicData>
@@ -31542,7 +33307,7 @@
           <a:graphicData uri="http://schemas.openxmlformats.org/presentationml/2006/ole">
             <mc:AlternateContent xmlns:mc="http://schemas.openxmlformats.org/markup-compatibility/2006">
               <mc:Choice xmlns:v="urn:schemas-microsoft-com:vml" Requires="v">
-                <p:oleObj spid="_x0000_s4153" name="Visio" r:id="rId4" imgW="4174659" imgH="6226721" progId="Visio.Drawing.11">
+                <p:oleObj spid="_x0000_s4215" name="Visio" r:id="rId4" imgW="4174659" imgH="6226721" progId="Visio.Drawing.11">
                   <p:embed/>
                 </p:oleObj>
               </mc:Choice>
@@ -32262,8 +34027,20 @@
                 <a:tableStyleId>{5C22544A-7EE6-4342-B048-85BDC9FD1C3A}</a:tableStyleId>
               </a:tblPr>
               <a:tblGrid>
-                <a:gridCol w="2329948"/>
-                <a:gridCol w="4779740"/>
+                <a:gridCol w="2329948">
+                  <a:extLst>
+                    <a:ext uri="{9D8B030D-6E8A-4147-A177-3AD203B41FA5}">
+                      <a16:colId xmlns:a16="http://schemas.microsoft.com/office/drawing/2014/main" val="20000"/>
+                    </a:ext>
+                  </a:extLst>
+                </a:gridCol>
+                <a:gridCol w="4779740">
+                  <a:extLst>
+                    <a:ext uri="{9D8B030D-6E8A-4147-A177-3AD203B41FA5}">
+                      <a16:colId xmlns:a16="http://schemas.microsoft.com/office/drawing/2014/main" val="20001"/>
+                    </a:ext>
+                  </a:extLst>
+                </a:gridCol>
               </a:tblGrid>
               <a:tr h="361833">
                 <a:tc>
@@ -32328,6 +34105,11 @@
                   </a:txBody>
                   <a:tcPr marL="68580" marR="68580" marT="0" marB="0"/>
                 </a:tc>
+                <a:extLst>
+                  <a:ext uri="{0D108BD9-81ED-4DB2-BD59-A6C34878D82A}">
+                    <a16:rowId xmlns:a16="http://schemas.microsoft.com/office/drawing/2014/main" val="10000"/>
+                  </a:ext>
+                </a:extLst>
               </a:tr>
               <a:tr h="1039683">
                 <a:tc>
@@ -32398,6 +34180,11 @@
                   </a:txBody>
                   <a:tcPr marL="68580" marR="68580" marT="0" marB="0"/>
                 </a:tc>
+                <a:extLst>
+                  <a:ext uri="{0D108BD9-81ED-4DB2-BD59-A6C34878D82A}">
+                    <a16:rowId xmlns:a16="http://schemas.microsoft.com/office/drawing/2014/main" val="10001"/>
+                  </a:ext>
+                </a:extLst>
               </a:tr>
               <a:tr h="717802">
                 <a:tc>
@@ -32468,6 +34255,11 @@
                   </a:txBody>
                   <a:tcPr marL="68580" marR="68580" marT="0" marB="0"/>
                 </a:tc>
+                <a:extLst>
+                  <a:ext uri="{0D108BD9-81ED-4DB2-BD59-A6C34878D82A}">
+                    <a16:rowId xmlns:a16="http://schemas.microsoft.com/office/drawing/2014/main" val="10002"/>
+                  </a:ext>
+                </a:extLst>
               </a:tr>
               <a:tr h="574577">
                 <a:tc>
@@ -32538,6 +34330,11 @@
                   </a:txBody>
                   <a:tcPr marL="68580" marR="68580" marT="0" marB="0"/>
                 </a:tc>
+                <a:extLst>
+                  <a:ext uri="{0D108BD9-81ED-4DB2-BD59-A6C34878D82A}">
+                    <a16:rowId xmlns:a16="http://schemas.microsoft.com/office/drawing/2014/main" val="10003"/>
+                  </a:ext>
+                </a:extLst>
               </a:tr>
               <a:tr h="574577">
                 <a:tc>
@@ -32608,6 +34405,11 @@
                   </a:txBody>
                   <a:tcPr marL="68580" marR="68580" marT="0" marB="0"/>
                 </a:tc>
+                <a:extLst>
+                  <a:ext uri="{0D108BD9-81ED-4DB2-BD59-A6C34878D82A}">
+                    <a16:rowId xmlns:a16="http://schemas.microsoft.com/office/drawing/2014/main" val="10004"/>
+                  </a:ext>
+                </a:extLst>
               </a:tr>
               <a:tr h="532698">
                 <a:tc>
@@ -32672,6 +34474,11 @@
                   </a:txBody>
                   <a:tcPr marL="68580" marR="68580" marT="0" marB="0"/>
                 </a:tc>
+                <a:extLst>
+                  <a:ext uri="{0D108BD9-81ED-4DB2-BD59-A6C34878D82A}">
+                    <a16:rowId xmlns:a16="http://schemas.microsoft.com/office/drawing/2014/main" val="10005"/>
+                  </a:ext>
+                </a:extLst>
               </a:tr>
             </a:tbl>
           </a:graphicData>
@@ -33089,8 +34896,20 @@
                 <a:tableStyleId>{5C22544A-7EE6-4342-B048-85BDC9FD1C3A}</a:tableStyleId>
               </a:tblPr>
               <a:tblGrid>
-                <a:gridCol w="1914192"/>
-                <a:gridCol w="1686208"/>
+                <a:gridCol w="1914192">
+                  <a:extLst>
+                    <a:ext uri="{9D8B030D-6E8A-4147-A177-3AD203B41FA5}">
+                      <a16:colId xmlns:a16="http://schemas.microsoft.com/office/drawing/2014/main" val="20000"/>
+                    </a:ext>
+                  </a:extLst>
+                </a:gridCol>
+                <a:gridCol w="1686208">
+                  <a:extLst>
+                    <a:ext uri="{9D8B030D-6E8A-4147-A177-3AD203B41FA5}">
+                      <a16:colId xmlns:a16="http://schemas.microsoft.com/office/drawing/2014/main" val="20001"/>
+                    </a:ext>
+                  </a:extLst>
+                </a:gridCol>
               </a:tblGrid>
               <a:tr h="298232">
                 <a:tc>
@@ -33155,6 +34974,11 @@
                   </a:txBody>
                   <a:tcPr marL="68580" marR="68580" marT="0" marB="0"/>
                 </a:tc>
+                <a:extLst>
+                  <a:ext uri="{0D108BD9-81ED-4DB2-BD59-A6C34878D82A}">
+                    <a16:rowId xmlns:a16="http://schemas.microsoft.com/office/drawing/2014/main" val="10000"/>
+                  </a:ext>
+                </a:extLst>
               </a:tr>
               <a:tr h="349840">
                 <a:tc>
@@ -33225,6 +35049,11 @@
                   </a:txBody>
                   <a:tcPr marL="68580" marR="68580" marT="0" marB="0"/>
                 </a:tc>
+                <a:extLst>
+                  <a:ext uri="{0D108BD9-81ED-4DB2-BD59-A6C34878D82A}">
+                    <a16:rowId xmlns:a16="http://schemas.microsoft.com/office/drawing/2014/main" val="10001"/>
+                  </a:ext>
+                </a:extLst>
               </a:tr>
               <a:tr h="339640">
                 <a:tc>
@@ -33295,6 +35124,11 @@
                   </a:txBody>
                   <a:tcPr marL="68580" marR="68580" marT="0" marB="0"/>
                 </a:tc>
+                <a:extLst>
+                  <a:ext uri="{0D108BD9-81ED-4DB2-BD59-A6C34878D82A}">
+                    <a16:rowId xmlns:a16="http://schemas.microsoft.com/office/drawing/2014/main" val="10002"/>
+                  </a:ext>
+                </a:extLst>
               </a:tr>
               <a:tr h="360040">
                 <a:tc>
@@ -33365,6 +35199,11 @@
                   </a:txBody>
                   <a:tcPr marL="68580" marR="68580" marT="0" marB="0"/>
                 </a:tc>
+                <a:extLst>
+                  <a:ext uri="{0D108BD9-81ED-4DB2-BD59-A6C34878D82A}">
+                    <a16:rowId xmlns:a16="http://schemas.microsoft.com/office/drawing/2014/main" val="10003"/>
+                  </a:ext>
+                </a:extLst>
               </a:tr>
               <a:tr h="298232">
                 <a:tc>
@@ -33435,6 +35274,11 @@
                   </a:txBody>
                   <a:tcPr marL="68580" marR="68580" marT="0" marB="0"/>
                 </a:tc>
+                <a:extLst>
+                  <a:ext uri="{0D108BD9-81ED-4DB2-BD59-A6C34878D82A}">
+                    <a16:rowId xmlns:a16="http://schemas.microsoft.com/office/drawing/2014/main" val="10004"/>
+                  </a:ext>
+                </a:extLst>
               </a:tr>
               <a:tr h="380956">
                 <a:tc>
@@ -33505,6 +35349,11 @@
                   </a:txBody>
                   <a:tcPr marL="68580" marR="68580" marT="0" marB="0"/>
                 </a:tc>
+                <a:extLst>
+                  <a:ext uri="{0D108BD9-81ED-4DB2-BD59-A6C34878D82A}">
+                    <a16:rowId xmlns:a16="http://schemas.microsoft.com/office/drawing/2014/main" val="10005"/>
+                  </a:ext>
+                </a:extLst>
               </a:tr>
               <a:tr h="298232">
                 <a:tc>
@@ -33569,6 +35418,11 @@
                   </a:txBody>
                   <a:tcPr marL="68580" marR="68580" marT="0" marB="0"/>
                 </a:tc>
+                <a:extLst>
+                  <a:ext uri="{0D108BD9-81ED-4DB2-BD59-A6C34878D82A}">
+                    <a16:rowId xmlns:a16="http://schemas.microsoft.com/office/drawing/2014/main" val="10006"/>
+                  </a:ext>
+                </a:extLst>
               </a:tr>
               <a:tr h="396513">
                 <a:tc>
@@ -33633,6 +35487,11 @@
                   </a:txBody>
                   <a:tcPr marL="68580" marR="68580" marT="0" marB="0"/>
                 </a:tc>
+                <a:extLst>
+                  <a:ext uri="{0D108BD9-81ED-4DB2-BD59-A6C34878D82A}">
+                    <a16:rowId xmlns:a16="http://schemas.microsoft.com/office/drawing/2014/main" val="10007"/>
+                  </a:ext>
+                </a:extLst>
               </a:tr>
             </a:tbl>
           </a:graphicData>
@@ -33901,8 +35760,8 @@
         </p:nvSpPr>
         <p:spPr bwMode="auto">
           <a:xfrm>
-            <a:off x="468310" y="2568874"/>
-            <a:ext cx="8142287" cy="2183805"/>
+            <a:off x="468310" y="2568875"/>
+            <a:ext cx="8142287" cy="2084262"/>
           </a:xfrm>
           <a:prstGeom prst="rect">
             <a:avLst/>
@@ -34158,6 +36017,58 @@
               <a:buFont typeface="Wingdings" panose="05000000000000000000" pitchFamily="2" charset="2"/>
               <a:buChar char="p"/>
             </a:pPr>
+            <a:r>
+              <a:rPr lang="zh-CN" altLang="en-US" sz="1800" kern="0" dirty="0" smtClean="0">
+                <a:latin typeface="Times New Roman" panose="02020603050405020304" pitchFamily="18" charset="0"/>
+                <a:ea typeface="楷体" panose="02010609060101010101" pitchFamily="49" charset="-122"/>
+                <a:cs typeface="Times New Roman" panose="02020603050405020304" pitchFamily="18" charset="0"/>
+              </a:rPr>
+              <a:t>训练关系分类模型</a:t>
+            </a:r>
+            <a:endParaRPr lang="en-US" altLang="zh-CN" sz="1800" kern="0" dirty="0" smtClean="0">
+              <a:latin typeface="Times New Roman" panose="02020603050405020304" pitchFamily="18" charset="0"/>
+              <a:ea typeface="楷体" panose="02010609060101010101" pitchFamily="49" charset="-122"/>
+              <a:cs typeface="Times New Roman" panose="02020603050405020304" pitchFamily="18" charset="0"/>
+            </a:endParaRPr>
+          </a:p>
+          <a:p>
+            <a:pPr lvl="1">
+              <a:lnSpc>
+                <a:spcPct val="150000"/>
+              </a:lnSpc>
+              <a:buFont typeface="Wingdings" panose="05000000000000000000" pitchFamily="2" charset="2"/>
+              <a:buChar char="p"/>
+            </a:pPr>
+            <a:r>
+              <a:rPr lang="zh-CN" altLang="en-US" sz="1800" kern="0" dirty="0" smtClean="0">
+                <a:latin typeface="Times New Roman" panose="02020603050405020304" pitchFamily="18" charset="0"/>
+                <a:ea typeface="楷体" panose="02010609060101010101" pitchFamily="49" charset="-122"/>
+                <a:cs typeface="Times New Roman" panose="02020603050405020304" pitchFamily="18" charset="0"/>
+              </a:rPr>
+              <a:t>人工标注测试集</a:t>
+            </a:r>
+            <a:endParaRPr lang="en-US" altLang="zh-CN" sz="1800" kern="0" dirty="0" smtClean="0">
+              <a:latin typeface="Times New Roman" panose="02020603050405020304" pitchFamily="18" charset="0"/>
+              <a:ea typeface="楷体" panose="02010609060101010101" pitchFamily="49" charset="-122"/>
+              <a:cs typeface="Times New Roman" panose="02020603050405020304" pitchFamily="18" charset="0"/>
+            </a:endParaRPr>
+          </a:p>
+          <a:p>
+            <a:pPr lvl="1">
+              <a:lnSpc>
+                <a:spcPct val="150000"/>
+              </a:lnSpc>
+              <a:buFont typeface="Wingdings" panose="05000000000000000000" pitchFamily="2" charset="2"/>
+              <a:buChar char="p"/>
+            </a:pPr>
+            <a:r>
+              <a:rPr lang="zh-CN" altLang="en-US" sz="1800" kern="0" dirty="0" smtClean="0">
+                <a:latin typeface="Times New Roman" panose="02020603050405020304" pitchFamily="18" charset="0"/>
+                <a:ea typeface="楷体" panose="02010609060101010101" pitchFamily="49" charset="-122"/>
+                <a:cs typeface="Times New Roman" panose="02020603050405020304" pitchFamily="18" charset="0"/>
+              </a:rPr>
+              <a:t>将分类模型预测的结果与人工标注的结果做对比</a:t>
+            </a:r>
             <a:endParaRPr lang="en-US" altLang="zh-CN" sz="1800" kern="0" dirty="0" smtClean="0">
               <a:latin typeface="Times New Roman" panose="02020603050405020304" pitchFamily="18" charset="0"/>
               <a:ea typeface="楷体" panose="02010609060101010101" pitchFamily="49" charset="-122"/>
@@ -34180,11 +36091,11 @@
           </a:p>
         </p:txBody>
       </p:sp>
-      <mc:AlternateContent xmlns:mc="http://schemas.openxmlformats.org/markup-compatibility/2006" xmlns:a14="http://schemas.microsoft.com/office/drawing/2010/main">
-        <mc:Choice Requires="a14">
+      <mc:AlternateContent xmlns:mc="http://schemas.openxmlformats.org/markup-compatibility/2006">
+        <mc:Choice xmlns:a14="http://schemas.microsoft.com/office/drawing/2010/main" Requires="a14">
           <p:sp>
             <p:nvSpPr>
-              <p:cNvPr id="10" name="内容占位符 2"/>
+              <p:cNvPr id="8" name="内容占位符 2"/>
               <p:cNvSpPr txBox="1">
                 <a:spLocks/>
               </p:cNvSpPr>
@@ -34192,8 +36103,8 @@
             </p:nvSpPr>
             <p:spPr bwMode="auto">
               <a:xfrm>
-                <a:off x="468310" y="4653136"/>
-                <a:ext cx="8142287" cy="1152599"/>
+                <a:off x="490355" y="4653137"/>
+                <a:ext cx="4574005" cy="1152599"/>
               </a:xfrm>
               <a:prstGeom prst="rect">
                 <a:avLst/>
@@ -34435,102 +36346,124 @@
                   <a:rPr lang="zh-CN" altLang="en-US" sz="2400" kern="0" dirty="0" smtClean="0"/>
                   <a:t>评估标准</a:t>
                 </a:r>
-                <a:endParaRPr lang="en-US" altLang="zh-CN" sz="2400" kern="0" dirty="0" smtClean="0"/>
-              </a:p>
-              <a:p>
-                <a:pPr marL="784225" lvl="1" indent="-342900">
-                  <a:buFont typeface="Wingdings" panose="05000000000000000000" pitchFamily="2" charset="2"/>
-                  <a:buChar char="p"/>
-                </a:pPr>
-                <a:r>
-                  <a:rPr lang="zh-CN" altLang="en-US" sz="1800" dirty="0" smtClean="0">
-                    <a:latin typeface="Times New Roman" panose="02020603050405020304" pitchFamily="18" charset="0"/>
-                    <a:ea typeface="楷体" panose="02010609060101010101" pitchFamily="49" charset="-122"/>
-                    <a:cs typeface="Times New Roman" panose="02020603050405020304" pitchFamily="18" charset="0"/>
-                  </a:rPr>
-                  <a:t>准确率</a:t>
-                </a:r>
-                <a:r>
-                  <a:rPr lang="en-US" altLang="zh-CN" sz="1800" dirty="0" smtClean="0">
-                    <a:latin typeface="Times New Roman" panose="02020603050405020304" pitchFamily="18" charset="0"/>
-                    <a:ea typeface="楷体" panose="02010609060101010101" pitchFamily="49" charset="-122"/>
-                    <a:cs typeface="Times New Roman" panose="02020603050405020304" pitchFamily="18" charset="0"/>
-                  </a:rPr>
-                  <a:t>(</a:t>
-                </a:r>
-                <a14:m>
-                  <m:oMath xmlns:m="http://schemas.openxmlformats.org/officeDocument/2006/math">
-                    <m:r>
-                      <a:rPr lang="en-US" altLang="zh-CN" sz="1800" i="1" kern="0">
-                        <a:latin typeface="Cambria Math" panose="02040503050406030204" pitchFamily="18" charset="0"/>
-                        <a:ea typeface="楷体" panose="02010609060101010101" pitchFamily="49" charset="-122"/>
-                      </a:rPr>
-                      <m:t>𝑃𝑟𝑒𝑠𝑖𝑠𝑖𝑜𝑛</m:t>
-                    </m:r>
-                    <m:r>
-                      <a:rPr lang="en-US" altLang="zh-CN" sz="1800" b="0" i="1" kern="0" smtClean="0">
-                        <a:latin typeface="Cambria Math" panose="02040503050406030204" pitchFamily="18" charset="0"/>
-                        <a:ea typeface="楷体" panose="02010609060101010101" pitchFamily="49" charset="-122"/>
-                      </a:rPr>
-                      <m:t>)</m:t>
-                    </m:r>
-                  </m:oMath>
-                </a14:m>
-                <a:endParaRPr lang="en-US" altLang="zh-CN" sz="1800" dirty="0" smtClean="0">
-                  <a:latin typeface="Times New Roman" panose="02020603050405020304" pitchFamily="18" charset="0"/>
-                  <a:ea typeface="楷体" panose="02010609060101010101" pitchFamily="49" charset="-122"/>
-                  <a:cs typeface="Times New Roman" panose="02020603050405020304" pitchFamily="18" charset="0"/>
-                </a:endParaRPr>
-              </a:p>
-              <a:p>
-                <a:pPr marL="784225" lvl="1" indent="-342900">
-                  <a:buFont typeface="Wingdings" panose="05000000000000000000" pitchFamily="2" charset="2"/>
-                  <a:buChar char="p"/>
-                </a:pPr>
-                <a:r>
-                  <a:rPr lang="zh-CN" altLang="en-US" sz="1800" dirty="0" smtClean="0">
-                    <a:latin typeface="Times New Roman" panose="02020603050405020304" pitchFamily="18" charset="0"/>
-                    <a:ea typeface="楷体" panose="02010609060101010101" pitchFamily="49" charset="-122"/>
-                    <a:cs typeface="Times New Roman" panose="02020603050405020304" pitchFamily="18" charset="0"/>
-                  </a:rPr>
-                  <a:t>召回率</a:t>
-                </a:r>
-                <a:r>
-                  <a:rPr lang="en-US" altLang="zh-CN" sz="1800" dirty="0" smtClean="0">
-                    <a:latin typeface="Times New Roman" panose="02020603050405020304" pitchFamily="18" charset="0"/>
-                    <a:ea typeface="楷体" panose="02010609060101010101" pitchFamily="49" charset="-122"/>
-                    <a:cs typeface="Times New Roman" panose="02020603050405020304" pitchFamily="18" charset="0"/>
-                  </a:rPr>
-                  <a:t>(</a:t>
-                </a:r>
-                <a14:m>
-                  <m:oMath xmlns:m="http://schemas.openxmlformats.org/officeDocument/2006/math">
-                    <m:r>
-                      <a:rPr lang="en-US" altLang="zh-CN" sz="1800" i="1" kern="0">
-                        <a:latin typeface="Cambria Math" panose="02040503050406030204" pitchFamily="18" charset="0"/>
-                        <a:ea typeface="楷体" panose="02010609060101010101" pitchFamily="49" charset="-122"/>
-                      </a:rPr>
-                      <m:t>𝑅𝑒𝑐𝑎𝑙𝑙</m:t>
-                    </m:r>
-                  </m:oMath>
-                </a14:m>
-                <a:r>
-                  <a:rPr lang="en-US" altLang="zh-CN" sz="1800" dirty="0" smtClean="0">
-                    <a:latin typeface="Times New Roman" panose="02020603050405020304" pitchFamily="18" charset="0"/>
-                    <a:ea typeface="楷体" panose="02010609060101010101" pitchFamily="49" charset="-122"/>
-                    <a:cs typeface="Times New Roman" panose="02020603050405020304" pitchFamily="18" charset="0"/>
-                  </a:rPr>
-                  <a:t>)</a:t>
-                </a:r>
-                <a:endParaRPr lang="zh-CN" altLang="en-US" sz="1600" kern="0" dirty="0" smtClean="0">
+                <a:endParaRPr lang="en-US" altLang="zh-CN" sz="1600" kern="0" dirty="0">
                   <a:latin typeface="Times New Roman" panose="02020603050405020304" pitchFamily="18" charset="0"/>
                   <a:ea typeface="宋体" panose="02010600030101010101" pitchFamily="2" charset="-122"/>
                 </a:endParaRPr>
               </a:p>
               <a:p>
-                <a:pPr marL="441325" lvl="1" indent="0">
+                <a:pPr marL="0" indent="0">
                   <a:buNone/>
                 </a:pPr>
+                <a:endParaRPr lang="en-US" altLang="zh-CN" sz="1800" b="0" i="1" kern="0" dirty="0" smtClean="0">
+                  <a:latin typeface="Cambria Math" panose="02040503050406030204" pitchFamily="18" charset="0"/>
+                  <a:ea typeface="楷体" panose="02010609060101010101" pitchFamily="49" charset="-122"/>
+                </a:endParaRPr>
+              </a:p>
+              <a:p>
+                <a:pPr marL="0" indent="0">
+                  <a:buNone/>
+                </a:pPr>
+                <a14:m>
+                  <m:oMathPara xmlns:m="http://schemas.openxmlformats.org/officeDocument/2006/math">
+                    <m:oMathParaPr>
+                      <m:jc m:val="centerGroup"/>
+                    </m:oMathParaPr>
+                    <m:oMath xmlns:m="http://schemas.openxmlformats.org/officeDocument/2006/math">
+                      <m:r>
+                        <a:rPr lang="en-US" altLang="zh-CN" sz="1800" b="0" i="1" kern="0" smtClean="0">
+                          <a:latin typeface="Cambria Math" panose="02040503050406030204" pitchFamily="18" charset="0"/>
+                          <a:ea typeface="楷体" panose="02010609060101010101" pitchFamily="49" charset="-122"/>
+                        </a:rPr>
+                        <m:t>𝐹</m:t>
+                      </m:r>
+                      <m:r>
+                        <a:rPr lang="en-US" altLang="zh-CN" sz="1800" b="0" i="1" kern="0" smtClean="0">
+                          <a:latin typeface="Cambria Math" panose="02040503050406030204" pitchFamily="18" charset="0"/>
+                          <a:ea typeface="楷体" panose="02010609060101010101" pitchFamily="49" charset="-122"/>
+                        </a:rPr>
+                        <m:t>_</m:t>
+                      </m:r>
+                      <m:r>
+                        <a:rPr lang="en-US" altLang="zh-CN" sz="1800" b="0" i="1" kern="0" smtClean="0">
+                          <a:latin typeface="Cambria Math" panose="02040503050406030204" pitchFamily="18" charset="0"/>
+                          <a:ea typeface="楷体" panose="02010609060101010101" pitchFamily="49" charset="-122"/>
+                        </a:rPr>
+                        <m:t>𝑚𝑒𝑎𝑠𝑢𝑟𝑒</m:t>
+                      </m:r>
+                      <m:r>
+                        <a:rPr lang="en-US" altLang="zh-CN" sz="1800" b="0" i="1" kern="0" smtClean="0">
+                          <a:latin typeface="Cambria Math" panose="02040503050406030204" pitchFamily="18" charset="0"/>
+                          <a:ea typeface="楷体" panose="02010609060101010101" pitchFamily="49" charset="-122"/>
+                        </a:rPr>
+                        <m:t>=</m:t>
+                      </m:r>
+                      <m:f>
+                        <m:fPr>
+                          <m:ctrlPr>
+                            <a:rPr lang="en-US" altLang="zh-CN" sz="1800" b="0" i="1" kern="0" smtClean="0">
+                              <a:latin typeface="Cambria Math" panose="02040503050406030204" pitchFamily="18" charset="0"/>
+                              <a:ea typeface="楷体" panose="02010609060101010101" pitchFamily="49" charset="-122"/>
+                            </a:rPr>
+                          </m:ctrlPr>
+                        </m:fPr>
+                        <m:num>
+                          <m:r>
+                            <a:rPr lang="en-US" altLang="zh-CN" sz="1800" b="0" i="1" kern="0" smtClean="0">
+                              <a:latin typeface="Cambria Math" panose="02040503050406030204" pitchFamily="18" charset="0"/>
+                              <a:ea typeface="楷体" panose="02010609060101010101" pitchFamily="49" charset="-122"/>
+                            </a:rPr>
+                            <m:t>2∗</m:t>
+                          </m:r>
+                          <m:r>
+                            <a:rPr lang="en-US" altLang="zh-CN" sz="1800" b="0" i="1" kern="0" smtClean="0">
+                              <a:latin typeface="Cambria Math" panose="02040503050406030204" pitchFamily="18" charset="0"/>
+                              <a:ea typeface="楷体" panose="02010609060101010101" pitchFamily="49" charset="-122"/>
+                            </a:rPr>
+                            <m:t>𝑃𝑟𝑒𝑠𝑖𝑠𝑖𝑜𝑛</m:t>
+                          </m:r>
+                          <m:r>
+                            <a:rPr lang="en-US" altLang="zh-CN" sz="1800" b="0" i="1" kern="0" smtClean="0">
+                              <a:latin typeface="Cambria Math" panose="02040503050406030204" pitchFamily="18" charset="0"/>
+                              <a:ea typeface="楷体" panose="02010609060101010101" pitchFamily="49" charset="-122"/>
+                            </a:rPr>
+                            <m:t>∗</m:t>
+                          </m:r>
+                          <m:r>
+                            <a:rPr lang="en-US" altLang="zh-CN" sz="1800" b="0" i="1" kern="0" smtClean="0">
+                              <a:latin typeface="Cambria Math" panose="02040503050406030204" pitchFamily="18" charset="0"/>
+                              <a:ea typeface="楷体" panose="02010609060101010101" pitchFamily="49" charset="-122"/>
+                            </a:rPr>
+                            <m:t>𝑅𝑒𝑐𝑎𝑙𝑙</m:t>
+                          </m:r>
+                        </m:num>
+                        <m:den>
+                          <m:r>
+                            <a:rPr lang="en-US" altLang="zh-CN" sz="1800" b="0" i="1" kern="0" smtClean="0">
+                              <a:latin typeface="Cambria Math" panose="02040503050406030204" pitchFamily="18" charset="0"/>
+                              <a:ea typeface="楷体" panose="02010609060101010101" pitchFamily="49" charset="-122"/>
+                            </a:rPr>
+                            <m:t>𝑃𝑟𝑒𝑐𝑖𝑠𝑖𝑜𝑛</m:t>
+                          </m:r>
+                          <m:r>
+                            <a:rPr lang="en-US" altLang="zh-CN" sz="1800" b="0" i="1" kern="0" smtClean="0">
+                              <a:latin typeface="Cambria Math" panose="02040503050406030204" pitchFamily="18" charset="0"/>
+                              <a:ea typeface="楷体" panose="02010609060101010101" pitchFamily="49" charset="-122"/>
+                            </a:rPr>
+                            <m:t>+</m:t>
+                          </m:r>
+                          <m:r>
+                            <a:rPr lang="en-US" altLang="zh-CN" sz="1800" b="0" i="1" kern="0" smtClean="0">
+                              <a:latin typeface="Cambria Math" panose="02040503050406030204" pitchFamily="18" charset="0"/>
+                              <a:ea typeface="楷体" panose="02010609060101010101" pitchFamily="49" charset="-122"/>
+                            </a:rPr>
+                            <m:t>𝑅𝑒𝑐𝑎𝑙𝑙</m:t>
+                          </m:r>
+                        </m:den>
+                      </m:f>
+                    </m:oMath>
+                  </m:oMathPara>
+                </a14:m>
                 <a:endParaRPr lang="en-US" altLang="zh-CN" sz="1800" b="0" kern="0" dirty="0" smtClean="0">
                   <a:latin typeface="楷体" panose="02010609060101010101" pitchFamily="49" charset="-122"/>
                   <a:ea typeface="楷体" panose="02010609060101010101" pitchFamily="49" charset="-122"/>
@@ -34548,10 +36481,10 @@
             </p:txBody>
           </p:sp>
         </mc:Choice>
-        <mc:Fallback xmlns="">
+        <mc:Fallback>
           <p:sp>
             <p:nvSpPr>
-              <p:cNvPr id="10" name="内容占位符 2"/>
+              <p:cNvPr id="8" name="内容占位符 2"/>
               <p:cNvSpPr txBox="1">
                 <a:spLocks noRot="1" noChangeAspect="1" noMove="1" noResize="1" noEditPoints="1" noAdjustHandles="1" noChangeArrowheads="1" noChangeShapeType="1" noTextEdit="1"/>
               </p:cNvSpPr>
@@ -34559,16 +36492,16 @@
             </p:nvSpPr>
             <p:spPr bwMode="auto">
               <a:xfrm>
-                <a:off x="468310" y="4653136"/>
-                <a:ext cx="8142287" cy="1152599"/>
+                <a:off x="490355" y="4653137"/>
+                <a:ext cx="4574005" cy="1152599"/>
               </a:xfrm>
               <a:prstGeom prst="rect">
                 <a:avLst/>
               </a:prstGeom>
-              <a:blipFill rotWithShape="0">
+              <a:blipFill>
                 <a:blip r:embed="rId3"/>
                 <a:stretch>
-                  <a:fillRect l="-375" t="-4233" b="-5820"/>
+                  <a:fillRect l="-533" t="-4233" b="-10053"/>
                 </a:stretch>
               </a:blipFill>
               <a:ln>
@@ -34802,6 +36735,30 @@
           </a:p>
         </p:txBody>
       </p:sp>
+      <p:graphicFrame>
+        <p:nvGraphicFramePr>
+          <p:cNvPr id="9" name="图表 8"/>
+          <p:cNvGraphicFramePr>
+            <a:graphicFrameLocks/>
+          </p:cNvGraphicFramePr>
+          <p:nvPr>
+            <p:extLst>
+              <p:ext uri="{D42A27DB-BD31-4B8C-83A1-F6EECF244321}">
+                <p14:modId xmlns:p14="http://schemas.microsoft.com/office/powerpoint/2010/main" val="830665311"/>
+              </p:ext>
+            </p:extLst>
+          </p:nvPr>
+        </p:nvGraphicFramePr>
+        <p:xfrm>
+          <a:off x="1232407" y="2204864"/>
+          <a:ext cx="6951661" cy="3672408"/>
+        </p:xfrm>
+        <a:graphic>
+          <a:graphicData uri="http://schemas.openxmlformats.org/drawingml/2006/chart">
+            <c:chart xmlns:c="http://schemas.openxmlformats.org/drawingml/2006/chart" xmlns:r="http://schemas.openxmlformats.org/officeDocument/2006/relationships" r:id="rId3"/>
+          </a:graphicData>
+        </a:graphic>
+      </p:graphicFrame>
     </p:spTree>
     <p:extLst>
       <p:ext uri="{BB962C8B-B14F-4D97-AF65-F5344CB8AC3E}">
@@ -35953,7 +37910,7 @@
         <p:spPr>
           <a:xfrm>
             <a:off x="1763688" y="2708920"/>
-            <a:ext cx="5328592" cy="1584176"/>
+            <a:ext cx="5688632" cy="1584176"/>
           </a:xfrm>
         </p:spPr>
         <p:txBody>
@@ -36489,49 +38446,21 @@
                 <a:latin typeface="楷体" panose="02010609060101010101" pitchFamily="49" charset="-122"/>
                 <a:ea typeface="楷体" panose="02010609060101010101" pitchFamily="49" charset="-122"/>
               </a:rPr>
-              <a:t>息抽取任务主要目的是从自然语言文本当中抽取出特定领域的实体</a:t>
+              <a:t>息抽取任务主要目的是从自然语言文本当中抽取出特定领域的</a:t>
             </a:r>
             <a:r>
-              <a:rPr lang="en-US" altLang="zh-CN" sz="1800" dirty="0">
+              <a:rPr lang="zh-CN" altLang="en-US" sz="1800" dirty="0" smtClean="0">
                 <a:latin typeface="楷体" panose="02010609060101010101" pitchFamily="49" charset="-122"/>
                 <a:ea typeface="楷体" panose="02010609060101010101" pitchFamily="49" charset="-122"/>
               </a:rPr>
-              <a:t>(Entity)</a:t>
+              <a:t>实体、关系、事件等</a:t>
             </a:r>
             <a:r>
               <a:rPr lang="zh-CN" altLang="en-US" sz="1800" dirty="0">
                 <a:latin typeface="楷体" panose="02010609060101010101" pitchFamily="49" charset="-122"/>
                 <a:ea typeface="楷体" panose="02010609060101010101" pitchFamily="49" charset="-122"/>
               </a:rPr>
-              <a:t>、关系</a:t>
-            </a:r>
-            <a:r>
-              <a:rPr lang="en-US" altLang="zh-CN" sz="1800" dirty="0">
-                <a:latin typeface="楷体" panose="02010609060101010101" pitchFamily="49" charset="-122"/>
-                <a:ea typeface="楷体" panose="02010609060101010101" pitchFamily="49" charset="-122"/>
-              </a:rPr>
-              <a:t>(Relation)</a:t>
-            </a:r>
-            <a:r>
-              <a:rPr lang="zh-CN" altLang="en-US" sz="1800" dirty="0">
-                <a:latin typeface="楷体" panose="02010609060101010101" pitchFamily="49" charset="-122"/>
-                <a:ea typeface="楷体" panose="02010609060101010101" pitchFamily="49" charset="-122"/>
-              </a:rPr>
-              <a:t>、事件</a:t>
-            </a:r>
-            <a:r>
-              <a:rPr lang="en-US" altLang="zh-CN" sz="1800" dirty="0">
-                <a:latin typeface="楷体" panose="02010609060101010101" pitchFamily="49" charset="-122"/>
-                <a:ea typeface="楷体" panose="02010609060101010101" pitchFamily="49" charset="-122"/>
-              </a:rPr>
-              <a:t>(Event)</a:t>
-            </a:r>
-            <a:r>
-              <a:rPr lang="zh-CN" altLang="en-US" sz="1800" dirty="0">
-                <a:latin typeface="楷体" panose="02010609060101010101" pitchFamily="49" charset="-122"/>
-                <a:ea typeface="楷体" panose="02010609060101010101" pitchFamily="49" charset="-122"/>
-              </a:rPr>
-              <a:t>等信息</a:t>
+              <a:t>信息</a:t>
             </a:r>
             <a:endParaRPr lang="en-US" altLang="zh-CN" sz="1800" dirty="0" smtClean="0">
               <a:latin typeface="楷体" panose="02010609060101010101" pitchFamily="49" charset="-122"/>
@@ -36555,7 +38484,7 @@
           <p:nvPr/>
         </p:nvPicPr>
         <p:blipFill>
-          <a:blip r:embed="rId2">
+          <a:blip r:embed="rId3">
             <a:extLst>
               <a:ext uri="{28A0092B-C50C-407E-A947-70E740481C1C}">
                 <a14:useLocalDpi xmlns:a14="http://schemas.microsoft.com/office/drawing/2010/main" val="0"/>

--- a/毕业答辩ppt.pptx
+++ b/毕业答辩ppt.pptx
@@ -5,42 +5,40 @@
     <p:sldMasterId id="2147483656" r:id="rId1"/>
   </p:sldMasterIdLst>
   <p:notesMasterIdLst>
-    <p:notesMasterId r:id="rId32"/>
+    <p:notesMasterId r:id="rId30"/>
   </p:notesMasterIdLst>
   <p:handoutMasterIdLst>
-    <p:handoutMasterId r:id="rId33"/>
+    <p:handoutMasterId r:id="rId31"/>
   </p:handoutMasterIdLst>
   <p:sldIdLst>
     <p:sldId id="256" r:id="rId2"/>
     <p:sldId id="375" r:id="rId3"/>
     <p:sldId id="379" r:id="rId4"/>
-    <p:sldId id="385" r:id="rId5"/>
-    <p:sldId id="418" r:id="rId6"/>
-    <p:sldId id="387" r:id="rId7"/>
-    <p:sldId id="380" r:id="rId8"/>
-    <p:sldId id="403" r:id="rId9"/>
-    <p:sldId id="411" r:id="rId10"/>
-    <p:sldId id="381" r:id="rId11"/>
-    <p:sldId id="413" r:id="rId12"/>
-    <p:sldId id="362" r:id="rId13"/>
-    <p:sldId id="398" r:id="rId14"/>
-    <p:sldId id="414" r:id="rId15"/>
-    <p:sldId id="419" r:id="rId16"/>
-    <p:sldId id="421" r:id="rId17"/>
-    <p:sldId id="420" r:id="rId18"/>
-    <p:sldId id="412" r:id="rId19"/>
-    <p:sldId id="428" r:id="rId20"/>
-    <p:sldId id="425" r:id="rId21"/>
-    <p:sldId id="415" r:id="rId22"/>
-    <p:sldId id="423" r:id="rId23"/>
-    <p:sldId id="424" r:id="rId24"/>
-    <p:sldId id="430" r:id="rId25"/>
-    <p:sldId id="431" r:id="rId26"/>
-    <p:sldId id="417" r:id="rId27"/>
-    <p:sldId id="395" r:id="rId28"/>
-    <p:sldId id="401" r:id="rId29"/>
-    <p:sldId id="376" r:id="rId30"/>
-    <p:sldId id="377" r:id="rId31"/>
+    <p:sldId id="432" r:id="rId5"/>
+    <p:sldId id="387" r:id="rId6"/>
+    <p:sldId id="380" r:id="rId7"/>
+    <p:sldId id="403" r:id="rId8"/>
+    <p:sldId id="411" r:id="rId9"/>
+    <p:sldId id="381" r:id="rId10"/>
+    <p:sldId id="413" r:id="rId11"/>
+    <p:sldId id="362" r:id="rId12"/>
+    <p:sldId id="398" r:id="rId13"/>
+    <p:sldId id="414" r:id="rId14"/>
+    <p:sldId id="419" r:id="rId15"/>
+    <p:sldId id="421" r:id="rId16"/>
+    <p:sldId id="420" r:id="rId17"/>
+    <p:sldId id="412" r:id="rId18"/>
+    <p:sldId id="425" r:id="rId19"/>
+    <p:sldId id="415" r:id="rId20"/>
+    <p:sldId id="423" r:id="rId21"/>
+    <p:sldId id="424" r:id="rId22"/>
+    <p:sldId id="430" r:id="rId23"/>
+    <p:sldId id="431" r:id="rId24"/>
+    <p:sldId id="417" r:id="rId25"/>
+    <p:sldId id="395" r:id="rId26"/>
+    <p:sldId id="401" r:id="rId27"/>
+    <p:sldId id="376" r:id="rId28"/>
+    <p:sldId id="377" r:id="rId29"/>
   </p:sldIdLst>
   <p:sldSz cx="9144000" cy="6858000" type="screen4x3"/>
   <p:notesSz cx="6797675" cy="9874250"/>
@@ -203,7 +201,7 @@
 </file>
 
 <file path=ppt/charts/chart1.xml><?xml version="1.0" encoding="utf-8"?>
-<c:chartSpace xmlns:c="http://schemas.openxmlformats.org/drawingml/2006/chart" xmlns:a="http://schemas.openxmlformats.org/drawingml/2006/main" xmlns:r="http://schemas.openxmlformats.org/officeDocument/2006/relationships" xmlns:c16r2="http://schemas.microsoft.com/office/drawing/2015/06/chart">
+<c:chartSpace xmlns:c="http://schemas.openxmlformats.org/drawingml/2006/chart" xmlns:a="http://schemas.openxmlformats.org/drawingml/2006/main" xmlns:r="http://schemas.openxmlformats.org/officeDocument/2006/relationships">
   <c:date1904 val="0"/>
   <c:lang val="zh-CN"/>
   <c:roundedCorners val="0"/>
@@ -300,7 +298,7 @@
             </c:numRef>
           </c:val>
           <c:smooth val="0"/>
-          <c:extLst>
+          <c:extLst xmlns:c16r2="http://schemas.microsoft.com/office/drawing/2015/06/chart">
             <c:ext xmlns:c16="http://schemas.microsoft.com/office/drawing/2014/chart" uri="{C3380CC4-5D6E-409C-BE32-E72D297353CC}">
               <c16:uniqueId val="{00000000-6073-400F-A4B4-019C3DE43BEA}"/>
             </c:ext>
@@ -374,7 +372,7 @@
             </c:numRef>
           </c:val>
           <c:smooth val="0"/>
-          <c:extLst>
+          <c:extLst xmlns:c16r2="http://schemas.microsoft.com/office/drawing/2015/06/chart">
             <c:ext xmlns:c16="http://schemas.microsoft.com/office/drawing/2014/chart" uri="{C3380CC4-5D6E-409C-BE32-E72D297353CC}">
               <c16:uniqueId val="{00000001-6073-400F-A4B4-019C3DE43BEA}"/>
             </c:ext>
@@ -390,11 +388,11 @@
         </c:dLbls>
         <c:marker val="1"/>
         <c:smooth val="0"/>
-        <c:axId val="-923887344"/>
-        <c:axId val="-923882448"/>
+        <c:axId val="22058896"/>
+        <c:axId val="22054000"/>
       </c:lineChart>
       <c:catAx>
-        <c:axId val="-923887344"/>
+        <c:axId val="22058896"/>
         <c:scaling>
           <c:orientation val="minMax"/>
         </c:scaling>
@@ -506,7 +504,7 @@
             <a:endParaRPr lang="zh-CN"/>
           </a:p>
         </c:txPr>
-        <c:crossAx val="-923882448"/>
+        <c:crossAx val="22054000"/>
         <c:crosses val="autoZero"/>
         <c:auto val="1"/>
         <c:lblAlgn val="ctr"/>
@@ -514,7 +512,7 @@
         <c:noMultiLvlLbl val="0"/>
       </c:catAx>
       <c:valAx>
-        <c:axId val="-923882448"/>
+        <c:axId val="22054000"/>
         <c:scaling>
           <c:orientation val="minMax"/>
           <c:min val="0.5"/>
@@ -625,7 +623,7 @@
             <a:endParaRPr lang="zh-CN"/>
           </a:p>
         </c:txPr>
-        <c:crossAx val="-923887344"/>
+        <c:crossAx val="22058896"/>
         <c:crosses val="autoZero"/>
         <c:crossBetween val="between"/>
       </c:valAx>
@@ -697,7 +695,7 @@
 </file>
 
 <file path=ppt/charts/chart2.xml><?xml version="1.0" encoding="utf-8"?>
-<c:chartSpace xmlns:c="http://schemas.openxmlformats.org/drawingml/2006/chart" xmlns:a="http://schemas.openxmlformats.org/drawingml/2006/main" xmlns:r="http://schemas.openxmlformats.org/officeDocument/2006/relationships" xmlns:c16r2="http://schemas.microsoft.com/office/drawing/2015/06/chart">
+<c:chartSpace xmlns:c="http://schemas.openxmlformats.org/drawingml/2006/chart" xmlns:a="http://schemas.openxmlformats.org/drawingml/2006/main" xmlns:r="http://schemas.openxmlformats.org/officeDocument/2006/relationships">
   <c:date1904 val="0"/>
   <c:lang val="zh-CN"/>
   <c:roundedCorners val="0"/>
@@ -762,7 +760,7 @@
             </c:numRef>
           </c:val>
           <c:smooth val="0"/>
-          <c:extLst>
+          <c:extLst xmlns:c16r2="http://schemas.microsoft.com/office/drawing/2015/06/chart">
             <c:ext xmlns:c16="http://schemas.microsoft.com/office/drawing/2014/chart" uri="{C3380CC4-5D6E-409C-BE32-E72D297353CC}">
               <c16:uniqueId val="{00000000-3AFF-4CC5-97BF-AFED3B374B33}"/>
             </c:ext>
@@ -814,7 +812,7 @@
             </c:numRef>
           </c:val>
           <c:smooth val="0"/>
-          <c:extLst>
+          <c:extLst xmlns:c16r2="http://schemas.microsoft.com/office/drawing/2015/06/chart">
             <c:ext xmlns:c16="http://schemas.microsoft.com/office/drawing/2014/chart" uri="{C3380CC4-5D6E-409C-BE32-E72D297353CC}">
               <c16:uniqueId val="{00000001-3AFF-4CC5-97BF-AFED3B374B33}"/>
             </c:ext>
@@ -829,11 +827,11 @@
           <c:showBubbleSize val="0"/>
         </c:dLbls>
         <c:smooth val="0"/>
-        <c:axId val="962963503"/>
-        <c:axId val="962968495"/>
+        <c:axId val="22055088"/>
+        <c:axId val="22058352"/>
       </c:lineChart>
       <c:catAx>
-        <c:axId val="962963503"/>
+        <c:axId val="22055088"/>
         <c:scaling>
           <c:orientation val="minMax"/>
         </c:scaling>
@@ -945,7 +943,7 @@
             <a:endParaRPr lang="zh-CN"/>
           </a:p>
         </c:txPr>
-        <c:crossAx val="962968495"/>
+        <c:crossAx val="22058352"/>
         <c:crosses val="autoZero"/>
         <c:auto val="1"/>
         <c:lblAlgn val="ctr"/>
@@ -953,7 +951,7 @@
         <c:noMultiLvlLbl val="0"/>
       </c:catAx>
       <c:valAx>
-        <c:axId val="962968495"/>
+        <c:axId val="22058352"/>
         <c:scaling>
           <c:orientation val="minMax"/>
         </c:scaling>
@@ -1056,7 +1054,7 @@
             <a:endParaRPr lang="zh-CN"/>
           </a:p>
         </c:txPr>
-        <c:crossAx val="962963503"/>
+        <c:crossAx val="22055088"/>
         <c:crosses val="autoZero"/>
         <c:crossBetween val="between"/>
       </c:valAx>
@@ -19868,7 +19866,7 @@
           <a:p>
             <a:fld id="{1D7806B0-77EB-4E40-B0A3-8F69800ED8CC}" type="datetimeFigureOut">
               <a:rPr lang="zh-CN" altLang="en-US" smtClean="0"/>
-              <a:t>2017/5/16</a:t>
+              <a:t>2017/5/17</a:t>
             </a:fld>
             <a:endParaRPr lang="zh-CN" altLang="en-US"/>
           </a:p>
@@ -20608,7 +20606,19 @@
           <a:p>
             <a:r>
               <a:rPr lang="zh-CN" altLang="en-US" dirty="0" smtClean="0"/>
-              <a:t>大家上午好，我是答辩人</a:t>
+              <a:t>各位老师同学大</a:t>
+            </a:r>
+            <a:r>
+              <a:rPr lang="zh-CN" altLang="en-US" dirty="0" smtClean="0"/>
+              <a:t>家上午好</a:t>
+            </a:r>
+            <a:r>
+              <a:rPr lang="zh-CN" altLang="en-US" dirty="0" smtClean="0"/>
+              <a:t>，感谢大家参加我的毕业答辩，我</a:t>
+            </a:r>
+            <a:r>
+              <a:rPr lang="zh-CN" altLang="en-US" dirty="0" smtClean="0"/>
+              <a:t>是答辩人</a:t>
             </a:r>
             <a:r>
               <a:rPr lang="zh-CN" altLang="en-US" baseline="0" dirty="0" smtClean="0"/>
@@ -20632,160 +20642,6 @@
 </file>
 
 <file path=ppt/notesSlides/notesSlide10.xml><?xml version="1.0" encoding="utf-8"?>
-<p:notes xmlns:a="http://schemas.openxmlformats.org/drawingml/2006/main" xmlns:r="http://schemas.openxmlformats.org/officeDocument/2006/relationships" xmlns:p="http://schemas.openxmlformats.org/presentationml/2006/main">
-  <p:cSld>
-    <p:spTree>
-      <p:nvGrpSpPr>
-        <p:cNvPr id="1" name=""/>
-        <p:cNvGrpSpPr/>
-        <p:nvPr/>
-      </p:nvGrpSpPr>
-      <p:grpSpPr>
-        <a:xfrm>
-          <a:off x="0" y="0"/>
-          <a:ext cx="0" cy="0"/>
-          <a:chOff x="0" y="0"/>
-          <a:chExt cx="0" cy="0"/>
-        </a:xfrm>
-      </p:grpSpPr>
-      <p:sp>
-        <p:nvSpPr>
-          <p:cNvPr id="2" name="幻灯片图像占位符 1"/>
-          <p:cNvSpPr>
-            <a:spLocks noGrp="1" noRot="1" noChangeAspect="1"/>
-          </p:cNvSpPr>
-          <p:nvPr>
-            <p:ph type="sldImg"/>
-          </p:nvPr>
-        </p:nvSpPr>
-        <p:spPr/>
-      </p:sp>
-      <mc:AlternateContent xmlns:mc="http://schemas.openxmlformats.org/markup-compatibility/2006" xmlns:a14="http://schemas.microsoft.com/office/drawing/2010/main">
-        <mc:Choice Requires="a14">
-          <p:sp>
-            <p:nvSpPr>
-              <p:cNvPr id="3" name="备注占位符 2"/>
-              <p:cNvSpPr>
-                <a:spLocks noGrp="1"/>
-              </p:cNvSpPr>
-              <p:nvPr>
-                <p:ph type="body" idx="1"/>
-              </p:nvPr>
-            </p:nvSpPr>
-            <p:spPr/>
-            <p:txBody>
-              <a:bodyPr/>
-              <a:lstStyle/>
-              <a:p>
-                <a:r>
-                  <a:rPr lang="zh-CN" altLang="en-US" dirty="0" smtClean="0"/>
-                  <a:t>本文主要实现的是句子级的实体关系抽取，因此首先要解决句子的向量表示问题。</a:t>
-                </a:r>
-                <a:endParaRPr lang="en-US" altLang="zh-CN" dirty="0" smtClean="0"/>
-              </a:p>
-              <a:p>
-                <a:endParaRPr lang="en-US" altLang="zh-CN" dirty="0" smtClean="0"/>
-              </a:p>
-              <a:p>
-                <a:pPr marL="0" marR="0" indent="0" algn="l" defTabSz="914400" rtl="0" eaLnBrk="1" fontAlgn="base" latinLnBrk="0" hangingPunct="1">
-                  <a:lnSpc>
-                    <a:spcPct val="100000"/>
-                  </a:lnSpc>
-                  <a:spcBef>
-                    <a:spcPct val="30000"/>
-                  </a:spcBef>
-                  <a:spcAft>
-                    <a:spcPct val="0"/>
-                  </a:spcAft>
-                  <a:buClrTx/>
-                  <a:buSzTx/>
-                  <a:buFontTx/>
-                  <a:buNone/>
-                  <a:tabLst/>
-                  <a:defRPr/>
-                </a:pPr>
-                <a:r>
-                  <a:rPr lang="zh-CN" altLang="en-US" dirty="0" smtClean="0"/>
-                  <a:t>这里的分布式表示是相对于局部表示来说的，传统词袋模型就是一种局部表示方法。</a:t>
-                </a:r>
-                <a:endParaRPr lang="en-US" altLang="zh-CN" dirty="0" smtClean="0"/>
-              </a:p>
-            </p:txBody>
-          </p:sp>
-        </mc:Choice>
-        <mc:Fallback xmlns="">
-          <p:sp>
-            <p:nvSpPr>
-              <p:cNvPr id="3" name="备注占位符 2"/>
-              <p:cNvSpPr>
-                <a:spLocks noGrp="1"/>
-              </p:cNvSpPr>
-              <p:nvPr>
-                <p:ph type="body" idx="1"/>
-              </p:nvPr>
-            </p:nvSpPr>
-            <p:spPr/>
-            <p:txBody>
-              <a:bodyPr/>
-              <a:lstStyle/>
-              <a:p>
-                <a:r>
-                  <a:rPr lang="zh-CN" altLang="en-US" dirty="0" smtClean="0"/>
-                  <a:t>来看一下本次报告的提纲，分别是：</a:t>
-                </a:r>
-                <a:r>
-                  <a:rPr lang="en-US" altLang="zh-CN" dirty="0" smtClean="0"/>
-                  <a:t>1,2,3,4,5,6</a:t>
-                </a:r>
-                <a:endParaRPr lang="zh-CN" altLang="en-US" dirty="0"/>
-              </a:p>
-            </p:txBody>
-          </p:sp>
-        </mc:Fallback>
-      </mc:AlternateContent>
-      <p:sp>
-        <p:nvSpPr>
-          <p:cNvPr id="4" name="灯片编号占位符 3"/>
-          <p:cNvSpPr>
-            <a:spLocks noGrp="1"/>
-          </p:cNvSpPr>
-          <p:nvPr>
-            <p:ph type="sldNum" sz="quarter" idx="10"/>
-          </p:nvPr>
-        </p:nvSpPr>
-        <p:spPr/>
-        <p:txBody>
-          <a:bodyPr/>
-          <a:lstStyle/>
-          <a:p>
-            <a:pPr>
-              <a:defRPr/>
-            </a:pPr>
-            <a:fld id="{CE97544E-26AA-4FDB-B9EA-96855DDCFD2A}" type="slidenum">
-              <a:rPr lang="en-US" altLang="zh-CN" smtClean="0"/>
-              <a:pPr>
-                <a:defRPr/>
-              </a:pPr>
-              <a:t>10</a:t>
-            </a:fld>
-            <a:endParaRPr lang="en-US" altLang="zh-CN"/>
-          </a:p>
-        </p:txBody>
-      </p:sp>
-    </p:spTree>
-    <p:extLst>
-      <p:ext uri="{BB962C8B-B14F-4D97-AF65-F5344CB8AC3E}">
-        <p14:creationId xmlns:p14="http://schemas.microsoft.com/office/powerpoint/2010/main" val="4098551965"/>
-      </p:ext>
-    </p:extLst>
-  </p:cSld>
-  <p:clrMapOvr>
-    <a:masterClrMapping/>
-  </p:clrMapOvr>
-</p:notes>
-</file>
-
-<file path=ppt/notesSlides/notesSlide11.xml><?xml version="1.0" encoding="utf-8"?>
 <p:notes xmlns:a="http://schemas.openxmlformats.org/drawingml/2006/main" xmlns:r="http://schemas.openxmlformats.org/officeDocument/2006/relationships" xmlns:p="http://schemas.openxmlformats.org/presentationml/2006/main">
   <p:cSld>
     <p:spTree>
@@ -20874,7 +20730,7 @@
             <a:fld id="{725AB2D3-0A13-4B70-943B-8D91FF02C85D}" type="slidenum">
               <a:rPr lang="en-US" altLang="zh-CN" smtClean="0"/>
               <a:pPr/>
-              <a:t>11</a:t>
+              <a:t>10</a:t>
             </a:fld>
             <a:endParaRPr lang="en-US" altLang="zh-CN"/>
           </a:p>
@@ -20893,7 +20749,7 @@
 </p:notes>
 </file>
 
-<file path=ppt/notesSlides/notesSlide12.xml><?xml version="1.0" encoding="utf-8"?>
+<file path=ppt/notesSlides/notesSlide11.xml><?xml version="1.0" encoding="utf-8"?>
 <p:notes xmlns:a="http://schemas.openxmlformats.org/drawingml/2006/main" xmlns:r="http://schemas.openxmlformats.org/officeDocument/2006/relationships" xmlns:p="http://schemas.openxmlformats.org/presentationml/2006/main">
   <p:cSld>
     <p:spTree>
@@ -20959,7 +20815,7 @@
             <a:fld id="{725AB2D3-0A13-4B70-943B-8D91FF02C85D}" type="slidenum">
               <a:rPr lang="en-US" altLang="zh-CN" smtClean="0"/>
               <a:pPr/>
-              <a:t>12</a:t>
+              <a:t>11</a:t>
             </a:fld>
             <a:endParaRPr lang="en-US" altLang="zh-CN"/>
           </a:p>
@@ -20978,7 +20834,7 @@
 </p:notes>
 </file>
 
-<file path=ppt/notesSlides/notesSlide13.xml><?xml version="1.0" encoding="utf-8"?>
+<file path=ppt/notesSlides/notesSlide12.xml><?xml version="1.0" encoding="utf-8"?>
 <p:notes xmlns:a="http://schemas.openxmlformats.org/drawingml/2006/main" xmlns:r="http://schemas.openxmlformats.org/officeDocument/2006/relationships" xmlns:p="http://schemas.openxmlformats.org/presentationml/2006/main">
   <p:cSld>
     <p:spTree>
@@ -21044,7 +20900,7 @@
             <a:fld id="{725AB2D3-0A13-4B70-943B-8D91FF02C85D}" type="slidenum">
               <a:rPr lang="en-US" altLang="zh-CN" smtClean="0"/>
               <a:pPr/>
-              <a:t>13</a:t>
+              <a:t>12</a:t>
             </a:fld>
             <a:endParaRPr lang="en-US" altLang="zh-CN"/>
           </a:p>
@@ -21063,7 +20919,7 @@
 </p:notes>
 </file>
 
-<file path=ppt/notesSlides/notesSlide14.xml><?xml version="1.0" encoding="utf-8"?>
+<file path=ppt/notesSlides/notesSlide13.xml><?xml version="1.0" encoding="utf-8"?>
 <p:notes xmlns:a="http://schemas.openxmlformats.org/drawingml/2006/main" xmlns:r="http://schemas.openxmlformats.org/officeDocument/2006/relationships" xmlns:p="http://schemas.openxmlformats.org/presentationml/2006/main">
   <p:cSld>
     <p:spTree>
@@ -21193,7 +21049,7 @@
             <a:fld id="{725AB2D3-0A13-4B70-943B-8D91FF02C85D}" type="slidenum">
               <a:rPr lang="en-US" altLang="zh-CN" smtClean="0"/>
               <a:pPr/>
-              <a:t>14</a:t>
+              <a:t>13</a:t>
             </a:fld>
             <a:endParaRPr lang="en-US" altLang="zh-CN"/>
           </a:p>
@@ -21212,7 +21068,7 @@
 </p:notes>
 </file>
 
-<file path=ppt/notesSlides/notesSlide15.xml><?xml version="1.0" encoding="utf-8"?>
+<file path=ppt/notesSlides/notesSlide14.xml><?xml version="1.0" encoding="utf-8"?>
 <p:notes xmlns:a="http://schemas.openxmlformats.org/drawingml/2006/main" xmlns:r="http://schemas.openxmlformats.org/officeDocument/2006/relationships" xmlns:p="http://schemas.openxmlformats.org/presentationml/2006/main">
   <p:cSld>
     <p:spTree>
@@ -21268,7 +21124,6 @@
               <a:rPr lang="zh-CN" altLang="en-US" dirty="0" smtClean="0"/>
               <a:t>种方法的实际分类效果。</a:t>
             </a:r>
-            <a:endParaRPr lang="zh-CN" altLang="en-US" dirty="0" smtClean="0"/>
           </a:p>
         </p:txBody>
       </p:sp>
@@ -21290,7 +21145,7 @@
             <a:fld id="{725AB2D3-0A13-4B70-943B-8D91FF02C85D}" type="slidenum">
               <a:rPr lang="en-US" altLang="zh-CN" smtClean="0"/>
               <a:pPr/>
-              <a:t>15</a:t>
+              <a:t>14</a:t>
             </a:fld>
             <a:endParaRPr lang="en-US" altLang="zh-CN"/>
           </a:p>
@@ -21309,7 +21164,7 @@
 </p:notes>
 </file>
 
-<file path=ppt/notesSlides/notesSlide16.xml><?xml version="1.0" encoding="utf-8"?>
+<file path=ppt/notesSlides/notesSlide15.xml><?xml version="1.0" encoding="utf-8"?>
 <p:notes xmlns:a="http://schemas.openxmlformats.org/drawingml/2006/main" xmlns:r="http://schemas.openxmlformats.org/officeDocument/2006/relationships" xmlns:p="http://schemas.openxmlformats.org/presentationml/2006/main">
   <p:cSld>
     <p:spTree>
@@ -21375,7 +21230,7 @@
             <a:fld id="{725AB2D3-0A13-4B70-943B-8D91FF02C85D}" type="slidenum">
               <a:rPr lang="en-US" altLang="zh-CN" smtClean="0"/>
               <a:pPr/>
-              <a:t>16</a:t>
+              <a:t>15</a:t>
             </a:fld>
             <a:endParaRPr lang="en-US" altLang="zh-CN"/>
           </a:p>
@@ -21394,7 +21249,7 @@
 </p:notes>
 </file>
 
-<file path=ppt/notesSlides/notesSlide17.xml><?xml version="1.0" encoding="utf-8"?>
+<file path=ppt/notesSlides/notesSlide16.xml><?xml version="1.0" encoding="utf-8"?>
 <p:notes xmlns:a="http://schemas.openxmlformats.org/drawingml/2006/main" xmlns:r="http://schemas.openxmlformats.org/officeDocument/2006/relationships" xmlns:p="http://schemas.openxmlformats.org/presentationml/2006/main">
   <p:cSld>
     <p:spTree>
@@ -21477,7 +21332,7 @@
             <a:fld id="{725AB2D3-0A13-4B70-943B-8D91FF02C85D}" type="slidenum">
               <a:rPr lang="en-US" altLang="zh-CN" smtClean="0"/>
               <a:pPr/>
-              <a:t>17</a:t>
+              <a:t>16</a:t>
             </a:fld>
             <a:endParaRPr lang="en-US" altLang="zh-CN"/>
           </a:p>
@@ -21496,7 +21351,7 @@
 </p:notes>
 </file>
 
-<file path=ppt/notesSlides/notesSlide18.xml><?xml version="1.0" encoding="utf-8"?>
+<file path=ppt/notesSlides/notesSlide17.xml><?xml version="1.0" encoding="utf-8"?>
 <p:notes xmlns:a="http://schemas.openxmlformats.org/drawingml/2006/main" xmlns:r="http://schemas.openxmlformats.org/officeDocument/2006/relationships" xmlns:p="http://schemas.openxmlformats.org/presentationml/2006/main">
   <p:cSld>
     <p:spTree>
@@ -21600,6 +21455,91 @@
               <a:pPr>
                 <a:defRPr/>
               </a:pPr>
+              <a:t>17</a:t>
+            </a:fld>
+            <a:endParaRPr lang="en-US" altLang="zh-CN"/>
+          </a:p>
+        </p:txBody>
+      </p:sp>
+    </p:spTree>
+    <p:extLst>
+      <p:ext uri="{BB962C8B-B14F-4D97-AF65-F5344CB8AC3E}">
+        <p14:creationId xmlns:p14="http://schemas.microsoft.com/office/powerpoint/2010/main" val="766847987"/>
+      </p:ext>
+    </p:extLst>
+  </p:cSld>
+  <p:clrMapOvr>
+    <a:masterClrMapping/>
+  </p:clrMapOvr>
+</p:notes>
+</file>
+
+<file path=ppt/notesSlides/notesSlide18.xml><?xml version="1.0" encoding="utf-8"?>
+<p:notes xmlns:a="http://schemas.openxmlformats.org/drawingml/2006/main" xmlns:r="http://schemas.openxmlformats.org/officeDocument/2006/relationships" xmlns:p="http://schemas.openxmlformats.org/presentationml/2006/main">
+  <p:cSld>
+    <p:spTree>
+      <p:nvGrpSpPr>
+        <p:cNvPr id="1" name=""/>
+        <p:cNvGrpSpPr/>
+        <p:nvPr/>
+      </p:nvGrpSpPr>
+      <p:grpSpPr>
+        <a:xfrm>
+          <a:off x="0" y="0"/>
+          <a:ext cx="0" cy="0"/>
+          <a:chOff x="0" y="0"/>
+          <a:chExt cx="0" cy="0"/>
+        </a:xfrm>
+      </p:grpSpPr>
+      <p:sp>
+        <p:nvSpPr>
+          <p:cNvPr id="2" name="幻灯片图像占位符 1"/>
+          <p:cNvSpPr>
+            <a:spLocks noGrp="1" noRot="1" noChangeAspect="1"/>
+          </p:cNvSpPr>
+          <p:nvPr>
+            <p:ph type="sldImg"/>
+          </p:nvPr>
+        </p:nvSpPr>
+        <p:spPr/>
+      </p:sp>
+      <p:sp>
+        <p:nvSpPr>
+          <p:cNvPr id="3" name="备注占位符 2"/>
+          <p:cNvSpPr>
+            <a:spLocks noGrp="1"/>
+          </p:cNvSpPr>
+          <p:nvPr>
+            <p:ph type="body" idx="1"/>
+          </p:nvPr>
+        </p:nvSpPr>
+        <p:spPr/>
+        <p:txBody>
+          <a:bodyPr/>
+          <a:lstStyle/>
+          <a:p>
+            <a:endParaRPr lang="zh-CN" altLang="en-US" dirty="0" smtClean="0"/>
+          </a:p>
+        </p:txBody>
+      </p:sp>
+      <p:sp>
+        <p:nvSpPr>
+          <p:cNvPr id="4" name="灯片编号占位符 3"/>
+          <p:cNvSpPr>
+            <a:spLocks noGrp="1"/>
+          </p:cNvSpPr>
+          <p:nvPr>
+            <p:ph type="sldNum" sz="quarter" idx="10"/>
+          </p:nvPr>
+        </p:nvSpPr>
+        <p:spPr/>
+        <p:txBody>
+          <a:bodyPr/>
+          <a:lstStyle/>
+          <a:p>
+            <a:fld id="{725AB2D3-0A13-4B70-943B-8D91FF02C85D}" type="slidenum">
+              <a:rPr lang="en-US" altLang="zh-CN" smtClean="0"/>
+              <a:pPr/>
               <a:t>18</a:t>
             </a:fld>
             <a:endParaRPr lang="en-US" altLang="zh-CN"/>
@@ -21609,7 +21549,7 @@
     </p:spTree>
     <p:extLst>
       <p:ext uri="{BB962C8B-B14F-4D97-AF65-F5344CB8AC3E}">
-        <p14:creationId xmlns:p14="http://schemas.microsoft.com/office/powerpoint/2010/main" val="766847987"/>
+        <p14:creationId xmlns:p14="http://schemas.microsoft.com/office/powerpoint/2010/main" val="775840075"/>
       </p:ext>
     </p:extLst>
   </p:cSld>
@@ -21663,10 +21603,6 @@
           <a:bodyPr/>
           <a:lstStyle/>
           <a:p>
-            <a:r>
-              <a:rPr lang="zh-CN" altLang="en-US" dirty="0" smtClean="0"/>
-              <a:t>互联网上每天都会更新产生大量的新闻信息，这其中包含一些企业相关的新闻报导，例如企业之间收购、合作、竞争案例等。这些存在于网页中的新闻文本包含了企业实体之间的各种关系，这种关系信息可以作为一种舆情信息对于企业战略制定、投资方向决策等具有重要参考价值。</a:t>
-            </a:r>
             <a:endParaRPr lang="zh-CN" altLang="en-US" dirty="0"/>
           </a:p>
         </p:txBody>
@@ -21698,7 +21634,7 @@
     </p:spTree>
     <p:extLst>
       <p:ext uri="{BB962C8B-B14F-4D97-AF65-F5344CB8AC3E}">
-        <p14:creationId xmlns:p14="http://schemas.microsoft.com/office/powerpoint/2010/main" val="4228210614"/>
+        <p14:creationId xmlns:p14="http://schemas.microsoft.com/office/powerpoint/2010/main" val="374302732"/>
       </p:ext>
     </p:extLst>
   </p:cSld>
@@ -21895,7 +21831,11 @@
           <a:bodyPr/>
           <a:lstStyle/>
           <a:p>
-            <a:endParaRPr lang="zh-CN" altLang="en-US" dirty="0" smtClean="0"/>
+            <a:r>
+              <a:rPr lang="zh-CN" altLang="en-US" dirty="0" smtClean="0"/>
+              <a:t>这是最终获得关系语料库的统计列表</a:t>
+            </a:r>
+            <a:endParaRPr lang="zh-CN" altLang="en-US" dirty="0"/>
           </a:p>
         </p:txBody>
       </p:sp>
@@ -21917,7 +21857,7 @@
             <a:fld id="{725AB2D3-0A13-4B70-943B-8D91FF02C85D}" type="slidenum">
               <a:rPr lang="en-US" altLang="zh-CN" smtClean="0"/>
               <a:pPr/>
-              <a:t>20</a:t>
+              <a:t>21</a:t>
             </a:fld>
             <a:endParaRPr lang="en-US" altLang="zh-CN"/>
           </a:p>
@@ -21926,7 +21866,7 @@
     </p:spTree>
     <p:extLst>
       <p:ext uri="{BB962C8B-B14F-4D97-AF65-F5344CB8AC3E}">
-        <p14:creationId xmlns:p14="http://schemas.microsoft.com/office/powerpoint/2010/main" val="775840075"/>
+        <p14:creationId xmlns:p14="http://schemas.microsoft.com/office/powerpoint/2010/main" val="2992084458"/>
       </p:ext>
     </p:extLst>
   </p:cSld>
@@ -22002,7 +21942,7 @@
             <a:fld id="{725AB2D3-0A13-4B70-943B-8D91FF02C85D}" type="slidenum">
               <a:rPr lang="en-US" altLang="zh-CN" smtClean="0"/>
               <a:pPr/>
-              <a:t>24</a:t>
+              <a:t>22</a:t>
             </a:fld>
             <a:endParaRPr lang="en-US" altLang="zh-CN"/>
           </a:p>
@@ -22087,7 +22027,7 @@
             <a:fld id="{725AB2D3-0A13-4B70-943B-8D91FF02C85D}" type="slidenum">
               <a:rPr lang="en-US" altLang="zh-CN" smtClean="0"/>
               <a:pPr/>
-              <a:t>25</a:t>
+              <a:t>23</a:t>
             </a:fld>
             <a:endParaRPr lang="en-US" altLang="zh-CN"/>
           </a:p>
@@ -22210,7 +22150,7 @@
               <a:pPr>
                 <a:defRPr/>
               </a:pPr>
-              <a:t>26</a:t>
+              <a:t>24</a:t>
             </a:fld>
             <a:endParaRPr lang="en-US" altLang="zh-CN"/>
           </a:p>
@@ -22295,7 +22235,7 @@
             <a:fld id="{725AB2D3-0A13-4B70-943B-8D91FF02C85D}" type="slidenum">
               <a:rPr lang="en-US" altLang="zh-CN" smtClean="0"/>
               <a:pPr/>
-              <a:t>27</a:t>
+              <a:t>25</a:t>
             </a:fld>
             <a:endParaRPr lang="en-US" altLang="zh-CN"/>
           </a:p>
@@ -22400,7 +22340,7 @@
             <a:fld id="{725AB2D3-0A13-4B70-943B-8D91FF02C85D}" type="slidenum">
               <a:rPr lang="en-US" altLang="zh-CN" smtClean="0"/>
               <a:pPr/>
-              <a:t>28</a:t>
+              <a:t>26</a:t>
             </a:fld>
             <a:endParaRPr lang="en-US" altLang="zh-CN"/>
           </a:p>
@@ -22485,7 +22425,7 @@
             <a:fld id="{725AB2D3-0A13-4B70-943B-8D91FF02C85D}" type="slidenum">
               <a:rPr lang="en-US" altLang="zh-CN" smtClean="0"/>
               <a:pPr/>
-              <a:t>29</a:t>
+              <a:t>27</a:t>
             </a:fld>
             <a:endParaRPr lang="en-US" altLang="zh-CN"/>
           </a:p>
@@ -22570,7 +22510,7 @@
             <a:fld id="{725AB2D3-0A13-4B70-943B-8D91FF02C85D}" type="slidenum">
               <a:rPr lang="en-US" altLang="zh-CN" smtClean="0"/>
               <a:pPr/>
-              <a:t>30</a:t>
+              <a:t>28</a:t>
             </a:fld>
             <a:endParaRPr lang="en-US" altLang="zh-CN"/>
           </a:p>
@@ -22764,19 +22704,30 @@
           <a:bodyPr/>
           <a:lstStyle/>
           <a:p>
+            <a:pPr marL="0" marR="0" lvl="0" indent="0" algn="l" defTabSz="914400" rtl="0" eaLnBrk="1" fontAlgn="base" latinLnBrk="0" hangingPunct="1">
+              <a:lnSpc>
+                <a:spcPct val="100000"/>
+              </a:lnSpc>
+              <a:spcBef>
+                <a:spcPct val="30000"/>
+              </a:spcBef>
+              <a:spcAft>
+                <a:spcPct val="0"/>
+              </a:spcAft>
+              <a:buClrTx/>
+              <a:buSzTx/>
+              <a:buFontTx/>
+              <a:buNone/>
+              <a:tabLst/>
+              <a:defRPr/>
+            </a:pPr>
             <a:r>
               <a:rPr lang="zh-CN" altLang="en-US" dirty="0" smtClean="0"/>
-              <a:t>随着信息技术的快速发展以及移动互联网时代的到来、互联网上每天都会更新产生大量的数据，这其中包括新闻、社交、政府网站类数据。在这些数据中蕴含着许多有价值的信息，对人们的生产生活起着至关重要的作用。面对这些海量的数据，传统的做法是借助于搜索引擎获取自己感兴趣的数据，然而 </a:t>
+              <a:t>互联网上每天都会更新产生大量的新闻信息，这其中包含一些企业相关的新闻报导，例如企业之间收购、合作、竞争案例等。这些存在于网页中的新闻文本包含了企业实体之间的各种关系，这种关系信息可以作为一种舆情信息对于企业战略制定、投资方向决策以及银行对企业的信贷风险分析等具有重要参考价值。</a:t>
             </a:r>
-            <a:r>
-              <a:rPr lang="zh-CN" altLang="en-US" sz="3600" b="1" i="1" u="none" dirty="0" smtClean="0"/>
-              <a:t>搜索引擎所展示的数据 </a:t>
-            </a:r>
-            <a:r>
-              <a:rPr lang="zh-CN" altLang="en-US" dirty="0" smtClean="0"/>
-              <a:t>是一系列于检索关键字相关的网页，数据价值密度比较低，一般需要人工进一步加工才能得到最终所需要的信息。举个例子，比如我想知道李彦宏的妻子是谁，如果把这个问题送入到搜索引擎当中，所得到的是一系列与该问题相关的网页，并不是问题的答案马东敏。</a:t>
-            </a:r>
-            <a:endParaRPr lang="zh-CN" altLang="en-US" dirty="0" smtClean="0"/>
+          </a:p>
+          <a:p>
+            <a:endParaRPr lang="zh-CN" altLang="en-US" dirty="0"/>
           </a:p>
         </p:txBody>
       </p:sp>
@@ -22807,7 +22758,7 @@
     </p:spTree>
     <p:extLst>
       <p:ext uri="{BB962C8B-B14F-4D97-AF65-F5344CB8AC3E}">
-        <p14:creationId xmlns:p14="http://schemas.microsoft.com/office/powerpoint/2010/main" val="833152781"/>
+        <p14:creationId xmlns:p14="http://schemas.microsoft.com/office/powerpoint/2010/main" val="2135072946"/>
       </p:ext>
     </p:extLst>
   </p:cSld>
@@ -22863,115 +22814,6 @@
           <a:p>
             <a:r>
               <a:rPr lang="zh-CN" altLang="en-US" dirty="0" smtClean="0"/>
-              <a:t>信息抽取的相关研究正是在这样一个背景下产生的，信息抽取任务主要目的是从自然语言文本中抽取出特定领域的实体、关系、事件等信息，同时抽取出实体、关系、事件的相关属性。</a:t>
-            </a:r>
-            <a:endParaRPr lang="en-US" altLang="zh-CN" dirty="0" smtClean="0"/>
-          </a:p>
-          <a:p>
-            <a:endParaRPr lang="en-US" altLang="zh-CN" dirty="0" smtClean="0"/>
-          </a:p>
-          <a:p>
-            <a:r>
-              <a:rPr lang="zh-CN" altLang="en-US" dirty="0" smtClean="0"/>
-              <a:t>换句话说，信息抽取的任务是将非结构化的文本信息转化为结构化或半结构化的信息并以元组的形式存储在数据库中。</a:t>
-            </a:r>
-            <a:endParaRPr lang="en-US" altLang="zh-CN" dirty="0" smtClean="0"/>
-          </a:p>
-          <a:p>
-            <a:endParaRPr lang="en-US" altLang="zh-CN" dirty="0" smtClean="0"/>
-          </a:p>
-          <a:p>
-            <a:r>
-              <a:rPr lang="zh-CN" altLang="en-US" dirty="0" smtClean="0"/>
-              <a:t>信息抽取具有很多方面地实际应用包括自动问答、知识库构建等。</a:t>
-            </a:r>
-            <a:endParaRPr lang="zh-CN" altLang="en-US" dirty="0"/>
-          </a:p>
-        </p:txBody>
-      </p:sp>
-      <p:sp>
-        <p:nvSpPr>
-          <p:cNvPr id="4" name="灯片编号占位符 3"/>
-          <p:cNvSpPr>
-            <a:spLocks noGrp="1"/>
-          </p:cNvSpPr>
-          <p:nvPr>
-            <p:ph type="sldNum" sz="quarter" idx="10"/>
-          </p:nvPr>
-        </p:nvSpPr>
-        <p:spPr/>
-        <p:txBody>
-          <a:bodyPr/>
-          <a:lstStyle/>
-          <a:p>
-            <a:fld id="{725AB2D3-0A13-4B70-943B-8D91FF02C85D}" type="slidenum">
-              <a:rPr lang="en-US" altLang="zh-CN" smtClean="0"/>
-              <a:pPr/>
-              <a:t>5</a:t>
-            </a:fld>
-            <a:endParaRPr lang="en-US" altLang="zh-CN"/>
-          </a:p>
-        </p:txBody>
-      </p:sp>
-    </p:spTree>
-    <p:extLst>
-      <p:ext uri="{BB962C8B-B14F-4D97-AF65-F5344CB8AC3E}">
-        <p14:creationId xmlns:p14="http://schemas.microsoft.com/office/powerpoint/2010/main" val="210845130"/>
-      </p:ext>
-    </p:extLst>
-  </p:cSld>
-  <p:clrMapOvr>
-    <a:masterClrMapping/>
-  </p:clrMapOvr>
-</p:notes>
-</file>
-
-<file path=ppt/notesSlides/notesSlide6.xml><?xml version="1.0" encoding="utf-8"?>
-<p:notes xmlns:a="http://schemas.openxmlformats.org/drawingml/2006/main" xmlns:r="http://schemas.openxmlformats.org/officeDocument/2006/relationships" xmlns:p="http://schemas.openxmlformats.org/presentationml/2006/main">
-  <p:cSld>
-    <p:spTree>
-      <p:nvGrpSpPr>
-        <p:cNvPr id="1" name=""/>
-        <p:cNvGrpSpPr/>
-        <p:nvPr/>
-      </p:nvGrpSpPr>
-      <p:grpSpPr>
-        <a:xfrm>
-          <a:off x="0" y="0"/>
-          <a:ext cx="0" cy="0"/>
-          <a:chOff x="0" y="0"/>
-          <a:chExt cx="0" cy="0"/>
-        </a:xfrm>
-      </p:grpSpPr>
-      <p:sp>
-        <p:nvSpPr>
-          <p:cNvPr id="2" name="幻灯片图像占位符 1"/>
-          <p:cNvSpPr>
-            <a:spLocks noGrp="1" noRot="1" noChangeAspect="1"/>
-          </p:cNvSpPr>
-          <p:nvPr>
-            <p:ph type="sldImg"/>
-          </p:nvPr>
-        </p:nvSpPr>
-        <p:spPr/>
-      </p:sp>
-      <p:sp>
-        <p:nvSpPr>
-          <p:cNvPr id="3" name="备注占位符 2"/>
-          <p:cNvSpPr>
-            <a:spLocks noGrp="1"/>
-          </p:cNvSpPr>
-          <p:nvPr>
-            <p:ph type="body" idx="1"/>
-          </p:nvPr>
-        </p:nvSpPr>
-        <p:spPr/>
-        <p:txBody>
-          <a:bodyPr/>
-          <a:lstStyle/>
-          <a:p>
-            <a:r>
-              <a:rPr lang="zh-CN" altLang="en-US" dirty="0" smtClean="0"/>
               <a:t>实体关系抽取作为信息抽取的一项重要子任务，主要目的是识别非结构化文本中出现的命名实体并确定实体间的语义关系。这里的实体一般包括人命、地名、组织机构名。</a:t>
             </a:r>
             <a:endParaRPr lang="en-US" altLang="zh-CN" dirty="0" smtClean="0"/>
@@ -22980,45 +22822,7 @@
             <a:endParaRPr lang="en-US" altLang="zh-CN" dirty="0" smtClean="0"/>
           </a:p>
           <a:p>
-            <a:r>
-              <a:rPr lang="zh-CN" altLang="en-US" dirty="0" smtClean="0"/>
-              <a:t>举个例子，这句话当中一共包含了</a:t>
-            </a:r>
-            <a:r>
-              <a:rPr lang="en-US" altLang="zh-CN" dirty="0" smtClean="0"/>
-              <a:t>3</a:t>
-            </a:r>
-            <a:r>
-              <a:rPr lang="zh-CN" altLang="en-US" dirty="0" smtClean="0"/>
-              <a:t>个实体，</a:t>
-            </a:r>
-            <a:r>
-              <a:rPr lang="en-US" altLang="zh-CN" dirty="0" smtClean="0"/>
-              <a:t>2</a:t>
-            </a:r>
-            <a:r>
-              <a:rPr lang="zh-CN" altLang="en-US" dirty="0" smtClean="0"/>
-              <a:t>个关系，一个是王树国作为哈的校长。。</a:t>
-            </a:r>
             <a:endParaRPr lang="en-US" altLang="zh-CN" dirty="0" smtClean="0"/>
-          </a:p>
-          <a:p>
-            <a:endParaRPr lang="en-US" altLang="zh-CN" dirty="0" smtClean="0"/>
-          </a:p>
-          <a:p>
-            <a:r>
-              <a:rPr lang="zh-CN" altLang="zh-CN" sz="1200" kern="1200" dirty="0" smtClean="0">
-                <a:solidFill>
-                  <a:schemeClr val="tx1"/>
-                </a:solidFill>
-                <a:effectLst/>
-                <a:latin typeface="Arial" charset="0"/>
-                <a:ea typeface="宋体" pitchFamily="2" charset="-122"/>
-                <a:cs typeface="+mn-cs"/>
-              </a:rPr>
-              <a:t>因此实体关系抽取任务通常包含了两个步骤，首先是通过命名实体识别技术找出句子当中存在的实体对，然后是抽取出实体对之间存在的语义关系。</a:t>
-            </a:r>
-            <a:endParaRPr lang="zh-CN" altLang="en-US" dirty="0"/>
           </a:p>
         </p:txBody>
       </p:sp>
@@ -23045,7 +22849,7 @@
               <a:pPr>
                 <a:defRPr/>
               </a:pPr>
-              <a:t>6</a:t>
+              <a:t>5</a:t>
             </a:fld>
             <a:endParaRPr lang="en-US" altLang="zh-CN"/>
           </a:p>
@@ -23064,7 +22868,7 @@
 </p:notes>
 </file>
 
-<file path=ppt/notesSlides/notesSlide7.xml><?xml version="1.0" encoding="utf-8"?>
+<file path=ppt/notesSlides/notesSlide6.xml><?xml version="1.0" encoding="utf-8"?>
 <p:notes xmlns:a="http://schemas.openxmlformats.org/drawingml/2006/main" xmlns:r="http://schemas.openxmlformats.org/officeDocument/2006/relationships" xmlns:p="http://schemas.openxmlformats.org/presentationml/2006/main">
   <p:cSld>
     <p:spTree>
@@ -23172,6 +22976,105 @@
               <a:pPr>
                 <a:defRPr/>
               </a:pPr>
+              <a:t>6</a:t>
+            </a:fld>
+            <a:endParaRPr lang="en-US" altLang="zh-CN"/>
+          </a:p>
+        </p:txBody>
+      </p:sp>
+    </p:spTree>
+    <p:extLst>
+      <p:ext uri="{BB962C8B-B14F-4D97-AF65-F5344CB8AC3E}">
+        <p14:creationId xmlns:p14="http://schemas.microsoft.com/office/powerpoint/2010/main" val="4134236131"/>
+      </p:ext>
+    </p:extLst>
+  </p:cSld>
+  <p:clrMapOvr>
+    <a:masterClrMapping/>
+  </p:clrMapOvr>
+</p:notes>
+</file>
+
+<file path=ppt/notesSlides/notesSlide7.xml><?xml version="1.0" encoding="utf-8"?>
+<p:notes xmlns:a="http://schemas.openxmlformats.org/drawingml/2006/main" xmlns:r="http://schemas.openxmlformats.org/officeDocument/2006/relationships" xmlns:p="http://schemas.openxmlformats.org/presentationml/2006/main">
+  <p:cSld>
+    <p:spTree>
+      <p:nvGrpSpPr>
+        <p:cNvPr id="1" name=""/>
+        <p:cNvGrpSpPr/>
+        <p:nvPr/>
+      </p:nvGrpSpPr>
+      <p:grpSpPr>
+        <a:xfrm>
+          <a:off x="0" y="0"/>
+          <a:ext cx="0" cy="0"/>
+          <a:chOff x="0" y="0"/>
+          <a:chExt cx="0" cy="0"/>
+        </a:xfrm>
+      </p:grpSpPr>
+      <p:sp>
+        <p:nvSpPr>
+          <p:cNvPr id="2" name="幻灯片图像占位符 1"/>
+          <p:cNvSpPr>
+            <a:spLocks noGrp="1" noRot="1" noChangeAspect="1"/>
+          </p:cNvSpPr>
+          <p:nvPr>
+            <p:ph type="sldImg"/>
+          </p:nvPr>
+        </p:nvSpPr>
+        <p:spPr/>
+      </p:sp>
+      <p:sp>
+        <p:nvSpPr>
+          <p:cNvPr id="3" name="备注占位符 2"/>
+          <p:cNvSpPr>
+            <a:spLocks noGrp="1"/>
+          </p:cNvSpPr>
+          <p:nvPr>
+            <p:ph type="body" idx="1"/>
+          </p:nvPr>
+        </p:nvSpPr>
+        <p:spPr/>
+        <p:txBody>
+          <a:bodyPr/>
+          <a:lstStyle/>
+          <a:p>
+            <a:r>
+              <a:rPr lang="zh-CN" altLang="en-US" dirty="0" smtClean="0"/>
+              <a:t>这类方法将关系抽取任务看作一个分类问题，首先需要人工标注大规模训练语料库，然后在已标注好的语料库基础上进行特征抽取和选择，通过利用不同的机器学习算法训练学习分类模型，用于抽取新的实体关系对。</a:t>
+            </a:r>
+            <a:endParaRPr lang="en-US" altLang="zh-CN" dirty="0" smtClean="0"/>
+          </a:p>
+          <a:p>
+            <a:endParaRPr lang="en-US" altLang="zh-CN" dirty="0" smtClean="0"/>
+          </a:p>
+          <a:p>
+            <a:r>
+              <a:rPr lang="zh-CN" altLang="en-US" dirty="0" smtClean="0"/>
+              <a:t>该类方法不足一是需要人工标注大规模的语料库，二是需要人工提特征。</a:t>
+            </a:r>
+            <a:endParaRPr lang="zh-CN" altLang="en-US" dirty="0" smtClean="0"/>
+          </a:p>
+        </p:txBody>
+      </p:sp>
+      <p:sp>
+        <p:nvSpPr>
+          <p:cNvPr id="4" name="灯片编号占位符 3"/>
+          <p:cNvSpPr>
+            <a:spLocks noGrp="1"/>
+          </p:cNvSpPr>
+          <p:nvPr>
+            <p:ph type="sldNum" sz="quarter" idx="10"/>
+          </p:nvPr>
+        </p:nvSpPr>
+        <p:spPr/>
+        <p:txBody>
+          <a:bodyPr/>
+          <a:lstStyle/>
+          <a:p>
+            <a:fld id="{725AB2D3-0A13-4B70-943B-8D91FF02C85D}" type="slidenum">
+              <a:rPr lang="en-US" altLang="zh-CN" smtClean="0"/>
+              <a:pPr/>
               <a:t>7</a:t>
             </a:fld>
             <a:endParaRPr lang="en-US" altLang="zh-CN"/>
@@ -23181,7 +23084,7 @@
     </p:spTree>
     <p:extLst>
       <p:ext uri="{BB962C8B-B14F-4D97-AF65-F5344CB8AC3E}">
-        <p14:creationId xmlns:p14="http://schemas.microsoft.com/office/powerpoint/2010/main" val="4134236131"/>
+        <p14:creationId xmlns:p14="http://schemas.microsoft.com/office/powerpoint/2010/main" val="3353072433"/>
       </p:ext>
     </p:extLst>
   </p:cSld>
@@ -23237,11 +23140,15 @@
           <a:p>
             <a:r>
               <a:rPr lang="zh-CN" altLang="en-US" dirty="0" smtClean="0"/>
-              <a:t>这类方法将关系抽取任务看作一个分类问题，首先需要人工标注大规模训练语料库，然后在已标注好的语料库基础上进行特征抽取和选择，通过利用不同的机器学习算法训练学习分类模型，用于抽取新的</a:t>
+              <a:t>构造初始关系种子集，然后利用</a:t>
+            </a:r>
+            <a:r>
+              <a:rPr lang="en-US" altLang="zh-CN" dirty="0" smtClean="0"/>
+              <a:t>Web</a:t>
             </a:r>
             <a:r>
               <a:rPr lang="zh-CN" altLang="en-US" dirty="0" smtClean="0"/>
-              <a:t>实体关系对。</a:t>
+              <a:t>或者大规模语料库信息挖掘对应的关系描述模式，并通过模式匹配抽取新的关系实例，迭代地生成关系描述模式。</a:t>
             </a:r>
             <a:endParaRPr lang="en-US" altLang="zh-CN" dirty="0" smtClean="0"/>
           </a:p>
@@ -23249,7 +23156,32 @@
             <a:endParaRPr lang="en-US" altLang="zh-CN" dirty="0" smtClean="0"/>
           </a:p>
           <a:p>
-            <a:endParaRPr lang="zh-CN" altLang="en-US" dirty="0" smtClean="0"/>
+            <a:r>
+              <a:rPr lang="zh-CN" altLang="en-US" dirty="0" smtClean="0"/>
+              <a:t>这类方法不需要人工标注语料库，所需要的只有构造初始关系种子</a:t>
+            </a:r>
+            <a:r>
+              <a:rPr lang="zh-CN" altLang="en-US" dirty="0" smtClean="0"/>
+              <a:t>集</a:t>
+            </a:r>
+            <a:endParaRPr lang="en-US" altLang="zh-CN" dirty="0" smtClean="0"/>
+          </a:p>
+          <a:p>
+            <a:endParaRPr lang="en-US" altLang="zh-CN" dirty="0" smtClean="0"/>
+          </a:p>
+          <a:p>
+            <a:r>
+              <a:rPr lang="zh-CN" altLang="en-US" dirty="0" smtClean="0"/>
+              <a:t>但是，这种方法也存在几个关键问题，如：初始关系种子集的产生和选择方式、</a:t>
+            </a:r>
+            <a:r>
+              <a:rPr lang="en-US" altLang="zh-CN" dirty="0" smtClean="0"/>
+              <a:t>Pattern</a:t>
+            </a:r>
+            <a:r>
+              <a:rPr lang="zh-CN" altLang="en-US" dirty="0" smtClean="0"/>
+              <a:t>的质量评估、迭代过程的速度、高准确率低召回率等问题。</a:t>
+            </a:r>
           </a:p>
         </p:txBody>
       </p:sp>
@@ -23280,7 +23212,7 @@
     </p:spTree>
     <p:extLst>
       <p:ext uri="{BB962C8B-B14F-4D97-AF65-F5344CB8AC3E}">
-        <p14:creationId xmlns:p14="http://schemas.microsoft.com/office/powerpoint/2010/main" val="3353072433"/>
+        <p14:creationId xmlns:p14="http://schemas.microsoft.com/office/powerpoint/2010/main" val="3083471286"/>
       </p:ext>
     </p:extLst>
   </p:cSld>
@@ -23319,88 +23251,89 @@
         </p:nvSpPr>
         <p:spPr/>
       </p:sp>
-      <p:sp>
-        <p:nvSpPr>
-          <p:cNvPr id="3" name="备注占位符 2"/>
-          <p:cNvSpPr>
-            <a:spLocks noGrp="1"/>
-          </p:cNvSpPr>
-          <p:nvPr>
-            <p:ph type="body" idx="1"/>
-          </p:nvPr>
-        </p:nvSpPr>
-        <p:spPr/>
-        <p:txBody>
-          <a:bodyPr/>
-          <a:lstStyle/>
-          <a:p>
-            <a:r>
-              <a:rPr lang="zh-CN" altLang="en-US" dirty="0" smtClean="0"/>
-              <a:t>构造初始关系种子集，然后利用</a:t>
-            </a:r>
-            <a:r>
-              <a:rPr lang="en-US" altLang="zh-CN" dirty="0" smtClean="0"/>
-              <a:t>Web</a:t>
-            </a:r>
-            <a:r>
-              <a:rPr lang="zh-CN" altLang="en-US" dirty="0" smtClean="0"/>
-              <a:t>或者大规模语料库信息挖掘对应的关系描述模式，并通过模式匹配抽取新的关系实例，迭代地生成关系描述模式</a:t>
-            </a:r>
-            <a:r>
-              <a:rPr lang="zh-CN" altLang="en-US" dirty="0" smtClean="0"/>
-              <a:t>。</a:t>
-            </a:r>
-            <a:endParaRPr lang="en-US" altLang="zh-CN" dirty="0" smtClean="0"/>
-          </a:p>
-          <a:p>
-            <a:endParaRPr lang="en-US" altLang="zh-CN" dirty="0" smtClean="0"/>
-          </a:p>
-          <a:p>
-            <a:r>
-              <a:rPr lang="zh-CN" altLang="en-US" dirty="0" smtClean="0"/>
-              <a:t>这类方法不需要人工标注语料库，所需要的只有构造初始关系种子集，然后利用</a:t>
-            </a:r>
-            <a:r>
-              <a:rPr lang="en-US" altLang="zh-CN" dirty="0" smtClean="0"/>
-              <a:t>Web</a:t>
-            </a:r>
-            <a:r>
-              <a:rPr lang="zh-CN" altLang="en-US" dirty="0" smtClean="0"/>
-              <a:t>或者大规模语料库信息的高度冗余性，充分挖掘对应的关系描述模式，并通过模式匹配抽取新的关系实例，准确、高效地完成关系抽取任务</a:t>
-            </a:r>
-            <a:r>
-              <a:rPr lang="zh-CN" altLang="en-US" dirty="0" smtClean="0"/>
-              <a:t>。</a:t>
-            </a:r>
-            <a:endParaRPr lang="en-US" altLang="zh-CN" dirty="0" smtClean="0"/>
-          </a:p>
-          <a:p>
-            <a:endParaRPr lang="en-US" altLang="zh-CN" dirty="0" smtClean="0"/>
-          </a:p>
-          <a:p>
-            <a:r>
-              <a:rPr lang="zh-CN" altLang="en-US" dirty="0" smtClean="0"/>
-              <a:t>但是</a:t>
-            </a:r>
-            <a:r>
-              <a:rPr lang="zh-CN" altLang="en-US" dirty="0" smtClean="0"/>
-              <a:t>，这种方法也存在几个关键问题，如：初始关系种子集的产生和选择方式</a:t>
-            </a:r>
-            <a:r>
-              <a:rPr lang="zh-CN" altLang="en-US" dirty="0" smtClean="0"/>
-              <a:t>、</a:t>
-            </a:r>
-            <a:r>
-              <a:rPr lang="en-US" altLang="zh-CN" dirty="0" smtClean="0"/>
-              <a:t>Pattern</a:t>
-            </a:r>
-            <a:r>
-              <a:rPr lang="zh-CN" altLang="en-US" dirty="0" smtClean="0"/>
-              <a:t>的质量评估、迭代过程的速度、高准确率低召回率等问题。</a:t>
-            </a:r>
-          </a:p>
-        </p:txBody>
-      </p:sp>
+      <mc:AlternateContent xmlns:mc="http://schemas.openxmlformats.org/markup-compatibility/2006" xmlns:a14="http://schemas.microsoft.com/office/drawing/2010/main">
+        <mc:Choice Requires="a14">
+          <p:sp>
+            <p:nvSpPr>
+              <p:cNvPr id="3" name="备注占位符 2"/>
+              <p:cNvSpPr>
+                <a:spLocks noGrp="1"/>
+              </p:cNvSpPr>
+              <p:nvPr>
+                <p:ph type="body" idx="1"/>
+              </p:nvPr>
+            </p:nvSpPr>
+            <p:spPr/>
+            <p:txBody>
+              <a:bodyPr/>
+              <a:lstStyle/>
+              <a:p>
+                <a:r>
+                  <a:rPr lang="zh-CN" altLang="en-US" dirty="0" smtClean="0"/>
+                  <a:t>本文主要实现的是句子级的实体关系抽取，因此首先要解决句子的向量表示问题。</a:t>
+                </a:r>
+                <a:endParaRPr lang="en-US" altLang="zh-CN" dirty="0" smtClean="0"/>
+              </a:p>
+              <a:p>
+                <a:endParaRPr lang="en-US" altLang="zh-CN" dirty="0" smtClean="0"/>
+              </a:p>
+              <a:p>
+                <a:pPr marL="0" marR="0" indent="0" algn="l" defTabSz="914400" rtl="0" eaLnBrk="1" fontAlgn="base" latinLnBrk="0" hangingPunct="1">
+                  <a:lnSpc>
+                    <a:spcPct val="100000"/>
+                  </a:lnSpc>
+                  <a:spcBef>
+                    <a:spcPct val="30000"/>
+                  </a:spcBef>
+                  <a:spcAft>
+                    <a:spcPct val="0"/>
+                  </a:spcAft>
+                  <a:buClrTx/>
+                  <a:buSzTx/>
+                  <a:buFontTx/>
+                  <a:buNone/>
+                  <a:tabLst/>
+                  <a:defRPr/>
+                </a:pPr>
+                <a:r>
+                  <a:rPr lang="zh-CN" altLang="en-US" dirty="0" smtClean="0"/>
+                  <a:t>这里的分布式表示是相对于局部表示来说的，传统词袋模型就是一种局部表示方法。</a:t>
+                </a:r>
+                <a:endParaRPr lang="en-US" altLang="zh-CN" dirty="0" smtClean="0"/>
+              </a:p>
+            </p:txBody>
+          </p:sp>
+        </mc:Choice>
+        <mc:Fallback xmlns="">
+          <p:sp>
+            <p:nvSpPr>
+              <p:cNvPr id="3" name="备注占位符 2"/>
+              <p:cNvSpPr>
+                <a:spLocks noGrp="1"/>
+              </p:cNvSpPr>
+              <p:nvPr>
+                <p:ph type="body" idx="1"/>
+              </p:nvPr>
+            </p:nvSpPr>
+            <p:spPr/>
+            <p:txBody>
+              <a:bodyPr/>
+              <a:lstStyle/>
+              <a:p>
+                <a:r>
+                  <a:rPr lang="zh-CN" altLang="en-US" dirty="0" smtClean="0"/>
+                  <a:t>来看一下本次报告的提纲，分别是：</a:t>
+                </a:r>
+                <a:r>
+                  <a:rPr lang="en-US" altLang="zh-CN" dirty="0" smtClean="0"/>
+                  <a:t>1,2,3,4,5,6</a:t>
+                </a:r>
+                <a:endParaRPr lang="zh-CN" altLang="en-US" dirty="0"/>
+              </a:p>
+            </p:txBody>
+          </p:sp>
+        </mc:Fallback>
+      </mc:AlternateContent>
       <p:sp>
         <p:nvSpPr>
           <p:cNvPr id="4" name="灯片编号占位符 3"/>
@@ -23416,9 +23349,14 @@
           <a:bodyPr/>
           <a:lstStyle/>
           <a:p>
-            <a:fld id="{725AB2D3-0A13-4B70-943B-8D91FF02C85D}" type="slidenum">
+            <a:pPr>
+              <a:defRPr/>
+            </a:pPr>
+            <a:fld id="{CE97544E-26AA-4FDB-B9EA-96855DDCFD2A}" type="slidenum">
               <a:rPr lang="en-US" altLang="zh-CN" smtClean="0"/>
-              <a:pPr/>
+              <a:pPr>
+                <a:defRPr/>
+              </a:pPr>
               <a:t>9</a:t>
             </a:fld>
             <a:endParaRPr lang="en-US" altLang="zh-CN"/>
@@ -23428,7 +23366,7 @@
     </p:spTree>
     <p:extLst>
       <p:ext uri="{BB962C8B-B14F-4D97-AF65-F5344CB8AC3E}">
-        <p14:creationId xmlns:p14="http://schemas.microsoft.com/office/powerpoint/2010/main" val="3083471286"/>
+        <p14:creationId xmlns:p14="http://schemas.microsoft.com/office/powerpoint/2010/main" val="4098551965"/>
       </p:ext>
     </p:extLst>
   </p:cSld>
@@ -23515,7 +23453,7 @@
           <a:p>
             <a:fld id="{B2700A00-49B1-4B97-A309-CEE14B941A95}" type="datetime1">
               <a:rPr lang="zh-CN" altLang="en-US" smtClean="0"/>
-              <a:t>2017/5/16</a:t>
+              <a:t>2017/5/17</a:t>
             </a:fld>
             <a:endParaRPr lang="en-US" altLang="zh-CN"/>
           </a:p>
@@ -24079,7 +24017,7 @@
           <a:p>
             <a:fld id="{1D07A59F-E5BA-4CF6-875B-68AD4C1B1033}" type="datetime1">
               <a:rPr lang="zh-CN" altLang="en-US" smtClean="0"/>
-              <a:t>2017/5/16</a:t>
+              <a:t>2017/5/17</a:t>
             </a:fld>
             <a:endParaRPr lang="en-US" altLang="zh-CN"/>
           </a:p>
@@ -24281,7 +24219,7 @@
           <a:p>
             <a:fld id="{AEDBC556-48CB-46C5-9076-DD99F4CCCFE9}" type="datetime1">
               <a:rPr lang="zh-CN" altLang="en-US" smtClean="0"/>
-              <a:t>2017/5/16</a:t>
+              <a:t>2017/5/17</a:t>
             </a:fld>
             <a:endParaRPr lang="en-US" altLang="zh-CN"/>
           </a:p>
@@ -24511,7 +24449,7 @@
           <a:p>
             <a:fld id="{8B0F75CF-0553-4104-831D-ECC51C6B5C3F}" type="datetime1">
               <a:rPr lang="zh-CN" altLang="en-US" smtClean="0"/>
-              <a:t>2017/5/16</a:t>
+              <a:t>2017/5/17</a:t>
             </a:fld>
             <a:endParaRPr lang="en-US" altLang="zh-CN"/>
           </a:p>
@@ -24732,7 +24670,7 @@
           <a:p>
             <a:fld id="{E02B2A02-9790-491B-80DE-D13F6E09D968}" type="datetime1">
               <a:rPr lang="zh-CN" altLang="en-US" smtClean="0"/>
-              <a:t>2017/5/16</a:t>
+              <a:t>2017/5/17</a:t>
             </a:fld>
             <a:endParaRPr lang="en-US" altLang="zh-CN"/>
           </a:p>
@@ -25042,7 +24980,7 @@
           <a:p>
             <a:fld id="{E64A1B9B-FB02-4C27-8DD7-C7A817C628E5}" type="datetime1">
               <a:rPr lang="zh-CN" altLang="en-US" smtClean="0"/>
-              <a:t>2017/5/16</a:t>
+              <a:t>2017/5/17</a:t>
             </a:fld>
             <a:endParaRPr lang="en-US" altLang="zh-CN"/>
           </a:p>
@@ -25491,7 +25429,7 @@
           <a:p>
             <a:fld id="{03C1D96D-4C26-4777-A01F-AA16AE99F650}" type="datetime1">
               <a:rPr lang="zh-CN" altLang="en-US" smtClean="0"/>
-              <a:t>2017/5/16</a:t>
+              <a:t>2017/5/17</a:t>
             </a:fld>
             <a:endParaRPr lang="en-US" altLang="zh-CN"/>
           </a:p>
@@ -25631,7 +25569,7 @@
           <a:p>
             <a:fld id="{4D22983C-44B3-4D83-89F4-BA545FD3A4DB}" type="datetime1">
               <a:rPr lang="zh-CN" altLang="en-US" smtClean="0"/>
-              <a:t>2017/5/16</a:t>
+              <a:t>2017/5/17</a:t>
             </a:fld>
             <a:endParaRPr lang="en-US" altLang="zh-CN"/>
           </a:p>
@@ -25748,7 +25686,7 @@
           <a:p>
             <a:fld id="{E268485D-88A6-4B3B-8923-8EB4A2C475CA}" type="datetime1">
               <a:rPr lang="zh-CN" altLang="en-US" smtClean="0"/>
-              <a:t>2017/5/16</a:t>
+              <a:t>2017/5/17</a:t>
             </a:fld>
             <a:endParaRPr lang="en-US" altLang="zh-CN"/>
           </a:p>
@@ -26047,7 +25985,7 @@
           <a:p>
             <a:fld id="{43884110-CBAE-4254-8557-2196D05E1CB8}" type="datetime1">
               <a:rPr lang="zh-CN" altLang="en-US" smtClean="0"/>
-              <a:t>2017/5/16</a:t>
+              <a:t>2017/5/17</a:t>
             </a:fld>
             <a:endParaRPr lang="en-US" altLang="zh-CN"/>
           </a:p>
@@ -26322,7 +26260,7 @@
           <a:p>
             <a:fld id="{6DB45B66-5B30-45BB-B8DC-A62BBF45E871}" type="datetime1">
               <a:rPr lang="zh-CN" altLang="en-US" smtClean="0"/>
-              <a:t>2017/5/16</a:t>
+              <a:t>2017/5/17</a:t>
             </a:fld>
             <a:endParaRPr lang="en-US" altLang="zh-CN"/>
           </a:p>
@@ -26813,7 +26751,7 @@
           <a:p>
             <a:fld id="{6A8DB19B-8F4E-4EA4-9E8A-C89388D3EABD}" type="datetime1">
               <a:rPr lang="zh-CN" altLang="en-US" smtClean="0"/>
-              <a:t>2017/5/16</a:t>
+              <a:t>2017/5/17</a:t>
             </a:fld>
             <a:endParaRPr lang="en-US" altLang="zh-CN"/>
           </a:p>
@@ -27536,7 +27474,7 @@
           <a:p>
             <a:fld id="{FDD0CEB0-4483-465D-A7CD-F894C9477FA5}" type="datetime1">
               <a:rPr lang="zh-CN" altLang="en-US" smtClean="0"/>
-              <a:t>2017/5/16</a:t>
+              <a:t>2017/5/17</a:t>
             </a:fld>
             <a:endParaRPr lang="en-US" altLang="zh-CN" dirty="0" smtClean="0"/>
           </a:p>
@@ -27613,7 +27551,7 @@
         <p:spPr>
           <a:xfrm>
             <a:off x="5292080" y="4149080"/>
-            <a:ext cx="3458616" cy="1080120"/>
+            <a:ext cx="3851920" cy="1080120"/>
           </a:xfrm>
         </p:spPr>
         <p:txBody>
@@ -27652,14 +27590,28 @@
                 <a:latin typeface="微软雅黑" pitchFamily="34" charset="-122"/>
                 <a:ea typeface="微软雅黑" pitchFamily="34" charset="-122"/>
               </a:rPr>
-              <a:t>导老师：</a:t>
+              <a:t>导老师</a:t>
+            </a:r>
+            <a:r>
+              <a:rPr lang="zh-CN" altLang="en-US" sz="2400" dirty="0" smtClean="0">
+                <a:latin typeface="微软雅黑" pitchFamily="34" charset="-122"/>
+                <a:ea typeface="微软雅黑" pitchFamily="34" charset="-122"/>
+              </a:rPr>
+              <a:t>： </a:t>
             </a:r>
             <a:r>
               <a:rPr lang="zh-CN" altLang="en-US" sz="2400" dirty="0" smtClean="0">
                 <a:latin typeface="楷体" panose="02010609060101010101" pitchFamily="49" charset="-122"/>
                 <a:ea typeface="楷体" panose="02010609060101010101" pitchFamily="49" charset="-122"/>
               </a:rPr>
-              <a:t>李宁 副教授</a:t>
+              <a:t>李 宁 </a:t>
+            </a:r>
+            <a:r>
+              <a:rPr lang="zh-CN" altLang="en-US" sz="2400" dirty="0" smtClean="0">
+                <a:latin typeface="楷体" panose="02010609060101010101" pitchFamily="49" charset="-122"/>
+                <a:ea typeface="楷体" panose="02010609060101010101" pitchFamily="49" charset="-122"/>
+              </a:rPr>
+              <a:t>副教授</a:t>
             </a:r>
             <a:endParaRPr lang="en-US" altLang="zh-CN" sz="2400" dirty="0" smtClean="0">
               <a:latin typeface="楷体" panose="02010609060101010101" pitchFamily="49" charset="-122"/>
@@ -27991,95 +27943,6 @@
       </p:grpSpPr>
       <p:sp>
         <p:nvSpPr>
-          <p:cNvPr id="2" name="标题 1"/>
-          <p:cNvSpPr>
-            <a:spLocks noGrp="1"/>
-          </p:cNvSpPr>
-          <p:nvPr>
-            <p:ph type="title"/>
-          </p:nvPr>
-        </p:nvSpPr>
-        <p:spPr/>
-        <p:txBody>
-          <a:bodyPr/>
-          <a:lstStyle/>
-          <a:p>
-            <a:pPr algn="l"/>
-            <a:r>
-              <a:rPr lang="zh-CN" altLang="en-US" b="0" dirty="0" smtClean="0">
-                <a:latin typeface="黑体" pitchFamily="49" charset="-122"/>
-                <a:ea typeface="黑体" pitchFamily="49" charset="-122"/>
-              </a:rPr>
-              <a:t>报告提纲</a:t>
-            </a:r>
-            <a:endParaRPr lang="zh-CN" altLang="en-US" b="0" dirty="0">
-              <a:latin typeface="黑体" pitchFamily="49" charset="-122"/>
-              <a:ea typeface="黑体" pitchFamily="49" charset="-122"/>
-            </a:endParaRPr>
-          </a:p>
-        </p:txBody>
-      </p:sp>
-      <p:graphicFrame>
-        <p:nvGraphicFramePr>
-          <p:cNvPr id="4" name="图示 3"/>
-          <p:cNvGraphicFramePr/>
-          <p:nvPr>
-            <p:extLst>
-              <p:ext uri="{D42A27DB-BD31-4B8C-83A1-F6EECF244321}">
-                <p14:modId xmlns:p14="http://schemas.microsoft.com/office/powerpoint/2010/main" val="1649880858"/>
-              </p:ext>
-            </p:extLst>
-          </p:nvPr>
-        </p:nvGraphicFramePr>
-        <p:xfrm>
-          <a:off x="611560" y="1556792"/>
-          <a:ext cx="7488832" cy="3888432"/>
-        </p:xfrm>
-        <a:graphic>
-          <a:graphicData uri="http://schemas.openxmlformats.org/drawingml/2006/diagram">
-            <dgm:relIds xmlns:dgm="http://schemas.openxmlformats.org/drawingml/2006/diagram" xmlns:r="http://schemas.openxmlformats.org/officeDocument/2006/relationships" r:dm="rId3" r:lo="rId4" r:qs="rId5" r:cs="rId6"/>
-          </a:graphicData>
-        </a:graphic>
-      </p:graphicFrame>
-    </p:spTree>
-    <p:extLst>
-      <p:ext uri="{BB962C8B-B14F-4D97-AF65-F5344CB8AC3E}">
-        <p14:creationId xmlns:p14="http://schemas.microsoft.com/office/powerpoint/2010/main" val="196551157"/>
-      </p:ext>
-    </p:extLst>
-  </p:cSld>
-  <p:clrMapOvr>
-    <a:masterClrMapping/>
-  </p:clrMapOvr>
-  <p:timing>
-    <p:tnLst>
-      <p:par>
-        <p:cTn id="1" dur="indefinite" restart="never" nodeType="tmRoot"/>
-      </p:par>
-    </p:tnLst>
-  </p:timing>
-</p:sld>
-</file>
-
-<file path=ppt/slides/slide11.xml><?xml version="1.0" encoding="utf-8"?>
-<p:sld xmlns:a="http://schemas.openxmlformats.org/drawingml/2006/main" xmlns:r="http://schemas.openxmlformats.org/officeDocument/2006/relationships" xmlns:p="http://schemas.openxmlformats.org/presentationml/2006/main">
-  <p:cSld>
-    <p:spTree>
-      <p:nvGrpSpPr>
-        <p:cNvPr id="1" name=""/>
-        <p:cNvGrpSpPr/>
-        <p:nvPr/>
-      </p:nvGrpSpPr>
-      <p:grpSpPr>
-        <a:xfrm>
-          <a:off x="0" y="0"/>
-          <a:ext cx="0" cy="0"/>
-          <a:chOff x="0" y="0"/>
-          <a:chExt cx="0" cy="0"/>
-        </a:xfrm>
-      </p:grpSpPr>
-      <p:sp>
-        <p:nvSpPr>
           <p:cNvPr id="4" name="日期占位符 3"/>
           <p:cNvSpPr>
             <a:spLocks noGrp="1"/>
@@ -28119,7 +27982,7 @@
             <a:fld id="{E9453B7F-F822-4520-92F2-0E2B7563B497}" type="slidenum">
               <a:rPr lang="en-US" altLang="zh-CN" smtClean="0"/>
               <a:pPr/>
-              <a:t>11</a:t>
+              <a:t>10</a:t>
             </a:fld>
             <a:endParaRPr lang="en-US" altLang="zh-CN"/>
           </a:p>
@@ -28258,7 +28121,7 @@
 </p:sld>
 </file>
 
-<file path=ppt/slides/slide12.xml><?xml version="1.0" encoding="utf-8"?>
+<file path=ppt/slides/slide11.xml><?xml version="1.0" encoding="utf-8"?>
 <p:sld xmlns:a="http://schemas.openxmlformats.org/drawingml/2006/main" xmlns:r="http://schemas.openxmlformats.org/officeDocument/2006/relationships" xmlns:p="http://schemas.openxmlformats.org/presentationml/2006/main">
   <p:cSld>
     <p:spTree>
@@ -28292,7 +28155,7 @@
           <a:p>
             <a:fld id="{ECB25AA1-DAB0-4597-8B8E-0BCD3DF7FBD0}" type="datetime1">
               <a:rPr lang="zh-CN" altLang="en-US" smtClean="0"/>
-              <a:t>2017/5/16</a:t>
+              <a:t>2017/5/17</a:t>
             </a:fld>
             <a:endParaRPr lang="en-US" altLang="zh-CN" dirty="0"/>
           </a:p>
@@ -28316,7 +28179,7 @@
             <a:fld id="{E9453B7F-F822-4520-92F2-0E2B7563B497}" type="slidenum">
               <a:rPr lang="en-US" altLang="zh-CN" smtClean="0"/>
               <a:pPr/>
-              <a:t>12</a:t>
+              <a:t>11</a:t>
             </a:fld>
             <a:endParaRPr lang="en-US" altLang="zh-CN"/>
           </a:p>
@@ -28357,8 +28220,8 @@
           </a:p>
         </p:txBody>
       </p:sp>
-      <mc:AlternateContent xmlns:mc="http://schemas.openxmlformats.org/markup-compatibility/2006" xmlns:a14="http://schemas.microsoft.com/office/drawing/2010/main">
-        <mc:Choice Requires="a14">
+      <mc:AlternateContent xmlns:mc="http://schemas.openxmlformats.org/markup-compatibility/2006">
+        <mc:Choice xmlns:a14="http://schemas.microsoft.com/office/drawing/2010/main" Requires="a14">
           <p:sp>
             <p:nvSpPr>
               <p:cNvPr id="7" name="内容占位符 2"/>
@@ -28598,93 +28461,6 @@
                 </a:endParaRPr>
               </a:p>
               <a:p>
-                <a:r>
-                  <a:rPr lang="zh-CN" altLang="en-US" sz="2400" dirty="0" smtClean="0">
-                    <a:latin typeface="黑体" panose="02010609060101010101" pitchFamily="49" charset="-122"/>
-                    <a:ea typeface="黑体" panose="02010609060101010101" pitchFamily="49" charset="-122"/>
-                  </a:rPr>
-                  <a:t>不</a:t>
-                </a:r>
-                <a:r>
-                  <a:rPr lang="zh-CN" altLang="en-US" sz="2400" dirty="0">
-                    <a:latin typeface="黑体" panose="02010609060101010101" pitchFamily="49" charset="-122"/>
-                    <a:ea typeface="黑体" panose="02010609060101010101" pitchFamily="49" charset="-122"/>
-                  </a:rPr>
-                  <a:t>足</a:t>
-                </a:r>
-                <a:endParaRPr lang="en-US" altLang="zh-CN" dirty="0" smtClean="0">
-                  <a:latin typeface="楷体" panose="02010609060101010101" pitchFamily="49" charset="-122"/>
-                  <a:ea typeface="楷体" panose="02010609060101010101" pitchFamily="49" charset="-122"/>
-                  <a:cs typeface="Times New Roman" panose="02020603050405020304" pitchFamily="18" charset="0"/>
-                </a:endParaRPr>
-              </a:p>
-              <a:p>
-                <a:pPr lvl="1">
-                  <a:lnSpc>
-                    <a:spcPct val="150000"/>
-                  </a:lnSpc>
-                  <a:spcBef>
-                    <a:spcPts val="0"/>
-                  </a:spcBef>
-                  <a:buFont typeface="Wingdings" panose="05000000000000000000" pitchFamily="2" charset="2"/>
-                  <a:buChar char="p"/>
-                </a:pPr>
-                <a:r>
-                  <a:rPr lang="zh-CN" altLang="en-US" sz="1800" dirty="0">
-                    <a:latin typeface="楷体" panose="02010609060101010101" pitchFamily="49" charset="-122"/>
-                    <a:ea typeface="楷体" panose="02010609060101010101" pitchFamily="49" charset="-122"/>
-                    <a:cs typeface="Times New Roman" panose="02020603050405020304" pitchFamily="18" charset="0"/>
-                  </a:rPr>
-                  <a:t>未</a:t>
-                </a:r>
-                <a:r>
-                  <a:rPr lang="zh-CN" altLang="en-US" sz="1800" dirty="0" smtClean="0">
-                    <a:latin typeface="楷体" panose="02010609060101010101" pitchFamily="49" charset="-122"/>
-                    <a:ea typeface="楷体" panose="02010609060101010101" pitchFamily="49" charset="-122"/>
-                    <a:cs typeface="Times New Roman" panose="02020603050405020304" pitchFamily="18" charset="0"/>
-                  </a:rPr>
-                  <a:t>考虑词的位置信息</a:t>
-                </a:r>
-                <a:endParaRPr lang="en-US" altLang="zh-CN" sz="1800" dirty="0" smtClean="0">
-                  <a:latin typeface="楷体" panose="02010609060101010101" pitchFamily="49" charset="-122"/>
-                  <a:ea typeface="楷体" panose="02010609060101010101" pitchFamily="49" charset="-122"/>
-                  <a:cs typeface="Times New Roman" panose="02020603050405020304" pitchFamily="18" charset="0"/>
-                </a:endParaRPr>
-              </a:p>
-              <a:p>
-                <a:pPr lvl="1">
-                  <a:lnSpc>
-                    <a:spcPct val="150000"/>
-                  </a:lnSpc>
-                  <a:spcBef>
-                    <a:spcPts val="0"/>
-                  </a:spcBef>
-                  <a:buFont typeface="Wingdings" panose="05000000000000000000" pitchFamily="2" charset="2"/>
-                  <a:buChar char="p"/>
-                </a:pPr>
-                <a:r>
-                  <a:rPr lang="zh-CN" altLang="en-US" sz="1800" dirty="0">
-                    <a:latin typeface="楷体" panose="02010609060101010101" pitchFamily="49" charset="-122"/>
-                    <a:ea typeface="楷体" panose="02010609060101010101" pitchFamily="49" charset="-122"/>
-                    <a:cs typeface="Times New Roman" panose="02020603050405020304" pitchFamily="18" charset="0"/>
-                  </a:rPr>
-                  <a:t>难</a:t>
-                </a:r>
-                <a:r>
-                  <a:rPr lang="zh-CN" altLang="en-US" sz="1800" dirty="0" smtClean="0">
-                    <a:latin typeface="楷体" panose="02010609060101010101" pitchFamily="49" charset="-122"/>
-                    <a:ea typeface="楷体" panose="02010609060101010101" pitchFamily="49" charset="-122"/>
-                    <a:cs typeface="Times New Roman" panose="02020603050405020304" pitchFamily="18" charset="0"/>
-                  </a:rPr>
-                  <a:t>以选取合适的权重</a:t>
-                </a:r>
-                <a:endParaRPr lang="en-US" altLang="zh-CN" sz="1800" dirty="0" smtClean="0">
-                  <a:latin typeface="楷体" panose="02010609060101010101" pitchFamily="49" charset="-122"/>
-                  <a:ea typeface="楷体" panose="02010609060101010101" pitchFamily="49" charset="-122"/>
-                  <a:cs typeface="Times New Roman" panose="02020603050405020304" pitchFamily="18" charset="0"/>
-                </a:endParaRPr>
-              </a:p>
-              <a:p>
                 <a:pPr lvl="1">
                   <a:lnSpc>
                     <a:spcPct val="150000"/>
@@ -28743,7 +28519,7 @@
             </p:txBody>
           </p:sp>
         </mc:Choice>
-        <mc:Fallback xmlns="">
+        <mc:Fallback>
           <p:sp>
             <p:nvSpPr>
               <p:cNvPr id="7" name="内容占位符 2"/>
@@ -28809,7 +28585,7 @@
 </p:sld>
 </file>
 
-<file path=ppt/slides/slide13.xml><?xml version="1.0" encoding="utf-8"?>
+<file path=ppt/slides/slide12.xml><?xml version="1.0" encoding="utf-8"?>
 <p:sld xmlns:a="http://schemas.openxmlformats.org/drawingml/2006/main" xmlns:r="http://schemas.openxmlformats.org/officeDocument/2006/relationships" xmlns:p="http://schemas.openxmlformats.org/presentationml/2006/main">
   <p:cSld>
     <p:spTree>
@@ -29057,7 +28833,7 @@
           <a:p>
             <a:fld id="{ECB25AA1-DAB0-4597-8B8E-0BCD3DF7FBD0}" type="datetime1">
               <a:rPr lang="zh-CN" altLang="en-US" smtClean="0"/>
-              <a:t>2017/5/16</a:t>
+              <a:t>2017/5/17</a:t>
             </a:fld>
             <a:endParaRPr lang="en-US" altLang="zh-CN" dirty="0"/>
           </a:p>
@@ -29081,7 +28857,7 @@
             <a:fld id="{E9453B7F-F822-4520-92F2-0E2B7563B497}" type="slidenum">
               <a:rPr lang="en-US" altLang="zh-CN" smtClean="0"/>
               <a:pPr/>
-              <a:t>13</a:t>
+              <a:t>12</a:t>
             </a:fld>
             <a:endParaRPr lang="en-US" altLang="zh-CN"/>
           </a:p>
@@ -29185,7 +28961,7 @@
 </p:sld>
 </file>
 
-<file path=ppt/slides/slide14.xml><?xml version="1.0" encoding="utf-8"?>
+<file path=ppt/slides/slide13.xml><?xml version="1.0" encoding="utf-8"?>
 <p:sld xmlns:a="http://schemas.openxmlformats.org/drawingml/2006/main" xmlns:r="http://schemas.openxmlformats.org/officeDocument/2006/relationships" xmlns:p="http://schemas.openxmlformats.org/presentationml/2006/main">
   <p:cSld>
     <p:spTree>
@@ -29219,7 +28995,7 @@
           <a:p>
             <a:fld id="{8B0F75CF-0553-4104-831D-ECC51C6B5C3F}" type="datetime1">
               <a:rPr lang="zh-CN" altLang="en-US" smtClean="0"/>
-              <a:t>2017/5/16</a:t>
+              <a:t>2017/5/17</a:t>
             </a:fld>
             <a:endParaRPr lang="en-US" altLang="zh-CN"/>
           </a:p>
@@ -29243,7 +29019,7 @@
             <a:fld id="{E9453B7F-F822-4520-92F2-0E2B7563B497}" type="slidenum">
               <a:rPr lang="en-US" altLang="zh-CN" smtClean="0"/>
               <a:pPr/>
-              <a:t>14</a:t>
+              <a:t>13</a:t>
             </a:fld>
             <a:endParaRPr lang="en-US" altLang="zh-CN"/>
           </a:p>
@@ -29579,7 +29355,7 @@
 </p:sld>
 </file>
 
-<file path=ppt/slides/slide15.xml><?xml version="1.0" encoding="utf-8"?>
+<file path=ppt/slides/slide14.xml><?xml version="1.0" encoding="utf-8"?>
 <p:sld xmlns:a="http://schemas.openxmlformats.org/drawingml/2006/main" xmlns:r="http://schemas.openxmlformats.org/officeDocument/2006/relationships" xmlns:p="http://schemas.openxmlformats.org/presentationml/2006/main">
   <p:cSld>
     <p:spTree>
@@ -29735,7 +29511,7 @@
           <a:p>
             <a:fld id="{ECB25AA1-DAB0-4597-8B8E-0BCD3DF7FBD0}" type="datetime1">
               <a:rPr lang="zh-CN" altLang="en-US" smtClean="0"/>
-              <a:t>2017/5/16</a:t>
+              <a:t>2017/5/17</a:t>
             </a:fld>
             <a:endParaRPr lang="en-US" altLang="zh-CN" dirty="0"/>
           </a:p>
@@ -29759,7 +29535,7 @@
             <a:fld id="{E9453B7F-F822-4520-92F2-0E2B7563B497}" type="slidenum">
               <a:rPr lang="en-US" altLang="zh-CN" smtClean="0"/>
               <a:pPr/>
-              <a:t>15</a:t>
+              <a:t>14</a:t>
             </a:fld>
             <a:endParaRPr lang="en-US" altLang="zh-CN"/>
           </a:p>
@@ -29828,14 +29604,14 @@
                 <a:gridCol w="2373162">
                   <a:extLst>
                     <a:ext uri="{9D8B030D-6E8A-4147-A177-3AD203B41FA5}">
-                      <a16:colId xmlns:a16="http://schemas.microsoft.com/office/drawing/2014/main" val="20000"/>
+                      <a16:colId xmlns:a16="http://schemas.microsoft.com/office/drawing/2014/main" xmlns="" val="20000"/>
                     </a:ext>
                   </a:extLst>
                 </a:gridCol>
                 <a:gridCol w="2091334">
                   <a:extLst>
                     <a:ext uri="{9D8B030D-6E8A-4147-A177-3AD203B41FA5}">
-                      <a16:colId xmlns:a16="http://schemas.microsoft.com/office/drawing/2014/main" val="20001"/>
+                      <a16:colId xmlns:a16="http://schemas.microsoft.com/office/drawing/2014/main" xmlns="" val="20001"/>
                     </a:ext>
                   </a:extLst>
                 </a:gridCol>
@@ -29905,7 +29681,7 @@
                 </a:tc>
                 <a:extLst>
                   <a:ext uri="{0D108BD9-81ED-4DB2-BD59-A6C34878D82A}">
-                    <a16:rowId xmlns:a16="http://schemas.microsoft.com/office/drawing/2014/main" val="10000"/>
+                    <a16:rowId xmlns:a16="http://schemas.microsoft.com/office/drawing/2014/main" xmlns="" val="10000"/>
                   </a:ext>
                 </a:extLst>
               </a:tr>
@@ -29974,7 +29750,7 @@
                 </a:tc>
                 <a:extLst>
                   <a:ext uri="{0D108BD9-81ED-4DB2-BD59-A6C34878D82A}">
-                    <a16:rowId xmlns:a16="http://schemas.microsoft.com/office/drawing/2014/main" val="10001"/>
+                    <a16:rowId xmlns:a16="http://schemas.microsoft.com/office/drawing/2014/main" xmlns="" val="10001"/>
                   </a:ext>
                 </a:extLst>
               </a:tr>
@@ -30043,7 +29819,7 @@
                 </a:tc>
                 <a:extLst>
                   <a:ext uri="{0D108BD9-81ED-4DB2-BD59-A6C34878D82A}">
-                    <a16:rowId xmlns:a16="http://schemas.microsoft.com/office/drawing/2014/main" val="10002"/>
+                    <a16:rowId xmlns:a16="http://schemas.microsoft.com/office/drawing/2014/main" xmlns="" val="10002"/>
                   </a:ext>
                 </a:extLst>
               </a:tr>
@@ -30112,7 +29888,7 @@
                 </a:tc>
                 <a:extLst>
                   <a:ext uri="{0D108BD9-81ED-4DB2-BD59-A6C34878D82A}">
-                    <a16:rowId xmlns:a16="http://schemas.microsoft.com/office/drawing/2014/main" val="10003"/>
+                    <a16:rowId xmlns:a16="http://schemas.microsoft.com/office/drawing/2014/main" xmlns="" val="10003"/>
                   </a:ext>
                 </a:extLst>
               </a:tr>
@@ -30181,7 +29957,7 @@
                 </a:tc>
                 <a:extLst>
                   <a:ext uri="{0D108BD9-81ED-4DB2-BD59-A6C34878D82A}">
-                    <a16:rowId xmlns:a16="http://schemas.microsoft.com/office/drawing/2014/main" val="10004"/>
+                    <a16:rowId xmlns:a16="http://schemas.microsoft.com/office/drawing/2014/main" xmlns="" val="10004"/>
                   </a:ext>
                 </a:extLst>
               </a:tr>
@@ -30250,7 +30026,7 @@
                 </a:tc>
                 <a:extLst>
                   <a:ext uri="{0D108BD9-81ED-4DB2-BD59-A6C34878D82A}">
-                    <a16:rowId xmlns:a16="http://schemas.microsoft.com/office/drawing/2014/main" val="10005"/>
+                    <a16:rowId xmlns:a16="http://schemas.microsoft.com/office/drawing/2014/main" xmlns="" val="10005"/>
                   </a:ext>
                 </a:extLst>
               </a:tr>
@@ -30319,7 +30095,7 @@
                 </a:tc>
                 <a:extLst>
                   <a:ext uri="{0D108BD9-81ED-4DB2-BD59-A6C34878D82A}">
-                    <a16:rowId xmlns:a16="http://schemas.microsoft.com/office/drawing/2014/main" val="10006"/>
+                    <a16:rowId xmlns:a16="http://schemas.microsoft.com/office/drawing/2014/main" xmlns="" val="10006"/>
                   </a:ext>
                 </a:extLst>
               </a:tr>
@@ -30388,7 +30164,7 @@
                 </a:tc>
                 <a:extLst>
                   <a:ext uri="{0D108BD9-81ED-4DB2-BD59-A6C34878D82A}">
-                    <a16:rowId xmlns:a16="http://schemas.microsoft.com/office/drawing/2014/main" val="10007"/>
+                    <a16:rowId xmlns:a16="http://schemas.microsoft.com/office/drawing/2014/main" xmlns="" val="10007"/>
                   </a:ext>
                 </a:extLst>
               </a:tr>
@@ -30457,7 +30233,7 @@
                 </a:tc>
                 <a:extLst>
                   <a:ext uri="{0D108BD9-81ED-4DB2-BD59-A6C34878D82A}">
-                    <a16:rowId xmlns:a16="http://schemas.microsoft.com/office/drawing/2014/main" val="10008"/>
+                    <a16:rowId xmlns:a16="http://schemas.microsoft.com/office/drawing/2014/main" xmlns="" val="10008"/>
                   </a:ext>
                 </a:extLst>
               </a:tr>
@@ -30526,7 +30302,7 @@
                 </a:tc>
                 <a:extLst>
                   <a:ext uri="{0D108BD9-81ED-4DB2-BD59-A6C34878D82A}">
-                    <a16:rowId xmlns:a16="http://schemas.microsoft.com/office/drawing/2014/main" val="10009"/>
+                    <a16:rowId xmlns:a16="http://schemas.microsoft.com/office/drawing/2014/main" xmlns="" val="10009"/>
                   </a:ext>
                 </a:extLst>
               </a:tr>
@@ -30595,7 +30371,7 @@
                 </a:tc>
                 <a:extLst>
                   <a:ext uri="{0D108BD9-81ED-4DB2-BD59-A6C34878D82A}">
-                    <a16:rowId xmlns:a16="http://schemas.microsoft.com/office/drawing/2014/main" val="10010"/>
+                    <a16:rowId xmlns:a16="http://schemas.microsoft.com/office/drawing/2014/main" xmlns="" val="10010"/>
                   </a:ext>
                 </a:extLst>
               </a:tr>
@@ -30664,7 +30440,7 @@
                 </a:tc>
                 <a:extLst>
                   <a:ext uri="{0D108BD9-81ED-4DB2-BD59-A6C34878D82A}">
-                    <a16:rowId xmlns:a16="http://schemas.microsoft.com/office/drawing/2014/main" val="10011"/>
+                    <a16:rowId xmlns:a16="http://schemas.microsoft.com/office/drawing/2014/main" xmlns="" val="10011"/>
                   </a:ext>
                 </a:extLst>
               </a:tr>
@@ -30739,7 +30515,7 @@
 </p:sld>
 </file>
 
-<file path=ppt/slides/slide16.xml><?xml version="1.0" encoding="utf-8"?>
+<file path=ppt/slides/slide15.xml><?xml version="1.0" encoding="utf-8"?>
 <p:sld xmlns:a="http://schemas.openxmlformats.org/drawingml/2006/main" xmlns:r="http://schemas.openxmlformats.org/officeDocument/2006/relationships" xmlns:p="http://schemas.openxmlformats.org/presentationml/2006/main">
   <p:cSld>
     <p:spTree>
@@ -30773,7 +30549,7 @@
           <a:p>
             <a:fld id="{ECB25AA1-DAB0-4597-8B8E-0BCD3DF7FBD0}" type="datetime1">
               <a:rPr lang="zh-CN" altLang="en-US" smtClean="0"/>
-              <a:t>2017/5/16</a:t>
+              <a:t>2017/5/17</a:t>
             </a:fld>
             <a:endParaRPr lang="en-US" altLang="zh-CN" dirty="0"/>
           </a:p>
@@ -30797,7 +30573,7 @@
             <a:fld id="{E9453B7F-F822-4520-92F2-0E2B7563B497}" type="slidenum">
               <a:rPr lang="en-US" altLang="zh-CN" smtClean="0"/>
               <a:pPr/>
-              <a:t>16</a:t>
+              <a:t>15</a:t>
             </a:fld>
             <a:endParaRPr lang="en-US" altLang="zh-CN"/>
           </a:p>
@@ -30866,14 +30642,14 @@
                 <a:gridCol w="1425788">
                   <a:extLst>
                     <a:ext uri="{9D8B030D-6E8A-4147-A177-3AD203B41FA5}">
-                      <a16:colId xmlns:a16="http://schemas.microsoft.com/office/drawing/2014/main" val="20000"/>
+                      <a16:colId xmlns:a16="http://schemas.microsoft.com/office/drawing/2014/main" xmlns="" val="20000"/>
                     </a:ext>
                   </a:extLst>
                 </a:gridCol>
                 <a:gridCol w="1958588">
                   <a:extLst>
                     <a:ext uri="{9D8B030D-6E8A-4147-A177-3AD203B41FA5}">
-                      <a16:colId xmlns:a16="http://schemas.microsoft.com/office/drawing/2014/main" val="20001"/>
+                      <a16:colId xmlns:a16="http://schemas.microsoft.com/office/drawing/2014/main" xmlns="" val="20001"/>
                     </a:ext>
                   </a:extLst>
                 </a:gridCol>
@@ -30967,7 +30743,7 @@
                 </a:tc>
                 <a:extLst>
                   <a:ext uri="{0D108BD9-81ED-4DB2-BD59-A6C34878D82A}">
-                    <a16:rowId xmlns:a16="http://schemas.microsoft.com/office/drawing/2014/main" val="10000"/>
+                    <a16:rowId xmlns:a16="http://schemas.microsoft.com/office/drawing/2014/main" xmlns="" val="10000"/>
                   </a:ext>
                 </a:extLst>
               </a:tr>
@@ -31036,7 +30812,7 @@
                 </a:tc>
                 <a:extLst>
                   <a:ext uri="{0D108BD9-81ED-4DB2-BD59-A6C34878D82A}">
-                    <a16:rowId xmlns:a16="http://schemas.microsoft.com/office/drawing/2014/main" val="10001"/>
+                    <a16:rowId xmlns:a16="http://schemas.microsoft.com/office/drawing/2014/main" xmlns="" val="10001"/>
                   </a:ext>
                 </a:extLst>
               </a:tr>
@@ -31105,7 +30881,7 @@
                 </a:tc>
                 <a:extLst>
                   <a:ext uri="{0D108BD9-81ED-4DB2-BD59-A6C34878D82A}">
-                    <a16:rowId xmlns:a16="http://schemas.microsoft.com/office/drawing/2014/main" val="10002"/>
+                    <a16:rowId xmlns:a16="http://schemas.microsoft.com/office/drawing/2014/main" xmlns="" val="10002"/>
                   </a:ext>
                 </a:extLst>
               </a:tr>
@@ -31174,7 +30950,7 @@
                 </a:tc>
                 <a:extLst>
                   <a:ext uri="{0D108BD9-81ED-4DB2-BD59-A6C34878D82A}">
-                    <a16:rowId xmlns:a16="http://schemas.microsoft.com/office/drawing/2014/main" val="10003"/>
+                    <a16:rowId xmlns:a16="http://schemas.microsoft.com/office/drawing/2014/main" xmlns="" val="10003"/>
                   </a:ext>
                 </a:extLst>
               </a:tr>
@@ -31243,7 +31019,7 @@
                 </a:tc>
                 <a:extLst>
                   <a:ext uri="{0D108BD9-81ED-4DB2-BD59-A6C34878D82A}">
-                    <a16:rowId xmlns:a16="http://schemas.microsoft.com/office/drawing/2014/main" val="10004"/>
+                    <a16:rowId xmlns:a16="http://schemas.microsoft.com/office/drawing/2014/main" xmlns="" val="10004"/>
                   </a:ext>
                 </a:extLst>
               </a:tr>
@@ -31312,7 +31088,7 @@
                 </a:tc>
                 <a:extLst>
                   <a:ext uri="{0D108BD9-81ED-4DB2-BD59-A6C34878D82A}">
-                    <a16:rowId xmlns:a16="http://schemas.microsoft.com/office/drawing/2014/main" val="10005"/>
+                    <a16:rowId xmlns:a16="http://schemas.microsoft.com/office/drawing/2014/main" xmlns="" val="10005"/>
                   </a:ext>
                 </a:extLst>
               </a:tr>
@@ -31381,7 +31157,7 @@
                 </a:tc>
                 <a:extLst>
                   <a:ext uri="{0D108BD9-81ED-4DB2-BD59-A6C34878D82A}">
-                    <a16:rowId xmlns:a16="http://schemas.microsoft.com/office/drawing/2014/main" val="10006"/>
+                    <a16:rowId xmlns:a16="http://schemas.microsoft.com/office/drawing/2014/main" xmlns="" val="10006"/>
                   </a:ext>
                 </a:extLst>
               </a:tr>
@@ -31417,14 +31193,14 @@
                 <a:gridCol w="1390163">
                   <a:extLst>
                     <a:ext uri="{9D8B030D-6E8A-4147-A177-3AD203B41FA5}">
-                      <a16:colId xmlns:a16="http://schemas.microsoft.com/office/drawing/2014/main" val="20000"/>
+                      <a16:colId xmlns:a16="http://schemas.microsoft.com/office/drawing/2014/main" xmlns="" val="20000"/>
                     </a:ext>
                   </a:extLst>
                 </a:gridCol>
                 <a:gridCol w="1994213">
                   <a:extLst>
                     <a:ext uri="{9D8B030D-6E8A-4147-A177-3AD203B41FA5}">
-                      <a16:colId xmlns:a16="http://schemas.microsoft.com/office/drawing/2014/main" val="20001"/>
+                      <a16:colId xmlns:a16="http://schemas.microsoft.com/office/drawing/2014/main" xmlns="" val="20001"/>
                     </a:ext>
                   </a:extLst>
                 </a:gridCol>
@@ -31494,7 +31270,7 @@
                 </a:tc>
                 <a:extLst>
                   <a:ext uri="{0D108BD9-81ED-4DB2-BD59-A6C34878D82A}">
-                    <a16:rowId xmlns:a16="http://schemas.microsoft.com/office/drawing/2014/main" val="10000"/>
+                    <a16:rowId xmlns:a16="http://schemas.microsoft.com/office/drawing/2014/main" xmlns="" val="10000"/>
                   </a:ext>
                 </a:extLst>
               </a:tr>
@@ -31563,7 +31339,7 @@
                 </a:tc>
                 <a:extLst>
                   <a:ext uri="{0D108BD9-81ED-4DB2-BD59-A6C34878D82A}">
-                    <a16:rowId xmlns:a16="http://schemas.microsoft.com/office/drawing/2014/main" val="10001"/>
+                    <a16:rowId xmlns:a16="http://schemas.microsoft.com/office/drawing/2014/main" xmlns="" val="10001"/>
                   </a:ext>
                 </a:extLst>
               </a:tr>
@@ -31638,7 +31414,7 @@
                 </a:tc>
                 <a:extLst>
                   <a:ext uri="{0D108BD9-81ED-4DB2-BD59-A6C34878D82A}">
-                    <a16:rowId xmlns:a16="http://schemas.microsoft.com/office/drawing/2014/main" val="10002"/>
+                    <a16:rowId xmlns:a16="http://schemas.microsoft.com/office/drawing/2014/main" xmlns="" val="10002"/>
                   </a:ext>
                 </a:extLst>
               </a:tr>
@@ -31707,7 +31483,7 @@
                 </a:tc>
                 <a:extLst>
                   <a:ext uri="{0D108BD9-81ED-4DB2-BD59-A6C34878D82A}">
-                    <a16:rowId xmlns:a16="http://schemas.microsoft.com/office/drawing/2014/main" val="10003"/>
+                    <a16:rowId xmlns:a16="http://schemas.microsoft.com/office/drawing/2014/main" xmlns="" val="10003"/>
                   </a:ext>
                 </a:extLst>
               </a:tr>
@@ -32363,7 +32139,7 @@
 </p:sld>
 </file>
 
-<file path=ppt/slides/slide17.xml><?xml version="1.0" encoding="utf-8"?>
+<file path=ppt/slides/slide16.xml><?xml version="1.0" encoding="utf-8"?>
 <p:sld xmlns:a="http://schemas.openxmlformats.org/drawingml/2006/main" xmlns:r="http://schemas.openxmlformats.org/officeDocument/2006/relationships" xmlns:p="http://schemas.openxmlformats.org/presentationml/2006/main">
   <p:cSld>
     <p:spTree>
@@ -32397,7 +32173,7 @@
           <a:p>
             <a:fld id="{ECB25AA1-DAB0-4597-8B8E-0BCD3DF7FBD0}" type="datetime1">
               <a:rPr lang="zh-CN" altLang="en-US" smtClean="0"/>
-              <a:t>2017/5/16</a:t>
+              <a:t>2017/5/17</a:t>
             </a:fld>
             <a:endParaRPr lang="en-US" altLang="zh-CN" dirty="0"/>
           </a:p>
@@ -32421,7 +32197,7 @@
             <a:fld id="{E9453B7F-F822-4520-92F2-0E2B7563B497}" type="slidenum">
               <a:rPr lang="en-US" altLang="zh-CN" smtClean="0"/>
               <a:pPr/>
-              <a:t>17</a:t>
+              <a:t>16</a:t>
             </a:fld>
             <a:endParaRPr lang="en-US" altLang="zh-CN"/>
           </a:p>
@@ -32783,7 +32559,7 @@
 </p:sld>
 </file>
 
-<file path=ppt/slides/slide18.xml><?xml version="1.0" encoding="utf-8"?>
+<file path=ppt/slides/slide17.xml><?xml version="1.0" encoding="utf-8"?>
 <p:sld xmlns:a="http://schemas.openxmlformats.org/drawingml/2006/main" xmlns:r="http://schemas.openxmlformats.org/officeDocument/2006/relationships" xmlns:p="http://schemas.openxmlformats.org/presentationml/2006/main">
   <p:cSld>
     <p:spTree>
@@ -32872,258 +32648,7 @@
 </p:sld>
 </file>
 
-<file path=ppt/slides/slide19.xml><?xml version="1.0" encoding="utf-8"?>
-<p:sld xmlns:a="http://schemas.openxmlformats.org/drawingml/2006/main" xmlns:r="http://schemas.openxmlformats.org/officeDocument/2006/relationships" xmlns:p="http://schemas.openxmlformats.org/presentationml/2006/main">
-  <p:cSld>
-    <p:spTree>
-      <p:nvGrpSpPr>
-        <p:cNvPr id="1" name=""/>
-        <p:cNvGrpSpPr/>
-        <p:nvPr/>
-      </p:nvGrpSpPr>
-      <p:grpSpPr>
-        <a:xfrm>
-          <a:off x="0" y="0"/>
-          <a:ext cx="0" cy="0"/>
-          <a:chOff x="0" y="0"/>
-          <a:chExt cx="0" cy="0"/>
-        </a:xfrm>
-      </p:grpSpPr>
-      <p:sp>
-        <p:nvSpPr>
-          <p:cNvPr id="4" name="日期占位符 3"/>
-          <p:cNvSpPr>
-            <a:spLocks noGrp="1"/>
-          </p:cNvSpPr>
-          <p:nvPr>
-            <p:ph type="dt" sz="half" idx="10"/>
-          </p:nvPr>
-        </p:nvSpPr>
-        <p:spPr/>
-        <p:txBody>
-          <a:bodyPr/>
-          <a:lstStyle/>
-          <a:p>
-            <a:fld id="{8B0F75CF-0553-4104-831D-ECC51C6B5C3F}" type="datetime1">
-              <a:rPr lang="zh-CN" altLang="en-US" smtClean="0"/>
-              <a:t>2017/5/16</a:t>
-            </a:fld>
-            <a:endParaRPr lang="en-US" altLang="zh-CN"/>
-          </a:p>
-        </p:txBody>
-      </p:sp>
-      <p:sp>
-        <p:nvSpPr>
-          <p:cNvPr id="5" name="灯片编号占位符 4"/>
-          <p:cNvSpPr>
-            <a:spLocks noGrp="1"/>
-          </p:cNvSpPr>
-          <p:nvPr>
-            <p:ph type="sldNum" sz="quarter" idx="12"/>
-          </p:nvPr>
-        </p:nvSpPr>
-        <p:spPr/>
-        <p:txBody>
-          <a:bodyPr/>
-          <a:lstStyle/>
-          <a:p>
-            <a:fld id="{E9453B7F-F822-4520-92F2-0E2B7563B497}" type="slidenum">
-              <a:rPr lang="en-US" altLang="zh-CN" smtClean="0"/>
-              <a:pPr/>
-              <a:t>19</a:t>
-            </a:fld>
-            <a:endParaRPr lang="en-US" altLang="zh-CN"/>
-          </a:p>
-        </p:txBody>
-      </p:sp>
-      <p:pic>
-        <p:nvPicPr>
-          <p:cNvPr id="6" name="图片 5"/>
-          <p:cNvPicPr/>
-          <p:nvPr/>
-        </p:nvPicPr>
-        <p:blipFill>
-          <a:blip r:embed="rId3">
-            <a:extLst>
-              <a:ext uri="{28A0092B-C50C-407E-A947-70E740481C1C}">
-                <a14:useLocalDpi xmlns:a14="http://schemas.microsoft.com/office/drawing/2010/main" val="0"/>
-              </a:ext>
-            </a:extLst>
-          </a:blip>
-          <a:stretch>
-            <a:fillRect/>
-          </a:stretch>
-        </p:blipFill>
-        <p:spPr>
-          <a:xfrm>
-            <a:off x="888757" y="1805559"/>
-            <a:ext cx="7102718" cy="3600400"/>
-          </a:xfrm>
-          <a:prstGeom prst="rect">
-            <a:avLst/>
-          </a:prstGeom>
-        </p:spPr>
-      </p:pic>
-      <p:sp>
-        <p:nvSpPr>
-          <p:cNvPr id="9" name="标题 1"/>
-          <p:cNvSpPr>
-            <a:spLocks noGrp="1"/>
-          </p:cNvSpPr>
-          <p:nvPr>
-            <p:ph type="title"/>
-          </p:nvPr>
-        </p:nvSpPr>
-        <p:spPr>
-          <a:xfrm>
-            <a:off x="1042988" y="404813"/>
-            <a:ext cx="5616575" cy="576262"/>
-          </a:xfrm>
-        </p:spPr>
-        <p:txBody>
-          <a:bodyPr/>
-          <a:lstStyle/>
-          <a:p>
-            <a:pPr algn="l"/>
-            <a:r>
-              <a:rPr lang="zh-CN" altLang="en-US" sz="2800" b="0" dirty="0">
-                <a:latin typeface="黑体" pitchFamily="49" charset="-122"/>
-                <a:ea typeface="黑体" pitchFamily="49" charset="-122"/>
-              </a:rPr>
-              <a:t>问</a:t>
-            </a:r>
-            <a:r>
-              <a:rPr lang="zh-CN" altLang="en-US" sz="2800" b="0" dirty="0" smtClean="0">
-                <a:latin typeface="黑体" pitchFamily="49" charset="-122"/>
-                <a:ea typeface="黑体" pitchFamily="49" charset="-122"/>
-              </a:rPr>
-              <a:t>题描述</a:t>
-            </a:r>
-            <a:endParaRPr lang="zh-CN" altLang="en-US" sz="2800" b="0" dirty="0">
-              <a:latin typeface="黑体" pitchFamily="49" charset="-122"/>
-              <a:ea typeface="黑体" pitchFamily="49" charset="-122"/>
-            </a:endParaRPr>
-          </a:p>
-        </p:txBody>
-      </p:sp>
-    </p:spTree>
-    <p:extLst>
-      <p:ext uri="{BB962C8B-B14F-4D97-AF65-F5344CB8AC3E}">
-        <p14:creationId xmlns:p14="http://schemas.microsoft.com/office/powerpoint/2010/main" val="3012578148"/>
-      </p:ext>
-    </p:extLst>
-  </p:cSld>
-  <p:clrMapOvr>
-    <a:masterClrMapping/>
-  </p:clrMapOvr>
-  <p:timing>
-    <p:tnLst>
-      <p:par>
-        <p:cTn id="1" dur="indefinite" restart="never" nodeType="tmRoot"/>
-      </p:par>
-    </p:tnLst>
-  </p:timing>
-</p:sld>
-</file>
-
-<file path=ppt/slides/slide2.xml><?xml version="1.0" encoding="utf-8"?>
-<p:sld xmlns:a="http://schemas.openxmlformats.org/drawingml/2006/main" xmlns:r="http://schemas.openxmlformats.org/officeDocument/2006/relationships" xmlns:p="http://schemas.openxmlformats.org/presentationml/2006/main">
-  <p:cSld>
-    <p:spTree>
-      <p:nvGrpSpPr>
-        <p:cNvPr id="1" name=""/>
-        <p:cNvGrpSpPr/>
-        <p:nvPr/>
-      </p:nvGrpSpPr>
-      <p:grpSpPr>
-        <a:xfrm>
-          <a:off x="0" y="0"/>
-          <a:ext cx="0" cy="0"/>
-          <a:chOff x="0" y="0"/>
-          <a:chExt cx="0" cy="0"/>
-        </a:xfrm>
-      </p:grpSpPr>
-      <p:sp>
-        <p:nvSpPr>
-          <p:cNvPr id="2" name="标题 1"/>
-          <p:cNvSpPr>
-            <a:spLocks noGrp="1"/>
-          </p:cNvSpPr>
-          <p:nvPr>
-            <p:ph type="title"/>
-          </p:nvPr>
-        </p:nvSpPr>
-        <p:spPr/>
-        <p:txBody>
-          <a:bodyPr/>
-          <a:lstStyle/>
-          <a:p>
-            <a:pPr algn="l"/>
-            <a:r>
-              <a:rPr lang="zh-CN" altLang="en-US" b="0" dirty="0" smtClean="0">
-                <a:latin typeface="黑体" pitchFamily="49" charset="-122"/>
-                <a:ea typeface="黑体" pitchFamily="49" charset="-122"/>
-              </a:rPr>
-              <a:t>报告提纲</a:t>
-            </a:r>
-            <a:endParaRPr lang="zh-CN" altLang="en-US" b="0" dirty="0">
-              <a:latin typeface="黑体" pitchFamily="49" charset="-122"/>
-              <a:ea typeface="黑体" pitchFamily="49" charset="-122"/>
-            </a:endParaRPr>
-          </a:p>
-        </p:txBody>
-      </p:sp>
-      <p:graphicFrame>
-        <p:nvGraphicFramePr>
-          <p:cNvPr id="4" name="图示 3"/>
-          <p:cNvGraphicFramePr/>
-          <p:nvPr>
-            <p:extLst>
-              <p:ext uri="{D42A27DB-BD31-4B8C-83A1-F6EECF244321}">
-                <p14:modId xmlns:p14="http://schemas.microsoft.com/office/powerpoint/2010/main" val="2087618119"/>
-              </p:ext>
-            </p:extLst>
-          </p:nvPr>
-        </p:nvGraphicFramePr>
-        <p:xfrm>
-          <a:off x="611560" y="1556792"/>
-          <a:ext cx="7488832" cy="3888432"/>
-        </p:xfrm>
-        <a:graphic>
-          <a:graphicData uri="http://schemas.openxmlformats.org/drawingml/2006/diagram">
-            <dgm:relIds xmlns:dgm="http://schemas.openxmlformats.org/drawingml/2006/diagram" xmlns:r="http://schemas.openxmlformats.org/officeDocument/2006/relationships" r:dm="rId3" r:lo="rId4" r:qs="rId5" r:cs="rId6"/>
-          </a:graphicData>
-        </a:graphic>
-      </p:graphicFrame>
-    </p:spTree>
-    <p:extLst>
-      <p:ext uri="{BB962C8B-B14F-4D97-AF65-F5344CB8AC3E}">
-        <p14:creationId xmlns:p14="http://schemas.microsoft.com/office/powerpoint/2010/main" val="1646983693"/>
-      </p:ext>
-    </p:extLst>
-  </p:cSld>
-  <p:clrMapOvr>
-    <a:masterClrMapping/>
-  </p:clrMapOvr>
-  <mc:AlternateContent xmlns:mc="http://schemas.openxmlformats.org/markup-compatibility/2006" xmlns:p14="http://schemas.microsoft.com/office/powerpoint/2010/main">
-    <mc:Choice Requires="p14">
-      <p:transition spd="slow" p14:dur="2000"/>
-    </mc:Choice>
-    <mc:Fallback xmlns="">
-      <p:transition spd="slow"/>
-    </mc:Fallback>
-  </mc:AlternateContent>
-  <p:timing>
-    <p:tnLst>
-      <p:par>
-        <p:cTn id="1" dur="indefinite" restart="never" nodeType="tmRoot"/>
-      </p:par>
-    </p:tnLst>
-  </p:timing>
-</p:sld>
-</file>
-
-<file path=ppt/slides/slide20.xml><?xml version="1.0" encoding="utf-8"?>
+<file path=ppt/slides/slide18.xml><?xml version="1.0" encoding="utf-8"?>
 <p:sld xmlns:a="http://schemas.openxmlformats.org/drawingml/2006/main" xmlns:r="http://schemas.openxmlformats.org/officeDocument/2006/relationships" xmlns:p="http://schemas.openxmlformats.org/presentationml/2006/main">
   <p:cSld>
     <p:spTree>
@@ -33157,7 +32682,7 @@
           <a:p>
             <a:fld id="{ECB25AA1-DAB0-4597-8B8E-0BCD3DF7FBD0}" type="datetime1">
               <a:rPr lang="zh-CN" altLang="en-US" smtClean="0"/>
-              <a:t>2017/5/16</a:t>
+              <a:t>2017/5/17</a:t>
             </a:fld>
             <a:endParaRPr lang="en-US" altLang="zh-CN" dirty="0"/>
           </a:p>
@@ -33181,7 +32706,7 @@
             <a:fld id="{E9453B7F-F822-4520-92F2-0E2B7563B497}" type="slidenum">
               <a:rPr lang="en-US" altLang="zh-CN" smtClean="0"/>
               <a:pPr/>
-              <a:t>20</a:t>
+              <a:t>18</a:t>
             </a:fld>
             <a:endParaRPr lang="en-US" altLang="zh-CN"/>
           </a:p>
@@ -33307,7 +32832,7 @@
           <a:graphicData uri="http://schemas.openxmlformats.org/presentationml/2006/ole">
             <mc:AlternateContent xmlns:mc="http://schemas.openxmlformats.org/markup-compatibility/2006">
               <mc:Choice xmlns:v="urn:schemas-microsoft-com:vml" Requires="v">
-                <p:oleObj spid="_x0000_s4215" name="Visio" r:id="rId4" imgW="4174659" imgH="6226721" progId="Visio.Drawing.11">
+                <p:oleObj spid="_x0000_s4237" name="Visio" r:id="rId4" imgW="4174659" imgH="6226721" progId="Visio.Drawing.11">
                   <p:embed/>
                 </p:oleObj>
               </mc:Choice>
@@ -33497,7 +33022,7 @@
 </p:sld>
 </file>
 
-<file path=ppt/slides/slide21.xml><?xml version="1.0" encoding="utf-8"?>
+<file path=ppt/slides/slide19.xml><?xml version="1.0" encoding="utf-8"?>
 <p:sld xmlns:a="http://schemas.openxmlformats.org/drawingml/2006/main" xmlns:r="http://schemas.openxmlformats.org/officeDocument/2006/relationships" xmlns:p="http://schemas.openxmlformats.org/presentationml/2006/main">
   <p:cSld>
     <p:spTree>
@@ -33531,7 +33056,7 @@
           <a:p>
             <a:fld id="{8B0F75CF-0553-4104-831D-ECC51C6B5C3F}" type="datetime1">
               <a:rPr lang="zh-CN" altLang="en-US" smtClean="0"/>
-              <a:t>2017/5/16</a:t>
+              <a:t>2017/5/17</a:t>
             </a:fld>
             <a:endParaRPr lang="en-US" altLang="zh-CN"/>
           </a:p>
@@ -33555,7 +33080,7 @@
             <a:fld id="{E9453B7F-F822-4520-92F2-0E2B7563B497}" type="slidenum">
               <a:rPr lang="en-US" altLang="zh-CN" smtClean="0"/>
               <a:pPr/>
-              <a:t>21</a:t>
+              <a:t>19</a:t>
             </a:fld>
             <a:endParaRPr lang="en-US" altLang="zh-CN"/>
           </a:p>
@@ -33903,7 +33428,104 @@
 </p:sld>
 </file>
 
-<file path=ppt/slides/slide22.xml><?xml version="1.0" encoding="utf-8"?>
+<file path=ppt/slides/slide2.xml><?xml version="1.0" encoding="utf-8"?>
+<p:sld xmlns:a="http://schemas.openxmlformats.org/drawingml/2006/main" xmlns:r="http://schemas.openxmlformats.org/officeDocument/2006/relationships" xmlns:p="http://schemas.openxmlformats.org/presentationml/2006/main">
+  <p:cSld>
+    <p:spTree>
+      <p:nvGrpSpPr>
+        <p:cNvPr id="1" name=""/>
+        <p:cNvGrpSpPr/>
+        <p:nvPr/>
+      </p:nvGrpSpPr>
+      <p:grpSpPr>
+        <a:xfrm>
+          <a:off x="0" y="0"/>
+          <a:ext cx="0" cy="0"/>
+          <a:chOff x="0" y="0"/>
+          <a:chExt cx="0" cy="0"/>
+        </a:xfrm>
+      </p:grpSpPr>
+      <p:sp>
+        <p:nvSpPr>
+          <p:cNvPr id="2" name="标题 1"/>
+          <p:cNvSpPr>
+            <a:spLocks noGrp="1"/>
+          </p:cNvSpPr>
+          <p:nvPr>
+            <p:ph type="title"/>
+          </p:nvPr>
+        </p:nvSpPr>
+        <p:spPr/>
+        <p:txBody>
+          <a:bodyPr/>
+          <a:lstStyle/>
+          <a:p>
+            <a:pPr algn="l"/>
+            <a:r>
+              <a:rPr lang="zh-CN" altLang="en-US" b="0" dirty="0" smtClean="0">
+                <a:latin typeface="黑体" pitchFamily="49" charset="-122"/>
+                <a:ea typeface="黑体" pitchFamily="49" charset="-122"/>
+              </a:rPr>
+              <a:t>报告提纲</a:t>
+            </a:r>
+            <a:endParaRPr lang="zh-CN" altLang="en-US" b="0" dirty="0">
+              <a:latin typeface="黑体" pitchFamily="49" charset="-122"/>
+              <a:ea typeface="黑体" pitchFamily="49" charset="-122"/>
+            </a:endParaRPr>
+          </a:p>
+        </p:txBody>
+      </p:sp>
+      <p:graphicFrame>
+        <p:nvGraphicFramePr>
+          <p:cNvPr id="4" name="图示 3"/>
+          <p:cNvGraphicFramePr/>
+          <p:nvPr>
+            <p:extLst>
+              <p:ext uri="{D42A27DB-BD31-4B8C-83A1-F6EECF244321}">
+                <p14:modId xmlns:p14="http://schemas.microsoft.com/office/powerpoint/2010/main" val="2087618119"/>
+              </p:ext>
+            </p:extLst>
+          </p:nvPr>
+        </p:nvGraphicFramePr>
+        <p:xfrm>
+          <a:off x="611560" y="1556792"/>
+          <a:ext cx="7488832" cy="3888432"/>
+        </p:xfrm>
+        <a:graphic>
+          <a:graphicData uri="http://schemas.openxmlformats.org/drawingml/2006/diagram">
+            <dgm:relIds xmlns:dgm="http://schemas.openxmlformats.org/drawingml/2006/diagram" xmlns:r="http://schemas.openxmlformats.org/officeDocument/2006/relationships" r:dm="rId3" r:lo="rId4" r:qs="rId5" r:cs="rId6"/>
+          </a:graphicData>
+        </a:graphic>
+      </p:graphicFrame>
+    </p:spTree>
+    <p:extLst>
+      <p:ext uri="{BB962C8B-B14F-4D97-AF65-F5344CB8AC3E}">
+        <p14:creationId xmlns:p14="http://schemas.microsoft.com/office/powerpoint/2010/main" val="1646983693"/>
+      </p:ext>
+    </p:extLst>
+  </p:cSld>
+  <p:clrMapOvr>
+    <a:masterClrMapping/>
+  </p:clrMapOvr>
+  <mc:AlternateContent xmlns:mc="http://schemas.openxmlformats.org/markup-compatibility/2006" xmlns:p14="http://schemas.microsoft.com/office/powerpoint/2010/main">
+    <mc:Choice Requires="p14">
+      <p:transition spd="slow" p14:dur="2000"/>
+    </mc:Choice>
+    <mc:Fallback xmlns="">
+      <p:transition spd="slow"/>
+    </mc:Fallback>
+  </mc:AlternateContent>
+  <p:timing>
+    <p:tnLst>
+      <p:par>
+        <p:cTn id="1" dur="indefinite" restart="never" nodeType="tmRoot"/>
+      </p:par>
+    </p:tnLst>
+  </p:timing>
+</p:sld>
+</file>
+
+<file path=ppt/slides/slide20.xml><?xml version="1.0" encoding="utf-8"?>
 <p:sld xmlns:a="http://schemas.openxmlformats.org/drawingml/2006/main" xmlns:r="http://schemas.openxmlformats.org/officeDocument/2006/relationships" xmlns:p="http://schemas.openxmlformats.org/presentationml/2006/main">
   <p:cSld>
     <p:spTree>
@@ -33937,7 +33559,7 @@
           <a:p>
             <a:fld id="{8B0F75CF-0553-4104-831D-ECC51C6B5C3F}" type="datetime1">
               <a:rPr lang="zh-CN" altLang="en-US" smtClean="0"/>
-              <a:t>2017/5/16</a:t>
+              <a:t>2017/5/17</a:t>
             </a:fld>
             <a:endParaRPr lang="en-US" altLang="zh-CN"/>
           </a:p>
@@ -33961,7 +33583,7 @@
             <a:fld id="{E9453B7F-F822-4520-92F2-0E2B7563B497}" type="slidenum">
               <a:rPr lang="en-US" altLang="zh-CN" smtClean="0"/>
               <a:pPr/>
-              <a:t>22</a:t>
+              <a:t>20</a:t>
             </a:fld>
             <a:endParaRPr lang="en-US" altLang="zh-CN"/>
           </a:p>
@@ -34030,14 +33652,14 @@
                 <a:gridCol w="2329948">
                   <a:extLst>
                     <a:ext uri="{9D8B030D-6E8A-4147-A177-3AD203B41FA5}">
-                      <a16:colId xmlns:a16="http://schemas.microsoft.com/office/drawing/2014/main" val="20000"/>
+                      <a16:colId xmlns:a16="http://schemas.microsoft.com/office/drawing/2014/main" xmlns="" val="20000"/>
                     </a:ext>
                   </a:extLst>
                 </a:gridCol>
                 <a:gridCol w="4779740">
                   <a:extLst>
                     <a:ext uri="{9D8B030D-6E8A-4147-A177-3AD203B41FA5}">
-                      <a16:colId xmlns:a16="http://schemas.microsoft.com/office/drawing/2014/main" val="20001"/>
+                      <a16:colId xmlns:a16="http://schemas.microsoft.com/office/drawing/2014/main" xmlns="" val="20001"/>
                     </a:ext>
                   </a:extLst>
                 </a:gridCol>
@@ -34107,7 +33729,7 @@
                 </a:tc>
                 <a:extLst>
                   <a:ext uri="{0D108BD9-81ED-4DB2-BD59-A6C34878D82A}">
-                    <a16:rowId xmlns:a16="http://schemas.microsoft.com/office/drawing/2014/main" val="10000"/>
+                    <a16:rowId xmlns:a16="http://schemas.microsoft.com/office/drawing/2014/main" xmlns="" val="10000"/>
                   </a:ext>
                 </a:extLst>
               </a:tr>
@@ -34182,7 +33804,7 @@
                 </a:tc>
                 <a:extLst>
                   <a:ext uri="{0D108BD9-81ED-4DB2-BD59-A6C34878D82A}">
-                    <a16:rowId xmlns:a16="http://schemas.microsoft.com/office/drawing/2014/main" val="10001"/>
+                    <a16:rowId xmlns:a16="http://schemas.microsoft.com/office/drawing/2014/main" xmlns="" val="10001"/>
                   </a:ext>
                 </a:extLst>
               </a:tr>
@@ -34257,7 +33879,7 @@
                 </a:tc>
                 <a:extLst>
                   <a:ext uri="{0D108BD9-81ED-4DB2-BD59-A6C34878D82A}">
-                    <a16:rowId xmlns:a16="http://schemas.microsoft.com/office/drawing/2014/main" val="10002"/>
+                    <a16:rowId xmlns:a16="http://schemas.microsoft.com/office/drawing/2014/main" xmlns="" val="10002"/>
                   </a:ext>
                 </a:extLst>
               </a:tr>
@@ -34332,7 +33954,7 @@
                 </a:tc>
                 <a:extLst>
                   <a:ext uri="{0D108BD9-81ED-4DB2-BD59-A6C34878D82A}">
-                    <a16:rowId xmlns:a16="http://schemas.microsoft.com/office/drawing/2014/main" val="10003"/>
+                    <a16:rowId xmlns:a16="http://schemas.microsoft.com/office/drawing/2014/main" xmlns="" val="10003"/>
                   </a:ext>
                 </a:extLst>
               </a:tr>
@@ -34407,7 +34029,7 @@
                 </a:tc>
                 <a:extLst>
                   <a:ext uri="{0D108BD9-81ED-4DB2-BD59-A6C34878D82A}">
-                    <a16:rowId xmlns:a16="http://schemas.microsoft.com/office/drawing/2014/main" val="10004"/>
+                    <a16:rowId xmlns:a16="http://schemas.microsoft.com/office/drawing/2014/main" xmlns="" val="10004"/>
                   </a:ext>
                 </a:extLst>
               </a:tr>
@@ -34476,7 +34098,7 @@
                 </a:tc>
                 <a:extLst>
                   <a:ext uri="{0D108BD9-81ED-4DB2-BD59-A6C34878D82A}">
-                    <a16:rowId xmlns:a16="http://schemas.microsoft.com/office/drawing/2014/main" val="10005"/>
+                    <a16:rowId xmlns:a16="http://schemas.microsoft.com/office/drawing/2014/main" xmlns="" val="10005"/>
                   </a:ext>
                 </a:extLst>
               </a:tr>
@@ -34772,7 +34394,7 @@
 </p:sld>
 </file>
 
-<file path=ppt/slides/slide23.xml><?xml version="1.0" encoding="utf-8"?>
+<file path=ppt/slides/slide21.xml><?xml version="1.0" encoding="utf-8"?>
 <p:sld xmlns:a="http://schemas.openxmlformats.org/drawingml/2006/main" xmlns:r="http://schemas.openxmlformats.org/officeDocument/2006/relationships" xmlns:p="http://schemas.openxmlformats.org/presentationml/2006/main">
   <p:cSld>
     <p:spTree>
@@ -34806,7 +34428,7 @@
           <a:p>
             <a:fld id="{8B0F75CF-0553-4104-831D-ECC51C6B5C3F}" type="datetime1">
               <a:rPr lang="zh-CN" altLang="en-US" smtClean="0"/>
-              <a:t>2017/5/16</a:t>
+              <a:t>2017/5/17</a:t>
             </a:fld>
             <a:endParaRPr lang="en-US" altLang="zh-CN"/>
           </a:p>
@@ -34830,7 +34452,7 @@
             <a:fld id="{E9453B7F-F822-4520-92F2-0E2B7563B497}" type="slidenum">
               <a:rPr lang="en-US" altLang="zh-CN" smtClean="0"/>
               <a:pPr/>
-              <a:t>23</a:t>
+              <a:t>21</a:t>
             </a:fld>
             <a:endParaRPr lang="en-US" altLang="zh-CN"/>
           </a:p>
@@ -34899,14 +34521,14 @@
                 <a:gridCol w="1914192">
                   <a:extLst>
                     <a:ext uri="{9D8B030D-6E8A-4147-A177-3AD203B41FA5}">
-                      <a16:colId xmlns:a16="http://schemas.microsoft.com/office/drawing/2014/main" val="20000"/>
+                      <a16:colId xmlns:a16="http://schemas.microsoft.com/office/drawing/2014/main" xmlns="" val="20000"/>
                     </a:ext>
                   </a:extLst>
                 </a:gridCol>
                 <a:gridCol w="1686208">
                   <a:extLst>
                     <a:ext uri="{9D8B030D-6E8A-4147-A177-3AD203B41FA5}">
-                      <a16:colId xmlns:a16="http://schemas.microsoft.com/office/drawing/2014/main" val="20001"/>
+                      <a16:colId xmlns:a16="http://schemas.microsoft.com/office/drawing/2014/main" xmlns="" val="20001"/>
                     </a:ext>
                   </a:extLst>
                 </a:gridCol>
@@ -34976,7 +34598,7 @@
                 </a:tc>
                 <a:extLst>
                   <a:ext uri="{0D108BD9-81ED-4DB2-BD59-A6C34878D82A}">
-                    <a16:rowId xmlns:a16="http://schemas.microsoft.com/office/drawing/2014/main" val="10000"/>
+                    <a16:rowId xmlns:a16="http://schemas.microsoft.com/office/drawing/2014/main" xmlns="" val="10000"/>
                   </a:ext>
                 </a:extLst>
               </a:tr>
@@ -35051,7 +34673,7 @@
                 </a:tc>
                 <a:extLst>
                   <a:ext uri="{0D108BD9-81ED-4DB2-BD59-A6C34878D82A}">
-                    <a16:rowId xmlns:a16="http://schemas.microsoft.com/office/drawing/2014/main" val="10001"/>
+                    <a16:rowId xmlns:a16="http://schemas.microsoft.com/office/drawing/2014/main" xmlns="" val="10001"/>
                   </a:ext>
                 </a:extLst>
               </a:tr>
@@ -35126,7 +34748,7 @@
                 </a:tc>
                 <a:extLst>
                   <a:ext uri="{0D108BD9-81ED-4DB2-BD59-A6C34878D82A}">
-                    <a16:rowId xmlns:a16="http://schemas.microsoft.com/office/drawing/2014/main" val="10002"/>
+                    <a16:rowId xmlns:a16="http://schemas.microsoft.com/office/drawing/2014/main" xmlns="" val="10002"/>
                   </a:ext>
                 </a:extLst>
               </a:tr>
@@ -35201,7 +34823,7 @@
                 </a:tc>
                 <a:extLst>
                   <a:ext uri="{0D108BD9-81ED-4DB2-BD59-A6C34878D82A}">
-                    <a16:rowId xmlns:a16="http://schemas.microsoft.com/office/drawing/2014/main" val="10003"/>
+                    <a16:rowId xmlns:a16="http://schemas.microsoft.com/office/drawing/2014/main" xmlns="" val="10003"/>
                   </a:ext>
                 </a:extLst>
               </a:tr>
@@ -35276,7 +34898,7 @@
                 </a:tc>
                 <a:extLst>
                   <a:ext uri="{0D108BD9-81ED-4DB2-BD59-A6C34878D82A}">
-                    <a16:rowId xmlns:a16="http://schemas.microsoft.com/office/drawing/2014/main" val="10004"/>
+                    <a16:rowId xmlns:a16="http://schemas.microsoft.com/office/drawing/2014/main" xmlns="" val="10004"/>
                   </a:ext>
                 </a:extLst>
               </a:tr>
@@ -35351,7 +34973,7 @@
                 </a:tc>
                 <a:extLst>
                   <a:ext uri="{0D108BD9-81ED-4DB2-BD59-A6C34878D82A}">
-                    <a16:rowId xmlns:a16="http://schemas.microsoft.com/office/drawing/2014/main" val="10005"/>
+                    <a16:rowId xmlns:a16="http://schemas.microsoft.com/office/drawing/2014/main" xmlns="" val="10005"/>
                   </a:ext>
                 </a:extLst>
               </a:tr>
@@ -35420,7 +35042,7 @@
                 </a:tc>
                 <a:extLst>
                   <a:ext uri="{0D108BD9-81ED-4DB2-BD59-A6C34878D82A}">
-                    <a16:rowId xmlns:a16="http://schemas.microsoft.com/office/drawing/2014/main" val="10006"/>
+                    <a16:rowId xmlns:a16="http://schemas.microsoft.com/office/drawing/2014/main" xmlns="" val="10006"/>
                   </a:ext>
                 </a:extLst>
               </a:tr>
@@ -35489,7 +35111,7 @@
                 </a:tc>
                 <a:extLst>
                   <a:ext uri="{0D108BD9-81ED-4DB2-BD59-A6C34878D82A}">
-                    <a16:rowId xmlns:a16="http://schemas.microsoft.com/office/drawing/2014/main" val="10007"/>
+                    <a16:rowId xmlns:a16="http://schemas.microsoft.com/office/drawing/2014/main" xmlns="" val="10007"/>
                   </a:ext>
                 </a:extLst>
               </a:tr>
@@ -35517,7 +35139,7 @@
 </p:sld>
 </file>
 
-<file path=ppt/slides/slide24.xml><?xml version="1.0" encoding="utf-8"?>
+<file path=ppt/slides/slide22.xml><?xml version="1.0" encoding="utf-8"?>
 <p:sld xmlns:a="http://schemas.openxmlformats.org/drawingml/2006/main" xmlns:r="http://schemas.openxmlformats.org/officeDocument/2006/relationships" xmlns:p="http://schemas.openxmlformats.org/presentationml/2006/main">
   <p:cSld>
     <p:spTree>
@@ -35678,7 +35300,7 @@
           <a:p>
             <a:fld id="{ECB25AA1-DAB0-4597-8B8E-0BCD3DF7FBD0}" type="datetime1">
               <a:rPr lang="zh-CN" altLang="en-US" smtClean="0"/>
-              <a:t>2017/5/16</a:t>
+              <a:t>2017/5/17</a:t>
             </a:fld>
             <a:endParaRPr lang="en-US" altLang="zh-CN" dirty="0"/>
           </a:p>
@@ -35702,7 +35324,7 @@
             <a:fld id="{E9453B7F-F822-4520-92F2-0E2B7563B497}" type="slidenum">
               <a:rPr lang="en-US" altLang="zh-CN" smtClean="0"/>
               <a:pPr/>
-              <a:t>24</a:t>
+              <a:t>22</a:t>
             </a:fld>
             <a:endParaRPr lang="en-US" altLang="zh-CN"/>
           </a:p>
@@ -36091,8 +35713,8 @@
           </a:p>
         </p:txBody>
       </p:sp>
-      <mc:AlternateContent xmlns:mc="http://schemas.openxmlformats.org/markup-compatibility/2006">
-        <mc:Choice xmlns:a14="http://schemas.microsoft.com/office/drawing/2010/main" Requires="a14">
+      <mc:AlternateContent xmlns:mc="http://schemas.openxmlformats.org/markup-compatibility/2006" xmlns:a14="http://schemas.microsoft.com/office/drawing/2010/main">
+        <mc:Choice Requires="a14">
           <p:sp>
             <p:nvSpPr>
               <p:cNvPr id="8" name="内容占位符 2"/>
@@ -36481,7 +36103,7 @@
             </p:txBody>
           </p:sp>
         </mc:Choice>
-        <mc:Fallback>
+        <mc:Fallback xmlns="">
           <p:sp>
             <p:nvSpPr>
               <p:cNvPr id="8" name="内容占位符 2"/>
@@ -36580,7 +36202,7 @@
 </p:sld>
 </file>
 
-<file path=ppt/slides/slide25.xml><?xml version="1.0" encoding="utf-8"?>
+<file path=ppt/slides/slide23.xml><?xml version="1.0" encoding="utf-8"?>
 <p:sld xmlns:a="http://schemas.openxmlformats.org/drawingml/2006/main" xmlns:r="http://schemas.openxmlformats.org/officeDocument/2006/relationships" xmlns:p="http://schemas.openxmlformats.org/presentationml/2006/main">
   <p:cSld>
     <p:spTree>
@@ -36663,7 +36285,7 @@
           <a:p>
             <a:fld id="{ECB25AA1-DAB0-4597-8B8E-0BCD3DF7FBD0}" type="datetime1">
               <a:rPr lang="zh-CN" altLang="en-US" smtClean="0"/>
-              <a:t>2017/5/16</a:t>
+              <a:t>2017/5/17</a:t>
             </a:fld>
             <a:endParaRPr lang="en-US" altLang="zh-CN" dirty="0"/>
           </a:p>
@@ -36687,7 +36309,7 @@
             <a:fld id="{E9453B7F-F822-4520-92F2-0E2B7563B497}" type="slidenum">
               <a:rPr lang="en-US" altLang="zh-CN" smtClean="0"/>
               <a:pPr/>
-              <a:t>25</a:t>
+              <a:t>23</a:t>
             </a:fld>
             <a:endParaRPr lang="en-US" altLang="zh-CN"/>
           </a:p>
@@ -36787,7 +36409,7 @@
 </p:sld>
 </file>
 
-<file path=ppt/slides/slide26.xml><?xml version="1.0" encoding="utf-8"?>
+<file path=ppt/slides/slide24.xml><?xml version="1.0" encoding="utf-8"?>
 <p:sld xmlns:a="http://schemas.openxmlformats.org/drawingml/2006/main" xmlns:r="http://schemas.openxmlformats.org/officeDocument/2006/relationships" xmlns:p="http://schemas.openxmlformats.org/presentationml/2006/main">
   <p:cSld>
     <p:spTree>
@@ -36876,7 +36498,7 @@
 </p:sld>
 </file>
 
-<file path=ppt/slides/slide27.xml><?xml version="1.0" encoding="utf-8"?>
+<file path=ppt/slides/slide25.xml><?xml version="1.0" encoding="utf-8"?>
 <p:sld xmlns:a="http://schemas.openxmlformats.org/drawingml/2006/main" xmlns:r="http://schemas.openxmlformats.org/officeDocument/2006/relationships" xmlns:p="http://schemas.openxmlformats.org/presentationml/2006/main">
   <p:cSld>
     <p:spTree>
@@ -37098,7 +36720,7 @@
           <a:p>
             <a:fld id="{ECB25AA1-DAB0-4597-8B8E-0BCD3DF7FBD0}" type="datetime1">
               <a:rPr lang="zh-CN" altLang="en-US" smtClean="0"/>
-              <a:t>2017/5/16</a:t>
+              <a:t>2017/5/17</a:t>
             </a:fld>
             <a:endParaRPr lang="en-US" altLang="zh-CN" dirty="0"/>
           </a:p>
@@ -37122,7 +36744,7 @@
             <a:fld id="{E9453B7F-F822-4520-92F2-0E2B7563B497}" type="slidenum">
               <a:rPr lang="en-US" altLang="zh-CN" smtClean="0"/>
               <a:pPr/>
-              <a:t>27</a:t>
+              <a:t>25</a:t>
             </a:fld>
             <a:endParaRPr lang="en-US" altLang="zh-CN"/>
           </a:p>
@@ -37191,7 +36813,7 @@
 </p:sld>
 </file>
 
-<file path=ppt/slides/slide28.xml><?xml version="1.0" encoding="utf-8"?>
+<file path=ppt/slides/slide26.xml><?xml version="1.0" encoding="utf-8"?>
 <p:sld xmlns:a="http://schemas.openxmlformats.org/drawingml/2006/main" xmlns:r="http://schemas.openxmlformats.org/officeDocument/2006/relationships" xmlns:p="http://schemas.openxmlformats.org/presentationml/2006/main">
   <p:cSld>
     <p:spTree>
@@ -37315,7 +36937,7 @@
           <a:p>
             <a:fld id="{ECB25AA1-DAB0-4597-8B8E-0BCD3DF7FBD0}" type="datetime1">
               <a:rPr lang="zh-CN" altLang="en-US" smtClean="0"/>
-              <a:t>2017/5/16</a:t>
+              <a:t>2017/5/17</a:t>
             </a:fld>
             <a:endParaRPr lang="en-US" altLang="zh-CN" dirty="0"/>
           </a:p>
@@ -37339,7 +36961,7 @@
             <a:fld id="{E9453B7F-F822-4520-92F2-0E2B7563B497}" type="slidenum">
               <a:rPr lang="en-US" altLang="zh-CN" smtClean="0"/>
               <a:pPr/>
-              <a:t>28</a:t>
+              <a:t>26</a:t>
             </a:fld>
             <a:endParaRPr lang="en-US" altLang="zh-CN"/>
           </a:p>
@@ -37408,7 +37030,7 @@
 </p:sld>
 </file>
 
-<file path=ppt/slides/slide29.xml><?xml version="1.0" encoding="utf-8"?>
+<file path=ppt/slides/slide27.xml><?xml version="1.0" encoding="utf-8"?>
 <p:sld xmlns:a="http://schemas.openxmlformats.org/drawingml/2006/main" xmlns:r="http://schemas.openxmlformats.org/officeDocument/2006/relationships" xmlns:p="http://schemas.openxmlformats.org/presentationml/2006/main">
   <p:cSld>
     <p:spTree>
@@ -37754,7 +37376,14 @@
                 <a:latin typeface="楷体" panose="02010609060101010101" pitchFamily="49" charset="-122"/>
                 <a:ea typeface="楷体" panose="02010609060101010101" pitchFamily="49" charset="-122"/>
               </a:rPr>
-              <a:t>重庆市交委资助：重庆市交委企业互联网征信项目</a:t>
+              <a:t>重庆市交委资助：重庆市交委企业互联网征信项</a:t>
+            </a:r>
+            <a:r>
+              <a:rPr lang="zh-CN" altLang="en-US" sz="1600" dirty="0" smtClean="0">
+                <a:latin typeface="楷体" panose="02010609060101010101" pitchFamily="49" charset="-122"/>
+                <a:ea typeface="楷体" panose="02010609060101010101" pitchFamily="49" charset="-122"/>
+              </a:rPr>
+              <a:t>目；</a:t>
             </a:r>
             <a:endParaRPr lang="zh-CN" altLang="zh-CN" sz="1600" dirty="0">
               <a:latin typeface="楷体" panose="02010609060101010101" pitchFamily="49" charset="-122"/>
@@ -37767,6 +37396,104 @@
     <p:extLst>
       <p:ext uri="{BB962C8B-B14F-4D97-AF65-F5344CB8AC3E}">
         <p14:creationId xmlns:p14="http://schemas.microsoft.com/office/powerpoint/2010/main" val="1666421868"/>
+      </p:ext>
+    </p:extLst>
+  </p:cSld>
+  <p:clrMapOvr>
+    <a:masterClrMapping/>
+  </p:clrMapOvr>
+  <p:timing>
+    <p:tnLst>
+      <p:par>
+        <p:cTn id="1" dur="indefinite" restart="never" nodeType="tmRoot"/>
+      </p:par>
+    </p:tnLst>
+  </p:timing>
+</p:sld>
+</file>
+
+<file path=ppt/slides/slide28.xml><?xml version="1.0" encoding="utf-8"?>
+<p:sld xmlns:a="http://schemas.openxmlformats.org/drawingml/2006/main" xmlns:r="http://schemas.openxmlformats.org/officeDocument/2006/relationships" xmlns:p="http://schemas.openxmlformats.org/presentationml/2006/main">
+  <p:cSld>
+    <p:spTree>
+      <p:nvGrpSpPr>
+        <p:cNvPr id="1" name=""/>
+        <p:cNvGrpSpPr/>
+        <p:nvPr/>
+      </p:nvGrpSpPr>
+      <p:grpSpPr>
+        <a:xfrm>
+          <a:off x="0" y="0"/>
+          <a:ext cx="0" cy="0"/>
+          <a:chOff x="0" y="0"/>
+          <a:chExt cx="0" cy="0"/>
+        </a:xfrm>
+      </p:grpSpPr>
+      <p:sp>
+        <p:nvSpPr>
+          <p:cNvPr id="3" name="内容占位符 2"/>
+          <p:cNvSpPr>
+            <a:spLocks noGrp="1"/>
+          </p:cNvSpPr>
+          <p:nvPr>
+            <p:ph idx="1"/>
+          </p:nvPr>
+        </p:nvSpPr>
+        <p:spPr>
+          <a:xfrm>
+            <a:off x="1763688" y="2708920"/>
+            <a:ext cx="5688632" cy="1584176"/>
+          </a:xfrm>
+        </p:spPr>
+        <p:txBody>
+          <a:bodyPr/>
+          <a:lstStyle/>
+          <a:p>
+            <a:pPr marL="0" indent="0">
+              <a:buNone/>
+            </a:pPr>
+            <a:r>
+              <a:rPr lang="en-US" altLang="zh-CN" sz="4800" dirty="0" smtClean="0"/>
+              <a:t>		</a:t>
+            </a:r>
+            <a:r>
+              <a:rPr lang="zh-CN" altLang="en-US" sz="4800" dirty="0" smtClean="0">
+                <a:latin typeface="黑体" panose="02010609060101010101" pitchFamily="49" charset="-122"/>
+                <a:ea typeface="黑体" panose="02010609060101010101" pitchFamily="49" charset="-122"/>
+              </a:rPr>
+              <a:t>谢谢！</a:t>
+            </a:r>
+            <a:endParaRPr lang="en-US" altLang="zh-CN" sz="4800" dirty="0" smtClean="0">
+              <a:latin typeface="黑体" panose="02010609060101010101" pitchFamily="49" charset="-122"/>
+              <a:ea typeface="黑体" panose="02010609060101010101" pitchFamily="49" charset="-122"/>
+            </a:endParaRPr>
+          </a:p>
+          <a:p>
+            <a:pPr marL="0" indent="0">
+              <a:buNone/>
+            </a:pPr>
+            <a:r>
+              <a:rPr lang="en-US" altLang="zh-CN" dirty="0" smtClean="0"/>
+              <a:t>	</a:t>
+            </a:r>
+            <a:r>
+              <a:rPr lang="zh-CN" altLang="en-US" dirty="0" smtClean="0">
+                <a:latin typeface="黑体" panose="02010609060101010101" pitchFamily="49" charset="-122"/>
+                <a:ea typeface="黑体" panose="02010609060101010101" pitchFamily="49" charset="-122"/>
+              </a:rPr>
+              <a:t>请各位老师同学批评指正！</a:t>
+            </a:r>
+            <a:endParaRPr lang="zh-CN" altLang="en-US" dirty="0">
+              <a:latin typeface="黑体" panose="02010609060101010101" pitchFamily="49" charset="-122"/>
+              <a:ea typeface="黑体" panose="02010609060101010101" pitchFamily="49" charset="-122"/>
+            </a:endParaRPr>
+          </a:p>
+        </p:txBody>
+      </p:sp>
+    </p:spTree>
+    <p:extLst>
+      <p:ext uri="{BB962C8B-B14F-4D97-AF65-F5344CB8AC3E}">
+        <p14:creationId xmlns:p14="http://schemas.microsoft.com/office/powerpoint/2010/main" val="509530251"/>
       </p:ext>
     </p:extLst>
   </p:cSld>
@@ -37880,104 +37607,6 @@
 </p:sld>
 </file>
 
-<file path=ppt/slides/slide30.xml><?xml version="1.0" encoding="utf-8"?>
-<p:sld xmlns:a="http://schemas.openxmlformats.org/drawingml/2006/main" xmlns:r="http://schemas.openxmlformats.org/officeDocument/2006/relationships" xmlns:p="http://schemas.openxmlformats.org/presentationml/2006/main">
-  <p:cSld>
-    <p:spTree>
-      <p:nvGrpSpPr>
-        <p:cNvPr id="1" name=""/>
-        <p:cNvGrpSpPr/>
-        <p:nvPr/>
-      </p:nvGrpSpPr>
-      <p:grpSpPr>
-        <a:xfrm>
-          <a:off x="0" y="0"/>
-          <a:ext cx="0" cy="0"/>
-          <a:chOff x="0" y="0"/>
-          <a:chExt cx="0" cy="0"/>
-        </a:xfrm>
-      </p:grpSpPr>
-      <p:sp>
-        <p:nvSpPr>
-          <p:cNvPr id="3" name="内容占位符 2"/>
-          <p:cNvSpPr>
-            <a:spLocks noGrp="1"/>
-          </p:cNvSpPr>
-          <p:nvPr>
-            <p:ph idx="1"/>
-          </p:nvPr>
-        </p:nvSpPr>
-        <p:spPr>
-          <a:xfrm>
-            <a:off x="1763688" y="2708920"/>
-            <a:ext cx="5688632" cy="1584176"/>
-          </a:xfrm>
-        </p:spPr>
-        <p:txBody>
-          <a:bodyPr/>
-          <a:lstStyle/>
-          <a:p>
-            <a:pPr marL="0" indent="0">
-              <a:buNone/>
-            </a:pPr>
-            <a:r>
-              <a:rPr lang="en-US" altLang="zh-CN" sz="4800" dirty="0" smtClean="0"/>
-              <a:t>		</a:t>
-            </a:r>
-            <a:r>
-              <a:rPr lang="zh-CN" altLang="en-US" sz="4800" dirty="0" smtClean="0">
-                <a:latin typeface="黑体" panose="02010609060101010101" pitchFamily="49" charset="-122"/>
-                <a:ea typeface="黑体" panose="02010609060101010101" pitchFamily="49" charset="-122"/>
-              </a:rPr>
-              <a:t>谢谢！</a:t>
-            </a:r>
-            <a:endParaRPr lang="en-US" altLang="zh-CN" sz="4800" dirty="0" smtClean="0">
-              <a:latin typeface="黑体" panose="02010609060101010101" pitchFamily="49" charset="-122"/>
-              <a:ea typeface="黑体" panose="02010609060101010101" pitchFamily="49" charset="-122"/>
-            </a:endParaRPr>
-          </a:p>
-          <a:p>
-            <a:pPr marL="0" indent="0">
-              <a:buNone/>
-            </a:pPr>
-            <a:r>
-              <a:rPr lang="en-US" altLang="zh-CN" dirty="0" smtClean="0"/>
-              <a:t>	</a:t>
-            </a:r>
-            <a:r>
-              <a:rPr lang="zh-CN" altLang="en-US" dirty="0" smtClean="0">
-                <a:latin typeface="黑体" panose="02010609060101010101" pitchFamily="49" charset="-122"/>
-                <a:ea typeface="黑体" panose="02010609060101010101" pitchFamily="49" charset="-122"/>
-              </a:rPr>
-              <a:t>请各位老师同学批评指正！</a:t>
-            </a:r>
-            <a:endParaRPr lang="zh-CN" altLang="en-US" dirty="0">
-              <a:latin typeface="黑体" panose="02010609060101010101" pitchFamily="49" charset="-122"/>
-              <a:ea typeface="黑体" panose="02010609060101010101" pitchFamily="49" charset="-122"/>
-            </a:endParaRPr>
-          </a:p>
-        </p:txBody>
-      </p:sp>
-    </p:spTree>
-    <p:extLst>
-      <p:ext uri="{BB962C8B-B14F-4D97-AF65-F5344CB8AC3E}">
-        <p14:creationId xmlns:p14="http://schemas.microsoft.com/office/powerpoint/2010/main" val="509530251"/>
-      </p:ext>
-    </p:extLst>
-  </p:cSld>
-  <p:clrMapOvr>
-    <a:masterClrMapping/>
-  </p:clrMapOvr>
-  <p:timing>
-    <p:tnLst>
-      <p:par>
-        <p:cTn id="1" dur="indefinite" restart="never" nodeType="tmRoot"/>
-      </p:par>
-    </p:tnLst>
-  </p:timing>
-</p:sld>
-</file>
-
 <file path=ppt/slides/slide4.xml><?xml version="1.0" encoding="utf-8"?>
 <p:sld xmlns:a="http://schemas.openxmlformats.org/drawingml/2006/main" xmlns:r="http://schemas.openxmlformats.org/officeDocument/2006/relationships" xmlns:p="http://schemas.openxmlformats.org/presentationml/2006/main">
   <p:cSld>
@@ -37997,172 +37626,6 @@
       </p:grpSpPr>
       <p:sp>
         <p:nvSpPr>
-          <p:cNvPr id="3" name="内容占位符 2"/>
-          <p:cNvSpPr>
-            <a:spLocks noGrp="1"/>
-          </p:cNvSpPr>
-          <p:nvPr>
-            <p:ph idx="1"/>
-          </p:nvPr>
-        </p:nvSpPr>
-        <p:spPr>
-          <a:xfrm>
-            <a:off x="576332" y="2084586"/>
-            <a:ext cx="3707636" cy="3096815"/>
-          </a:xfrm>
-        </p:spPr>
-        <p:txBody>
-          <a:bodyPr/>
-          <a:lstStyle/>
-          <a:p>
-            <a:pPr marL="0" indent="0">
-              <a:buNone/>
-            </a:pPr>
-            <a:r>
-              <a:rPr lang="zh-CN" altLang="en-US" sz="3200" dirty="0" smtClean="0">
-                <a:latin typeface="黑体" panose="02010609060101010101" pitchFamily="49" charset="-122"/>
-                <a:ea typeface="黑体" panose="02010609060101010101" pitchFamily="49" charset="-122"/>
-              </a:rPr>
-              <a:t>移动</a:t>
-            </a:r>
-            <a:r>
-              <a:rPr lang="zh-CN" altLang="en-US" sz="2000" dirty="0" smtClean="0"/>
-              <a:t>互联网时代到来</a:t>
-            </a:r>
-            <a:endParaRPr lang="en-US" altLang="zh-CN" sz="2000" dirty="0" smtClean="0"/>
-          </a:p>
-          <a:p>
-            <a:pPr marL="0" indent="0">
-              <a:buNone/>
-            </a:pPr>
-            <a:endParaRPr lang="en-US" altLang="zh-CN" sz="1200" dirty="0" smtClean="0"/>
-          </a:p>
-          <a:p>
-            <a:pPr>
-              <a:lnSpc>
-                <a:spcPct val="150000"/>
-              </a:lnSpc>
-            </a:pPr>
-            <a:r>
-              <a:rPr lang="zh-CN" altLang="en-US" sz="2000" dirty="0" smtClean="0">
-                <a:latin typeface="楷体" panose="02010609060101010101" pitchFamily="49" charset="-122"/>
-                <a:ea typeface="楷体" panose="02010609060101010101" pitchFamily="49" charset="-122"/>
-              </a:rPr>
-              <a:t>信息</a:t>
-            </a:r>
-            <a:r>
-              <a:rPr lang="zh-CN" altLang="en-US" sz="2000" dirty="0">
-                <a:latin typeface="楷体" panose="02010609060101010101" pitchFamily="49" charset="-122"/>
-                <a:ea typeface="楷体" panose="02010609060101010101" pitchFamily="49" charset="-122"/>
-              </a:rPr>
-              <a:t>飞速</a:t>
-            </a:r>
-            <a:r>
-              <a:rPr lang="zh-CN" altLang="en-US" sz="2000" dirty="0" smtClean="0">
-                <a:latin typeface="楷体" panose="02010609060101010101" pitchFamily="49" charset="-122"/>
-                <a:ea typeface="楷体" panose="02010609060101010101" pitchFamily="49" charset="-122"/>
-              </a:rPr>
-              <a:t>增长</a:t>
-            </a:r>
-            <a:endParaRPr lang="en-US" altLang="zh-CN" sz="2000" dirty="0" smtClean="0">
-              <a:latin typeface="楷体" panose="02010609060101010101" pitchFamily="49" charset="-122"/>
-              <a:ea typeface="楷体" panose="02010609060101010101" pitchFamily="49" charset="-122"/>
-            </a:endParaRPr>
-          </a:p>
-          <a:p>
-            <a:pPr>
-              <a:lnSpc>
-                <a:spcPct val="150000"/>
-              </a:lnSpc>
-            </a:pPr>
-            <a:r>
-              <a:rPr lang="zh-CN" altLang="en-US" sz="2000" dirty="0">
-                <a:latin typeface="楷体" panose="02010609060101010101" pitchFamily="49" charset="-122"/>
-                <a:ea typeface="楷体" panose="02010609060101010101" pitchFamily="49" charset="-122"/>
-              </a:rPr>
-              <a:t>海量的互联网数</a:t>
-            </a:r>
-            <a:r>
-              <a:rPr lang="zh-CN" altLang="en-US" sz="2000" dirty="0" smtClean="0">
-                <a:latin typeface="楷体" panose="02010609060101010101" pitchFamily="49" charset="-122"/>
-                <a:ea typeface="楷体" panose="02010609060101010101" pitchFamily="49" charset="-122"/>
-              </a:rPr>
-              <a:t>据</a:t>
-            </a:r>
-            <a:endParaRPr lang="en-US" altLang="zh-CN" sz="2000" dirty="0" smtClean="0">
-              <a:latin typeface="楷体" panose="02010609060101010101" pitchFamily="49" charset="-122"/>
-              <a:ea typeface="楷体" panose="02010609060101010101" pitchFamily="49" charset="-122"/>
-            </a:endParaRPr>
-          </a:p>
-          <a:p>
-            <a:pPr>
-              <a:lnSpc>
-                <a:spcPct val="150000"/>
-              </a:lnSpc>
-            </a:pPr>
-            <a:r>
-              <a:rPr lang="zh-CN" altLang="en-US" sz="2000" dirty="0" smtClean="0">
-                <a:latin typeface="楷体" panose="02010609060101010101" pitchFamily="49" charset="-122"/>
-                <a:ea typeface="楷体" panose="02010609060101010101" pitchFamily="49" charset="-122"/>
-              </a:rPr>
-              <a:t>数据价值密度太低</a:t>
-            </a:r>
-            <a:endParaRPr lang="en-US" altLang="zh-CN" sz="2000" dirty="0" smtClean="0">
-              <a:latin typeface="楷体" panose="02010609060101010101" pitchFamily="49" charset="-122"/>
-              <a:ea typeface="楷体" panose="02010609060101010101" pitchFamily="49" charset="-122"/>
-            </a:endParaRPr>
-          </a:p>
-          <a:p>
-            <a:pPr>
-              <a:lnSpc>
-                <a:spcPct val="150000"/>
-              </a:lnSpc>
-            </a:pPr>
-            <a:r>
-              <a:rPr lang="zh-CN" altLang="en-US" sz="2000" dirty="0">
-                <a:latin typeface="楷体" panose="02010609060101010101" pitchFamily="49" charset="-122"/>
-                <a:ea typeface="楷体" panose="02010609060101010101" pitchFamily="49" charset="-122"/>
-              </a:rPr>
-              <a:t>传</a:t>
-            </a:r>
-            <a:r>
-              <a:rPr lang="zh-CN" altLang="en-US" sz="2000" dirty="0" smtClean="0">
-                <a:latin typeface="楷体" panose="02010609060101010101" pitchFamily="49" charset="-122"/>
-                <a:ea typeface="楷体" panose="02010609060101010101" pitchFamily="49" charset="-122"/>
-              </a:rPr>
-              <a:t>统搜索引擎无法满足需求</a:t>
-            </a:r>
-            <a:endParaRPr lang="en-US" altLang="zh-CN" sz="2000" dirty="0" smtClean="0">
-              <a:latin typeface="楷体" panose="02010609060101010101" pitchFamily="49" charset="-122"/>
-              <a:ea typeface="楷体" panose="02010609060101010101" pitchFamily="49" charset="-122"/>
-            </a:endParaRPr>
-          </a:p>
-          <a:p>
-            <a:pPr>
-              <a:lnSpc>
-                <a:spcPct val="150000"/>
-              </a:lnSpc>
-            </a:pPr>
-            <a:endParaRPr lang="en-US" altLang="zh-CN" sz="2000" dirty="0">
-              <a:latin typeface="楷体" panose="02010609060101010101" pitchFamily="49" charset="-122"/>
-              <a:ea typeface="楷体" panose="02010609060101010101" pitchFamily="49" charset="-122"/>
-            </a:endParaRPr>
-          </a:p>
-          <a:p>
-            <a:pPr>
-              <a:lnSpc>
-                <a:spcPct val="150000"/>
-              </a:lnSpc>
-            </a:pPr>
-            <a:endParaRPr lang="en-US" altLang="zh-CN" sz="2000" dirty="0" smtClean="0">
-              <a:latin typeface="楷体" panose="02010609060101010101" pitchFamily="49" charset="-122"/>
-              <a:ea typeface="楷体" panose="02010609060101010101" pitchFamily="49" charset="-122"/>
-            </a:endParaRPr>
-          </a:p>
-        </p:txBody>
-      </p:sp>
-      <p:sp>
-        <p:nvSpPr>
           <p:cNvPr id="4" name="日期占位符 3"/>
           <p:cNvSpPr>
             <a:spLocks noGrp="1"/>
@@ -38176,11 +37639,11 @@
           <a:bodyPr/>
           <a:lstStyle/>
           <a:p>
-            <a:fld id="{ECB25AA1-DAB0-4597-8B8E-0BCD3DF7FBD0}" type="datetime1">
+            <a:fld id="{8B0F75CF-0553-4104-831D-ECC51C6B5C3F}" type="datetime1">
               <a:rPr lang="zh-CN" altLang="en-US" smtClean="0"/>
-              <a:t>2017/5/16</a:t>
+              <a:t>2017/5/17</a:t>
             </a:fld>
-            <a:endParaRPr lang="en-US" altLang="zh-CN" dirty="0"/>
+            <a:endParaRPr lang="en-US" altLang="zh-CN"/>
           </a:p>
         </p:txBody>
       </p:sp>
@@ -38208,9 +37671,37 @@
           </a:p>
         </p:txBody>
       </p:sp>
+      <p:pic>
+        <p:nvPicPr>
+          <p:cNvPr id="7" name="图片 6"/>
+          <p:cNvPicPr/>
+          <p:nvPr/>
+        </p:nvPicPr>
+        <p:blipFill>
+          <a:blip r:embed="rId3">
+            <a:extLst>
+              <a:ext uri="{28A0092B-C50C-407E-A947-70E740481C1C}">
+                <a14:useLocalDpi xmlns:a14="http://schemas.microsoft.com/office/drawing/2010/main" val="0"/>
+              </a:ext>
+            </a:extLst>
+          </a:blip>
+          <a:stretch>
+            <a:fillRect/>
+          </a:stretch>
+        </p:blipFill>
+        <p:spPr>
+          <a:xfrm>
+            <a:off x="2009122" y="1700808"/>
+            <a:ext cx="7102718" cy="3600400"/>
+          </a:xfrm>
+          <a:prstGeom prst="rect">
+            <a:avLst/>
+          </a:prstGeom>
+        </p:spPr>
+      </p:pic>
       <p:sp>
         <p:nvSpPr>
-          <p:cNvPr id="7" name="标题 1"/>
+          <p:cNvPr id="8" name="标题 1"/>
           <p:cNvSpPr>
             <a:spLocks noGrp="1"/>
           </p:cNvSpPr>
@@ -38250,173 +37741,9 @@
           </a:p>
         </p:txBody>
       </p:sp>
-      <p:pic>
-        <p:nvPicPr>
-          <p:cNvPr id="2" name="图片 1"/>
-          <p:cNvPicPr>
-            <a:picLocks noChangeAspect="1"/>
-          </p:cNvPicPr>
-          <p:nvPr/>
-        </p:nvPicPr>
-        <p:blipFill>
-          <a:blip r:embed="rId3">
-            <a:extLst>
-              <a:ext uri="{28A0092B-C50C-407E-A947-70E740481C1C}">
-                <a14:useLocalDpi xmlns:a14="http://schemas.microsoft.com/office/drawing/2010/main" val="0"/>
-              </a:ext>
-            </a:extLst>
-          </a:blip>
-          <a:stretch>
-            <a:fillRect/>
-          </a:stretch>
-        </p:blipFill>
-        <p:spPr>
-          <a:xfrm>
-            <a:off x="4427984" y="2028626"/>
-            <a:ext cx="4219575" cy="3152775"/>
-          </a:xfrm>
-          <a:prstGeom prst="rect">
-            <a:avLst/>
-          </a:prstGeom>
-        </p:spPr>
-      </p:pic>
-    </p:spTree>
-    <p:extLst>
-      <p:ext uri="{BB962C8B-B14F-4D97-AF65-F5344CB8AC3E}">
-        <p14:creationId xmlns:p14="http://schemas.microsoft.com/office/powerpoint/2010/main" val="2423903137"/>
-      </p:ext>
-    </p:extLst>
-  </p:cSld>
-  <p:clrMapOvr>
-    <a:masterClrMapping/>
-  </p:clrMapOvr>
-  <mc:AlternateContent xmlns:mc="http://schemas.openxmlformats.org/markup-compatibility/2006" xmlns:p14="http://schemas.microsoft.com/office/powerpoint/2010/main">
-    <mc:Choice Requires="p14">
-      <p:transition spd="slow" p14:dur="2000"/>
-    </mc:Choice>
-    <mc:Fallback xmlns="">
-      <p:transition spd="slow"/>
-    </mc:Fallback>
-  </mc:AlternateContent>
-  <p:timing>
-    <p:tnLst>
-      <p:par>
-        <p:cTn id="1" dur="indefinite" restart="never" nodeType="tmRoot"/>
-      </p:par>
-    </p:tnLst>
-  </p:timing>
-</p:sld>
-</file>
-
-<file path=ppt/slides/slide5.xml><?xml version="1.0" encoding="utf-8"?>
-<p:sld xmlns:a="http://schemas.openxmlformats.org/drawingml/2006/main" xmlns:r="http://schemas.openxmlformats.org/officeDocument/2006/relationships" xmlns:p="http://schemas.openxmlformats.org/presentationml/2006/main">
-  <p:cSld>
-    <p:spTree>
-      <p:nvGrpSpPr>
-        <p:cNvPr id="1" name=""/>
-        <p:cNvGrpSpPr/>
-        <p:nvPr/>
-      </p:nvGrpSpPr>
-      <p:grpSpPr>
-        <a:xfrm>
-          <a:off x="0" y="0"/>
-          <a:ext cx="0" cy="0"/>
-          <a:chOff x="0" y="0"/>
-          <a:chExt cx="0" cy="0"/>
-        </a:xfrm>
-      </p:grpSpPr>
       <p:sp>
         <p:nvSpPr>
-          <p:cNvPr id="4" name="日期占位符 3"/>
-          <p:cNvSpPr>
-            <a:spLocks noGrp="1"/>
-          </p:cNvSpPr>
-          <p:nvPr>
-            <p:ph type="dt" sz="half" idx="10"/>
-          </p:nvPr>
-        </p:nvSpPr>
-        <p:spPr/>
-        <p:txBody>
-          <a:bodyPr/>
-          <a:lstStyle/>
-          <a:p>
-            <a:fld id="{8B0F75CF-0553-4104-831D-ECC51C6B5C3F}" type="datetime1">
-              <a:rPr lang="zh-CN" altLang="en-US" smtClean="0"/>
-              <a:t>2017/5/16</a:t>
-            </a:fld>
-            <a:endParaRPr lang="en-US" altLang="zh-CN"/>
-          </a:p>
-        </p:txBody>
-      </p:sp>
-      <p:sp>
-        <p:nvSpPr>
-          <p:cNvPr id="5" name="灯片编号占位符 4"/>
-          <p:cNvSpPr>
-            <a:spLocks noGrp="1"/>
-          </p:cNvSpPr>
-          <p:nvPr>
-            <p:ph type="sldNum" sz="quarter" idx="12"/>
-          </p:nvPr>
-        </p:nvSpPr>
-        <p:spPr/>
-        <p:txBody>
-          <a:bodyPr/>
-          <a:lstStyle/>
-          <a:p>
-            <a:fld id="{E9453B7F-F822-4520-92F2-0E2B7563B497}" type="slidenum">
-              <a:rPr lang="en-US" altLang="zh-CN" smtClean="0"/>
-              <a:pPr/>
-              <a:t>5</a:t>
-            </a:fld>
-            <a:endParaRPr lang="en-US" altLang="zh-CN"/>
-          </a:p>
-        </p:txBody>
-      </p:sp>
-      <p:sp>
-        <p:nvSpPr>
-          <p:cNvPr id="6" name="标题 1"/>
-          <p:cNvSpPr>
-            <a:spLocks noGrp="1"/>
-          </p:cNvSpPr>
-          <p:nvPr>
-            <p:ph type="title"/>
-          </p:nvPr>
-        </p:nvSpPr>
-        <p:spPr>
-          <a:xfrm>
-            <a:off x="1042988" y="404813"/>
-            <a:ext cx="6049292" cy="576262"/>
-          </a:xfrm>
-        </p:spPr>
-        <p:txBody>
-          <a:bodyPr/>
-          <a:lstStyle/>
-          <a:p>
-            <a:pPr algn="l"/>
-            <a:r>
-              <a:rPr lang="zh-CN" altLang="en-US" sz="2800" b="0" dirty="0">
-                <a:latin typeface="黑体" pitchFamily="49" charset="-122"/>
-                <a:ea typeface="黑体" pitchFamily="49" charset="-122"/>
-              </a:rPr>
-              <a:t>问</a:t>
-            </a:r>
-            <a:r>
-              <a:rPr lang="zh-CN" altLang="en-US" sz="2800" b="0" dirty="0" smtClean="0">
-                <a:latin typeface="黑体" pitchFamily="49" charset="-122"/>
-                <a:ea typeface="黑体" pitchFamily="49" charset="-122"/>
-              </a:rPr>
-              <a:t>题描述</a:t>
-            </a:r>
-            <a:endParaRPr lang="zh-CN" altLang="en-US" sz="2800" b="0" dirty="0">
-              <a:latin typeface="黑体" pitchFamily="49" charset="-122"/>
-              <a:ea typeface="黑体" pitchFamily="49" charset="-122"/>
-            </a:endParaRPr>
-          </a:p>
-        </p:txBody>
-      </p:sp>
-      <p:sp>
-        <p:nvSpPr>
-          <p:cNvPr id="7" name="内容占位符 2"/>
+          <p:cNvPr id="9" name="内容占位符 2"/>
           <p:cNvSpPr>
             <a:spLocks noGrp="1"/>
           </p:cNvSpPr>
@@ -38426,89 +37753,145 @@
         </p:nvSpPr>
         <p:spPr>
           <a:xfrm>
-            <a:off x="468313" y="1484313"/>
-            <a:ext cx="8142287" cy="4392612"/>
+            <a:off x="467544" y="2237993"/>
+            <a:ext cx="2880320" cy="3096815"/>
           </a:xfrm>
         </p:spPr>
         <p:txBody>
           <a:bodyPr/>
           <a:lstStyle/>
           <a:p>
+            <a:pPr marL="0" indent="0">
+              <a:buNone/>
+            </a:pPr>
             <a:r>
-              <a:rPr lang="zh-CN" altLang="en-US" sz="1800" dirty="0" smtClean="0">
+              <a:rPr lang="zh-CN" altLang="en-US" sz="3200" dirty="0"/>
+              <a:t>企</a:t>
+            </a:r>
+            <a:r>
+              <a:rPr lang="zh-CN" altLang="en-US" sz="3200" dirty="0" smtClean="0"/>
+              <a:t>业</a:t>
+            </a:r>
+            <a:r>
+              <a:rPr lang="zh-CN" altLang="en-US" sz="2000" dirty="0" smtClean="0"/>
+              <a:t>实体关系</a:t>
+            </a:r>
+            <a:endParaRPr lang="en-US" altLang="zh-CN" sz="1200" dirty="0" smtClean="0"/>
+          </a:p>
+          <a:p>
+            <a:pPr>
+              <a:lnSpc>
+                <a:spcPct val="150000"/>
+              </a:lnSpc>
+            </a:pPr>
+            <a:r>
+              <a:rPr lang="zh-CN" altLang="en-US" sz="2000" dirty="0" smtClean="0">
                 <a:latin typeface="楷体" panose="02010609060101010101" pitchFamily="49" charset="-122"/>
                 <a:ea typeface="楷体" panose="02010609060101010101" pitchFamily="49" charset="-122"/>
               </a:rPr>
-              <a:t>信</a:t>
+              <a:t>竞争</a:t>
             </a:r>
-            <a:r>
-              <a:rPr lang="zh-CN" altLang="en-US" sz="1800" dirty="0">
-                <a:latin typeface="楷体" panose="02010609060101010101" pitchFamily="49" charset="-122"/>
-                <a:ea typeface="楷体" panose="02010609060101010101" pitchFamily="49" charset="-122"/>
-              </a:rPr>
-              <a:t>息抽取任务主要目的是从自然语言文本当中抽取出特定领域的</a:t>
-            </a:r>
-            <a:r>
-              <a:rPr lang="zh-CN" altLang="en-US" sz="1800" dirty="0" smtClean="0">
-                <a:latin typeface="楷体" panose="02010609060101010101" pitchFamily="49" charset="-122"/>
-                <a:ea typeface="楷体" panose="02010609060101010101" pitchFamily="49" charset="-122"/>
-              </a:rPr>
-              <a:t>实体、关系、事件等</a:t>
-            </a:r>
-            <a:r>
-              <a:rPr lang="zh-CN" altLang="en-US" sz="1800" dirty="0">
-                <a:latin typeface="楷体" panose="02010609060101010101" pitchFamily="49" charset="-122"/>
-                <a:ea typeface="楷体" panose="02010609060101010101" pitchFamily="49" charset="-122"/>
-              </a:rPr>
-              <a:t>信息</a:t>
-            </a:r>
-            <a:endParaRPr lang="en-US" altLang="zh-CN" sz="1800" dirty="0" smtClean="0">
+            <a:endParaRPr lang="en-US" altLang="zh-CN" sz="2000" dirty="0" smtClean="0">
               <a:latin typeface="楷体" panose="02010609060101010101" pitchFamily="49" charset="-122"/>
               <a:ea typeface="楷体" panose="02010609060101010101" pitchFamily="49" charset="-122"/>
             </a:endParaRPr>
           </a:p>
           <a:p>
-            <a:endParaRPr lang="zh-CN" altLang="en-US" sz="1800" dirty="0">
+            <a:pPr>
+              <a:lnSpc>
+                <a:spcPct val="150000"/>
+              </a:lnSpc>
+            </a:pPr>
+            <a:r>
+              <a:rPr lang="zh-CN" altLang="en-US" sz="2000" dirty="0">
+                <a:latin typeface="楷体" panose="02010609060101010101" pitchFamily="49" charset="-122"/>
+                <a:ea typeface="楷体" panose="02010609060101010101" pitchFamily="49" charset="-122"/>
+              </a:rPr>
+              <a:t>合</a:t>
+            </a:r>
+            <a:r>
+              <a:rPr lang="zh-CN" altLang="en-US" sz="2000" dirty="0" smtClean="0">
+                <a:latin typeface="楷体" panose="02010609060101010101" pitchFamily="49" charset="-122"/>
+                <a:ea typeface="楷体" panose="02010609060101010101" pitchFamily="49" charset="-122"/>
+              </a:rPr>
+              <a:t>作</a:t>
+            </a:r>
+            <a:endParaRPr lang="en-US" altLang="zh-CN" sz="2000" dirty="0" smtClean="0">
+              <a:latin typeface="楷体" panose="02010609060101010101" pitchFamily="49" charset="-122"/>
+              <a:ea typeface="楷体" panose="02010609060101010101" pitchFamily="49" charset="-122"/>
+            </a:endParaRPr>
+          </a:p>
+          <a:p>
+            <a:pPr>
+              <a:lnSpc>
+                <a:spcPct val="150000"/>
+              </a:lnSpc>
+            </a:pPr>
+            <a:r>
+              <a:rPr lang="zh-CN" altLang="en-US" sz="2000" dirty="0">
+                <a:latin typeface="楷体" panose="02010609060101010101" pitchFamily="49" charset="-122"/>
+                <a:ea typeface="楷体" panose="02010609060101010101" pitchFamily="49" charset="-122"/>
+              </a:rPr>
+              <a:t>收</a:t>
+            </a:r>
+            <a:r>
+              <a:rPr lang="zh-CN" altLang="en-US" sz="2000" dirty="0" smtClean="0">
+                <a:latin typeface="楷体" panose="02010609060101010101" pitchFamily="49" charset="-122"/>
+                <a:ea typeface="楷体" panose="02010609060101010101" pitchFamily="49" charset="-122"/>
+              </a:rPr>
+              <a:t>购</a:t>
+            </a:r>
+            <a:endParaRPr lang="en-US" altLang="zh-CN" sz="2000" dirty="0" smtClean="0">
+              <a:latin typeface="楷体" panose="02010609060101010101" pitchFamily="49" charset="-122"/>
+              <a:ea typeface="楷体" panose="02010609060101010101" pitchFamily="49" charset="-122"/>
+            </a:endParaRPr>
+          </a:p>
+          <a:p>
+            <a:pPr>
+              <a:lnSpc>
+                <a:spcPct val="150000"/>
+              </a:lnSpc>
+            </a:pPr>
+            <a:r>
+              <a:rPr lang="zh-CN" altLang="en-US" sz="2000" dirty="0">
+                <a:latin typeface="楷体" panose="02010609060101010101" pitchFamily="49" charset="-122"/>
+                <a:ea typeface="楷体" panose="02010609060101010101" pitchFamily="49" charset="-122"/>
+              </a:rPr>
+              <a:t>投资</a:t>
+            </a:r>
+            <a:endParaRPr lang="en-US" altLang="zh-CN" sz="2000" dirty="0" smtClean="0">
+              <a:latin typeface="楷体" panose="02010609060101010101" pitchFamily="49" charset="-122"/>
+              <a:ea typeface="楷体" panose="02010609060101010101" pitchFamily="49" charset="-122"/>
+            </a:endParaRPr>
+          </a:p>
+          <a:p>
+            <a:pPr>
+              <a:lnSpc>
+                <a:spcPct val="150000"/>
+              </a:lnSpc>
+            </a:pPr>
+            <a:endParaRPr lang="en-US" altLang="zh-CN" sz="2000" dirty="0">
+              <a:latin typeface="楷体" panose="02010609060101010101" pitchFamily="49" charset="-122"/>
+              <a:ea typeface="楷体" panose="02010609060101010101" pitchFamily="49" charset="-122"/>
+            </a:endParaRPr>
+          </a:p>
+          <a:p>
+            <a:pPr>
+              <a:lnSpc>
+                <a:spcPct val="150000"/>
+              </a:lnSpc>
+            </a:pPr>
+            <a:endParaRPr lang="en-US" altLang="zh-CN" sz="2000" dirty="0" smtClean="0">
               <a:latin typeface="楷体" panose="02010609060101010101" pitchFamily="49" charset="-122"/>
               <a:ea typeface="楷体" panose="02010609060101010101" pitchFamily="49" charset="-122"/>
             </a:endParaRPr>
           </a:p>
         </p:txBody>
       </p:sp>
-      <p:pic>
-        <p:nvPicPr>
-          <p:cNvPr id="8" name="图片 7"/>
-          <p:cNvPicPr>
-            <a:picLocks noChangeAspect="1"/>
-          </p:cNvPicPr>
-          <p:nvPr/>
-        </p:nvPicPr>
-        <p:blipFill>
-          <a:blip r:embed="rId3">
-            <a:extLst>
-              <a:ext uri="{28A0092B-C50C-407E-A947-70E740481C1C}">
-                <a14:useLocalDpi xmlns:a14="http://schemas.microsoft.com/office/drawing/2010/main" val="0"/>
-              </a:ext>
-            </a:extLst>
-          </a:blip>
-          <a:stretch>
-            <a:fillRect/>
-          </a:stretch>
-        </p:blipFill>
-        <p:spPr>
-          <a:xfrm>
-            <a:off x="1258094" y="2280356"/>
-            <a:ext cx="6423050" cy="3596569"/>
-          </a:xfrm>
-          <a:prstGeom prst="rect">
-            <a:avLst/>
-          </a:prstGeom>
-        </p:spPr>
-      </p:pic>
     </p:spTree>
     <p:extLst>
       <p:ext uri="{BB962C8B-B14F-4D97-AF65-F5344CB8AC3E}">
-        <p14:creationId xmlns:p14="http://schemas.microsoft.com/office/powerpoint/2010/main" val="401788949"/>
+        <p14:creationId xmlns:p14="http://schemas.microsoft.com/office/powerpoint/2010/main" val="1369629440"/>
       </p:ext>
     </p:extLst>
   </p:cSld>
@@ -38525,7 +37908,7 @@
 </p:sld>
 </file>
 
-<file path=ppt/slides/slide6.xml><?xml version="1.0" encoding="utf-8"?>
+<file path=ppt/slides/slide5.xml><?xml version="1.0" encoding="utf-8"?>
 <p:sld xmlns:a="http://schemas.openxmlformats.org/drawingml/2006/main" xmlns:r="http://schemas.openxmlformats.org/officeDocument/2006/relationships" xmlns:p="http://schemas.openxmlformats.org/presentationml/2006/main">
   <p:cSld>
     <p:spTree>
@@ -38626,60 +38009,6 @@
           </a:p>
         </p:txBody>
       </p:sp>
-      <p:pic>
-        <p:nvPicPr>
-          <p:cNvPr id="5" name="图片 1"/>
-          <p:cNvPicPr>
-            <a:picLocks noChangeAspect="1"/>
-          </p:cNvPicPr>
-          <p:nvPr/>
-        </p:nvPicPr>
-        <p:blipFill>
-          <a:blip r:embed="rId3">
-            <a:extLst>
-              <a:ext uri="{28A0092B-C50C-407E-A947-70E740481C1C}">
-                <a14:useLocalDpi xmlns:a14="http://schemas.microsoft.com/office/drawing/2010/main" val="0"/>
-              </a:ext>
-            </a:extLst>
-          </a:blip>
-          <a:srcRect/>
-          <a:stretch>
-            <a:fillRect/>
-          </a:stretch>
-        </p:blipFill>
-        <p:spPr bwMode="auto">
-          <a:xfrm>
-            <a:off x="683568" y="2354228"/>
-            <a:ext cx="7629004" cy="3518378"/>
-          </a:xfrm>
-          <a:prstGeom prst="rect">
-            <a:avLst/>
-          </a:prstGeom>
-          <a:noFill/>
-          <a:ln>
-            <a:noFill/>
-          </a:ln>
-          <a:extLst>
-            <a:ext uri="{909E8E84-426E-40DD-AFC4-6F175D3DCCD1}">
-              <a14:hiddenFill xmlns:a14="http://schemas.microsoft.com/office/drawing/2010/main">
-                <a:solidFill>
-                  <a:srgbClr val="FFFFFF"/>
-                </a:solidFill>
-              </a14:hiddenFill>
-            </a:ext>
-            <a:ext uri="{91240B29-F687-4F45-9708-019B960494DF}">
-              <a14:hiddenLine xmlns:a14="http://schemas.microsoft.com/office/drawing/2010/main" w="9525">
-                <a:solidFill>
-                  <a:srgbClr val="000000"/>
-                </a:solidFill>
-                <a:miter lim="800000"/>
-                <a:headEnd/>
-                <a:tailEnd/>
-              </a14:hiddenLine>
-            </a:ext>
-          </a:extLst>
-        </p:spPr>
-      </p:pic>
     </p:spTree>
     <p:extLst>
       <p:ext uri="{BB962C8B-B14F-4D97-AF65-F5344CB8AC3E}">
@@ -38700,7 +38029,7 @@
 </p:sld>
 </file>
 
-<file path=ppt/slides/slide7.xml><?xml version="1.0" encoding="utf-8"?>
+<file path=ppt/slides/slide6.xml><?xml version="1.0" encoding="utf-8"?>
 <p:sld xmlns:a="http://schemas.openxmlformats.org/drawingml/2006/main" xmlns:r="http://schemas.openxmlformats.org/officeDocument/2006/relationships" xmlns:p="http://schemas.openxmlformats.org/presentationml/2006/main">
   <p:cSld>
     <p:spTree>
@@ -38789,7 +38118,7 @@
 </p:sld>
 </file>
 
-<file path=ppt/slides/slide8.xml><?xml version="1.0" encoding="utf-8"?>
+<file path=ppt/slides/slide7.xml><?xml version="1.0" encoding="utf-8"?>
 <p:sld xmlns:a="http://schemas.openxmlformats.org/drawingml/2006/main" xmlns:r="http://schemas.openxmlformats.org/officeDocument/2006/relationships" xmlns:p="http://schemas.openxmlformats.org/presentationml/2006/main">
   <p:cSld>
     <p:spTree>
@@ -38977,7 +38306,7 @@
           <a:p>
             <a:fld id="{ECB25AA1-DAB0-4597-8B8E-0BCD3DF7FBD0}" type="datetime1">
               <a:rPr lang="zh-CN" altLang="en-US" smtClean="0"/>
-              <a:t>2017/5/16</a:t>
+              <a:t>2017/5/17</a:t>
             </a:fld>
             <a:endParaRPr lang="en-US" altLang="zh-CN" dirty="0"/>
           </a:p>
@@ -39001,7 +38330,7 @@
             <a:fld id="{E9453B7F-F822-4520-92F2-0E2B7563B497}" type="slidenum">
               <a:rPr lang="en-US" altLang="zh-CN" smtClean="0"/>
               <a:pPr/>
-              <a:t>8</a:t>
+              <a:t>7</a:t>
             </a:fld>
             <a:endParaRPr lang="en-US" altLang="zh-CN"/>
           </a:p>
@@ -39124,7 +38453,7 @@
 </p:sld>
 </file>
 
-<file path=ppt/slides/slide9.xml><?xml version="1.0" encoding="utf-8"?>
+<file path=ppt/slides/slide8.xml><?xml version="1.0" encoding="utf-8"?>
 <p:sld xmlns:a="http://schemas.openxmlformats.org/drawingml/2006/main" xmlns:r="http://schemas.openxmlformats.org/officeDocument/2006/relationships" xmlns:p="http://schemas.openxmlformats.org/presentationml/2006/main">
   <p:cSld>
     <p:spTree>
@@ -39306,7 +38635,7 @@
           <a:p>
             <a:fld id="{ECB25AA1-DAB0-4597-8B8E-0BCD3DF7FBD0}" type="datetime1">
               <a:rPr lang="zh-CN" altLang="en-US" smtClean="0"/>
-              <a:t>2017/5/16</a:t>
+              <a:t>2017/5/17</a:t>
             </a:fld>
             <a:endParaRPr lang="en-US" altLang="zh-CN" dirty="0"/>
           </a:p>
@@ -39330,7 +38659,7 @@
             <a:fld id="{E9453B7F-F822-4520-92F2-0E2B7563B497}" type="slidenum">
               <a:rPr lang="en-US" altLang="zh-CN" smtClean="0"/>
               <a:pPr/>
-              <a:t>9</a:t>
+              <a:t>8</a:t>
             </a:fld>
             <a:endParaRPr lang="en-US" altLang="zh-CN"/>
           </a:p>
@@ -39443,6 +38772,95 @@
       <p:transition spd="slow"/>
     </mc:Fallback>
   </mc:AlternateContent>
+  <p:timing>
+    <p:tnLst>
+      <p:par>
+        <p:cTn id="1" dur="indefinite" restart="never" nodeType="tmRoot"/>
+      </p:par>
+    </p:tnLst>
+  </p:timing>
+</p:sld>
+</file>
+
+<file path=ppt/slides/slide9.xml><?xml version="1.0" encoding="utf-8"?>
+<p:sld xmlns:a="http://schemas.openxmlformats.org/drawingml/2006/main" xmlns:r="http://schemas.openxmlformats.org/officeDocument/2006/relationships" xmlns:p="http://schemas.openxmlformats.org/presentationml/2006/main">
+  <p:cSld>
+    <p:spTree>
+      <p:nvGrpSpPr>
+        <p:cNvPr id="1" name=""/>
+        <p:cNvGrpSpPr/>
+        <p:nvPr/>
+      </p:nvGrpSpPr>
+      <p:grpSpPr>
+        <a:xfrm>
+          <a:off x="0" y="0"/>
+          <a:ext cx="0" cy="0"/>
+          <a:chOff x="0" y="0"/>
+          <a:chExt cx="0" cy="0"/>
+        </a:xfrm>
+      </p:grpSpPr>
+      <p:sp>
+        <p:nvSpPr>
+          <p:cNvPr id="2" name="标题 1"/>
+          <p:cNvSpPr>
+            <a:spLocks noGrp="1"/>
+          </p:cNvSpPr>
+          <p:nvPr>
+            <p:ph type="title"/>
+          </p:nvPr>
+        </p:nvSpPr>
+        <p:spPr/>
+        <p:txBody>
+          <a:bodyPr/>
+          <a:lstStyle/>
+          <a:p>
+            <a:pPr algn="l"/>
+            <a:r>
+              <a:rPr lang="zh-CN" altLang="en-US" b="0" dirty="0" smtClean="0">
+                <a:latin typeface="黑体" pitchFamily="49" charset="-122"/>
+                <a:ea typeface="黑体" pitchFamily="49" charset="-122"/>
+              </a:rPr>
+              <a:t>报告提纲</a:t>
+            </a:r>
+            <a:endParaRPr lang="zh-CN" altLang="en-US" b="0" dirty="0">
+              <a:latin typeface="黑体" pitchFamily="49" charset="-122"/>
+              <a:ea typeface="黑体" pitchFamily="49" charset="-122"/>
+            </a:endParaRPr>
+          </a:p>
+        </p:txBody>
+      </p:sp>
+      <p:graphicFrame>
+        <p:nvGraphicFramePr>
+          <p:cNvPr id="4" name="图示 3"/>
+          <p:cNvGraphicFramePr/>
+          <p:nvPr>
+            <p:extLst>
+              <p:ext uri="{D42A27DB-BD31-4B8C-83A1-F6EECF244321}">
+                <p14:modId xmlns:p14="http://schemas.microsoft.com/office/powerpoint/2010/main" val="1649880858"/>
+              </p:ext>
+            </p:extLst>
+          </p:nvPr>
+        </p:nvGraphicFramePr>
+        <p:xfrm>
+          <a:off x="611560" y="1556792"/>
+          <a:ext cx="7488832" cy="3888432"/>
+        </p:xfrm>
+        <a:graphic>
+          <a:graphicData uri="http://schemas.openxmlformats.org/drawingml/2006/diagram">
+            <dgm:relIds xmlns:dgm="http://schemas.openxmlformats.org/drawingml/2006/diagram" xmlns:r="http://schemas.openxmlformats.org/officeDocument/2006/relationships" r:dm="rId3" r:lo="rId4" r:qs="rId5" r:cs="rId6"/>
+          </a:graphicData>
+        </a:graphic>
+      </p:graphicFrame>
+    </p:spTree>
+    <p:extLst>
+      <p:ext uri="{BB962C8B-B14F-4D97-AF65-F5344CB8AC3E}">
+        <p14:creationId xmlns:p14="http://schemas.microsoft.com/office/powerpoint/2010/main" val="196551157"/>
+      </p:ext>
+    </p:extLst>
+  </p:cSld>
+  <p:clrMapOvr>
+    <a:masterClrMapping/>
+  </p:clrMapOvr>
   <p:timing>
     <p:tnLst>
       <p:par>

--- a/毕业答辩ppt.pptx
+++ b/毕业答辩ppt.pptx
@@ -201,7 +201,7 @@
 </file>
 
 <file path=ppt/charts/chart1.xml><?xml version="1.0" encoding="utf-8"?>
-<c:chartSpace xmlns:c="http://schemas.openxmlformats.org/drawingml/2006/chart" xmlns:a="http://schemas.openxmlformats.org/drawingml/2006/main" xmlns:r="http://schemas.openxmlformats.org/officeDocument/2006/relationships">
+<c:chartSpace xmlns:c="http://schemas.openxmlformats.org/drawingml/2006/chart" xmlns:a="http://schemas.openxmlformats.org/drawingml/2006/main" xmlns:r="http://schemas.openxmlformats.org/officeDocument/2006/relationships" xmlns:c16r2="http://schemas.microsoft.com/office/drawing/2015/06/chart">
   <c:date1904 val="0"/>
   <c:lang val="zh-CN"/>
   <c:roundedCorners val="0"/>
@@ -298,7 +298,7 @@
             </c:numRef>
           </c:val>
           <c:smooth val="0"/>
-          <c:extLst xmlns:c16r2="http://schemas.microsoft.com/office/drawing/2015/06/chart">
+          <c:extLst>
             <c:ext xmlns:c16="http://schemas.microsoft.com/office/drawing/2014/chart" uri="{C3380CC4-5D6E-409C-BE32-E72D297353CC}">
               <c16:uniqueId val="{00000000-6073-400F-A4B4-019C3DE43BEA}"/>
             </c:ext>
@@ -372,7 +372,7 @@
             </c:numRef>
           </c:val>
           <c:smooth val="0"/>
-          <c:extLst xmlns:c16r2="http://schemas.microsoft.com/office/drawing/2015/06/chart">
+          <c:extLst>
             <c:ext xmlns:c16="http://schemas.microsoft.com/office/drawing/2014/chart" uri="{C3380CC4-5D6E-409C-BE32-E72D297353CC}">
               <c16:uniqueId val="{00000001-6073-400F-A4B4-019C3DE43BEA}"/>
             </c:ext>
@@ -695,7 +695,7 @@
 </file>
 
 <file path=ppt/charts/chart2.xml><?xml version="1.0" encoding="utf-8"?>
-<c:chartSpace xmlns:c="http://schemas.openxmlformats.org/drawingml/2006/chart" xmlns:a="http://schemas.openxmlformats.org/drawingml/2006/main" xmlns:r="http://schemas.openxmlformats.org/officeDocument/2006/relationships">
+<c:chartSpace xmlns:c="http://schemas.openxmlformats.org/drawingml/2006/chart" xmlns:a="http://schemas.openxmlformats.org/drawingml/2006/main" xmlns:r="http://schemas.openxmlformats.org/officeDocument/2006/relationships" xmlns:c16r2="http://schemas.microsoft.com/office/drawing/2015/06/chart">
   <c:date1904 val="0"/>
   <c:lang val="zh-CN"/>
   <c:roundedCorners val="0"/>
@@ -760,7 +760,7 @@
             </c:numRef>
           </c:val>
           <c:smooth val="0"/>
-          <c:extLst xmlns:c16r2="http://schemas.microsoft.com/office/drawing/2015/06/chart">
+          <c:extLst>
             <c:ext xmlns:c16="http://schemas.microsoft.com/office/drawing/2014/chart" uri="{C3380CC4-5D6E-409C-BE32-E72D297353CC}">
               <c16:uniqueId val="{00000000-3AFF-4CC5-97BF-AFED3B374B33}"/>
             </c:ext>
@@ -812,7 +812,7 @@
             </c:numRef>
           </c:val>
           <c:smooth val="0"/>
-          <c:extLst xmlns:c16r2="http://schemas.microsoft.com/office/drawing/2015/06/chart">
+          <c:extLst>
             <c:ext xmlns:c16="http://schemas.microsoft.com/office/drawing/2014/chart" uri="{C3380CC4-5D6E-409C-BE32-E72D297353CC}">
               <c16:uniqueId val="{00000001-3AFF-4CC5-97BF-AFED3B374B33}"/>
             </c:ext>
@@ -20606,19 +20606,7 @@
           <a:p>
             <a:r>
               <a:rPr lang="zh-CN" altLang="en-US" dirty="0" smtClean="0"/>
-              <a:t>各位老师同学大</a:t>
-            </a:r>
-            <a:r>
-              <a:rPr lang="zh-CN" altLang="en-US" dirty="0" smtClean="0"/>
-              <a:t>家上午好</a:t>
-            </a:r>
-            <a:r>
-              <a:rPr lang="zh-CN" altLang="en-US" dirty="0" smtClean="0"/>
-              <a:t>，感谢大家参加我的毕业答辩，我</a:t>
-            </a:r>
-            <a:r>
-              <a:rPr lang="zh-CN" altLang="en-US" dirty="0" smtClean="0"/>
-              <a:t>是答辩人</a:t>
+              <a:t>各位老师同学大家上午好，感谢大家参加我的毕业答辩，我是答辩人</a:t>
             </a:r>
             <a:r>
               <a:rPr lang="zh-CN" altLang="en-US" baseline="0" dirty="0" smtClean="0"/>
@@ -21122,8 +21110,23 @@
             </a:r>
             <a:r>
               <a:rPr lang="zh-CN" altLang="en-US" dirty="0" smtClean="0"/>
-              <a:t>种方法的实际分类效果。</a:t>
+              <a:t>种方法的实际分类效果</a:t>
             </a:r>
+            <a:r>
+              <a:rPr lang="zh-CN" altLang="en-US" dirty="0" smtClean="0"/>
+              <a:t>。</a:t>
+            </a:r>
+            <a:endParaRPr lang="en-US" altLang="zh-CN" dirty="0" smtClean="0"/>
+          </a:p>
+          <a:p>
+            <a:endParaRPr lang="en-US" altLang="zh-CN" dirty="0" smtClean="0"/>
+          </a:p>
+          <a:p>
+            <a:r>
+              <a:rPr lang="zh-CN" altLang="en-US" dirty="0" smtClean="0"/>
+              <a:t>每类关系下的数据都以标签的形式将实体的位置标记了出来。</a:t>
+            </a:r>
+            <a:endParaRPr lang="zh-CN" altLang="en-US" dirty="0" smtClean="0"/>
           </a:p>
         </p:txBody>
       </p:sp>
@@ -22723,7 +22726,15 @@
             </a:pPr>
             <a:r>
               <a:rPr lang="zh-CN" altLang="en-US" dirty="0" smtClean="0"/>
-              <a:t>互联网上每天都会更新产生大量的新闻信息，这其中包含一些企业相关的新闻报导，例如企业之间收购、合作、竞争案例等。这些存在于网页中的新闻文本包含了企业实体之间的各种关系，这种关系信息可以作为一种舆情信息对于企业战略制定、投资方向决策以及银行对企业的信贷风险分析等具有重要参考价值。</a:t>
+              <a:t>互联网上每天都会更新产生大量的新闻信息，这其中包含一些企业相关的新闻报导，例如企业之间收购、合作、竞争案例等。</a:t>
+            </a:r>
+            <a:r>
+              <a:rPr lang="zh-CN" altLang="en-US" dirty="0" smtClean="0"/>
+              <a:t>这些案例可以看成是企业之间存在的各种关系</a:t>
+            </a:r>
+            <a:r>
+              <a:rPr lang="zh-CN" altLang="en-US" dirty="0" smtClean="0"/>
+              <a:t>，这种关系信息可以作为一种舆情信息对于企业战略制定、投资方向决策以及银行对企业的信贷风险分析等具有重要参考价值。</a:t>
             </a:r>
           </a:p>
           <a:p>
@@ -22814,7 +22825,11 @@
           <a:p>
             <a:r>
               <a:rPr lang="zh-CN" altLang="en-US" dirty="0" smtClean="0"/>
-              <a:t>实体关系抽取作为信息抽取的一项重要子任务，主要目的是识别非结构化文本中出现的命名实体并确定实体间的语义关系。这里的实体一般包括人命、地名、组织机构名。</a:t>
+              <a:t>实体关系抽取作为信息抽取的一项重要子任务，主要目的是识别非结构化文本中出现的命名实体并确定实体间的语义关系。这里的实体一般包括人命、地名、组织机构名</a:t>
+            </a:r>
+            <a:r>
+              <a:rPr lang="zh-CN" altLang="en-US" dirty="0" smtClean="0"/>
+              <a:t>。本文主要围绕企业实体关系抽取的相关任务展开。这里我举了个例子，</a:t>
             </a:r>
             <a:endParaRPr lang="en-US" altLang="zh-CN" dirty="0" smtClean="0"/>
           </a:p>
@@ -23053,7 +23068,6 @@
               <a:rPr lang="zh-CN" altLang="en-US" dirty="0" smtClean="0"/>
               <a:t>该类方法不足一是需要人工标注大规模的语料库，二是需要人工提特征。</a:t>
             </a:r>
-            <a:endParaRPr lang="zh-CN" altLang="en-US" dirty="0" smtClean="0"/>
           </a:p>
         </p:txBody>
       </p:sp>
@@ -23158,11 +23172,7 @@
           <a:p>
             <a:r>
               <a:rPr lang="zh-CN" altLang="en-US" dirty="0" smtClean="0"/>
-              <a:t>这类方法不需要人工标注语料库，所需要的只有构造初始关系种子</a:t>
-            </a:r>
-            <a:r>
-              <a:rPr lang="zh-CN" altLang="en-US" dirty="0" smtClean="0"/>
-              <a:t>集</a:t>
+              <a:t>这类方法不需要人工标注语料库，所需要的只有构造初始关系种子集</a:t>
             </a:r>
             <a:endParaRPr lang="en-US" altLang="zh-CN" dirty="0" smtClean="0"/>
           </a:p>
@@ -27590,28 +27600,14 @@
                 <a:latin typeface="微软雅黑" pitchFamily="34" charset="-122"/>
                 <a:ea typeface="微软雅黑" pitchFamily="34" charset="-122"/>
               </a:rPr>
-              <a:t>导老师</a:t>
-            </a:r>
-            <a:r>
-              <a:rPr lang="zh-CN" altLang="en-US" sz="2400" dirty="0" smtClean="0">
-                <a:latin typeface="微软雅黑" pitchFamily="34" charset="-122"/>
-                <a:ea typeface="微软雅黑" pitchFamily="34" charset="-122"/>
-              </a:rPr>
-              <a:t>： </a:t>
+              <a:t>导老师： </a:t>
             </a:r>
             <a:r>
               <a:rPr lang="zh-CN" altLang="en-US" sz="2400" dirty="0" smtClean="0">
                 <a:latin typeface="楷体" panose="02010609060101010101" pitchFamily="49" charset="-122"/>
                 <a:ea typeface="楷体" panose="02010609060101010101" pitchFamily="49" charset="-122"/>
               </a:rPr>
-              <a:t>李 宁 </a:t>
-            </a:r>
-            <a:r>
-              <a:rPr lang="zh-CN" altLang="en-US" sz="2400" dirty="0" smtClean="0">
-                <a:latin typeface="楷体" panose="02010609060101010101" pitchFamily="49" charset="-122"/>
-                <a:ea typeface="楷体" panose="02010609060101010101" pitchFamily="49" charset="-122"/>
-              </a:rPr>
-              <a:t>副教授</a:t>
+              <a:t>李 宁 副教授</a:t>
             </a:r>
             <a:endParaRPr lang="en-US" altLang="zh-CN" sz="2400" dirty="0" smtClean="0">
               <a:latin typeface="楷体" panose="02010609060101010101" pitchFamily="49" charset="-122"/>
@@ -28155,7 +28151,7 @@
           <a:p>
             <a:fld id="{ECB25AA1-DAB0-4597-8B8E-0BCD3DF7FBD0}" type="datetime1">
               <a:rPr lang="zh-CN" altLang="en-US" smtClean="0"/>
-              <a:t>2017/5/17</a:t>
+              <a:t>2017/5/18</a:t>
             </a:fld>
             <a:endParaRPr lang="en-US" altLang="zh-CN" dirty="0"/>
           </a:p>
@@ -28235,7 +28231,7 @@
             <p:spPr>
               <a:xfrm>
                 <a:off x="468313" y="1484313"/>
-                <a:ext cx="8142287" cy="4392612"/>
+                <a:ext cx="8675687" cy="4392612"/>
               </a:xfrm>
             </p:spPr>
             <p:txBody>
@@ -28247,7 +28243,7 @@
                     <a:latin typeface="黑体" panose="02010609060101010101" pitchFamily="49" charset="-122"/>
                     <a:ea typeface="黑体" panose="02010609060101010101" pitchFamily="49" charset="-122"/>
                   </a:rPr>
-                  <a:t>思想</a:t>
+                  <a:t>算法描述</a:t>
                 </a:r>
                 <a:endParaRPr lang="en-US" altLang="zh-CN" sz="2400" dirty="0" smtClean="0">
                   <a:latin typeface="黑体" panose="02010609060101010101" pitchFamily="49" charset="-122"/>
@@ -28271,7 +28267,55 @@
                     <a:ea typeface="楷体" panose="02010609060101010101" pitchFamily="49" charset="-122"/>
                     <a:cs typeface="Times New Roman" panose="02020603050405020304" pitchFamily="18" charset="0"/>
                   </a:rPr>
-                  <a:t>在得到每个词语的词向量表示后，对句子当中每个词进行加权取平均后即可得到句子的语义向量表示。</a:t>
+                  <a:t>通过</a:t>
+                </a:r>
+                <a:r>
+                  <a:rPr lang="en-US" altLang="zh-CN" sz="1800" dirty="0" smtClean="0">
+                    <a:latin typeface="楷体" panose="02010609060101010101" pitchFamily="49" charset="-122"/>
+                    <a:ea typeface="楷体" panose="02010609060101010101" pitchFamily="49" charset="-122"/>
+                    <a:cs typeface="Times New Roman" panose="02020603050405020304" pitchFamily="18" charset="0"/>
+                  </a:rPr>
+                  <a:t>word2vec</a:t>
+                </a:r>
+                <a:r>
+                  <a:rPr lang="zh-CN" altLang="en-US" sz="1800" dirty="0" smtClean="0">
+                    <a:latin typeface="楷体" panose="02010609060101010101" pitchFamily="49" charset="-122"/>
+                    <a:ea typeface="楷体" panose="02010609060101010101" pitchFamily="49" charset="-122"/>
+                    <a:cs typeface="Times New Roman" panose="02020603050405020304" pitchFamily="18" charset="0"/>
+                  </a:rPr>
+                  <a:t>训练得到</a:t>
+                </a:r>
+                <a:r>
+                  <a:rPr lang="zh-CN" altLang="en-US" sz="1800" dirty="0" smtClean="0">
+                    <a:latin typeface="楷体" panose="02010609060101010101" pitchFamily="49" charset="-122"/>
+                    <a:ea typeface="楷体" panose="02010609060101010101" pitchFamily="49" charset="-122"/>
+                    <a:cs typeface="Times New Roman" panose="02020603050405020304" pitchFamily="18" charset="0"/>
+                  </a:rPr>
+                  <a:t>每个</a:t>
+                </a:r>
+                <a:r>
+                  <a:rPr lang="zh-CN" altLang="en-US" sz="1800" dirty="0" smtClean="0">
+                    <a:latin typeface="楷体" panose="02010609060101010101" pitchFamily="49" charset="-122"/>
+                    <a:ea typeface="楷体" panose="02010609060101010101" pitchFamily="49" charset="-122"/>
+                    <a:cs typeface="Times New Roman" panose="02020603050405020304" pitchFamily="18" charset="0"/>
+                  </a:rPr>
+                  <a:t>词的</a:t>
+                </a:r>
+                <a:r>
+                  <a:rPr lang="zh-CN" altLang="en-US" sz="1800" dirty="0" smtClean="0">
+                    <a:latin typeface="楷体" panose="02010609060101010101" pitchFamily="49" charset="-122"/>
+                    <a:ea typeface="楷体" panose="02010609060101010101" pitchFamily="49" charset="-122"/>
+                    <a:cs typeface="Times New Roman" panose="02020603050405020304" pitchFamily="18" charset="0"/>
+                  </a:rPr>
+                  <a:t>词向量表示后，对句子当中每个词进行加权取平均后即可得到句子的语义向量表示</a:t>
+                </a:r>
+                <a:r>
+                  <a:rPr lang="zh-CN" altLang="en-US" sz="1800" dirty="0" smtClean="0">
+                    <a:latin typeface="楷体" panose="02010609060101010101" pitchFamily="49" charset="-122"/>
+                    <a:ea typeface="楷体" panose="02010609060101010101" pitchFamily="49" charset="-122"/>
+                    <a:cs typeface="Times New Roman" panose="02020603050405020304" pitchFamily="18" charset="0"/>
+                  </a:rPr>
+                  <a:t>。</a:t>
                 </a:r>
                 <a:endParaRPr lang="en-US" altLang="zh-CN" sz="2400" dirty="0" smtClean="0">
                   <a:latin typeface="黑体" panose="02010609060101010101" pitchFamily="49" charset="-122"/>
@@ -28280,18 +28324,11 @@
               </a:p>
               <a:p>
                 <a:r>
-                  <a:rPr lang="zh-CN" altLang="en-US" sz="2400" dirty="0">
-                    <a:latin typeface="黑体" panose="02010609060101010101" pitchFamily="49" charset="-122"/>
-                    <a:ea typeface="黑体" panose="02010609060101010101" pitchFamily="49" charset="-122"/>
-                  </a:rPr>
-                  <a:t>步</a:t>
-                </a:r>
-                <a:r>
                   <a:rPr lang="zh-CN" altLang="en-US" sz="2400" dirty="0" smtClean="0">
                     <a:latin typeface="黑体" panose="02010609060101010101" pitchFamily="49" charset="-122"/>
                     <a:ea typeface="黑体" panose="02010609060101010101" pitchFamily="49" charset="-122"/>
                   </a:rPr>
-                  <a:t>骤</a:t>
+                  <a:t>算法步骤</a:t>
                 </a:r>
                 <a:endParaRPr lang="en-US" altLang="zh-CN" sz="2000" dirty="0" smtClean="0">
                   <a:latin typeface="黑体" panose="02010609060101010101" pitchFamily="49" charset="-122"/>
@@ -28310,13 +28347,117 @@
                   <a:buChar char="p"/>
                 </a:pPr>
                 <a:r>
-                  <a:rPr lang="zh-CN" altLang="en-US" sz="2000" dirty="0">
+                  <a:rPr lang="zh-CN" altLang="en-US" sz="1800" dirty="0" smtClean="0">
                     <a:latin typeface="楷体" panose="02010609060101010101" pitchFamily="49" charset="-122"/>
                     <a:ea typeface="楷体" panose="02010609060101010101" pitchFamily="49" charset="-122"/>
                   </a:rPr>
-                  <a:t>训练词向量并计算每个词的权重</a:t>
+                  <a:t>步骤一：训练</a:t>
                 </a:r>
-                <a:endParaRPr lang="en-US" altLang="zh-CN" sz="2000" dirty="0">
+                <a:r>
+                  <a:rPr lang="zh-CN" altLang="en-US" sz="1800" dirty="0" smtClean="0">
+                    <a:latin typeface="楷体" panose="02010609060101010101" pitchFamily="49" charset="-122"/>
+                    <a:ea typeface="楷体" panose="02010609060101010101" pitchFamily="49" charset="-122"/>
+                  </a:rPr>
+                  <a:t>得到每个词</a:t>
+                </a:r>
+                <a14:m>
+                  <m:oMath xmlns:m="http://schemas.openxmlformats.org/officeDocument/2006/math">
+                    <m:sSub>
+                      <m:sSubPr>
+                        <m:ctrlPr>
+                          <a:rPr lang="en-US" altLang="zh-CN" sz="1800" i="1" smtClean="0">
+                            <a:latin typeface="Cambria Math" panose="02040503050406030204" pitchFamily="18" charset="0"/>
+                            <a:ea typeface="楷体" panose="02010609060101010101" pitchFamily="49" charset="-122"/>
+                          </a:rPr>
+                        </m:ctrlPr>
+                      </m:sSubPr>
+                      <m:e>
+                        <m:r>
+                          <a:rPr lang="en-US" altLang="zh-CN" sz="1800" i="1">
+                            <a:latin typeface="Cambria Math" panose="02040503050406030204" pitchFamily="18" charset="0"/>
+                            <a:ea typeface="楷体" panose="02010609060101010101" pitchFamily="49" charset="-122"/>
+                          </a:rPr>
+                          <m:t>𝑤</m:t>
+                        </m:r>
+                      </m:e>
+                      <m:sub>
+                        <m:r>
+                          <a:rPr lang="en-US" altLang="zh-CN" sz="1800" i="1">
+                            <a:latin typeface="Cambria Math" panose="02040503050406030204" pitchFamily="18" charset="0"/>
+                            <a:ea typeface="楷体" panose="02010609060101010101" pitchFamily="49" charset="-122"/>
+                          </a:rPr>
+                          <m:t>𝑖</m:t>
+                        </m:r>
+                      </m:sub>
+                    </m:sSub>
+                  </m:oMath>
+                </a14:m>
+                <a:r>
+                  <a:rPr lang="zh-CN" altLang="en-US" sz="1800" dirty="0" smtClean="0">
+                    <a:latin typeface="楷体" panose="02010609060101010101" pitchFamily="49" charset="-122"/>
+                    <a:ea typeface="楷体" panose="02010609060101010101" pitchFamily="49" charset="-122"/>
+                  </a:rPr>
+                  <a:t>对应的词向量</a:t>
+                </a:r>
+                <a14:m>
+                  <m:oMath xmlns:m="http://schemas.openxmlformats.org/officeDocument/2006/math">
+                    <m:r>
+                      <a:rPr lang="en-US" altLang="zh-CN" sz="1800" i="1">
+                        <a:latin typeface="Cambria Math" panose="02040503050406030204" pitchFamily="18" charset="0"/>
+                      </a:rPr>
+                      <m:t>𝑒𝑚𝑏𝑒𝑑𝑑𝑖𝑛𝑔</m:t>
+                    </m:r>
+                    <m:r>
+                      <a:rPr lang="en-US" altLang="zh-CN" sz="1800" i="1">
+                        <a:latin typeface="Cambria Math" panose="02040503050406030204" pitchFamily="18" charset="0"/>
+                      </a:rPr>
+                      <m:t>(</m:t>
+                    </m:r>
+                    <m:sSub>
+                      <m:sSubPr>
+                        <m:ctrlPr>
+                          <a:rPr lang="en-US" altLang="zh-CN" sz="1800" i="1">
+                            <a:latin typeface="Cambria Math" panose="02040503050406030204" pitchFamily="18" charset="0"/>
+                            <a:ea typeface="楷体" panose="02010609060101010101" pitchFamily="49" charset="-122"/>
+                          </a:rPr>
+                        </m:ctrlPr>
+                      </m:sSubPr>
+                      <m:e>
+                        <m:r>
+                          <a:rPr lang="en-US" altLang="zh-CN" sz="1800" i="1">
+                            <a:latin typeface="Cambria Math" panose="02040503050406030204" pitchFamily="18" charset="0"/>
+                            <a:ea typeface="楷体" panose="02010609060101010101" pitchFamily="49" charset="-122"/>
+                          </a:rPr>
+                          <m:t>𝑤</m:t>
+                        </m:r>
+                      </m:e>
+                      <m:sub>
+                        <m:r>
+                          <a:rPr lang="en-US" altLang="zh-CN" sz="1800" i="1">
+                            <a:latin typeface="Cambria Math" panose="02040503050406030204" pitchFamily="18" charset="0"/>
+                            <a:ea typeface="楷体" panose="02010609060101010101" pitchFamily="49" charset="-122"/>
+                          </a:rPr>
+                          <m:t>𝑖</m:t>
+                        </m:r>
+                      </m:sub>
+                    </m:sSub>
+                  </m:oMath>
+                </a14:m>
+                <a:r>
+                  <a:rPr lang="en-US" altLang="zh-CN" sz="1800" dirty="0" smtClean="0">
+                    <a:latin typeface="楷体" panose="02010609060101010101" pitchFamily="49" charset="-122"/>
+                    <a:ea typeface="楷体" panose="02010609060101010101" pitchFamily="49" charset="-122"/>
+                  </a:rPr>
+                  <a:t>)</a:t>
+                </a:r>
+                <a:r>
+                  <a:rPr lang="zh-CN" altLang="en-US" sz="1800" dirty="0" smtClean="0">
+                    <a:latin typeface="楷体" panose="02010609060101010101" pitchFamily="49" charset="-122"/>
+                    <a:ea typeface="楷体" panose="02010609060101010101" pitchFamily="49" charset="-122"/>
+                  </a:rPr>
+                  <a:t>；</a:t>
+                </a:r>
+                <a:endParaRPr lang="en-US" altLang="zh-CN" sz="1800" dirty="0" smtClean="0">
                   <a:latin typeface="楷体" panose="02010609060101010101" pitchFamily="49" charset="-122"/>
                   <a:ea typeface="楷体" panose="02010609060101010101" pitchFamily="49" charset="-122"/>
                 </a:endParaRPr>
@@ -28332,132 +28473,77 @@
                   <a:buFont typeface="Wingdings" panose="05000000000000000000" pitchFamily="2" charset="2"/>
                   <a:buChar char="p"/>
                 </a:pPr>
+                <a:r>
+                  <a:rPr lang="zh-CN" altLang="en-US" sz="1800" dirty="0" smtClean="0">
+                    <a:latin typeface="楷体" panose="02010609060101010101" pitchFamily="49" charset="-122"/>
+                    <a:ea typeface="楷体" panose="02010609060101010101" pitchFamily="49" charset="-122"/>
+                  </a:rPr>
+                  <a:t>步骤二：计算词的权重</a:t>
+                </a:r>
                 <a14:m>
                   <m:oMath xmlns:m="http://schemas.openxmlformats.org/officeDocument/2006/math">
                     <m:r>
-                      <a:rPr lang="en-US" altLang="zh-CN" sz="2000" i="1">
+                      <a:rPr lang="en-US" altLang="zh-CN" sz="1800" i="1">
                         <a:latin typeface="Cambria Math" panose="02040503050406030204" pitchFamily="18" charset="0"/>
                       </a:rPr>
-                      <m:t>𝑠</m:t>
+                      <m:t>𝑤𝑒𝑖𝑔h𝑡</m:t>
                     </m:r>
-                    <m:r>
-                      <a:rPr lang="en-US" altLang="zh-CN" sz="2000" i="1">
-                        <a:latin typeface="Cambria Math" panose="02040503050406030204" pitchFamily="18" charset="0"/>
-                      </a:rPr>
-                      <m:t>= </m:t>
-                    </m:r>
-                    <m:f>
-                      <m:fPr>
+                    <m:d>
+                      <m:dPr>
                         <m:ctrlPr>
-                          <a:rPr lang="zh-CN" altLang="zh-CN" sz="2000" i="1">
+                          <a:rPr lang="zh-CN" altLang="zh-CN" sz="1800" i="1">
                             <a:latin typeface="Cambria Math" panose="02040503050406030204" pitchFamily="18" charset="0"/>
                           </a:rPr>
                         </m:ctrlPr>
-                      </m:fPr>
-                      <m:num>
-                        <m:nary>
-                          <m:naryPr>
-                            <m:chr m:val="∑"/>
-                            <m:limLoc m:val="subSup"/>
+                      </m:dPr>
+                      <m:e>
+                        <m:sSub>
+                          <m:sSubPr>
                             <m:ctrlPr>
-                              <a:rPr lang="zh-CN" altLang="zh-CN" sz="2000" i="1">
+                              <a:rPr lang="en-US" altLang="zh-CN" sz="1800" i="1">
                                 <a:latin typeface="Cambria Math" panose="02040503050406030204" pitchFamily="18" charset="0"/>
+                                <a:ea typeface="楷体" panose="02010609060101010101" pitchFamily="49" charset="-122"/>
                               </a:rPr>
                             </m:ctrlPr>
-                          </m:naryPr>
+                          </m:sSubPr>
+                          <m:e>
+                            <m:r>
+                              <a:rPr lang="en-US" altLang="zh-CN" sz="1800" i="1">
+                                <a:latin typeface="Cambria Math" panose="02040503050406030204" pitchFamily="18" charset="0"/>
+                                <a:ea typeface="楷体" panose="02010609060101010101" pitchFamily="49" charset="-122"/>
+                              </a:rPr>
+                              <m:t>𝑤</m:t>
+                            </m:r>
+                          </m:e>
                           <m:sub>
                             <m:r>
-                              <a:rPr lang="en-US" altLang="zh-CN" sz="2000" i="1">
+                              <a:rPr lang="en-US" altLang="zh-CN" sz="1800" i="1">
                                 <a:latin typeface="Cambria Math" panose="02040503050406030204" pitchFamily="18" charset="0"/>
+                                <a:ea typeface="楷体" panose="02010609060101010101" pitchFamily="49" charset="-122"/>
                               </a:rPr>
                               <m:t>𝑖</m:t>
                             </m:r>
-                            <m:r>
-                              <a:rPr lang="en-US" altLang="zh-CN" sz="2000" i="1">
-                                <a:latin typeface="Cambria Math" panose="02040503050406030204" pitchFamily="18" charset="0"/>
-                              </a:rPr>
-                              <m:t>=1</m:t>
-                            </m:r>
                           </m:sub>
-                          <m:sup>
-                            <m:r>
-                              <a:rPr lang="en-US" altLang="zh-CN" sz="2000" i="1">
-                                <a:latin typeface="Cambria Math" panose="02040503050406030204" pitchFamily="18" charset="0"/>
-                              </a:rPr>
-                              <m:t>𝑛</m:t>
-                            </m:r>
-                          </m:sup>
-                          <m:e>
-                            <m:r>
-                              <a:rPr lang="en-US" altLang="zh-CN" sz="2000" i="1">
-                                <a:latin typeface="Cambria Math" panose="02040503050406030204" pitchFamily="18" charset="0"/>
-                              </a:rPr>
-                              <m:t>𝑤𝑒𝑖𝑔h𝑡</m:t>
-                            </m:r>
-                            <m:d>
-                              <m:dPr>
-                                <m:ctrlPr>
-                                  <a:rPr lang="zh-CN" altLang="zh-CN" sz="2000" i="1">
-                                    <a:latin typeface="Cambria Math" panose="02040503050406030204" pitchFamily="18" charset="0"/>
-                                  </a:rPr>
-                                </m:ctrlPr>
-                              </m:dPr>
-                              <m:e>
-                                <m:r>
-                                  <a:rPr lang="en-US" altLang="zh-CN" sz="2000" i="1">
-                                    <a:latin typeface="Cambria Math" panose="02040503050406030204" pitchFamily="18" charset="0"/>
-                                  </a:rPr>
-                                  <m:t>𝑤𝑖</m:t>
-                                </m:r>
-                              </m:e>
-                            </m:d>
-                            <m:r>
-                              <a:rPr lang="en-US" altLang="zh-CN" sz="2000" i="1">
-                                <a:latin typeface="Cambria Math" panose="02040503050406030204" pitchFamily="18" charset="0"/>
-                              </a:rPr>
-                              <m:t>∗</m:t>
-                            </m:r>
-                            <m:r>
-                              <a:rPr lang="en-US" altLang="zh-CN" sz="2000" i="1">
-                                <a:latin typeface="Cambria Math" panose="02040503050406030204" pitchFamily="18" charset="0"/>
-                              </a:rPr>
-                              <m:t>𝑒𝑚𝑏𝑒𝑑𝑑𝑖𝑛𝑔</m:t>
-                            </m:r>
-                            <m:r>
-                              <a:rPr lang="en-US" altLang="zh-CN" sz="2000" i="1">
-                                <a:latin typeface="Cambria Math" panose="02040503050406030204" pitchFamily="18" charset="0"/>
-                              </a:rPr>
-                              <m:t>(</m:t>
-                            </m:r>
-                            <m:r>
-                              <a:rPr lang="en-US" altLang="zh-CN" sz="2000" i="1">
-                                <a:latin typeface="Cambria Math" panose="02040503050406030204" pitchFamily="18" charset="0"/>
-                              </a:rPr>
-                              <m:t>𝑤𝑖</m:t>
-                            </m:r>
-                            <m:r>
-                              <a:rPr lang="en-US" altLang="zh-CN" sz="2000" i="1">
-                                <a:latin typeface="Cambria Math" panose="02040503050406030204" pitchFamily="18" charset="0"/>
-                              </a:rPr>
-                              <m:t>)</m:t>
-                            </m:r>
-                          </m:e>
-                        </m:nary>
-                      </m:num>
-                      <m:den>
-                        <m:r>
-                          <a:rPr lang="en-US" altLang="zh-CN" sz="2000" i="1">
-                            <a:latin typeface="Cambria Math" panose="02040503050406030204" pitchFamily="18" charset="0"/>
-                          </a:rPr>
-                          <m:t>𝑛</m:t>
-                        </m:r>
-                      </m:den>
-                    </m:f>
+                        </m:sSub>
+                      </m:e>
+                    </m:d>
                   </m:oMath>
                 </a14:m>
-                <a:endParaRPr lang="en-US" altLang="zh-CN" sz="2000" dirty="0" smtClean="0">
-                  <a:latin typeface="黑体" panose="02010609060101010101" pitchFamily="49" charset="-122"/>
-                  <a:ea typeface="黑体" panose="02010609060101010101" pitchFamily="49" charset="-122"/>
+                <a:r>
+                  <a:rPr lang="en-US" altLang="zh-CN" sz="1800" i="1" dirty="0" smtClean="0">
+                    <a:latin typeface="Cambria Math" panose="02040503050406030204" pitchFamily="18" charset="0"/>
+                  </a:rPr>
+                  <a:t> </a:t>
+                </a:r>
+                <a:r>
+                  <a:rPr lang="zh-CN" altLang="en-US" sz="1800" dirty="0">
+                    <a:latin typeface="楷体" panose="02010609060101010101" pitchFamily="49" charset="-122"/>
+                    <a:ea typeface="楷体" panose="02010609060101010101" pitchFamily="49" charset="-122"/>
+                  </a:rPr>
+                  <a:t>；</a:t>
+                </a:r>
+                <a:endParaRPr lang="en-US" altLang="zh-CN" sz="1800" i="1" dirty="0" smtClean="0">
+                  <a:latin typeface="Cambria Math" panose="02040503050406030204" pitchFamily="18" charset="0"/>
                 </a:endParaRPr>
               </a:p>
               <a:p>
@@ -28470,6 +28556,239 @@
                   </a:spcBef>
                   <a:buFont typeface="Wingdings" panose="05000000000000000000" pitchFamily="2" charset="2"/>
                   <a:buChar char="p"/>
+                </a:pPr>
+                <a:r>
+                  <a:rPr lang="zh-CN" altLang="en-US" sz="1800" dirty="0">
+                    <a:latin typeface="楷体" panose="02010609060101010101" pitchFamily="49" charset="-122"/>
+                    <a:ea typeface="楷体" panose="02010609060101010101" pitchFamily="49" charset="-122"/>
+                  </a:rPr>
+                  <a:t>步骤</a:t>
+                </a:r>
+                <a:r>
+                  <a:rPr lang="zh-CN" altLang="en-US" sz="1800" dirty="0" smtClean="0">
+                    <a:latin typeface="楷体" panose="02010609060101010101" pitchFamily="49" charset="-122"/>
+                    <a:ea typeface="楷体" panose="02010609060101010101" pitchFamily="49" charset="-122"/>
+                  </a:rPr>
+                  <a:t>三：对句子</a:t>
+                </a:r>
+                <a14:m>
+                  <m:oMath xmlns:m="http://schemas.openxmlformats.org/officeDocument/2006/math">
+                    <m:r>
+                      <a:rPr lang="en-US" altLang="zh-CN" sz="1800" i="1">
+                        <a:latin typeface="Cambria Math" panose="02040503050406030204" pitchFamily="18" charset="0"/>
+                      </a:rPr>
+                      <m:t>𝑠</m:t>
+                    </m:r>
+                  </m:oMath>
+                </a14:m>
+                <a:r>
+                  <a:rPr lang="zh-CN" altLang="en-US" sz="1800" dirty="0" smtClean="0">
+                    <a:latin typeface="楷体" panose="02010609060101010101" pitchFamily="49" charset="-122"/>
+                    <a:ea typeface="楷体" panose="02010609060101010101" pitchFamily="49" charset="-122"/>
+                  </a:rPr>
+                  <a:t>当中的每个词加权取平均</a:t>
+                </a:r>
+                <a:endParaRPr lang="en-US" altLang="zh-CN" sz="1800" dirty="0">
+                  <a:latin typeface="楷体" panose="02010609060101010101" pitchFamily="49" charset="-122"/>
+                  <a:ea typeface="楷体" panose="02010609060101010101" pitchFamily="49" charset="-122"/>
+                </a:endParaRPr>
+              </a:p>
+              <a:p>
+                <a:pPr marL="449262" lvl="1" indent="0">
+                  <a:lnSpc>
+                    <a:spcPct val="150000"/>
+                  </a:lnSpc>
+                  <a:spcBef>
+                    <a:spcPts val="0"/>
+                  </a:spcBef>
+                  <a:buNone/>
+                </a:pPr>
+                <a14:m>
+                  <m:oMathPara xmlns:m="http://schemas.openxmlformats.org/officeDocument/2006/math">
+                    <m:oMathParaPr>
+                      <m:jc m:val="centerGroup"/>
+                    </m:oMathParaPr>
+                    <m:oMath xmlns:m="http://schemas.openxmlformats.org/officeDocument/2006/math">
+                      <m:r>
+                        <a:rPr lang="en-US" altLang="zh-CN" sz="1800" i="1">
+                          <a:latin typeface="Cambria Math" panose="02040503050406030204" pitchFamily="18" charset="0"/>
+                        </a:rPr>
+                        <m:t>𝑠</m:t>
+                      </m:r>
+                      <m:r>
+                        <a:rPr lang="en-US" altLang="zh-CN" sz="1800" i="1">
+                          <a:latin typeface="Cambria Math" panose="02040503050406030204" pitchFamily="18" charset="0"/>
+                        </a:rPr>
+                        <m:t>= </m:t>
+                      </m:r>
+                      <m:f>
+                        <m:fPr>
+                          <m:ctrlPr>
+                            <a:rPr lang="zh-CN" altLang="zh-CN" sz="1800" i="1">
+                              <a:latin typeface="Cambria Math" panose="02040503050406030204" pitchFamily="18" charset="0"/>
+                            </a:rPr>
+                          </m:ctrlPr>
+                        </m:fPr>
+                        <m:num>
+                          <m:nary>
+                            <m:naryPr>
+                              <m:chr m:val="∑"/>
+                              <m:limLoc m:val="subSup"/>
+                              <m:ctrlPr>
+                                <a:rPr lang="zh-CN" altLang="zh-CN" sz="1800" i="1">
+                                  <a:latin typeface="Cambria Math" panose="02040503050406030204" pitchFamily="18" charset="0"/>
+                                </a:rPr>
+                              </m:ctrlPr>
+                            </m:naryPr>
+                            <m:sub>
+                              <m:r>
+                                <a:rPr lang="en-US" altLang="zh-CN" sz="1800" i="1">
+                                  <a:latin typeface="Cambria Math" panose="02040503050406030204" pitchFamily="18" charset="0"/>
+                                </a:rPr>
+                                <m:t>𝑖</m:t>
+                              </m:r>
+                              <m:r>
+                                <a:rPr lang="en-US" altLang="zh-CN" sz="1800" i="1">
+                                  <a:latin typeface="Cambria Math" panose="02040503050406030204" pitchFamily="18" charset="0"/>
+                                </a:rPr>
+                                <m:t>=1</m:t>
+                              </m:r>
+                            </m:sub>
+                            <m:sup>
+                              <m:r>
+                                <a:rPr lang="en-US" altLang="zh-CN" sz="1800" i="1">
+                                  <a:latin typeface="Cambria Math" panose="02040503050406030204" pitchFamily="18" charset="0"/>
+                                </a:rPr>
+                                <m:t>𝑛</m:t>
+                              </m:r>
+                            </m:sup>
+                            <m:e>
+                              <m:r>
+                                <a:rPr lang="en-US" altLang="zh-CN" sz="1800" i="1">
+                                  <a:latin typeface="Cambria Math" panose="02040503050406030204" pitchFamily="18" charset="0"/>
+                                </a:rPr>
+                                <m:t>𝑤𝑒𝑖𝑔h𝑡</m:t>
+                              </m:r>
+                              <m:d>
+                                <m:dPr>
+                                  <m:ctrlPr>
+                                    <a:rPr lang="zh-CN" altLang="zh-CN" sz="1800" i="1">
+                                      <a:latin typeface="Cambria Math" panose="02040503050406030204" pitchFamily="18" charset="0"/>
+                                    </a:rPr>
+                                  </m:ctrlPr>
+                                </m:dPr>
+                                <m:e>
+                                  <m:sSub>
+                                    <m:sSubPr>
+                                      <m:ctrlPr>
+                                        <a:rPr lang="en-US" altLang="zh-CN" sz="1800" i="1">
+                                          <a:latin typeface="Cambria Math" panose="02040503050406030204" pitchFamily="18" charset="0"/>
+                                          <a:ea typeface="楷体" panose="02010609060101010101" pitchFamily="49" charset="-122"/>
+                                        </a:rPr>
+                                      </m:ctrlPr>
+                                    </m:sSubPr>
+                                    <m:e>
+                                      <m:r>
+                                        <a:rPr lang="en-US" altLang="zh-CN" sz="1800" i="1">
+                                          <a:latin typeface="Cambria Math" panose="02040503050406030204" pitchFamily="18" charset="0"/>
+                                          <a:ea typeface="楷体" panose="02010609060101010101" pitchFamily="49" charset="-122"/>
+                                        </a:rPr>
+                                        <m:t>𝑤</m:t>
+                                      </m:r>
+                                    </m:e>
+                                    <m:sub>
+                                      <m:r>
+                                        <a:rPr lang="en-US" altLang="zh-CN" sz="1800" i="1">
+                                          <a:latin typeface="Cambria Math" panose="02040503050406030204" pitchFamily="18" charset="0"/>
+                                          <a:ea typeface="楷体" panose="02010609060101010101" pitchFamily="49" charset="-122"/>
+                                        </a:rPr>
+                                        <m:t>𝑖</m:t>
+                                      </m:r>
+                                    </m:sub>
+                                  </m:sSub>
+                                </m:e>
+                              </m:d>
+                              <m:r>
+                                <a:rPr lang="en-US" altLang="zh-CN" sz="1800" i="1">
+                                  <a:latin typeface="Cambria Math" panose="02040503050406030204" pitchFamily="18" charset="0"/>
+                                </a:rPr>
+                                <m:t>∗</m:t>
+                              </m:r>
+                              <m:r>
+                                <a:rPr lang="en-US" altLang="zh-CN" sz="1800" i="1">
+                                  <a:latin typeface="Cambria Math" panose="02040503050406030204" pitchFamily="18" charset="0"/>
+                                </a:rPr>
+                                <m:t>𝑒𝑚𝑏𝑒𝑑𝑑𝑖𝑛𝑔</m:t>
+                              </m:r>
+                              <m:r>
+                                <a:rPr lang="en-US" altLang="zh-CN" sz="1800" i="1">
+                                  <a:latin typeface="Cambria Math" panose="02040503050406030204" pitchFamily="18" charset="0"/>
+                                </a:rPr>
+                                <m:t>(</m:t>
+                              </m:r>
+                              <m:sSub>
+                                <m:sSubPr>
+                                  <m:ctrlPr>
+                                    <a:rPr lang="en-US" altLang="zh-CN" sz="1800" i="1">
+                                      <a:latin typeface="Cambria Math" panose="02040503050406030204" pitchFamily="18" charset="0"/>
+                                      <a:ea typeface="楷体" panose="02010609060101010101" pitchFamily="49" charset="-122"/>
+                                    </a:rPr>
+                                  </m:ctrlPr>
+                                </m:sSubPr>
+                                <m:e>
+                                  <m:r>
+                                    <a:rPr lang="en-US" altLang="zh-CN" sz="1800" i="1">
+                                      <a:latin typeface="Cambria Math" panose="02040503050406030204" pitchFamily="18" charset="0"/>
+                                      <a:ea typeface="楷体" panose="02010609060101010101" pitchFamily="49" charset="-122"/>
+                                    </a:rPr>
+                                    <m:t>𝑤</m:t>
+                                  </m:r>
+                                </m:e>
+                                <m:sub>
+                                  <m:r>
+                                    <a:rPr lang="en-US" altLang="zh-CN" sz="1800" i="1">
+                                      <a:latin typeface="Cambria Math" panose="02040503050406030204" pitchFamily="18" charset="0"/>
+                                      <a:ea typeface="楷体" panose="02010609060101010101" pitchFamily="49" charset="-122"/>
+                                    </a:rPr>
+                                    <m:t>𝑖</m:t>
+                                  </m:r>
+                                </m:sub>
+                              </m:sSub>
+                              <m:r>
+                                <a:rPr lang="en-US" altLang="zh-CN" sz="1800" i="1">
+                                  <a:latin typeface="Cambria Math" panose="02040503050406030204" pitchFamily="18" charset="0"/>
+                                </a:rPr>
+                                <m:t>)</m:t>
+                              </m:r>
+                            </m:e>
+                          </m:nary>
+                        </m:num>
+                        <m:den>
+                          <m:r>
+                            <a:rPr lang="en-US" altLang="zh-CN" sz="1800" i="1">
+                              <a:latin typeface="Cambria Math" panose="02040503050406030204" pitchFamily="18" charset="0"/>
+                            </a:rPr>
+                            <m:t>𝑛</m:t>
+                          </m:r>
+                        </m:den>
+                      </m:f>
+                    </m:oMath>
+                  </m:oMathPara>
+                </a14:m>
+                <a:endParaRPr lang="en-US" altLang="zh-CN" sz="1800" dirty="0" smtClean="0">
+                  <a:latin typeface="黑体" panose="02010609060101010101" pitchFamily="49" charset="-122"/>
+                  <a:ea typeface="黑体" panose="02010609060101010101" pitchFamily="49" charset="-122"/>
+                </a:endParaRPr>
+              </a:p>
+              <a:p>
+                <a:pPr marL="449262" lvl="1" indent="0">
+                  <a:lnSpc>
+                    <a:spcPct val="150000"/>
+                  </a:lnSpc>
+                  <a:spcBef>
+                    <a:spcPts val="0"/>
+                  </a:spcBef>
+                  <a:buNone/>
                 </a:pPr>
                 <a:endParaRPr lang="en-US" altLang="zh-CN" sz="1800" b="1" dirty="0" smtClean="0">
                   <a:latin typeface="楷体" panose="02010609060101010101" pitchFamily="49" charset="-122"/>
@@ -28533,12 +28852,12 @@
             <p:spPr>
               <a:xfrm>
                 <a:off x="468313" y="1484313"/>
-                <a:ext cx="8142287" cy="4392612"/>
+                <a:ext cx="8675687" cy="4392612"/>
               </a:xfrm>
-              <a:blipFill rotWithShape="0">
+              <a:blipFill>
                 <a:blip r:embed="rId3"/>
                 <a:stretch>
-                  <a:fillRect l="-374" t="-1110"/>
+                  <a:fillRect l="-351" t="-1110"/>
                 </a:stretch>
               </a:blipFill>
             </p:spPr>
@@ -28622,7 +28941,7 @@
                 <a:latin typeface="黑体" panose="02010609060101010101" pitchFamily="49" charset="-122"/>
                 <a:ea typeface="黑体" panose="02010609060101010101" pitchFamily="49" charset="-122"/>
               </a:rPr>
-              <a:t>思想</a:t>
+              <a:t>算法描述</a:t>
             </a:r>
             <a:endParaRPr lang="en-US" altLang="zh-CN" sz="2400" dirty="0" smtClean="0">
               <a:latin typeface="黑体" panose="02010609060101010101" pitchFamily="49" charset="-122"/>
@@ -28668,7 +28987,7 @@
                 <a:latin typeface="黑体" panose="02010609060101010101" pitchFamily="49" charset="-122"/>
                 <a:ea typeface="黑体" panose="02010609060101010101" pitchFamily="49" charset="-122"/>
               </a:rPr>
-              <a:t>步骤</a:t>
+              <a:t>算法步骤</a:t>
             </a:r>
             <a:endParaRPr lang="en-US" altLang="zh-CN" sz="1800" b="1" dirty="0">
               <a:latin typeface="楷体" panose="02010609060101010101" pitchFamily="49" charset="-122"/>
@@ -28688,12 +29007,28 @@
               <a:buChar char="p"/>
             </a:pPr>
             <a:r>
+              <a:rPr lang="zh-CN" altLang="en-US" sz="1800" dirty="0">
+                <a:latin typeface="楷体" panose="02010609060101010101" pitchFamily="49" charset="-122"/>
+                <a:ea typeface="楷体" panose="02010609060101010101" pitchFamily="49" charset="-122"/>
+                <a:cs typeface="Times New Roman" panose="02020603050405020304" pitchFamily="18" charset="0"/>
+              </a:rPr>
+              <a:t>步骤一</a:t>
+            </a:r>
+            <a:r>
               <a:rPr lang="zh-CN" altLang="en-US" sz="1800" dirty="0" smtClean="0">
                 <a:latin typeface="楷体" panose="02010609060101010101" pitchFamily="49" charset="-122"/>
                 <a:ea typeface="楷体" panose="02010609060101010101" pitchFamily="49" charset="-122"/>
                 <a:cs typeface="Times New Roman" panose="02020603050405020304" pitchFamily="18" charset="0"/>
               </a:rPr>
-              <a:t>构建句子的输入向量矩阵</a:t>
+              <a:t>：构建</a:t>
+            </a:r>
+            <a:r>
+              <a:rPr lang="zh-CN" altLang="en-US" sz="1800" dirty="0" smtClean="0">
+                <a:latin typeface="楷体" panose="02010609060101010101" pitchFamily="49" charset="-122"/>
+                <a:ea typeface="楷体" panose="02010609060101010101" pitchFamily="49" charset="-122"/>
+                <a:cs typeface="Times New Roman" panose="02020603050405020304" pitchFamily="18" charset="0"/>
+              </a:rPr>
+              <a:t>句子的输入向量矩阵</a:t>
             </a:r>
             <a:endParaRPr lang="en-US" altLang="zh-CN" sz="1800" dirty="0" smtClean="0">
               <a:latin typeface="楷体" panose="02010609060101010101" pitchFamily="49" charset="-122"/>
@@ -28718,7 +29053,23 @@
                 <a:ea typeface="楷体" panose="02010609060101010101" pitchFamily="49" charset="-122"/>
                 <a:cs typeface="Times New Roman" panose="02020603050405020304" pitchFamily="18" charset="0"/>
               </a:rPr>
-              <a:t>卷积和池化</a:t>
+              <a:t>步骤二：卷积</a:t>
+            </a:r>
+            <a:r>
+              <a:rPr lang="zh-CN" altLang="en-US" sz="1800" dirty="0" smtClean="0">
+                <a:latin typeface="楷体" panose="02010609060101010101" pitchFamily="49" charset="-122"/>
+                <a:ea typeface="楷体" panose="02010609060101010101" pitchFamily="49" charset="-122"/>
+                <a:cs typeface="Times New Roman" panose="02020603050405020304" pitchFamily="18" charset="0"/>
+              </a:rPr>
+              <a:t>和</a:t>
+            </a:r>
+            <a:r>
+              <a:rPr lang="zh-CN" altLang="en-US" sz="1800" dirty="0" smtClean="0">
+                <a:latin typeface="楷体" panose="02010609060101010101" pitchFamily="49" charset="-122"/>
+                <a:ea typeface="楷体" panose="02010609060101010101" pitchFamily="49" charset="-122"/>
+                <a:cs typeface="Times New Roman" panose="02020603050405020304" pitchFamily="18" charset="0"/>
+              </a:rPr>
+              <a:t>池化操作</a:t>
             </a:r>
             <a:endParaRPr lang="en-US" altLang="zh-CN" sz="1800" dirty="0" smtClean="0">
               <a:latin typeface="楷体" panose="02010609060101010101" pitchFamily="49" charset="-122"/>
@@ -28737,6 +29088,14 @@
               <a:buFont typeface="Wingdings" panose="05000000000000000000" pitchFamily="2" charset="2"/>
               <a:buChar char="p"/>
             </a:pPr>
+            <a:r>
+              <a:rPr lang="zh-CN" altLang="en-US" sz="1800" dirty="0" smtClean="0">
+                <a:latin typeface="楷体" panose="02010609060101010101" pitchFamily="49" charset="-122"/>
+                <a:ea typeface="楷体" panose="02010609060101010101" pitchFamily="49" charset="-122"/>
+                <a:cs typeface="Times New Roman" panose="02020603050405020304" pitchFamily="18" charset="0"/>
+              </a:rPr>
+              <a:t>步骤三：</a:t>
+            </a:r>
             <a:r>
               <a:rPr lang="en-US" altLang="zh-CN" sz="1800" dirty="0" smtClean="0">
                 <a:latin typeface="楷体" panose="02010609060101010101" pitchFamily="49" charset="-122"/>
@@ -28787,12 +29146,12 @@
               <a:buChar char="p"/>
             </a:pPr>
             <a:r>
-              <a:rPr lang="zh-CN" altLang="en-US" sz="1800" dirty="0">
+              <a:rPr lang="zh-CN" altLang="en-US" sz="1800" dirty="0" smtClean="0">
                 <a:latin typeface="楷体" panose="02010609060101010101" pitchFamily="49" charset="-122"/>
                 <a:ea typeface="楷体" panose="02010609060101010101" pitchFamily="49" charset="-122"/>
                 <a:cs typeface="Times New Roman" panose="02020603050405020304" pitchFamily="18" charset="0"/>
               </a:rPr>
-              <a:t>利</a:t>
+              <a:t>步骤</a:t>
             </a:r>
             <a:r>
               <a:rPr lang="zh-CN" altLang="en-US" sz="1800" dirty="0" smtClean="0">
@@ -28800,7 +29159,23 @@
                 <a:ea typeface="楷体" panose="02010609060101010101" pitchFamily="49" charset="-122"/>
                 <a:cs typeface="Times New Roman" panose="02020603050405020304" pitchFamily="18" charset="0"/>
               </a:rPr>
-              <a:t>用反向传播算法训练</a:t>
+              <a:t>四：</a:t>
+            </a:r>
+            <a:r>
+              <a:rPr lang="zh-CN" altLang="en-US" sz="1800" dirty="0" smtClean="0">
+                <a:latin typeface="楷体" panose="02010609060101010101" pitchFamily="49" charset="-122"/>
+                <a:ea typeface="楷体" panose="02010609060101010101" pitchFamily="49" charset="-122"/>
+                <a:cs typeface="Times New Roman" panose="02020603050405020304" pitchFamily="18" charset="0"/>
+              </a:rPr>
+              <a:t>利用</a:t>
+            </a:r>
+            <a:r>
+              <a:rPr lang="zh-CN" altLang="en-US" sz="1800" dirty="0" smtClean="0">
+                <a:latin typeface="楷体" panose="02010609060101010101" pitchFamily="49" charset="-122"/>
+                <a:ea typeface="楷体" panose="02010609060101010101" pitchFamily="49" charset="-122"/>
+                <a:cs typeface="Times New Roman" panose="02020603050405020304" pitchFamily="18" charset="0"/>
+              </a:rPr>
+              <a:t>反向传播算法训练</a:t>
             </a:r>
             <a:endParaRPr lang="en-US" altLang="zh-CN" sz="1800" dirty="0">
               <a:latin typeface="楷体" panose="02010609060101010101" pitchFamily="49" charset="-122"/>
@@ -29604,14 +29979,14 @@
                 <a:gridCol w="2373162">
                   <a:extLst>
                     <a:ext uri="{9D8B030D-6E8A-4147-A177-3AD203B41FA5}">
-                      <a16:colId xmlns:a16="http://schemas.microsoft.com/office/drawing/2014/main" xmlns="" val="20000"/>
+                      <a16:colId xmlns:a16="http://schemas.microsoft.com/office/drawing/2014/main" val="20000"/>
                     </a:ext>
                   </a:extLst>
                 </a:gridCol>
                 <a:gridCol w="2091334">
                   <a:extLst>
                     <a:ext uri="{9D8B030D-6E8A-4147-A177-3AD203B41FA5}">
-                      <a16:colId xmlns:a16="http://schemas.microsoft.com/office/drawing/2014/main" xmlns="" val="20001"/>
+                      <a16:colId xmlns:a16="http://schemas.microsoft.com/office/drawing/2014/main" val="20001"/>
                     </a:ext>
                   </a:extLst>
                 </a:gridCol>
@@ -29681,7 +30056,7 @@
                 </a:tc>
                 <a:extLst>
                   <a:ext uri="{0D108BD9-81ED-4DB2-BD59-A6C34878D82A}">
-                    <a16:rowId xmlns:a16="http://schemas.microsoft.com/office/drawing/2014/main" xmlns="" val="10000"/>
+                    <a16:rowId xmlns:a16="http://schemas.microsoft.com/office/drawing/2014/main" val="10000"/>
                   </a:ext>
                 </a:extLst>
               </a:tr>
@@ -29750,7 +30125,7 @@
                 </a:tc>
                 <a:extLst>
                   <a:ext uri="{0D108BD9-81ED-4DB2-BD59-A6C34878D82A}">
-                    <a16:rowId xmlns:a16="http://schemas.microsoft.com/office/drawing/2014/main" xmlns="" val="10001"/>
+                    <a16:rowId xmlns:a16="http://schemas.microsoft.com/office/drawing/2014/main" val="10001"/>
                   </a:ext>
                 </a:extLst>
               </a:tr>
@@ -29819,7 +30194,7 @@
                 </a:tc>
                 <a:extLst>
                   <a:ext uri="{0D108BD9-81ED-4DB2-BD59-A6C34878D82A}">
-                    <a16:rowId xmlns:a16="http://schemas.microsoft.com/office/drawing/2014/main" xmlns="" val="10002"/>
+                    <a16:rowId xmlns:a16="http://schemas.microsoft.com/office/drawing/2014/main" val="10002"/>
                   </a:ext>
                 </a:extLst>
               </a:tr>
@@ -29888,7 +30263,7 @@
                 </a:tc>
                 <a:extLst>
                   <a:ext uri="{0D108BD9-81ED-4DB2-BD59-A6C34878D82A}">
-                    <a16:rowId xmlns:a16="http://schemas.microsoft.com/office/drawing/2014/main" xmlns="" val="10003"/>
+                    <a16:rowId xmlns:a16="http://schemas.microsoft.com/office/drawing/2014/main" val="10003"/>
                   </a:ext>
                 </a:extLst>
               </a:tr>
@@ -29957,7 +30332,7 @@
                 </a:tc>
                 <a:extLst>
                   <a:ext uri="{0D108BD9-81ED-4DB2-BD59-A6C34878D82A}">
-                    <a16:rowId xmlns:a16="http://schemas.microsoft.com/office/drawing/2014/main" xmlns="" val="10004"/>
+                    <a16:rowId xmlns:a16="http://schemas.microsoft.com/office/drawing/2014/main" val="10004"/>
                   </a:ext>
                 </a:extLst>
               </a:tr>
@@ -30026,7 +30401,7 @@
                 </a:tc>
                 <a:extLst>
                   <a:ext uri="{0D108BD9-81ED-4DB2-BD59-A6C34878D82A}">
-                    <a16:rowId xmlns:a16="http://schemas.microsoft.com/office/drawing/2014/main" xmlns="" val="10005"/>
+                    <a16:rowId xmlns:a16="http://schemas.microsoft.com/office/drawing/2014/main" val="10005"/>
                   </a:ext>
                 </a:extLst>
               </a:tr>
@@ -30095,7 +30470,7 @@
                 </a:tc>
                 <a:extLst>
                   <a:ext uri="{0D108BD9-81ED-4DB2-BD59-A6C34878D82A}">
-                    <a16:rowId xmlns:a16="http://schemas.microsoft.com/office/drawing/2014/main" xmlns="" val="10006"/>
+                    <a16:rowId xmlns:a16="http://schemas.microsoft.com/office/drawing/2014/main" val="10006"/>
                   </a:ext>
                 </a:extLst>
               </a:tr>
@@ -30164,7 +30539,7 @@
                 </a:tc>
                 <a:extLst>
                   <a:ext uri="{0D108BD9-81ED-4DB2-BD59-A6C34878D82A}">
-                    <a16:rowId xmlns:a16="http://schemas.microsoft.com/office/drawing/2014/main" xmlns="" val="10007"/>
+                    <a16:rowId xmlns:a16="http://schemas.microsoft.com/office/drawing/2014/main" val="10007"/>
                   </a:ext>
                 </a:extLst>
               </a:tr>
@@ -30233,7 +30608,7 @@
                 </a:tc>
                 <a:extLst>
                   <a:ext uri="{0D108BD9-81ED-4DB2-BD59-A6C34878D82A}">
-                    <a16:rowId xmlns:a16="http://schemas.microsoft.com/office/drawing/2014/main" xmlns="" val="10008"/>
+                    <a16:rowId xmlns:a16="http://schemas.microsoft.com/office/drawing/2014/main" val="10008"/>
                   </a:ext>
                 </a:extLst>
               </a:tr>
@@ -30302,7 +30677,7 @@
                 </a:tc>
                 <a:extLst>
                   <a:ext uri="{0D108BD9-81ED-4DB2-BD59-A6C34878D82A}">
-                    <a16:rowId xmlns:a16="http://schemas.microsoft.com/office/drawing/2014/main" xmlns="" val="10009"/>
+                    <a16:rowId xmlns:a16="http://schemas.microsoft.com/office/drawing/2014/main" val="10009"/>
                   </a:ext>
                 </a:extLst>
               </a:tr>
@@ -30371,7 +30746,7 @@
                 </a:tc>
                 <a:extLst>
                   <a:ext uri="{0D108BD9-81ED-4DB2-BD59-A6C34878D82A}">
-                    <a16:rowId xmlns:a16="http://schemas.microsoft.com/office/drawing/2014/main" xmlns="" val="10010"/>
+                    <a16:rowId xmlns:a16="http://schemas.microsoft.com/office/drawing/2014/main" val="10010"/>
                   </a:ext>
                 </a:extLst>
               </a:tr>
@@ -30440,7 +30815,7 @@
                 </a:tc>
                 <a:extLst>
                   <a:ext uri="{0D108BD9-81ED-4DB2-BD59-A6C34878D82A}">
-                    <a16:rowId xmlns:a16="http://schemas.microsoft.com/office/drawing/2014/main" xmlns="" val="10011"/>
+                    <a16:rowId xmlns:a16="http://schemas.microsoft.com/office/drawing/2014/main" val="10011"/>
                   </a:ext>
                 </a:extLst>
               </a:tr>
@@ -30642,14 +31017,14 @@
                 <a:gridCol w="1425788">
                   <a:extLst>
                     <a:ext uri="{9D8B030D-6E8A-4147-A177-3AD203B41FA5}">
-                      <a16:colId xmlns:a16="http://schemas.microsoft.com/office/drawing/2014/main" xmlns="" val="20000"/>
+                      <a16:colId xmlns:a16="http://schemas.microsoft.com/office/drawing/2014/main" val="20000"/>
                     </a:ext>
                   </a:extLst>
                 </a:gridCol>
                 <a:gridCol w="1958588">
                   <a:extLst>
                     <a:ext uri="{9D8B030D-6E8A-4147-A177-3AD203B41FA5}">
-                      <a16:colId xmlns:a16="http://schemas.microsoft.com/office/drawing/2014/main" xmlns="" val="20001"/>
+                      <a16:colId xmlns:a16="http://schemas.microsoft.com/office/drawing/2014/main" val="20001"/>
                     </a:ext>
                   </a:extLst>
                 </a:gridCol>
@@ -30743,7 +31118,7 @@
                 </a:tc>
                 <a:extLst>
                   <a:ext uri="{0D108BD9-81ED-4DB2-BD59-A6C34878D82A}">
-                    <a16:rowId xmlns:a16="http://schemas.microsoft.com/office/drawing/2014/main" xmlns="" val="10000"/>
+                    <a16:rowId xmlns:a16="http://schemas.microsoft.com/office/drawing/2014/main" val="10000"/>
                   </a:ext>
                 </a:extLst>
               </a:tr>
@@ -30812,7 +31187,7 @@
                 </a:tc>
                 <a:extLst>
                   <a:ext uri="{0D108BD9-81ED-4DB2-BD59-A6C34878D82A}">
-                    <a16:rowId xmlns:a16="http://schemas.microsoft.com/office/drawing/2014/main" xmlns="" val="10001"/>
+                    <a16:rowId xmlns:a16="http://schemas.microsoft.com/office/drawing/2014/main" val="10001"/>
                   </a:ext>
                 </a:extLst>
               </a:tr>
@@ -30881,7 +31256,7 @@
                 </a:tc>
                 <a:extLst>
                   <a:ext uri="{0D108BD9-81ED-4DB2-BD59-A6C34878D82A}">
-                    <a16:rowId xmlns:a16="http://schemas.microsoft.com/office/drawing/2014/main" xmlns="" val="10002"/>
+                    <a16:rowId xmlns:a16="http://schemas.microsoft.com/office/drawing/2014/main" val="10002"/>
                   </a:ext>
                 </a:extLst>
               </a:tr>
@@ -30950,7 +31325,7 @@
                 </a:tc>
                 <a:extLst>
                   <a:ext uri="{0D108BD9-81ED-4DB2-BD59-A6C34878D82A}">
-                    <a16:rowId xmlns:a16="http://schemas.microsoft.com/office/drawing/2014/main" xmlns="" val="10003"/>
+                    <a16:rowId xmlns:a16="http://schemas.microsoft.com/office/drawing/2014/main" val="10003"/>
                   </a:ext>
                 </a:extLst>
               </a:tr>
@@ -31019,7 +31394,7 @@
                 </a:tc>
                 <a:extLst>
                   <a:ext uri="{0D108BD9-81ED-4DB2-BD59-A6C34878D82A}">
-                    <a16:rowId xmlns:a16="http://schemas.microsoft.com/office/drawing/2014/main" xmlns="" val="10004"/>
+                    <a16:rowId xmlns:a16="http://schemas.microsoft.com/office/drawing/2014/main" val="10004"/>
                   </a:ext>
                 </a:extLst>
               </a:tr>
@@ -31088,7 +31463,7 @@
                 </a:tc>
                 <a:extLst>
                   <a:ext uri="{0D108BD9-81ED-4DB2-BD59-A6C34878D82A}">
-                    <a16:rowId xmlns:a16="http://schemas.microsoft.com/office/drawing/2014/main" xmlns="" val="10005"/>
+                    <a16:rowId xmlns:a16="http://schemas.microsoft.com/office/drawing/2014/main" val="10005"/>
                   </a:ext>
                 </a:extLst>
               </a:tr>
@@ -31157,7 +31532,7 @@
                 </a:tc>
                 <a:extLst>
                   <a:ext uri="{0D108BD9-81ED-4DB2-BD59-A6C34878D82A}">
-                    <a16:rowId xmlns:a16="http://schemas.microsoft.com/office/drawing/2014/main" xmlns="" val="10006"/>
+                    <a16:rowId xmlns:a16="http://schemas.microsoft.com/office/drawing/2014/main" val="10006"/>
                   </a:ext>
                 </a:extLst>
               </a:tr>
@@ -31193,14 +31568,14 @@
                 <a:gridCol w="1390163">
                   <a:extLst>
                     <a:ext uri="{9D8B030D-6E8A-4147-A177-3AD203B41FA5}">
-                      <a16:colId xmlns:a16="http://schemas.microsoft.com/office/drawing/2014/main" xmlns="" val="20000"/>
+                      <a16:colId xmlns:a16="http://schemas.microsoft.com/office/drawing/2014/main" val="20000"/>
                     </a:ext>
                   </a:extLst>
                 </a:gridCol>
                 <a:gridCol w="1994213">
                   <a:extLst>
                     <a:ext uri="{9D8B030D-6E8A-4147-A177-3AD203B41FA5}">
-                      <a16:colId xmlns:a16="http://schemas.microsoft.com/office/drawing/2014/main" xmlns="" val="20001"/>
+                      <a16:colId xmlns:a16="http://schemas.microsoft.com/office/drawing/2014/main" val="20001"/>
                     </a:ext>
                   </a:extLst>
                 </a:gridCol>
@@ -31270,7 +31645,7 @@
                 </a:tc>
                 <a:extLst>
                   <a:ext uri="{0D108BD9-81ED-4DB2-BD59-A6C34878D82A}">
-                    <a16:rowId xmlns:a16="http://schemas.microsoft.com/office/drawing/2014/main" xmlns="" val="10000"/>
+                    <a16:rowId xmlns:a16="http://schemas.microsoft.com/office/drawing/2014/main" val="10000"/>
                   </a:ext>
                 </a:extLst>
               </a:tr>
@@ -31339,7 +31714,7 @@
                 </a:tc>
                 <a:extLst>
                   <a:ext uri="{0D108BD9-81ED-4DB2-BD59-A6C34878D82A}">
-                    <a16:rowId xmlns:a16="http://schemas.microsoft.com/office/drawing/2014/main" xmlns="" val="10001"/>
+                    <a16:rowId xmlns:a16="http://schemas.microsoft.com/office/drawing/2014/main" val="10001"/>
                   </a:ext>
                 </a:extLst>
               </a:tr>
@@ -31414,7 +31789,7 @@
                 </a:tc>
                 <a:extLst>
                   <a:ext uri="{0D108BD9-81ED-4DB2-BD59-A6C34878D82A}">
-                    <a16:rowId xmlns:a16="http://schemas.microsoft.com/office/drawing/2014/main" xmlns="" val="10002"/>
+                    <a16:rowId xmlns:a16="http://schemas.microsoft.com/office/drawing/2014/main" val="10002"/>
                   </a:ext>
                 </a:extLst>
               </a:tr>
@@ -31483,7 +31858,7 @@
                 </a:tc>
                 <a:extLst>
                   <a:ext uri="{0D108BD9-81ED-4DB2-BD59-A6C34878D82A}">
-                    <a16:rowId xmlns:a16="http://schemas.microsoft.com/office/drawing/2014/main" xmlns="" val="10003"/>
+                    <a16:rowId xmlns:a16="http://schemas.microsoft.com/office/drawing/2014/main" val="10003"/>
                   </a:ext>
                 </a:extLst>
               </a:tr>
@@ -32229,15 +32604,12 @@
                 <a:latin typeface="黑体" pitchFamily="49" charset="-122"/>
                 <a:ea typeface="黑体" pitchFamily="49" charset="-122"/>
               </a:rPr>
-              <a:t>实验</a:t>
+              <a:t>对比实验</a:t>
             </a:r>
-            <a:r>
-              <a:rPr lang="zh-CN" altLang="en-US" sz="2800" b="0" dirty="0">
-                <a:latin typeface="黑体" pitchFamily="49" charset="-122"/>
-                <a:ea typeface="黑体" pitchFamily="49" charset="-122"/>
-              </a:rPr>
-              <a:t>对比</a:t>
-            </a:r>
+            <a:endParaRPr lang="zh-CN" altLang="en-US" sz="2800" b="0" dirty="0">
+              <a:latin typeface="黑体" pitchFamily="49" charset="-122"/>
+              <a:ea typeface="黑体" pitchFamily="49" charset="-122"/>
+            </a:endParaRPr>
           </a:p>
         </p:txBody>
       </p:sp>
@@ -32832,7 +33204,7 @@
           <a:graphicData uri="http://schemas.openxmlformats.org/presentationml/2006/ole">
             <mc:AlternateContent xmlns:mc="http://schemas.openxmlformats.org/markup-compatibility/2006">
               <mc:Choice xmlns:v="urn:schemas-microsoft-com:vml" Requires="v">
-                <p:oleObj spid="_x0000_s4237" name="Visio" r:id="rId4" imgW="4174659" imgH="6226721" progId="Visio.Drawing.11">
+                <p:oleObj spid="_x0000_s4288" name="Visio" r:id="rId4" imgW="4174659" imgH="6226721" progId="Visio.Drawing.11">
                   <p:embed/>
                 </p:oleObj>
               </mc:Choice>
@@ -33652,14 +34024,14 @@
                 <a:gridCol w="2329948">
                   <a:extLst>
                     <a:ext uri="{9D8B030D-6E8A-4147-A177-3AD203B41FA5}">
-                      <a16:colId xmlns:a16="http://schemas.microsoft.com/office/drawing/2014/main" xmlns="" val="20000"/>
+                      <a16:colId xmlns:a16="http://schemas.microsoft.com/office/drawing/2014/main" val="20000"/>
                     </a:ext>
                   </a:extLst>
                 </a:gridCol>
                 <a:gridCol w="4779740">
                   <a:extLst>
                     <a:ext uri="{9D8B030D-6E8A-4147-A177-3AD203B41FA5}">
-                      <a16:colId xmlns:a16="http://schemas.microsoft.com/office/drawing/2014/main" xmlns="" val="20001"/>
+                      <a16:colId xmlns:a16="http://schemas.microsoft.com/office/drawing/2014/main" val="20001"/>
                     </a:ext>
                   </a:extLst>
                 </a:gridCol>
@@ -33729,7 +34101,7 @@
                 </a:tc>
                 <a:extLst>
                   <a:ext uri="{0D108BD9-81ED-4DB2-BD59-A6C34878D82A}">
-                    <a16:rowId xmlns:a16="http://schemas.microsoft.com/office/drawing/2014/main" xmlns="" val="10000"/>
+                    <a16:rowId xmlns:a16="http://schemas.microsoft.com/office/drawing/2014/main" val="10000"/>
                   </a:ext>
                 </a:extLst>
               </a:tr>
@@ -33804,7 +34176,7 @@
                 </a:tc>
                 <a:extLst>
                   <a:ext uri="{0D108BD9-81ED-4DB2-BD59-A6C34878D82A}">
-                    <a16:rowId xmlns:a16="http://schemas.microsoft.com/office/drawing/2014/main" xmlns="" val="10001"/>
+                    <a16:rowId xmlns:a16="http://schemas.microsoft.com/office/drawing/2014/main" val="10001"/>
                   </a:ext>
                 </a:extLst>
               </a:tr>
@@ -33879,7 +34251,7 @@
                 </a:tc>
                 <a:extLst>
                   <a:ext uri="{0D108BD9-81ED-4DB2-BD59-A6C34878D82A}">
-                    <a16:rowId xmlns:a16="http://schemas.microsoft.com/office/drawing/2014/main" xmlns="" val="10002"/>
+                    <a16:rowId xmlns:a16="http://schemas.microsoft.com/office/drawing/2014/main" val="10002"/>
                   </a:ext>
                 </a:extLst>
               </a:tr>
@@ -33954,7 +34326,7 @@
                 </a:tc>
                 <a:extLst>
                   <a:ext uri="{0D108BD9-81ED-4DB2-BD59-A6C34878D82A}">
-                    <a16:rowId xmlns:a16="http://schemas.microsoft.com/office/drawing/2014/main" xmlns="" val="10003"/>
+                    <a16:rowId xmlns:a16="http://schemas.microsoft.com/office/drawing/2014/main" val="10003"/>
                   </a:ext>
                 </a:extLst>
               </a:tr>
@@ -34029,7 +34401,7 @@
                 </a:tc>
                 <a:extLst>
                   <a:ext uri="{0D108BD9-81ED-4DB2-BD59-A6C34878D82A}">
-                    <a16:rowId xmlns:a16="http://schemas.microsoft.com/office/drawing/2014/main" xmlns="" val="10004"/>
+                    <a16:rowId xmlns:a16="http://schemas.microsoft.com/office/drawing/2014/main" val="10004"/>
                   </a:ext>
                 </a:extLst>
               </a:tr>
@@ -34098,7 +34470,7 @@
                 </a:tc>
                 <a:extLst>
                   <a:ext uri="{0D108BD9-81ED-4DB2-BD59-A6C34878D82A}">
-                    <a16:rowId xmlns:a16="http://schemas.microsoft.com/office/drawing/2014/main" xmlns="" val="10005"/>
+                    <a16:rowId xmlns:a16="http://schemas.microsoft.com/office/drawing/2014/main" val="10005"/>
                   </a:ext>
                 </a:extLst>
               </a:tr>
@@ -34521,14 +34893,14 @@
                 <a:gridCol w="1914192">
                   <a:extLst>
                     <a:ext uri="{9D8B030D-6E8A-4147-A177-3AD203B41FA5}">
-                      <a16:colId xmlns:a16="http://schemas.microsoft.com/office/drawing/2014/main" xmlns="" val="20000"/>
+                      <a16:colId xmlns:a16="http://schemas.microsoft.com/office/drawing/2014/main" val="20000"/>
                     </a:ext>
                   </a:extLst>
                 </a:gridCol>
                 <a:gridCol w="1686208">
                   <a:extLst>
                     <a:ext uri="{9D8B030D-6E8A-4147-A177-3AD203B41FA5}">
-                      <a16:colId xmlns:a16="http://schemas.microsoft.com/office/drawing/2014/main" xmlns="" val="20001"/>
+                      <a16:colId xmlns:a16="http://schemas.microsoft.com/office/drawing/2014/main" val="20001"/>
                     </a:ext>
                   </a:extLst>
                 </a:gridCol>
@@ -34598,7 +34970,7 @@
                 </a:tc>
                 <a:extLst>
                   <a:ext uri="{0D108BD9-81ED-4DB2-BD59-A6C34878D82A}">
-                    <a16:rowId xmlns:a16="http://schemas.microsoft.com/office/drawing/2014/main" xmlns="" val="10000"/>
+                    <a16:rowId xmlns:a16="http://schemas.microsoft.com/office/drawing/2014/main" val="10000"/>
                   </a:ext>
                 </a:extLst>
               </a:tr>
@@ -34673,7 +35045,7 @@
                 </a:tc>
                 <a:extLst>
                   <a:ext uri="{0D108BD9-81ED-4DB2-BD59-A6C34878D82A}">
-                    <a16:rowId xmlns:a16="http://schemas.microsoft.com/office/drawing/2014/main" xmlns="" val="10001"/>
+                    <a16:rowId xmlns:a16="http://schemas.microsoft.com/office/drawing/2014/main" val="10001"/>
                   </a:ext>
                 </a:extLst>
               </a:tr>
@@ -34748,7 +35120,7 @@
                 </a:tc>
                 <a:extLst>
                   <a:ext uri="{0D108BD9-81ED-4DB2-BD59-A6C34878D82A}">
-                    <a16:rowId xmlns:a16="http://schemas.microsoft.com/office/drawing/2014/main" xmlns="" val="10002"/>
+                    <a16:rowId xmlns:a16="http://schemas.microsoft.com/office/drawing/2014/main" val="10002"/>
                   </a:ext>
                 </a:extLst>
               </a:tr>
@@ -34823,7 +35195,7 @@
                 </a:tc>
                 <a:extLst>
                   <a:ext uri="{0D108BD9-81ED-4DB2-BD59-A6C34878D82A}">
-                    <a16:rowId xmlns:a16="http://schemas.microsoft.com/office/drawing/2014/main" xmlns="" val="10003"/>
+                    <a16:rowId xmlns:a16="http://schemas.microsoft.com/office/drawing/2014/main" val="10003"/>
                   </a:ext>
                 </a:extLst>
               </a:tr>
@@ -34898,7 +35270,7 @@
                 </a:tc>
                 <a:extLst>
                   <a:ext uri="{0D108BD9-81ED-4DB2-BD59-A6C34878D82A}">
-                    <a16:rowId xmlns:a16="http://schemas.microsoft.com/office/drawing/2014/main" xmlns="" val="10004"/>
+                    <a16:rowId xmlns:a16="http://schemas.microsoft.com/office/drawing/2014/main" val="10004"/>
                   </a:ext>
                 </a:extLst>
               </a:tr>
@@ -34973,7 +35345,7 @@
                 </a:tc>
                 <a:extLst>
                   <a:ext uri="{0D108BD9-81ED-4DB2-BD59-A6C34878D82A}">
-                    <a16:rowId xmlns:a16="http://schemas.microsoft.com/office/drawing/2014/main" xmlns="" val="10005"/>
+                    <a16:rowId xmlns:a16="http://schemas.microsoft.com/office/drawing/2014/main" val="10005"/>
                   </a:ext>
                 </a:extLst>
               </a:tr>
@@ -35042,7 +35414,7 @@
                 </a:tc>
                 <a:extLst>
                   <a:ext uri="{0D108BD9-81ED-4DB2-BD59-A6C34878D82A}">
-                    <a16:rowId xmlns:a16="http://schemas.microsoft.com/office/drawing/2014/main" xmlns="" val="10006"/>
+                    <a16:rowId xmlns:a16="http://schemas.microsoft.com/office/drawing/2014/main" val="10006"/>
                   </a:ext>
                 </a:extLst>
               </a:tr>
@@ -35111,7 +35483,7 @@
                 </a:tc>
                 <a:extLst>
                   <a:ext uri="{0D108BD9-81ED-4DB2-BD59-A6C34878D82A}">
-                    <a16:rowId xmlns:a16="http://schemas.microsoft.com/office/drawing/2014/main" xmlns="" val="10007"/>
+                    <a16:rowId xmlns:a16="http://schemas.microsoft.com/office/drawing/2014/main" val="10007"/>
                   </a:ext>
                 </a:extLst>
               </a:tr>
@@ -37803,18 +38175,11 @@
               </a:lnSpc>
             </a:pPr>
             <a:r>
-              <a:rPr lang="zh-CN" altLang="en-US" sz="2000" dirty="0">
-                <a:latin typeface="楷体" panose="02010609060101010101" pitchFamily="49" charset="-122"/>
-                <a:ea typeface="楷体" panose="02010609060101010101" pitchFamily="49" charset="-122"/>
-              </a:rPr>
-              <a:t>合</a:t>
-            </a:r>
-            <a:r>
               <a:rPr lang="zh-CN" altLang="en-US" sz="2000" dirty="0" smtClean="0">
                 <a:latin typeface="楷体" panose="02010609060101010101" pitchFamily="49" charset="-122"/>
                 <a:ea typeface="楷体" panose="02010609060101010101" pitchFamily="49" charset="-122"/>
               </a:rPr>
-              <a:t>作</a:t>
+              <a:t>合作</a:t>
             </a:r>
             <a:endParaRPr lang="en-US" altLang="zh-CN" sz="2000" dirty="0" smtClean="0">
               <a:latin typeface="楷体" panose="02010609060101010101" pitchFamily="49" charset="-122"/>
@@ -37977,7 +38342,12 @@
             <p:ph idx="1"/>
           </p:nvPr>
         </p:nvSpPr>
-        <p:spPr/>
+        <p:spPr>
+          <a:xfrm>
+            <a:off x="323529" y="1484313"/>
+            <a:ext cx="8287072" cy="792559"/>
+          </a:xfrm>
+        </p:spPr>
         <p:txBody>
           <a:bodyPr/>
           <a:lstStyle/>
@@ -37987,21 +38357,15 @@
                 <a:latin typeface="楷体" panose="02010609060101010101" pitchFamily="49" charset="-122"/>
                 <a:ea typeface="楷体" panose="02010609060101010101" pitchFamily="49" charset="-122"/>
               </a:rPr>
-              <a:t>实体关系抽取的主要任务是识别非结构化文本中出现的实体并确定实体之间的语义关</a:t>
+              <a:t>实体关系抽取的主要任务是识别非结构化文本中出现的实体并确定实体之间的语义</a:t>
             </a:r>
             <a:r>
               <a:rPr lang="zh-CN" altLang="en-US" sz="1800" dirty="0" smtClean="0">
                 <a:latin typeface="楷体" panose="02010609060101010101" pitchFamily="49" charset="-122"/>
                 <a:ea typeface="楷体" panose="02010609060101010101" pitchFamily="49" charset="-122"/>
               </a:rPr>
-              <a:t>系</a:t>
+              <a:t>关系</a:t>
             </a:r>
-            <a:endParaRPr lang="en-US" altLang="zh-CN" sz="1800" dirty="0" smtClean="0">
-              <a:latin typeface="楷体" panose="02010609060101010101" pitchFamily="49" charset="-122"/>
-              <a:ea typeface="楷体" panose="02010609060101010101" pitchFamily="49" charset="-122"/>
-            </a:endParaRPr>
-          </a:p>
-          <a:p>
             <a:endParaRPr lang="zh-CN" altLang="en-US" sz="1800" dirty="0">
               <a:latin typeface="楷体" panose="02010609060101010101" pitchFamily="49" charset="-122"/>
               <a:ea typeface="楷体" panose="02010609060101010101" pitchFamily="49" charset="-122"/>
@@ -38009,6 +38373,603 @@
           </a:p>
         </p:txBody>
       </p:sp>
+      <p:sp>
+        <p:nvSpPr>
+          <p:cNvPr id="4" name="矩形 3"/>
+          <p:cNvSpPr/>
+          <p:nvPr/>
+        </p:nvSpPr>
+        <p:spPr>
+          <a:xfrm>
+            <a:off x="2185352" y="2807061"/>
+            <a:ext cx="4668315" cy="400110"/>
+          </a:xfrm>
+          <a:prstGeom prst="rect">
+            <a:avLst/>
+          </a:prstGeom>
+          <a:ln/>
+        </p:spPr>
+        <p:style>
+          <a:lnRef idx="2">
+            <a:schemeClr val="dk1">
+              <a:shade val="50000"/>
+            </a:schemeClr>
+          </a:lnRef>
+          <a:fillRef idx="1">
+            <a:schemeClr val="dk1"/>
+          </a:fillRef>
+          <a:effectRef idx="0">
+            <a:schemeClr val="dk1"/>
+          </a:effectRef>
+          <a:fontRef idx="minor">
+            <a:schemeClr val="lt1"/>
+          </a:fontRef>
+        </p:style>
+        <p:txBody>
+          <a:bodyPr wrap="square">
+            <a:spAutoFit/>
+          </a:bodyPr>
+          <a:lstStyle/>
+          <a:p>
+            <a:r>
+              <a:rPr lang="zh-CN" altLang="en-US" sz="2000" dirty="0" smtClean="0">
+                <a:latin typeface="微软雅黑" panose="020B0503020204020204" pitchFamily="34" charset="-122"/>
+                <a:ea typeface="微软雅黑" panose="020B0503020204020204" pitchFamily="34" charset="-122"/>
+              </a:rPr>
+              <a:t>谷歌以</a:t>
+            </a:r>
+            <a:r>
+              <a:rPr lang="zh-CN" altLang="en-US" sz="2000" dirty="0">
+                <a:latin typeface="微软雅黑" panose="020B0503020204020204" pitchFamily="34" charset="-122"/>
+                <a:ea typeface="微软雅黑" panose="020B0503020204020204" pitchFamily="34" charset="-122"/>
+              </a:rPr>
+              <a:t>4亿美元的价格收购</a:t>
+            </a:r>
+            <a:r>
+              <a:rPr lang="zh-CN" altLang="en-US" sz="2000" dirty="0" smtClean="0">
+                <a:latin typeface="微软雅黑" panose="020B0503020204020204" pitchFamily="34" charset="-122"/>
+                <a:ea typeface="微软雅黑" panose="020B0503020204020204" pitchFamily="34" charset="-122"/>
+              </a:rPr>
+              <a:t>了DeepMind</a:t>
+            </a:r>
+            <a:endParaRPr lang="zh-CN" altLang="en-US" sz="2000" dirty="0">
+              <a:latin typeface="微软雅黑" panose="020B0503020204020204" pitchFamily="34" charset="-122"/>
+              <a:ea typeface="微软雅黑" panose="020B0503020204020204" pitchFamily="34" charset="-122"/>
+            </a:endParaRPr>
+          </a:p>
+        </p:txBody>
+      </p:sp>
+      <p:sp>
+        <p:nvSpPr>
+          <p:cNvPr id="10" name="上箭头 9"/>
+          <p:cNvSpPr/>
+          <p:nvPr/>
+        </p:nvSpPr>
+        <p:spPr>
+          <a:xfrm>
+            <a:off x="2465766" y="3250361"/>
+            <a:ext cx="216024" cy="648072"/>
+          </a:xfrm>
+          <a:prstGeom prst="upArrow">
+            <a:avLst/>
+          </a:prstGeom>
+        </p:spPr>
+        <p:style>
+          <a:lnRef idx="2">
+            <a:schemeClr val="accent4"/>
+          </a:lnRef>
+          <a:fillRef idx="1">
+            <a:schemeClr val="lt1"/>
+          </a:fillRef>
+          <a:effectRef idx="0">
+            <a:schemeClr val="accent4"/>
+          </a:effectRef>
+          <a:fontRef idx="minor">
+            <a:schemeClr val="dk1"/>
+          </a:fontRef>
+        </p:style>
+        <p:txBody>
+          <a:bodyPr rtlCol="0" anchor="ctr">
+            <a:spAutoFit/>
+          </a:bodyPr>
+          <a:lstStyle/>
+          <a:p>
+            <a:pPr algn="ctr"/>
+            <a:endParaRPr lang="zh-CN" altLang="en-US" b="1" dirty="0" smtClean="0"/>
+          </a:p>
+        </p:txBody>
+      </p:sp>
+      <p:sp>
+        <p:nvSpPr>
+          <p:cNvPr id="14" name="文本框 13"/>
+          <p:cNvSpPr txBox="1"/>
+          <p:nvPr/>
+        </p:nvSpPr>
+        <p:spPr>
+          <a:xfrm>
+            <a:off x="2172388" y="3938973"/>
+            <a:ext cx="828092" cy="338554"/>
+          </a:xfrm>
+          <a:prstGeom prst="rect">
+            <a:avLst/>
+          </a:prstGeom>
+        </p:spPr>
+        <p:style>
+          <a:lnRef idx="2">
+            <a:schemeClr val="dk1"/>
+          </a:lnRef>
+          <a:fillRef idx="1">
+            <a:schemeClr val="lt1"/>
+          </a:fillRef>
+          <a:effectRef idx="0">
+            <a:schemeClr val="dk1"/>
+          </a:effectRef>
+          <a:fontRef idx="minor">
+            <a:schemeClr val="dk1"/>
+          </a:fontRef>
+        </p:style>
+        <p:txBody>
+          <a:bodyPr wrap="square" rtlCol="0">
+            <a:spAutoFit/>
+          </a:bodyPr>
+          <a:lstStyle/>
+          <a:p>
+            <a:r>
+              <a:rPr lang="zh-CN" altLang="en-US" sz="1600" dirty="0" smtClean="0"/>
+              <a:t>头实体</a:t>
+            </a:r>
+            <a:endParaRPr lang="zh-CN" altLang="en-US" sz="1600" dirty="0"/>
+          </a:p>
+        </p:txBody>
+      </p:sp>
+      <p:sp>
+        <p:nvSpPr>
+          <p:cNvPr id="15" name="文本框 14"/>
+          <p:cNvSpPr txBox="1"/>
+          <p:nvPr/>
+        </p:nvSpPr>
+        <p:spPr>
+          <a:xfrm>
+            <a:off x="5868144" y="3949316"/>
+            <a:ext cx="828092" cy="338554"/>
+          </a:xfrm>
+          <a:prstGeom prst="rect">
+            <a:avLst/>
+          </a:prstGeom>
+        </p:spPr>
+        <p:style>
+          <a:lnRef idx="2">
+            <a:schemeClr val="dk1"/>
+          </a:lnRef>
+          <a:fillRef idx="1">
+            <a:schemeClr val="lt1"/>
+          </a:fillRef>
+          <a:effectRef idx="0">
+            <a:schemeClr val="dk1"/>
+          </a:effectRef>
+          <a:fontRef idx="minor">
+            <a:schemeClr val="dk1"/>
+          </a:fontRef>
+        </p:style>
+        <p:txBody>
+          <a:bodyPr wrap="square" rtlCol="0">
+            <a:spAutoFit/>
+          </a:bodyPr>
+          <a:lstStyle/>
+          <a:p>
+            <a:r>
+              <a:rPr lang="zh-CN" altLang="en-US" sz="1600" dirty="0" smtClean="0"/>
+              <a:t>尾实体</a:t>
+            </a:r>
+            <a:endParaRPr lang="zh-CN" altLang="en-US" sz="1600" dirty="0"/>
+          </a:p>
+        </p:txBody>
+      </p:sp>
+      <p:sp>
+        <p:nvSpPr>
+          <p:cNvPr id="16" name="上箭头 15"/>
+          <p:cNvSpPr/>
+          <p:nvPr/>
+        </p:nvSpPr>
+        <p:spPr>
+          <a:xfrm>
+            <a:off x="6174178" y="3250361"/>
+            <a:ext cx="216024" cy="648072"/>
+          </a:xfrm>
+          <a:prstGeom prst="upArrow">
+            <a:avLst/>
+          </a:prstGeom>
+        </p:spPr>
+        <p:style>
+          <a:lnRef idx="2">
+            <a:schemeClr val="accent4"/>
+          </a:lnRef>
+          <a:fillRef idx="1">
+            <a:schemeClr val="lt1"/>
+          </a:fillRef>
+          <a:effectRef idx="0">
+            <a:schemeClr val="accent4"/>
+          </a:effectRef>
+          <a:fontRef idx="minor">
+            <a:schemeClr val="dk1"/>
+          </a:fontRef>
+        </p:style>
+        <p:txBody>
+          <a:bodyPr rtlCol="0" anchor="ctr">
+            <a:spAutoFit/>
+          </a:bodyPr>
+          <a:lstStyle/>
+          <a:p>
+            <a:pPr algn="ctr"/>
+            <a:endParaRPr lang="zh-CN" altLang="en-US" b="1" dirty="0" smtClean="0"/>
+          </a:p>
+        </p:txBody>
+      </p:sp>
+      <p:sp>
+        <p:nvSpPr>
+          <p:cNvPr id="17" name="文本框 16"/>
+          <p:cNvSpPr txBox="1"/>
+          <p:nvPr/>
+        </p:nvSpPr>
+        <p:spPr>
+          <a:xfrm>
+            <a:off x="4519510" y="3949316"/>
+            <a:ext cx="1008112" cy="338554"/>
+          </a:xfrm>
+          <a:prstGeom prst="rect">
+            <a:avLst/>
+          </a:prstGeom>
+        </p:spPr>
+        <p:style>
+          <a:lnRef idx="2">
+            <a:schemeClr val="dk1"/>
+          </a:lnRef>
+          <a:fillRef idx="1">
+            <a:schemeClr val="lt1"/>
+          </a:fillRef>
+          <a:effectRef idx="0">
+            <a:schemeClr val="dk1"/>
+          </a:effectRef>
+          <a:fontRef idx="minor">
+            <a:schemeClr val="dk1"/>
+          </a:fontRef>
+        </p:style>
+        <p:txBody>
+          <a:bodyPr wrap="square" rtlCol="0">
+            <a:spAutoFit/>
+          </a:bodyPr>
+          <a:lstStyle/>
+          <a:p>
+            <a:r>
+              <a:rPr lang="zh-CN" altLang="en-US" sz="1600" dirty="0"/>
+              <a:t>语义</a:t>
+            </a:r>
+            <a:r>
+              <a:rPr lang="zh-CN" altLang="en-US" sz="1600" dirty="0" smtClean="0"/>
+              <a:t>关系</a:t>
+            </a:r>
+            <a:endParaRPr lang="zh-CN" altLang="en-US" sz="1600" dirty="0"/>
+          </a:p>
+        </p:txBody>
+      </p:sp>
+      <p:sp>
+        <p:nvSpPr>
+          <p:cNvPr id="18" name="上箭头 17"/>
+          <p:cNvSpPr/>
+          <p:nvPr/>
+        </p:nvSpPr>
+        <p:spPr>
+          <a:xfrm>
+            <a:off x="4915554" y="3250361"/>
+            <a:ext cx="216024" cy="648072"/>
+          </a:xfrm>
+          <a:prstGeom prst="upArrow">
+            <a:avLst/>
+          </a:prstGeom>
+        </p:spPr>
+        <p:style>
+          <a:lnRef idx="2">
+            <a:schemeClr val="accent4"/>
+          </a:lnRef>
+          <a:fillRef idx="1">
+            <a:schemeClr val="lt1"/>
+          </a:fillRef>
+          <a:effectRef idx="0">
+            <a:schemeClr val="accent4"/>
+          </a:effectRef>
+          <a:fontRef idx="minor">
+            <a:schemeClr val="dk1"/>
+          </a:fontRef>
+        </p:style>
+        <p:txBody>
+          <a:bodyPr rtlCol="0" anchor="ctr">
+            <a:spAutoFit/>
+          </a:bodyPr>
+          <a:lstStyle/>
+          <a:p>
+            <a:pPr algn="ctr"/>
+            <a:endParaRPr lang="zh-CN" altLang="en-US" b="1" dirty="0" smtClean="0"/>
+          </a:p>
+        </p:txBody>
+      </p:sp>
+      <mc:AlternateContent xmlns:mc="http://schemas.openxmlformats.org/markup-compatibility/2006">
+        <mc:Choice xmlns:a14="http://schemas.microsoft.com/office/drawing/2010/main" Requires="a14">
+          <p:sp>
+            <p:nvSpPr>
+              <p:cNvPr id="21" name="文本框 20"/>
+              <p:cNvSpPr txBox="1"/>
+              <p:nvPr/>
+            </p:nvSpPr>
+            <p:spPr>
+              <a:xfrm>
+                <a:off x="2069722" y="5009329"/>
+                <a:ext cx="1008112" cy="276999"/>
+              </a:xfrm>
+              <a:prstGeom prst="rect">
+                <a:avLst/>
+              </a:prstGeom>
+              <a:noFill/>
+            </p:spPr>
+            <p:txBody>
+              <a:bodyPr wrap="square" lIns="0" tIns="0" rIns="0" bIns="0" rtlCol="0">
+                <a:spAutoFit/>
+              </a:bodyPr>
+              <a:lstStyle/>
+              <a:p>
+                <a14:m>
+                  <m:oMath xmlns:m="http://schemas.openxmlformats.org/officeDocument/2006/math">
+                    <m:r>
+                      <a:rPr lang="en-US" altLang="zh-CN" i="1">
+                        <a:latin typeface="Cambria Math" panose="02040503050406030204" pitchFamily="18" charset="0"/>
+                      </a:rPr>
+                      <m:t>𝑆</m:t>
+                    </m:r>
+                  </m:oMath>
+                </a14:m>
+                <a:r>
+                  <a:rPr lang="en-US" altLang="zh-CN" i="1" dirty="0" smtClean="0"/>
+                  <a:t>entence</a:t>
+                </a:r>
+              </a:p>
+            </p:txBody>
+          </p:sp>
+        </mc:Choice>
+        <mc:Fallback>
+          <p:sp>
+            <p:nvSpPr>
+              <p:cNvPr id="21" name="文本框 20"/>
+              <p:cNvSpPr txBox="1">
+                <a:spLocks noRot="1" noChangeAspect="1" noMove="1" noResize="1" noEditPoints="1" noAdjustHandles="1" noChangeArrowheads="1" noChangeShapeType="1" noTextEdit="1"/>
+              </p:cNvSpPr>
+              <p:nvPr/>
+            </p:nvSpPr>
+            <p:spPr>
+              <a:xfrm>
+                <a:off x="2069722" y="5009329"/>
+                <a:ext cx="1008112" cy="276999"/>
+              </a:xfrm>
+              <a:prstGeom prst="rect">
+                <a:avLst/>
+              </a:prstGeom>
+              <a:blipFill>
+                <a:blip r:embed="rId3"/>
+                <a:stretch>
+                  <a:fillRect t="-28889" r="-4848" b="-51111"/>
+                </a:stretch>
+              </a:blipFill>
+            </p:spPr>
+            <p:txBody>
+              <a:bodyPr/>
+              <a:lstStyle/>
+              <a:p>
+                <a:r>
+                  <a:rPr lang="zh-CN" altLang="en-US">
+                    <a:noFill/>
+                  </a:rPr>
+                  <a:t> </a:t>
+                </a:r>
+              </a:p>
+            </p:txBody>
+          </p:sp>
+        </mc:Fallback>
+      </mc:AlternateContent>
+      <p:sp>
+        <p:nvSpPr>
+          <p:cNvPr id="22" name="右箭头 21"/>
+          <p:cNvSpPr/>
+          <p:nvPr/>
+        </p:nvSpPr>
+        <p:spPr>
+          <a:xfrm>
+            <a:off x="3203848" y="5075820"/>
+            <a:ext cx="576374" cy="144016"/>
+          </a:xfrm>
+          <a:prstGeom prst="rightArrow">
+            <a:avLst/>
+          </a:prstGeom>
+        </p:spPr>
+        <p:style>
+          <a:lnRef idx="2">
+            <a:schemeClr val="accent4"/>
+          </a:lnRef>
+          <a:fillRef idx="1">
+            <a:schemeClr val="lt1"/>
+          </a:fillRef>
+          <a:effectRef idx="0">
+            <a:schemeClr val="accent4"/>
+          </a:effectRef>
+          <a:fontRef idx="minor">
+            <a:schemeClr val="dk1"/>
+          </a:fontRef>
+        </p:style>
+        <p:txBody>
+          <a:bodyPr rtlCol="0" anchor="ctr">
+            <a:spAutoFit/>
+          </a:bodyPr>
+          <a:lstStyle/>
+          <a:p>
+            <a:pPr algn="ctr"/>
+            <a:endParaRPr lang="zh-CN" altLang="en-US" b="1" dirty="0" smtClean="0"/>
+          </a:p>
+        </p:txBody>
+      </p:sp>
+      <mc:AlternateContent xmlns:mc="http://schemas.openxmlformats.org/markup-compatibility/2006">
+        <mc:Choice xmlns:a14="http://schemas.microsoft.com/office/drawing/2010/main" Requires="a14">
+          <p:sp>
+            <p:nvSpPr>
+              <p:cNvPr id="23" name="文本框 22"/>
+              <p:cNvSpPr txBox="1"/>
+              <p:nvPr/>
+            </p:nvSpPr>
+            <p:spPr>
+              <a:xfrm>
+                <a:off x="4019709" y="5009329"/>
+                <a:ext cx="3015826" cy="276999"/>
+              </a:xfrm>
+              <a:prstGeom prst="rect">
+                <a:avLst/>
+              </a:prstGeom>
+              <a:noFill/>
+            </p:spPr>
+            <p:txBody>
+              <a:bodyPr wrap="none" lIns="0" tIns="0" rIns="0" bIns="0" rtlCol="0">
+                <a:spAutoFit/>
+              </a:bodyPr>
+              <a:lstStyle/>
+              <a:p>
+                <a14:m>
+                  <m:oMathPara xmlns:m="http://schemas.openxmlformats.org/officeDocument/2006/math">
+                    <m:oMathParaPr>
+                      <m:jc m:val="centerGroup"/>
+                    </m:oMathParaPr>
+                    <m:oMath xmlns:m="http://schemas.openxmlformats.org/officeDocument/2006/math">
+                      <m:r>
+                        <a:rPr lang="en-US" altLang="zh-CN" b="0" i="1" smtClean="0">
+                          <a:latin typeface="Cambria Math" panose="02040503050406030204" pitchFamily="18" charset="0"/>
+                        </a:rPr>
+                        <m:t>&lt;</m:t>
+                      </m:r>
+                      <m:sSub>
+                        <m:sSubPr>
+                          <m:ctrlPr>
+                            <a:rPr lang="en-US" altLang="zh-CN" b="0" i="1" smtClean="0">
+                              <a:latin typeface="Cambria Math" panose="02040503050406030204" pitchFamily="18" charset="0"/>
+                            </a:rPr>
+                          </m:ctrlPr>
+                        </m:sSubPr>
+                        <m:e>
+                          <m:r>
+                            <a:rPr lang="en-US" altLang="zh-CN" b="0" i="1" smtClean="0">
+                              <a:latin typeface="Cambria Math" panose="02040503050406030204" pitchFamily="18" charset="0"/>
+                            </a:rPr>
+                            <m:t>𝑒𝑛𝑡𝑖𝑡𝑦</m:t>
+                          </m:r>
+                        </m:e>
+                        <m:sub>
+                          <m:r>
+                            <a:rPr lang="en-US" altLang="zh-CN" b="0" i="1" smtClean="0">
+                              <a:latin typeface="Cambria Math" panose="02040503050406030204" pitchFamily="18" charset="0"/>
+                            </a:rPr>
+                            <m:t>1</m:t>
+                          </m:r>
+                        </m:sub>
+                      </m:sSub>
+                      <m:r>
+                        <a:rPr lang="en-US" altLang="zh-CN" b="0" i="1" smtClean="0">
+                          <a:latin typeface="Cambria Math" panose="02040503050406030204" pitchFamily="18" charset="0"/>
+                        </a:rPr>
+                        <m:t>,</m:t>
+                      </m:r>
+                      <m:sSub>
+                        <m:sSubPr>
+                          <m:ctrlPr>
+                            <a:rPr lang="en-US" altLang="zh-CN" b="0" i="1" smtClean="0">
+                              <a:latin typeface="Cambria Math" panose="02040503050406030204" pitchFamily="18" charset="0"/>
+                            </a:rPr>
+                          </m:ctrlPr>
+                        </m:sSubPr>
+                        <m:e>
+                          <m:r>
+                            <a:rPr lang="en-US" altLang="zh-CN" b="0" i="1" smtClean="0">
+                              <a:latin typeface="Cambria Math" panose="02040503050406030204" pitchFamily="18" charset="0"/>
+                            </a:rPr>
+                            <m:t>𝑒𝑛𝑡𝑖𝑡𝑦</m:t>
+                          </m:r>
+                        </m:e>
+                        <m:sub>
+                          <m:r>
+                            <a:rPr lang="en-US" altLang="zh-CN" b="0" i="1" smtClean="0">
+                              <a:latin typeface="Cambria Math" panose="02040503050406030204" pitchFamily="18" charset="0"/>
+                            </a:rPr>
+                            <m:t>2</m:t>
+                          </m:r>
+                        </m:sub>
+                      </m:sSub>
+                      <m:r>
+                        <a:rPr lang="en-US" altLang="zh-CN" b="0" i="1" smtClean="0">
+                          <a:latin typeface="Cambria Math" panose="02040503050406030204" pitchFamily="18" charset="0"/>
+                        </a:rPr>
+                        <m:t>,</m:t>
+                      </m:r>
+                      <m:r>
+                        <a:rPr lang="en-US" altLang="zh-CN" b="0" i="1" smtClean="0">
+                          <a:latin typeface="Cambria Math" panose="02040503050406030204" pitchFamily="18" charset="0"/>
+                        </a:rPr>
+                        <m:t>𝑟𝑒𝑙𝑎𝑡𝑖𝑜𝑛</m:t>
+                      </m:r>
+                      <m:r>
+                        <a:rPr lang="en-US" altLang="zh-CN" b="0" i="1" smtClean="0">
+                          <a:latin typeface="Cambria Math" panose="02040503050406030204" pitchFamily="18" charset="0"/>
+                        </a:rPr>
+                        <m:t>&gt;</m:t>
+                      </m:r>
+                    </m:oMath>
+                  </m:oMathPara>
+                </a14:m>
+                <a:endParaRPr lang="zh-CN" altLang="en-US" dirty="0"/>
+              </a:p>
+            </p:txBody>
+          </p:sp>
+        </mc:Choice>
+        <mc:Fallback>
+          <p:sp>
+            <p:nvSpPr>
+              <p:cNvPr id="23" name="文本框 22"/>
+              <p:cNvSpPr txBox="1">
+                <a:spLocks noRot="1" noChangeAspect="1" noMove="1" noResize="1" noEditPoints="1" noAdjustHandles="1" noChangeArrowheads="1" noChangeShapeType="1" noTextEdit="1"/>
+              </p:cNvSpPr>
+              <p:nvPr/>
+            </p:nvSpPr>
+            <p:spPr>
+              <a:xfrm>
+                <a:off x="4019709" y="5009329"/>
+                <a:ext cx="3015826" cy="276999"/>
+              </a:xfrm>
+              <a:prstGeom prst="rect">
+                <a:avLst/>
+              </a:prstGeom>
+              <a:blipFill>
+                <a:blip r:embed="rId4"/>
+                <a:stretch>
+                  <a:fillRect l="-1818" t="-2222" b="-37778"/>
+                </a:stretch>
+              </a:blipFill>
+            </p:spPr>
+            <p:txBody>
+              <a:bodyPr/>
+              <a:lstStyle/>
+              <a:p>
+                <a:r>
+                  <a:rPr lang="zh-CN" altLang="en-US">
+                    <a:noFill/>
+                  </a:rPr>
+                  <a:t> </a:t>
+                </a:r>
+              </a:p>
+            </p:txBody>
+          </p:sp>
+        </mc:Fallback>
+      </mc:AlternateContent>
     </p:spTree>
     <p:extLst>
       <p:ext uri="{BB962C8B-B14F-4D97-AF65-F5344CB8AC3E}">
@@ -38022,9 +38983,950 @@
   <p:timing>
     <p:tnLst>
       <p:par>
-        <p:cTn id="1" dur="indefinite" restart="never" nodeType="tmRoot"/>
+        <p:cTn id="1" dur="indefinite" restart="never" nodeType="tmRoot">
+          <p:childTnLst>
+            <p:seq concurrent="1" nextAc="seek">
+              <p:cTn id="2" dur="indefinite" nodeType="mainSeq">
+                <p:childTnLst>
+                  <p:par>
+                    <p:cTn id="3" fill="hold">
+                      <p:stCondLst>
+                        <p:cond delay="indefinite"/>
+                      </p:stCondLst>
+                      <p:childTnLst>
+                        <p:par>
+                          <p:cTn id="4" fill="hold">
+                            <p:stCondLst>
+                              <p:cond delay="0"/>
+                            </p:stCondLst>
+                            <p:childTnLst>
+                              <p:par>
+                                <p:cTn id="5" presetID="42" presetClass="entr" presetSubtype="0" fill="hold" grpId="0" nodeType="clickEffect">
+                                  <p:stCondLst>
+                                    <p:cond delay="0"/>
+                                  </p:stCondLst>
+                                  <p:childTnLst>
+                                    <p:set>
+                                      <p:cBhvr>
+                                        <p:cTn id="6" dur="1" fill="hold">
+                                          <p:stCondLst>
+                                            <p:cond delay="0"/>
+                                          </p:stCondLst>
+                                        </p:cTn>
+                                        <p:tgtEl>
+                                          <p:spTgt spid="4"/>
+                                        </p:tgtEl>
+                                        <p:attrNameLst>
+                                          <p:attrName>style.visibility</p:attrName>
+                                        </p:attrNameLst>
+                                      </p:cBhvr>
+                                      <p:to>
+                                        <p:strVal val="visible"/>
+                                      </p:to>
+                                    </p:set>
+                                    <p:animEffect transition="in" filter="fade">
+                                      <p:cBhvr>
+                                        <p:cTn id="7" dur="1000"/>
+                                        <p:tgtEl>
+                                          <p:spTgt spid="4"/>
+                                        </p:tgtEl>
+                                      </p:cBhvr>
+                                    </p:animEffect>
+                                    <p:anim calcmode="lin" valueType="num">
+                                      <p:cBhvr>
+                                        <p:cTn id="8" dur="1000" fill="hold"/>
+                                        <p:tgtEl>
+                                          <p:spTgt spid="4"/>
+                                        </p:tgtEl>
+                                        <p:attrNameLst>
+                                          <p:attrName>ppt_x</p:attrName>
+                                        </p:attrNameLst>
+                                      </p:cBhvr>
+                                      <p:tavLst>
+                                        <p:tav tm="0">
+                                          <p:val>
+                                            <p:strVal val="#ppt_x"/>
+                                          </p:val>
+                                        </p:tav>
+                                        <p:tav tm="100000">
+                                          <p:val>
+                                            <p:strVal val="#ppt_x"/>
+                                          </p:val>
+                                        </p:tav>
+                                      </p:tavLst>
+                                    </p:anim>
+                                    <p:anim calcmode="lin" valueType="num">
+                                      <p:cBhvr>
+                                        <p:cTn id="9" dur="1000" fill="hold"/>
+                                        <p:tgtEl>
+                                          <p:spTgt spid="4"/>
+                                        </p:tgtEl>
+                                        <p:attrNameLst>
+                                          <p:attrName>ppt_y</p:attrName>
+                                        </p:attrNameLst>
+                                      </p:cBhvr>
+                                      <p:tavLst>
+                                        <p:tav tm="0">
+                                          <p:val>
+                                            <p:strVal val="#ppt_y+.1"/>
+                                          </p:val>
+                                        </p:tav>
+                                        <p:tav tm="100000">
+                                          <p:val>
+                                            <p:strVal val="#ppt_y"/>
+                                          </p:val>
+                                        </p:tav>
+                                      </p:tavLst>
+                                    </p:anim>
+                                  </p:childTnLst>
+                                </p:cTn>
+                              </p:par>
+                            </p:childTnLst>
+                          </p:cTn>
+                        </p:par>
+                      </p:childTnLst>
+                    </p:cTn>
+                  </p:par>
+                  <p:par>
+                    <p:cTn id="10" fill="hold">
+                      <p:stCondLst>
+                        <p:cond delay="indefinite"/>
+                      </p:stCondLst>
+                      <p:childTnLst>
+                        <p:par>
+                          <p:cTn id="11" fill="hold">
+                            <p:stCondLst>
+                              <p:cond delay="0"/>
+                            </p:stCondLst>
+                            <p:childTnLst>
+                              <p:par>
+                                <p:cTn id="12" presetID="2" presetClass="entr" presetSubtype="4" fill="hold" grpId="0" nodeType="clickEffect">
+                                  <p:stCondLst>
+                                    <p:cond delay="0"/>
+                                  </p:stCondLst>
+                                  <p:childTnLst>
+                                    <p:set>
+                                      <p:cBhvr>
+                                        <p:cTn id="13" dur="1" fill="hold">
+                                          <p:stCondLst>
+                                            <p:cond delay="0"/>
+                                          </p:stCondLst>
+                                        </p:cTn>
+                                        <p:tgtEl>
+                                          <p:spTgt spid="10"/>
+                                        </p:tgtEl>
+                                        <p:attrNameLst>
+                                          <p:attrName>style.visibility</p:attrName>
+                                        </p:attrNameLst>
+                                      </p:cBhvr>
+                                      <p:to>
+                                        <p:strVal val="visible"/>
+                                      </p:to>
+                                    </p:set>
+                                    <p:anim calcmode="lin" valueType="num">
+                                      <p:cBhvr additive="base">
+                                        <p:cTn id="14" dur="500" fill="hold"/>
+                                        <p:tgtEl>
+                                          <p:spTgt spid="10"/>
+                                        </p:tgtEl>
+                                        <p:attrNameLst>
+                                          <p:attrName>ppt_x</p:attrName>
+                                        </p:attrNameLst>
+                                      </p:cBhvr>
+                                      <p:tavLst>
+                                        <p:tav tm="0">
+                                          <p:val>
+                                            <p:strVal val="#ppt_x"/>
+                                          </p:val>
+                                        </p:tav>
+                                        <p:tav tm="100000">
+                                          <p:val>
+                                            <p:strVal val="#ppt_x"/>
+                                          </p:val>
+                                        </p:tav>
+                                      </p:tavLst>
+                                    </p:anim>
+                                    <p:anim calcmode="lin" valueType="num">
+                                      <p:cBhvr additive="base">
+                                        <p:cTn id="15" dur="500" fill="hold"/>
+                                        <p:tgtEl>
+                                          <p:spTgt spid="10"/>
+                                        </p:tgtEl>
+                                        <p:attrNameLst>
+                                          <p:attrName>ppt_y</p:attrName>
+                                        </p:attrNameLst>
+                                      </p:cBhvr>
+                                      <p:tavLst>
+                                        <p:tav tm="0">
+                                          <p:val>
+                                            <p:strVal val="1+#ppt_h/2"/>
+                                          </p:val>
+                                        </p:tav>
+                                        <p:tav tm="100000">
+                                          <p:val>
+                                            <p:strVal val="#ppt_y"/>
+                                          </p:val>
+                                        </p:tav>
+                                      </p:tavLst>
+                                    </p:anim>
+                                  </p:childTnLst>
+                                </p:cTn>
+                              </p:par>
+                            </p:childTnLst>
+                          </p:cTn>
+                        </p:par>
+                      </p:childTnLst>
+                    </p:cTn>
+                  </p:par>
+                  <p:par>
+                    <p:cTn id="16" fill="hold">
+                      <p:stCondLst>
+                        <p:cond delay="indefinite"/>
+                      </p:stCondLst>
+                      <p:childTnLst>
+                        <p:par>
+                          <p:cTn id="17" fill="hold">
+                            <p:stCondLst>
+                              <p:cond delay="0"/>
+                            </p:stCondLst>
+                            <p:childTnLst>
+                              <p:par>
+                                <p:cTn id="18" presetID="2" presetClass="entr" presetSubtype="4" fill="hold" grpId="0" nodeType="clickEffect">
+                                  <p:stCondLst>
+                                    <p:cond delay="0"/>
+                                  </p:stCondLst>
+                                  <p:childTnLst>
+                                    <p:set>
+                                      <p:cBhvr>
+                                        <p:cTn id="19" dur="1" fill="hold">
+                                          <p:stCondLst>
+                                            <p:cond delay="0"/>
+                                          </p:stCondLst>
+                                        </p:cTn>
+                                        <p:tgtEl>
+                                          <p:spTgt spid="14"/>
+                                        </p:tgtEl>
+                                        <p:attrNameLst>
+                                          <p:attrName>style.visibility</p:attrName>
+                                        </p:attrNameLst>
+                                      </p:cBhvr>
+                                      <p:to>
+                                        <p:strVal val="visible"/>
+                                      </p:to>
+                                    </p:set>
+                                    <p:anim calcmode="lin" valueType="num">
+                                      <p:cBhvr additive="base">
+                                        <p:cTn id="20" dur="500" fill="hold"/>
+                                        <p:tgtEl>
+                                          <p:spTgt spid="14"/>
+                                        </p:tgtEl>
+                                        <p:attrNameLst>
+                                          <p:attrName>ppt_x</p:attrName>
+                                        </p:attrNameLst>
+                                      </p:cBhvr>
+                                      <p:tavLst>
+                                        <p:tav tm="0">
+                                          <p:val>
+                                            <p:strVal val="#ppt_x"/>
+                                          </p:val>
+                                        </p:tav>
+                                        <p:tav tm="100000">
+                                          <p:val>
+                                            <p:strVal val="#ppt_x"/>
+                                          </p:val>
+                                        </p:tav>
+                                      </p:tavLst>
+                                    </p:anim>
+                                    <p:anim calcmode="lin" valueType="num">
+                                      <p:cBhvr additive="base">
+                                        <p:cTn id="21" dur="500" fill="hold"/>
+                                        <p:tgtEl>
+                                          <p:spTgt spid="14"/>
+                                        </p:tgtEl>
+                                        <p:attrNameLst>
+                                          <p:attrName>ppt_y</p:attrName>
+                                        </p:attrNameLst>
+                                      </p:cBhvr>
+                                      <p:tavLst>
+                                        <p:tav tm="0">
+                                          <p:val>
+                                            <p:strVal val="1+#ppt_h/2"/>
+                                          </p:val>
+                                        </p:tav>
+                                        <p:tav tm="100000">
+                                          <p:val>
+                                            <p:strVal val="#ppt_y"/>
+                                          </p:val>
+                                        </p:tav>
+                                      </p:tavLst>
+                                    </p:anim>
+                                  </p:childTnLst>
+                                </p:cTn>
+                              </p:par>
+                            </p:childTnLst>
+                          </p:cTn>
+                        </p:par>
+                      </p:childTnLst>
+                    </p:cTn>
+                  </p:par>
+                  <p:par>
+                    <p:cTn id="22" fill="hold">
+                      <p:stCondLst>
+                        <p:cond delay="indefinite"/>
+                      </p:stCondLst>
+                      <p:childTnLst>
+                        <p:par>
+                          <p:cTn id="23" fill="hold">
+                            <p:stCondLst>
+                              <p:cond delay="0"/>
+                            </p:stCondLst>
+                            <p:childTnLst>
+                              <p:par>
+                                <p:cTn id="24" presetID="2" presetClass="entr" presetSubtype="4" fill="hold" grpId="0" nodeType="clickEffect">
+                                  <p:stCondLst>
+                                    <p:cond delay="0"/>
+                                  </p:stCondLst>
+                                  <p:childTnLst>
+                                    <p:set>
+                                      <p:cBhvr>
+                                        <p:cTn id="25" dur="1" fill="hold">
+                                          <p:stCondLst>
+                                            <p:cond delay="0"/>
+                                          </p:stCondLst>
+                                        </p:cTn>
+                                        <p:tgtEl>
+                                          <p:spTgt spid="16"/>
+                                        </p:tgtEl>
+                                        <p:attrNameLst>
+                                          <p:attrName>style.visibility</p:attrName>
+                                        </p:attrNameLst>
+                                      </p:cBhvr>
+                                      <p:to>
+                                        <p:strVal val="visible"/>
+                                      </p:to>
+                                    </p:set>
+                                    <p:anim calcmode="lin" valueType="num">
+                                      <p:cBhvr additive="base">
+                                        <p:cTn id="26" dur="500" fill="hold"/>
+                                        <p:tgtEl>
+                                          <p:spTgt spid="16"/>
+                                        </p:tgtEl>
+                                        <p:attrNameLst>
+                                          <p:attrName>ppt_x</p:attrName>
+                                        </p:attrNameLst>
+                                      </p:cBhvr>
+                                      <p:tavLst>
+                                        <p:tav tm="0">
+                                          <p:val>
+                                            <p:strVal val="#ppt_x"/>
+                                          </p:val>
+                                        </p:tav>
+                                        <p:tav tm="100000">
+                                          <p:val>
+                                            <p:strVal val="#ppt_x"/>
+                                          </p:val>
+                                        </p:tav>
+                                      </p:tavLst>
+                                    </p:anim>
+                                    <p:anim calcmode="lin" valueType="num">
+                                      <p:cBhvr additive="base">
+                                        <p:cTn id="27" dur="500" fill="hold"/>
+                                        <p:tgtEl>
+                                          <p:spTgt spid="16"/>
+                                        </p:tgtEl>
+                                        <p:attrNameLst>
+                                          <p:attrName>ppt_y</p:attrName>
+                                        </p:attrNameLst>
+                                      </p:cBhvr>
+                                      <p:tavLst>
+                                        <p:tav tm="0">
+                                          <p:val>
+                                            <p:strVal val="1+#ppt_h/2"/>
+                                          </p:val>
+                                        </p:tav>
+                                        <p:tav tm="100000">
+                                          <p:val>
+                                            <p:strVal val="#ppt_y"/>
+                                          </p:val>
+                                        </p:tav>
+                                      </p:tavLst>
+                                    </p:anim>
+                                  </p:childTnLst>
+                                </p:cTn>
+                              </p:par>
+                            </p:childTnLst>
+                          </p:cTn>
+                        </p:par>
+                      </p:childTnLst>
+                    </p:cTn>
+                  </p:par>
+                  <p:par>
+                    <p:cTn id="28" fill="hold">
+                      <p:stCondLst>
+                        <p:cond delay="indefinite"/>
+                      </p:stCondLst>
+                      <p:childTnLst>
+                        <p:par>
+                          <p:cTn id="29" fill="hold">
+                            <p:stCondLst>
+                              <p:cond delay="0"/>
+                            </p:stCondLst>
+                            <p:childTnLst>
+                              <p:par>
+                                <p:cTn id="30" presetID="2" presetClass="entr" presetSubtype="4" fill="hold" grpId="0" nodeType="clickEffect">
+                                  <p:stCondLst>
+                                    <p:cond delay="0"/>
+                                  </p:stCondLst>
+                                  <p:childTnLst>
+                                    <p:set>
+                                      <p:cBhvr>
+                                        <p:cTn id="31" dur="1" fill="hold">
+                                          <p:stCondLst>
+                                            <p:cond delay="0"/>
+                                          </p:stCondLst>
+                                        </p:cTn>
+                                        <p:tgtEl>
+                                          <p:spTgt spid="15"/>
+                                        </p:tgtEl>
+                                        <p:attrNameLst>
+                                          <p:attrName>style.visibility</p:attrName>
+                                        </p:attrNameLst>
+                                      </p:cBhvr>
+                                      <p:to>
+                                        <p:strVal val="visible"/>
+                                      </p:to>
+                                    </p:set>
+                                    <p:anim calcmode="lin" valueType="num">
+                                      <p:cBhvr additive="base">
+                                        <p:cTn id="32" dur="500" fill="hold"/>
+                                        <p:tgtEl>
+                                          <p:spTgt spid="15"/>
+                                        </p:tgtEl>
+                                        <p:attrNameLst>
+                                          <p:attrName>ppt_x</p:attrName>
+                                        </p:attrNameLst>
+                                      </p:cBhvr>
+                                      <p:tavLst>
+                                        <p:tav tm="0">
+                                          <p:val>
+                                            <p:strVal val="#ppt_x"/>
+                                          </p:val>
+                                        </p:tav>
+                                        <p:tav tm="100000">
+                                          <p:val>
+                                            <p:strVal val="#ppt_x"/>
+                                          </p:val>
+                                        </p:tav>
+                                      </p:tavLst>
+                                    </p:anim>
+                                    <p:anim calcmode="lin" valueType="num">
+                                      <p:cBhvr additive="base">
+                                        <p:cTn id="33" dur="500" fill="hold"/>
+                                        <p:tgtEl>
+                                          <p:spTgt spid="15"/>
+                                        </p:tgtEl>
+                                        <p:attrNameLst>
+                                          <p:attrName>ppt_y</p:attrName>
+                                        </p:attrNameLst>
+                                      </p:cBhvr>
+                                      <p:tavLst>
+                                        <p:tav tm="0">
+                                          <p:val>
+                                            <p:strVal val="1+#ppt_h/2"/>
+                                          </p:val>
+                                        </p:tav>
+                                        <p:tav tm="100000">
+                                          <p:val>
+                                            <p:strVal val="#ppt_y"/>
+                                          </p:val>
+                                        </p:tav>
+                                      </p:tavLst>
+                                    </p:anim>
+                                  </p:childTnLst>
+                                </p:cTn>
+                              </p:par>
+                            </p:childTnLst>
+                          </p:cTn>
+                        </p:par>
+                      </p:childTnLst>
+                    </p:cTn>
+                  </p:par>
+                  <p:par>
+                    <p:cTn id="34" fill="hold">
+                      <p:stCondLst>
+                        <p:cond delay="indefinite"/>
+                      </p:stCondLst>
+                      <p:childTnLst>
+                        <p:par>
+                          <p:cTn id="35" fill="hold">
+                            <p:stCondLst>
+                              <p:cond delay="0"/>
+                            </p:stCondLst>
+                            <p:childTnLst>
+                              <p:par>
+                                <p:cTn id="36" presetID="2" presetClass="entr" presetSubtype="4" fill="hold" grpId="0" nodeType="clickEffect">
+                                  <p:stCondLst>
+                                    <p:cond delay="0"/>
+                                  </p:stCondLst>
+                                  <p:childTnLst>
+                                    <p:set>
+                                      <p:cBhvr>
+                                        <p:cTn id="37" dur="1" fill="hold">
+                                          <p:stCondLst>
+                                            <p:cond delay="0"/>
+                                          </p:stCondLst>
+                                        </p:cTn>
+                                        <p:tgtEl>
+                                          <p:spTgt spid="18"/>
+                                        </p:tgtEl>
+                                        <p:attrNameLst>
+                                          <p:attrName>style.visibility</p:attrName>
+                                        </p:attrNameLst>
+                                      </p:cBhvr>
+                                      <p:to>
+                                        <p:strVal val="visible"/>
+                                      </p:to>
+                                    </p:set>
+                                    <p:anim calcmode="lin" valueType="num">
+                                      <p:cBhvr additive="base">
+                                        <p:cTn id="38" dur="500" fill="hold"/>
+                                        <p:tgtEl>
+                                          <p:spTgt spid="18"/>
+                                        </p:tgtEl>
+                                        <p:attrNameLst>
+                                          <p:attrName>ppt_x</p:attrName>
+                                        </p:attrNameLst>
+                                      </p:cBhvr>
+                                      <p:tavLst>
+                                        <p:tav tm="0">
+                                          <p:val>
+                                            <p:strVal val="#ppt_x"/>
+                                          </p:val>
+                                        </p:tav>
+                                        <p:tav tm="100000">
+                                          <p:val>
+                                            <p:strVal val="#ppt_x"/>
+                                          </p:val>
+                                        </p:tav>
+                                      </p:tavLst>
+                                    </p:anim>
+                                    <p:anim calcmode="lin" valueType="num">
+                                      <p:cBhvr additive="base">
+                                        <p:cTn id="39" dur="500" fill="hold"/>
+                                        <p:tgtEl>
+                                          <p:spTgt spid="18"/>
+                                        </p:tgtEl>
+                                        <p:attrNameLst>
+                                          <p:attrName>ppt_y</p:attrName>
+                                        </p:attrNameLst>
+                                      </p:cBhvr>
+                                      <p:tavLst>
+                                        <p:tav tm="0">
+                                          <p:val>
+                                            <p:strVal val="1+#ppt_h/2"/>
+                                          </p:val>
+                                        </p:tav>
+                                        <p:tav tm="100000">
+                                          <p:val>
+                                            <p:strVal val="#ppt_y"/>
+                                          </p:val>
+                                        </p:tav>
+                                      </p:tavLst>
+                                    </p:anim>
+                                  </p:childTnLst>
+                                </p:cTn>
+                              </p:par>
+                            </p:childTnLst>
+                          </p:cTn>
+                        </p:par>
+                      </p:childTnLst>
+                    </p:cTn>
+                  </p:par>
+                  <p:par>
+                    <p:cTn id="40" fill="hold">
+                      <p:stCondLst>
+                        <p:cond delay="indefinite"/>
+                      </p:stCondLst>
+                      <p:childTnLst>
+                        <p:par>
+                          <p:cTn id="41" fill="hold">
+                            <p:stCondLst>
+                              <p:cond delay="0"/>
+                            </p:stCondLst>
+                            <p:childTnLst>
+                              <p:par>
+                                <p:cTn id="42" presetID="2" presetClass="entr" presetSubtype="4" fill="hold" grpId="0" nodeType="clickEffect">
+                                  <p:stCondLst>
+                                    <p:cond delay="0"/>
+                                  </p:stCondLst>
+                                  <p:childTnLst>
+                                    <p:set>
+                                      <p:cBhvr>
+                                        <p:cTn id="43" dur="1" fill="hold">
+                                          <p:stCondLst>
+                                            <p:cond delay="0"/>
+                                          </p:stCondLst>
+                                        </p:cTn>
+                                        <p:tgtEl>
+                                          <p:spTgt spid="17"/>
+                                        </p:tgtEl>
+                                        <p:attrNameLst>
+                                          <p:attrName>style.visibility</p:attrName>
+                                        </p:attrNameLst>
+                                      </p:cBhvr>
+                                      <p:to>
+                                        <p:strVal val="visible"/>
+                                      </p:to>
+                                    </p:set>
+                                    <p:anim calcmode="lin" valueType="num">
+                                      <p:cBhvr additive="base">
+                                        <p:cTn id="44" dur="500" fill="hold"/>
+                                        <p:tgtEl>
+                                          <p:spTgt spid="17"/>
+                                        </p:tgtEl>
+                                        <p:attrNameLst>
+                                          <p:attrName>ppt_x</p:attrName>
+                                        </p:attrNameLst>
+                                      </p:cBhvr>
+                                      <p:tavLst>
+                                        <p:tav tm="0">
+                                          <p:val>
+                                            <p:strVal val="#ppt_x"/>
+                                          </p:val>
+                                        </p:tav>
+                                        <p:tav tm="100000">
+                                          <p:val>
+                                            <p:strVal val="#ppt_x"/>
+                                          </p:val>
+                                        </p:tav>
+                                      </p:tavLst>
+                                    </p:anim>
+                                    <p:anim calcmode="lin" valueType="num">
+                                      <p:cBhvr additive="base">
+                                        <p:cTn id="45" dur="500" fill="hold"/>
+                                        <p:tgtEl>
+                                          <p:spTgt spid="17"/>
+                                        </p:tgtEl>
+                                        <p:attrNameLst>
+                                          <p:attrName>ppt_y</p:attrName>
+                                        </p:attrNameLst>
+                                      </p:cBhvr>
+                                      <p:tavLst>
+                                        <p:tav tm="0">
+                                          <p:val>
+                                            <p:strVal val="1+#ppt_h/2"/>
+                                          </p:val>
+                                        </p:tav>
+                                        <p:tav tm="100000">
+                                          <p:val>
+                                            <p:strVal val="#ppt_y"/>
+                                          </p:val>
+                                        </p:tav>
+                                      </p:tavLst>
+                                    </p:anim>
+                                  </p:childTnLst>
+                                </p:cTn>
+                              </p:par>
+                            </p:childTnLst>
+                          </p:cTn>
+                        </p:par>
+                      </p:childTnLst>
+                    </p:cTn>
+                  </p:par>
+                  <p:par>
+                    <p:cTn id="46" fill="hold">
+                      <p:stCondLst>
+                        <p:cond delay="indefinite"/>
+                      </p:stCondLst>
+                      <p:childTnLst>
+                        <p:par>
+                          <p:cTn id="47" fill="hold">
+                            <p:stCondLst>
+                              <p:cond delay="0"/>
+                            </p:stCondLst>
+                            <p:childTnLst>
+                              <p:par>
+                                <p:cTn id="48" presetID="42" presetClass="entr" presetSubtype="0" fill="hold" grpId="0" nodeType="clickEffect">
+                                  <p:stCondLst>
+                                    <p:cond delay="0"/>
+                                  </p:stCondLst>
+                                  <p:childTnLst>
+                                    <p:set>
+                                      <p:cBhvr>
+                                        <p:cTn id="49" dur="1" fill="hold">
+                                          <p:stCondLst>
+                                            <p:cond delay="0"/>
+                                          </p:stCondLst>
+                                        </p:cTn>
+                                        <p:tgtEl>
+                                          <p:spTgt spid="21"/>
+                                        </p:tgtEl>
+                                        <p:attrNameLst>
+                                          <p:attrName>style.visibility</p:attrName>
+                                        </p:attrNameLst>
+                                      </p:cBhvr>
+                                      <p:to>
+                                        <p:strVal val="visible"/>
+                                      </p:to>
+                                    </p:set>
+                                    <p:animEffect transition="in" filter="fade">
+                                      <p:cBhvr>
+                                        <p:cTn id="50" dur="1000"/>
+                                        <p:tgtEl>
+                                          <p:spTgt spid="21"/>
+                                        </p:tgtEl>
+                                      </p:cBhvr>
+                                    </p:animEffect>
+                                    <p:anim calcmode="lin" valueType="num">
+                                      <p:cBhvr>
+                                        <p:cTn id="51" dur="1000" fill="hold"/>
+                                        <p:tgtEl>
+                                          <p:spTgt spid="21"/>
+                                        </p:tgtEl>
+                                        <p:attrNameLst>
+                                          <p:attrName>ppt_x</p:attrName>
+                                        </p:attrNameLst>
+                                      </p:cBhvr>
+                                      <p:tavLst>
+                                        <p:tav tm="0">
+                                          <p:val>
+                                            <p:strVal val="#ppt_x"/>
+                                          </p:val>
+                                        </p:tav>
+                                        <p:tav tm="100000">
+                                          <p:val>
+                                            <p:strVal val="#ppt_x"/>
+                                          </p:val>
+                                        </p:tav>
+                                      </p:tavLst>
+                                    </p:anim>
+                                    <p:anim calcmode="lin" valueType="num">
+                                      <p:cBhvr>
+                                        <p:cTn id="52" dur="1000" fill="hold"/>
+                                        <p:tgtEl>
+                                          <p:spTgt spid="21"/>
+                                        </p:tgtEl>
+                                        <p:attrNameLst>
+                                          <p:attrName>ppt_y</p:attrName>
+                                        </p:attrNameLst>
+                                      </p:cBhvr>
+                                      <p:tavLst>
+                                        <p:tav tm="0">
+                                          <p:val>
+                                            <p:strVal val="#ppt_y+.1"/>
+                                          </p:val>
+                                        </p:tav>
+                                        <p:tav tm="100000">
+                                          <p:val>
+                                            <p:strVal val="#ppt_y"/>
+                                          </p:val>
+                                        </p:tav>
+                                      </p:tavLst>
+                                    </p:anim>
+                                  </p:childTnLst>
+                                </p:cTn>
+                              </p:par>
+                              <p:par>
+                                <p:cTn id="53" presetID="42" presetClass="entr" presetSubtype="0" fill="hold" grpId="0" nodeType="withEffect">
+                                  <p:stCondLst>
+                                    <p:cond delay="0"/>
+                                  </p:stCondLst>
+                                  <p:childTnLst>
+                                    <p:set>
+                                      <p:cBhvr>
+                                        <p:cTn id="54" dur="1" fill="hold">
+                                          <p:stCondLst>
+                                            <p:cond delay="0"/>
+                                          </p:stCondLst>
+                                        </p:cTn>
+                                        <p:tgtEl>
+                                          <p:spTgt spid="22"/>
+                                        </p:tgtEl>
+                                        <p:attrNameLst>
+                                          <p:attrName>style.visibility</p:attrName>
+                                        </p:attrNameLst>
+                                      </p:cBhvr>
+                                      <p:to>
+                                        <p:strVal val="visible"/>
+                                      </p:to>
+                                    </p:set>
+                                    <p:animEffect transition="in" filter="fade">
+                                      <p:cBhvr>
+                                        <p:cTn id="55" dur="1000"/>
+                                        <p:tgtEl>
+                                          <p:spTgt spid="22"/>
+                                        </p:tgtEl>
+                                      </p:cBhvr>
+                                    </p:animEffect>
+                                    <p:anim calcmode="lin" valueType="num">
+                                      <p:cBhvr>
+                                        <p:cTn id="56" dur="1000" fill="hold"/>
+                                        <p:tgtEl>
+                                          <p:spTgt spid="22"/>
+                                        </p:tgtEl>
+                                        <p:attrNameLst>
+                                          <p:attrName>ppt_x</p:attrName>
+                                        </p:attrNameLst>
+                                      </p:cBhvr>
+                                      <p:tavLst>
+                                        <p:tav tm="0">
+                                          <p:val>
+                                            <p:strVal val="#ppt_x"/>
+                                          </p:val>
+                                        </p:tav>
+                                        <p:tav tm="100000">
+                                          <p:val>
+                                            <p:strVal val="#ppt_x"/>
+                                          </p:val>
+                                        </p:tav>
+                                      </p:tavLst>
+                                    </p:anim>
+                                    <p:anim calcmode="lin" valueType="num">
+                                      <p:cBhvr>
+                                        <p:cTn id="57" dur="1000" fill="hold"/>
+                                        <p:tgtEl>
+                                          <p:spTgt spid="22"/>
+                                        </p:tgtEl>
+                                        <p:attrNameLst>
+                                          <p:attrName>ppt_y</p:attrName>
+                                        </p:attrNameLst>
+                                      </p:cBhvr>
+                                      <p:tavLst>
+                                        <p:tav tm="0">
+                                          <p:val>
+                                            <p:strVal val="#ppt_y+.1"/>
+                                          </p:val>
+                                        </p:tav>
+                                        <p:tav tm="100000">
+                                          <p:val>
+                                            <p:strVal val="#ppt_y"/>
+                                          </p:val>
+                                        </p:tav>
+                                      </p:tavLst>
+                                    </p:anim>
+                                  </p:childTnLst>
+                                </p:cTn>
+                              </p:par>
+                              <p:par>
+                                <p:cTn id="58" presetID="42" presetClass="entr" presetSubtype="0" fill="hold" grpId="0" nodeType="withEffect">
+                                  <p:stCondLst>
+                                    <p:cond delay="0"/>
+                                  </p:stCondLst>
+                                  <p:childTnLst>
+                                    <p:set>
+                                      <p:cBhvr>
+                                        <p:cTn id="59" dur="1" fill="hold">
+                                          <p:stCondLst>
+                                            <p:cond delay="0"/>
+                                          </p:stCondLst>
+                                        </p:cTn>
+                                        <p:tgtEl>
+                                          <p:spTgt spid="23"/>
+                                        </p:tgtEl>
+                                        <p:attrNameLst>
+                                          <p:attrName>style.visibility</p:attrName>
+                                        </p:attrNameLst>
+                                      </p:cBhvr>
+                                      <p:to>
+                                        <p:strVal val="visible"/>
+                                      </p:to>
+                                    </p:set>
+                                    <p:animEffect transition="in" filter="fade">
+                                      <p:cBhvr>
+                                        <p:cTn id="60" dur="1000"/>
+                                        <p:tgtEl>
+                                          <p:spTgt spid="23"/>
+                                        </p:tgtEl>
+                                      </p:cBhvr>
+                                    </p:animEffect>
+                                    <p:anim calcmode="lin" valueType="num">
+                                      <p:cBhvr>
+                                        <p:cTn id="61" dur="1000" fill="hold"/>
+                                        <p:tgtEl>
+                                          <p:spTgt spid="23"/>
+                                        </p:tgtEl>
+                                        <p:attrNameLst>
+                                          <p:attrName>ppt_x</p:attrName>
+                                        </p:attrNameLst>
+                                      </p:cBhvr>
+                                      <p:tavLst>
+                                        <p:tav tm="0">
+                                          <p:val>
+                                            <p:strVal val="#ppt_x"/>
+                                          </p:val>
+                                        </p:tav>
+                                        <p:tav tm="100000">
+                                          <p:val>
+                                            <p:strVal val="#ppt_x"/>
+                                          </p:val>
+                                        </p:tav>
+                                      </p:tavLst>
+                                    </p:anim>
+                                    <p:anim calcmode="lin" valueType="num">
+                                      <p:cBhvr>
+                                        <p:cTn id="62" dur="1000" fill="hold"/>
+                                        <p:tgtEl>
+                                          <p:spTgt spid="23"/>
+                                        </p:tgtEl>
+                                        <p:attrNameLst>
+                                          <p:attrName>ppt_y</p:attrName>
+                                        </p:attrNameLst>
+                                      </p:cBhvr>
+                                      <p:tavLst>
+                                        <p:tav tm="0">
+                                          <p:val>
+                                            <p:strVal val="#ppt_y+.1"/>
+                                          </p:val>
+                                        </p:tav>
+                                        <p:tav tm="100000">
+                                          <p:val>
+                                            <p:strVal val="#ppt_y"/>
+                                          </p:val>
+                                        </p:tav>
+                                      </p:tavLst>
+                                    </p:anim>
+                                  </p:childTnLst>
+                                </p:cTn>
+                              </p:par>
+                            </p:childTnLst>
+                          </p:cTn>
+                        </p:par>
+                      </p:childTnLst>
+                    </p:cTn>
+                  </p:par>
+                </p:childTnLst>
+              </p:cTn>
+              <p:prevCondLst>
+                <p:cond evt="onPrev" delay="0">
+                  <p:tgtEl>
+                    <p:sldTgt/>
+                  </p:tgtEl>
+                </p:cond>
+              </p:prevCondLst>
+              <p:nextCondLst>
+                <p:cond evt="onNext" delay="0">
+                  <p:tgtEl>
+                    <p:sldTgt/>
+                  </p:tgtEl>
+                </p:cond>
+              </p:nextCondLst>
+            </p:seq>
+          </p:childTnLst>
+        </p:cTn>
       </p:par>
     </p:tnLst>
+    <p:bldLst>
+      <p:bldP spid="4" grpId="0" animBg="1"/>
+      <p:bldP spid="10" grpId="0" animBg="1"/>
+      <p:bldP spid="14" grpId="0" animBg="1"/>
+      <p:bldP spid="15" grpId="0" animBg="1"/>
+      <p:bldP spid="16" grpId="0" animBg="1"/>
+      <p:bldP spid="17" grpId="0" animBg="1"/>
+      <p:bldP spid="18" grpId="0" animBg="1"/>
+      <p:bldP spid="21" grpId="0"/>
+      <p:bldP spid="22" grpId="0" animBg="1"/>
+      <p:bldP spid="23" grpId="0"/>
+    </p:bldLst>
   </p:timing>
 </p:sld>
 </file>
